--- a/trunk/2-Java-Programmer-Modulo-II/19.Capitulo11.pptx
+++ b/trunk/2-Java-Programmer-Modulo-II/19.Capitulo11.pptx
@@ -5,18 +5,29 @@
     <p:sldMasterId id="2147483660" r:id="rId1"/>
   </p:sldMasterIdLst>
   <p:notesMasterIdLst>
-    <p:notesMasterId r:id="rId11"/>
+    <p:notesMasterId r:id="rId22"/>
   </p:notesMasterIdLst>
   <p:sldIdLst>
     <p:sldId id="256" r:id="rId2"/>
-    <p:sldId id="298" r:id="rId3"/>
-    <p:sldId id="299" r:id="rId4"/>
-    <p:sldId id="300" r:id="rId5"/>
-    <p:sldId id="301" r:id="rId6"/>
-    <p:sldId id="302" r:id="rId7"/>
-    <p:sldId id="303" r:id="rId8"/>
-    <p:sldId id="304" r:id="rId9"/>
-    <p:sldId id="305" r:id="rId10"/>
+    <p:sldId id="315" r:id="rId3"/>
+    <p:sldId id="316" r:id="rId4"/>
+    <p:sldId id="305" r:id="rId5"/>
+    <p:sldId id="317" r:id="rId6"/>
+    <p:sldId id="318" r:id="rId7"/>
+    <p:sldId id="320" r:id="rId8"/>
+    <p:sldId id="321" r:id="rId9"/>
+    <p:sldId id="319" r:id="rId10"/>
+    <p:sldId id="322" r:id="rId11"/>
+    <p:sldId id="306" r:id="rId12"/>
+    <p:sldId id="324" r:id="rId13"/>
+    <p:sldId id="307" r:id="rId14"/>
+    <p:sldId id="308" r:id="rId15"/>
+    <p:sldId id="309" r:id="rId16"/>
+    <p:sldId id="310" r:id="rId17"/>
+    <p:sldId id="311" r:id="rId18"/>
+    <p:sldId id="312" r:id="rId19"/>
+    <p:sldId id="313" r:id="rId20"/>
+    <p:sldId id="314" r:id="rId21"/>
   </p:sldIdLst>
   <p:sldSz cx="9144000" cy="6858000" type="screen4x3"/>
   <p:notesSz cx="6858000" cy="9144000"/>
@@ -257,7 +268,7 @@
               <a:pPr>
                 <a:defRPr/>
               </a:pPr>
-              <a:t>21/02/2012</a:t>
+              <a:t>04/06/2012</a:t>
             </a:fld>
             <a:endParaRPr lang="pt-BR"/>
           </a:p>
@@ -707,6 +718,890 @@
 </p:notes>
 </file>
 
+<file path=ppt/notesSlides/notesSlide10.xml><?xml version="1.0" encoding="utf-8"?>
+<p:notes xmlns:a="http://schemas.openxmlformats.org/drawingml/2006/main" xmlns:r="http://schemas.openxmlformats.org/officeDocument/2006/relationships" xmlns:p="http://schemas.openxmlformats.org/presentationml/2006/main">
+  <p:cSld>
+    <p:spTree>
+      <p:nvGrpSpPr>
+        <p:cNvPr id="1" name=""/>
+        <p:cNvGrpSpPr/>
+        <p:nvPr/>
+      </p:nvGrpSpPr>
+      <p:grpSpPr>
+        <a:xfrm>
+          <a:off x="0" y="0"/>
+          <a:ext cx="0" cy="0"/>
+          <a:chOff x="0" y="0"/>
+          <a:chExt cx="0" cy="0"/>
+        </a:xfrm>
+      </p:grpSpPr>
+      <p:sp>
+        <p:nvSpPr>
+          <p:cNvPr id="2" name="Espaço Reservado para Imagem de Slide 1"/>
+          <p:cNvSpPr>
+            <a:spLocks noGrp="1" noRot="1" noChangeAspect="1"/>
+          </p:cNvSpPr>
+          <p:nvPr>
+            <p:ph type="sldImg"/>
+          </p:nvPr>
+        </p:nvSpPr>
+        <p:spPr/>
+      </p:sp>
+      <p:sp>
+        <p:nvSpPr>
+          <p:cNvPr id="3" name="Espaço Reservado para Anotações 2"/>
+          <p:cNvSpPr>
+            <a:spLocks noGrp="1"/>
+          </p:cNvSpPr>
+          <p:nvPr>
+            <p:ph type="body" idx="1"/>
+          </p:nvPr>
+        </p:nvSpPr>
+        <p:spPr/>
+        <p:txBody>
+          <a:bodyPr>
+            <a:normAutofit/>
+          </a:bodyPr>
+          <a:lstStyle/>
+          <a:p>
+            <a:endParaRPr lang="pt-BR"/>
+          </a:p>
+        </p:txBody>
+      </p:sp>
+      <p:sp>
+        <p:nvSpPr>
+          <p:cNvPr id="4" name="Espaço Reservado para Número de Slide 3"/>
+          <p:cNvSpPr>
+            <a:spLocks noGrp="1"/>
+          </p:cNvSpPr>
+          <p:nvPr>
+            <p:ph type="sldNum" sz="quarter" idx="10"/>
+          </p:nvPr>
+        </p:nvSpPr>
+        <p:spPr/>
+        <p:txBody>
+          <a:bodyPr/>
+          <a:lstStyle/>
+          <a:p>
+            <a:pPr>
+              <a:defRPr/>
+            </a:pPr>
+            <a:fld id="{8E95BD27-5466-443F-B42B-02049F05E6C9}" type="slidenum">
+              <a:rPr lang="pt-BR" smtClean="0"/>
+              <a:pPr>
+                <a:defRPr/>
+              </a:pPr>
+              <a:t>10</a:t>
+            </a:fld>
+            <a:endParaRPr lang="pt-BR"/>
+          </a:p>
+        </p:txBody>
+      </p:sp>
+    </p:spTree>
+  </p:cSld>
+  <p:clrMapOvr>
+    <a:masterClrMapping/>
+  </p:clrMapOvr>
+</p:notes>
+</file>
+
+<file path=ppt/notesSlides/notesSlide11.xml><?xml version="1.0" encoding="utf-8"?>
+<p:notes xmlns:a="http://schemas.openxmlformats.org/drawingml/2006/main" xmlns:r="http://schemas.openxmlformats.org/officeDocument/2006/relationships" xmlns:p="http://schemas.openxmlformats.org/presentationml/2006/main">
+  <p:cSld>
+    <p:spTree>
+      <p:nvGrpSpPr>
+        <p:cNvPr id="1" name=""/>
+        <p:cNvGrpSpPr/>
+        <p:nvPr/>
+      </p:nvGrpSpPr>
+      <p:grpSpPr>
+        <a:xfrm>
+          <a:off x="0" y="0"/>
+          <a:ext cx="0" cy="0"/>
+          <a:chOff x="0" y="0"/>
+          <a:chExt cx="0" cy="0"/>
+        </a:xfrm>
+      </p:grpSpPr>
+      <p:sp>
+        <p:nvSpPr>
+          <p:cNvPr id="2" name="Espaço Reservado para Imagem de Slide 1"/>
+          <p:cNvSpPr>
+            <a:spLocks noGrp="1" noRot="1" noChangeAspect="1"/>
+          </p:cNvSpPr>
+          <p:nvPr>
+            <p:ph type="sldImg"/>
+          </p:nvPr>
+        </p:nvSpPr>
+        <p:spPr/>
+      </p:sp>
+      <p:sp>
+        <p:nvSpPr>
+          <p:cNvPr id="3" name="Espaço Reservado para Anotações 2"/>
+          <p:cNvSpPr>
+            <a:spLocks noGrp="1"/>
+          </p:cNvSpPr>
+          <p:nvPr>
+            <p:ph type="body" idx="1"/>
+          </p:nvPr>
+        </p:nvSpPr>
+        <p:spPr/>
+        <p:txBody>
+          <a:bodyPr>
+            <a:normAutofit/>
+          </a:bodyPr>
+          <a:lstStyle/>
+          <a:p>
+            <a:endParaRPr lang="pt-BR"/>
+          </a:p>
+        </p:txBody>
+      </p:sp>
+      <p:sp>
+        <p:nvSpPr>
+          <p:cNvPr id="4" name="Espaço Reservado para Número de Slide 3"/>
+          <p:cNvSpPr>
+            <a:spLocks noGrp="1"/>
+          </p:cNvSpPr>
+          <p:nvPr>
+            <p:ph type="sldNum" sz="quarter" idx="10"/>
+          </p:nvPr>
+        </p:nvSpPr>
+        <p:spPr/>
+        <p:txBody>
+          <a:bodyPr/>
+          <a:lstStyle/>
+          <a:p>
+            <a:pPr>
+              <a:defRPr/>
+            </a:pPr>
+            <a:fld id="{8E95BD27-5466-443F-B42B-02049F05E6C9}" type="slidenum">
+              <a:rPr lang="pt-BR" smtClean="0"/>
+              <a:pPr>
+                <a:defRPr/>
+              </a:pPr>
+              <a:t>11</a:t>
+            </a:fld>
+            <a:endParaRPr lang="pt-BR"/>
+          </a:p>
+        </p:txBody>
+      </p:sp>
+    </p:spTree>
+  </p:cSld>
+  <p:clrMapOvr>
+    <a:masterClrMapping/>
+  </p:clrMapOvr>
+</p:notes>
+</file>
+
+<file path=ppt/notesSlides/notesSlide12.xml><?xml version="1.0" encoding="utf-8"?>
+<p:notes xmlns:a="http://schemas.openxmlformats.org/drawingml/2006/main" xmlns:r="http://schemas.openxmlformats.org/officeDocument/2006/relationships" xmlns:p="http://schemas.openxmlformats.org/presentationml/2006/main">
+  <p:cSld>
+    <p:spTree>
+      <p:nvGrpSpPr>
+        <p:cNvPr id="1" name=""/>
+        <p:cNvGrpSpPr/>
+        <p:nvPr/>
+      </p:nvGrpSpPr>
+      <p:grpSpPr>
+        <a:xfrm>
+          <a:off x="0" y="0"/>
+          <a:ext cx="0" cy="0"/>
+          <a:chOff x="0" y="0"/>
+          <a:chExt cx="0" cy="0"/>
+        </a:xfrm>
+      </p:grpSpPr>
+      <p:sp>
+        <p:nvSpPr>
+          <p:cNvPr id="28674" name="Espaço Reservado para Imagem de Slide 1"/>
+          <p:cNvSpPr>
+            <a:spLocks noGrp="1" noRot="1" noChangeAspect="1" noTextEdit="1"/>
+          </p:cNvSpPr>
+          <p:nvPr>
+            <p:ph type="sldImg"/>
+          </p:nvPr>
+        </p:nvSpPr>
+        <p:spPr bwMode="auto">
+          <a:noFill/>
+          <a:ln>
+            <a:solidFill>
+              <a:srgbClr val="000000"/>
+            </a:solidFill>
+            <a:miter lim="800000"/>
+            <a:headEnd/>
+            <a:tailEnd/>
+          </a:ln>
+        </p:spPr>
+      </p:sp>
+      <p:sp>
+        <p:nvSpPr>
+          <p:cNvPr id="28675" name="Espaço Reservado para Anotações 2"/>
+          <p:cNvSpPr>
+            <a:spLocks noGrp="1"/>
+          </p:cNvSpPr>
+          <p:nvPr>
+            <p:ph type="body" idx="1"/>
+          </p:nvPr>
+        </p:nvSpPr>
+        <p:spPr bwMode="auto">
+          <a:noFill/>
+        </p:spPr>
+        <p:txBody>
+          <a:bodyPr wrap="square" numCol="1" anchor="t" anchorCtr="0" compatLnSpc="1">
+            <a:prstTxWarp prst="textNoShape">
+              <a:avLst/>
+            </a:prstTxWarp>
+          </a:bodyPr>
+          <a:lstStyle/>
+          <a:p>
+            <a:endParaRPr lang="pt-BR" smtClean="0"/>
+          </a:p>
+        </p:txBody>
+      </p:sp>
+      <p:sp>
+        <p:nvSpPr>
+          <p:cNvPr id="4" name="Espaço Reservado para Número de Slide 3"/>
+          <p:cNvSpPr>
+            <a:spLocks noGrp="1"/>
+          </p:cNvSpPr>
+          <p:nvPr>
+            <p:ph type="sldNum" sz="quarter" idx="5"/>
+          </p:nvPr>
+        </p:nvSpPr>
+        <p:spPr/>
+        <p:txBody>
+          <a:bodyPr/>
+          <a:lstStyle/>
+          <a:p>
+            <a:pPr>
+              <a:defRPr/>
+            </a:pPr>
+            <a:fld id="{23075962-84F8-440B-9D32-83156AFD556B}" type="slidenum">
+              <a:rPr lang="pt-BR" smtClean="0"/>
+              <a:pPr>
+                <a:defRPr/>
+              </a:pPr>
+              <a:t>12</a:t>
+            </a:fld>
+            <a:endParaRPr lang="pt-BR"/>
+          </a:p>
+        </p:txBody>
+      </p:sp>
+    </p:spTree>
+  </p:cSld>
+  <p:clrMapOvr>
+    <a:masterClrMapping/>
+  </p:clrMapOvr>
+</p:notes>
+</file>
+
+<file path=ppt/notesSlides/notesSlide13.xml><?xml version="1.0" encoding="utf-8"?>
+<p:notes xmlns:a="http://schemas.openxmlformats.org/drawingml/2006/main" xmlns:r="http://schemas.openxmlformats.org/officeDocument/2006/relationships" xmlns:p="http://schemas.openxmlformats.org/presentationml/2006/main">
+  <p:cSld>
+    <p:spTree>
+      <p:nvGrpSpPr>
+        <p:cNvPr id="1" name=""/>
+        <p:cNvGrpSpPr/>
+        <p:nvPr/>
+      </p:nvGrpSpPr>
+      <p:grpSpPr>
+        <a:xfrm>
+          <a:off x="0" y="0"/>
+          <a:ext cx="0" cy="0"/>
+          <a:chOff x="0" y="0"/>
+          <a:chExt cx="0" cy="0"/>
+        </a:xfrm>
+      </p:grpSpPr>
+      <p:sp>
+        <p:nvSpPr>
+          <p:cNvPr id="2" name="Espaço Reservado para Imagem de Slide 1"/>
+          <p:cNvSpPr>
+            <a:spLocks noGrp="1" noRot="1" noChangeAspect="1"/>
+          </p:cNvSpPr>
+          <p:nvPr>
+            <p:ph type="sldImg"/>
+          </p:nvPr>
+        </p:nvSpPr>
+        <p:spPr/>
+      </p:sp>
+      <p:sp>
+        <p:nvSpPr>
+          <p:cNvPr id="3" name="Espaço Reservado para Anotações 2"/>
+          <p:cNvSpPr>
+            <a:spLocks noGrp="1"/>
+          </p:cNvSpPr>
+          <p:nvPr>
+            <p:ph type="body" idx="1"/>
+          </p:nvPr>
+        </p:nvSpPr>
+        <p:spPr/>
+        <p:txBody>
+          <a:bodyPr>
+            <a:normAutofit/>
+          </a:bodyPr>
+          <a:lstStyle/>
+          <a:p>
+            <a:endParaRPr lang="pt-BR"/>
+          </a:p>
+        </p:txBody>
+      </p:sp>
+      <p:sp>
+        <p:nvSpPr>
+          <p:cNvPr id="4" name="Espaço Reservado para Número de Slide 3"/>
+          <p:cNvSpPr>
+            <a:spLocks noGrp="1"/>
+          </p:cNvSpPr>
+          <p:nvPr>
+            <p:ph type="sldNum" sz="quarter" idx="10"/>
+          </p:nvPr>
+        </p:nvSpPr>
+        <p:spPr/>
+        <p:txBody>
+          <a:bodyPr/>
+          <a:lstStyle/>
+          <a:p>
+            <a:pPr>
+              <a:defRPr/>
+            </a:pPr>
+            <a:fld id="{8E95BD27-5466-443F-B42B-02049F05E6C9}" type="slidenum">
+              <a:rPr lang="pt-BR" smtClean="0"/>
+              <a:pPr>
+                <a:defRPr/>
+              </a:pPr>
+              <a:t>13</a:t>
+            </a:fld>
+            <a:endParaRPr lang="pt-BR"/>
+          </a:p>
+        </p:txBody>
+      </p:sp>
+    </p:spTree>
+  </p:cSld>
+  <p:clrMapOvr>
+    <a:masterClrMapping/>
+  </p:clrMapOvr>
+</p:notes>
+</file>
+
+<file path=ppt/notesSlides/notesSlide14.xml><?xml version="1.0" encoding="utf-8"?>
+<p:notes xmlns:a="http://schemas.openxmlformats.org/drawingml/2006/main" xmlns:r="http://schemas.openxmlformats.org/officeDocument/2006/relationships" xmlns:p="http://schemas.openxmlformats.org/presentationml/2006/main">
+  <p:cSld>
+    <p:spTree>
+      <p:nvGrpSpPr>
+        <p:cNvPr id="1" name=""/>
+        <p:cNvGrpSpPr/>
+        <p:nvPr/>
+      </p:nvGrpSpPr>
+      <p:grpSpPr>
+        <a:xfrm>
+          <a:off x="0" y="0"/>
+          <a:ext cx="0" cy="0"/>
+          <a:chOff x="0" y="0"/>
+          <a:chExt cx="0" cy="0"/>
+        </a:xfrm>
+      </p:grpSpPr>
+      <p:sp>
+        <p:nvSpPr>
+          <p:cNvPr id="2" name="Espaço Reservado para Imagem de Slide 1"/>
+          <p:cNvSpPr>
+            <a:spLocks noGrp="1" noRot="1" noChangeAspect="1"/>
+          </p:cNvSpPr>
+          <p:nvPr>
+            <p:ph type="sldImg"/>
+          </p:nvPr>
+        </p:nvSpPr>
+        <p:spPr/>
+      </p:sp>
+      <p:sp>
+        <p:nvSpPr>
+          <p:cNvPr id="3" name="Espaço Reservado para Anotações 2"/>
+          <p:cNvSpPr>
+            <a:spLocks noGrp="1"/>
+          </p:cNvSpPr>
+          <p:nvPr>
+            <p:ph type="body" idx="1"/>
+          </p:nvPr>
+        </p:nvSpPr>
+        <p:spPr/>
+        <p:txBody>
+          <a:bodyPr>
+            <a:normAutofit/>
+          </a:bodyPr>
+          <a:lstStyle/>
+          <a:p>
+            <a:endParaRPr lang="pt-BR"/>
+          </a:p>
+        </p:txBody>
+      </p:sp>
+      <p:sp>
+        <p:nvSpPr>
+          <p:cNvPr id="4" name="Espaço Reservado para Número de Slide 3"/>
+          <p:cNvSpPr>
+            <a:spLocks noGrp="1"/>
+          </p:cNvSpPr>
+          <p:nvPr>
+            <p:ph type="sldNum" sz="quarter" idx="10"/>
+          </p:nvPr>
+        </p:nvSpPr>
+        <p:spPr/>
+        <p:txBody>
+          <a:bodyPr/>
+          <a:lstStyle/>
+          <a:p>
+            <a:pPr>
+              <a:defRPr/>
+            </a:pPr>
+            <a:fld id="{8E95BD27-5466-443F-B42B-02049F05E6C9}" type="slidenum">
+              <a:rPr lang="pt-BR" smtClean="0"/>
+              <a:pPr>
+                <a:defRPr/>
+              </a:pPr>
+              <a:t>14</a:t>
+            </a:fld>
+            <a:endParaRPr lang="pt-BR"/>
+          </a:p>
+        </p:txBody>
+      </p:sp>
+    </p:spTree>
+  </p:cSld>
+  <p:clrMapOvr>
+    <a:masterClrMapping/>
+  </p:clrMapOvr>
+</p:notes>
+</file>
+
+<file path=ppt/notesSlides/notesSlide15.xml><?xml version="1.0" encoding="utf-8"?>
+<p:notes xmlns:a="http://schemas.openxmlformats.org/drawingml/2006/main" xmlns:r="http://schemas.openxmlformats.org/officeDocument/2006/relationships" xmlns:p="http://schemas.openxmlformats.org/presentationml/2006/main">
+  <p:cSld>
+    <p:spTree>
+      <p:nvGrpSpPr>
+        <p:cNvPr id="1" name=""/>
+        <p:cNvGrpSpPr/>
+        <p:nvPr/>
+      </p:nvGrpSpPr>
+      <p:grpSpPr>
+        <a:xfrm>
+          <a:off x="0" y="0"/>
+          <a:ext cx="0" cy="0"/>
+          <a:chOff x="0" y="0"/>
+          <a:chExt cx="0" cy="0"/>
+        </a:xfrm>
+      </p:grpSpPr>
+      <p:sp>
+        <p:nvSpPr>
+          <p:cNvPr id="2" name="Espaço Reservado para Imagem de Slide 1"/>
+          <p:cNvSpPr>
+            <a:spLocks noGrp="1" noRot="1" noChangeAspect="1"/>
+          </p:cNvSpPr>
+          <p:nvPr>
+            <p:ph type="sldImg"/>
+          </p:nvPr>
+        </p:nvSpPr>
+        <p:spPr/>
+      </p:sp>
+      <p:sp>
+        <p:nvSpPr>
+          <p:cNvPr id="3" name="Espaço Reservado para Anotações 2"/>
+          <p:cNvSpPr>
+            <a:spLocks noGrp="1"/>
+          </p:cNvSpPr>
+          <p:nvPr>
+            <p:ph type="body" idx="1"/>
+          </p:nvPr>
+        </p:nvSpPr>
+        <p:spPr/>
+        <p:txBody>
+          <a:bodyPr>
+            <a:normAutofit/>
+          </a:bodyPr>
+          <a:lstStyle/>
+          <a:p>
+            <a:endParaRPr lang="pt-BR"/>
+          </a:p>
+        </p:txBody>
+      </p:sp>
+      <p:sp>
+        <p:nvSpPr>
+          <p:cNvPr id="4" name="Espaço Reservado para Número de Slide 3"/>
+          <p:cNvSpPr>
+            <a:spLocks noGrp="1"/>
+          </p:cNvSpPr>
+          <p:nvPr>
+            <p:ph type="sldNum" sz="quarter" idx="10"/>
+          </p:nvPr>
+        </p:nvSpPr>
+        <p:spPr/>
+        <p:txBody>
+          <a:bodyPr/>
+          <a:lstStyle/>
+          <a:p>
+            <a:pPr>
+              <a:defRPr/>
+            </a:pPr>
+            <a:fld id="{8E95BD27-5466-443F-B42B-02049F05E6C9}" type="slidenum">
+              <a:rPr lang="pt-BR" smtClean="0"/>
+              <a:pPr>
+                <a:defRPr/>
+              </a:pPr>
+              <a:t>15</a:t>
+            </a:fld>
+            <a:endParaRPr lang="pt-BR"/>
+          </a:p>
+        </p:txBody>
+      </p:sp>
+    </p:spTree>
+  </p:cSld>
+  <p:clrMapOvr>
+    <a:masterClrMapping/>
+  </p:clrMapOvr>
+</p:notes>
+</file>
+
+<file path=ppt/notesSlides/notesSlide16.xml><?xml version="1.0" encoding="utf-8"?>
+<p:notes xmlns:a="http://schemas.openxmlformats.org/drawingml/2006/main" xmlns:r="http://schemas.openxmlformats.org/officeDocument/2006/relationships" xmlns:p="http://schemas.openxmlformats.org/presentationml/2006/main">
+  <p:cSld>
+    <p:spTree>
+      <p:nvGrpSpPr>
+        <p:cNvPr id="1" name=""/>
+        <p:cNvGrpSpPr/>
+        <p:nvPr/>
+      </p:nvGrpSpPr>
+      <p:grpSpPr>
+        <a:xfrm>
+          <a:off x="0" y="0"/>
+          <a:ext cx="0" cy="0"/>
+          <a:chOff x="0" y="0"/>
+          <a:chExt cx="0" cy="0"/>
+        </a:xfrm>
+      </p:grpSpPr>
+      <p:sp>
+        <p:nvSpPr>
+          <p:cNvPr id="2" name="Espaço Reservado para Imagem de Slide 1"/>
+          <p:cNvSpPr>
+            <a:spLocks noGrp="1" noRot="1" noChangeAspect="1"/>
+          </p:cNvSpPr>
+          <p:nvPr>
+            <p:ph type="sldImg"/>
+          </p:nvPr>
+        </p:nvSpPr>
+        <p:spPr/>
+      </p:sp>
+      <p:sp>
+        <p:nvSpPr>
+          <p:cNvPr id="3" name="Espaço Reservado para Anotações 2"/>
+          <p:cNvSpPr>
+            <a:spLocks noGrp="1"/>
+          </p:cNvSpPr>
+          <p:nvPr>
+            <p:ph type="body" idx="1"/>
+          </p:nvPr>
+        </p:nvSpPr>
+        <p:spPr/>
+        <p:txBody>
+          <a:bodyPr>
+            <a:normAutofit/>
+          </a:bodyPr>
+          <a:lstStyle/>
+          <a:p>
+            <a:endParaRPr lang="pt-BR"/>
+          </a:p>
+        </p:txBody>
+      </p:sp>
+      <p:sp>
+        <p:nvSpPr>
+          <p:cNvPr id="4" name="Espaço Reservado para Número de Slide 3"/>
+          <p:cNvSpPr>
+            <a:spLocks noGrp="1"/>
+          </p:cNvSpPr>
+          <p:nvPr>
+            <p:ph type="sldNum" sz="quarter" idx="10"/>
+          </p:nvPr>
+        </p:nvSpPr>
+        <p:spPr/>
+        <p:txBody>
+          <a:bodyPr/>
+          <a:lstStyle/>
+          <a:p>
+            <a:pPr>
+              <a:defRPr/>
+            </a:pPr>
+            <a:fld id="{8E95BD27-5466-443F-B42B-02049F05E6C9}" type="slidenum">
+              <a:rPr lang="pt-BR" smtClean="0"/>
+              <a:pPr>
+                <a:defRPr/>
+              </a:pPr>
+              <a:t>16</a:t>
+            </a:fld>
+            <a:endParaRPr lang="pt-BR"/>
+          </a:p>
+        </p:txBody>
+      </p:sp>
+    </p:spTree>
+  </p:cSld>
+  <p:clrMapOvr>
+    <a:masterClrMapping/>
+  </p:clrMapOvr>
+</p:notes>
+</file>
+
+<file path=ppt/notesSlides/notesSlide17.xml><?xml version="1.0" encoding="utf-8"?>
+<p:notes xmlns:a="http://schemas.openxmlformats.org/drawingml/2006/main" xmlns:r="http://schemas.openxmlformats.org/officeDocument/2006/relationships" xmlns:p="http://schemas.openxmlformats.org/presentationml/2006/main">
+  <p:cSld>
+    <p:spTree>
+      <p:nvGrpSpPr>
+        <p:cNvPr id="1" name=""/>
+        <p:cNvGrpSpPr/>
+        <p:nvPr/>
+      </p:nvGrpSpPr>
+      <p:grpSpPr>
+        <a:xfrm>
+          <a:off x="0" y="0"/>
+          <a:ext cx="0" cy="0"/>
+          <a:chOff x="0" y="0"/>
+          <a:chExt cx="0" cy="0"/>
+        </a:xfrm>
+      </p:grpSpPr>
+      <p:sp>
+        <p:nvSpPr>
+          <p:cNvPr id="2" name="Espaço Reservado para Imagem de Slide 1"/>
+          <p:cNvSpPr>
+            <a:spLocks noGrp="1" noRot="1" noChangeAspect="1"/>
+          </p:cNvSpPr>
+          <p:nvPr>
+            <p:ph type="sldImg"/>
+          </p:nvPr>
+        </p:nvSpPr>
+        <p:spPr/>
+      </p:sp>
+      <p:sp>
+        <p:nvSpPr>
+          <p:cNvPr id="3" name="Espaço Reservado para Anotações 2"/>
+          <p:cNvSpPr>
+            <a:spLocks noGrp="1"/>
+          </p:cNvSpPr>
+          <p:nvPr>
+            <p:ph type="body" idx="1"/>
+          </p:nvPr>
+        </p:nvSpPr>
+        <p:spPr/>
+        <p:txBody>
+          <a:bodyPr>
+            <a:normAutofit/>
+          </a:bodyPr>
+          <a:lstStyle/>
+          <a:p>
+            <a:endParaRPr lang="pt-BR"/>
+          </a:p>
+        </p:txBody>
+      </p:sp>
+      <p:sp>
+        <p:nvSpPr>
+          <p:cNvPr id="4" name="Espaço Reservado para Número de Slide 3"/>
+          <p:cNvSpPr>
+            <a:spLocks noGrp="1"/>
+          </p:cNvSpPr>
+          <p:nvPr>
+            <p:ph type="sldNum" sz="quarter" idx="10"/>
+          </p:nvPr>
+        </p:nvSpPr>
+        <p:spPr/>
+        <p:txBody>
+          <a:bodyPr/>
+          <a:lstStyle/>
+          <a:p>
+            <a:pPr>
+              <a:defRPr/>
+            </a:pPr>
+            <a:fld id="{8E95BD27-5466-443F-B42B-02049F05E6C9}" type="slidenum">
+              <a:rPr lang="pt-BR" smtClean="0"/>
+              <a:pPr>
+                <a:defRPr/>
+              </a:pPr>
+              <a:t>17</a:t>
+            </a:fld>
+            <a:endParaRPr lang="pt-BR"/>
+          </a:p>
+        </p:txBody>
+      </p:sp>
+    </p:spTree>
+  </p:cSld>
+  <p:clrMapOvr>
+    <a:masterClrMapping/>
+  </p:clrMapOvr>
+</p:notes>
+</file>
+
+<file path=ppt/notesSlides/notesSlide18.xml><?xml version="1.0" encoding="utf-8"?>
+<p:notes xmlns:a="http://schemas.openxmlformats.org/drawingml/2006/main" xmlns:r="http://schemas.openxmlformats.org/officeDocument/2006/relationships" xmlns:p="http://schemas.openxmlformats.org/presentationml/2006/main">
+  <p:cSld>
+    <p:spTree>
+      <p:nvGrpSpPr>
+        <p:cNvPr id="1" name=""/>
+        <p:cNvGrpSpPr/>
+        <p:nvPr/>
+      </p:nvGrpSpPr>
+      <p:grpSpPr>
+        <a:xfrm>
+          <a:off x="0" y="0"/>
+          <a:ext cx="0" cy="0"/>
+          <a:chOff x="0" y="0"/>
+          <a:chExt cx="0" cy="0"/>
+        </a:xfrm>
+      </p:grpSpPr>
+      <p:sp>
+        <p:nvSpPr>
+          <p:cNvPr id="2" name="Espaço Reservado para Imagem de Slide 1"/>
+          <p:cNvSpPr>
+            <a:spLocks noGrp="1" noRot="1" noChangeAspect="1"/>
+          </p:cNvSpPr>
+          <p:nvPr>
+            <p:ph type="sldImg"/>
+          </p:nvPr>
+        </p:nvSpPr>
+        <p:spPr/>
+      </p:sp>
+      <p:sp>
+        <p:nvSpPr>
+          <p:cNvPr id="3" name="Espaço Reservado para Anotações 2"/>
+          <p:cNvSpPr>
+            <a:spLocks noGrp="1"/>
+          </p:cNvSpPr>
+          <p:nvPr>
+            <p:ph type="body" idx="1"/>
+          </p:nvPr>
+        </p:nvSpPr>
+        <p:spPr/>
+        <p:txBody>
+          <a:bodyPr>
+            <a:normAutofit/>
+          </a:bodyPr>
+          <a:lstStyle/>
+          <a:p>
+            <a:endParaRPr lang="pt-BR"/>
+          </a:p>
+        </p:txBody>
+      </p:sp>
+      <p:sp>
+        <p:nvSpPr>
+          <p:cNvPr id="4" name="Espaço Reservado para Número de Slide 3"/>
+          <p:cNvSpPr>
+            <a:spLocks noGrp="1"/>
+          </p:cNvSpPr>
+          <p:nvPr>
+            <p:ph type="sldNum" sz="quarter" idx="10"/>
+          </p:nvPr>
+        </p:nvSpPr>
+        <p:spPr/>
+        <p:txBody>
+          <a:bodyPr/>
+          <a:lstStyle/>
+          <a:p>
+            <a:pPr>
+              <a:defRPr/>
+            </a:pPr>
+            <a:fld id="{8E95BD27-5466-443F-B42B-02049F05E6C9}" type="slidenum">
+              <a:rPr lang="pt-BR" smtClean="0"/>
+              <a:pPr>
+                <a:defRPr/>
+              </a:pPr>
+              <a:t>18</a:t>
+            </a:fld>
+            <a:endParaRPr lang="pt-BR"/>
+          </a:p>
+        </p:txBody>
+      </p:sp>
+    </p:spTree>
+  </p:cSld>
+  <p:clrMapOvr>
+    <a:masterClrMapping/>
+  </p:clrMapOvr>
+</p:notes>
+</file>
+
+<file path=ppt/notesSlides/notesSlide19.xml><?xml version="1.0" encoding="utf-8"?>
+<p:notes xmlns:a="http://schemas.openxmlformats.org/drawingml/2006/main" xmlns:r="http://schemas.openxmlformats.org/officeDocument/2006/relationships" xmlns:p="http://schemas.openxmlformats.org/presentationml/2006/main">
+  <p:cSld>
+    <p:spTree>
+      <p:nvGrpSpPr>
+        <p:cNvPr id="1" name=""/>
+        <p:cNvGrpSpPr/>
+        <p:nvPr/>
+      </p:nvGrpSpPr>
+      <p:grpSpPr>
+        <a:xfrm>
+          <a:off x="0" y="0"/>
+          <a:ext cx="0" cy="0"/>
+          <a:chOff x="0" y="0"/>
+          <a:chExt cx="0" cy="0"/>
+        </a:xfrm>
+      </p:grpSpPr>
+      <p:sp>
+        <p:nvSpPr>
+          <p:cNvPr id="2" name="Espaço Reservado para Imagem de Slide 1"/>
+          <p:cNvSpPr>
+            <a:spLocks noGrp="1" noRot="1" noChangeAspect="1"/>
+          </p:cNvSpPr>
+          <p:nvPr>
+            <p:ph type="sldImg"/>
+          </p:nvPr>
+        </p:nvSpPr>
+        <p:spPr/>
+      </p:sp>
+      <p:sp>
+        <p:nvSpPr>
+          <p:cNvPr id="3" name="Espaço Reservado para Anotações 2"/>
+          <p:cNvSpPr>
+            <a:spLocks noGrp="1"/>
+          </p:cNvSpPr>
+          <p:nvPr>
+            <p:ph type="body" idx="1"/>
+          </p:nvPr>
+        </p:nvSpPr>
+        <p:spPr/>
+        <p:txBody>
+          <a:bodyPr>
+            <a:normAutofit/>
+          </a:bodyPr>
+          <a:lstStyle/>
+          <a:p>
+            <a:endParaRPr lang="pt-BR"/>
+          </a:p>
+        </p:txBody>
+      </p:sp>
+      <p:sp>
+        <p:nvSpPr>
+          <p:cNvPr id="4" name="Espaço Reservado para Número de Slide 3"/>
+          <p:cNvSpPr>
+            <a:spLocks noGrp="1"/>
+          </p:cNvSpPr>
+          <p:nvPr>
+            <p:ph type="sldNum" sz="quarter" idx="10"/>
+          </p:nvPr>
+        </p:nvSpPr>
+        <p:spPr/>
+        <p:txBody>
+          <a:bodyPr/>
+          <a:lstStyle/>
+          <a:p>
+            <a:pPr>
+              <a:defRPr/>
+            </a:pPr>
+            <a:fld id="{8E95BD27-5466-443F-B42B-02049F05E6C9}" type="slidenum">
+              <a:rPr lang="pt-BR" smtClean="0"/>
+              <a:pPr>
+                <a:defRPr/>
+              </a:pPr>
+              <a:t>19</a:t>
+            </a:fld>
+            <a:endParaRPr lang="pt-BR"/>
+          </a:p>
+        </p:txBody>
+      </p:sp>
+    </p:spTree>
+  </p:cSld>
+  <p:clrMapOvr>
+    <a:masterClrMapping/>
+  </p:clrMapOvr>
+</p:notes>
+</file>
+
 <file path=ppt/notesSlides/notesSlide2.xml><?xml version="1.0" encoding="utf-8"?>
 <p:notes xmlns:a="http://schemas.openxmlformats.org/drawingml/2006/main" xmlns:r="http://schemas.openxmlformats.org/officeDocument/2006/relationships" xmlns:p="http://schemas.openxmlformats.org/presentationml/2006/main">
   <p:cSld>
@@ -726,29 +1621,19 @@
       </p:grpSpPr>
       <p:sp>
         <p:nvSpPr>
-          <p:cNvPr id="18434" name="Espaço Reservado para Imagem de Slide 1"/>
-          <p:cNvSpPr>
-            <a:spLocks noGrp="1" noRot="1" noChangeAspect="1" noTextEdit="1"/>
+          <p:cNvPr id="2" name="Espaço Reservado para Imagem de Slide 1"/>
+          <p:cNvSpPr>
+            <a:spLocks noGrp="1" noRot="1" noChangeAspect="1"/>
           </p:cNvSpPr>
           <p:nvPr>
             <p:ph type="sldImg"/>
           </p:nvPr>
         </p:nvSpPr>
-        <p:spPr bwMode="auto">
-          <a:noFill/>
-          <a:ln>
-            <a:solidFill>
-              <a:srgbClr val="000000"/>
-            </a:solidFill>
-            <a:miter lim="800000"/>
-            <a:headEnd/>
-            <a:tailEnd/>
-          </a:ln>
-        </p:spPr>
-      </p:sp>
-      <p:sp>
-        <p:nvSpPr>
-          <p:cNvPr id="18435" name="Espaço Reservado para Anotações 2"/>
+        <p:spPr/>
+      </p:sp>
+      <p:sp>
+        <p:nvSpPr>
+          <p:cNvPr id="3" name="Espaço Reservado para Anotações 2"/>
           <p:cNvSpPr>
             <a:spLocks noGrp="1"/>
           </p:cNvSpPr>
@@ -756,18 +1641,14 @@
             <p:ph type="body" idx="1"/>
           </p:nvPr>
         </p:nvSpPr>
-        <p:spPr bwMode="auto">
-          <a:noFill/>
-        </p:spPr>
-        <p:txBody>
-          <a:bodyPr wrap="square" numCol="1" anchor="t" anchorCtr="0" compatLnSpc="1">
-            <a:prstTxWarp prst="textNoShape">
-              <a:avLst/>
-            </a:prstTxWarp>
+        <p:spPr/>
+        <p:txBody>
+          <a:bodyPr>
+            <a:normAutofit/>
           </a:bodyPr>
           <a:lstStyle/>
           <a:p>
-            <a:endParaRPr lang="pt-BR" smtClean="0"/>
+            <a:endParaRPr lang="pt-BR"/>
           </a:p>
         </p:txBody>
       </p:sp>
@@ -778,7 +1659,7 @@
             <a:spLocks noGrp="1"/>
           </p:cNvSpPr>
           <p:nvPr>
-            <p:ph type="sldNum" sz="quarter" idx="5"/>
+            <p:ph type="sldNum" sz="quarter" idx="10"/>
           </p:nvPr>
         </p:nvSpPr>
         <p:spPr/>
@@ -789,12 +1670,99 @@
             <a:pPr>
               <a:defRPr/>
             </a:pPr>
-            <a:fld id="{8F55DB11-7245-498E-B45B-A3BAE776F995}" type="slidenum">
+            <a:fld id="{8E95BD27-5466-443F-B42B-02049F05E6C9}" type="slidenum">
               <a:rPr lang="pt-BR" smtClean="0"/>
               <a:pPr>
                 <a:defRPr/>
               </a:pPr>
               <a:t>2</a:t>
+            </a:fld>
+            <a:endParaRPr lang="pt-BR"/>
+          </a:p>
+        </p:txBody>
+      </p:sp>
+    </p:spTree>
+  </p:cSld>
+  <p:clrMapOvr>
+    <a:masterClrMapping/>
+  </p:clrMapOvr>
+</p:notes>
+</file>
+
+<file path=ppt/notesSlides/notesSlide20.xml><?xml version="1.0" encoding="utf-8"?>
+<p:notes xmlns:a="http://schemas.openxmlformats.org/drawingml/2006/main" xmlns:r="http://schemas.openxmlformats.org/officeDocument/2006/relationships" xmlns:p="http://schemas.openxmlformats.org/presentationml/2006/main">
+  <p:cSld>
+    <p:spTree>
+      <p:nvGrpSpPr>
+        <p:cNvPr id="1" name=""/>
+        <p:cNvGrpSpPr/>
+        <p:nvPr/>
+      </p:nvGrpSpPr>
+      <p:grpSpPr>
+        <a:xfrm>
+          <a:off x="0" y="0"/>
+          <a:ext cx="0" cy="0"/>
+          <a:chOff x="0" y="0"/>
+          <a:chExt cx="0" cy="0"/>
+        </a:xfrm>
+      </p:grpSpPr>
+      <p:sp>
+        <p:nvSpPr>
+          <p:cNvPr id="2" name="Espaço Reservado para Imagem de Slide 1"/>
+          <p:cNvSpPr>
+            <a:spLocks noGrp="1" noRot="1" noChangeAspect="1"/>
+          </p:cNvSpPr>
+          <p:nvPr>
+            <p:ph type="sldImg"/>
+          </p:nvPr>
+        </p:nvSpPr>
+        <p:spPr/>
+      </p:sp>
+      <p:sp>
+        <p:nvSpPr>
+          <p:cNvPr id="3" name="Espaço Reservado para Anotações 2"/>
+          <p:cNvSpPr>
+            <a:spLocks noGrp="1"/>
+          </p:cNvSpPr>
+          <p:nvPr>
+            <p:ph type="body" idx="1"/>
+          </p:nvPr>
+        </p:nvSpPr>
+        <p:spPr/>
+        <p:txBody>
+          <a:bodyPr>
+            <a:normAutofit/>
+          </a:bodyPr>
+          <a:lstStyle/>
+          <a:p>
+            <a:endParaRPr lang="pt-BR"/>
+          </a:p>
+        </p:txBody>
+      </p:sp>
+      <p:sp>
+        <p:nvSpPr>
+          <p:cNvPr id="4" name="Espaço Reservado para Número de Slide 3"/>
+          <p:cNvSpPr>
+            <a:spLocks noGrp="1"/>
+          </p:cNvSpPr>
+          <p:nvPr>
+            <p:ph type="sldNum" sz="quarter" idx="10"/>
+          </p:nvPr>
+        </p:nvSpPr>
+        <p:spPr/>
+        <p:txBody>
+          <a:bodyPr/>
+          <a:lstStyle/>
+          <a:p>
+            <a:pPr>
+              <a:defRPr/>
+            </a:pPr>
+            <a:fld id="{8E95BD27-5466-443F-B42B-02049F05E6C9}" type="slidenum">
+              <a:rPr lang="pt-BR" smtClean="0"/>
+              <a:pPr>
+                <a:defRPr/>
+              </a:pPr>
+              <a:t>20</a:t>
             </a:fld>
             <a:endParaRPr lang="pt-BR"/>
           </a:p>
@@ -827,29 +1795,19 @@
       </p:grpSpPr>
       <p:sp>
         <p:nvSpPr>
-          <p:cNvPr id="19458" name="Espaço Reservado para Imagem de Slide 1"/>
-          <p:cNvSpPr>
-            <a:spLocks noGrp="1" noRot="1" noChangeAspect="1" noTextEdit="1"/>
+          <p:cNvPr id="2" name="Espaço Reservado para Imagem de Slide 1"/>
+          <p:cNvSpPr>
+            <a:spLocks noGrp="1" noRot="1" noChangeAspect="1"/>
           </p:cNvSpPr>
           <p:nvPr>
             <p:ph type="sldImg"/>
           </p:nvPr>
         </p:nvSpPr>
-        <p:spPr bwMode="auto">
-          <a:noFill/>
-          <a:ln>
-            <a:solidFill>
-              <a:srgbClr val="000000"/>
-            </a:solidFill>
-            <a:miter lim="800000"/>
-            <a:headEnd/>
-            <a:tailEnd/>
-          </a:ln>
-        </p:spPr>
-      </p:sp>
-      <p:sp>
-        <p:nvSpPr>
-          <p:cNvPr id="19459" name="Espaço Reservado para Anotações 2"/>
+        <p:spPr/>
+      </p:sp>
+      <p:sp>
+        <p:nvSpPr>
+          <p:cNvPr id="3" name="Espaço Reservado para Anotações 2"/>
           <p:cNvSpPr>
             <a:spLocks noGrp="1"/>
           </p:cNvSpPr>
@@ -857,18 +1815,14 @@
             <p:ph type="body" idx="1"/>
           </p:nvPr>
         </p:nvSpPr>
-        <p:spPr bwMode="auto">
-          <a:noFill/>
-        </p:spPr>
-        <p:txBody>
-          <a:bodyPr wrap="square" numCol="1" anchor="t" anchorCtr="0" compatLnSpc="1">
-            <a:prstTxWarp prst="textNoShape">
-              <a:avLst/>
-            </a:prstTxWarp>
+        <p:spPr/>
+        <p:txBody>
+          <a:bodyPr>
+            <a:normAutofit/>
           </a:bodyPr>
           <a:lstStyle/>
           <a:p>
-            <a:endParaRPr lang="pt-BR" smtClean="0"/>
+            <a:endParaRPr lang="pt-BR"/>
           </a:p>
         </p:txBody>
       </p:sp>
@@ -879,7 +1833,7 @@
             <a:spLocks noGrp="1"/>
           </p:cNvSpPr>
           <p:nvPr>
-            <p:ph type="sldNum" sz="quarter" idx="5"/>
+            <p:ph type="sldNum" sz="quarter" idx="10"/>
           </p:nvPr>
         </p:nvSpPr>
         <p:spPr/>
@@ -890,7 +1844,7 @@
             <a:pPr>
               <a:defRPr/>
             </a:pPr>
-            <a:fld id="{7086FFBD-A881-4F53-A937-4FC59C7B4EE1}" type="slidenum">
+            <a:fld id="{8E95BD27-5466-443F-B42B-02049F05E6C9}" type="slidenum">
               <a:rPr lang="pt-BR" smtClean="0"/>
               <a:pPr>
                 <a:defRPr/>
@@ -928,7 +1882,7 @@
       </p:grpSpPr>
       <p:sp>
         <p:nvSpPr>
-          <p:cNvPr id="20482" name="Espaço Reservado para Imagem de Slide 1"/>
+          <p:cNvPr id="25602" name="Espaço Reservado para Imagem de Slide 1"/>
           <p:cNvSpPr>
             <a:spLocks noGrp="1" noRot="1" noChangeAspect="1" noTextEdit="1"/>
           </p:cNvSpPr>
@@ -950,7 +1904,7 @@
       </p:sp>
       <p:sp>
         <p:nvSpPr>
-          <p:cNvPr id="20483" name="Espaço Reservado para Anotações 2"/>
+          <p:cNvPr id="25603" name="Espaço Reservado para Anotações 2"/>
           <p:cNvSpPr>
             <a:spLocks noGrp="1"/>
           </p:cNvSpPr>
@@ -991,7 +1945,7 @@
             <a:pPr>
               <a:defRPr/>
             </a:pPr>
-            <a:fld id="{E7E493B2-1FA2-468C-855F-3EA25FEB461E}" type="slidenum">
+            <a:fld id="{4C1666EA-A5DC-427F-B5FA-FC81A473C0E1}" type="slidenum">
               <a:rPr lang="pt-BR" smtClean="0"/>
               <a:pPr>
                 <a:defRPr/>
@@ -1029,29 +1983,19 @@
       </p:grpSpPr>
       <p:sp>
         <p:nvSpPr>
-          <p:cNvPr id="21506" name="Espaço Reservado para Imagem de Slide 1"/>
-          <p:cNvSpPr>
-            <a:spLocks noGrp="1" noRot="1" noChangeAspect="1" noTextEdit="1"/>
+          <p:cNvPr id="2" name="Espaço Reservado para Imagem de Slide 1"/>
+          <p:cNvSpPr>
+            <a:spLocks noGrp="1" noRot="1" noChangeAspect="1"/>
           </p:cNvSpPr>
           <p:nvPr>
             <p:ph type="sldImg"/>
           </p:nvPr>
         </p:nvSpPr>
-        <p:spPr bwMode="auto">
-          <a:noFill/>
-          <a:ln>
-            <a:solidFill>
-              <a:srgbClr val="000000"/>
-            </a:solidFill>
-            <a:miter lim="800000"/>
-            <a:headEnd/>
-            <a:tailEnd/>
-          </a:ln>
-        </p:spPr>
-      </p:sp>
-      <p:sp>
-        <p:nvSpPr>
-          <p:cNvPr id="21507" name="Espaço Reservado para Anotações 2"/>
+        <p:spPr/>
+      </p:sp>
+      <p:sp>
+        <p:nvSpPr>
+          <p:cNvPr id="3" name="Espaço Reservado para Anotações 2"/>
           <p:cNvSpPr>
             <a:spLocks noGrp="1"/>
           </p:cNvSpPr>
@@ -1059,18 +2003,14 @@
             <p:ph type="body" idx="1"/>
           </p:nvPr>
         </p:nvSpPr>
-        <p:spPr bwMode="auto">
-          <a:noFill/>
-        </p:spPr>
-        <p:txBody>
-          <a:bodyPr wrap="square" numCol="1" anchor="t" anchorCtr="0" compatLnSpc="1">
-            <a:prstTxWarp prst="textNoShape">
-              <a:avLst/>
-            </a:prstTxWarp>
+        <p:spPr/>
+        <p:txBody>
+          <a:bodyPr>
+            <a:normAutofit/>
           </a:bodyPr>
           <a:lstStyle/>
           <a:p>
-            <a:endParaRPr lang="pt-BR" smtClean="0"/>
+            <a:endParaRPr lang="pt-BR"/>
           </a:p>
         </p:txBody>
       </p:sp>
@@ -1081,7 +2021,7 @@
             <a:spLocks noGrp="1"/>
           </p:cNvSpPr>
           <p:nvPr>
-            <p:ph type="sldNum" sz="quarter" idx="5"/>
+            <p:ph type="sldNum" sz="quarter" idx="10"/>
           </p:nvPr>
         </p:nvSpPr>
         <p:spPr/>
@@ -1092,7 +2032,7 @@
             <a:pPr>
               <a:defRPr/>
             </a:pPr>
-            <a:fld id="{5A11D051-53F9-4CB6-B156-F54FCF533EBC}" type="slidenum">
+            <a:fld id="{8E95BD27-5466-443F-B42B-02049F05E6C9}" type="slidenum">
               <a:rPr lang="pt-BR" smtClean="0"/>
               <a:pPr>
                 <a:defRPr/>
@@ -1130,29 +2070,19 @@
       </p:grpSpPr>
       <p:sp>
         <p:nvSpPr>
-          <p:cNvPr id="22530" name="Espaço Reservado para Imagem de Slide 1"/>
-          <p:cNvSpPr>
-            <a:spLocks noGrp="1" noRot="1" noChangeAspect="1" noTextEdit="1"/>
+          <p:cNvPr id="2" name="Espaço Reservado para Imagem de Slide 1"/>
+          <p:cNvSpPr>
+            <a:spLocks noGrp="1" noRot="1" noChangeAspect="1"/>
           </p:cNvSpPr>
           <p:nvPr>
             <p:ph type="sldImg"/>
           </p:nvPr>
         </p:nvSpPr>
-        <p:spPr bwMode="auto">
-          <a:noFill/>
-          <a:ln>
-            <a:solidFill>
-              <a:srgbClr val="000000"/>
-            </a:solidFill>
-            <a:miter lim="800000"/>
-            <a:headEnd/>
-            <a:tailEnd/>
-          </a:ln>
-        </p:spPr>
-      </p:sp>
-      <p:sp>
-        <p:nvSpPr>
-          <p:cNvPr id="22531" name="Espaço Reservado para Anotações 2"/>
+        <p:spPr/>
+      </p:sp>
+      <p:sp>
+        <p:nvSpPr>
+          <p:cNvPr id="3" name="Espaço Reservado para Anotações 2"/>
           <p:cNvSpPr>
             <a:spLocks noGrp="1"/>
           </p:cNvSpPr>
@@ -1160,18 +2090,14 @@
             <p:ph type="body" idx="1"/>
           </p:nvPr>
         </p:nvSpPr>
-        <p:spPr bwMode="auto">
-          <a:noFill/>
-        </p:spPr>
-        <p:txBody>
-          <a:bodyPr wrap="square" numCol="1" anchor="t" anchorCtr="0" compatLnSpc="1">
-            <a:prstTxWarp prst="textNoShape">
-              <a:avLst/>
-            </a:prstTxWarp>
+        <p:spPr/>
+        <p:txBody>
+          <a:bodyPr>
+            <a:normAutofit/>
           </a:bodyPr>
           <a:lstStyle/>
           <a:p>
-            <a:endParaRPr lang="pt-BR" smtClean="0"/>
+            <a:endParaRPr lang="pt-BR"/>
           </a:p>
         </p:txBody>
       </p:sp>
@@ -1182,7 +2108,7 @@
             <a:spLocks noGrp="1"/>
           </p:cNvSpPr>
           <p:nvPr>
-            <p:ph type="sldNum" sz="quarter" idx="5"/>
+            <p:ph type="sldNum" sz="quarter" idx="10"/>
           </p:nvPr>
         </p:nvSpPr>
         <p:spPr/>
@@ -1193,7 +2119,7 @@
             <a:pPr>
               <a:defRPr/>
             </a:pPr>
-            <a:fld id="{423F0CA7-59F0-4A07-BB58-9413209B3E41}" type="slidenum">
+            <a:fld id="{8E95BD27-5466-443F-B42B-02049F05E6C9}" type="slidenum">
               <a:rPr lang="pt-BR" smtClean="0"/>
               <a:pPr>
                 <a:defRPr/>
@@ -1231,29 +2157,19 @@
       </p:grpSpPr>
       <p:sp>
         <p:nvSpPr>
-          <p:cNvPr id="23554" name="Espaço Reservado para Imagem de Slide 1"/>
-          <p:cNvSpPr>
-            <a:spLocks noGrp="1" noRot="1" noChangeAspect="1" noTextEdit="1"/>
+          <p:cNvPr id="2" name="Espaço Reservado para Imagem de Slide 1"/>
+          <p:cNvSpPr>
+            <a:spLocks noGrp="1" noRot="1" noChangeAspect="1"/>
           </p:cNvSpPr>
           <p:nvPr>
             <p:ph type="sldImg"/>
           </p:nvPr>
         </p:nvSpPr>
-        <p:spPr bwMode="auto">
-          <a:noFill/>
-          <a:ln>
-            <a:solidFill>
-              <a:srgbClr val="000000"/>
-            </a:solidFill>
-            <a:miter lim="800000"/>
-            <a:headEnd/>
-            <a:tailEnd/>
-          </a:ln>
-        </p:spPr>
-      </p:sp>
-      <p:sp>
-        <p:nvSpPr>
-          <p:cNvPr id="23555" name="Espaço Reservado para Anotações 2"/>
+        <p:spPr/>
+      </p:sp>
+      <p:sp>
+        <p:nvSpPr>
+          <p:cNvPr id="3" name="Espaço Reservado para Anotações 2"/>
           <p:cNvSpPr>
             <a:spLocks noGrp="1"/>
           </p:cNvSpPr>
@@ -1261,18 +2177,14 @@
             <p:ph type="body" idx="1"/>
           </p:nvPr>
         </p:nvSpPr>
-        <p:spPr bwMode="auto">
-          <a:noFill/>
-        </p:spPr>
-        <p:txBody>
-          <a:bodyPr wrap="square" numCol="1" anchor="t" anchorCtr="0" compatLnSpc="1">
-            <a:prstTxWarp prst="textNoShape">
-              <a:avLst/>
-            </a:prstTxWarp>
+        <p:spPr/>
+        <p:txBody>
+          <a:bodyPr>
+            <a:normAutofit/>
           </a:bodyPr>
           <a:lstStyle/>
           <a:p>
-            <a:endParaRPr lang="pt-BR" smtClean="0"/>
+            <a:endParaRPr lang="pt-BR"/>
           </a:p>
         </p:txBody>
       </p:sp>
@@ -1283,7 +2195,7 @@
             <a:spLocks noGrp="1"/>
           </p:cNvSpPr>
           <p:nvPr>
-            <p:ph type="sldNum" sz="quarter" idx="5"/>
+            <p:ph type="sldNum" sz="quarter" idx="10"/>
           </p:nvPr>
         </p:nvSpPr>
         <p:spPr/>
@@ -1294,7 +2206,7 @@
             <a:pPr>
               <a:defRPr/>
             </a:pPr>
-            <a:fld id="{547E4DD2-23A6-409B-8D52-5422B543CF92}" type="slidenum">
+            <a:fld id="{8E95BD27-5466-443F-B42B-02049F05E6C9}" type="slidenum">
               <a:rPr lang="pt-BR" smtClean="0"/>
               <a:pPr>
                 <a:defRPr/>
@@ -1332,29 +2244,19 @@
       </p:grpSpPr>
       <p:sp>
         <p:nvSpPr>
-          <p:cNvPr id="24578" name="Espaço Reservado para Imagem de Slide 1"/>
-          <p:cNvSpPr>
-            <a:spLocks noGrp="1" noRot="1" noChangeAspect="1" noTextEdit="1"/>
+          <p:cNvPr id="2" name="Espaço Reservado para Imagem de Slide 1"/>
+          <p:cNvSpPr>
+            <a:spLocks noGrp="1" noRot="1" noChangeAspect="1"/>
           </p:cNvSpPr>
           <p:nvPr>
             <p:ph type="sldImg"/>
           </p:nvPr>
         </p:nvSpPr>
-        <p:spPr bwMode="auto">
-          <a:noFill/>
-          <a:ln>
-            <a:solidFill>
-              <a:srgbClr val="000000"/>
-            </a:solidFill>
-            <a:miter lim="800000"/>
-            <a:headEnd/>
-            <a:tailEnd/>
-          </a:ln>
-        </p:spPr>
-      </p:sp>
-      <p:sp>
-        <p:nvSpPr>
-          <p:cNvPr id="24579" name="Espaço Reservado para Anotações 2"/>
+        <p:spPr/>
+      </p:sp>
+      <p:sp>
+        <p:nvSpPr>
+          <p:cNvPr id="3" name="Espaço Reservado para Anotações 2"/>
           <p:cNvSpPr>
             <a:spLocks noGrp="1"/>
           </p:cNvSpPr>
@@ -1362,18 +2264,14 @@
             <p:ph type="body" idx="1"/>
           </p:nvPr>
         </p:nvSpPr>
-        <p:spPr bwMode="auto">
-          <a:noFill/>
-        </p:spPr>
-        <p:txBody>
-          <a:bodyPr wrap="square" numCol="1" anchor="t" anchorCtr="0" compatLnSpc="1">
-            <a:prstTxWarp prst="textNoShape">
-              <a:avLst/>
-            </a:prstTxWarp>
+        <p:spPr/>
+        <p:txBody>
+          <a:bodyPr>
+            <a:normAutofit/>
           </a:bodyPr>
           <a:lstStyle/>
           <a:p>
-            <a:endParaRPr lang="pt-BR" smtClean="0"/>
+            <a:endParaRPr lang="pt-BR"/>
           </a:p>
         </p:txBody>
       </p:sp>
@@ -1384,7 +2282,7 @@
             <a:spLocks noGrp="1"/>
           </p:cNvSpPr>
           <p:nvPr>
-            <p:ph type="sldNum" sz="quarter" idx="5"/>
+            <p:ph type="sldNum" sz="quarter" idx="10"/>
           </p:nvPr>
         </p:nvSpPr>
         <p:spPr/>
@@ -1395,7 +2293,7 @@
             <a:pPr>
               <a:defRPr/>
             </a:pPr>
-            <a:fld id="{532F042C-EFBF-4E8F-B7D2-04F5F7E15E8F}" type="slidenum">
+            <a:fld id="{8E95BD27-5466-443F-B42B-02049F05E6C9}" type="slidenum">
               <a:rPr lang="pt-BR" smtClean="0"/>
               <a:pPr>
                 <a:defRPr/>
@@ -1433,29 +2331,19 @@
       </p:grpSpPr>
       <p:sp>
         <p:nvSpPr>
-          <p:cNvPr id="25602" name="Espaço Reservado para Imagem de Slide 1"/>
-          <p:cNvSpPr>
-            <a:spLocks noGrp="1" noRot="1" noChangeAspect="1" noTextEdit="1"/>
+          <p:cNvPr id="2" name="Espaço Reservado para Imagem de Slide 1"/>
+          <p:cNvSpPr>
+            <a:spLocks noGrp="1" noRot="1" noChangeAspect="1"/>
           </p:cNvSpPr>
           <p:nvPr>
             <p:ph type="sldImg"/>
           </p:nvPr>
         </p:nvSpPr>
-        <p:spPr bwMode="auto">
-          <a:noFill/>
-          <a:ln>
-            <a:solidFill>
-              <a:srgbClr val="000000"/>
-            </a:solidFill>
-            <a:miter lim="800000"/>
-            <a:headEnd/>
-            <a:tailEnd/>
-          </a:ln>
-        </p:spPr>
-      </p:sp>
-      <p:sp>
-        <p:nvSpPr>
-          <p:cNvPr id="25603" name="Espaço Reservado para Anotações 2"/>
+        <p:spPr/>
+      </p:sp>
+      <p:sp>
+        <p:nvSpPr>
+          <p:cNvPr id="3" name="Espaço Reservado para Anotações 2"/>
           <p:cNvSpPr>
             <a:spLocks noGrp="1"/>
           </p:cNvSpPr>
@@ -1463,18 +2351,14 @@
             <p:ph type="body" idx="1"/>
           </p:nvPr>
         </p:nvSpPr>
-        <p:spPr bwMode="auto">
-          <a:noFill/>
-        </p:spPr>
-        <p:txBody>
-          <a:bodyPr wrap="square" numCol="1" anchor="t" anchorCtr="0" compatLnSpc="1">
-            <a:prstTxWarp prst="textNoShape">
-              <a:avLst/>
-            </a:prstTxWarp>
+        <p:spPr/>
+        <p:txBody>
+          <a:bodyPr>
+            <a:normAutofit/>
           </a:bodyPr>
           <a:lstStyle/>
           <a:p>
-            <a:endParaRPr lang="pt-BR" smtClean="0"/>
+            <a:endParaRPr lang="pt-BR"/>
           </a:p>
         </p:txBody>
       </p:sp>
@@ -1485,7 +2369,7 @@
             <a:spLocks noGrp="1"/>
           </p:cNvSpPr>
           <p:nvPr>
-            <p:ph type="sldNum" sz="quarter" idx="5"/>
+            <p:ph type="sldNum" sz="quarter" idx="10"/>
           </p:nvPr>
         </p:nvSpPr>
         <p:spPr/>
@@ -1496,7 +2380,7 @@
             <a:pPr>
               <a:defRPr/>
             </a:pPr>
-            <a:fld id="{4C1666EA-A5DC-427F-B5FA-FC81A473C0E1}" type="slidenum">
+            <a:fld id="{8E95BD27-5466-443F-B42B-02049F05E6C9}" type="slidenum">
               <a:rPr lang="pt-BR" smtClean="0"/>
               <a:pPr>
                 <a:defRPr/>
@@ -1928,12 +2812,9 @@
             <a:pPr>
               <a:defRPr/>
             </a:pPr>
-            <a:fld id="{2571BA87-22AE-4A7F-965F-3E0670BF065A}" type="datetimeFigureOut">
-              <a:rPr lang="pt-BR"/>
-              <a:pPr>
-                <a:defRPr/>
-              </a:pPr>
-              <a:t>21/02/2012</a:t>
+            <a:fld id="{1DAF6B2A-72D4-40A7-A8DB-1F8AFAF179E0}" type="datetime1">
+              <a:rPr lang="pt-BR" smtClean="0"/>
+              <a:t>04/06/2012</a:t>
             </a:fld>
             <a:endParaRPr lang="pt-BR"/>
           </a:p>
@@ -1980,7 +2861,7 @@
           <a:bodyPr/>
           <a:lstStyle>
             <a:lvl1pPr>
-              <a:defRPr/>
+              <a:defRPr sz="1600"/>
             </a:lvl1pPr>
           </a:lstStyle>
           <a:p>
@@ -1988,7 +2869,7 @@
               <a:defRPr/>
             </a:pPr>
             <a:fld id="{3FBC31CA-3FA7-4C4A-BCC6-EB546E9C9DBA}" type="slidenum">
-              <a:rPr lang="pt-BR"/>
+              <a:rPr lang="pt-BR" smtClean="0"/>
               <a:pPr>
                 <a:defRPr/>
               </a:pPr>
@@ -2120,12 +3001,9 @@
             <a:pPr>
               <a:defRPr/>
             </a:pPr>
-            <a:fld id="{F122D03A-6E0E-49E6-BF1A-3CD0648081E4}" type="datetimeFigureOut">
-              <a:rPr lang="pt-BR"/>
-              <a:pPr>
-                <a:defRPr/>
-              </a:pPr>
-              <a:t>21/02/2012</a:t>
+            <a:fld id="{728E43D4-B686-4A17-B98D-13D2A2B71264}" type="datetime1">
+              <a:rPr lang="pt-BR" smtClean="0"/>
+              <a:t>04/06/2012</a:t>
             </a:fld>
             <a:endParaRPr lang="pt-BR"/>
           </a:p>
@@ -2322,12 +3200,9 @@
             <a:pPr>
               <a:defRPr/>
             </a:pPr>
-            <a:fld id="{9D55A45B-9968-462B-BE54-D191CA0E5A89}" type="datetimeFigureOut">
-              <a:rPr lang="pt-BR"/>
-              <a:pPr>
-                <a:defRPr/>
-              </a:pPr>
-              <a:t>21/02/2012</a:t>
+            <a:fld id="{5C3B0FA1-DD8C-4C58-9110-74CAFDB4FA6B}" type="datetime1">
+              <a:rPr lang="pt-BR" smtClean="0"/>
+              <a:t>04/06/2012</a:t>
             </a:fld>
             <a:endParaRPr lang="pt-BR"/>
           </a:p>
@@ -2518,12 +3393,9 @@
             <a:pPr>
               <a:defRPr/>
             </a:pPr>
-            <a:fld id="{F7E36AFC-9547-4791-BEC9-72F83397E641}" type="datetimeFigureOut">
-              <a:rPr lang="pt-BR"/>
-              <a:pPr>
-                <a:defRPr/>
-              </a:pPr>
-              <a:t>21/02/2012</a:t>
+            <a:fld id="{00332F67-E43B-48EC-921C-D58481EF2426}" type="datetime1">
+              <a:rPr lang="pt-BR" smtClean="0"/>
+              <a:t>04/06/2012</a:t>
             </a:fld>
             <a:endParaRPr lang="pt-BR"/>
           </a:p>
@@ -3024,12 +3896,9 @@
             <a:pPr>
               <a:defRPr/>
             </a:pPr>
-            <a:fld id="{9E5EB644-2AB7-4137-83CF-F43C4A9EFC62}" type="datetimeFigureOut">
-              <a:rPr lang="pt-BR"/>
-              <a:pPr>
-                <a:defRPr/>
-              </a:pPr>
-              <a:t>21/02/2012</a:t>
+            <a:fld id="{869D2C96-D510-48AB-8522-83DF1E67F73F}" type="datetime1">
+              <a:rPr lang="pt-BR" smtClean="0"/>
+              <a:t>04/06/2012</a:t>
             </a:fld>
             <a:endParaRPr lang="pt-BR"/>
           </a:p>
@@ -3315,12 +4184,9 @@
             <a:pPr>
               <a:defRPr/>
             </a:pPr>
-            <a:fld id="{6B391557-B612-4F43-A33B-BD264C778A2E}" type="datetimeFigureOut">
-              <a:rPr lang="pt-BR"/>
-              <a:pPr>
-                <a:defRPr/>
-              </a:pPr>
-              <a:t>21/02/2012</a:t>
+            <a:fld id="{4FCD4D6D-64E4-4D19-B98A-5FADBCF295B2}" type="datetime1">
+              <a:rPr lang="pt-BR" smtClean="0"/>
+              <a:t>04/06/2012</a:t>
             </a:fld>
             <a:endParaRPr lang="pt-BR"/>
           </a:p>
@@ -3716,12 +4582,9 @@
             <a:pPr>
               <a:defRPr/>
             </a:pPr>
-            <a:fld id="{3D61BEBE-7778-45E4-9289-428740E48206}" type="datetimeFigureOut">
-              <a:rPr lang="pt-BR"/>
-              <a:pPr>
-                <a:defRPr/>
-              </a:pPr>
-              <a:t>21/02/2012</a:t>
+            <a:fld id="{BD11C8DA-5B70-43FF-9549-C4CF6408C37C}" type="datetime1">
+              <a:rPr lang="pt-BR" smtClean="0"/>
+              <a:t>04/06/2012</a:t>
             </a:fld>
             <a:endParaRPr lang="pt-BR"/>
           </a:p>
@@ -3865,12 +4728,9 @@
             <a:pPr>
               <a:defRPr/>
             </a:pPr>
-            <a:fld id="{DA2AFAF1-A54F-4E43-83F4-E8DE4C45DA56}" type="datetimeFigureOut">
-              <a:rPr lang="pt-BR"/>
-              <a:pPr>
-                <a:defRPr/>
-              </a:pPr>
-              <a:t>21/02/2012</a:t>
+            <a:fld id="{E8BD7EBF-039A-413C-9379-0A9C36AA08C3}" type="datetime1">
+              <a:rPr lang="pt-BR" smtClean="0"/>
+              <a:t>04/06/2012</a:t>
             </a:fld>
             <a:endParaRPr lang="pt-BR"/>
           </a:p>
@@ -3982,12 +4842,9 @@
             <a:pPr>
               <a:defRPr/>
             </a:pPr>
-            <a:fld id="{992964E4-AB82-4C79-8830-7CA82E9ABC33}" type="datetimeFigureOut">
-              <a:rPr lang="pt-BR"/>
-              <a:pPr>
-                <a:defRPr/>
-              </a:pPr>
-              <a:t>21/02/2012</a:t>
+            <a:fld id="{C6ABC476-E72E-41E1-B28A-890D38BC1A7B}" type="datetime1">
+              <a:rPr lang="pt-BR" smtClean="0"/>
+              <a:t>04/06/2012</a:t>
             </a:fld>
             <a:endParaRPr lang="pt-BR"/>
           </a:p>
@@ -4258,12 +5115,9 @@
             <a:pPr>
               <a:defRPr/>
             </a:pPr>
-            <a:fld id="{B7BC2B26-F245-49B3-8B9C-429887F3F754}" type="datetimeFigureOut">
-              <a:rPr lang="pt-BR"/>
-              <a:pPr>
-                <a:defRPr/>
-              </a:pPr>
-              <a:t>21/02/2012</a:t>
+            <a:fld id="{8B780ADF-7D7B-4A28-9713-852E804F9466}" type="datetime1">
+              <a:rPr lang="pt-BR" smtClean="0"/>
+              <a:t>04/06/2012</a:t>
             </a:fld>
             <a:endParaRPr lang="pt-BR"/>
           </a:p>
@@ -4542,12 +5396,9 @@
             <a:pPr>
               <a:defRPr/>
             </a:pPr>
-            <a:fld id="{2A079DC7-953D-4E30-9CE6-D812EFCC884F}" type="datetimeFigureOut">
-              <a:rPr lang="pt-BR"/>
-              <a:pPr>
-                <a:defRPr/>
-              </a:pPr>
-              <a:t>21/02/2012</a:t>
+            <a:fld id="{752069B9-BF1D-4D2E-9A29-7861246DDC14}" type="datetime1">
+              <a:rPr lang="pt-BR" smtClean="0"/>
+              <a:t>04/06/2012</a:t>
             </a:fld>
             <a:endParaRPr lang="pt-BR"/>
           </a:p>
@@ -5020,12 +5871,9 @@
             <a:pPr>
               <a:defRPr/>
             </a:pPr>
-            <a:fld id="{57DD8985-45D0-4B57-98F3-CEC9E810FFA9}" type="datetimeFigureOut">
-              <a:rPr lang="pt-BR"/>
-              <a:pPr>
-                <a:defRPr/>
-              </a:pPr>
-              <a:t>21/02/2012</a:t>
+            <a:fld id="{04A9998F-BBF5-43E3-95B4-6D5601814F68}" type="datetime1">
+              <a:rPr lang="pt-BR" smtClean="0"/>
+              <a:t>04/06/2012</a:t>
             </a:fld>
             <a:endParaRPr lang="pt-BR"/>
           </a:p>
@@ -5108,7 +5956,7 @@
               <a:spcAft>
                 <a:spcPts val="0"/>
               </a:spcAft>
-              <a:defRPr kumimoji="0" sz="1000">
+              <a:defRPr kumimoji="0" sz="1600">
                 <a:solidFill>
                   <a:schemeClr val="tx2">
                     <a:shade val="50000"/>
@@ -5124,7 +5972,7 @@
               <a:defRPr/>
             </a:pPr>
             <a:fld id="{E9136685-501C-4CD4-B955-15E6872F334B}" type="slidenum">
-              <a:rPr lang="pt-BR"/>
+              <a:rPr lang="pt-BR" smtClean="0"/>
               <a:pPr>
                 <a:defRPr/>
               </a:pPr>
@@ -5150,6 +5998,7 @@
     <p:sldLayoutId id="2147483825" r:id="rId10"/>
     <p:sldLayoutId id="2147483826" r:id="rId11"/>
   </p:sldLayoutIdLst>
+  <p:hf hdr="0" ftr="0" dt="0"/>
   <p:txStyles>
     <p:titleStyle>
       <a:lvl1pPr algn="l" rtl="0" eaLnBrk="0" fontAlgn="base" hangingPunct="0">
@@ -5603,10 +6452,10 @@
               <a:defRPr/>
             </a:pPr>
             <a:r>
-              <a:rPr lang="pt-BR" cap="none" smtClean="0"/>
+              <a:rPr lang="pt-BR" cap="none" dirty="0" smtClean="0"/>
               <a:t>JDBC</a:t>
             </a:r>
-            <a:endParaRPr lang="pt-BR" cap="none"/>
+            <a:endParaRPr lang="pt-BR" cap="none" dirty="0"/>
           </a:p>
         </p:txBody>
       </p:sp>
@@ -5650,6 +6499,2667 @@
       </p:par>
     </p:tnLst>
   </p:timing>
+</p:sld>
+</file>
+
+<file path=ppt/slides/slide10.xml><?xml version="1.0" encoding="utf-8"?>
+<p:sld xmlns:a="http://schemas.openxmlformats.org/drawingml/2006/main" xmlns:r="http://schemas.openxmlformats.org/officeDocument/2006/relationships" xmlns:p="http://schemas.openxmlformats.org/presentationml/2006/main">
+  <p:cSld>
+    <p:spTree>
+      <p:nvGrpSpPr>
+        <p:cNvPr id="1" name=""/>
+        <p:cNvGrpSpPr/>
+        <p:nvPr/>
+      </p:nvGrpSpPr>
+      <p:grpSpPr>
+        <a:xfrm>
+          <a:off x="0" y="0"/>
+          <a:ext cx="0" cy="0"/>
+          <a:chOff x="0" y="0"/>
+          <a:chExt cx="0" cy="0"/>
+        </a:xfrm>
+      </p:grpSpPr>
+      <p:sp>
+        <p:nvSpPr>
+          <p:cNvPr id="2" name="Título 1"/>
+          <p:cNvSpPr>
+            <a:spLocks noGrp="1"/>
+          </p:cNvSpPr>
+          <p:nvPr>
+            <p:ph type="title"/>
+          </p:nvPr>
+        </p:nvSpPr>
+        <p:spPr/>
+        <p:txBody>
+          <a:bodyPr/>
+          <a:lstStyle/>
+          <a:p>
+            <a:r>
+              <a:rPr lang="pt-BR" dirty="0" smtClean="0"/>
+              <a:t>Introdução</a:t>
+            </a:r>
+            <a:endParaRPr lang="pt-BR" dirty="0"/>
+          </a:p>
+        </p:txBody>
+      </p:sp>
+      <p:sp>
+        <p:nvSpPr>
+          <p:cNvPr id="3" name="Espaço Reservado para Conteúdo 2"/>
+          <p:cNvSpPr>
+            <a:spLocks noGrp="1"/>
+          </p:cNvSpPr>
+          <p:nvPr>
+            <p:ph idx="1"/>
+          </p:nvPr>
+        </p:nvSpPr>
+        <p:spPr>
+          <a:xfrm>
+            <a:off x="457200" y="1600200"/>
+            <a:ext cx="8003232" cy="4525963"/>
+          </a:xfrm>
+        </p:spPr>
+        <p:txBody>
+          <a:bodyPr/>
+          <a:lstStyle/>
+          <a:p>
+            <a:r>
+              <a:rPr lang="pt-BR" sz="2800" dirty="0" smtClean="0"/>
+              <a:t>Alguns </a:t>
+            </a:r>
+            <a:r>
+              <a:rPr lang="pt-BR" sz="2800" dirty="0" err="1" smtClean="0"/>
+              <a:t>drivers</a:t>
+            </a:r>
+            <a:endParaRPr lang="pt-BR" sz="2800" dirty="0" smtClean="0"/>
+          </a:p>
+          <a:p>
+            <a:pPr lvl="1">
+              <a:spcBef>
+                <a:spcPts val="2400"/>
+              </a:spcBef>
+            </a:pPr>
+            <a:r>
+              <a:rPr lang="pt-BR" sz="2400" dirty="0" smtClean="0"/>
+              <a:t>Microsoft SQL Server JDBC </a:t>
+            </a:r>
+            <a:r>
+              <a:rPr lang="pt-BR" sz="2400" dirty="0" err="1" smtClean="0"/>
+              <a:t>Driver</a:t>
+            </a:r>
+            <a:endParaRPr lang="pt-BR" sz="2400" dirty="0" smtClean="0"/>
+          </a:p>
+          <a:p>
+            <a:pPr lvl="2">
+              <a:spcBef>
+                <a:spcPts val="600"/>
+              </a:spcBef>
+            </a:pPr>
+            <a:r>
+              <a:rPr lang="pt-BR" sz="2200" dirty="0" smtClean="0"/>
+              <a:t>sqljdbc4.</a:t>
+            </a:r>
+            <a:r>
+              <a:rPr lang="pt-BR" sz="2200" dirty="0" err="1" smtClean="0"/>
+              <a:t>jar</a:t>
+            </a:r>
+            <a:endParaRPr lang="pt-BR" sz="2200" dirty="0" smtClean="0"/>
+          </a:p>
+          <a:p>
+            <a:pPr lvl="1">
+              <a:spcBef>
+                <a:spcPts val="2400"/>
+              </a:spcBef>
+            </a:pPr>
+            <a:r>
+              <a:rPr lang="pt-BR" sz="2400" dirty="0" err="1" smtClean="0"/>
+              <a:t>MySql</a:t>
+            </a:r>
+            <a:r>
+              <a:rPr lang="pt-BR" sz="2400" dirty="0" smtClean="0"/>
+              <a:t> </a:t>
+            </a:r>
+            <a:r>
+              <a:rPr lang="pt-BR" sz="2400" dirty="0" err="1" smtClean="0"/>
+              <a:t>Connector</a:t>
+            </a:r>
+            <a:r>
+              <a:rPr lang="pt-BR" sz="2400" dirty="0" smtClean="0"/>
+              <a:t> / J</a:t>
+            </a:r>
+          </a:p>
+          <a:p>
+            <a:pPr lvl="2">
+              <a:spcBef>
+                <a:spcPts val="600"/>
+              </a:spcBef>
+            </a:pPr>
+            <a:r>
+              <a:rPr lang="pt-BR" sz="2200" dirty="0" err="1" smtClean="0"/>
+              <a:t>mysql-connector-java</a:t>
+            </a:r>
+            <a:r>
+              <a:rPr lang="pt-BR" sz="2200" dirty="0" smtClean="0"/>
+              <a:t>-5.1.20-</a:t>
+            </a:r>
+            <a:r>
+              <a:rPr lang="pt-BR" sz="2200" dirty="0" err="1" smtClean="0"/>
+              <a:t>bin</a:t>
+            </a:r>
+            <a:r>
+              <a:rPr lang="pt-BR" sz="2200" dirty="0" smtClean="0"/>
+              <a:t>.</a:t>
+            </a:r>
+            <a:r>
+              <a:rPr lang="pt-BR" sz="2200" dirty="0" err="1" smtClean="0"/>
+              <a:t>jar</a:t>
+            </a:r>
+            <a:endParaRPr lang="pt-BR" sz="2200" dirty="0" smtClean="0"/>
+          </a:p>
+          <a:p>
+            <a:pPr lvl="1">
+              <a:spcBef>
+                <a:spcPts val="2400"/>
+              </a:spcBef>
+            </a:pPr>
+            <a:r>
+              <a:rPr lang="pt-BR" sz="2400" dirty="0" smtClean="0"/>
+              <a:t>Oracle JDBC</a:t>
+            </a:r>
+          </a:p>
+          <a:p>
+            <a:pPr lvl="2">
+              <a:spcBef>
+                <a:spcPts val="600"/>
+              </a:spcBef>
+            </a:pPr>
+            <a:r>
+              <a:rPr lang="pt-BR" sz="2200" dirty="0" smtClean="0"/>
+              <a:t>ojdbc6.</a:t>
+            </a:r>
+            <a:r>
+              <a:rPr lang="pt-BR" sz="2200" dirty="0" err="1" smtClean="0"/>
+              <a:t>jar</a:t>
+            </a:r>
+            <a:endParaRPr lang="pt-BR" sz="2200" dirty="0" smtClean="0"/>
+          </a:p>
+        </p:txBody>
+      </p:sp>
+      <p:sp>
+        <p:nvSpPr>
+          <p:cNvPr id="4" name="Espaço Reservado para Número de Slide 3"/>
+          <p:cNvSpPr>
+            <a:spLocks noGrp="1"/>
+          </p:cNvSpPr>
+          <p:nvPr>
+            <p:ph type="sldNum" sz="quarter" idx="12"/>
+          </p:nvPr>
+        </p:nvSpPr>
+        <p:spPr/>
+        <p:txBody>
+          <a:bodyPr/>
+          <a:lstStyle/>
+          <a:p>
+            <a:pPr>
+              <a:defRPr/>
+            </a:pPr>
+            <a:fld id="{EF19A0F5-F849-4C78-8624-C3A50979DE44}" type="slidenum">
+              <a:rPr lang="pt-BR" smtClean="0"/>
+              <a:pPr>
+                <a:defRPr/>
+              </a:pPr>
+              <a:t>10</a:t>
+            </a:fld>
+            <a:endParaRPr lang="pt-BR"/>
+          </a:p>
+        </p:txBody>
+      </p:sp>
+    </p:spTree>
+  </p:cSld>
+  <p:clrMapOvr>
+    <a:masterClrMapping/>
+  </p:clrMapOvr>
+  <p:timing>
+    <p:tnLst>
+      <p:par>
+        <p:cTn id="1" dur="indefinite" restart="never" nodeType="tmRoot"/>
+      </p:par>
+    </p:tnLst>
+  </p:timing>
+</p:sld>
+</file>
+
+<file path=ppt/slides/slide11.xml><?xml version="1.0" encoding="utf-8"?>
+<p:sld xmlns:a="http://schemas.openxmlformats.org/drawingml/2006/main" xmlns:r="http://schemas.openxmlformats.org/officeDocument/2006/relationships" xmlns:p="http://schemas.openxmlformats.org/presentationml/2006/main">
+  <p:cSld>
+    <p:spTree>
+      <p:nvGrpSpPr>
+        <p:cNvPr id="1" name=""/>
+        <p:cNvGrpSpPr/>
+        <p:nvPr/>
+      </p:nvGrpSpPr>
+      <p:grpSpPr>
+        <a:xfrm>
+          <a:off x="0" y="0"/>
+          <a:ext cx="0" cy="0"/>
+          <a:chOff x="0" y="0"/>
+          <a:chExt cx="0" cy="0"/>
+        </a:xfrm>
+      </p:grpSpPr>
+      <p:sp>
+        <p:nvSpPr>
+          <p:cNvPr id="2" name="Título 1"/>
+          <p:cNvSpPr>
+            <a:spLocks noGrp="1"/>
+          </p:cNvSpPr>
+          <p:nvPr>
+            <p:ph type="title"/>
+          </p:nvPr>
+        </p:nvSpPr>
+        <p:spPr/>
+        <p:txBody>
+          <a:bodyPr/>
+          <a:lstStyle/>
+          <a:p>
+            <a:pPr eaLnBrk="1" hangingPunct="1"/>
+            <a:r>
+              <a:rPr lang="pt-BR" dirty="0" smtClean="0"/>
+              <a:t>Pacote </a:t>
+            </a:r>
+            <a:r>
+              <a:rPr lang="pt-BR" dirty="0" err="1" smtClean="0"/>
+              <a:t>java</a:t>
+            </a:r>
+            <a:r>
+              <a:rPr lang="pt-BR" dirty="0" smtClean="0"/>
+              <a:t>.</a:t>
+            </a:r>
+            <a:r>
+              <a:rPr lang="pt-BR" dirty="0" err="1" smtClean="0"/>
+              <a:t>sql</a:t>
+            </a:r>
+            <a:endParaRPr lang="pt-BR" dirty="0"/>
+          </a:p>
+        </p:txBody>
+      </p:sp>
+      <p:sp>
+        <p:nvSpPr>
+          <p:cNvPr id="3" name="Espaço Reservado para Conteúdo 2"/>
+          <p:cNvSpPr>
+            <a:spLocks noGrp="1"/>
+          </p:cNvSpPr>
+          <p:nvPr>
+            <p:ph idx="1"/>
+          </p:nvPr>
+        </p:nvSpPr>
+        <p:spPr/>
+        <p:txBody>
+          <a:bodyPr/>
+          <a:lstStyle/>
+          <a:p>
+            <a:r>
+              <a:rPr lang="pt-BR" dirty="0" smtClean="0"/>
+              <a:t>Contém classes utilizadas no acesso e manipulação de dados externos via JDBC.</a:t>
+            </a:r>
+          </a:p>
+        </p:txBody>
+      </p:sp>
+      <p:sp>
+        <p:nvSpPr>
+          <p:cNvPr id="4" name="Espaço Reservado para Número de Slide 3"/>
+          <p:cNvSpPr>
+            <a:spLocks noGrp="1"/>
+          </p:cNvSpPr>
+          <p:nvPr>
+            <p:ph type="sldNum" sz="quarter" idx="12"/>
+          </p:nvPr>
+        </p:nvSpPr>
+        <p:spPr/>
+        <p:txBody>
+          <a:bodyPr/>
+          <a:lstStyle/>
+          <a:p>
+            <a:pPr>
+              <a:defRPr/>
+            </a:pPr>
+            <a:fld id="{EF19A0F5-F849-4C78-8624-C3A50979DE44}" type="slidenum">
+              <a:rPr lang="pt-BR" smtClean="0"/>
+              <a:pPr>
+                <a:defRPr/>
+              </a:pPr>
+              <a:t>11</a:t>
+            </a:fld>
+            <a:endParaRPr lang="pt-BR"/>
+          </a:p>
+        </p:txBody>
+      </p:sp>
+    </p:spTree>
+  </p:cSld>
+  <p:clrMapOvr>
+    <a:masterClrMapping/>
+  </p:clrMapOvr>
+  <p:timing>
+    <p:tnLst>
+      <p:par>
+        <p:cTn id="1" dur="indefinite" restart="never" nodeType="tmRoot"/>
+      </p:par>
+    </p:tnLst>
+  </p:timing>
+</p:sld>
+</file>
+
+<file path=ppt/slides/slide12.xml><?xml version="1.0" encoding="utf-8"?>
+<p:sld xmlns:a="http://schemas.openxmlformats.org/drawingml/2006/main" xmlns:r="http://schemas.openxmlformats.org/officeDocument/2006/relationships" xmlns:p="http://schemas.openxmlformats.org/presentationml/2006/main">
+  <p:cSld>
+    <p:spTree>
+      <p:nvGrpSpPr>
+        <p:cNvPr id="1" name=""/>
+        <p:cNvGrpSpPr/>
+        <p:nvPr/>
+      </p:nvGrpSpPr>
+      <p:grpSpPr>
+        <a:xfrm>
+          <a:off x="0" y="0"/>
+          <a:ext cx="0" cy="0"/>
+          <a:chOff x="0" y="0"/>
+          <a:chExt cx="0" cy="0"/>
+        </a:xfrm>
+      </p:grpSpPr>
+      <p:sp>
+        <p:nvSpPr>
+          <p:cNvPr id="9218" name="Título 1"/>
+          <p:cNvSpPr>
+            <a:spLocks noGrp="1"/>
+          </p:cNvSpPr>
+          <p:nvPr>
+            <p:ph type="title"/>
+          </p:nvPr>
+        </p:nvSpPr>
+        <p:spPr/>
+        <p:txBody>
+          <a:bodyPr/>
+          <a:lstStyle/>
+          <a:p>
+            <a:pPr eaLnBrk="1" hangingPunct="1"/>
+            <a:r>
+              <a:rPr lang="pt-BR" dirty="0" smtClean="0"/>
+              <a:t>Pacote </a:t>
+            </a:r>
+            <a:r>
+              <a:rPr lang="pt-BR" dirty="0" err="1" smtClean="0"/>
+              <a:t>java</a:t>
+            </a:r>
+            <a:r>
+              <a:rPr lang="pt-BR" dirty="0" smtClean="0"/>
+              <a:t>.</a:t>
+            </a:r>
+            <a:r>
+              <a:rPr lang="pt-BR" dirty="0" err="1" smtClean="0"/>
+              <a:t>sql</a:t>
+            </a:r>
+            <a:endParaRPr lang="pt-BR" dirty="0" smtClean="0"/>
+          </a:p>
+        </p:txBody>
+      </p:sp>
+      <p:sp>
+        <p:nvSpPr>
+          <p:cNvPr id="13" name="Espaço Reservado para Número de Slide 12"/>
+          <p:cNvSpPr>
+            <a:spLocks noGrp="1"/>
+          </p:cNvSpPr>
+          <p:nvPr>
+            <p:ph type="sldNum" sz="quarter" idx="12"/>
+          </p:nvPr>
+        </p:nvSpPr>
+        <p:spPr/>
+        <p:txBody>
+          <a:bodyPr/>
+          <a:lstStyle/>
+          <a:p>
+            <a:pPr>
+              <a:defRPr/>
+            </a:pPr>
+            <a:fld id="{7E263EA5-71DF-4638-BC15-81D6FFD3C7EB}" type="slidenum">
+              <a:rPr lang="pt-BR" smtClean="0"/>
+              <a:pPr>
+                <a:defRPr/>
+              </a:pPr>
+              <a:t>12</a:t>
+            </a:fld>
+            <a:endParaRPr lang="pt-BR"/>
+          </a:p>
+        </p:txBody>
+      </p:sp>
+      <p:graphicFrame>
+        <p:nvGraphicFramePr>
+          <p:cNvPr id="5" name="Espaço Reservado para Conteúdo 4"/>
+          <p:cNvGraphicFramePr>
+            <a:graphicFrameLocks noGrp="1"/>
+          </p:cNvGraphicFramePr>
+          <p:nvPr>
+            <p:ph idx="4294967295"/>
+          </p:nvPr>
+        </p:nvGraphicFramePr>
+        <p:xfrm>
+          <a:off x="755576" y="4077072"/>
+          <a:ext cx="1728192" cy="548640"/>
+        </p:xfrm>
+        <a:graphic>
+          <a:graphicData uri="http://schemas.openxmlformats.org/drawingml/2006/table">
+            <a:tbl>
+              <a:tblPr firstRow="1" bandRow="1">
+                <a:tableStyleId>{5C22544A-7EE6-4342-B048-85BDC9FD1C3A}</a:tableStyleId>
+              </a:tblPr>
+              <a:tblGrid>
+                <a:gridCol w="1728192"/>
+              </a:tblGrid>
+              <a:tr h="137303">
+                <a:tc>
+                  <a:txBody>
+                    <a:bodyPr/>
+                    <a:lstStyle/>
+                    <a:p>
+                      <a:pPr marL="0" algn="ctr" rtl="0" eaLnBrk="1" latinLnBrk="0" hangingPunct="1"/>
+                      <a:r>
+                        <a:rPr kumimoji="0" lang="pt-BR" sz="1200" b="1" i="1" kern="1200" dirty="0" smtClean="0">
+                          <a:solidFill>
+                            <a:srgbClr val="FFC000"/>
+                          </a:solidFill>
+                          <a:latin typeface="+mn-lt"/>
+                          <a:ea typeface="+mn-ea"/>
+                          <a:cs typeface="+mn-cs"/>
+                        </a:rPr>
+                        <a:t>Connection</a:t>
+                      </a:r>
+                      <a:endParaRPr kumimoji="0" lang="pt-BR" sz="1200" b="1" i="1" kern="1200" dirty="0">
+                        <a:solidFill>
+                          <a:srgbClr val="FFC000"/>
+                        </a:solidFill>
+                        <a:latin typeface="+mn-lt"/>
+                        <a:ea typeface="+mn-ea"/>
+                        <a:cs typeface="+mn-cs"/>
+                      </a:endParaRPr>
+                    </a:p>
+                  </a:txBody>
+                  <a:tcPr>
+                    <a:lnL w="28575" cap="flat" cmpd="sng" algn="ctr">
+                      <a:solidFill>
+                        <a:srgbClr val="FFC000"/>
+                      </a:solidFill>
+                      <a:prstDash val="solid"/>
+                      <a:round/>
+                      <a:headEnd type="none" w="med" len="med"/>
+                      <a:tailEnd type="none" w="med" len="med"/>
+                    </a:lnL>
+                    <a:lnR w="28575" cap="flat" cmpd="sng" algn="ctr">
+                      <a:solidFill>
+                        <a:srgbClr val="FFC000"/>
+                      </a:solidFill>
+                      <a:prstDash val="solid"/>
+                      <a:round/>
+                      <a:headEnd type="none" w="med" len="med"/>
+                      <a:tailEnd type="none" w="med" len="med"/>
+                    </a:lnR>
+                    <a:lnT w="28575" cap="flat" cmpd="sng" algn="ctr">
+                      <a:solidFill>
+                        <a:srgbClr val="FFC000"/>
+                      </a:solidFill>
+                      <a:prstDash val="solid"/>
+                      <a:round/>
+                      <a:headEnd type="none" w="med" len="med"/>
+                      <a:tailEnd type="none" w="med" len="med"/>
+                    </a:lnT>
+                    <a:lnB w="28575" cap="flat" cmpd="sng" algn="ctr">
+                      <a:solidFill>
+                        <a:srgbClr val="FFC000"/>
+                      </a:solidFill>
+                      <a:prstDash val="solid"/>
+                      <a:round/>
+                      <a:headEnd type="none" w="med" len="med"/>
+                      <a:tailEnd type="none" w="med" len="med"/>
+                    </a:lnB>
+                    <a:noFill/>
+                  </a:tcPr>
+                </a:tc>
+              </a:tr>
+              <a:tr h="222737">
+                <a:tc>
+                  <a:txBody>
+                    <a:bodyPr/>
+                    <a:lstStyle/>
+                    <a:p>
+                      <a:endParaRPr lang="en-US" sz="1200" dirty="0" smtClean="0">
+                        <a:solidFill>
+                          <a:srgbClr val="FFC000"/>
+                        </a:solidFill>
+                      </a:endParaRPr>
+                    </a:p>
+                  </a:txBody>
+                  <a:tcPr>
+                    <a:lnL w="28575" cap="flat" cmpd="sng" algn="ctr">
+                      <a:solidFill>
+                        <a:srgbClr val="FFC000"/>
+                      </a:solidFill>
+                      <a:prstDash val="solid"/>
+                      <a:round/>
+                      <a:headEnd type="none" w="med" len="med"/>
+                      <a:tailEnd type="none" w="med" len="med"/>
+                    </a:lnL>
+                    <a:lnR w="28575" cap="flat" cmpd="sng" algn="ctr">
+                      <a:solidFill>
+                        <a:srgbClr val="FFC000"/>
+                      </a:solidFill>
+                      <a:prstDash val="solid"/>
+                      <a:round/>
+                      <a:headEnd type="none" w="med" len="med"/>
+                      <a:tailEnd type="none" w="med" len="med"/>
+                    </a:lnR>
+                    <a:lnT w="28575" cap="flat" cmpd="sng" algn="ctr">
+                      <a:solidFill>
+                        <a:srgbClr val="FFC000"/>
+                      </a:solidFill>
+                      <a:prstDash val="solid"/>
+                      <a:round/>
+                      <a:headEnd type="none" w="med" len="med"/>
+                      <a:tailEnd type="none" w="med" len="med"/>
+                    </a:lnT>
+                    <a:lnB w="28575" cap="flat" cmpd="sng" algn="ctr">
+                      <a:solidFill>
+                        <a:srgbClr val="FFC000"/>
+                      </a:solidFill>
+                      <a:prstDash val="solid"/>
+                      <a:round/>
+                      <a:headEnd type="none" w="med" len="med"/>
+                      <a:tailEnd type="none" w="med" len="med"/>
+                    </a:lnB>
+                    <a:noFill/>
+                  </a:tcPr>
+                </a:tc>
+              </a:tr>
+            </a:tbl>
+          </a:graphicData>
+        </a:graphic>
+      </p:graphicFrame>
+      <p:graphicFrame>
+        <p:nvGraphicFramePr>
+          <p:cNvPr id="7" name="Espaço Reservado para Conteúdo 4"/>
+          <p:cNvGraphicFramePr>
+            <a:graphicFrameLocks noGrp="1"/>
+          </p:cNvGraphicFramePr>
+          <p:nvPr>
+            <p:ph idx="4294967295"/>
+          </p:nvPr>
+        </p:nvGraphicFramePr>
+        <p:xfrm>
+          <a:off x="3707904" y="2636912"/>
+          <a:ext cx="1656184" cy="548640"/>
+        </p:xfrm>
+        <a:graphic>
+          <a:graphicData uri="http://schemas.openxmlformats.org/drawingml/2006/table">
+            <a:tbl>
+              <a:tblPr firstRow="1" bandRow="1">
+                <a:tableStyleId>{5C22544A-7EE6-4342-B048-85BDC9FD1C3A}</a:tableStyleId>
+              </a:tblPr>
+              <a:tblGrid>
+                <a:gridCol w="1656184"/>
+              </a:tblGrid>
+              <a:tr h="161721">
+                <a:tc>
+                  <a:txBody>
+                    <a:bodyPr/>
+                    <a:lstStyle/>
+                    <a:p>
+                      <a:pPr marL="0" algn="ctr" rtl="0" eaLnBrk="1" latinLnBrk="0" hangingPunct="1"/>
+                      <a:r>
+                        <a:rPr kumimoji="0" lang="pt-BR" sz="1200" b="1" i="1" kern="1200" dirty="0" err="1" smtClean="0">
+                          <a:solidFill>
+                            <a:srgbClr val="FFC000"/>
+                          </a:solidFill>
+                          <a:latin typeface="+mn-lt"/>
+                          <a:ea typeface="+mn-ea"/>
+                          <a:cs typeface="+mn-cs"/>
+                        </a:rPr>
+                        <a:t>Statement</a:t>
+                      </a:r>
+                      <a:endParaRPr kumimoji="0" lang="pt-BR" sz="1200" b="1" i="1" kern="1200" dirty="0">
+                        <a:solidFill>
+                          <a:srgbClr val="FFC000"/>
+                        </a:solidFill>
+                        <a:latin typeface="+mn-lt"/>
+                        <a:ea typeface="+mn-ea"/>
+                        <a:cs typeface="+mn-cs"/>
+                      </a:endParaRPr>
+                    </a:p>
+                  </a:txBody>
+                  <a:tcPr>
+                    <a:lnL w="28575" cap="flat" cmpd="sng" algn="ctr">
+                      <a:solidFill>
+                        <a:srgbClr val="FFC000"/>
+                      </a:solidFill>
+                      <a:prstDash val="solid"/>
+                      <a:round/>
+                      <a:headEnd type="none" w="med" len="med"/>
+                      <a:tailEnd type="none" w="med" len="med"/>
+                    </a:lnL>
+                    <a:lnR w="28575" cap="flat" cmpd="sng" algn="ctr">
+                      <a:solidFill>
+                        <a:srgbClr val="FFC000"/>
+                      </a:solidFill>
+                      <a:prstDash val="solid"/>
+                      <a:round/>
+                      <a:headEnd type="none" w="med" len="med"/>
+                      <a:tailEnd type="none" w="med" len="med"/>
+                    </a:lnR>
+                    <a:lnT w="28575" cap="flat" cmpd="sng" algn="ctr">
+                      <a:solidFill>
+                        <a:srgbClr val="FFC000"/>
+                      </a:solidFill>
+                      <a:prstDash val="solid"/>
+                      <a:round/>
+                      <a:headEnd type="none" w="med" len="med"/>
+                      <a:tailEnd type="none" w="med" len="med"/>
+                    </a:lnT>
+                    <a:lnB w="28575" cap="flat" cmpd="sng" algn="ctr">
+                      <a:solidFill>
+                        <a:srgbClr val="FFC000"/>
+                      </a:solidFill>
+                      <a:prstDash val="solid"/>
+                      <a:round/>
+                      <a:headEnd type="none" w="med" len="med"/>
+                      <a:tailEnd type="none" w="med" len="med"/>
+                    </a:lnB>
+                    <a:noFill/>
+                  </a:tcPr>
+                </a:tc>
+              </a:tr>
+              <a:tr h="262347">
+                <a:tc>
+                  <a:txBody>
+                    <a:bodyPr/>
+                    <a:lstStyle/>
+                    <a:p>
+                      <a:endParaRPr lang="fr-FR" sz="1200" dirty="0" smtClean="0">
+                        <a:solidFill>
+                          <a:srgbClr val="FFC000"/>
+                        </a:solidFill>
+                      </a:endParaRPr>
+                    </a:p>
+                  </a:txBody>
+                  <a:tcPr>
+                    <a:lnL w="28575" cap="flat" cmpd="sng" algn="ctr">
+                      <a:solidFill>
+                        <a:srgbClr val="FFC000"/>
+                      </a:solidFill>
+                      <a:prstDash val="solid"/>
+                      <a:round/>
+                      <a:headEnd type="none" w="med" len="med"/>
+                      <a:tailEnd type="none" w="med" len="med"/>
+                    </a:lnL>
+                    <a:lnR w="28575" cap="flat" cmpd="sng" algn="ctr">
+                      <a:solidFill>
+                        <a:srgbClr val="FFC000"/>
+                      </a:solidFill>
+                      <a:prstDash val="solid"/>
+                      <a:round/>
+                      <a:headEnd type="none" w="med" len="med"/>
+                      <a:tailEnd type="none" w="med" len="med"/>
+                    </a:lnR>
+                    <a:lnT w="28575" cap="flat" cmpd="sng" algn="ctr">
+                      <a:solidFill>
+                        <a:srgbClr val="FFC000"/>
+                      </a:solidFill>
+                      <a:prstDash val="solid"/>
+                      <a:round/>
+                      <a:headEnd type="none" w="med" len="med"/>
+                      <a:tailEnd type="none" w="med" len="med"/>
+                    </a:lnT>
+                    <a:lnB w="28575" cap="flat" cmpd="sng" algn="ctr">
+                      <a:solidFill>
+                        <a:srgbClr val="FFC000"/>
+                      </a:solidFill>
+                      <a:prstDash val="solid"/>
+                      <a:round/>
+                      <a:headEnd type="none" w="med" len="med"/>
+                      <a:tailEnd type="none" w="med" len="med"/>
+                    </a:lnB>
+                    <a:noFill/>
+                  </a:tcPr>
+                </a:tc>
+              </a:tr>
+            </a:tbl>
+          </a:graphicData>
+        </a:graphic>
+      </p:graphicFrame>
+      <p:graphicFrame>
+        <p:nvGraphicFramePr>
+          <p:cNvPr id="24" name="Espaço Reservado para Conteúdo 4"/>
+          <p:cNvGraphicFramePr>
+            <a:graphicFrameLocks noGrp="1"/>
+          </p:cNvGraphicFramePr>
+          <p:nvPr>
+            <p:ph idx="4294967295"/>
+          </p:nvPr>
+        </p:nvGraphicFramePr>
+        <p:xfrm>
+          <a:off x="6516216" y="4005064"/>
+          <a:ext cx="1800200" cy="665480"/>
+        </p:xfrm>
+        <a:graphic>
+          <a:graphicData uri="http://schemas.openxmlformats.org/drawingml/2006/table">
+            <a:tbl>
+              <a:tblPr firstRow="1" bandRow="1">
+                <a:tableStyleId>{5C22544A-7EE6-4342-B048-85BDC9FD1C3A}</a:tableStyleId>
+              </a:tblPr>
+              <a:tblGrid>
+                <a:gridCol w="1800200"/>
+              </a:tblGrid>
+              <a:tr h="175913">
+                <a:tc>
+                  <a:txBody>
+                    <a:bodyPr/>
+                    <a:lstStyle/>
+                    <a:p>
+                      <a:pPr marL="0" algn="ctr" rtl="0" eaLnBrk="1" latinLnBrk="0" hangingPunct="1"/>
+                      <a:r>
+                        <a:rPr kumimoji="0" lang="pt-BR" sz="1200" b="1" i="0" kern="1200" dirty="0" err="1" smtClean="0">
+                          <a:solidFill>
+                            <a:schemeClr val="tx1"/>
+                          </a:solidFill>
+                          <a:latin typeface="+mn-lt"/>
+                          <a:ea typeface="+mn-ea"/>
+                          <a:cs typeface="+mn-cs"/>
+                        </a:rPr>
+                        <a:t>SQLException</a:t>
+                      </a:r>
+                      <a:endParaRPr kumimoji="0" lang="pt-BR" sz="1200" b="1" i="0" kern="1200" dirty="0">
+                        <a:solidFill>
+                          <a:schemeClr val="tx1"/>
+                        </a:solidFill>
+                        <a:latin typeface="+mn-lt"/>
+                        <a:ea typeface="+mn-ea"/>
+                        <a:cs typeface="+mn-cs"/>
+                      </a:endParaRPr>
+                    </a:p>
+                  </a:txBody>
+                  <a:tcPr>
+                    <a:lnL w="28575" cap="flat" cmpd="sng" algn="ctr">
+                      <a:solidFill>
+                        <a:schemeClr val="tx1"/>
+                      </a:solidFill>
+                      <a:prstDash val="solid"/>
+                      <a:round/>
+                      <a:headEnd type="none" w="med" len="med"/>
+                      <a:tailEnd type="none" w="med" len="med"/>
+                    </a:lnL>
+                    <a:lnR w="28575" cap="flat" cmpd="sng" algn="ctr">
+                      <a:solidFill>
+                        <a:schemeClr val="tx1"/>
+                      </a:solidFill>
+                      <a:prstDash val="solid"/>
+                      <a:round/>
+                      <a:headEnd type="none" w="med" len="med"/>
+                      <a:tailEnd type="none" w="med" len="med"/>
+                    </a:lnR>
+                    <a:lnT w="28575" cap="flat" cmpd="sng" algn="ctr">
+                      <a:solidFill>
+                        <a:schemeClr val="tx1"/>
+                      </a:solidFill>
+                      <a:prstDash val="solid"/>
+                      <a:round/>
+                      <a:headEnd type="none" w="med" len="med"/>
+                      <a:tailEnd type="none" w="med" len="med"/>
+                    </a:lnT>
+                    <a:lnB w="28575" cap="flat" cmpd="sng" algn="ctr">
+                      <a:solidFill>
+                        <a:schemeClr val="tx1"/>
+                      </a:solidFill>
+                      <a:prstDash val="solid"/>
+                      <a:round/>
+                      <a:headEnd type="none" w="med" len="med"/>
+                      <a:tailEnd type="none" w="med" len="med"/>
+                    </a:lnB>
+                    <a:noFill/>
+                  </a:tcPr>
+                </a:tc>
+              </a:tr>
+              <a:tr h="0">
+                <a:tc>
+                  <a:txBody>
+                    <a:bodyPr/>
+                    <a:lstStyle/>
+                    <a:p>
+                      <a:endParaRPr lang="en-US" sz="100" dirty="0" smtClean="0">
+                        <a:solidFill>
+                          <a:schemeClr val="tx1"/>
+                        </a:solidFill>
+                      </a:endParaRPr>
+                    </a:p>
+                  </a:txBody>
+                  <a:tcPr>
+                    <a:lnL w="28575" cap="flat" cmpd="sng" algn="ctr">
+                      <a:solidFill>
+                        <a:schemeClr val="tx1"/>
+                      </a:solidFill>
+                      <a:prstDash val="solid"/>
+                      <a:round/>
+                      <a:headEnd type="none" w="med" len="med"/>
+                      <a:tailEnd type="none" w="med" len="med"/>
+                    </a:lnL>
+                    <a:lnR w="28575" cap="flat" cmpd="sng" algn="ctr">
+                      <a:solidFill>
+                        <a:schemeClr val="tx1"/>
+                      </a:solidFill>
+                      <a:prstDash val="solid"/>
+                      <a:round/>
+                      <a:headEnd type="none" w="med" len="med"/>
+                      <a:tailEnd type="none" w="med" len="med"/>
+                    </a:lnR>
+                    <a:lnT w="28575" cap="flat" cmpd="sng" algn="ctr">
+                      <a:solidFill>
+                        <a:schemeClr val="tx1"/>
+                      </a:solidFill>
+                      <a:prstDash val="solid"/>
+                      <a:round/>
+                      <a:headEnd type="none" w="med" len="med"/>
+                      <a:tailEnd type="none" w="med" len="med"/>
+                    </a:lnT>
+                    <a:lnB w="28575" cap="flat" cmpd="sng" algn="ctr">
+                      <a:solidFill>
+                        <a:schemeClr val="tx1"/>
+                      </a:solidFill>
+                      <a:prstDash val="solid"/>
+                      <a:round/>
+                      <a:headEnd type="none" w="med" len="med"/>
+                      <a:tailEnd type="none" w="med" len="med"/>
+                    </a:lnB>
+                    <a:noFill/>
+                  </a:tcPr>
+                </a:tc>
+              </a:tr>
+              <a:tr h="0">
+                <a:tc>
+                  <a:txBody>
+                    <a:bodyPr/>
+                    <a:lstStyle/>
+                    <a:p>
+                      <a:endParaRPr lang="en-US" sz="1200" dirty="0" smtClean="0">
+                        <a:solidFill>
+                          <a:schemeClr val="tx1"/>
+                        </a:solidFill>
+                      </a:endParaRPr>
+                    </a:p>
+                  </a:txBody>
+                  <a:tcPr>
+                    <a:lnL w="28575" cap="flat" cmpd="sng" algn="ctr">
+                      <a:solidFill>
+                        <a:schemeClr val="tx1"/>
+                      </a:solidFill>
+                      <a:prstDash val="solid"/>
+                      <a:round/>
+                      <a:headEnd type="none" w="med" len="med"/>
+                      <a:tailEnd type="none" w="med" len="med"/>
+                    </a:lnL>
+                    <a:lnR w="28575" cap="flat" cmpd="sng" algn="ctr">
+                      <a:solidFill>
+                        <a:schemeClr val="tx1"/>
+                      </a:solidFill>
+                      <a:prstDash val="solid"/>
+                      <a:round/>
+                      <a:headEnd type="none" w="med" len="med"/>
+                      <a:tailEnd type="none" w="med" len="med"/>
+                    </a:lnR>
+                    <a:lnT w="28575" cap="flat" cmpd="sng" algn="ctr">
+                      <a:solidFill>
+                        <a:schemeClr val="tx1"/>
+                      </a:solidFill>
+                      <a:prstDash val="solid"/>
+                      <a:round/>
+                      <a:headEnd type="none" w="med" len="med"/>
+                      <a:tailEnd type="none" w="med" len="med"/>
+                    </a:lnT>
+                    <a:lnB w="28575" cap="flat" cmpd="sng" algn="ctr">
+                      <a:solidFill>
+                        <a:schemeClr val="tx1"/>
+                      </a:solidFill>
+                      <a:prstDash val="solid"/>
+                      <a:round/>
+                      <a:headEnd type="none" w="med" len="med"/>
+                      <a:tailEnd type="none" w="med" len="med"/>
+                    </a:lnB>
+                    <a:noFill/>
+                  </a:tcPr>
+                </a:tc>
+              </a:tr>
+            </a:tbl>
+          </a:graphicData>
+        </a:graphic>
+      </p:graphicFrame>
+      <p:graphicFrame>
+        <p:nvGraphicFramePr>
+          <p:cNvPr id="17" name="Espaço Reservado para Conteúdo 4"/>
+          <p:cNvGraphicFramePr>
+            <a:graphicFrameLocks noGrp="1"/>
+          </p:cNvGraphicFramePr>
+          <p:nvPr>
+            <p:ph idx="4294967295"/>
+          </p:nvPr>
+        </p:nvGraphicFramePr>
+        <p:xfrm>
+          <a:off x="755576" y="2780928"/>
+          <a:ext cx="1728192" cy="665480"/>
+        </p:xfrm>
+        <a:graphic>
+          <a:graphicData uri="http://schemas.openxmlformats.org/drawingml/2006/table">
+            <a:tbl>
+              <a:tblPr firstRow="1" bandRow="1">
+                <a:tableStyleId>{5C22544A-7EE6-4342-B048-85BDC9FD1C3A}</a:tableStyleId>
+              </a:tblPr>
+              <a:tblGrid>
+                <a:gridCol w="1728192"/>
+              </a:tblGrid>
+              <a:tr h="136545">
+                <a:tc>
+                  <a:txBody>
+                    <a:bodyPr/>
+                    <a:lstStyle/>
+                    <a:p>
+                      <a:pPr marL="0" algn="ctr" rtl="0" eaLnBrk="1" latinLnBrk="0" hangingPunct="1"/>
+                      <a:r>
+                        <a:rPr kumimoji="0" lang="pt-BR" sz="1200" b="1" i="0" kern="1200" dirty="0" err="1" smtClean="0">
+                          <a:solidFill>
+                            <a:schemeClr val="tx1"/>
+                          </a:solidFill>
+                          <a:latin typeface="+mn-lt"/>
+                          <a:ea typeface="+mn-ea"/>
+                          <a:cs typeface="+mn-cs"/>
+                        </a:rPr>
+                        <a:t>DriverManager</a:t>
+                      </a:r>
+                      <a:endParaRPr kumimoji="0" lang="pt-BR" sz="1200" b="1" i="0" kern="1200" dirty="0">
+                        <a:solidFill>
+                          <a:schemeClr val="tx1"/>
+                        </a:solidFill>
+                        <a:latin typeface="+mn-lt"/>
+                        <a:ea typeface="+mn-ea"/>
+                        <a:cs typeface="+mn-cs"/>
+                      </a:endParaRPr>
+                    </a:p>
+                  </a:txBody>
+                  <a:tcPr>
+                    <a:lnL w="28575" cap="flat" cmpd="sng" algn="ctr">
+                      <a:solidFill>
+                        <a:schemeClr val="tx1"/>
+                      </a:solidFill>
+                      <a:prstDash val="solid"/>
+                      <a:round/>
+                      <a:headEnd type="none" w="med" len="med"/>
+                      <a:tailEnd type="none" w="med" len="med"/>
+                    </a:lnL>
+                    <a:lnR w="28575" cap="flat" cmpd="sng" algn="ctr">
+                      <a:solidFill>
+                        <a:schemeClr val="tx1"/>
+                      </a:solidFill>
+                      <a:prstDash val="solid"/>
+                      <a:round/>
+                      <a:headEnd type="none" w="med" len="med"/>
+                      <a:tailEnd type="none" w="med" len="med"/>
+                    </a:lnR>
+                    <a:lnT w="28575" cap="flat" cmpd="sng" algn="ctr">
+                      <a:solidFill>
+                        <a:schemeClr val="tx1"/>
+                      </a:solidFill>
+                      <a:prstDash val="solid"/>
+                      <a:round/>
+                      <a:headEnd type="none" w="med" len="med"/>
+                      <a:tailEnd type="none" w="med" len="med"/>
+                    </a:lnT>
+                    <a:lnB w="28575" cap="flat" cmpd="sng" algn="ctr">
+                      <a:solidFill>
+                        <a:schemeClr val="tx1"/>
+                      </a:solidFill>
+                      <a:prstDash val="solid"/>
+                      <a:round/>
+                      <a:headEnd type="none" w="med" len="med"/>
+                      <a:tailEnd type="none" w="med" len="med"/>
+                    </a:lnB>
+                    <a:noFill/>
+                  </a:tcPr>
+                </a:tc>
+              </a:tr>
+              <a:tr h="0">
+                <a:tc>
+                  <a:txBody>
+                    <a:bodyPr/>
+                    <a:lstStyle/>
+                    <a:p>
+                      <a:endParaRPr lang="en-US" sz="100" dirty="0" smtClean="0">
+                        <a:solidFill>
+                          <a:schemeClr val="tx1"/>
+                        </a:solidFill>
+                      </a:endParaRPr>
+                    </a:p>
+                  </a:txBody>
+                  <a:tcPr>
+                    <a:lnL w="28575" cap="flat" cmpd="sng" algn="ctr">
+                      <a:solidFill>
+                        <a:schemeClr val="tx1"/>
+                      </a:solidFill>
+                      <a:prstDash val="solid"/>
+                      <a:round/>
+                      <a:headEnd type="none" w="med" len="med"/>
+                      <a:tailEnd type="none" w="med" len="med"/>
+                    </a:lnL>
+                    <a:lnR w="28575" cap="flat" cmpd="sng" algn="ctr">
+                      <a:solidFill>
+                        <a:schemeClr val="tx1"/>
+                      </a:solidFill>
+                      <a:prstDash val="solid"/>
+                      <a:round/>
+                      <a:headEnd type="none" w="med" len="med"/>
+                      <a:tailEnd type="none" w="med" len="med"/>
+                    </a:lnR>
+                    <a:lnT w="28575" cap="flat" cmpd="sng" algn="ctr">
+                      <a:solidFill>
+                        <a:schemeClr val="tx1"/>
+                      </a:solidFill>
+                      <a:prstDash val="solid"/>
+                      <a:round/>
+                      <a:headEnd type="none" w="med" len="med"/>
+                      <a:tailEnd type="none" w="med" len="med"/>
+                    </a:lnT>
+                    <a:lnB w="28575" cap="flat" cmpd="sng" algn="ctr">
+                      <a:solidFill>
+                        <a:schemeClr val="tx1"/>
+                      </a:solidFill>
+                      <a:prstDash val="solid"/>
+                      <a:round/>
+                      <a:headEnd type="none" w="med" len="med"/>
+                      <a:tailEnd type="none" w="med" len="med"/>
+                    </a:lnB>
+                    <a:noFill/>
+                  </a:tcPr>
+                </a:tc>
+              </a:tr>
+              <a:tr h="221506">
+                <a:tc>
+                  <a:txBody>
+                    <a:bodyPr/>
+                    <a:lstStyle/>
+                    <a:p>
+                      <a:endParaRPr lang="en-US" sz="1200" dirty="0" smtClean="0">
+                        <a:solidFill>
+                          <a:schemeClr val="tx1"/>
+                        </a:solidFill>
+                      </a:endParaRPr>
+                    </a:p>
+                  </a:txBody>
+                  <a:tcPr>
+                    <a:lnL w="28575" cap="flat" cmpd="sng" algn="ctr">
+                      <a:solidFill>
+                        <a:schemeClr val="tx1"/>
+                      </a:solidFill>
+                      <a:prstDash val="solid"/>
+                      <a:round/>
+                      <a:headEnd type="none" w="med" len="med"/>
+                      <a:tailEnd type="none" w="med" len="med"/>
+                    </a:lnL>
+                    <a:lnR w="28575" cap="flat" cmpd="sng" algn="ctr">
+                      <a:solidFill>
+                        <a:schemeClr val="tx1"/>
+                      </a:solidFill>
+                      <a:prstDash val="solid"/>
+                      <a:round/>
+                      <a:headEnd type="none" w="med" len="med"/>
+                      <a:tailEnd type="none" w="med" len="med"/>
+                    </a:lnR>
+                    <a:lnT w="28575" cap="flat" cmpd="sng" algn="ctr">
+                      <a:solidFill>
+                        <a:schemeClr val="tx1"/>
+                      </a:solidFill>
+                      <a:prstDash val="solid"/>
+                      <a:round/>
+                      <a:headEnd type="none" w="med" len="med"/>
+                      <a:tailEnd type="none" w="med" len="med"/>
+                    </a:lnT>
+                    <a:lnB w="28575" cap="flat" cmpd="sng" algn="ctr">
+                      <a:solidFill>
+                        <a:schemeClr val="tx1"/>
+                      </a:solidFill>
+                      <a:prstDash val="solid"/>
+                      <a:round/>
+                      <a:headEnd type="none" w="med" len="med"/>
+                      <a:tailEnd type="none" w="med" len="med"/>
+                    </a:lnB>
+                    <a:noFill/>
+                  </a:tcPr>
+                </a:tc>
+              </a:tr>
+            </a:tbl>
+          </a:graphicData>
+        </a:graphic>
+      </p:graphicFrame>
+      <p:graphicFrame>
+        <p:nvGraphicFramePr>
+          <p:cNvPr id="6" name="Espaço Reservado para Conteúdo 4"/>
+          <p:cNvGraphicFramePr>
+            <a:graphicFrameLocks/>
+          </p:cNvGraphicFramePr>
+          <p:nvPr/>
+        </p:nvGraphicFramePr>
+        <p:xfrm>
+          <a:off x="3707904" y="3446408"/>
+          <a:ext cx="1656184" cy="548640"/>
+        </p:xfrm>
+        <a:graphic>
+          <a:graphicData uri="http://schemas.openxmlformats.org/drawingml/2006/table">
+            <a:tbl>
+              <a:tblPr firstRow="1" bandRow="1">
+                <a:tableStyleId>{5C22544A-7EE6-4342-B048-85BDC9FD1C3A}</a:tableStyleId>
+              </a:tblPr>
+              <a:tblGrid>
+                <a:gridCol w="1656184"/>
+              </a:tblGrid>
+              <a:tr h="218987">
+                <a:tc>
+                  <a:txBody>
+                    <a:bodyPr/>
+                    <a:lstStyle/>
+                    <a:p>
+                      <a:pPr algn="ctr"/>
+                      <a:r>
+                        <a:rPr lang="pt-BR" sz="1200" i="1" dirty="0" err="1" smtClean="0">
+                          <a:solidFill>
+                            <a:srgbClr val="FFC000"/>
+                          </a:solidFill>
+                        </a:rPr>
+                        <a:t>PreparedStatement</a:t>
+                      </a:r>
+                      <a:endParaRPr lang="pt-BR" sz="1200" i="1" dirty="0">
+                        <a:solidFill>
+                          <a:srgbClr val="FFC000"/>
+                        </a:solidFill>
+                      </a:endParaRPr>
+                    </a:p>
+                  </a:txBody>
+                  <a:tcPr>
+                    <a:lnL w="28575" cap="flat" cmpd="sng" algn="ctr">
+                      <a:solidFill>
+                        <a:srgbClr val="FFC000"/>
+                      </a:solidFill>
+                      <a:prstDash val="solid"/>
+                      <a:round/>
+                      <a:headEnd type="none" w="med" len="med"/>
+                      <a:tailEnd type="none" w="med" len="med"/>
+                    </a:lnL>
+                    <a:lnR w="28575" cap="flat" cmpd="sng" algn="ctr">
+                      <a:solidFill>
+                        <a:srgbClr val="FFC000"/>
+                      </a:solidFill>
+                      <a:prstDash val="solid"/>
+                      <a:round/>
+                      <a:headEnd type="none" w="med" len="med"/>
+                      <a:tailEnd type="none" w="med" len="med"/>
+                    </a:lnR>
+                    <a:lnT w="28575" cap="flat" cmpd="sng" algn="ctr">
+                      <a:solidFill>
+                        <a:srgbClr val="FFC000"/>
+                      </a:solidFill>
+                      <a:prstDash val="solid"/>
+                      <a:round/>
+                      <a:headEnd type="none" w="med" len="med"/>
+                      <a:tailEnd type="none" w="med" len="med"/>
+                    </a:lnT>
+                    <a:lnB w="28575" cap="flat" cmpd="sng" algn="ctr">
+                      <a:solidFill>
+                        <a:srgbClr val="FFC000"/>
+                      </a:solidFill>
+                      <a:prstDash val="solid"/>
+                      <a:round/>
+                      <a:headEnd type="none" w="med" len="med"/>
+                      <a:tailEnd type="none" w="med" len="med"/>
+                    </a:lnB>
+                    <a:noFill/>
+                  </a:tcPr>
+                </a:tc>
+              </a:tr>
+              <a:tr h="201123">
+                <a:tc>
+                  <a:txBody>
+                    <a:bodyPr/>
+                    <a:lstStyle/>
+                    <a:p>
+                      <a:endParaRPr kumimoji="0" lang="pt-BR" sz="1200" kern="1200" dirty="0">
+                        <a:solidFill>
+                          <a:srgbClr val="FFC000"/>
+                        </a:solidFill>
+                        <a:latin typeface="+mn-lt"/>
+                        <a:ea typeface="+mn-ea"/>
+                        <a:cs typeface="+mn-cs"/>
+                      </a:endParaRPr>
+                    </a:p>
+                  </a:txBody>
+                  <a:tcPr>
+                    <a:lnL w="28575" cap="flat" cmpd="sng" algn="ctr">
+                      <a:solidFill>
+                        <a:srgbClr val="FFC000"/>
+                      </a:solidFill>
+                      <a:prstDash val="solid"/>
+                      <a:round/>
+                      <a:headEnd type="none" w="med" len="med"/>
+                      <a:tailEnd type="none" w="med" len="med"/>
+                    </a:lnL>
+                    <a:lnR w="28575" cap="flat" cmpd="sng" algn="ctr">
+                      <a:solidFill>
+                        <a:srgbClr val="FFC000"/>
+                      </a:solidFill>
+                      <a:prstDash val="solid"/>
+                      <a:round/>
+                      <a:headEnd type="none" w="med" len="med"/>
+                      <a:tailEnd type="none" w="med" len="med"/>
+                    </a:lnR>
+                    <a:lnT w="28575" cap="flat" cmpd="sng" algn="ctr">
+                      <a:solidFill>
+                        <a:srgbClr val="FFC000"/>
+                      </a:solidFill>
+                      <a:prstDash val="solid"/>
+                      <a:round/>
+                      <a:headEnd type="none" w="med" len="med"/>
+                      <a:tailEnd type="none" w="med" len="med"/>
+                    </a:lnT>
+                    <a:lnB w="28575" cap="flat" cmpd="sng" algn="ctr">
+                      <a:solidFill>
+                        <a:srgbClr val="FFC000"/>
+                      </a:solidFill>
+                      <a:prstDash val="solid"/>
+                      <a:round/>
+                      <a:headEnd type="none" w="med" len="med"/>
+                      <a:tailEnd type="none" w="med" len="med"/>
+                    </a:lnB>
+                    <a:noFill/>
+                  </a:tcPr>
+                </a:tc>
+              </a:tr>
+            </a:tbl>
+          </a:graphicData>
+        </a:graphic>
+      </p:graphicFrame>
+      <p:graphicFrame>
+        <p:nvGraphicFramePr>
+          <p:cNvPr id="8" name="Espaço Reservado para Conteúdo 4"/>
+          <p:cNvGraphicFramePr>
+            <a:graphicFrameLocks/>
+          </p:cNvGraphicFramePr>
+          <p:nvPr/>
+        </p:nvGraphicFramePr>
+        <p:xfrm>
+          <a:off x="3707904" y="4221088"/>
+          <a:ext cx="1656184" cy="548640"/>
+        </p:xfrm>
+        <a:graphic>
+          <a:graphicData uri="http://schemas.openxmlformats.org/drawingml/2006/table">
+            <a:tbl>
+              <a:tblPr firstRow="1" bandRow="1">
+                <a:tableStyleId>{5C22544A-7EE6-4342-B048-85BDC9FD1C3A}</a:tableStyleId>
+              </a:tblPr>
+              <a:tblGrid>
+                <a:gridCol w="1656184"/>
+              </a:tblGrid>
+              <a:tr h="220104">
+                <a:tc>
+                  <a:txBody>
+                    <a:bodyPr/>
+                    <a:lstStyle/>
+                    <a:p>
+                      <a:pPr marL="0" algn="ctr" rtl="0" eaLnBrk="1" latinLnBrk="0" hangingPunct="1"/>
+                      <a:r>
+                        <a:rPr kumimoji="0" lang="pt-BR" sz="1200" b="1" i="1" kern="1200" dirty="0" err="1" smtClean="0">
+                          <a:solidFill>
+                            <a:srgbClr val="FFC000"/>
+                          </a:solidFill>
+                          <a:latin typeface="+mn-lt"/>
+                          <a:ea typeface="+mn-ea"/>
+                          <a:cs typeface="+mn-cs"/>
+                        </a:rPr>
+                        <a:t>CallableStatement</a:t>
+                      </a:r>
+                      <a:endParaRPr kumimoji="0" lang="pt-BR" sz="1200" b="1" i="1" kern="1200" dirty="0">
+                        <a:solidFill>
+                          <a:srgbClr val="FFC000"/>
+                        </a:solidFill>
+                        <a:latin typeface="+mn-lt"/>
+                        <a:ea typeface="+mn-ea"/>
+                        <a:cs typeface="+mn-cs"/>
+                      </a:endParaRPr>
+                    </a:p>
+                  </a:txBody>
+                  <a:tcPr>
+                    <a:lnL w="28575" cap="flat" cmpd="sng" algn="ctr">
+                      <a:solidFill>
+                        <a:srgbClr val="FFC000"/>
+                      </a:solidFill>
+                      <a:prstDash val="solid"/>
+                      <a:round/>
+                      <a:headEnd type="none" w="med" len="med"/>
+                      <a:tailEnd type="none" w="med" len="med"/>
+                    </a:lnL>
+                    <a:lnR w="28575" cap="flat" cmpd="sng" algn="ctr">
+                      <a:solidFill>
+                        <a:srgbClr val="FFC000"/>
+                      </a:solidFill>
+                      <a:prstDash val="solid"/>
+                      <a:round/>
+                      <a:headEnd type="none" w="med" len="med"/>
+                      <a:tailEnd type="none" w="med" len="med"/>
+                    </a:lnR>
+                    <a:lnT w="28575" cap="flat" cmpd="sng" algn="ctr">
+                      <a:solidFill>
+                        <a:srgbClr val="FFC000"/>
+                      </a:solidFill>
+                      <a:prstDash val="solid"/>
+                      <a:round/>
+                      <a:headEnd type="none" w="med" len="med"/>
+                      <a:tailEnd type="none" w="med" len="med"/>
+                    </a:lnT>
+                    <a:lnB w="28575" cap="flat" cmpd="sng" algn="ctr">
+                      <a:solidFill>
+                        <a:srgbClr val="FFC000"/>
+                      </a:solidFill>
+                      <a:prstDash val="solid"/>
+                      <a:round/>
+                      <a:headEnd type="none" w="med" len="med"/>
+                      <a:tailEnd type="none" w="med" len="med"/>
+                    </a:lnB>
+                    <a:noFill/>
+                  </a:tcPr>
+                </a:tc>
+              </a:tr>
+              <a:tr h="131440">
+                <a:tc>
+                  <a:txBody>
+                    <a:bodyPr/>
+                    <a:lstStyle/>
+                    <a:p>
+                      <a:endParaRPr lang="fr-FR" sz="1200" dirty="0" smtClean="0">
+                        <a:solidFill>
+                          <a:srgbClr val="FFC000"/>
+                        </a:solidFill>
+                      </a:endParaRPr>
+                    </a:p>
+                  </a:txBody>
+                  <a:tcPr>
+                    <a:lnL w="28575" cap="flat" cmpd="sng" algn="ctr">
+                      <a:solidFill>
+                        <a:srgbClr val="FFC000"/>
+                      </a:solidFill>
+                      <a:prstDash val="solid"/>
+                      <a:round/>
+                      <a:headEnd type="none" w="med" len="med"/>
+                      <a:tailEnd type="none" w="med" len="med"/>
+                    </a:lnL>
+                    <a:lnR w="28575" cap="flat" cmpd="sng" algn="ctr">
+                      <a:solidFill>
+                        <a:srgbClr val="FFC000"/>
+                      </a:solidFill>
+                      <a:prstDash val="solid"/>
+                      <a:round/>
+                      <a:headEnd type="none" w="med" len="med"/>
+                      <a:tailEnd type="none" w="med" len="med"/>
+                    </a:lnR>
+                    <a:lnT w="28575" cap="flat" cmpd="sng" algn="ctr">
+                      <a:solidFill>
+                        <a:srgbClr val="FFC000"/>
+                      </a:solidFill>
+                      <a:prstDash val="solid"/>
+                      <a:round/>
+                      <a:headEnd type="none" w="med" len="med"/>
+                      <a:tailEnd type="none" w="med" len="med"/>
+                    </a:lnT>
+                    <a:lnB w="28575" cap="flat" cmpd="sng" algn="ctr">
+                      <a:solidFill>
+                        <a:srgbClr val="FFC000"/>
+                      </a:solidFill>
+                      <a:prstDash val="solid"/>
+                      <a:round/>
+                      <a:headEnd type="none" w="med" len="med"/>
+                      <a:tailEnd type="none" w="med" len="med"/>
+                    </a:lnB>
+                    <a:noFill/>
+                  </a:tcPr>
+                </a:tc>
+              </a:tr>
+            </a:tbl>
+          </a:graphicData>
+        </a:graphic>
+      </p:graphicFrame>
+      <p:grpSp>
+        <p:nvGrpSpPr>
+          <p:cNvPr id="2" name="Group 43"/>
+          <p:cNvGrpSpPr/>
+          <p:nvPr/>
+        </p:nvGrpSpPr>
+        <p:grpSpPr>
+          <a:xfrm>
+            <a:off x="-1404664" y="1772816"/>
+            <a:ext cx="1071570" cy="285752"/>
+            <a:chOff x="857224" y="2143116"/>
+            <a:chExt cx="714379" cy="428628"/>
+          </a:xfrm>
+        </p:grpSpPr>
+        <p:cxnSp>
+          <p:nvCxnSpPr>
+            <p:cNvPr id="31" name="Conector de seta reta 22"/>
+            <p:cNvCxnSpPr>
+              <a:cxnSpLocks noChangeShapeType="1"/>
+            </p:cNvCxnSpPr>
+            <p:nvPr/>
+          </p:nvCxnSpPr>
+          <p:spPr bwMode="auto">
+            <a:xfrm>
+              <a:off x="857224" y="2143116"/>
+              <a:ext cx="714379" cy="1"/>
+            </a:xfrm>
+            <a:prstGeom prst="straightConnector1">
+              <a:avLst/>
+            </a:prstGeom>
+            <a:noFill/>
+            <a:ln w="28575" algn="ctr">
+              <a:solidFill>
+                <a:srgbClr val="FFC000"/>
+              </a:solidFill>
+              <a:prstDash val="solid"/>
+              <a:round/>
+              <a:headEnd/>
+              <a:tailEnd type="triangle" w="lg" len="lg"/>
+            </a:ln>
+          </p:spPr>
+        </p:cxnSp>
+        <p:cxnSp>
+          <p:nvCxnSpPr>
+            <p:cNvPr id="35" name="Conector de seta reta 22"/>
+            <p:cNvCxnSpPr>
+              <a:cxnSpLocks noChangeShapeType="1"/>
+            </p:cNvCxnSpPr>
+            <p:nvPr/>
+          </p:nvCxnSpPr>
+          <p:spPr bwMode="auto">
+            <a:xfrm rot="5400000" flipH="1" flipV="1">
+              <a:off x="643704" y="2356636"/>
+              <a:ext cx="428628" cy="1588"/>
+            </a:xfrm>
+            <a:prstGeom prst="straightConnector1">
+              <a:avLst/>
+            </a:prstGeom>
+            <a:noFill/>
+            <a:ln w="28575" algn="ctr">
+              <a:solidFill>
+                <a:srgbClr val="FFC000"/>
+              </a:solidFill>
+              <a:prstDash val="solid"/>
+              <a:round/>
+              <a:headEnd type="none" w="med" len="med"/>
+              <a:tailEnd type="none" w="med" len="med"/>
+            </a:ln>
+          </p:spPr>
+        </p:cxnSp>
+      </p:grpSp>
+      <p:grpSp>
+        <p:nvGrpSpPr>
+          <p:cNvPr id="10" name="Group 61"/>
+          <p:cNvGrpSpPr/>
+          <p:nvPr/>
+        </p:nvGrpSpPr>
+        <p:grpSpPr>
+          <a:xfrm>
+            <a:off x="9828584" y="332656"/>
+            <a:ext cx="214317" cy="1347797"/>
+            <a:chOff x="2857487" y="3286125"/>
+            <a:chExt cx="214317" cy="1347797"/>
+          </a:xfrm>
+        </p:grpSpPr>
+        <p:cxnSp>
+          <p:nvCxnSpPr>
+            <p:cNvPr id="58" name="Conector de seta reta 22"/>
+            <p:cNvCxnSpPr>
+              <a:cxnSpLocks noChangeShapeType="1"/>
+            </p:cNvCxnSpPr>
+            <p:nvPr/>
+          </p:nvCxnSpPr>
+          <p:spPr bwMode="auto">
+            <a:xfrm rot="5400000" flipH="1" flipV="1">
+              <a:off x="2505060" y="3638552"/>
+              <a:ext cx="704856" cy="1"/>
+            </a:xfrm>
+            <a:prstGeom prst="straightConnector1">
+              <a:avLst/>
+            </a:prstGeom>
+            <a:noFill/>
+            <a:ln w="28575" algn="ctr">
+              <a:solidFill>
+                <a:schemeClr val="tx1"/>
+              </a:solidFill>
+              <a:prstDash val="dash"/>
+              <a:round/>
+              <a:headEnd type="none" w="med" len="med"/>
+              <a:tailEnd type="arrow" w="med" len="med"/>
+            </a:ln>
+          </p:spPr>
+        </p:cxnSp>
+        <p:cxnSp>
+          <p:nvCxnSpPr>
+            <p:cNvPr id="59" name="Conector de seta reta 22"/>
+            <p:cNvCxnSpPr>
+              <a:cxnSpLocks noChangeShapeType="1"/>
+            </p:cNvCxnSpPr>
+            <p:nvPr/>
+          </p:nvCxnSpPr>
+          <p:spPr bwMode="auto">
+            <a:xfrm rot="10800000">
+              <a:off x="2857488" y="3989413"/>
+              <a:ext cx="214314" cy="1567"/>
+            </a:xfrm>
+            <a:prstGeom prst="straightConnector1">
+              <a:avLst/>
+            </a:prstGeom>
+            <a:noFill/>
+            <a:ln w="28575" algn="ctr">
+              <a:solidFill>
+                <a:schemeClr val="tx1"/>
+              </a:solidFill>
+              <a:prstDash val="dash"/>
+              <a:round/>
+              <a:headEnd type="none" w="med" len="med"/>
+              <a:tailEnd type="none" w="med" len="med"/>
+            </a:ln>
+          </p:spPr>
+        </p:cxnSp>
+        <p:cxnSp>
+          <p:nvCxnSpPr>
+            <p:cNvPr id="60" name="Conector de seta reta 22"/>
+            <p:cNvCxnSpPr>
+              <a:cxnSpLocks noChangeShapeType="1"/>
+            </p:cNvCxnSpPr>
+            <p:nvPr/>
+          </p:nvCxnSpPr>
+          <p:spPr bwMode="auto">
+            <a:xfrm rot="5400000" flipH="1" flipV="1">
+              <a:off x="2755094" y="4317212"/>
+              <a:ext cx="633418" cy="2"/>
+            </a:xfrm>
+            <a:prstGeom prst="straightConnector1">
+              <a:avLst/>
+            </a:prstGeom>
+            <a:noFill/>
+            <a:ln w="28575" algn="ctr">
+              <a:solidFill>
+                <a:schemeClr val="tx1"/>
+              </a:solidFill>
+              <a:prstDash val="dash"/>
+              <a:round/>
+              <a:headEnd type="none" w="med" len="med"/>
+              <a:tailEnd type="none" w="med" len="med"/>
+            </a:ln>
+          </p:spPr>
+        </p:cxnSp>
+      </p:grpSp>
+      <p:grpSp>
+        <p:nvGrpSpPr>
+          <p:cNvPr id="11" name="Group 62"/>
+          <p:cNvGrpSpPr/>
+          <p:nvPr/>
+        </p:nvGrpSpPr>
+        <p:grpSpPr>
+          <a:xfrm flipH="1">
+            <a:off x="-1260648" y="2780928"/>
+            <a:ext cx="714380" cy="428627"/>
+            <a:chOff x="2857487" y="3286125"/>
+            <a:chExt cx="214317" cy="1347797"/>
+          </a:xfrm>
+        </p:grpSpPr>
+        <p:cxnSp>
+          <p:nvCxnSpPr>
+            <p:cNvPr id="64" name="Conector de seta reta 22"/>
+            <p:cNvCxnSpPr>
+              <a:cxnSpLocks noChangeShapeType="1"/>
+            </p:cNvCxnSpPr>
+            <p:nvPr/>
+          </p:nvCxnSpPr>
+          <p:spPr bwMode="auto">
+            <a:xfrm rot="5400000" flipH="1" flipV="1">
+              <a:off x="2505060" y="3638552"/>
+              <a:ext cx="704856" cy="1"/>
+            </a:xfrm>
+            <a:prstGeom prst="straightConnector1">
+              <a:avLst/>
+            </a:prstGeom>
+            <a:noFill/>
+            <a:ln w="28575" algn="ctr">
+              <a:solidFill>
+                <a:srgbClr val="FFC000"/>
+              </a:solidFill>
+              <a:prstDash val="solid"/>
+              <a:round/>
+              <a:headEnd/>
+              <a:tailEnd type="triangle" w="lg" len="lg"/>
+            </a:ln>
+          </p:spPr>
+        </p:cxnSp>
+        <p:cxnSp>
+          <p:nvCxnSpPr>
+            <p:cNvPr id="65" name="Conector de seta reta 22"/>
+            <p:cNvCxnSpPr>
+              <a:cxnSpLocks noChangeShapeType="1"/>
+            </p:cNvCxnSpPr>
+            <p:nvPr/>
+          </p:nvCxnSpPr>
+          <p:spPr bwMode="auto">
+            <a:xfrm rot="10800000">
+              <a:off x="2857488" y="3989413"/>
+              <a:ext cx="214314" cy="1567"/>
+            </a:xfrm>
+            <a:prstGeom prst="straightConnector1">
+              <a:avLst/>
+            </a:prstGeom>
+            <a:noFill/>
+            <a:ln w="28575" algn="ctr">
+              <a:solidFill>
+                <a:srgbClr val="FFC000"/>
+              </a:solidFill>
+              <a:prstDash val="solid"/>
+              <a:round/>
+              <a:headEnd type="none" w="med" len="med"/>
+              <a:tailEnd type="none" w="med" len="med"/>
+            </a:ln>
+          </p:spPr>
+        </p:cxnSp>
+        <p:cxnSp>
+          <p:nvCxnSpPr>
+            <p:cNvPr id="66" name="Conector de seta reta 22"/>
+            <p:cNvCxnSpPr>
+              <a:cxnSpLocks noChangeShapeType="1"/>
+            </p:cNvCxnSpPr>
+            <p:nvPr/>
+          </p:nvCxnSpPr>
+          <p:spPr bwMode="auto">
+            <a:xfrm rot="5400000" flipH="1" flipV="1">
+              <a:off x="2755094" y="4317212"/>
+              <a:ext cx="633418" cy="2"/>
+            </a:xfrm>
+            <a:prstGeom prst="straightConnector1">
+              <a:avLst/>
+            </a:prstGeom>
+            <a:noFill/>
+            <a:ln w="28575" algn="ctr">
+              <a:solidFill>
+                <a:srgbClr val="FFC000"/>
+              </a:solidFill>
+              <a:prstDash val="solid"/>
+              <a:round/>
+              <a:headEnd type="none" w="med" len="med"/>
+              <a:tailEnd type="none" w="med" len="med"/>
+            </a:ln>
+          </p:spPr>
+        </p:cxnSp>
+      </p:grpSp>
+      <p:grpSp>
+        <p:nvGrpSpPr>
+          <p:cNvPr id="12" name="Group 69"/>
+          <p:cNvGrpSpPr/>
+          <p:nvPr/>
+        </p:nvGrpSpPr>
+        <p:grpSpPr>
+          <a:xfrm flipH="1">
+            <a:off x="9396536" y="3501008"/>
+            <a:ext cx="1143008" cy="571504"/>
+            <a:chOff x="857224" y="2143116"/>
+            <a:chExt cx="714379" cy="428628"/>
+          </a:xfrm>
+        </p:grpSpPr>
+        <p:cxnSp>
+          <p:nvCxnSpPr>
+            <p:cNvPr id="71" name="Conector de seta reta 22"/>
+            <p:cNvCxnSpPr>
+              <a:cxnSpLocks noChangeShapeType="1"/>
+            </p:cNvCxnSpPr>
+            <p:nvPr/>
+          </p:nvCxnSpPr>
+          <p:spPr bwMode="auto">
+            <a:xfrm>
+              <a:off x="857224" y="2143116"/>
+              <a:ext cx="714379" cy="1"/>
+            </a:xfrm>
+            <a:prstGeom prst="straightConnector1">
+              <a:avLst/>
+            </a:prstGeom>
+            <a:noFill/>
+            <a:ln w="28575" algn="ctr">
+              <a:solidFill>
+                <a:schemeClr val="tx1"/>
+              </a:solidFill>
+              <a:prstDash val="dash"/>
+              <a:round/>
+              <a:headEnd type="none" w="med" len="med"/>
+              <a:tailEnd type="arrow" w="med" len="med"/>
+            </a:ln>
+          </p:spPr>
+        </p:cxnSp>
+        <p:cxnSp>
+          <p:nvCxnSpPr>
+            <p:cNvPr id="72" name="Conector de seta reta 22"/>
+            <p:cNvCxnSpPr>
+              <a:cxnSpLocks noChangeShapeType="1"/>
+            </p:cNvCxnSpPr>
+            <p:nvPr/>
+          </p:nvCxnSpPr>
+          <p:spPr bwMode="auto">
+            <a:xfrm rot="5400000" flipH="1" flipV="1">
+              <a:off x="643704" y="2356636"/>
+              <a:ext cx="428628" cy="1588"/>
+            </a:xfrm>
+            <a:prstGeom prst="straightConnector1">
+              <a:avLst/>
+            </a:prstGeom>
+            <a:noFill/>
+            <a:ln w="28575" algn="ctr">
+              <a:solidFill>
+                <a:schemeClr val="tx1"/>
+              </a:solidFill>
+              <a:prstDash val="dash"/>
+              <a:round/>
+              <a:headEnd type="none" w="med" len="med"/>
+              <a:tailEnd type="none" w="med" len="med"/>
+            </a:ln>
+          </p:spPr>
+        </p:cxnSp>
+      </p:grpSp>
+      <p:cxnSp>
+        <p:nvCxnSpPr>
+          <p:cNvPr id="76" name="Conector de seta reta 22"/>
+          <p:cNvCxnSpPr>
+            <a:cxnSpLocks noChangeShapeType="1"/>
+          </p:cNvCxnSpPr>
+          <p:nvPr/>
+        </p:nvCxnSpPr>
+        <p:spPr bwMode="auto">
+          <a:xfrm flipV="1">
+            <a:off x="9972600" y="2564904"/>
+            <a:ext cx="0" cy="543446"/>
+          </a:xfrm>
+          <a:prstGeom prst="straightConnector1">
+            <a:avLst/>
+          </a:prstGeom>
+          <a:noFill/>
+          <a:ln w="28575" algn="ctr">
+            <a:solidFill>
+              <a:schemeClr val="tx1"/>
+            </a:solidFill>
+            <a:prstDash val="solid"/>
+            <a:round/>
+            <a:headEnd/>
+            <a:tailEnd type="triangle" w="lg" len="lg"/>
+          </a:ln>
+        </p:spPr>
+      </p:cxnSp>
+      <p:graphicFrame>
+        <p:nvGraphicFramePr>
+          <p:cNvPr id="42" name="Espaço Reservado para Conteúdo 4"/>
+          <p:cNvGraphicFramePr>
+            <a:graphicFrameLocks/>
+          </p:cNvGraphicFramePr>
+          <p:nvPr/>
+        </p:nvGraphicFramePr>
+        <p:xfrm>
+          <a:off x="6516216" y="2835528"/>
+          <a:ext cx="1800200" cy="548640"/>
+        </p:xfrm>
+        <a:graphic>
+          <a:graphicData uri="http://schemas.openxmlformats.org/drawingml/2006/table">
+            <a:tbl>
+              <a:tblPr firstRow="1" bandRow="1">
+                <a:tableStyleId>{5C22544A-7EE6-4342-B048-85BDC9FD1C3A}</a:tableStyleId>
+              </a:tblPr>
+              <a:tblGrid>
+                <a:gridCol w="1800200"/>
+              </a:tblGrid>
+              <a:tr h="220104">
+                <a:tc>
+                  <a:txBody>
+                    <a:bodyPr/>
+                    <a:lstStyle/>
+                    <a:p>
+                      <a:pPr marL="0" algn="ctr" rtl="0" eaLnBrk="1" latinLnBrk="0" hangingPunct="1"/>
+                      <a:r>
+                        <a:rPr kumimoji="0" lang="pt-BR" sz="1200" b="1" i="1" kern="1200" dirty="0" err="1" smtClean="0">
+                          <a:solidFill>
+                            <a:srgbClr val="FFC000"/>
+                          </a:solidFill>
+                          <a:latin typeface="+mn-lt"/>
+                          <a:ea typeface="+mn-ea"/>
+                          <a:cs typeface="+mn-cs"/>
+                        </a:rPr>
+                        <a:t>ResultSet</a:t>
+                      </a:r>
+                      <a:endParaRPr kumimoji="0" lang="pt-BR" sz="1200" b="1" i="1" kern="1200" dirty="0">
+                        <a:solidFill>
+                          <a:srgbClr val="FFC000"/>
+                        </a:solidFill>
+                        <a:latin typeface="+mn-lt"/>
+                        <a:ea typeface="+mn-ea"/>
+                        <a:cs typeface="+mn-cs"/>
+                      </a:endParaRPr>
+                    </a:p>
+                  </a:txBody>
+                  <a:tcPr>
+                    <a:lnL w="28575" cap="flat" cmpd="sng" algn="ctr">
+                      <a:solidFill>
+                        <a:srgbClr val="FFC000"/>
+                      </a:solidFill>
+                      <a:prstDash val="solid"/>
+                      <a:round/>
+                      <a:headEnd type="none" w="med" len="med"/>
+                      <a:tailEnd type="none" w="med" len="med"/>
+                    </a:lnL>
+                    <a:lnR w="28575" cap="flat" cmpd="sng" algn="ctr">
+                      <a:solidFill>
+                        <a:srgbClr val="FFC000"/>
+                      </a:solidFill>
+                      <a:prstDash val="solid"/>
+                      <a:round/>
+                      <a:headEnd type="none" w="med" len="med"/>
+                      <a:tailEnd type="none" w="med" len="med"/>
+                    </a:lnR>
+                    <a:lnT w="28575" cap="flat" cmpd="sng" algn="ctr">
+                      <a:solidFill>
+                        <a:srgbClr val="FFC000"/>
+                      </a:solidFill>
+                      <a:prstDash val="solid"/>
+                      <a:round/>
+                      <a:headEnd type="none" w="med" len="med"/>
+                      <a:tailEnd type="none" w="med" len="med"/>
+                    </a:lnT>
+                    <a:lnB w="28575" cap="flat" cmpd="sng" algn="ctr">
+                      <a:solidFill>
+                        <a:srgbClr val="FFC000"/>
+                      </a:solidFill>
+                      <a:prstDash val="solid"/>
+                      <a:round/>
+                      <a:headEnd type="none" w="med" len="med"/>
+                      <a:tailEnd type="none" w="med" len="med"/>
+                    </a:lnB>
+                    <a:noFill/>
+                  </a:tcPr>
+                </a:tc>
+              </a:tr>
+              <a:tr h="131440">
+                <a:tc>
+                  <a:txBody>
+                    <a:bodyPr/>
+                    <a:lstStyle/>
+                    <a:p>
+                      <a:endParaRPr lang="fr-FR" sz="1200" dirty="0" smtClean="0">
+                        <a:solidFill>
+                          <a:srgbClr val="FFC000"/>
+                        </a:solidFill>
+                      </a:endParaRPr>
+                    </a:p>
+                  </a:txBody>
+                  <a:tcPr>
+                    <a:lnL w="28575" cap="flat" cmpd="sng" algn="ctr">
+                      <a:solidFill>
+                        <a:srgbClr val="FFC000"/>
+                      </a:solidFill>
+                      <a:prstDash val="solid"/>
+                      <a:round/>
+                      <a:headEnd type="none" w="med" len="med"/>
+                      <a:tailEnd type="none" w="med" len="med"/>
+                    </a:lnL>
+                    <a:lnR w="28575" cap="flat" cmpd="sng" algn="ctr">
+                      <a:solidFill>
+                        <a:srgbClr val="FFC000"/>
+                      </a:solidFill>
+                      <a:prstDash val="solid"/>
+                      <a:round/>
+                      <a:headEnd type="none" w="med" len="med"/>
+                      <a:tailEnd type="none" w="med" len="med"/>
+                    </a:lnR>
+                    <a:lnT w="28575" cap="flat" cmpd="sng" algn="ctr">
+                      <a:solidFill>
+                        <a:srgbClr val="FFC000"/>
+                      </a:solidFill>
+                      <a:prstDash val="solid"/>
+                      <a:round/>
+                      <a:headEnd type="none" w="med" len="med"/>
+                      <a:tailEnd type="none" w="med" len="med"/>
+                    </a:lnT>
+                    <a:lnB w="28575" cap="flat" cmpd="sng" algn="ctr">
+                      <a:solidFill>
+                        <a:srgbClr val="FFC000"/>
+                      </a:solidFill>
+                      <a:prstDash val="solid"/>
+                      <a:round/>
+                      <a:headEnd type="none" w="med" len="med"/>
+                      <a:tailEnd type="none" w="med" len="med"/>
+                    </a:lnB>
+                    <a:noFill/>
+                  </a:tcPr>
+                </a:tc>
+              </a:tr>
+            </a:tbl>
+          </a:graphicData>
+        </a:graphic>
+      </p:graphicFrame>
+    </p:spTree>
+  </p:cSld>
+  <p:clrMapOvr>
+    <a:masterClrMapping/>
+  </p:clrMapOvr>
+  <p:timing>
+    <p:tnLst>
+      <p:par>
+        <p:cTn id="1" dur="indefinite" restart="never" nodeType="tmRoot"/>
+      </p:par>
+    </p:tnLst>
+  </p:timing>
+</p:sld>
+</file>
+
+<file path=ppt/slides/slide13.xml><?xml version="1.0" encoding="utf-8"?>
+<p:sld xmlns:a="http://schemas.openxmlformats.org/drawingml/2006/main" xmlns:r="http://schemas.openxmlformats.org/officeDocument/2006/relationships" xmlns:p="http://schemas.openxmlformats.org/presentationml/2006/main">
+  <p:cSld>
+    <p:spTree>
+      <p:nvGrpSpPr>
+        <p:cNvPr id="1" name=""/>
+        <p:cNvGrpSpPr/>
+        <p:nvPr/>
+      </p:nvGrpSpPr>
+      <p:grpSpPr>
+        <a:xfrm>
+          <a:off x="0" y="0"/>
+          <a:ext cx="0" cy="0"/>
+          <a:chOff x="0" y="0"/>
+          <a:chExt cx="0" cy="0"/>
+        </a:xfrm>
+      </p:grpSpPr>
+      <p:sp>
+        <p:nvSpPr>
+          <p:cNvPr id="2" name="Título 1"/>
+          <p:cNvSpPr>
+            <a:spLocks noGrp="1"/>
+          </p:cNvSpPr>
+          <p:nvPr>
+            <p:ph type="title"/>
+          </p:nvPr>
+        </p:nvSpPr>
+        <p:spPr/>
+        <p:txBody>
+          <a:bodyPr/>
+          <a:lstStyle/>
+          <a:p>
+            <a:pPr eaLnBrk="1" hangingPunct="1"/>
+            <a:r>
+              <a:rPr lang="pt-BR" dirty="0" smtClean="0"/>
+              <a:t>Abrindo e fechando conexões</a:t>
+            </a:r>
+            <a:endParaRPr lang="pt-BR" dirty="0"/>
+          </a:p>
+        </p:txBody>
+      </p:sp>
+      <p:sp>
+        <p:nvSpPr>
+          <p:cNvPr id="3" name="Espaço Reservado para Conteúdo 2"/>
+          <p:cNvSpPr>
+            <a:spLocks noGrp="1"/>
+          </p:cNvSpPr>
+          <p:nvPr>
+            <p:ph idx="1"/>
+          </p:nvPr>
+        </p:nvSpPr>
+        <p:spPr/>
+        <p:txBody>
+          <a:bodyPr/>
+          <a:lstStyle/>
+          <a:p>
+            <a:endParaRPr lang="pt-BR"/>
+          </a:p>
+        </p:txBody>
+      </p:sp>
+      <p:sp>
+        <p:nvSpPr>
+          <p:cNvPr id="4" name="Espaço Reservado para Número de Slide 3"/>
+          <p:cNvSpPr>
+            <a:spLocks noGrp="1"/>
+          </p:cNvSpPr>
+          <p:nvPr>
+            <p:ph type="sldNum" sz="quarter" idx="12"/>
+          </p:nvPr>
+        </p:nvSpPr>
+        <p:spPr/>
+        <p:txBody>
+          <a:bodyPr/>
+          <a:lstStyle/>
+          <a:p>
+            <a:pPr>
+              <a:defRPr/>
+            </a:pPr>
+            <a:fld id="{EF19A0F5-F849-4C78-8624-C3A50979DE44}" type="slidenum">
+              <a:rPr lang="pt-BR" smtClean="0"/>
+              <a:pPr>
+                <a:defRPr/>
+              </a:pPr>
+              <a:t>13</a:t>
+            </a:fld>
+            <a:endParaRPr lang="pt-BR"/>
+          </a:p>
+        </p:txBody>
+      </p:sp>
+    </p:spTree>
+  </p:cSld>
+  <p:clrMapOvr>
+    <a:masterClrMapping/>
+  </p:clrMapOvr>
+  <p:timing>
+    <p:tnLst>
+      <p:par>
+        <p:cTn id="1" dur="indefinite" restart="never" nodeType="tmRoot"/>
+      </p:par>
+    </p:tnLst>
+  </p:timing>
+</p:sld>
+</file>
+
+<file path=ppt/slides/slide14.xml><?xml version="1.0" encoding="utf-8"?>
+<p:sld xmlns:a="http://schemas.openxmlformats.org/drawingml/2006/main" xmlns:r="http://schemas.openxmlformats.org/officeDocument/2006/relationships" xmlns:p="http://schemas.openxmlformats.org/presentationml/2006/main">
+  <p:cSld>
+    <p:spTree>
+      <p:nvGrpSpPr>
+        <p:cNvPr id="1" name=""/>
+        <p:cNvGrpSpPr/>
+        <p:nvPr/>
+      </p:nvGrpSpPr>
+      <p:grpSpPr>
+        <a:xfrm>
+          <a:off x="0" y="0"/>
+          <a:ext cx="0" cy="0"/>
+          <a:chOff x="0" y="0"/>
+          <a:chExt cx="0" cy="0"/>
+        </a:xfrm>
+      </p:grpSpPr>
+      <p:sp>
+        <p:nvSpPr>
+          <p:cNvPr id="2" name="Título 1"/>
+          <p:cNvSpPr>
+            <a:spLocks noGrp="1"/>
+          </p:cNvSpPr>
+          <p:nvPr>
+            <p:ph type="title"/>
+          </p:nvPr>
+        </p:nvSpPr>
+        <p:spPr/>
+        <p:txBody>
+          <a:bodyPr/>
+          <a:lstStyle/>
+          <a:p>
+            <a:pPr eaLnBrk="1" hangingPunct="1"/>
+            <a:r>
+              <a:rPr lang="pt-BR" dirty="0" smtClean="0"/>
+              <a:t>Operações na base de dados</a:t>
+            </a:r>
+            <a:endParaRPr lang="pt-BR" dirty="0"/>
+          </a:p>
+        </p:txBody>
+      </p:sp>
+      <p:sp>
+        <p:nvSpPr>
+          <p:cNvPr id="3" name="Espaço Reservado para Conteúdo 2"/>
+          <p:cNvSpPr>
+            <a:spLocks noGrp="1"/>
+          </p:cNvSpPr>
+          <p:nvPr>
+            <p:ph idx="1"/>
+          </p:nvPr>
+        </p:nvSpPr>
+        <p:spPr/>
+        <p:txBody>
+          <a:bodyPr/>
+          <a:lstStyle/>
+          <a:p>
+            <a:endParaRPr lang="pt-BR"/>
+          </a:p>
+        </p:txBody>
+      </p:sp>
+      <p:sp>
+        <p:nvSpPr>
+          <p:cNvPr id="4" name="Espaço Reservado para Número de Slide 3"/>
+          <p:cNvSpPr>
+            <a:spLocks noGrp="1"/>
+          </p:cNvSpPr>
+          <p:nvPr>
+            <p:ph type="sldNum" sz="quarter" idx="12"/>
+          </p:nvPr>
+        </p:nvSpPr>
+        <p:spPr/>
+        <p:txBody>
+          <a:bodyPr/>
+          <a:lstStyle/>
+          <a:p>
+            <a:pPr>
+              <a:defRPr/>
+            </a:pPr>
+            <a:fld id="{EF19A0F5-F849-4C78-8624-C3A50979DE44}" type="slidenum">
+              <a:rPr lang="pt-BR" smtClean="0"/>
+              <a:pPr>
+                <a:defRPr/>
+              </a:pPr>
+              <a:t>14</a:t>
+            </a:fld>
+            <a:endParaRPr lang="pt-BR"/>
+          </a:p>
+        </p:txBody>
+      </p:sp>
+    </p:spTree>
+  </p:cSld>
+  <p:clrMapOvr>
+    <a:masterClrMapping/>
+  </p:clrMapOvr>
+</p:sld>
+</file>
+
+<file path=ppt/slides/slide15.xml><?xml version="1.0" encoding="utf-8"?>
+<p:sld xmlns:a="http://schemas.openxmlformats.org/drawingml/2006/main" xmlns:r="http://schemas.openxmlformats.org/officeDocument/2006/relationships" xmlns:p="http://schemas.openxmlformats.org/presentationml/2006/main">
+  <p:cSld>
+    <p:spTree>
+      <p:nvGrpSpPr>
+        <p:cNvPr id="1" name=""/>
+        <p:cNvGrpSpPr/>
+        <p:nvPr/>
+      </p:nvGrpSpPr>
+      <p:grpSpPr>
+        <a:xfrm>
+          <a:off x="0" y="0"/>
+          <a:ext cx="0" cy="0"/>
+          <a:chOff x="0" y="0"/>
+          <a:chExt cx="0" cy="0"/>
+        </a:xfrm>
+      </p:grpSpPr>
+      <p:sp>
+        <p:nvSpPr>
+          <p:cNvPr id="2" name="Título 1"/>
+          <p:cNvSpPr>
+            <a:spLocks noGrp="1"/>
+          </p:cNvSpPr>
+          <p:nvPr>
+            <p:ph type="title"/>
+          </p:nvPr>
+        </p:nvSpPr>
+        <p:spPr/>
+        <p:txBody>
+          <a:bodyPr/>
+          <a:lstStyle/>
+          <a:p>
+            <a:pPr eaLnBrk="1" hangingPunct="1"/>
+            <a:r>
+              <a:rPr lang="pt-BR" dirty="0" smtClean="0"/>
+              <a:t>Operações parametrizadas</a:t>
+            </a:r>
+            <a:endParaRPr lang="pt-BR" dirty="0"/>
+          </a:p>
+        </p:txBody>
+      </p:sp>
+      <p:sp>
+        <p:nvSpPr>
+          <p:cNvPr id="3" name="Espaço Reservado para Conteúdo 2"/>
+          <p:cNvSpPr>
+            <a:spLocks noGrp="1"/>
+          </p:cNvSpPr>
+          <p:nvPr>
+            <p:ph idx="1"/>
+          </p:nvPr>
+        </p:nvSpPr>
+        <p:spPr/>
+        <p:txBody>
+          <a:bodyPr/>
+          <a:lstStyle/>
+          <a:p>
+            <a:endParaRPr lang="pt-BR"/>
+          </a:p>
+        </p:txBody>
+      </p:sp>
+      <p:sp>
+        <p:nvSpPr>
+          <p:cNvPr id="4" name="Espaço Reservado para Número de Slide 3"/>
+          <p:cNvSpPr>
+            <a:spLocks noGrp="1"/>
+          </p:cNvSpPr>
+          <p:nvPr>
+            <p:ph type="sldNum" sz="quarter" idx="12"/>
+          </p:nvPr>
+        </p:nvSpPr>
+        <p:spPr/>
+        <p:txBody>
+          <a:bodyPr/>
+          <a:lstStyle/>
+          <a:p>
+            <a:pPr>
+              <a:defRPr/>
+            </a:pPr>
+            <a:fld id="{EF19A0F5-F849-4C78-8624-C3A50979DE44}" type="slidenum">
+              <a:rPr lang="pt-BR" smtClean="0"/>
+              <a:pPr>
+                <a:defRPr/>
+              </a:pPr>
+              <a:t>15</a:t>
+            </a:fld>
+            <a:endParaRPr lang="pt-BR"/>
+          </a:p>
+        </p:txBody>
+      </p:sp>
+    </p:spTree>
+  </p:cSld>
+  <p:clrMapOvr>
+    <a:masterClrMapping/>
+  </p:clrMapOvr>
+</p:sld>
+</file>
+
+<file path=ppt/slides/slide16.xml><?xml version="1.0" encoding="utf-8"?>
+<p:sld xmlns:a="http://schemas.openxmlformats.org/drawingml/2006/main" xmlns:r="http://schemas.openxmlformats.org/officeDocument/2006/relationships" xmlns:p="http://schemas.openxmlformats.org/presentationml/2006/main">
+  <p:cSld>
+    <p:spTree>
+      <p:nvGrpSpPr>
+        <p:cNvPr id="1" name=""/>
+        <p:cNvGrpSpPr/>
+        <p:nvPr/>
+      </p:nvGrpSpPr>
+      <p:grpSpPr>
+        <a:xfrm>
+          <a:off x="0" y="0"/>
+          <a:ext cx="0" cy="0"/>
+          <a:chOff x="0" y="0"/>
+          <a:chExt cx="0" cy="0"/>
+        </a:xfrm>
+      </p:grpSpPr>
+      <p:sp>
+        <p:nvSpPr>
+          <p:cNvPr id="2" name="Título 1"/>
+          <p:cNvSpPr>
+            <a:spLocks noGrp="1"/>
+          </p:cNvSpPr>
+          <p:nvPr>
+            <p:ph type="title"/>
+          </p:nvPr>
+        </p:nvSpPr>
+        <p:spPr/>
+        <p:txBody>
+          <a:bodyPr/>
+          <a:lstStyle/>
+          <a:p>
+            <a:pPr eaLnBrk="1" hangingPunct="1"/>
+            <a:r>
+              <a:rPr lang="pt-BR" dirty="0" smtClean="0"/>
+              <a:t>Transações</a:t>
+            </a:r>
+            <a:endParaRPr lang="pt-BR" dirty="0"/>
+          </a:p>
+        </p:txBody>
+      </p:sp>
+      <p:sp>
+        <p:nvSpPr>
+          <p:cNvPr id="3" name="Espaço Reservado para Conteúdo 2"/>
+          <p:cNvSpPr>
+            <a:spLocks noGrp="1"/>
+          </p:cNvSpPr>
+          <p:nvPr>
+            <p:ph idx="1"/>
+          </p:nvPr>
+        </p:nvSpPr>
+        <p:spPr/>
+        <p:txBody>
+          <a:bodyPr/>
+          <a:lstStyle/>
+          <a:p>
+            <a:endParaRPr lang="pt-BR"/>
+          </a:p>
+        </p:txBody>
+      </p:sp>
+      <p:sp>
+        <p:nvSpPr>
+          <p:cNvPr id="4" name="Espaço Reservado para Número de Slide 3"/>
+          <p:cNvSpPr>
+            <a:spLocks noGrp="1"/>
+          </p:cNvSpPr>
+          <p:nvPr>
+            <p:ph type="sldNum" sz="quarter" idx="12"/>
+          </p:nvPr>
+        </p:nvSpPr>
+        <p:spPr/>
+        <p:txBody>
+          <a:bodyPr/>
+          <a:lstStyle/>
+          <a:p>
+            <a:pPr>
+              <a:defRPr/>
+            </a:pPr>
+            <a:fld id="{EF19A0F5-F849-4C78-8624-C3A50979DE44}" type="slidenum">
+              <a:rPr lang="pt-BR" smtClean="0"/>
+              <a:pPr>
+                <a:defRPr/>
+              </a:pPr>
+              <a:t>16</a:t>
+            </a:fld>
+            <a:endParaRPr lang="pt-BR"/>
+          </a:p>
+        </p:txBody>
+      </p:sp>
+    </p:spTree>
+  </p:cSld>
+  <p:clrMapOvr>
+    <a:masterClrMapping/>
+  </p:clrMapOvr>
+</p:sld>
+</file>
+
+<file path=ppt/slides/slide17.xml><?xml version="1.0" encoding="utf-8"?>
+<p:sld xmlns:a="http://schemas.openxmlformats.org/drawingml/2006/main" xmlns:r="http://schemas.openxmlformats.org/officeDocument/2006/relationships" xmlns:p="http://schemas.openxmlformats.org/presentationml/2006/main">
+  <p:cSld>
+    <p:spTree>
+      <p:nvGrpSpPr>
+        <p:cNvPr id="1" name=""/>
+        <p:cNvGrpSpPr/>
+        <p:nvPr/>
+      </p:nvGrpSpPr>
+      <p:grpSpPr>
+        <a:xfrm>
+          <a:off x="0" y="0"/>
+          <a:ext cx="0" cy="0"/>
+          <a:chOff x="0" y="0"/>
+          <a:chExt cx="0" cy="0"/>
+        </a:xfrm>
+      </p:grpSpPr>
+      <p:sp>
+        <p:nvSpPr>
+          <p:cNvPr id="2" name="Título 1"/>
+          <p:cNvSpPr>
+            <a:spLocks noGrp="1"/>
+          </p:cNvSpPr>
+          <p:nvPr>
+            <p:ph type="title"/>
+          </p:nvPr>
+        </p:nvSpPr>
+        <p:spPr/>
+        <p:txBody>
+          <a:bodyPr/>
+          <a:lstStyle/>
+          <a:p>
+            <a:pPr eaLnBrk="1" hangingPunct="1"/>
+            <a:r>
+              <a:rPr lang="pt-BR" dirty="0" smtClean="0"/>
+              <a:t>Consultas</a:t>
+            </a:r>
+            <a:endParaRPr lang="pt-BR" dirty="0"/>
+          </a:p>
+        </p:txBody>
+      </p:sp>
+      <p:sp>
+        <p:nvSpPr>
+          <p:cNvPr id="3" name="Espaço Reservado para Conteúdo 2"/>
+          <p:cNvSpPr>
+            <a:spLocks noGrp="1"/>
+          </p:cNvSpPr>
+          <p:nvPr>
+            <p:ph idx="1"/>
+          </p:nvPr>
+        </p:nvSpPr>
+        <p:spPr/>
+        <p:txBody>
+          <a:bodyPr/>
+          <a:lstStyle/>
+          <a:p>
+            <a:endParaRPr lang="pt-BR"/>
+          </a:p>
+        </p:txBody>
+      </p:sp>
+      <p:sp>
+        <p:nvSpPr>
+          <p:cNvPr id="4" name="Espaço Reservado para Número de Slide 3"/>
+          <p:cNvSpPr>
+            <a:spLocks noGrp="1"/>
+          </p:cNvSpPr>
+          <p:nvPr>
+            <p:ph type="sldNum" sz="quarter" idx="12"/>
+          </p:nvPr>
+        </p:nvSpPr>
+        <p:spPr/>
+        <p:txBody>
+          <a:bodyPr/>
+          <a:lstStyle/>
+          <a:p>
+            <a:pPr>
+              <a:defRPr/>
+            </a:pPr>
+            <a:fld id="{EF19A0F5-F849-4C78-8624-C3A50979DE44}" type="slidenum">
+              <a:rPr lang="pt-BR" smtClean="0"/>
+              <a:pPr>
+                <a:defRPr/>
+              </a:pPr>
+              <a:t>17</a:t>
+            </a:fld>
+            <a:endParaRPr lang="pt-BR"/>
+          </a:p>
+        </p:txBody>
+      </p:sp>
+    </p:spTree>
+  </p:cSld>
+  <p:clrMapOvr>
+    <a:masterClrMapping/>
+  </p:clrMapOvr>
+</p:sld>
+</file>
+
+<file path=ppt/slides/slide18.xml><?xml version="1.0" encoding="utf-8"?>
+<p:sld xmlns:a="http://schemas.openxmlformats.org/drawingml/2006/main" xmlns:r="http://schemas.openxmlformats.org/officeDocument/2006/relationships" xmlns:p="http://schemas.openxmlformats.org/presentationml/2006/main">
+  <p:cSld>
+    <p:spTree>
+      <p:nvGrpSpPr>
+        <p:cNvPr id="1" name=""/>
+        <p:cNvGrpSpPr/>
+        <p:nvPr/>
+      </p:nvGrpSpPr>
+      <p:grpSpPr>
+        <a:xfrm>
+          <a:off x="0" y="0"/>
+          <a:ext cx="0" cy="0"/>
+          <a:chOff x="0" y="0"/>
+          <a:chExt cx="0" cy="0"/>
+        </a:xfrm>
+      </p:grpSpPr>
+      <p:sp>
+        <p:nvSpPr>
+          <p:cNvPr id="2" name="Título 1"/>
+          <p:cNvSpPr>
+            <a:spLocks noGrp="1"/>
+          </p:cNvSpPr>
+          <p:nvPr>
+            <p:ph type="title"/>
+          </p:nvPr>
+        </p:nvSpPr>
+        <p:spPr/>
+        <p:txBody>
+          <a:bodyPr/>
+          <a:lstStyle/>
+          <a:p>
+            <a:pPr eaLnBrk="1" hangingPunct="1"/>
+            <a:r>
+              <a:rPr lang="pt-BR" dirty="0" err="1" smtClean="0"/>
+              <a:t>Stored</a:t>
+            </a:r>
+            <a:r>
+              <a:rPr lang="pt-BR" dirty="0" smtClean="0"/>
+              <a:t> </a:t>
+            </a:r>
+            <a:r>
+              <a:rPr lang="pt-BR" dirty="0" err="1" smtClean="0"/>
+              <a:t>procedures</a:t>
+            </a:r>
+            <a:endParaRPr lang="pt-BR" dirty="0"/>
+          </a:p>
+        </p:txBody>
+      </p:sp>
+      <p:sp>
+        <p:nvSpPr>
+          <p:cNvPr id="3" name="Espaço Reservado para Conteúdo 2"/>
+          <p:cNvSpPr>
+            <a:spLocks noGrp="1"/>
+          </p:cNvSpPr>
+          <p:nvPr>
+            <p:ph idx="1"/>
+          </p:nvPr>
+        </p:nvSpPr>
+        <p:spPr/>
+        <p:txBody>
+          <a:bodyPr/>
+          <a:lstStyle/>
+          <a:p>
+            <a:endParaRPr lang="pt-BR"/>
+          </a:p>
+        </p:txBody>
+      </p:sp>
+      <p:sp>
+        <p:nvSpPr>
+          <p:cNvPr id="4" name="Espaço Reservado para Número de Slide 3"/>
+          <p:cNvSpPr>
+            <a:spLocks noGrp="1"/>
+          </p:cNvSpPr>
+          <p:nvPr>
+            <p:ph type="sldNum" sz="quarter" idx="12"/>
+          </p:nvPr>
+        </p:nvSpPr>
+        <p:spPr/>
+        <p:txBody>
+          <a:bodyPr/>
+          <a:lstStyle/>
+          <a:p>
+            <a:pPr>
+              <a:defRPr/>
+            </a:pPr>
+            <a:fld id="{EF19A0F5-F849-4C78-8624-C3A50979DE44}" type="slidenum">
+              <a:rPr lang="pt-BR" smtClean="0"/>
+              <a:pPr>
+                <a:defRPr/>
+              </a:pPr>
+              <a:t>18</a:t>
+            </a:fld>
+            <a:endParaRPr lang="pt-BR"/>
+          </a:p>
+        </p:txBody>
+      </p:sp>
+    </p:spTree>
+  </p:cSld>
+  <p:clrMapOvr>
+    <a:masterClrMapping/>
+  </p:clrMapOvr>
+</p:sld>
+</file>
+
+<file path=ppt/slides/slide19.xml><?xml version="1.0" encoding="utf-8"?>
+<p:sld xmlns:a="http://schemas.openxmlformats.org/drawingml/2006/main" xmlns:r="http://schemas.openxmlformats.org/officeDocument/2006/relationships" xmlns:p="http://schemas.openxmlformats.org/presentationml/2006/main">
+  <p:cSld>
+    <p:spTree>
+      <p:nvGrpSpPr>
+        <p:cNvPr id="1" name=""/>
+        <p:cNvGrpSpPr/>
+        <p:nvPr/>
+      </p:nvGrpSpPr>
+      <p:grpSpPr>
+        <a:xfrm>
+          <a:off x="0" y="0"/>
+          <a:ext cx="0" cy="0"/>
+          <a:chOff x="0" y="0"/>
+          <a:chExt cx="0" cy="0"/>
+        </a:xfrm>
+      </p:grpSpPr>
+      <p:sp>
+        <p:nvSpPr>
+          <p:cNvPr id="2" name="Título 1"/>
+          <p:cNvSpPr>
+            <a:spLocks noGrp="1"/>
+          </p:cNvSpPr>
+          <p:nvPr>
+            <p:ph type="title"/>
+          </p:nvPr>
+        </p:nvSpPr>
+        <p:spPr/>
+        <p:txBody>
+          <a:bodyPr/>
+          <a:lstStyle/>
+          <a:p>
+            <a:pPr eaLnBrk="1" hangingPunct="1"/>
+            <a:r>
+              <a:rPr lang="pt-BR" dirty="0" smtClean="0"/>
+              <a:t>Design </a:t>
+            </a:r>
+            <a:r>
+              <a:rPr lang="pt-BR" dirty="0" err="1" smtClean="0"/>
+              <a:t>pattern</a:t>
+            </a:r>
+            <a:r>
+              <a:rPr lang="pt-BR" dirty="0" smtClean="0"/>
+              <a:t> DAO/VO</a:t>
+            </a:r>
+            <a:endParaRPr lang="pt-BR" dirty="0"/>
+          </a:p>
+        </p:txBody>
+      </p:sp>
+      <p:sp>
+        <p:nvSpPr>
+          <p:cNvPr id="3" name="Espaço Reservado para Conteúdo 2"/>
+          <p:cNvSpPr>
+            <a:spLocks noGrp="1"/>
+          </p:cNvSpPr>
+          <p:nvPr>
+            <p:ph idx="1"/>
+          </p:nvPr>
+        </p:nvSpPr>
+        <p:spPr/>
+        <p:txBody>
+          <a:bodyPr/>
+          <a:lstStyle/>
+          <a:p>
+            <a:endParaRPr lang="pt-BR"/>
+          </a:p>
+        </p:txBody>
+      </p:sp>
+      <p:sp>
+        <p:nvSpPr>
+          <p:cNvPr id="4" name="Espaço Reservado para Número de Slide 3"/>
+          <p:cNvSpPr>
+            <a:spLocks noGrp="1"/>
+          </p:cNvSpPr>
+          <p:nvPr>
+            <p:ph type="sldNum" sz="quarter" idx="12"/>
+          </p:nvPr>
+        </p:nvSpPr>
+        <p:spPr/>
+        <p:txBody>
+          <a:bodyPr/>
+          <a:lstStyle/>
+          <a:p>
+            <a:pPr>
+              <a:defRPr/>
+            </a:pPr>
+            <a:fld id="{EF19A0F5-F849-4C78-8624-C3A50979DE44}" type="slidenum">
+              <a:rPr lang="pt-BR" smtClean="0"/>
+              <a:pPr>
+                <a:defRPr/>
+              </a:pPr>
+              <a:t>19</a:t>
+            </a:fld>
+            <a:endParaRPr lang="pt-BR"/>
+          </a:p>
+        </p:txBody>
+      </p:sp>
+    </p:spTree>
+  </p:cSld>
+  <p:clrMapOvr>
+    <a:masterClrMapping/>
+  </p:clrMapOvr>
 </p:sld>
 </file>
 
@@ -5672,7 +9182,7 @@
       </p:grpSpPr>
       <p:sp>
         <p:nvSpPr>
-          <p:cNvPr id="8194" name="Título 1"/>
+          <p:cNvPr id="2" name="Título 1"/>
           <p:cNvSpPr>
             <a:spLocks noGrp="1"/>
           </p:cNvSpPr>
@@ -5685,30 +9195,277 @@
           <a:bodyPr/>
           <a:lstStyle/>
           <a:p>
+            <a:r>
+              <a:rPr lang="pt-BR" dirty="0" smtClean="0"/>
+              <a:t>Java Data Base </a:t>
+            </a:r>
+            <a:r>
+              <a:rPr lang="pt-BR" dirty="0" err="1" smtClean="0"/>
+              <a:t>Conectivity</a:t>
+            </a:r>
+            <a:endParaRPr lang="pt-BR" dirty="0"/>
+          </a:p>
+        </p:txBody>
+      </p:sp>
+      <p:sp>
+        <p:nvSpPr>
+          <p:cNvPr id="3" name="Espaço Reservado para Conteúdo 2"/>
+          <p:cNvSpPr>
+            <a:spLocks noGrp="1"/>
+          </p:cNvSpPr>
+          <p:nvPr>
+            <p:ph sz="half" idx="1"/>
+          </p:nvPr>
+        </p:nvSpPr>
+        <p:spPr/>
+        <p:txBody>
+          <a:bodyPr/>
+          <a:lstStyle/>
+          <a:p>
+            <a:r>
+              <a:rPr lang="pt-BR" dirty="0" smtClean="0"/>
+              <a:t>Introdução</a:t>
+            </a:r>
+          </a:p>
+          <a:p>
+            <a:r>
+              <a:rPr lang="pt-BR" dirty="0" smtClean="0"/>
+              <a:t>Pacote </a:t>
+            </a:r>
+            <a:r>
+              <a:rPr lang="pt-BR" dirty="0" err="1" smtClean="0"/>
+              <a:t>java</a:t>
+            </a:r>
+            <a:r>
+              <a:rPr lang="pt-BR" dirty="0" smtClean="0"/>
+              <a:t>.</a:t>
+            </a:r>
+            <a:r>
+              <a:rPr lang="pt-BR" dirty="0" err="1" smtClean="0"/>
+              <a:t>sql</a:t>
+            </a:r>
+            <a:endParaRPr lang="pt-BR" dirty="0" smtClean="0"/>
+          </a:p>
+          <a:p>
+            <a:r>
+              <a:rPr lang="pt-BR" dirty="0" smtClean="0"/>
+              <a:t>Abrindo e fechando conexões</a:t>
+            </a:r>
+          </a:p>
+          <a:p>
+            <a:r>
+              <a:rPr lang="pt-BR" dirty="0" smtClean="0"/>
+              <a:t>Operações na base de dados</a:t>
+            </a:r>
+          </a:p>
+          <a:p>
+            <a:r>
+              <a:rPr lang="pt-BR" dirty="0" smtClean="0"/>
+              <a:t>Operações </a:t>
+            </a:r>
+            <a:r>
+              <a:rPr lang="pt-BR" dirty="0" smtClean="0"/>
+              <a:t>parametrizadas</a:t>
+            </a:r>
+            <a:endParaRPr lang="pt-BR" dirty="0" smtClean="0"/>
+          </a:p>
+        </p:txBody>
+      </p:sp>
+      <p:sp>
+        <p:nvSpPr>
+          <p:cNvPr id="4" name="Espaço Reservado para Conteúdo 3"/>
+          <p:cNvSpPr>
+            <a:spLocks noGrp="1"/>
+          </p:cNvSpPr>
+          <p:nvPr>
+            <p:ph sz="half" idx="2"/>
+          </p:nvPr>
+        </p:nvSpPr>
+        <p:spPr/>
+        <p:txBody>
+          <a:bodyPr/>
+          <a:lstStyle/>
+          <a:p>
+            <a:r>
+              <a:rPr lang="pt-BR" dirty="0" smtClean="0"/>
+              <a:t>Transações</a:t>
+            </a:r>
+          </a:p>
+          <a:p>
+            <a:r>
+              <a:rPr lang="pt-BR" dirty="0" smtClean="0"/>
+              <a:t>Consultas</a:t>
+            </a:r>
+          </a:p>
+          <a:p>
+            <a:r>
+              <a:rPr lang="pt-BR" dirty="0" err="1" smtClean="0"/>
+              <a:t>Stored</a:t>
+            </a:r>
+            <a:r>
+              <a:rPr lang="pt-BR" dirty="0" smtClean="0"/>
+              <a:t> </a:t>
+            </a:r>
+            <a:r>
+              <a:rPr lang="pt-BR" dirty="0" err="1" smtClean="0"/>
+              <a:t>procedures</a:t>
+            </a:r>
+            <a:endParaRPr lang="pt-BR" dirty="0" smtClean="0"/>
+          </a:p>
+          <a:p>
+            <a:r>
+              <a:rPr lang="pt-BR" dirty="0" smtClean="0"/>
+              <a:t>Design </a:t>
+            </a:r>
+            <a:r>
+              <a:rPr lang="pt-BR" dirty="0" err="1" smtClean="0"/>
+              <a:t>patterns</a:t>
+            </a:r>
+            <a:r>
+              <a:rPr lang="pt-BR" dirty="0" smtClean="0"/>
+              <a:t> DAO e VO</a:t>
+            </a:r>
+            <a:endParaRPr lang="pt-BR" dirty="0" smtClean="0"/>
+          </a:p>
+          <a:p>
+            <a:r>
+              <a:rPr lang="pt-BR" dirty="0" smtClean="0"/>
+              <a:t>Projeto Final</a:t>
+            </a:r>
+            <a:endParaRPr lang="pt-BR" dirty="0"/>
+          </a:p>
+        </p:txBody>
+      </p:sp>
+      <p:sp>
+        <p:nvSpPr>
+          <p:cNvPr id="5" name="Espaço Reservado para Número de Slide 4"/>
+          <p:cNvSpPr>
+            <a:spLocks noGrp="1"/>
+          </p:cNvSpPr>
+          <p:nvPr>
+            <p:ph type="sldNum" sz="quarter" idx="12"/>
+          </p:nvPr>
+        </p:nvSpPr>
+        <p:spPr/>
+        <p:txBody>
+          <a:bodyPr/>
+          <a:lstStyle/>
+          <a:p>
+            <a:pPr>
+              <a:defRPr/>
+            </a:pPr>
+            <a:fld id="{2C2D573D-D313-4F66-92EA-D62BFB11D2E8}" type="slidenum">
+              <a:rPr lang="pt-BR" smtClean="0"/>
+              <a:pPr>
+                <a:defRPr/>
+              </a:pPr>
+              <a:t>2</a:t>
+            </a:fld>
+            <a:endParaRPr lang="pt-BR"/>
+          </a:p>
+        </p:txBody>
+      </p:sp>
+    </p:spTree>
+  </p:cSld>
+  <p:clrMapOvr>
+    <a:masterClrMapping/>
+  </p:clrMapOvr>
+  <p:timing>
+    <p:tnLst>
+      <p:par>
+        <p:cTn id="1" dur="indefinite" restart="never" nodeType="tmRoot"/>
+      </p:par>
+    </p:tnLst>
+  </p:timing>
+</p:sld>
+</file>
+
+<file path=ppt/slides/slide20.xml><?xml version="1.0" encoding="utf-8"?>
+<p:sld xmlns:a="http://schemas.openxmlformats.org/drawingml/2006/main" xmlns:r="http://schemas.openxmlformats.org/officeDocument/2006/relationships" xmlns:p="http://schemas.openxmlformats.org/presentationml/2006/main">
+  <p:cSld>
+    <p:spTree>
+      <p:nvGrpSpPr>
+        <p:cNvPr id="1" name=""/>
+        <p:cNvGrpSpPr/>
+        <p:nvPr/>
+      </p:nvGrpSpPr>
+      <p:grpSpPr>
+        <a:xfrm>
+          <a:off x="0" y="0"/>
+          <a:ext cx="0" cy="0"/>
+          <a:chOff x="0" y="0"/>
+          <a:chExt cx="0" cy="0"/>
+        </a:xfrm>
+      </p:grpSpPr>
+      <p:sp>
+        <p:nvSpPr>
+          <p:cNvPr id="2" name="Título 1"/>
+          <p:cNvSpPr>
+            <a:spLocks noGrp="1"/>
+          </p:cNvSpPr>
+          <p:nvPr>
+            <p:ph type="title"/>
+          </p:nvPr>
+        </p:nvSpPr>
+        <p:spPr/>
+        <p:txBody>
+          <a:bodyPr/>
+          <a:lstStyle/>
+          <a:p>
             <a:pPr eaLnBrk="1" hangingPunct="1"/>
             <a:r>
+              <a:rPr lang="pt-BR" dirty="0" smtClean="0"/>
+              <a:t>Projeto Final</a:t>
+            </a:r>
+            <a:endParaRPr lang="pt-BR" dirty="0"/>
+          </a:p>
+        </p:txBody>
+      </p:sp>
+      <p:sp>
+        <p:nvSpPr>
+          <p:cNvPr id="3" name="Espaço Reservado para Conteúdo 2"/>
+          <p:cNvSpPr>
+            <a:spLocks noGrp="1"/>
+          </p:cNvSpPr>
+          <p:nvPr>
+            <p:ph idx="1"/>
+          </p:nvPr>
+        </p:nvSpPr>
+        <p:spPr/>
+        <p:txBody>
+          <a:bodyPr/>
+          <a:lstStyle/>
+          <a:p>
+            <a:endParaRPr lang="pt-BR"/>
+          </a:p>
+        </p:txBody>
+      </p:sp>
+      <p:sp>
+        <p:nvSpPr>
+          <p:cNvPr id="4" name="Espaço Reservado para Número de Slide 3"/>
+          <p:cNvSpPr>
+            <a:spLocks noGrp="1"/>
+          </p:cNvSpPr>
+          <p:nvPr>
+            <p:ph type="sldNum" sz="quarter" idx="12"/>
+          </p:nvPr>
+        </p:nvSpPr>
+        <p:spPr/>
+        <p:txBody>
+          <a:bodyPr/>
+          <a:lstStyle/>
+          <a:p>
+            <a:pPr>
+              <a:defRPr/>
+            </a:pPr>
+            <a:fld id="{EF19A0F5-F849-4C78-8624-C3A50979DE44}" type="slidenum">
               <a:rPr lang="pt-BR" smtClean="0"/>
-              <a:t>Introdução ao JDBC</a:t>
-            </a:r>
-          </a:p>
-        </p:txBody>
-      </p:sp>
-      <p:sp>
-        <p:nvSpPr>
-          <p:cNvPr id="8195" name="Espaço Reservado para Conteúdo 2"/>
-          <p:cNvSpPr>
-            <a:spLocks noGrp="1"/>
-          </p:cNvSpPr>
-          <p:nvPr>
-            <p:ph idx="1"/>
-          </p:nvPr>
-        </p:nvSpPr>
-        <p:spPr/>
-        <p:txBody>
-          <a:bodyPr/>
-          <a:lstStyle/>
-          <a:p>
-            <a:endParaRPr lang="pt-BR" smtClean="0"/>
+              <a:pPr>
+                <a:defRPr/>
+              </a:pPr>
+              <a:t>20</a:t>
+            </a:fld>
+            <a:endParaRPr lang="pt-BR"/>
           </a:p>
         </p:txBody>
       </p:sp>
@@ -5739,7 +9496,7 @@
       </p:grpSpPr>
       <p:sp>
         <p:nvSpPr>
-          <p:cNvPr id="9218" name="Título 1"/>
+          <p:cNvPr id="2" name="Título 1"/>
           <p:cNvSpPr>
             <a:spLocks noGrp="1"/>
           </p:cNvSpPr>
@@ -5752,30 +9509,794 @@
           <a:bodyPr/>
           <a:lstStyle/>
           <a:p>
-            <a:pPr eaLnBrk="1" hangingPunct="1"/>
-            <a:r>
+            <a:r>
+              <a:rPr lang="pt-BR" dirty="0" smtClean="0"/>
+              <a:t>Introdução</a:t>
+            </a:r>
+            <a:endParaRPr lang="pt-BR" dirty="0"/>
+          </a:p>
+        </p:txBody>
+      </p:sp>
+      <p:sp>
+        <p:nvSpPr>
+          <p:cNvPr id="3" name="Espaço Reservado para Conteúdo 2"/>
+          <p:cNvSpPr>
+            <a:spLocks noGrp="1"/>
+          </p:cNvSpPr>
+          <p:nvPr>
+            <p:ph idx="1"/>
+          </p:nvPr>
+        </p:nvSpPr>
+        <p:spPr>
+          <a:xfrm>
+            <a:off x="457200" y="1600201"/>
+            <a:ext cx="5122912" cy="604663"/>
+          </a:xfrm>
+        </p:spPr>
+        <p:txBody>
+          <a:bodyPr/>
+          <a:lstStyle/>
+          <a:p>
+            <a:r>
+              <a:rPr lang="pt-BR" sz="2800" dirty="0" smtClean="0"/>
+              <a:t>Arquitetura Cliente/Servidor</a:t>
+            </a:r>
+            <a:endParaRPr lang="pt-BR" sz="2800" dirty="0"/>
+          </a:p>
+        </p:txBody>
+      </p:sp>
+      <p:sp>
+        <p:nvSpPr>
+          <p:cNvPr id="5" name="Rectangle 20"/>
+          <p:cNvSpPr txBox="1">
+            <a:spLocks noChangeArrowheads="1"/>
+          </p:cNvSpPr>
+          <p:nvPr/>
+        </p:nvSpPr>
+        <p:spPr bwMode="auto">
+          <a:xfrm>
+            <a:off x="683568" y="4744616"/>
+            <a:ext cx="2376264" cy="1492696"/>
+          </a:xfrm>
+          <a:prstGeom prst="rect">
+            <a:avLst/>
+          </a:prstGeom>
+          <a:noFill/>
+          <a:ln w="9525">
+            <a:noFill/>
+            <a:miter lim="800000"/>
+            <a:headEnd/>
+            <a:tailEnd/>
+          </a:ln>
+        </p:spPr>
+        <p:txBody>
+          <a:bodyPr vert="horz" wrap="square" lIns="91440" tIns="45720" rIns="91440" bIns="45720" numCol="1" anchor="t" anchorCtr="0" compatLnSpc="1">
+            <a:prstTxWarp prst="textNoShape">
+              <a:avLst/>
+            </a:prstTxWarp>
+          </a:bodyPr>
+          <a:lstStyle/>
+          <a:p>
+            <a:pPr marL="195263" marR="0" lvl="0" indent="-195263" algn="ctr" defTabSz="914400" rtl="0" eaLnBrk="0" fontAlgn="base" latinLnBrk="0" hangingPunct="0">
+              <a:lnSpc>
+                <a:spcPct val="90000"/>
+              </a:lnSpc>
+              <a:spcBef>
+                <a:spcPct val="0"/>
+              </a:spcBef>
+              <a:spcAft>
+                <a:spcPct val="30000"/>
+              </a:spcAft>
+              <a:buClr>
+                <a:schemeClr val="accent1"/>
+              </a:buClr>
+              <a:buSzPct val="80000"/>
+              <a:buFontTx/>
+              <a:buNone/>
+              <a:tabLst/>
+              <a:defRPr/>
+            </a:pPr>
+            <a:r>
+              <a:rPr kumimoji="0" lang="pt-BR" sz="2600" b="1" i="0" u="sng" strike="noStrike" kern="1200" cap="none" spc="0" normalizeH="0" baseline="0" noProof="0" dirty="0" smtClean="0">
+                <a:ln>
+                  <a:noFill/>
+                </a:ln>
+                <a:solidFill>
+                  <a:schemeClr val="tx1"/>
+                </a:solidFill>
+                <a:effectLst/>
+                <a:uLnTx/>
+                <a:uFillTx/>
+                <a:latin typeface="+mn-lt"/>
+                <a:ea typeface="+mn-ea"/>
+                <a:cs typeface="+mn-cs"/>
+              </a:rPr>
+              <a:t>Servidor</a:t>
+            </a:r>
+          </a:p>
+          <a:p>
+            <a:pPr marL="195263" marR="0" lvl="0" indent="-195263" algn="ctr" defTabSz="914400" rtl="0" eaLnBrk="0" fontAlgn="base" latinLnBrk="0" hangingPunct="0">
+              <a:lnSpc>
+                <a:spcPct val="90000"/>
+              </a:lnSpc>
+              <a:spcBef>
+                <a:spcPct val="0"/>
+              </a:spcBef>
+              <a:spcAft>
+                <a:spcPct val="0"/>
+              </a:spcAft>
+              <a:buClr>
+                <a:schemeClr val="accent1"/>
+              </a:buClr>
+              <a:buSzPct val="80000"/>
+              <a:tabLst/>
+              <a:defRPr/>
+            </a:pPr>
+            <a:r>
+              <a:rPr kumimoji="0" lang="pt-BR" sz="2000" b="1" i="0" u="none" strike="noStrike" kern="1200" cap="none" spc="0" normalizeH="0" baseline="0" noProof="0" dirty="0" smtClean="0">
+                <a:ln>
+                  <a:noFill/>
+                </a:ln>
+                <a:solidFill>
+                  <a:schemeClr val="tx1"/>
+                </a:solidFill>
+                <a:effectLst/>
+                <a:uLnTx/>
+                <a:uFillTx/>
+                <a:latin typeface="+mn-lt"/>
+                <a:ea typeface="+mn-ea"/>
+                <a:cs typeface="+mn-cs"/>
+              </a:rPr>
+              <a:t>Oracle</a:t>
+            </a:r>
+          </a:p>
+          <a:p>
+            <a:pPr marL="195263" marR="0" lvl="0" indent="-195263" algn="ctr" defTabSz="914400" rtl="0" eaLnBrk="0" fontAlgn="base" latinLnBrk="0" hangingPunct="0">
+              <a:lnSpc>
+                <a:spcPct val="90000"/>
+              </a:lnSpc>
+              <a:spcBef>
+                <a:spcPct val="0"/>
+              </a:spcBef>
+              <a:spcAft>
+                <a:spcPct val="0"/>
+              </a:spcAft>
+              <a:buClr>
+                <a:schemeClr val="accent1"/>
+              </a:buClr>
+              <a:buSzPct val="80000"/>
+              <a:tabLst/>
+              <a:defRPr/>
+            </a:pPr>
+            <a:r>
+              <a:rPr lang="pt-BR" sz="2000" b="1" dirty="0" smtClean="0">
+                <a:latin typeface="+mn-lt"/>
+                <a:cs typeface="+mn-cs"/>
+              </a:rPr>
+              <a:t>MS </a:t>
+            </a:r>
+            <a:r>
+              <a:rPr kumimoji="0" lang="pt-BR" sz="2000" b="1" i="0" u="none" strike="noStrike" kern="1200" cap="none" spc="0" normalizeH="0" baseline="0" noProof="0" dirty="0" smtClean="0">
+                <a:ln>
+                  <a:noFill/>
+                </a:ln>
+                <a:solidFill>
+                  <a:schemeClr val="tx1"/>
+                </a:solidFill>
+                <a:effectLst/>
+                <a:uLnTx/>
+                <a:uFillTx/>
+                <a:latin typeface="+mn-lt"/>
+                <a:ea typeface="+mn-ea"/>
+                <a:cs typeface="+mn-cs"/>
+              </a:rPr>
+              <a:t>SQL Server</a:t>
+            </a:r>
+          </a:p>
+          <a:p>
+            <a:pPr marL="195263" marR="0" lvl="0" indent="-195263" algn="ctr" defTabSz="914400" rtl="0" eaLnBrk="0" fontAlgn="base" latinLnBrk="0" hangingPunct="0">
+              <a:lnSpc>
+                <a:spcPct val="90000"/>
+              </a:lnSpc>
+              <a:spcBef>
+                <a:spcPct val="0"/>
+              </a:spcBef>
+              <a:spcAft>
+                <a:spcPct val="0"/>
+              </a:spcAft>
+              <a:buClr>
+                <a:schemeClr val="accent1"/>
+              </a:buClr>
+              <a:buSzPct val="80000"/>
+              <a:tabLst/>
+              <a:defRPr/>
+            </a:pPr>
+            <a:r>
+              <a:rPr kumimoji="0" lang="pt-BR" sz="2000" b="1" i="0" u="none" strike="noStrike" kern="1200" cap="none" spc="0" normalizeH="0" baseline="0" noProof="0" dirty="0" err="1" smtClean="0">
+                <a:ln>
+                  <a:noFill/>
+                </a:ln>
+                <a:solidFill>
+                  <a:schemeClr val="tx1"/>
+                </a:solidFill>
+                <a:effectLst/>
+                <a:uLnTx/>
+                <a:uFillTx/>
+                <a:latin typeface="+mn-lt"/>
+                <a:ea typeface="+mn-ea"/>
+                <a:cs typeface="+mn-cs"/>
+              </a:rPr>
+              <a:t>MySql</a:t>
+            </a:r>
+            <a:endParaRPr kumimoji="0" lang="pt-BR" sz="2000" b="1" i="0" u="none" strike="noStrike" kern="1200" cap="none" spc="0" normalizeH="0" baseline="0" noProof="0" dirty="0">
+              <a:ln>
+                <a:noFill/>
+              </a:ln>
+              <a:solidFill>
+                <a:schemeClr val="tx1"/>
+              </a:solidFill>
+              <a:effectLst/>
+              <a:uLnTx/>
+              <a:uFillTx/>
+              <a:latin typeface="+mn-lt"/>
+              <a:ea typeface="+mn-ea"/>
+              <a:cs typeface="+mn-cs"/>
+            </a:endParaRPr>
+          </a:p>
+        </p:txBody>
+      </p:sp>
+      <p:sp>
+        <p:nvSpPr>
+          <p:cNvPr id="6" name="Rectangle 21"/>
+          <p:cNvSpPr txBox="1">
+            <a:spLocks noChangeArrowheads="1"/>
+          </p:cNvSpPr>
+          <p:nvPr/>
+        </p:nvSpPr>
+        <p:spPr bwMode="auto">
+          <a:xfrm>
+            <a:off x="7135416" y="2153816"/>
+            <a:ext cx="1257300" cy="3962400"/>
+          </a:xfrm>
+          <a:prstGeom prst="rect">
+            <a:avLst/>
+          </a:prstGeom>
+          <a:noFill/>
+          <a:ln w="9525">
+            <a:noFill/>
+            <a:miter lim="800000"/>
+            <a:headEnd/>
+            <a:tailEnd/>
+          </a:ln>
+        </p:spPr>
+        <p:txBody>
+          <a:bodyPr vert="horz" wrap="square" lIns="91440" tIns="45720" rIns="91440" bIns="45720" numCol="1" anchor="t" anchorCtr="0" compatLnSpc="1">
+            <a:prstTxWarp prst="textNoShape">
+              <a:avLst/>
+            </a:prstTxWarp>
+          </a:bodyPr>
+          <a:lstStyle/>
+          <a:p>
+            <a:pPr marL="419100" marR="0" lvl="0" indent="-382588" algn="l" defTabSz="914400" rtl="0" eaLnBrk="0" fontAlgn="base" latinLnBrk="0" hangingPunct="0">
+              <a:lnSpc>
+                <a:spcPct val="100000"/>
+              </a:lnSpc>
+              <a:spcBef>
+                <a:spcPct val="300000"/>
+              </a:spcBef>
+              <a:spcAft>
+                <a:spcPct val="0"/>
+              </a:spcAft>
+              <a:buClr>
+                <a:schemeClr val="accent1"/>
+              </a:buClr>
+              <a:buSzPct val="80000"/>
+              <a:buFontTx/>
+              <a:buNone/>
+              <a:tabLst/>
+              <a:defRPr/>
+            </a:pPr>
+            <a:r>
+              <a:rPr kumimoji="0" lang="pt-BR" sz="2600" b="0" i="0" u="none" strike="noStrike" kern="1200" cap="none" spc="0" normalizeH="0" baseline="0" noProof="0" smtClean="0">
+                <a:ln>
+                  <a:noFill/>
+                </a:ln>
+                <a:solidFill>
+                  <a:schemeClr val="tx1"/>
+                </a:solidFill>
+                <a:effectLst/>
+                <a:uLnTx/>
+                <a:uFillTx/>
+                <a:latin typeface="+mn-lt"/>
+                <a:ea typeface="+mn-ea"/>
+                <a:cs typeface="+mn-cs"/>
+              </a:rPr>
+              <a:t>Cliente</a:t>
+            </a:r>
+          </a:p>
+          <a:p>
+            <a:pPr marL="419100" marR="0" lvl="0" indent="-382588" algn="l" defTabSz="914400" rtl="0" eaLnBrk="0" fontAlgn="base" latinLnBrk="0" hangingPunct="0">
+              <a:lnSpc>
+                <a:spcPct val="100000"/>
+              </a:lnSpc>
+              <a:spcBef>
+                <a:spcPct val="300000"/>
+              </a:spcBef>
+              <a:spcAft>
+                <a:spcPct val="0"/>
+              </a:spcAft>
+              <a:buClr>
+                <a:schemeClr val="accent1"/>
+              </a:buClr>
+              <a:buSzPct val="80000"/>
+              <a:buFontTx/>
+              <a:buNone/>
+              <a:tabLst/>
+              <a:defRPr/>
+            </a:pPr>
+            <a:r>
+              <a:rPr kumimoji="0" lang="pt-BR" sz="2600" b="0" i="0" u="none" strike="noStrike" kern="1200" cap="none" spc="0" normalizeH="0" baseline="0" noProof="0" smtClean="0">
+                <a:ln>
+                  <a:noFill/>
+                </a:ln>
+                <a:solidFill>
+                  <a:schemeClr val="tx1"/>
+                </a:solidFill>
+                <a:effectLst/>
+                <a:uLnTx/>
+                <a:uFillTx/>
+                <a:latin typeface="+mn-lt"/>
+                <a:ea typeface="+mn-ea"/>
+                <a:cs typeface="+mn-cs"/>
+              </a:rPr>
+              <a:t>Cliente</a:t>
+            </a:r>
+          </a:p>
+          <a:p>
+            <a:pPr marL="419100" marR="0" lvl="0" indent="-382588" algn="l" defTabSz="914400" rtl="0" eaLnBrk="0" fontAlgn="base" latinLnBrk="0" hangingPunct="0">
+              <a:lnSpc>
+                <a:spcPct val="100000"/>
+              </a:lnSpc>
+              <a:spcBef>
+                <a:spcPct val="300000"/>
+              </a:spcBef>
+              <a:spcAft>
+                <a:spcPct val="0"/>
+              </a:spcAft>
+              <a:buClr>
+                <a:schemeClr val="accent1"/>
+              </a:buClr>
+              <a:buSzPct val="80000"/>
+              <a:buFontTx/>
+              <a:buNone/>
+              <a:tabLst/>
+              <a:defRPr/>
+            </a:pPr>
+            <a:r>
+              <a:rPr kumimoji="0" lang="pt-BR" sz="2600" b="0" i="0" u="none" strike="noStrike" kern="1200" cap="none" spc="0" normalizeH="0" baseline="0" noProof="0" smtClean="0">
+                <a:ln>
+                  <a:noFill/>
+                </a:ln>
+                <a:solidFill>
+                  <a:schemeClr val="tx1"/>
+                </a:solidFill>
+                <a:effectLst/>
+                <a:uLnTx/>
+                <a:uFillTx/>
+                <a:latin typeface="+mn-lt"/>
+                <a:ea typeface="+mn-ea"/>
+                <a:cs typeface="+mn-cs"/>
+              </a:rPr>
+              <a:t>Cliente</a:t>
+            </a:r>
+            <a:endParaRPr kumimoji="0" lang="pt-BR" sz="2600" b="0" i="0" u="none" strike="noStrike" kern="1200" cap="none" spc="0" normalizeH="0" baseline="0" noProof="0">
+              <a:ln>
+                <a:noFill/>
+              </a:ln>
+              <a:solidFill>
+                <a:schemeClr val="tx1"/>
+              </a:solidFill>
+              <a:effectLst/>
+              <a:uLnTx/>
+              <a:uFillTx/>
+              <a:latin typeface="+mn-lt"/>
+              <a:ea typeface="+mn-ea"/>
+              <a:cs typeface="+mn-cs"/>
+            </a:endParaRPr>
+          </a:p>
+        </p:txBody>
+      </p:sp>
+      <p:pic>
+        <p:nvPicPr>
+          <p:cNvPr id="7" name="Picture 3" descr="E:\Java Programas\Apresentaçao\Cliente.gif"/>
+          <p:cNvPicPr>
+            <a:picLocks noChangeAspect="1" noChangeArrowheads="1"/>
+          </p:cNvPicPr>
+          <p:nvPr/>
+        </p:nvPicPr>
+        <p:blipFill>
+          <a:blip r:embed="rId3" cstate="print"/>
+          <a:srcRect/>
+          <a:stretch>
+            <a:fillRect/>
+          </a:stretch>
+        </p:blipFill>
+        <p:spPr bwMode="auto">
+          <a:xfrm>
+            <a:off x="5763816" y="3373016"/>
+            <a:ext cx="1204913" cy="1371600"/>
+          </a:xfrm>
+          <a:prstGeom prst="rect">
+            <a:avLst/>
+          </a:prstGeom>
+          <a:noFill/>
+        </p:spPr>
+      </p:pic>
+      <p:pic>
+        <p:nvPicPr>
+          <p:cNvPr id="8" name="Picture 4" descr="E:\Java Programas\Apresentaçao\Dados.gif"/>
+          <p:cNvPicPr>
+            <a:picLocks noChangeAspect="1" noChangeArrowheads="1"/>
+          </p:cNvPicPr>
+          <p:nvPr/>
+        </p:nvPicPr>
+        <p:blipFill>
+          <a:blip r:embed="rId4" cstate="print"/>
+          <a:srcRect/>
+          <a:stretch>
+            <a:fillRect/>
+          </a:stretch>
+        </p:blipFill>
+        <p:spPr bwMode="auto">
+          <a:xfrm>
+            <a:off x="1420416" y="3373016"/>
+            <a:ext cx="965200" cy="1371600"/>
+          </a:xfrm>
+          <a:prstGeom prst="rect">
+            <a:avLst/>
+          </a:prstGeom>
+          <a:noFill/>
+        </p:spPr>
+      </p:pic>
+      <p:pic>
+        <p:nvPicPr>
+          <p:cNvPr id="9" name="Picture 5" descr="E:\Java Programas\Apresentaçao\Cliente.gif"/>
+          <p:cNvPicPr>
+            <a:picLocks noChangeAspect="1" noChangeArrowheads="1"/>
+          </p:cNvPicPr>
+          <p:nvPr/>
+        </p:nvPicPr>
+        <p:blipFill>
+          <a:blip r:embed="rId3" cstate="print"/>
+          <a:srcRect/>
+          <a:stretch>
+            <a:fillRect/>
+          </a:stretch>
+        </p:blipFill>
+        <p:spPr bwMode="auto">
+          <a:xfrm>
+            <a:off x="5763816" y="1772816"/>
+            <a:ext cx="1204913" cy="1371600"/>
+          </a:xfrm>
+          <a:prstGeom prst="rect">
+            <a:avLst/>
+          </a:prstGeom>
+          <a:noFill/>
+        </p:spPr>
+      </p:pic>
+      <p:pic>
+        <p:nvPicPr>
+          <p:cNvPr id="10" name="Picture 6" descr="E:\Java Programas\Apresentaçao\Cliente.gif"/>
+          <p:cNvPicPr>
+            <a:picLocks noChangeAspect="1" noChangeArrowheads="1"/>
+          </p:cNvPicPr>
+          <p:nvPr/>
+        </p:nvPicPr>
+        <p:blipFill>
+          <a:blip r:embed="rId3" cstate="print"/>
+          <a:srcRect/>
+          <a:stretch>
+            <a:fillRect/>
+          </a:stretch>
+        </p:blipFill>
+        <p:spPr bwMode="auto">
+          <a:xfrm>
+            <a:off x="5763816" y="5049416"/>
+            <a:ext cx="1204913" cy="1371600"/>
+          </a:xfrm>
+          <a:prstGeom prst="rect">
+            <a:avLst/>
+          </a:prstGeom>
+          <a:noFill/>
+        </p:spPr>
+      </p:pic>
+      <p:grpSp>
+        <p:nvGrpSpPr>
+          <p:cNvPr id="11" name="Group 7"/>
+          <p:cNvGrpSpPr>
+            <a:grpSpLocks/>
+          </p:cNvGrpSpPr>
+          <p:nvPr/>
+        </p:nvGrpSpPr>
+        <p:grpSpPr bwMode="auto">
+          <a:xfrm>
+            <a:off x="2487216" y="4058816"/>
+            <a:ext cx="3124200" cy="153988"/>
+            <a:chOff x="1872" y="2544"/>
+            <a:chExt cx="1968" cy="97"/>
+          </a:xfrm>
+        </p:grpSpPr>
+        <p:sp>
+          <p:nvSpPr>
+            <p:cNvPr id="12" name="Line 8"/>
+            <p:cNvSpPr>
+              <a:spLocks noChangeShapeType="1"/>
+            </p:cNvSpPr>
+            <p:nvPr/>
+          </p:nvSpPr>
+          <p:spPr bwMode="auto">
+            <a:xfrm flipH="1">
+              <a:off x="1872" y="2544"/>
+              <a:ext cx="1920" cy="0"/>
+            </a:xfrm>
+            <a:prstGeom prst="line">
+              <a:avLst/>
+            </a:prstGeom>
+            <a:noFill/>
+            <a:ln w="50800" cap="sq">
+              <a:solidFill>
+                <a:schemeClr val="tx1"/>
+              </a:solidFill>
+              <a:round/>
+              <a:headEnd type="none" w="sm" len="sm"/>
+              <a:tailEnd type="triangle" w="med" len="lg"/>
+            </a:ln>
+            <a:effectLst/>
+          </p:spPr>
+          <p:txBody>
+            <a:bodyPr/>
+            <a:lstStyle/>
+            <a:p>
+              <a:endParaRPr lang="pt-BR"/>
+            </a:p>
+          </p:txBody>
+        </p:sp>
+        <p:sp>
+          <p:nvSpPr>
+            <p:cNvPr id="13" name="Line 9"/>
+            <p:cNvSpPr>
+              <a:spLocks noChangeShapeType="1"/>
+            </p:cNvSpPr>
+            <p:nvPr/>
+          </p:nvSpPr>
+          <p:spPr bwMode="auto">
+            <a:xfrm rot="10800000" flipH="1">
+              <a:off x="1920" y="2640"/>
+              <a:ext cx="1920" cy="1"/>
+            </a:xfrm>
+            <a:prstGeom prst="line">
+              <a:avLst/>
+            </a:prstGeom>
+            <a:noFill/>
+            <a:ln w="50800" cap="sq">
+              <a:solidFill>
+                <a:schemeClr val="tx1"/>
+              </a:solidFill>
+              <a:round/>
+              <a:headEnd type="none" w="sm" len="sm"/>
+              <a:tailEnd type="triangle" w="med" len="lg"/>
+            </a:ln>
+            <a:effectLst/>
+          </p:spPr>
+          <p:txBody>
+            <a:bodyPr/>
+            <a:lstStyle/>
+            <a:p>
+              <a:endParaRPr lang="pt-BR"/>
+            </a:p>
+          </p:txBody>
+        </p:sp>
+      </p:grpSp>
+      <p:grpSp>
+        <p:nvGrpSpPr>
+          <p:cNvPr id="14" name="Group 10"/>
+          <p:cNvGrpSpPr>
+            <a:grpSpLocks/>
+          </p:cNvGrpSpPr>
+          <p:nvPr/>
+        </p:nvGrpSpPr>
+        <p:grpSpPr bwMode="auto">
+          <a:xfrm rot="-1107980">
+            <a:off x="2411016" y="3144416"/>
+            <a:ext cx="3124200" cy="153988"/>
+            <a:chOff x="1872" y="2544"/>
+            <a:chExt cx="1968" cy="97"/>
+          </a:xfrm>
+        </p:grpSpPr>
+        <p:sp>
+          <p:nvSpPr>
+            <p:cNvPr id="15" name="Line 11"/>
+            <p:cNvSpPr>
+              <a:spLocks noChangeShapeType="1"/>
+            </p:cNvSpPr>
+            <p:nvPr/>
+          </p:nvSpPr>
+          <p:spPr bwMode="auto">
+            <a:xfrm flipH="1">
+              <a:off x="1872" y="2544"/>
+              <a:ext cx="1920" cy="0"/>
+            </a:xfrm>
+            <a:prstGeom prst="line">
+              <a:avLst/>
+            </a:prstGeom>
+            <a:noFill/>
+            <a:ln w="50800" cap="sq">
+              <a:solidFill>
+                <a:schemeClr val="tx1"/>
+              </a:solidFill>
+              <a:round/>
+              <a:headEnd type="none" w="sm" len="sm"/>
+              <a:tailEnd type="triangle" w="med" len="lg"/>
+            </a:ln>
+            <a:effectLst/>
+          </p:spPr>
+          <p:txBody>
+            <a:bodyPr/>
+            <a:lstStyle/>
+            <a:p>
+              <a:endParaRPr lang="pt-BR"/>
+            </a:p>
+          </p:txBody>
+        </p:sp>
+        <p:sp>
+          <p:nvSpPr>
+            <p:cNvPr id="16" name="Line 12"/>
+            <p:cNvSpPr>
+              <a:spLocks noChangeShapeType="1"/>
+            </p:cNvSpPr>
+            <p:nvPr/>
+          </p:nvSpPr>
+          <p:spPr bwMode="auto">
+            <a:xfrm rot="10800000" flipH="1">
+              <a:off x="1920" y="2640"/>
+              <a:ext cx="1920" cy="1"/>
+            </a:xfrm>
+            <a:prstGeom prst="line">
+              <a:avLst/>
+            </a:prstGeom>
+            <a:noFill/>
+            <a:ln w="50800" cap="sq">
+              <a:solidFill>
+                <a:schemeClr val="tx1"/>
+              </a:solidFill>
+              <a:round/>
+              <a:headEnd type="none" w="sm" len="sm"/>
+              <a:tailEnd type="triangle" w="med" len="lg"/>
+            </a:ln>
+            <a:effectLst/>
+          </p:spPr>
+          <p:txBody>
+            <a:bodyPr/>
+            <a:lstStyle/>
+            <a:p>
+              <a:endParaRPr lang="pt-BR"/>
+            </a:p>
+          </p:txBody>
+        </p:sp>
+      </p:grpSp>
+      <p:grpSp>
+        <p:nvGrpSpPr>
+          <p:cNvPr id="17" name="Group 13"/>
+          <p:cNvGrpSpPr>
+            <a:grpSpLocks/>
+          </p:cNvGrpSpPr>
+          <p:nvPr/>
+        </p:nvGrpSpPr>
+        <p:grpSpPr bwMode="auto">
+          <a:xfrm rot="1149601">
+            <a:off x="2487216" y="4971629"/>
+            <a:ext cx="3124200" cy="153987"/>
+            <a:chOff x="1872" y="2544"/>
+            <a:chExt cx="1968" cy="97"/>
+          </a:xfrm>
+        </p:grpSpPr>
+        <p:sp>
+          <p:nvSpPr>
+            <p:cNvPr id="18" name="Line 14"/>
+            <p:cNvSpPr>
+              <a:spLocks noChangeShapeType="1"/>
+            </p:cNvSpPr>
+            <p:nvPr/>
+          </p:nvSpPr>
+          <p:spPr bwMode="auto">
+            <a:xfrm flipH="1">
+              <a:off x="1872" y="2544"/>
+              <a:ext cx="1920" cy="0"/>
+            </a:xfrm>
+            <a:prstGeom prst="line">
+              <a:avLst/>
+            </a:prstGeom>
+            <a:noFill/>
+            <a:ln w="50800" cap="sq">
+              <a:solidFill>
+                <a:schemeClr val="tx1"/>
+              </a:solidFill>
+              <a:round/>
+              <a:headEnd type="none" w="sm" len="sm"/>
+              <a:tailEnd type="triangle" w="med" len="lg"/>
+            </a:ln>
+            <a:effectLst/>
+          </p:spPr>
+          <p:txBody>
+            <a:bodyPr/>
+            <a:lstStyle/>
+            <a:p>
+              <a:endParaRPr lang="pt-BR"/>
+            </a:p>
+          </p:txBody>
+        </p:sp>
+        <p:sp>
+          <p:nvSpPr>
+            <p:cNvPr id="19" name="Line 15"/>
+            <p:cNvSpPr>
+              <a:spLocks noChangeShapeType="1"/>
+            </p:cNvSpPr>
+            <p:nvPr/>
+          </p:nvSpPr>
+          <p:spPr bwMode="auto">
+            <a:xfrm rot="10800000" flipH="1">
+              <a:off x="1920" y="2640"/>
+              <a:ext cx="1920" cy="1"/>
+            </a:xfrm>
+            <a:prstGeom prst="line">
+              <a:avLst/>
+            </a:prstGeom>
+            <a:noFill/>
+            <a:ln w="50800" cap="sq">
+              <a:solidFill>
+                <a:schemeClr val="tx1"/>
+              </a:solidFill>
+              <a:round/>
+              <a:headEnd type="none" w="sm" len="sm"/>
+              <a:tailEnd type="triangle" w="med" len="lg"/>
+            </a:ln>
+            <a:effectLst/>
+          </p:spPr>
+          <p:txBody>
+            <a:bodyPr/>
+            <a:lstStyle/>
+            <a:p>
+              <a:endParaRPr lang="pt-BR"/>
+            </a:p>
+          </p:txBody>
+        </p:sp>
+      </p:grpSp>
+      <p:sp>
+        <p:nvSpPr>
+          <p:cNvPr id="20" name="Espaço Reservado para Número de Slide 19"/>
+          <p:cNvSpPr>
+            <a:spLocks noGrp="1"/>
+          </p:cNvSpPr>
+          <p:nvPr>
+            <p:ph type="sldNum" sz="quarter" idx="12"/>
+          </p:nvPr>
+        </p:nvSpPr>
+        <p:spPr/>
+        <p:txBody>
+          <a:bodyPr/>
+          <a:lstStyle/>
+          <a:p>
+            <a:pPr>
+              <a:defRPr/>
+            </a:pPr>
+            <a:fld id="{EF19A0F5-F849-4C78-8624-C3A50979DE44}" type="slidenum">
               <a:rPr lang="pt-BR" smtClean="0"/>
-              <a:t>Pacote java.sql</a:t>
-            </a:r>
-          </a:p>
-        </p:txBody>
-      </p:sp>
-      <p:sp>
-        <p:nvSpPr>
-          <p:cNvPr id="9219" name="Espaço Reservado para Conteúdo 2"/>
-          <p:cNvSpPr>
-            <a:spLocks noGrp="1"/>
-          </p:cNvSpPr>
-          <p:nvPr>
-            <p:ph idx="1"/>
-          </p:nvPr>
-        </p:nvSpPr>
-        <p:spPr/>
-        <p:txBody>
-          <a:bodyPr/>
-          <a:lstStyle/>
-          <a:p>
-            <a:endParaRPr lang="pt-BR" smtClean="0"/>
+              <a:pPr>
+                <a:defRPr/>
+              </a:pPr>
+              <a:t>3</a:t>
+            </a:fld>
+            <a:endParaRPr lang="pt-BR"/>
           </a:p>
         </p:txBody>
       </p:sp>
@@ -5784,6 +10305,13 @@
   <p:clrMapOvr>
     <a:masterClrMapping/>
   </p:clrMapOvr>
+  <p:timing>
+    <p:tnLst>
+      <p:par>
+        <p:cTn id="1" dur="indefinite" restart="never" nodeType="tmRoot"/>
+      </p:par>
+    </p:tnLst>
+  </p:timing>
 </p:sld>
 </file>
 
@@ -5806,7 +10334,7 @@
       </p:grpSpPr>
       <p:sp>
         <p:nvSpPr>
-          <p:cNvPr id="10242" name="Título 1"/>
+          <p:cNvPr id="15362" name="Título 1"/>
           <p:cNvSpPr>
             <a:spLocks noGrp="1"/>
           </p:cNvSpPr>
@@ -5821,28 +10349,140 @@
           <a:p>
             <a:pPr eaLnBrk="1" hangingPunct="1"/>
             <a:r>
+              <a:rPr lang="pt-BR" dirty="0" smtClean="0"/>
+              <a:t>Introdução</a:t>
+            </a:r>
+            <a:endParaRPr lang="pt-BR" dirty="0" smtClean="0"/>
+          </a:p>
+        </p:txBody>
+      </p:sp>
+      <p:sp>
+        <p:nvSpPr>
+          <p:cNvPr id="15363" name="Espaço Reservado para Conteúdo 2"/>
+          <p:cNvSpPr>
+            <a:spLocks noGrp="1"/>
+          </p:cNvSpPr>
+          <p:nvPr>
+            <p:ph idx="1"/>
+          </p:nvPr>
+        </p:nvSpPr>
+        <p:spPr/>
+        <p:txBody>
+          <a:bodyPr/>
+          <a:lstStyle/>
+          <a:p>
+            <a:pPr>
+              <a:spcBef>
+                <a:spcPts val="1800"/>
+              </a:spcBef>
+            </a:pPr>
+            <a:r>
+              <a:rPr lang="pt-BR" sz="2800" dirty="0" smtClean="0"/>
+              <a:t>JDBC</a:t>
+            </a:r>
+          </a:p>
+          <a:p>
+            <a:pPr lvl="1">
+              <a:spcBef>
+                <a:spcPts val="1800"/>
+              </a:spcBef>
+            </a:pPr>
+            <a:r>
+              <a:rPr lang="pt-BR" sz="2400" dirty="0" smtClean="0"/>
+              <a:t>O JDBC (Java Data Base </a:t>
+            </a:r>
+            <a:r>
+              <a:rPr lang="pt-BR" sz="2400" dirty="0" err="1" smtClean="0"/>
+              <a:t>Conectivity</a:t>
+            </a:r>
+            <a:r>
+              <a:rPr lang="pt-BR" sz="2400" dirty="0" smtClean="0"/>
+              <a:t>) é uma especificação </a:t>
+            </a:r>
+            <a:r>
+              <a:rPr lang="pt-BR" sz="2400" dirty="0" smtClean="0"/>
+              <a:t>elaborada pela </a:t>
+            </a:r>
+            <a:r>
+              <a:rPr lang="pt-BR" sz="2400" dirty="0" smtClean="0"/>
+              <a:t>antiga Sun para </a:t>
+            </a:r>
+            <a:r>
+              <a:rPr lang="pt-BR" sz="2400" dirty="0" smtClean="0"/>
+              <a:t>prover </a:t>
+            </a:r>
+            <a:r>
+              <a:rPr lang="pt-BR" sz="2400" dirty="0" smtClean="0"/>
+              <a:t>a acessibilidade </a:t>
+            </a:r>
+            <a:r>
+              <a:rPr lang="pt-BR" sz="2400" dirty="0" smtClean="0"/>
+              <a:t>de aplicações Java com bancos de dados.</a:t>
+            </a:r>
+          </a:p>
+          <a:p>
+            <a:pPr lvl="1">
+              <a:spcBef>
+                <a:spcPts val="1800"/>
+              </a:spcBef>
+            </a:pPr>
+            <a:r>
+              <a:rPr lang="pt-BR" sz="2400" dirty="0" smtClean="0"/>
+              <a:t>Trata-se de um padrão de </a:t>
+            </a:r>
+            <a:r>
+              <a:rPr lang="pt-BR" sz="2400" dirty="0" smtClean="0"/>
+              <a:t>acesso a dados obedecido pela indústria de bancos de dados.</a:t>
+            </a:r>
+          </a:p>
+          <a:p>
+            <a:pPr lvl="1">
+              <a:spcBef>
+                <a:spcPts val="1800"/>
+              </a:spcBef>
+            </a:pPr>
+            <a:r>
+              <a:rPr lang="pt-BR" sz="2400" dirty="0" smtClean="0"/>
+              <a:t>A fim de seguir este padrão, os fabricantes devem distribuir </a:t>
+            </a:r>
+            <a:r>
+              <a:rPr lang="pt-BR" sz="2400" dirty="0" err="1" smtClean="0"/>
+              <a:t>drivers</a:t>
+            </a:r>
+            <a:r>
+              <a:rPr lang="pt-BR" sz="2400" dirty="0" smtClean="0"/>
+              <a:t> JDBC aos desenvolvedores Java.</a:t>
+            </a:r>
+            <a:endParaRPr lang="pt-BR" sz="2400" dirty="0" smtClean="0"/>
+          </a:p>
+        </p:txBody>
+      </p:sp>
+      <p:sp>
+        <p:nvSpPr>
+          <p:cNvPr id="4" name="Espaço Reservado para Número de Slide 3"/>
+          <p:cNvSpPr>
+            <a:spLocks noGrp="1"/>
+          </p:cNvSpPr>
+          <p:nvPr>
+            <p:ph type="sldNum" sz="quarter" idx="12"/>
+          </p:nvPr>
+        </p:nvSpPr>
+        <p:spPr/>
+        <p:txBody>
+          <a:bodyPr/>
+          <a:lstStyle/>
+          <a:p>
+            <a:pPr>
+              <a:defRPr/>
+            </a:pPr>
+            <a:fld id="{EF19A0F5-F849-4C78-8624-C3A50979DE44}" type="slidenum">
               <a:rPr lang="pt-BR" smtClean="0"/>
-              <a:t>Carregando drivers</a:t>
-            </a:r>
-          </a:p>
-        </p:txBody>
-      </p:sp>
-      <p:sp>
-        <p:nvSpPr>
-          <p:cNvPr id="10243" name="Espaço Reservado para Conteúdo 2"/>
-          <p:cNvSpPr>
-            <a:spLocks noGrp="1"/>
-          </p:cNvSpPr>
-          <p:nvPr>
-            <p:ph idx="1"/>
-          </p:nvPr>
-        </p:nvSpPr>
-        <p:spPr/>
-        <p:txBody>
-          <a:bodyPr/>
-          <a:lstStyle/>
-          <a:p>
-            <a:endParaRPr lang="pt-BR" smtClean="0"/>
+              <a:pPr>
+                <a:defRPr/>
+              </a:pPr>
+              <a:t>4</a:t>
+            </a:fld>
+            <a:endParaRPr lang="pt-BR"/>
           </a:p>
         </p:txBody>
       </p:sp>
@@ -5851,6 +10491,13 @@
   <p:clrMapOvr>
     <a:masterClrMapping/>
   </p:clrMapOvr>
+  <p:timing>
+    <p:tnLst>
+      <p:par>
+        <p:cTn id="1" dur="indefinite" restart="never" nodeType="tmRoot"/>
+      </p:par>
+    </p:tnLst>
+  </p:timing>
 </p:sld>
 </file>
 
@@ -5873,7 +10520,64 @@
       </p:grpSpPr>
       <p:sp>
         <p:nvSpPr>
-          <p:cNvPr id="11266" name="Título 1"/>
+          <p:cNvPr id="14" name="AutoShape 15"/>
+          <p:cNvSpPr>
+            <a:spLocks noChangeArrowheads="1"/>
+          </p:cNvSpPr>
+          <p:nvPr/>
+        </p:nvSpPr>
+        <p:spPr bwMode="auto">
+          <a:xfrm rot="16200000">
+            <a:off x="5056956" y="4860404"/>
+            <a:ext cx="1066800" cy="1143000"/>
+          </a:xfrm>
+          <a:prstGeom prst="flowChartOnlineStorage">
+            <a:avLst/>
+          </a:prstGeom>
+          <a:noFill/>
+          <a:ln w="9525">
+            <a:solidFill>
+              <a:schemeClr val="tx1"/>
+            </a:solidFill>
+            <a:miter lim="800000"/>
+            <a:headEnd/>
+            <a:tailEnd/>
+          </a:ln>
+          <a:effectLst/>
+        </p:spPr>
+        <p:txBody>
+          <a:bodyPr vert="eaVert" wrap="none" anchor="ctr"/>
+          <a:lstStyle/>
+          <a:p>
+            <a:pPr algn="ctr">
+              <a:buFontTx/>
+              <a:buNone/>
+            </a:pPr>
+            <a:r>
+              <a:rPr lang="pt-BR" sz="1400" b="1" u="none"/>
+              <a:t>BANCO DE</a:t>
+            </a:r>
+          </a:p>
+          <a:p>
+            <a:pPr algn="ctr">
+              <a:buFontTx/>
+              <a:buNone/>
+            </a:pPr>
+            <a:r>
+              <a:rPr lang="pt-BR" sz="1400" b="1" u="none"/>
+              <a:t>DADOS</a:t>
+            </a:r>
+            <a:endParaRPr lang="pt-BR">
+              <a:solidFill>
+                <a:schemeClr val="tx2"/>
+              </a:solidFill>
+            </a:endParaRPr>
+          </a:p>
+        </p:txBody>
+      </p:sp>
+      <p:sp>
+        <p:nvSpPr>
+          <p:cNvPr id="2" name="Título 1"/>
           <p:cNvSpPr>
             <a:spLocks noGrp="1"/>
           </p:cNvSpPr>
@@ -5886,30 +10590,920 @@
           <a:bodyPr/>
           <a:lstStyle/>
           <a:p>
-            <a:pPr eaLnBrk="1" hangingPunct="1"/>
-            <a:r>
+            <a:r>
+              <a:rPr lang="pt-BR" dirty="0" smtClean="0"/>
+              <a:t>Introdução</a:t>
+            </a:r>
+            <a:endParaRPr lang="pt-BR" dirty="0"/>
+          </a:p>
+        </p:txBody>
+      </p:sp>
+      <p:sp>
+        <p:nvSpPr>
+          <p:cNvPr id="3" name="Espaço Reservado para Conteúdo 2"/>
+          <p:cNvSpPr>
+            <a:spLocks noGrp="1"/>
+          </p:cNvSpPr>
+          <p:nvPr>
+            <p:ph idx="1"/>
+          </p:nvPr>
+        </p:nvSpPr>
+        <p:spPr/>
+        <p:txBody>
+          <a:bodyPr/>
+          <a:lstStyle/>
+          <a:p>
+            <a:r>
+              <a:rPr lang="pt-BR" sz="2800" dirty="0" smtClean="0"/>
+              <a:t>Tipos de </a:t>
+            </a:r>
+            <a:r>
+              <a:rPr lang="pt-BR" sz="2800" dirty="0" err="1" smtClean="0"/>
+              <a:t>driver</a:t>
+            </a:r>
+            <a:r>
+              <a:rPr lang="pt-BR" sz="2800" dirty="0" smtClean="0"/>
+              <a:t> </a:t>
+            </a:r>
+            <a:endParaRPr lang="pt-BR" sz="2800" dirty="0"/>
+          </a:p>
+        </p:txBody>
+      </p:sp>
+      <p:sp>
+        <p:nvSpPr>
+          <p:cNvPr id="4" name="Text Box 4"/>
+          <p:cNvSpPr txBox="1">
+            <a:spLocks noChangeArrowheads="1"/>
+          </p:cNvSpPr>
+          <p:nvPr/>
+        </p:nvSpPr>
+        <p:spPr bwMode="auto">
+          <a:xfrm>
+            <a:off x="370656" y="2420888"/>
+            <a:ext cx="1905000" cy="648072"/>
+          </a:xfrm>
+          <a:prstGeom prst="rect">
+            <a:avLst/>
+          </a:prstGeom>
+          <a:noFill/>
+          <a:ln w="9525">
+            <a:solidFill>
+              <a:schemeClr val="tx1"/>
+            </a:solidFill>
+            <a:miter lim="800000"/>
+            <a:headEnd/>
+            <a:tailEnd/>
+          </a:ln>
+          <a:effectLst/>
+        </p:spPr>
+        <p:txBody>
+          <a:bodyPr anchor="ctr">
+            <a:noAutofit/>
+          </a:bodyPr>
+          <a:lstStyle/>
+          <a:p>
+            <a:pPr algn="ctr">
+              <a:spcBef>
+                <a:spcPct val="50000"/>
+              </a:spcBef>
+              <a:buFontTx/>
+              <a:buNone/>
+            </a:pPr>
+            <a:r>
+              <a:rPr lang="pt-BR" sz="1400" b="1" u="none" dirty="0"/>
+              <a:t>APLICAÇÃO JAVA</a:t>
+            </a:r>
+            <a:br>
+              <a:rPr lang="pt-BR" sz="1400" b="1" u="none" dirty="0"/>
+            </a:br>
+            <a:r>
+              <a:rPr lang="pt-BR" sz="1400" b="1" u="none" dirty="0"/>
+              <a:t>DRIVER </a:t>
+            </a:r>
+            <a:r>
+              <a:rPr lang="pt-BR" sz="1400" b="1" u="sng" dirty="0"/>
+              <a:t>TIPO 1</a:t>
+            </a:r>
+          </a:p>
+        </p:txBody>
+      </p:sp>
+      <p:sp>
+        <p:nvSpPr>
+          <p:cNvPr id="5" name="Text Box 5"/>
+          <p:cNvSpPr txBox="1">
+            <a:spLocks noChangeArrowheads="1"/>
+          </p:cNvSpPr>
+          <p:nvPr/>
+        </p:nvSpPr>
+        <p:spPr bwMode="auto">
+          <a:xfrm>
+            <a:off x="2504256" y="2420888"/>
+            <a:ext cx="1905000" cy="648072"/>
+          </a:xfrm>
+          <a:prstGeom prst="rect">
+            <a:avLst/>
+          </a:prstGeom>
+          <a:noFill/>
+          <a:ln w="9525">
+            <a:solidFill>
+              <a:schemeClr val="tx1"/>
+            </a:solidFill>
+            <a:miter lim="800000"/>
+            <a:headEnd/>
+            <a:tailEnd/>
+          </a:ln>
+          <a:effectLst/>
+        </p:spPr>
+        <p:txBody>
+          <a:bodyPr anchor="ctr">
+            <a:noAutofit/>
+          </a:bodyPr>
+          <a:lstStyle/>
+          <a:p>
+            <a:pPr algn="ctr">
+              <a:spcBef>
+                <a:spcPct val="50000"/>
+              </a:spcBef>
+              <a:buFontTx/>
+              <a:buNone/>
+            </a:pPr>
+            <a:r>
+              <a:rPr lang="pt-BR" sz="1400" b="1" u="none" dirty="0"/>
+              <a:t>APLICAÇÃO JAVA</a:t>
+            </a:r>
+            <a:br>
+              <a:rPr lang="pt-BR" sz="1400" b="1" u="none" dirty="0"/>
+            </a:br>
+            <a:r>
+              <a:rPr lang="pt-BR" sz="1400" b="1" u="none" dirty="0"/>
+              <a:t>DRIVER </a:t>
+            </a:r>
+            <a:r>
+              <a:rPr lang="pt-BR" sz="1400" b="1" u="sng" dirty="0"/>
+              <a:t>TIPO 2</a:t>
+            </a:r>
+          </a:p>
+        </p:txBody>
+      </p:sp>
+      <p:sp>
+        <p:nvSpPr>
+          <p:cNvPr id="6" name="Text Box 6"/>
+          <p:cNvSpPr txBox="1">
+            <a:spLocks noChangeArrowheads="1"/>
+          </p:cNvSpPr>
+          <p:nvPr/>
+        </p:nvSpPr>
+        <p:spPr bwMode="auto">
+          <a:xfrm>
+            <a:off x="4637856" y="2420888"/>
+            <a:ext cx="1905000" cy="601290"/>
+          </a:xfrm>
+          <a:prstGeom prst="rect">
+            <a:avLst/>
+          </a:prstGeom>
+          <a:noFill/>
+          <a:ln w="9525">
+            <a:solidFill>
+              <a:schemeClr val="tx1"/>
+            </a:solidFill>
+            <a:miter lim="800000"/>
+            <a:headEnd/>
+            <a:tailEnd/>
+          </a:ln>
+          <a:effectLst/>
+        </p:spPr>
+        <p:txBody>
+          <a:bodyPr anchor="ctr">
+            <a:noAutofit/>
+          </a:bodyPr>
+          <a:lstStyle/>
+          <a:p>
+            <a:pPr algn="ctr">
+              <a:spcBef>
+                <a:spcPct val="50000"/>
+              </a:spcBef>
+              <a:buFontTx/>
+              <a:buNone/>
+            </a:pPr>
+            <a:r>
+              <a:rPr lang="pt-BR" sz="1400" b="1" u="none" dirty="0"/>
+              <a:t>APLICAÇÃO JAVA</a:t>
+            </a:r>
+            <a:br>
+              <a:rPr lang="pt-BR" sz="1400" b="1" u="none" dirty="0"/>
+            </a:br>
+            <a:r>
+              <a:rPr lang="pt-BR" sz="1400" b="1" u="none" dirty="0"/>
+              <a:t>DRIVER </a:t>
+            </a:r>
+            <a:r>
+              <a:rPr lang="pt-BR" sz="1400" b="1" u="sng" dirty="0"/>
+              <a:t>TIPO 3</a:t>
+            </a:r>
+          </a:p>
+        </p:txBody>
+      </p:sp>
+      <p:sp>
+        <p:nvSpPr>
+          <p:cNvPr id="7" name="Text Box 7"/>
+          <p:cNvSpPr txBox="1">
+            <a:spLocks noChangeArrowheads="1"/>
+          </p:cNvSpPr>
+          <p:nvPr/>
+        </p:nvSpPr>
+        <p:spPr bwMode="auto">
+          <a:xfrm>
+            <a:off x="6771456" y="2420888"/>
+            <a:ext cx="1905000" cy="601290"/>
+          </a:xfrm>
+          <a:prstGeom prst="rect">
+            <a:avLst/>
+          </a:prstGeom>
+          <a:noFill/>
+          <a:ln w="9525">
+            <a:solidFill>
+              <a:schemeClr val="tx1"/>
+            </a:solidFill>
+            <a:miter lim="800000"/>
+            <a:headEnd/>
+            <a:tailEnd/>
+          </a:ln>
+          <a:effectLst/>
+        </p:spPr>
+        <p:txBody>
+          <a:bodyPr anchor="ctr">
+            <a:noAutofit/>
+          </a:bodyPr>
+          <a:lstStyle/>
+          <a:p>
+            <a:pPr algn="ctr">
+              <a:spcBef>
+                <a:spcPct val="50000"/>
+              </a:spcBef>
+              <a:buFontTx/>
+              <a:buNone/>
+            </a:pPr>
+            <a:r>
+              <a:rPr lang="pt-BR" sz="1400" b="1" u="none" dirty="0"/>
+              <a:t>APLICAÇÃO JAVA</a:t>
+            </a:r>
+            <a:br>
+              <a:rPr lang="pt-BR" sz="1400" b="1" u="none" dirty="0"/>
+            </a:br>
+            <a:r>
+              <a:rPr lang="pt-BR" sz="1400" b="1" u="none" dirty="0"/>
+              <a:t>DRIVER </a:t>
+            </a:r>
+            <a:r>
+              <a:rPr lang="pt-BR" sz="1400" b="1" u="sng" dirty="0"/>
+              <a:t>TIPO 4</a:t>
+            </a:r>
+          </a:p>
+        </p:txBody>
+      </p:sp>
+      <p:sp>
+        <p:nvSpPr>
+          <p:cNvPr id="8" name="AutoShape 8"/>
+          <p:cNvSpPr>
+            <a:spLocks noChangeArrowheads="1"/>
+          </p:cNvSpPr>
+          <p:nvPr/>
+        </p:nvSpPr>
+        <p:spPr bwMode="auto">
+          <a:xfrm>
+            <a:off x="751656" y="4746104"/>
+            <a:ext cx="1143000" cy="1219200"/>
+          </a:xfrm>
+          <a:prstGeom prst="can">
+            <a:avLst>
+              <a:gd name="adj" fmla="val 26667"/>
+            </a:avLst>
+          </a:prstGeom>
+          <a:noFill/>
+          <a:ln w="9525">
+            <a:solidFill>
+              <a:schemeClr val="tx1"/>
+            </a:solidFill>
+            <a:miter lim="800000"/>
+            <a:headEnd/>
+            <a:tailEnd/>
+          </a:ln>
+          <a:effectLst/>
+        </p:spPr>
+        <p:txBody>
+          <a:bodyPr wrap="none" anchor="ctr"/>
+          <a:lstStyle/>
+          <a:p>
+            <a:pPr algn="ctr">
+              <a:buFontTx/>
+              <a:buNone/>
+            </a:pPr>
+            <a:r>
+              <a:rPr lang="pt-BR" sz="1400" b="1" u="none"/>
+              <a:t>BANCO DE</a:t>
+            </a:r>
+          </a:p>
+          <a:p>
+            <a:pPr algn="ctr">
+              <a:buFontTx/>
+              <a:buNone/>
+            </a:pPr>
+            <a:r>
+              <a:rPr lang="pt-BR" sz="1400" b="1" u="none"/>
+              <a:t>DADOS</a:t>
+            </a:r>
+          </a:p>
+        </p:txBody>
+      </p:sp>
+      <p:sp>
+        <p:nvSpPr>
+          <p:cNvPr id="9" name="AutoShape 9"/>
+          <p:cNvSpPr>
+            <a:spLocks noChangeArrowheads="1"/>
+          </p:cNvSpPr>
+          <p:nvPr/>
+        </p:nvSpPr>
+        <p:spPr bwMode="auto">
+          <a:xfrm>
+            <a:off x="2885256" y="4746104"/>
+            <a:ext cx="1143000" cy="1219200"/>
+          </a:xfrm>
+          <a:prstGeom prst="can">
+            <a:avLst>
+              <a:gd name="adj" fmla="val 26667"/>
+            </a:avLst>
+          </a:prstGeom>
+          <a:noFill/>
+          <a:ln w="9525">
+            <a:solidFill>
+              <a:schemeClr val="tx1"/>
+            </a:solidFill>
+            <a:miter lim="800000"/>
+            <a:headEnd/>
+            <a:tailEnd/>
+          </a:ln>
+          <a:effectLst/>
+        </p:spPr>
+        <p:txBody>
+          <a:bodyPr wrap="none" anchor="ctr"/>
+          <a:lstStyle/>
+          <a:p>
+            <a:pPr algn="ctr">
+              <a:buFontTx/>
+              <a:buNone/>
+            </a:pPr>
+            <a:r>
+              <a:rPr lang="pt-BR" sz="1400" b="1" u="none"/>
+              <a:t>BANCO DE</a:t>
+            </a:r>
+          </a:p>
+          <a:p>
+            <a:pPr algn="ctr">
+              <a:buFontTx/>
+              <a:buNone/>
+            </a:pPr>
+            <a:r>
+              <a:rPr lang="pt-BR" sz="1400" b="1" u="none"/>
+              <a:t>DADOS</a:t>
+            </a:r>
+          </a:p>
+        </p:txBody>
+      </p:sp>
+      <p:sp>
+        <p:nvSpPr>
+          <p:cNvPr id="10" name="AutoShape 11"/>
+          <p:cNvSpPr>
+            <a:spLocks noChangeArrowheads="1"/>
+          </p:cNvSpPr>
+          <p:nvPr/>
+        </p:nvSpPr>
+        <p:spPr bwMode="auto">
+          <a:xfrm>
+            <a:off x="7152456" y="4746104"/>
+            <a:ext cx="1143000" cy="1219200"/>
+          </a:xfrm>
+          <a:prstGeom prst="can">
+            <a:avLst>
+              <a:gd name="adj" fmla="val 26667"/>
+            </a:avLst>
+          </a:prstGeom>
+          <a:noFill/>
+          <a:ln w="9525">
+            <a:solidFill>
+              <a:schemeClr val="tx1"/>
+            </a:solidFill>
+            <a:miter lim="800000"/>
+            <a:headEnd/>
+            <a:tailEnd/>
+          </a:ln>
+          <a:effectLst/>
+        </p:spPr>
+        <p:txBody>
+          <a:bodyPr wrap="none" anchor="ctr"/>
+          <a:lstStyle/>
+          <a:p>
+            <a:pPr algn="ctr">
+              <a:buFontTx/>
+              <a:buNone/>
+            </a:pPr>
+            <a:r>
+              <a:rPr lang="pt-BR" sz="1400" b="1" u="none"/>
+              <a:t>BANCO DE</a:t>
+            </a:r>
+          </a:p>
+          <a:p>
+            <a:pPr algn="ctr">
+              <a:buFontTx/>
+              <a:buNone/>
+            </a:pPr>
+            <a:r>
+              <a:rPr lang="pt-BR" sz="1400" b="1" u="none"/>
+              <a:t>DADOS</a:t>
+            </a:r>
+          </a:p>
+        </p:txBody>
+      </p:sp>
+      <p:sp>
+        <p:nvSpPr>
+          <p:cNvPr id="13" name="AutoShape 14"/>
+          <p:cNvSpPr>
+            <a:spLocks noChangeArrowheads="1"/>
+          </p:cNvSpPr>
+          <p:nvPr/>
+        </p:nvSpPr>
+        <p:spPr bwMode="auto">
+          <a:xfrm>
+            <a:off x="5018856" y="4365104"/>
+            <a:ext cx="1143000" cy="711721"/>
+          </a:xfrm>
+          <a:prstGeom prst="can">
+            <a:avLst>
+              <a:gd name="adj" fmla="val 50000"/>
+            </a:avLst>
+          </a:prstGeom>
+          <a:noFill/>
+          <a:ln w="9525">
+            <a:solidFill>
+              <a:srgbClr val="FFC000"/>
+            </a:solidFill>
+            <a:miter lim="800000"/>
+            <a:headEnd/>
+            <a:tailEnd/>
+          </a:ln>
+          <a:effectLst/>
+        </p:spPr>
+        <p:txBody>
+          <a:bodyPr wrap="none" anchor="ctr"/>
+          <a:lstStyle/>
+          <a:p>
+            <a:pPr algn="ctr">
+              <a:lnSpc>
+                <a:spcPct val="170000"/>
+              </a:lnSpc>
+              <a:spcBef>
+                <a:spcPct val="50000"/>
+              </a:spcBef>
+              <a:buFontTx/>
+              <a:buNone/>
+            </a:pPr>
+            <a:r>
+              <a:rPr lang="pt-BR" sz="1200" b="1" u="none">
+                <a:solidFill>
+                  <a:srgbClr val="FFC000"/>
+                </a:solidFill>
+              </a:rPr>
+              <a:t>MIDDLEWARE</a:t>
+            </a:r>
+          </a:p>
+        </p:txBody>
+      </p:sp>
+      <p:sp>
+        <p:nvSpPr>
+          <p:cNvPr id="15" name="Line 16"/>
+          <p:cNvSpPr>
+            <a:spLocks noChangeShapeType="1"/>
+          </p:cNvSpPr>
+          <p:nvPr/>
+        </p:nvSpPr>
+        <p:spPr bwMode="auto">
+          <a:xfrm>
+            <a:off x="1208856" y="3638128"/>
+            <a:ext cx="0" cy="1231032"/>
+          </a:xfrm>
+          <a:prstGeom prst="line">
+            <a:avLst/>
+          </a:prstGeom>
+          <a:noFill/>
+          <a:ln w="38100">
+            <a:solidFill>
+              <a:schemeClr val="tx1"/>
+            </a:solidFill>
+            <a:miter lim="800000"/>
+            <a:headEnd/>
+            <a:tailEnd type="triangle" w="med" len="med"/>
+          </a:ln>
+          <a:effectLst/>
+        </p:spPr>
+        <p:txBody>
+          <a:bodyPr/>
+          <a:lstStyle/>
+          <a:p>
+            <a:endParaRPr lang="pt-BR"/>
+          </a:p>
+        </p:txBody>
+      </p:sp>
+      <p:sp>
+        <p:nvSpPr>
+          <p:cNvPr id="16" name="Line 17"/>
+          <p:cNvSpPr>
+            <a:spLocks noChangeShapeType="1"/>
+          </p:cNvSpPr>
+          <p:nvPr/>
+        </p:nvSpPr>
+        <p:spPr bwMode="auto">
+          <a:xfrm rot="10800000">
+            <a:off x="1432694" y="3638128"/>
+            <a:ext cx="0" cy="1231032"/>
+          </a:xfrm>
+          <a:prstGeom prst="line">
+            <a:avLst/>
+          </a:prstGeom>
+          <a:noFill/>
+          <a:ln w="38100">
+            <a:solidFill>
+              <a:schemeClr val="tx1"/>
+            </a:solidFill>
+            <a:miter lim="800000"/>
+            <a:headEnd/>
+            <a:tailEnd type="triangle" w="med" len="med"/>
+          </a:ln>
+          <a:effectLst/>
+        </p:spPr>
+        <p:txBody>
+          <a:bodyPr/>
+          <a:lstStyle/>
+          <a:p>
+            <a:endParaRPr lang="pt-BR"/>
+          </a:p>
+        </p:txBody>
+      </p:sp>
+      <p:sp>
+        <p:nvSpPr>
+          <p:cNvPr id="17" name="Line 18"/>
+          <p:cNvSpPr>
+            <a:spLocks noChangeShapeType="1"/>
+          </p:cNvSpPr>
+          <p:nvPr/>
+        </p:nvSpPr>
+        <p:spPr bwMode="auto">
+          <a:xfrm flipH="1">
+            <a:off x="3347218" y="3638128"/>
+            <a:ext cx="0" cy="1303040"/>
+          </a:xfrm>
+          <a:prstGeom prst="line">
+            <a:avLst/>
+          </a:prstGeom>
+          <a:noFill/>
+          <a:ln w="38100">
+            <a:solidFill>
+              <a:schemeClr val="tx1"/>
+            </a:solidFill>
+            <a:miter lim="800000"/>
+            <a:headEnd/>
+            <a:tailEnd type="triangle" w="med" len="med"/>
+          </a:ln>
+          <a:effectLst/>
+        </p:spPr>
+        <p:txBody>
+          <a:bodyPr/>
+          <a:lstStyle/>
+          <a:p>
+            <a:endParaRPr lang="pt-BR"/>
+          </a:p>
+        </p:txBody>
+      </p:sp>
+      <p:sp>
+        <p:nvSpPr>
+          <p:cNvPr id="18" name="Line 19"/>
+          <p:cNvSpPr>
+            <a:spLocks noChangeShapeType="1"/>
+          </p:cNvSpPr>
+          <p:nvPr/>
+        </p:nvSpPr>
+        <p:spPr bwMode="auto">
+          <a:xfrm rot="10800000">
+            <a:off x="3571056" y="3638128"/>
+            <a:ext cx="0" cy="1303040"/>
+          </a:xfrm>
+          <a:prstGeom prst="line">
+            <a:avLst/>
+          </a:prstGeom>
+          <a:noFill/>
+          <a:ln w="38100">
+            <a:solidFill>
+              <a:schemeClr val="tx1"/>
+            </a:solidFill>
+            <a:miter lim="800000"/>
+            <a:headEnd/>
+            <a:tailEnd type="triangle" w="med" len="med"/>
+          </a:ln>
+          <a:effectLst/>
+        </p:spPr>
+        <p:txBody>
+          <a:bodyPr/>
+          <a:lstStyle/>
+          <a:p>
+            <a:endParaRPr lang="pt-BR"/>
+          </a:p>
+        </p:txBody>
+      </p:sp>
+      <p:sp>
+        <p:nvSpPr>
+          <p:cNvPr id="19" name="Line 20"/>
+          <p:cNvSpPr>
+            <a:spLocks noChangeShapeType="1"/>
+          </p:cNvSpPr>
+          <p:nvPr/>
+        </p:nvSpPr>
+        <p:spPr bwMode="auto">
+          <a:xfrm>
+            <a:off x="5476057" y="3104728"/>
+            <a:ext cx="0" cy="1476400"/>
+          </a:xfrm>
+          <a:prstGeom prst="line">
+            <a:avLst/>
+          </a:prstGeom>
+          <a:noFill/>
+          <a:ln w="38100">
+            <a:solidFill>
+              <a:schemeClr val="tx1"/>
+            </a:solidFill>
+            <a:miter lim="800000"/>
+            <a:headEnd/>
+            <a:tailEnd type="triangle" w="med" len="med"/>
+          </a:ln>
+          <a:effectLst/>
+        </p:spPr>
+        <p:txBody>
+          <a:bodyPr/>
+          <a:lstStyle/>
+          <a:p>
+            <a:endParaRPr lang="pt-BR"/>
+          </a:p>
+        </p:txBody>
+      </p:sp>
+      <p:sp>
+        <p:nvSpPr>
+          <p:cNvPr id="20" name="Line 21"/>
+          <p:cNvSpPr>
+            <a:spLocks noChangeShapeType="1"/>
+          </p:cNvSpPr>
+          <p:nvPr/>
+        </p:nvSpPr>
+        <p:spPr bwMode="auto">
+          <a:xfrm rot="10800000">
+            <a:off x="5704656" y="3104728"/>
+            <a:ext cx="0" cy="1404392"/>
+          </a:xfrm>
+          <a:prstGeom prst="line">
+            <a:avLst/>
+          </a:prstGeom>
+          <a:noFill/>
+          <a:ln w="38100">
+            <a:solidFill>
+              <a:schemeClr val="tx1"/>
+            </a:solidFill>
+            <a:miter lim="800000"/>
+            <a:headEnd/>
+            <a:tailEnd type="triangle" w="med" len="med"/>
+          </a:ln>
+          <a:effectLst/>
+        </p:spPr>
+        <p:txBody>
+          <a:bodyPr/>
+          <a:lstStyle/>
+          <a:p>
+            <a:endParaRPr lang="pt-BR"/>
+          </a:p>
+        </p:txBody>
+      </p:sp>
+      <p:sp>
+        <p:nvSpPr>
+          <p:cNvPr id="21" name="Line 22"/>
+          <p:cNvSpPr>
+            <a:spLocks noChangeShapeType="1"/>
+          </p:cNvSpPr>
+          <p:nvPr/>
+        </p:nvSpPr>
+        <p:spPr bwMode="auto">
+          <a:xfrm>
+            <a:off x="7609656" y="3104728"/>
+            <a:ext cx="0" cy="1836440"/>
+          </a:xfrm>
+          <a:prstGeom prst="line">
+            <a:avLst/>
+          </a:prstGeom>
+          <a:noFill/>
+          <a:ln w="38100">
+            <a:solidFill>
+              <a:schemeClr val="tx1"/>
+            </a:solidFill>
+            <a:miter lim="800000"/>
+            <a:headEnd/>
+            <a:tailEnd type="triangle" w="med" len="med"/>
+          </a:ln>
+          <a:effectLst/>
+        </p:spPr>
+        <p:txBody>
+          <a:bodyPr/>
+          <a:lstStyle/>
+          <a:p>
+            <a:endParaRPr lang="pt-BR"/>
+          </a:p>
+        </p:txBody>
+      </p:sp>
+      <p:sp>
+        <p:nvSpPr>
+          <p:cNvPr id="22" name="Line 23"/>
+          <p:cNvSpPr>
+            <a:spLocks noChangeShapeType="1"/>
+          </p:cNvSpPr>
+          <p:nvPr/>
+        </p:nvSpPr>
+        <p:spPr bwMode="auto">
+          <a:xfrm rot="10800000">
+            <a:off x="7838256" y="3104728"/>
+            <a:ext cx="0" cy="1764432"/>
+          </a:xfrm>
+          <a:prstGeom prst="line">
+            <a:avLst/>
+          </a:prstGeom>
+          <a:noFill/>
+          <a:ln w="38100">
+            <a:solidFill>
+              <a:schemeClr val="tx1"/>
+            </a:solidFill>
+            <a:miter lim="800000"/>
+            <a:headEnd/>
+            <a:tailEnd type="triangle" w="med" len="med"/>
+          </a:ln>
+          <a:effectLst/>
+        </p:spPr>
+        <p:txBody>
+          <a:bodyPr/>
+          <a:lstStyle/>
+          <a:p>
+            <a:endParaRPr lang="pt-BR"/>
+          </a:p>
+        </p:txBody>
+      </p:sp>
+      <p:sp>
+        <p:nvSpPr>
+          <p:cNvPr id="11" name="Text Box 12"/>
+          <p:cNvSpPr txBox="1">
+            <a:spLocks noChangeArrowheads="1"/>
+          </p:cNvSpPr>
+          <p:nvPr/>
+        </p:nvSpPr>
+        <p:spPr bwMode="auto">
+          <a:xfrm>
+            <a:off x="370656" y="3068960"/>
+            <a:ext cx="1905000" cy="576064"/>
+          </a:xfrm>
+          <a:prstGeom prst="rect">
+            <a:avLst/>
+          </a:prstGeom>
+          <a:noFill/>
+          <a:ln w="9525">
+            <a:solidFill>
+              <a:srgbClr val="FFC000"/>
+            </a:solidFill>
+            <a:miter lim="800000"/>
+            <a:headEnd/>
+            <a:tailEnd/>
+          </a:ln>
+          <a:effectLst/>
+        </p:spPr>
+        <p:txBody>
+          <a:bodyPr anchor="ctr"/>
+          <a:lstStyle/>
+          <a:p>
+            <a:pPr algn="ctr">
+              <a:spcBef>
+                <a:spcPct val="50000"/>
+              </a:spcBef>
+              <a:buFontTx/>
+              <a:buNone/>
+            </a:pPr>
+            <a:r>
+              <a:rPr lang="pt-BR" sz="1400" b="1" u="none" dirty="0">
+                <a:solidFill>
+                  <a:srgbClr val="FFC000"/>
+                </a:solidFill>
+              </a:rPr>
+              <a:t>CONFIG. ODBC</a:t>
+            </a:r>
+          </a:p>
+        </p:txBody>
+      </p:sp>
+      <p:sp>
+        <p:nvSpPr>
+          <p:cNvPr id="12" name="Text Box 13"/>
+          <p:cNvSpPr txBox="1">
+            <a:spLocks noChangeArrowheads="1"/>
+          </p:cNvSpPr>
+          <p:nvPr/>
+        </p:nvSpPr>
+        <p:spPr bwMode="auto">
+          <a:xfrm>
+            <a:off x="2504256" y="3068960"/>
+            <a:ext cx="1905000" cy="576064"/>
+          </a:xfrm>
+          <a:prstGeom prst="rect">
+            <a:avLst/>
+          </a:prstGeom>
+          <a:noFill/>
+          <a:ln w="9525">
+            <a:solidFill>
+              <a:srgbClr val="FFC000"/>
+            </a:solidFill>
+            <a:miter lim="800000"/>
+            <a:headEnd/>
+            <a:tailEnd/>
+          </a:ln>
+          <a:effectLst/>
+        </p:spPr>
+        <p:txBody>
+          <a:bodyPr wrap="square" anchor="ctr">
+            <a:noAutofit/>
+          </a:bodyPr>
+          <a:lstStyle/>
+          <a:p>
+            <a:pPr algn="ctr">
+              <a:spcBef>
+                <a:spcPct val="50000"/>
+              </a:spcBef>
+              <a:buFontTx/>
+              <a:buNone/>
+            </a:pPr>
+            <a:r>
+              <a:rPr lang="pt-BR" sz="1400" b="1" u="none" dirty="0" smtClean="0">
+                <a:solidFill>
+                  <a:srgbClr val="FFC000"/>
+                </a:solidFill>
+              </a:rPr>
+              <a:t>COMPONENTE </a:t>
+            </a:r>
+            <a:r>
+              <a:rPr lang="pt-BR" sz="1400" b="1" u="none" dirty="0">
+                <a:solidFill>
+                  <a:srgbClr val="FFC000"/>
+                </a:solidFill>
+              </a:rPr>
+              <a:t>“</a:t>
+            </a:r>
+            <a:r>
+              <a:rPr lang="pt-BR" sz="1400" b="1" u="none" dirty="0" smtClean="0">
+                <a:solidFill>
+                  <a:srgbClr val="FFC000"/>
+                </a:solidFill>
+              </a:rPr>
+              <a:t>CLIENT”</a:t>
+            </a:r>
+            <a:endParaRPr lang="pt-BR" sz="1400" b="1" u="none" dirty="0">
+              <a:solidFill>
+                <a:srgbClr val="FFC000"/>
+              </a:solidFill>
+            </a:endParaRPr>
+          </a:p>
+        </p:txBody>
+      </p:sp>
+      <p:sp>
+        <p:nvSpPr>
+          <p:cNvPr id="23" name="Espaço Reservado para Número de Slide 22"/>
+          <p:cNvSpPr>
+            <a:spLocks noGrp="1"/>
+          </p:cNvSpPr>
+          <p:nvPr>
+            <p:ph type="sldNum" sz="quarter" idx="12"/>
+          </p:nvPr>
+        </p:nvSpPr>
+        <p:spPr/>
+        <p:txBody>
+          <a:bodyPr/>
+          <a:lstStyle/>
+          <a:p>
+            <a:pPr>
+              <a:defRPr/>
+            </a:pPr>
+            <a:fld id="{EF19A0F5-F849-4C78-8624-C3A50979DE44}" type="slidenum">
               <a:rPr lang="pt-BR" smtClean="0"/>
-              <a:t>Interface Connection</a:t>
-            </a:r>
-          </a:p>
-        </p:txBody>
-      </p:sp>
-      <p:sp>
-        <p:nvSpPr>
-          <p:cNvPr id="11267" name="Espaço Reservado para Conteúdo 2"/>
-          <p:cNvSpPr>
-            <a:spLocks noGrp="1"/>
-          </p:cNvSpPr>
-          <p:nvPr>
-            <p:ph idx="1"/>
-          </p:nvPr>
-        </p:nvSpPr>
-        <p:spPr/>
-        <p:txBody>
-          <a:bodyPr/>
-          <a:lstStyle/>
-          <a:p>
-            <a:endParaRPr lang="pt-BR" smtClean="0"/>
+              <a:pPr>
+                <a:defRPr/>
+              </a:pPr>
+              <a:t>5</a:t>
+            </a:fld>
+            <a:endParaRPr lang="pt-BR"/>
           </a:p>
         </p:txBody>
       </p:sp>
@@ -5918,6 +11512,13 @@
   <p:clrMapOvr>
     <a:masterClrMapping/>
   </p:clrMapOvr>
+  <p:timing>
+    <p:tnLst>
+      <p:par>
+        <p:cTn id="1" dur="indefinite" restart="never" nodeType="tmRoot"/>
+      </p:par>
+    </p:tnLst>
+  </p:timing>
 </p:sld>
 </file>
 
@@ -5940,7 +11541,7 @@
       </p:grpSpPr>
       <p:sp>
         <p:nvSpPr>
-          <p:cNvPr id="12290" name="Título 1"/>
+          <p:cNvPr id="2" name="Título 1"/>
           <p:cNvSpPr>
             <a:spLocks noGrp="1"/>
           </p:cNvSpPr>
@@ -5953,30 +11554,132 @@
           <a:bodyPr/>
           <a:lstStyle/>
           <a:p>
-            <a:pPr eaLnBrk="1" hangingPunct="1"/>
-            <a:r>
+            <a:r>
+              <a:rPr lang="pt-BR" dirty="0" smtClean="0"/>
+              <a:t>Introdução</a:t>
+            </a:r>
+            <a:endParaRPr lang="pt-BR" dirty="0"/>
+          </a:p>
+        </p:txBody>
+      </p:sp>
+      <p:sp>
+        <p:nvSpPr>
+          <p:cNvPr id="3" name="Espaço Reservado para Conteúdo 2"/>
+          <p:cNvSpPr>
+            <a:spLocks noGrp="1"/>
+          </p:cNvSpPr>
+          <p:nvPr>
+            <p:ph idx="1"/>
+          </p:nvPr>
+        </p:nvSpPr>
+        <p:spPr/>
+        <p:txBody>
+          <a:bodyPr/>
+          <a:lstStyle/>
+          <a:p>
+            <a:pPr>
+              <a:spcBef>
+                <a:spcPts val="2400"/>
+              </a:spcBef>
+            </a:pPr>
+            <a:r>
+              <a:rPr lang="pt-BR" sz="2800" dirty="0" smtClean="0"/>
+              <a:t>Tipos de </a:t>
+            </a:r>
+            <a:r>
+              <a:rPr lang="pt-BR" sz="2800" dirty="0" err="1" smtClean="0"/>
+              <a:t>driver</a:t>
+            </a:r>
+            <a:endParaRPr lang="pt-BR" sz="2800" dirty="0" smtClean="0"/>
+          </a:p>
+          <a:p>
+            <a:pPr lvl="1">
+              <a:spcBef>
+                <a:spcPts val="2400"/>
+              </a:spcBef>
+            </a:pPr>
+            <a:r>
+              <a:rPr lang="pt-BR" sz="2400" u="sng" dirty="0" smtClean="0"/>
+              <a:t>Tipo </a:t>
+            </a:r>
+            <a:r>
+              <a:rPr lang="pt-BR" sz="2400" u="sng" dirty="0" smtClean="0"/>
+              <a:t>1</a:t>
+            </a:r>
+          </a:p>
+          <a:p>
+            <a:pPr lvl="1" indent="-1588">
+              <a:spcBef>
+                <a:spcPts val="2400"/>
+              </a:spcBef>
+              <a:buNone/>
+            </a:pPr>
+            <a:r>
+              <a:rPr lang="pt-BR" sz="2400" dirty="0" err="1" smtClean="0"/>
+              <a:t>Driver</a:t>
+            </a:r>
+            <a:r>
+              <a:rPr lang="pt-BR" sz="2400" dirty="0" smtClean="0"/>
+              <a:t> JDBC que usa a ponte </a:t>
+            </a:r>
+            <a:r>
+              <a:rPr lang="pt-BR" sz="2400" dirty="0" smtClean="0"/>
+              <a:t>de comunicação ODBC-JDBC para acessar a base pelo antigo padrão ODBC criado pela Microsoft</a:t>
+            </a:r>
+            <a:r>
+              <a:rPr lang="pt-BR" sz="2400" dirty="0" smtClean="0"/>
+              <a:t>.</a:t>
+            </a:r>
+          </a:p>
+          <a:p>
+            <a:pPr lvl="1" indent="-1588">
+              <a:spcBef>
+                <a:spcPts val="2400"/>
+              </a:spcBef>
+              <a:buNone/>
+            </a:pPr>
+            <a:r>
+              <a:rPr lang="pt-BR" sz="2400" dirty="0" smtClean="0"/>
+              <a:t>O ODBC trata-se de um antigo padrão de acessibilidade desenvolvido pela Microsoft que ainda pode ser utilizado no acesso a fontes de dados legadas tais como Fox Pro, </a:t>
+            </a:r>
+            <a:r>
+              <a:rPr lang="pt-BR" sz="2400" dirty="0" err="1" smtClean="0"/>
+              <a:t>DBase</a:t>
+            </a:r>
+            <a:r>
+              <a:rPr lang="pt-BR" sz="2400" dirty="0" smtClean="0"/>
+              <a:t>, Clipper, Access, etc.</a:t>
+            </a:r>
+            <a:endParaRPr lang="pt-BR" sz="2400" dirty="0" smtClean="0"/>
+          </a:p>
+        </p:txBody>
+      </p:sp>
+      <p:sp>
+        <p:nvSpPr>
+          <p:cNvPr id="4" name="Espaço Reservado para Número de Slide 3"/>
+          <p:cNvSpPr>
+            <a:spLocks noGrp="1"/>
+          </p:cNvSpPr>
+          <p:nvPr>
+            <p:ph type="sldNum" sz="quarter" idx="12"/>
+          </p:nvPr>
+        </p:nvSpPr>
+        <p:spPr/>
+        <p:txBody>
+          <a:bodyPr/>
+          <a:lstStyle/>
+          <a:p>
+            <a:pPr>
+              <a:defRPr/>
+            </a:pPr>
+            <a:fld id="{EF19A0F5-F849-4C78-8624-C3A50979DE44}" type="slidenum">
               <a:rPr lang="pt-BR" smtClean="0"/>
-              <a:t>Classe DriverManager</a:t>
-            </a:r>
-          </a:p>
-        </p:txBody>
-      </p:sp>
-      <p:sp>
-        <p:nvSpPr>
-          <p:cNvPr id="12291" name="Espaço Reservado para Conteúdo 2"/>
-          <p:cNvSpPr>
-            <a:spLocks noGrp="1"/>
-          </p:cNvSpPr>
-          <p:nvPr>
-            <p:ph idx="1"/>
-          </p:nvPr>
-        </p:nvSpPr>
-        <p:spPr/>
-        <p:txBody>
-          <a:bodyPr/>
-          <a:lstStyle/>
-          <a:p>
-            <a:endParaRPr lang="pt-BR" smtClean="0"/>
+              <a:pPr>
+                <a:defRPr/>
+              </a:pPr>
+              <a:t>6</a:t>
+            </a:fld>
+            <a:endParaRPr lang="pt-BR"/>
           </a:p>
         </p:txBody>
       </p:sp>
@@ -5985,6 +11688,13 @@
   <p:clrMapOvr>
     <a:masterClrMapping/>
   </p:clrMapOvr>
+  <p:timing>
+    <p:tnLst>
+      <p:par>
+        <p:cTn id="1" dur="indefinite" restart="never" nodeType="tmRoot"/>
+      </p:par>
+    </p:tnLst>
+  </p:timing>
 </p:sld>
 </file>
 
@@ -6007,7 +11717,7 @@
       </p:grpSpPr>
       <p:sp>
         <p:nvSpPr>
-          <p:cNvPr id="13314" name="Título 1"/>
+          <p:cNvPr id="2" name="Título 1"/>
           <p:cNvSpPr>
             <a:spLocks noGrp="1"/>
           </p:cNvSpPr>
@@ -6020,30 +11730,132 @@
           <a:bodyPr/>
           <a:lstStyle/>
           <a:p>
-            <a:pPr eaLnBrk="1" hangingPunct="1"/>
-            <a:r>
+            <a:r>
+              <a:rPr lang="pt-BR" dirty="0" smtClean="0"/>
+              <a:t>Introdução</a:t>
+            </a:r>
+            <a:endParaRPr lang="pt-BR" dirty="0"/>
+          </a:p>
+        </p:txBody>
+      </p:sp>
+      <p:sp>
+        <p:nvSpPr>
+          <p:cNvPr id="3" name="Espaço Reservado para Conteúdo 2"/>
+          <p:cNvSpPr>
+            <a:spLocks noGrp="1"/>
+          </p:cNvSpPr>
+          <p:nvPr>
+            <p:ph idx="1"/>
+          </p:nvPr>
+        </p:nvSpPr>
+        <p:spPr/>
+        <p:txBody>
+          <a:bodyPr/>
+          <a:lstStyle/>
+          <a:p>
+            <a:r>
+              <a:rPr lang="pt-BR" sz="2800" dirty="0" smtClean="0"/>
+              <a:t>Tipos de </a:t>
+            </a:r>
+            <a:r>
+              <a:rPr lang="pt-BR" sz="2800" dirty="0" err="1" smtClean="0"/>
+              <a:t>driver</a:t>
+            </a:r>
+            <a:endParaRPr lang="pt-BR" sz="2800" dirty="0" smtClean="0"/>
+          </a:p>
+          <a:p>
+            <a:pPr lvl="1">
+              <a:spcBef>
+                <a:spcPts val="2400"/>
+              </a:spcBef>
+            </a:pPr>
+            <a:r>
+              <a:rPr lang="pt-BR" sz="2400" u="sng" dirty="0" smtClean="0"/>
+              <a:t>Tipo 2</a:t>
+            </a:r>
+            <a:endParaRPr lang="pt-BR" sz="2400" u="sng" dirty="0" smtClean="0"/>
+          </a:p>
+          <a:p>
+            <a:pPr lvl="1" indent="-1588">
+              <a:spcBef>
+                <a:spcPts val="2400"/>
+              </a:spcBef>
+              <a:buNone/>
+            </a:pPr>
+            <a:r>
+              <a:rPr lang="pt-BR" sz="2400" dirty="0" smtClean="0"/>
+              <a:t>Um </a:t>
+            </a:r>
+            <a:r>
+              <a:rPr lang="pt-BR" sz="2400" dirty="0" err="1" smtClean="0"/>
+              <a:t>driver</a:t>
+            </a:r>
+            <a:r>
+              <a:rPr lang="pt-BR" sz="2400" dirty="0" smtClean="0"/>
+              <a:t> se enquadra no tipo 2 quando necessita de algum software complementar instalado na estação de trabalho (máquina cliente) para acessar a base de dados.</a:t>
+            </a:r>
+          </a:p>
+          <a:p>
+            <a:pPr lvl="1" indent="-1588">
+              <a:spcBef>
+                <a:spcPts val="2400"/>
+              </a:spcBef>
+              <a:buNone/>
+            </a:pPr>
+            <a:r>
+              <a:rPr lang="pt-BR" sz="2400" dirty="0" smtClean="0"/>
+              <a:t>Utilizam </a:t>
+            </a:r>
+            <a:r>
+              <a:rPr lang="pt-BR" sz="2400" dirty="0" err="1" smtClean="0"/>
+              <a:t>API’s</a:t>
+            </a:r>
+            <a:r>
+              <a:rPr lang="pt-BR" sz="2400" dirty="0" smtClean="0"/>
+              <a:t> </a:t>
+            </a:r>
+            <a:r>
+              <a:rPr lang="pt-BR" sz="2400" dirty="0" smtClean="0"/>
+              <a:t>auxiliares e requerem </a:t>
+            </a:r>
+            <a:r>
+              <a:rPr lang="pt-BR" sz="2400" dirty="0" smtClean="0"/>
+              <a:t>a instalação de algum componente adicional nativo ao </a:t>
+            </a:r>
+            <a:r>
+              <a:rPr lang="pt-BR" sz="2400" dirty="0" smtClean="0"/>
+              <a:t>Sistema Operacional.</a:t>
+            </a:r>
+            <a:endParaRPr lang="pt-BR" sz="2400" dirty="0" smtClean="0"/>
+          </a:p>
+        </p:txBody>
+      </p:sp>
+      <p:sp>
+        <p:nvSpPr>
+          <p:cNvPr id="4" name="Espaço Reservado para Número de Slide 3"/>
+          <p:cNvSpPr>
+            <a:spLocks noGrp="1"/>
+          </p:cNvSpPr>
+          <p:nvPr>
+            <p:ph type="sldNum" sz="quarter" idx="12"/>
+          </p:nvPr>
+        </p:nvSpPr>
+        <p:spPr/>
+        <p:txBody>
+          <a:bodyPr/>
+          <a:lstStyle/>
+          <a:p>
+            <a:pPr>
+              <a:defRPr/>
+            </a:pPr>
+            <a:fld id="{EF19A0F5-F849-4C78-8624-C3A50979DE44}" type="slidenum">
               <a:rPr lang="pt-BR" smtClean="0"/>
-              <a:t>Executando uma conexão</a:t>
-            </a:r>
-          </a:p>
-        </p:txBody>
-      </p:sp>
-      <p:sp>
-        <p:nvSpPr>
-          <p:cNvPr id="13315" name="Espaço Reservado para Conteúdo 2"/>
-          <p:cNvSpPr>
-            <a:spLocks noGrp="1"/>
-          </p:cNvSpPr>
-          <p:nvPr>
-            <p:ph idx="1"/>
-          </p:nvPr>
-        </p:nvSpPr>
-        <p:spPr/>
-        <p:txBody>
-          <a:bodyPr/>
-          <a:lstStyle/>
-          <a:p>
-            <a:endParaRPr lang="pt-BR" smtClean="0"/>
+              <a:pPr>
+                <a:defRPr/>
+              </a:pPr>
+              <a:t>7</a:t>
+            </a:fld>
+            <a:endParaRPr lang="pt-BR"/>
           </a:p>
         </p:txBody>
       </p:sp>
@@ -6052,6 +11864,13 @@
   <p:clrMapOvr>
     <a:masterClrMapping/>
   </p:clrMapOvr>
+  <p:timing>
+    <p:tnLst>
+      <p:par>
+        <p:cTn id="1" dur="indefinite" restart="never" nodeType="tmRoot"/>
+      </p:par>
+    </p:tnLst>
+  </p:timing>
 </p:sld>
 </file>
 
@@ -6074,7 +11893,7 @@
       </p:grpSpPr>
       <p:sp>
         <p:nvSpPr>
-          <p:cNvPr id="14338" name="Título 1"/>
+          <p:cNvPr id="2" name="Título 1"/>
           <p:cNvSpPr>
             <a:spLocks noGrp="1"/>
           </p:cNvSpPr>
@@ -6087,30 +11906,163 @@
           <a:bodyPr/>
           <a:lstStyle/>
           <a:p>
-            <a:pPr eaLnBrk="1" hangingPunct="1"/>
-            <a:r>
+            <a:r>
+              <a:rPr lang="pt-BR" dirty="0" smtClean="0"/>
+              <a:t>Introdução</a:t>
+            </a:r>
+            <a:endParaRPr lang="pt-BR" dirty="0"/>
+          </a:p>
+        </p:txBody>
+      </p:sp>
+      <p:sp>
+        <p:nvSpPr>
+          <p:cNvPr id="3" name="Espaço Reservado para Conteúdo 2"/>
+          <p:cNvSpPr>
+            <a:spLocks noGrp="1"/>
+          </p:cNvSpPr>
+          <p:nvPr>
+            <p:ph idx="1"/>
+          </p:nvPr>
+        </p:nvSpPr>
+        <p:spPr/>
+        <p:txBody>
+          <a:bodyPr/>
+          <a:lstStyle/>
+          <a:p>
+            <a:r>
+              <a:rPr lang="pt-BR" sz="2800" dirty="0" smtClean="0"/>
+              <a:t>Tipos de </a:t>
+            </a:r>
+            <a:r>
+              <a:rPr lang="pt-BR" sz="2800" dirty="0" err="1" smtClean="0"/>
+              <a:t>driver</a:t>
+            </a:r>
+            <a:endParaRPr lang="pt-BR" sz="2800" dirty="0" smtClean="0"/>
+          </a:p>
+          <a:p>
+            <a:pPr lvl="1">
+              <a:spcBef>
+                <a:spcPts val="2400"/>
+              </a:spcBef>
+            </a:pPr>
+            <a:r>
+              <a:rPr lang="pt-BR" sz="2400" u="sng" dirty="0" smtClean="0"/>
+              <a:t>Tipo 3</a:t>
+            </a:r>
+          </a:p>
+          <a:p>
+            <a:pPr lvl="1" indent="-1588">
+              <a:spcBef>
+                <a:spcPts val="2400"/>
+              </a:spcBef>
+              <a:buNone/>
+            </a:pPr>
+            <a:r>
+              <a:rPr lang="pt-BR" sz="2400" dirty="0" smtClean="0"/>
+              <a:t>Tipo de </a:t>
+            </a:r>
+            <a:r>
+              <a:rPr lang="pt-BR" sz="2400" dirty="0" err="1" smtClean="0"/>
+              <a:t>driver</a:t>
+            </a:r>
+            <a:r>
+              <a:rPr lang="pt-BR" sz="2400" dirty="0" smtClean="0"/>
+              <a:t> que necessita de </a:t>
+            </a:r>
+            <a:r>
+              <a:rPr lang="pt-BR" sz="2400" dirty="0" smtClean="0"/>
+              <a:t>uma API de rede via </a:t>
+            </a:r>
+            <a:r>
+              <a:rPr lang="pt-BR" sz="2400" dirty="0" err="1" smtClean="0"/>
+              <a:t>middleware</a:t>
+            </a:r>
+            <a:r>
+              <a:rPr lang="pt-BR" sz="2400" dirty="0" smtClean="0"/>
+              <a:t> </a:t>
+            </a:r>
+            <a:r>
+              <a:rPr lang="pt-BR" sz="2400" dirty="0" smtClean="0"/>
+              <a:t>geralmente instalado no próprio servidor de dados para traduzir </a:t>
+            </a:r>
+            <a:r>
+              <a:rPr lang="pt-BR" sz="2400" dirty="0" smtClean="0"/>
+              <a:t>requisições para </a:t>
+            </a:r>
+            <a:r>
+              <a:rPr lang="pt-BR" sz="2400" dirty="0" smtClean="0"/>
+              <a:t>o </a:t>
+            </a:r>
+            <a:r>
+              <a:rPr lang="pt-BR" sz="2400" dirty="0" err="1" smtClean="0"/>
+              <a:t>driver</a:t>
+            </a:r>
+            <a:r>
+              <a:rPr lang="pt-BR" sz="2400" dirty="0" smtClean="0"/>
+              <a:t> </a:t>
+            </a:r>
+            <a:r>
+              <a:rPr lang="pt-BR" sz="2400" dirty="0" smtClean="0"/>
+              <a:t>desejado.</a:t>
+            </a:r>
+          </a:p>
+          <a:p>
+            <a:pPr lvl="1" indent="-1588">
+              <a:spcBef>
+                <a:spcPts val="2400"/>
+              </a:spcBef>
+              <a:buNone/>
+            </a:pPr>
+            <a:r>
+              <a:rPr lang="pt-BR" sz="2400" dirty="0" smtClean="0"/>
+              <a:t>Não </a:t>
+            </a:r>
+            <a:r>
+              <a:rPr lang="pt-BR" sz="2400" dirty="0" smtClean="0"/>
+              <a:t>requer </a:t>
+            </a:r>
+            <a:r>
+              <a:rPr lang="pt-BR" sz="2400" dirty="0" smtClean="0"/>
+              <a:t>nenhum software adicional no cliente além do </a:t>
+            </a:r>
+            <a:r>
+              <a:rPr lang="pt-BR" sz="2400" dirty="0" err="1" smtClean="0"/>
+              <a:t>driver</a:t>
+            </a:r>
+            <a:r>
+              <a:rPr lang="pt-BR" sz="2400" dirty="0" smtClean="0"/>
+              <a:t> JDBC.</a:t>
+            </a:r>
+            <a:endParaRPr lang="pt-BR" sz="2400" dirty="0" smtClean="0"/>
+          </a:p>
+        </p:txBody>
+      </p:sp>
+      <p:sp>
+        <p:nvSpPr>
+          <p:cNvPr id="4" name="Espaço Reservado para Número de Slide 3"/>
+          <p:cNvSpPr>
+            <a:spLocks noGrp="1"/>
+          </p:cNvSpPr>
+          <p:nvPr>
+            <p:ph type="sldNum" sz="quarter" idx="12"/>
+          </p:nvPr>
+        </p:nvSpPr>
+        <p:spPr/>
+        <p:txBody>
+          <a:bodyPr/>
+          <a:lstStyle/>
+          <a:p>
+            <a:pPr>
+              <a:defRPr/>
+            </a:pPr>
+            <a:fld id="{EF19A0F5-F849-4C78-8624-C3A50979DE44}" type="slidenum">
               <a:rPr lang="pt-BR" smtClean="0"/>
-              <a:t>Método Close</a:t>
-            </a:r>
-          </a:p>
-        </p:txBody>
-      </p:sp>
-      <p:sp>
-        <p:nvSpPr>
-          <p:cNvPr id="14339" name="Espaço Reservado para Conteúdo 2"/>
-          <p:cNvSpPr>
-            <a:spLocks noGrp="1"/>
-          </p:cNvSpPr>
-          <p:nvPr>
-            <p:ph idx="1"/>
-          </p:nvPr>
-        </p:nvSpPr>
-        <p:spPr/>
-        <p:txBody>
-          <a:bodyPr/>
-          <a:lstStyle/>
-          <a:p>
-            <a:endParaRPr lang="pt-BR" smtClean="0"/>
+              <a:pPr>
+                <a:defRPr/>
+              </a:pPr>
+              <a:t>8</a:t>
+            </a:fld>
+            <a:endParaRPr lang="pt-BR"/>
           </a:p>
         </p:txBody>
       </p:sp>
@@ -6119,6 +12071,13 @@
   <p:clrMapOvr>
     <a:masterClrMapping/>
   </p:clrMapOvr>
+  <p:timing>
+    <p:tnLst>
+      <p:par>
+        <p:cTn id="1" dur="indefinite" restart="never" nodeType="tmRoot"/>
+      </p:par>
+    </p:tnLst>
+  </p:timing>
 </p:sld>
 </file>
 
@@ -6141,7 +12100,7 @@
       </p:grpSpPr>
       <p:sp>
         <p:nvSpPr>
-          <p:cNvPr id="15362" name="Título 1"/>
+          <p:cNvPr id="2" name="Título 1"/>
           <p:cNvSpPr>
             <a:spLocks noGrp="1"/>
           </p:cNvSpPr>
@@ -6154,30 +12113,185 @@
           <a:bodyPr/>
           <a:lstStyle/>
           <a:p>
-            <a:pPr eaLnBrk="1" hangingPunct="1"/>
-            <a:r>
+            <a:r>
+              <a:rPr lang="pt-BR" dirty="0" smtClean="0"/>
+              <a:t>Introdução</a:t>
+            </a:r>
+            <a:endParaRPr lang="pt-BR" dirty="0"/>
+          </a:p>
+        </p:txBody>
+      </p:sp>
+      <p:sp>
+        <p:nvSpPr>
+          <p:cNvPr id="3" name="Espaço Reservado para Conteúdo 2"/>
+          <p:cNvSpPr>
+            <a:spLocks noGrp="1"/>
+          </p:cNvSpPr>
+          <p:nvPr>
+            <p:ph idx="1"/>
+          </p:nvPr>
+        </p:nvSpPr>
+        <p:spPr>
+          <a:xfrm>
+            <a:off x="457200" y="1600200"/>
+            <a:ext cx="8003232" cy="4525963"/>
+          </a:xfrm>
+        </p:spPr>
+        <p:txBody>
+          <a:bodyPr/>
+          <a:lstStyle/>
+          <a:p>
+            <a:r>
+              <a:rPr lang="pt-BR" sz="2800" dirty="0" smtClean="0"/>
+              <a:t>Tipos de </a:t>
+            </a:r>
+            <a:r>
+              <a:rPr lang="pt-BR" sz="2800" dirty="0" err="1" smtClean="0"/>
+              <a:t>driver</a:t>
+            </a:r>
+            <a:endParaRPr lang="pt-BR" sz="2800" dirty="0" smtClean="0"/>
+          </a:p>
+          <a:p>
+            <a:pPr lvl="1">
+              <a:spcBef>
+                <a:spcPts val="2400"/>
+              </a:spcBef>
+            </a:pPr>
+            <a:r>
+              <a:rPr lang="pt-BR" sz="2400" u="sng" dirty="0" smtClean="0"/>
+              <a:t>Tipo 4</a:t>
+            </a:r>
+          </a:p>
+          <a:p>
+            <a:pPr lvl="1" indent="-1588">
+              <a:spcBef>
+                <a:spcPts val="2400"/>
+              </a:spcBef>
+              <a:buNone/>
+            </a:pPr>
+            <a:r>
+              <a:rPr lang="pt-BR" sz="2400" dirty="0" err="1" smtClean="0"/>
+              <a:t>Driver</a:t>
+            </a:r>
+            <a:r>
+              <a:rPr lang="pt-BR" sz="2400" dirty="0" smtClean="0"/>
+              <a:t> </a:t>
+            </a:r>
+            <a:r>
+              <a:rPr lang="pt-BR" sz="2400" dirty="0" smtClean="0"/>
+              <a:t>que se </a:t>
+            </a:r>
+            <a:r>
+              <a:rPr lang="pt-BR" sz="2400" dirty="0" smtClean="0"/>
+              <a:t>comunica </a:t>
+            </a:r>
+            <a:r>
+              <a:rPr lang="pt-BR" sz="2400" dirty="0" smtClean="0"/>
+              <a:t>diretamente com o banco de dados usando </a:t>
+            </a:r>
+            <a:r>
+              <a:rPr lang="pt-BR" sz="2400" dirty="0" smtClean="0"/>
+              <a:t>puramente soquetes </a:t>
+            </a:r>
+            <a:r>
+              <a:rPr lang="pt-BR" sz="2400" dirty="0" smtClean="0"/>
+              <a:t>de </a:t>
+            </a:r>
+            <a:r>
+              <a:rPr lang="pt-BR" sz="2400" dirty="0" smtClean="0"/>
+              <a:t>rede.</a:t>
+            </a:r>
+          </a:p>
+          <a:p>
+            <a:pPr lvl="1" indent="-1588">
+              <a:spcBef>
+                <a:spcPts val="2400"/>
+              </a:spcBef>
+              <a:buNone/>
+            </a:pPr>
+            <a:r>
+              <a:rPr lang="pt-BR" sz="2400" dirty="0" smtClean="0"/>
+              <a:t>É desenvolvido pelo fabricante totalmente em Java.</a:t>
+            </a:r>
+          </a:p>
+          <a:p>
+            <a:pPr lvl="1" indent="-1588">
+              <a:spcBef>
+                <a:spcPts val="2400"/>
+              </a:spcBef>
+              <a:buNone/>
+            </a:pPr>
+            <a:r>
+              <a:rPr lang="pt-BR" sz="2400" dirty="0" smtClean="0"/>
+              <a:t>Não </a:t>
+            </a:r>
+            <a:r>
+              <a:rPr lang="pt-BR" sz="2400" dirty="0" smtClean="0"/>
+              <a:t>requer </a:t>
+            </a:r>
+            <a:r>
+              <a:rPr lang="pt-BR" sz="2400" dirty="0" smtClean="0"/>
+              <a:t>código </a:t>
+            </a:r>
+            <a:r>
+              <a:rPr lang="pt-BR" sz="2400" dirty="0" smtClean="0"/>
+              <a:t>adicional do lado do </a:t>
+            </a:r>
+            <a:r>
+              <a:rPr lang="pt-BR" sz="2400" dirty="0" smtClean="0"/>
+              <a:t>cliente nem no servidor. É simples </a:t>
+            </a:r>
+            <a:r>
+              <a:rPr lang="pt-BR" sz="2400" dirty="0" smtClean="0"/>
+              <a:t>de </a:t>
+            </a:r>
+            <a:r>
+              <a:rPr lang="pt-BR" sz="2400" dirty="0" smtClean="0"/>
+              <a:t>usar e possui </a:t>
+            </a:r>
+            <a:r>
+              <a:rPr lang="pt-BR" sz="2400" dirty="0" smtClean="0"/>
+              <a:t>melhor performance que os demais tipos.</a:t>
+            </a:r>
+            <a:endParaRPr lang="pt-BR" sz="2400" dirty="0" smtClean="0"/>
+          </a:p>
+          <a:p>
+            <a:pPr lvl="1" indent="-1588">
+              <a:spcBef>
+                <a:spcPts val="2400"/>
+              </a:spcBef>
+              <a:buNone/>
+            </a:pPr>
+            <a:endParaRPr lang="pt-BR" sz="2400" dirty="0" smtClean="0"/>
+          </a:p>
+        </p:txBody>
+      </p:sp>
+      <p:sp>
+        <p:nvSpPr>
+          <p:cNvPr id="4" name="Espaço Reservado para Número de Slide 3"/>
+          <p:cNvSpPr>
+            <a:spLocks noGrp="1"/>
+          </p:cNvSpPr>
+          <p:nvPr>
+            <p:ph type="sldNum" sz="quarter" idx="12"/>
+          </p:nvPr>
+        </p:nvSpPr>
+        <p:spPr/>
+        <p:txBody>
+          <a:bodyPr/>
+          <a:lstStyle/>
+          <a:p>
+            <a:pPr>
+              <a:defRPr/>
+            </a:pPr>
+            <a:fld id="{EF19A0F5-F849-4C78-8624-C3A50979DE44}" type="slidenum">
               <a:rPr lang="pt-BR" smtClean="0"/>
-              <a:t>Operações básicas com comandos SQL</a:t>
-            </a:r>
-          </a:p>
-        </p:txBody>
-      </p:sp>
-      <p:sp>
-        <p:nvSpPr>
-          <p:cNvPr id="15363" name="Espaço Reservado para Conteúdo 2"/>
-          <p:cNvSpPr>
-            <a:spLocks noGrp="1"/>
-          </p:cNvSpPr>
-          <p:nvPr>
-            <p:ph idx="1"/>
-          </p:nvPr>
-        </p:nvSpPr>
-        <p:spPr/>
-        <p:txBody>
-          <a:bodyPr/>
-          <a:lstStyle/>
-          <a:p>
-            <a:endParaRPr lang="pt-BR" smtClean="0"/>
+              <a:pPr>
+                <a:defRPr/>
+              </a:pPr>
+              <a:t>9</a:t>
+            </a:fld>
+            <a:endParaRPr lang="pt-BR"/>
           </a:p>
         </p:txBody>
       </p:sp>
@@ -6186,6 +12300,13 @@
   <p:clrMapOvr>
     <a:masterClrMapping/>
   </p:clrMapOvr>
+  <p:timing>
+    <p:tnLst>
+      <p:par>
+        <p:cTn id="1" dur="indefinite" restart="never" nodeType="tmRoot"/>
+      </p:par>
+    </p:tnLst>
+  </p:timing>
 </p:sld>
 </file>
 

--- a/trunk/2-Java-Programmer-Modulo-II/19.Capitulo11.pptx
+++ b/trunk/2-Java-Programmer-Modulo-II/19.Capitulo11.pptx
@@ -5,7 +5,7 @@
     <p:sldMasterId id="2147483660" r:id="rId1"/>
   </p:sldMasterIdLst>
   <p:notesMasterIdLst>
-    <p:notesMasterId r:id="rId22"/>
+    <p:notesMasterId r:id="rId28"/>
   </p:notesMasterIdLst>
   <p:sldIdLst>
     <p:sldId id="256" r:id="rId2"/>
@@ -21,13 +21,19 @@
     <p:sldId id="306" r:id="rId12"/>
     <p:sldId id="324" r:id="rId13"/>
     <p:sldId id="307" r:id="rId14"/>
-    <p:sldId id="308" r:id="rId15"/>
-    <p:sldId id="309" r:id="rId16"/>
-    <p:sldId id="310" r:id="rId17"/>
-    <p:sldId id="311" r:id="rId18"/>
-    <p:sldId id="312" r:id="rId19"/>
-    <p:sldId id="313" r:id="rId20"/>
-    <p:sldId id="314" r:id="rId21"/>
+    <p:sldId id="326" r:id="rId15"/>
+    <p:sldId id="328" r:id="rId16"/>
+    <p:sldId id="329" r:id="rId17"/>
+    <p:sldId id="327" r:id="rId18"/>
+    <p:sldId id="308" r:id="rId19"/>
+    <p:sldId id="330" r:id="rId20"/>
+    <p:sldId id="331" r:id="rId21"/>
+    <p:sldId id="309" r:id="rId22"/>
+    <p:sldId id="310" r:id="rId23"/>
+    <p:sldId id="311" r:id="rId24"/>
+    <p:sldId id="312" r:id="rId25"/>
+    <p:sldId id="313" r:id="rId26"/>
+    <p:sldId id="314" r:id="rId27"/>
   </p:sldIdLst>
   <p:sldSz cx="9144000" cy="6858000" type="screen4x3"/>
   <p:notesSz cx="6858000" cy="9144000"/>
@@ -268,7 +274,7 @@
               <a:pPr>
                 <a:defRPr/>
               </a:pPr>
-              <a:t>04/06/2012</a:t>
+              <a:t>05/06/2012</a:t>
             </a:fld>
             <a:endParaRPr lang="pt-BR"/>
           </a:p>
@@ -1776,6 +1782,528 @@
 </p:notes>
 </file>
 
+<file path=ppt/notesSlides/notesSlide21.xml><?xml version="1.0" encoding="utf-8"?>
+<p:notes xmlns:a="http://schemas.openxmlformats.org/drawingml/2006/main" xmlns:r="http://schemas.openxmlformats.org/officeDocument/2006/relationships" xmlns:p="http://schemas.openxmlformats.org/presentationml/2006/main">
+  <p:cSld>
+    <p:spTree>
+      <p:nvGrpSpPr>
+        <p:cNvPr id="1" name=""/>
+        <p:cNvGrpSpPr/>
+        <p:nvPr/>
+      </p:nvGrpSpPr>
+      <p:grpSpPr>
+        <a:xfrm>
+          <a:off x="0" y="0"/>
+          <a:ext cx="0" cy="0"/>
+          <a:chOff x="0" y="0"/>
+          <a:chExt cx="0" cy="0"/>
+        </a:xfrm>
+      </p:grpSpPr>
+      <p:sp>
+        <p:nvSpPr>
+          <p:cNvPr id="2" name="Espaço Reservado para Imagem de Slide 1"/>
+          <p:cNvSpPr>
+            <a:spLocks noGrp="1" noRot="1" noChangeAspect="1"/>
+          </p:cNvSpPr>
+          <p:nvPr>
+            <p:ph type="sldImg"/>
+          </p:nvPr>
+        </p:nvSpPr>
+        <p:spPr/>
+      </p:sp>
+      <p:sp>
+        <p:nvSpPr>
+          <p:cNvPr id="3" name="Espaço Reservado para Anotações 2"/>
+          <p:cNvSpPr>
+            <a:spLocks noGrp="1"/>
+          </p:cNvSpPr>
+          <p:nvPr>
+            <p:ph type="body" idx="1"/>
+          </p:nvPr>
+        </p:nvSpPr>
+        <p:spPr/>
+        <p:txBody>
+          <a:bodyPr>
+            <a:normAutofit/>
+          </a:bodyPr>
+          <a:lstStyle/>
+          <a:p>
+            <a:endParaRPr lang="pt-BR"/>
+          </a:p>
+        </p:txBody>
+      </p:sp>
+      <p:sp>
+        <p:nvSpPr>
+          <p:cNvPr id="4" name="Espaço Reservado para Número de Slide 3"/>
+          <p:cNvSpPr>
+            <a:spLocks noGrp="1"/>
+          </p:cNvSpPr>
+          <p:nvPr>
+            <p:ph type="sldNum" sz="quarter" idx="10"/>
+          </p:nvPr>
+        </p:nvSpPr>
+        <p:spPr/>
+        <p:txBody>
+          <a:bodyPr/>
+          <a:lstStyle/>
+          <a:p>
+            <a:pPr>
+              <a:defRPr/>
+            </a:pPr>
+            <a:fld id="{8E95BD27-5466-443F-B42B-02049F05E6C9}" type="slidenum">
+              <a:rPr lang="pt-BR" smtClean="0"/>
+              <a:pPr>
+                <a:defRPr/>
+              </a:pPr>
+              <a:t>21</a:t>
+            </a:fld>
+            <a:endParaRPr lang="pt-BR"/>
+          </a:p>
+        </p:txBody>
+      </p:sp>
+    </p:spTree>
+  </p:cSld>
+  <p:clrMapOvr>
+    <a:masterClrMapping/>
+  </p:clrMapOvr>
+</p:notes>
+</file>
+
+<file path=ppt/notesSlides/notesSlide22.xml><?xml version="1.0" encoding="utf-8"?>
+<p:notes xmlns:a="http://schemas.openxmlformats.org/drawingml/2006/main" xmlns:r="http://schemas.openxmlformats.org/officeDocument/2006/relationships" xmlns:p="http://schemas.openxmlformats.org/presentationml/2006/main">
+  <p:cSld>
+    <p:spTree>
+      <p:nvGrpSpPr>
+        <p:cNvPr id="1" name=""/>
+        <p:cNvGrpSpPr/>
+        <p:nvPr/>
+      </p:nvGrpSpPr>
+      <p:grpSpPr>
+        <a:xfrm>
+          <a:off x="0" y="0"/>
+          <a:ext cx="0" cy="0"/>
+          <a:chOff x="0" y="0"/>
+          <a:chExt cx="0" cy="0"/>
+        </a:xfrm>
+      </p:grpSpPr>
+      <p:sp>
+        <p:nvSpPr>
+          <p:cNvPr id="2" name="Espaço Reservado para Imagem de Slide 1"/>
+          <p:cNvSpPr>
+            <a:spLocks noGrp="1" noRot="1" noChangeAspect="1"/>
+          </p:cNvSpPr>
+          <p:nvPr>
+            <p:ph type="sldImg"/>
+          </p:nvPr>
+        </p:nvSpPr>
+        <p:spPr/>
+      </p:sp>
+      <p:sp>
+        <p:nvSpPr>
+          <p:cNvPr id="3" name="Espaço Reservado para Anotações 2"/>
+          <p:cNvSpPr>
+            <a:spLocks noGrp="1"/>
+          </p:cNvSpPr>
+          <p:nvPr>
+            <p:ph type="body" idx="1"/>
+          </p:nvPr>
+        </p:nvSpPr>
+        <p:spPr/>
+        <p:txBody>
+          <a:bodyPr>
+            <a:normAutofit/>
+          </a:bodyPr>
+          <a:lstStyle/>
+          <a:p>
+            <a:endParaRPr lang="pt-BR"/>
+          </a:p>
+        </p:txBody>
+      </p:sp>
+      <p:sp>
+        <p:nvSpPr>
+          <p:cNvPr id="4" name="Espaço Reservado para Número de Slide 3"/>
+          <p:cNvSpPr>
+            <a:spLocks noGrp="1"/>
+          </p:cNvSpPr>
+          <p:nvPr>
+            <p:ph type="sldNum" sz="quarter" idx="10"/>
+          </p:nvPr>
+        </p:nvSpPr>
+        <p:spPr/>
+        <p:txBody>
+          <a:bodyPr/>
+          <a:lstStyle/>
+          <a:p>
+            <a:pPr>
+              <a:defRPr/>
+            </a:pPr>
+            <a:fld id="{8E95BD27-5466-443F-B42B-02049F05E6C9}" type="slidenum">
+              <a:rPr lang="pt-BR" smtClean="0"/>
+              <a:pPr>
+                <a:defRPr/>
+              </a:pPr>
+              <a:t>22</a:t>
+            </a:fld>
+            <a:endParaRPr lang="pt-BR"/>
+          </a:p>
+        </p:txBody>
+      </p:sp>
+    </p:spTree>
+  </p:cSld>
+  <p:clrMapOvr>
+    <a:masterClrMapping/>
+  </p:clrMapOvr>
+</p:notes>
+</file>
+
+<file path=ppt/notesSlides/notesSlide23.xml><?xml version="1.0" encoding="utf-8"?>
+<p:notes xmlns:a="http://schemas.openxmlformats.org/drawingml/2006/main" xmlns:r="http://schemas.openxmlformats.org/officeDocument/2006/relationships" xmlns:p="http://schemas.openxmlformats.org/presentationml/2006/main">
+  <p:cSld>
+    <p:spTree>
+      <p:nvGrpSpPr>
+        <p:cNvPr id="1" name=""/>
+        <p:cNvGrpSpPr/>
+        <p:nvPr/>
+      </p:nvGrpSpPr>
+      <p:grpSpPr>
+        <a:xfrm>
+          <a:off x="0" y="0"/>
+          <a:ext cx="0" cy="0"/>
+          <a:chOff x="0" y="0"/>
+          <a:chExt cx="0" cy="0"/>
+        </a:xfrm>
+      </p:grpSpPr>
+      <p:sp>
+        <p:nvSpPr>
+          <p:cNvPr id="2" name="Espaço Reservado para Imagem de Slide 1"/>
+          <p:cNvSpPr>
+            <a:spLocks noGrp="1" noRot="1" noChangeAspect="1"/>
+          </p:cNvSpPr>
+          <p:nvPr>
+            <p:ph type="sldImg"/>
+          </p:nvPr>
+        </p:nvSpPr>
+        <p:spPr/>
+      </p:sp>
+      <p:sp>
+        <p:nvSpPr>
+          <p:cNvPr id="3" name="Espaço Reservado para Anotações 2"/>
+          <p:cNvSpPr>
+            <a:spLocks noGrp="1"/>
+          </p:cNvSpPr>
+          <p:nvPr>
+            <p:ph type="body" idx="1"/>
+          </p:nvPr>
+        </p:nvSpPr>
+        <p:spPr/>
+        <p:txBody>
+          <a:bodyPr>
+            <a:normAutofit/>
+          </a:bodyPr>
+          <a:lstStyle/>
+          <a:p>
+            <a:endParaRPr lang="pt-BR"/>
+          </a:p>
+        </p:txBody>
+      </p:sp>
+      <p:sp>
+        <p:nvSpPr>
+          <p:cNvPr id="4" name="Espaço Reservado para Número de Slide 3"/>
+          <p:cNvSpPr>
+            <a:spLocks noGrp="1"/>
+          </p:cNvSpPr>
+          <p:nvPr>
+            <p:ph type="sldNum" sz="quarter" idx="10"/>
+          </p:nvPr>
+        </p:nvSpPr>
+        <p:spPr/>
+        <p:txBody>
+          <a:bodyPr/>
+          <a:lstStyle/>
+          <a:p>
+            <a:pPr>
+              <a:defRPr/>
+            </a:pPr>
+            <a:fld id="{8E95BD27-5466-443F-B42B-02049F05E6C9}" type="slidenum">
+              <a:rPr lang="pt-BR" smtClean="0"/>
+              <a:pPr>
+                <a:defRPr/>
+              </a:pPr>
+              <a:t>23</a:t>
+            </a:fld>
+            <a:endParaRPr lang="pt-BR"/>
+          </a:p>
+        </p:txBody>
+      </p:sp>
+    </p:spTree>
+  </p:cSld>
+  <p:clrMapOvr>
+    <a:masterClrMapping/>
+  </p:clrMapOvr>
+</p:notes>
+</file>
+
+<file path=ppt/notesSlides/notesSlide24.xml><?xml version="1.0" encoding="utf-8"?>
+<p:notes xmlns:a="http://schemas.openxmlformats.org/drawingml/2006/main" xmlns:r="http://schemas.openxmlformats.org/officeDocument/2006/relationships" xmlns:p="http://schemas.openxmlformats.org/presentationml/2006/main">
+  <p:cSld>
+    <p:spTree>
+      <p:nvGrpSpPr>
+        <p:cNvPr id="1" name=""/>
+        <p:cNvGrpSpPr/>
+        <p:nvPr/>
+      </p:nvGrpSpPr>
+      <p:grpSpPr>
+        <a:xfrm>
+          <a:off x="0" y="0"/>
+          <a:ext cx="0" cy="0"/>
+          <a:chOff x="0" y="0"/>
+          <a:chExt cx="0" cy="0"/>
+        </a:xfrm>
+      </p:grpSpPr>
+      <p:sp>
+        <p:nvSpPr>
+          <p:cNvPr id="2" name="Espaço Reservado para Imagem de Slide 1"/>
+          <p:cNvSpPr>
+            <a:spLocks noGrp="1" noRot="1" noChangeAspect="1"/>
+          </p:cNvSpPr>
+          <p:nvPr>
+            <p:ph type="sldImg"/>
+          </p:nvPr>
+        </p:nvSpPr>
+        <p:spPr/>
+      </p:sp>
+      <p:sp>
+        <p:nvSpPr>
+          <p:cNvPr id="3" name="Espaço Reservado para Anotações 2"/>
+          <p:cNvSpPr>
+            <a:spLocks noGrp="1"/>
+          </p:cNvSpPr>
+          <p:nvPr>
+            <p:ph type="body" idx="1"/>
+          </p:nvPr>
+        </p:nvSpPr>
+        <p:spPr/>
+        <p:txBody>
+          <a:bodyPr>
+            <a:normAutofit/>
+          </a:bodyPr>
+          <a:lstStyle/>
+          <a:p>
+            <a:endParaRPr lang="pt-BR"/>
+          </a:p>
+        </p:txBody>
+      </p:sp>
+      <p:sp>
+        <p:nvSpPr>
+          <p:cNvPr id="4" name="Espaço Reservado para Número de Slide 3"/>
+          <p:cNvSpPr>
+            <a:spLocks noGrp="1"/>
+          </p:cNvSpPr>
+          <p:nvPr>
+            <p:ph type="sldNum" sz="quarter" idx="10"/>
+          </p:nvPr>
+        </p:nvSpPr>
+        <p:spPr/>
+        <p:txBody>
+          <a:bodyPr/>
+          <a:lstStyle/>
+          <a:p>
+            <a:pPr>
+              <a:defRPr/>
+            </a:pPr>
+            <a:fld id="{8E95BD27-5466-443F-B42B-02049F05E6C9}" type="slidenum">
+              <a:rPr lang="pt-BR" smtClean="0"/>
+              <a:pPr>
+                <a:defRPr/>
+              </a:pPr>
+              <a:t>24</a:t>
+            </a:fld>
+            <a:endParaRPr lang="pt-BR"/>
+          </a:p>
+        </p:txBody>
+      </p:sp>
+    </p:spTree>
+  </p:cSld>
+  <p:clrMapOvr>
+    <a:masterClrMapping/>
+  </p:clrMapOvr>
+</p:notes>
+</file>
+
+<file path=ppt/notesSlides/notesSlide25.xml><?xml version="1.0" encoding="utf-8"?>
+<p:notes xmlns:a="http://schemas.openxmlformats.org/drawingml/2006/main" xmlns:r="http://schemas.openxmlformats.org/officeDocument/2006/relationships" xmlns:p="http://schemas.openxmlformats.org/presentationml/2006/main">
+  <p:cSld>
+    <p:spTree>
+      <p:nvGrpSpPr>
+        <p:cNvPr id="1" name=""/>
+        <p:cNvGrpSpPr/>
+        <p:nvPr/>
+      </p:nvGrpSpPr>
+      <p:grpSpPr>
+        <a:xfrm>
+          <a:off x="0" y="0"/>
+          <a:ext cx="0" cy="0"/>
+          <a:chOff x="0" y="0"/>
+          <a:chExt cx="0" cy="0"/>
+        </a:xfrm>
+      </p:grpSpPr>
+      <p:sp>
+        <p:nvSpPr>
+          <p:cNvPr id="2" name="Espaço Reservado para Imagem de Slide 1"/>
+          <p:cNvSpPr>
+            <a:spLocks noGrp="1" noRot="1" noChangeAspect="1"/>
+          </p:cNvSpPr>
+          <p:nvPr>
+            <p:ph type="sldImg"/>
+          </p:nvPr>
+        </p:nvSpPr>
+        <p:spPr/>
+      </p:sp>
+      <p:sp>
+        <p:nvSpPr>
+          <p:cNvPr id="3" name="Espaço Reservado para Anotações 2"/>
+          <p:cNvSpPr>
+            <a:spLocks noGrp="1"/>
+          </p:cNvSpPr>
+          <p:nvPr>
+            <p:ph type="body" idx="1"/>
+          </p:nvPr>
+        </p:nvSpPr>
+        <p:spPr/>
+        <p:txBody>
+          <a:bodyPr>
+            <a:normAutofit/>
+          </a:bodyPr>
+          <a:lstStyle/>
+          <a:p>
+            <a:endParaRPr lang="pt-BR"/>
+          </a:p>
+        </p:txBody>
+      </p:sp>
+      <p:sp>
+        <p:nvSpPr>
+          <p:cNvPr id="4" name="Espaço Reservado para Número de Slide 3"/>
+          <p:cNvSpPr>
+            <a:spLocks noGrp="1"/>
+          </p:cNvSpPr>
+          <p:nvPr>
+            <p:ph type="sldNum" sz="quarter" idx="10"/>
+          </p:nvPr>
+        </p:nvSpPr>
+        <p:spPr/>
+        <p:txBody>
+          <a:bodyPr/>
+          <a:lstStyle/>
+          <a:p>
+            <a:pPr>
+              <a:defRPr/>
+            </a:pPr>
+            <a:fld id="{8E95BD27-5466-443F-B42B-02049F05E6C9}" type="slidenum">
+              <a:rPr lang="pt-BR" smtClean="0"/>
+              <a:pPr>
+                <a:defRPr/>
+              </a:pPr>
+              <a:t>25</a:t>
+            </a:fld>
+            <a:endParaRPr lang="pt-BR"/>
+          </a:p>
+        </p:txBody>
+      </p:sp>
+    </p:spTree>
+  </p:cSld>
+  <p:clrMapOvr>
+    <a:masterClrMapping/>
+  </p:clrMapOvr>
+</p:notes>
+</file>
+
+<file path=ppt/notesSlides/notesSlide26.xml><?xml version="1.0" encoding="utf-8"?>
+<p:notes xmlns:a="http://schemas.openxmlformats.org/drawingml/2006/main" xmlns:r="http://schemas.openxmlformats.org/officeDocument/2006/relationships" xmlns:p="http://schemas.openxmlformats.org/presentationml/2006/main">
+  <p:cSld>
+    <p:spTree>
+      <p:nvGrpSpPr>
+        <p:cNvPr id="1" name=""/>
+        <p:cNvGrpSpPr/>
+        <p:nvPr/>
+      </p:nvGrpSpPr>
+      <p:grpSpPr>
+        <a:xfrm>
+          <a:off x="0" y="0"/>
+          <a:ext cx="0" cy="0"/>
+          <a:chOff x="0" y="0"/>
+          <a:chExt cx="0" cy="0"/>
+        </a:xfrm>
+      </p:grpSpPr>
+      <p:sp>
+        <p:nvSpPr>
+          <p:cNvPr id="2" name="Espaço Reservado para Imagem de Slide 1"/>
+          <p:cNvSpPr>
+            <a:spLocks noGrp="1" noRot="1" noChangeAspect="1"/>
+          </p:cNvSpPr>
+          <p:nvPr>
+            <p:ph type="sldImg"/>
+          </p:nvPr>
+        </p:nvSpPr>
+        <p:spPr/>
+      </p:sp>
+      <p:sp>
+        <p:nvSpPr>
+          <p:cNvPr id="3" name="Espaço Reservado para Anotações 2"/>
+          <p:cNvSpPr>
+            <a:spLocks noGrp="1"/>
+          </p:cNvSpPr>
+          <p:nvPr>
+            <p:ph type="body" idx="1"/>
+          </p:nvPr>
+        </p:nvSpPr>
+        <p:spPr/>
+        <p:txBody>
+          <a:bodyPr>
+            <a:normAutofit/>
+          </a:bodyPr>
+          <a:lstStyle/>
+          <a:p>
+            <a:endParaRPr lang="pt-BR"/>
+          </a:p>
+        </p:txBody>
+      </p:sp>
+      <p:sp>
+        <p:nvSpPr>
+          <p:cNvPr id="4" name="Espaço Reservado para Número de Slide 3"/>
+          <p:cNvSpPr>
+            <a:spLocks noGrp="1"/>
+          </p:cNvSpPr>
+          <p:nvPr>
+            <p:ph type="sldNum" sz="quarter" idx="10"/>
+          </p:nvPr>
+        </p:nvSpPr>
+        <p:spPr/>
+        <p:txBody>
+          <a:bodyPr/>
+          <a:lstStyle/>
+          <a:p>
+            <a:pPr>
+              <a:defRPr/>
+            </a:pPr>
+            <a:fld id="{8E95BD27-5466-443F-B42B-02049F05E6C9}" type="slidenum">
+              <a:rPr lang="pt-BR" smtClean="0"/>
+              <a:pPr>
+                <a:defRPr/>
+              </a:pPr>
+              <a:t>26</a:t>
+            </a:fld>
+            <a:endParaRPr lang="pt-BR"/>
+          </a:p>
+        </p:txBody>
+      </p:sp>
+    </p:spTree>
+  </p:cSld>
+  <p:clrMapOvr>
+    <a:masterClrMapping/>
+  </p:clrMapOvr>
+</p:notes>
+</file>
+
 <file path=ppt/notesSlides/notesSlide3.xml><?xml version="1.0" encoding="utf-8"?>
 <p:notes xmlns:a="http://schemas.openxmlformats.org/drawingml/2006/main" xmlns:r="http://schemas.openxmlformats.org/officeDocument/2006/relationships" xmlns:p="http://schemas.openxmlformats.org/presentationml/2006/main">
   <p:cSld>
@@ -2814,7 +3342,10 @@
             </a:pPr>
             <a:fld id="{1DAF6B2A-72D4-40A7-A8DB-1F8AFAF179E0}" type="datetime1">
               <a:rPr lang="pt-BR" smtClean="0"/>
-              <a:t>04/06/2012</a:t>
+              <a:pPr>
+                <a:defRPr/>
+              </a:pPr>
+              <a:t>05/06/2012</a:t>
             </a:fld>
             <a:endParaRPr lang="pt-BR"/>
           </a:p>
@@ -3003,7 +3534,10 @@
             </a:pPr>
             <a:fld id="{728E43D4-B686-4A17-B98D-13D2A2B71264}" type="datetime1">
               <a:rPr lang="pt-BR" smtClean="0"/>
-              <a:t>04/06/2012</a:t>
+              <a:pPr>
+                <a:defRPr/>
+              </a:pPr>
+              <a:t>05/06/2012</a:t>
             </a:fld>
             <a:endParaRPr lang="pt-BR"/>
           </a:p>
@@ -3202,7 +3736,10 @@
             </a:pPr>
             <a:fld id="{5C3B0FA1-DD8C-4C58-9110-74CAFDB4FA6B}" type="datetime1">
               <a:rPr lang="pt-BR" smtClean="0"/>
-              <a:t>04/06/2012</a:t>
+              <a:pPr>
+                <a:defRPr/>
+              </a:pPr>
+              <a:t>05/06/2012</a:t>
             </a:fld>
             <a:endParaRPr lang="pt-BR"/>
           </a:p>
@@ -3395,7 +3932,10 @@
             </a:pPr>
             <a:fld id="{00332F67-E43B-48EC-921C-D58481EF2426}" type="datetime1">
               <a:rPr lang="pt-BR" smtClean="0"/>
-              <a:t>04/06/2012</a:t>
+              <a:pPr>
+                <a:defRPr/>
+              </a:pPr>
+              <a:t>05/06/2012</a:t>
             </a:fld>
             <a:endParaRPr lang="pt-BR"/>
           </a:p>
@@ -3898,7 +4438,10 @@
             </a:pPr>
             <a:fld id="{869D2C96-D510-48AB-8522-83DF1E67F73F}" type="datetime1">
               <a:rPr lang="pt-BR" smtClean="0"/>
-              <a:t>04/06/2012</a:t>
+              <a:pPr>
+                <a:defRPr/>
+              </a:pPr>
+              <a:t>05/06/2012</a:t>
             </a:fld>
             <a:endParaRPr lang="pt-BR"/>
           </a:p>
@@ -4186,7 +4729,10 @@
             </a:pPr>
             <a:fld id="{4FCD4D6D-64E4-4D19-B98A-5FADBCF295B2}" type="datetime1">
               <a:rPr lang="pt-BR" smtClean="0"/>
-              <a:t>04/06/2012</a:t>
+              <a:pPr>
+                <a:defRPr/>
+              </a:pPr>
+              <a:t>05/06/2012</a:t>
             </a:fld>
             <a:endParaRPr lang="pt-BR"/>
           </a:p>
@@ -4584,7 +5130,10 @@
             </a:pPr>
             <a:fld id="{BD11C8DA-5B70-43FF-9549-C4CF6408C37C}" type="datetime1">
               <a:rPr lang="pt-BR" smtClean="0"/>
-              <a:t>04/06/2012</a:t>
+              <a:pPr>
+                <a:defRPr/>
+              </a:pPr>
+              <a:t>05/06/2012</a:t>
             </a:fld>
             <a:endParaRPr lang="pt-BR"/>
           </a:p>
@@ -4730,7 +5279,10 @@
             </a:pPr>
             <a:fld id="{E8BD7EBF-039A-413C-9379-0A9C36AA08C3}" type="datetime1">
               <a:rPr lang="pt-BR" smtClean="0"/>
-              <a:t>04/06/2012</a:t>
+              <a:pPr>
+                <a:defRPr/>
+              </a:pPr>
+              <a:t>05/06/2012</a:t>
             </a:fld>
             <a:endParaRPr lang="pt-BR"/>
           </a:p>
@@ -4844,7 +5396,10 @@
             </a:pPr>
             <a:fld id="{C6ABC476-E72E-41E1-B28A-890D38BC1A7B}" type="datetime1">
               <a:rPr lang="pt-BR" smtClean="0"/>
-              <a:t>04/06/2012</a:t>
+              <a:pPr>
+                <a:defRPr/>
+              </a:pPr>
+              <a:t>05/06/2012</a:t>
             </a:fld>
             <a:endParaRPr lang="pt-BR"/>
           </a:p>
@@ -5117,7 +5672,10 @@
             </a:pPr>
             <a:fld id="{8B780ADF-7D7B-4A28-9713-852E804F9466}" type="datetime1">
               <a:rPr lang="pt-BR" smtClean="0"/>
-              <a:t>04/06/2012</a:t>
+              <a:pPr>
+                <a:defRPr/>
+              </a:pPr>
+              <a:t>05/06/2012</a:t>
             </a:fld>
             <a:endParaRPr lang="pt-BR"/>
           </a:p>
@@ -5398,7 +5956,10 @@
             </a:pPr>
             <a:fld id="{752069B9-BF1D-4D2E-9A29-7861246DDC14}" type="datetime1">
               <a:rPr lang="pt-BR" smtClean="0"/>
-              <a:t>04/06/2012</a:t>
+              <a:pPr>
+                <a:defRPr/>
+              </a:pPr>
+              <a:t>05/06/2012</a:t>
             </a:fld>
             <a:endParaRPr lang="pt-BR"/>
           </a:p>
@@ -5873,7 +6434,10 @@
             </a:pPr>
             <a:fld id="{04A9998F-BBF5-43E3-95B4-6D5601814F68}" type="datetime1">
               <a:rPr lang="pt-BR" smtClean="0"/>
-              <a:t>04/06/2012</a:t>
+              <a:pPr>
+                <a:defRPr/>
+              </a:pPr>
+              <a:t>05/06/2012</a:t>
             </a:fld>
             <a:endParaRPr lang="pt-BR"/>
           </a:p>
@@ -6940,8 +7504,8 @@
           </p:nvPr>
         </p:nvGraphicFramePr>
         <p:xfrm>
-          <a:off x="755576" y="4077072"/>
-          <a:ext cx="1728192" cy="548640"/>
+          <a:off x="755576" y="3429000"/>
+          <a:ext cx="1944216" cy="936104"/>
         </p:xfrm>
         <a:graphic>
           <a:graphicData uri="http://schemas.openxmlformats.org/drawingml/2006/table">
@@ -6950,9 +7514,9 @@
                 <a:tableStyleId>{5C22544A-7EE6-4342-B048-85BDC9FD1C3A}</a:tableStyleId>
               </a:tblPr>
               <a:tblGrid>
-                <a:gridCol w="1728192"/>
+                <a:gridCol w="1944216"/>
               </a:tblGrid>
-              <a:tr h="137303">
+              <a:tr h="206022">
                 <a:tc>
                   <a:txBody>
                     <a:bodyPr/>
@@ -7021,7 +7585,7 @@
                   </a:tcPr>
                 </a:tc>
               </a:tr>
-              <a:tr h="222737">
+              <a:tr h="661784">
                 <a:tc>
                   <a:txBody>
                     <a:bodyPr/>
@@ -7090,8 +7654,8 @@
           </p:nvPr>
         </p:nvGraphicFramePr>
         <p:xfrm>
-          <a:off x="3707904" y="2636912"/>
-          <a:ext cx="1656184" cy="548640"/>
+          <a:off x="3635896" y="1844824"/>
+          <a:ext cx="1944216" cy="936104"/>
         </p:xfrm>
         <a:graphic>
           <a:graphicData uri="http://schemas.openxmlformats.org/drawingml/2006/table">
@@ -7100,9 +7664,9 @@
                 <a:tableStyleId>{5C22544A-7EE6-4342-B048-85BDC9FD1C3A}</a:tableStyleId>
               </a:tblPr>
               <a:tblGrid>
-                <a:gridCol w="1656184"/>
+                <a:gridCol w="1944216"/>
               </a:tblGrid>
-              <a:tr h="161721">
+              <a:tr h="255223">
                 <a:tc>
                   <a:txBody>
                     <a:bodyPr/>
@@ -7171,7 +7735,7 @@
                   </a:tcPr>
                 </a:tc>
               </a:tr>
-              <a:tr h="262347">
+              <a:tr h="661784">
                 <a:tc>
                   <a:txBody>
                     <a:bodyPr/>
@@ -7240,8 +7804,8 @@
           </p:nvPr>
         </p:nvGraphicFramePr>
         <p:xfrm>
-          <a:off x="6516216" y="4005064"/>
-          <a:ext cx="1800200" cy="665480"/>
+          <a:off x="6516216" y="5013176"/>
+          <a:ext cx="1944216" cy="956005"/>
         </p:xfrm>
         <a:graphic>
           <a:graphicData uri="http://schemas.openxmlformats.org/drawingml/2006/table">
@@ -7250,9 +7814,9 @@
                 <a:tableStyleId>{5C22544A-7EE6-4342-B048-85BDC9FD1C3A}</a:tableStyleId>
               </a:tblPr>
               <a:tblGrid>
-                <a:gridCol w="1800200"/>
+                <a:gridCol w="1944216"/>
               </a:tblGrid>
-              <a:tr h="175913">
+              <a:tr h="260363">
                 <a:tc>
                   <a:txBody>
                     <a:bodyPr/>
@@ -7375,7 +7939,7 @@
                   </a:tcPr>
                 </a:tc>
               </a:tr>
-              <a:tr h="0">
+              <a:tr h="564845">
                 <a:tc>
                   <a:txBody>
                     <a:bodyPr/>
@@ -7444,8 +8008,8 @@
           </p:nvPr>
         </p:nvGraphicFramePr>
         <p:xfrm>
-          <a:off x="755576" y="2780928"/>
-          <a:ext cx="1728192" cy="665480"/>
+          <a:off x="755576" y="1844825"/>
+          <a:ext cx="1944216" cy="954334"/>
         </p:xfrm>
         <a:graphic>
           <a:graphicData uri="http://schemas.openxmlformats.org/drawingml/2006/table">
@@ -7454,9 +8018,9 @@
                 <a:tableStyleId>{5C22544A-7EE6-4342-B048-85BDC9FD1C3A}</a:tableStyleId>
               </a:tblPr>
               <a:tblGrid>
-                <a:gridCol w="1728192"/>
+                <a:gridCol w="1944216"/>
               </a:tblGrid>
-              <a:tr h="136545">
+              <a:tr h="261535">
                 <a:tc>
                   <a:txBody>
                     <a:bodyPr/>
@@ -7579,7 +8143,7 @@
                   </a:tcPr>
                 </a:tc>
               </a:tr>
-              <a:tr h="221506">
+              <a:tr h="563174">
                 <a:tc>
                   <a:txBody>
                     <a:bodyPr/>
@@ -7646,8 +8210,8 @@
           <p:nvPr/>
         </p:nvGraphicFramePr>
         <p:xfrm>
-          <a:off x="3707904" y="3446408"/>
-          <a:ext cx="1656184" cy="548640"/>
+          <a:off x="3635896" y="3429000"/>
+          <a:ext cx="1944216" cy="936104"/>
         </p:xfrm>
         <a:graphic>
           <a:graphicData uri="http://schemas.openxmlformats.org/drawingml/2006/table">
@@ -7656,9 +8220,9 @@
                 <a:tableStyleId>{5C22544A-7EE6-4342-B048-85BDC9FD1C3A}</a:tableStyleId>
               </a:tblPr>
               <a:tblGrid>
-                <a:gridCol w="1656184"/>
+                <a:gridCol w="1944216"/>
               </a:tblGrid>
-              <a:tr h="218987">
+              <a:tr h="144016">
                 <a:tc>
                   <a:txBody>
                     <a:bodyPr/>
@@ -7721,7 +8285,7 @@
                   </a:tcPr>
                 </a:tc>
               </a:tr>
-              <a:tr h="201123">
+              <a:tr h="661784">
                 <a:tc>
                   <a:txBody>
                     <a:bodyPr/>
@@ -7791,8 +8355,8 @@
           <p:nvPr/>
         </p:nvGraphicFramePr>
         <p:xfrm>
-          <a:off x="3707904" y="4221088"/>
-          <a:ext cx="1656184" cy="548640"/>
+          <a:off x="3635896" y="5013176"/>
+          <a:ext cx="1944216" cy="936104"/>
         </p:xfrm>
         <a:graphic>
           <a:graphicData uri="http://schemas.openxmlformats.org/drawingml/2006/table">
@@ -7801,9 +8365,9 @@
                 <a:tableStyleId>{5C22544A-7EE6-4342-B048-85BDC9FD1C3A}</a:tableStyleId>
               </a:tblPr>
               <a:tblGrid>
-                <a:gridCol w="1656184"/>
+                <a:gridCol w="1944216"/>
               </a:tblGrid>
-              <a:tr h="220104">
+              <a:tr h="216024">
                 <a:tc>
                   <a:txBody>
                     <a:bodyPr/>
@@ -7872,7 +8436,7 @@
                   </a:tcPr>
                 </a:tc>
               </a:tr>
-              <a:tr h="131440">
+              <a:tr h="661784">
                 <a:tc>
                   <a:txBody>
                     <a:bodyPr/>
@@ -7932,184 +8496,14 @@
       </p:graphicFrame>
       <p:grpSp>
         <p:nvGrpSpPr>
-          <p:cNvPr id="2" name="Group 43"/>
-          <p:cNvGrpSpPr/>
-          <p:nvPr/>
-        </p:nvGrpSpPr>
-        <p:grpSpPr>
-          <a:xfrm>
-            <a:off x="-1404664" y="1772816"/>
-            <a:ext cx="1071570" cy="285752"/>
-            <a:chOff x="857224" y="2143116"/>
-            <a:chExt cx="714379" cy="428628"/>
-          </a:xfrm>
-        </p:grpSpPr>
-        <p:cxnSp>
-          <p:nvCxnSpPr>
-            <p:cNvPr id="31" name="Conector de seta reta 22"/>
-            <p:cNvCxnSpPr>
-              <a:cxnSpLocks noChangeShapeType="1"/>
-            </p:cNvCxnSpPr>
-            <p:nvPr/>
-          </p:nvCxnSpPr>
-          <p:spPr bwMode="auto">
-            <a:xfrm>
-              <a:off x="857224" y="2143116"/>
-              <a:ext cx="714379" cy="1"/>
-            </a:xfrm>
-            <a:prstGeom prst="straightConnector1">
-              <a:avLst/>
-            </a:prstGeom>
-            <a:noFill/>
-            <a:ln w="28575" algn="ctr">
-              <a:solidFill>
-                <a:srgbClr val="FFC000"/>
-              </a:solidFill>
-              <a:prstDash val="solid"/>
-              <a:round/>
-              <a:headEnd/>
-              <a:tailEnd type="triangle" w="lg" len="lg"/>
-            </a:ln>
-          </p:spPr>
-        </p:cxnSp>
-        <p:cxnSp>
-          <p:nvCxnSpPr>
-            <p:cNvPr id="35" name="Conector de seta reta 22"/>
-            <p:cNvCxnSpPr>
-              <a:cxnSpLocks noChangeShapeType="1"/>
-            </p:cNvCxnSpPr>
-            <p:nvPr/>
-          </p:nvCxnSpPr>
-          <p:spPr bwMode="auto">
-            <a:xfrm rot="5400000" flipH="1" flipV="1">
-              <a:off x="643704" y="2356636"/>
-              <a:ext cx="428628" cy="1588"/>
-            </a:xfrm>
-            <a:prstGeom prst="straightConnector1">
-              <a:avLst/>
-            </a:prstGeom>
-            <a:noFill/>
-            <a:ln w="28575" algn="ctr">
-              <a:solidFill>
-                <a:srgbClr val="FFC000"/>
-              </a:solidFill>
-              <a:prstDash val="solid"/>
-              <a:round/>
-              <a:headEnd type="none" w="med" len="med"/>
-              <a:tailEnd type="none" w="med" len="med"/>
-            </a:ln>
-          </p:spPr>
-        </p:cxnSp>
-      </p:grpSp>
-      <p:grpSp>
-        <p:nvGrpSpPr>
-          <p:cNvPr id="10" name="Group 61"/>
-          <p:cNvGrpSpPr/>
-          <p:nvPr/>
-        </p:nvGrpSpPr>
-        <p:grpSpPr>
-          <a:xfrm>
-            <a:off x="9828584" y="332656"/>
-            <a:ext cx="214317" cy="1347797"/>
-            <a:chOff x="2857487" y="3286125"/>
-            <a:chExt cx="214317" cy="1347797"/>
-          </a:xfrm>
-        </p:grpSpPr>
-        <p:cxnSp>
-          <p:nvCxnSpPr>
-            <p:cNvPr id="58" name="Conector de seta reta 22"/>
-            <p:cNvCxnSpPr>
-              <a:cxnSpLocks noChangeShapeType="1"/>
-            </p:cNvCxnSpPr>
-            <p:nvPr/>
-          </p:nvCxnSpPr>
-          <p:spPr bwMode="auto">
-            <a:xfrm rot="5400000" flipH="1" flipV="1">
-              <a:off x="2505060" y="3638552"/>
-              <a:ext cx="704856" cy="1"/>
-            </a:xfrm>
-            <a:prstGeom prst="straightConnector1">
-              <a:avLst/>
-            </a:prstGeom>
-            <a:noFill/>
-            <a:ln w="28575" algn="ctr">
-              <a:solidFill>
-                <a:schemeClr val="tx1"/>
-              </a:solidFill>
-              <a:prstDash val="dash"/>
-              <a:round/>
-              <a:headEnd type="none" w="med" len="med"/>
-              <a:tailEnd type="arrow" w="med" len="med"/>
-            </a:ln>
-          </p:spPr>
-        </p:cxnSp>
-        <p:cxnSp>
-          <p:nvCxnSpPr>
-            <p:cNvPr id="59" name="Conector de seta reta 22"/>
-            <p:cNvCxnSpPr>
-              <a:cxnSpLocks noChangeShapeType="1"/>
-            </p:cNvCxnSpPr>
-            <p:nvPr/>
-          </p:nvCxnSpPr>
-          <p:spPr bwMode="auto">
-            <a:xfrm rot="10800000">
-              <a:off x="2857488" y="3989413"/>
-              <a:ext cx="214314" cy="1567"/>
-            </a:xfrm>
-            <a:prstGeom prst="straightConnector1">
-              <a:avLst/>
-            </a:prstGeom>
-            <a:noFill/>
-            <a:ln w="28575" algn="ctr">
-              <a:solidFill>
-                <a:schemeClr val="tx1"/>
-              </a:solidFill>
-              <a:prstDash val="dash"/>
-              <a:round/>
-              <a:headEnd type="none" w="med" len="med"/>
-              <a:tailEnd type="none" w="med" len="med"/>
-            </a:ln>
-          </p:spPr>
-        </p:cxnSp>
-        <p:cxnSp>
-          <p:nvCxnSpPr>
-            <p:cNvPr id="60" name="Conector de seta reta 22"/>
-            <p:cNvCxnSpPr>
-              <a:cxnSpLocks noChangeShapeType="1"/>
-            </p:cNvCxnSpPr>
-            <p:nvPr/>
-          </p:nvCxnSpPr>
-          <p:spPr bwMode="auto">
-            <a:xfrm rot="5400000" flipH="1" flipV="1">
-              <a:off x="2755094" y="4317212"/>
-              <a:ext cx="633418" cy="2"/>
-            </a:xfrm>
-            <a:prstGeom prst="straightConnector1">
-              <a:avLst/>
-            </a:prstGeom>
-            <a:noFill/>
-            <a:ln w="28575" algn="ctr">
-              <a:solidFill>
-                <a:schemeClr val="tx1"/>
-              </a:solidFill>
-              <a:prstDash val="dash"/>
-              <a:round/>
-              <a:headEnd type="none" w="med" len="med"/>
-              <a:tailEnd type="none" w="med" len="med"/>
-            </a:ln>
-          </p:spPr>
-        </p:cxnSp>
-      </p:grpSp>
-      <p:grpSp>
-        <p:nvGrpSpPr>
           <p:cNvPr id="11" name="Group 62"/>
           <p:cNvGrpSpPr/>
           <p:nvPr/>
         </p:nvGrpSpPr>
         <p:grpSpPr>
-          <a:xfrm flipH="1">
-            <a:off x="-1260648" y="2780928"/>
-            <a:ext cx="714380" cy="428627"/>
+          <a:xfrm rot="16200000" flipH="1">
+            <a:off x="2555777" y="4437111"/>
+            <a:ext cx="1296145" cy="864099"/>
             <a:chOff x="2857487" y="3286125"/>
             <a:chExt cx="214317" cy="1347797"/>
           </a:xfrm>
@@ -8138,7 +8532,7 @@
               <a:prstDash val="solid"/>
               <a:round/>
               <a:headEnd/>
-              <a:tailEnd type="triangle" w="lg" len="lg"/>
+              <a:tailEnd type="diamond" w="lg" len="lg"/>
             </a:ln>
           </p:spPr>
         </p:cxnSp>
@@ -8199,77 +8593,6 @@
           </p:spPr>
         </p:cxnSp>
       </p:grpSp>
-      <p:grpSp>
-        <p:nvGrpSpPr>
-          <p:cNvPr id="12" name="Group 69"/>
-          <p:cNvGrpSpPr/>
-          <p:nvPr/>
-        </p:nvGrpSpPr>
-        <p:grpSpPr>
-          <a:xfrm flipH="1">
-            <a:off x="9396536" y="3501008"/>
-            <a:ext cx="1143008" cy="571504"/>
-            <a:chOff x="857224" y="2143116"/>
-            <a:chExt cx="714379" cy="428628"/>
-          </a:xfrm>
-        </p:grpSpPr>
-        <p:cxnSp>
-          <p:nvCxnSpPr>
-            <p:cNvPr id="71" name="Conector de seta reta 22"/>
-            <p:cNvCxnSpPr>
-              <a:cxnSpLocks noChangeShapeType="1"/>
-            </p:cNvCxnSpPr>
-            <p:nvPr/>
-          </p:nvCxnSpPr>
-          <p:spPr bwMode="auto">
-            <a:xfrm>
-              <a:off x="857224" y="2143116"/>
-              <a:ext cx="714379" cy="1"/>
-            </a:xfrm>
-            <a:prstGeom prst="straightConnector1">
-              <a:avLst/>
-            </a:prstGeom>
-            <a:noFill/>
-            <a:ln w="28575" algn="ctr">
-              <a:solidFill>
-                <a:schemeClr val="tx1"/>
-              </a:solidFill>
-              <a:prstDash val="dash"/>
-              <a:round/>
-              <a:headEnd type="none" w="med" len="med"/>
-              <a:tailEnd type="arrow" w="med" len="med"/>
-            </a:ln>
-          </p:spPr>
-        </p:cxnSp>
-        <p:cxnSp>
-          <p:nvCxnSpPr>
-            <p:cNvPr id="72" name="Conector de seta reta 22"/>
-            <p:cNvCxnSpPr>
-              <a:cxnSpLocks noChangeShapeType="1"/>
-            </p:cNvCxnSpPr>
-            <p:nvPr/>
-          </p:nvCxnSpPr>
-          <p:spPr bwMode="auto">
-            <a:xfrm rot="5400000" flipH="1" flipV="1">
-              <a:off x="643704" y="2356636"/>
-              <a:ext cx="428628" cy="1588"/>
-            </a:xfrm>
-            <a:prstGeom prst="straightConnector1">
-              <a:avLst/>
-            </a:prstGeom>
-            <a:noFill/>
-            <a:ln w="28575" algn="ctr">
-              <a:solidFill>
-                <a:schemeClr val="tx1"/>
-              </a:solidFill>
-              <a:prstDash val="dash"/>
-              <a:round/>
-              <a:headEnd type="none" w="med" len="med"/>
-              <a:tailEnd type="none" w="med" len="med"/>
-            </a:ln>
-          </p:spPr>
-        </p:cxnSp>
-      </p:grpSp>
       <p:cxnSp>
         <p:nvCxnSpPr>
           <p:cNvPr id="76" name="Conector de seta reta 22"/>
@@ -8280,8 +8603,8 @@
         </p:nvCxnSpPr>
         <p:spPr bwMode="auto">
           <a:xfrm flipV="1">
-            <a:off x="9972600" y="2564904"/>
-            <a:ext cx="0" cy="543446"/>
+            <a:off x="1763688" y="2852936"/>
+            <a:ext cx="0" cy="576064"/>
           </a:xfrm>
           <a:prstGeom prst="straightConnector1">
             <a:avLst/>
@@ -8294,7 +8617,7 @@
             <a:prstDash val="solid"/>
             <a:round/>
             <a:headEnd/>
-            <a:tailEnd type="triangle" w="lg" len="lg"/>
+            <a:tailEnd type="diamond" w="lg" len="lg"/>
           </a:ln>
         </p:spPr>
       </p:cxnSp>
@@ -8307,8 +8630,8 @@
           <p:nvPr/>
         </p:nvGraphicFramePr>
         <p:xfrm>
-          <a:off x="6516216" y="2835528"/>
-          <a:ext cx="1800200" cy="548640"/>
+          <a:off x="6516216" y="3429000"/>
+          <a:ext cx="1944216" cy="936104"/>
         </p:xfrm>
         <a:graphic>
           <a:graphicData uri="http://schemas.openxmlformats.org/drawingml/2006/table">
@@ -8317,9 +8640,9 @@
                 <a:tableStyleId>{5C22544A-7EE6-4342-B048-85BDC9FD1C3A}</a:tableStyleId>
               </a:tblPr>
               <a:tblGrid>
-                <a:gridCol w="1800200"/>
+                <a:gridCol w="1944216"/>
               </a:tblGrid>
-              <a:tr h="220104">
+              <a:tr h="200238">
                 <a:tc>
                   <a:txBody>
                     <a:bodyPr/>
@@ -8388,7 +8711,7 @@
                   </a:tcPr>
                 </a:tc>
               </a:tr>
-              <a:tr h="131440">
+              <a:tr h="661784">
                 <a:tc>
                   <a:txBody>
                     <a:bodyPr/>
@@ -8446,6 +8769,505 @@
           </a:graphicData>
         </a:graphic>
       </p:graphicFrame>
+      <p:cxnSp>
+        <p:nvCxnSpPr>
+          <p:cNvPr id="26" name="Conector de seta reta 22"/>
+          <p:cNvCxnSpPr>
+            <a:cxnSpLocks noChangeShapeType="1"/>
+          </p:cNvCxnSpPr>
+          <p:nvPr/>
+        </p:nvCxnSpPr>
+        <p:spPr bwMode="auto">
+          <a:xfrm flipV="1">
+            <a:off x="4644008" y="2780928"/>
+            <a:ext cx="0" cy="648072"/>
+          </a:xfrm>
+          <a:prstGeom prst="straightConnector1">
+            <a:avLst/>
+          </a:prstGeom>
+          <a:noFill/>
+          <a:ln w="28575" algn="ctr">
+            <a:solidFill>
+              <a:srgbClr val="FFC000"/>
+            </a:solidFill>
+            <a:prstDash val="solid"/>
+            <a:round/>
+            <a:headEnd/>
+            <a:tailEnd type="triangle" w="lg" len="lg"/>
+          </a:ln>
+        </p:spPr>
+      </p:cxnSp>
+      <p:cxnSp>
+        <p:nvCxnSpPr>
+          <p:cNvPr id="28" name="Conector de seta reta 22"/>
+          <p:cNvCxnSpPr>
+            <a:cxnSpLocks noChangeShapeType="1"/>
+          </p:cNvCxnSpPr>
+          <p:nvPr/>
+        </p:nvCxnSpPr>
+        <p:spPr bwMode="auto">
+          <a:xfrm flipV="1">
+            <a:off x="4644008" y="4365104"/>
+            <a:ext cx="0" cy="648072"/>
+          </a:xfrm>
+          <a:prstGeom prst="straightConnector1">
+            <a:avLst/>
+          </a:prstGeom>
+          <a:noFill/>
+          <a:ln w="28575" algn="ctr">
+            <a:solidFill>
+              <a:srgbClr val="FFC000"/>
+            </a:solidFill>
+            <a:prstDash val="solid"/>
+            <a:round/>
+            <a:headEnd/>
+            <a:tailEnd type="triangle" w="lg" len="lg"/>
+          </a:ln>
+        </p:spPr>
+      </p:cxnSp>
+      <p:cxnSp>
+        <p:nvCxnSpPr>
+          <p:cNvPr id="34" name="Conector de seta reta 22"/>
+          <p:cNvCxnSpPr>
+            <a:cxnSpLocks noChangeShapeType="1"/>
+          </p:cNvCxnSpPr>
+          <p:nvPr/>
+        </p:nvCxnSpPr>
+        <p:spPr bwMode="auto">
+          <a:xfrm flipH="1">
+            <a:off x="2771800" y="3933056"/>
+            <a:ext cx="864096" cy="0"/>
+          </a:xfrm>
+          <a:prstGeom prst="straightConnector1">
+            <a:avLst/>
+          </a:prstGeom>
+          <a:noFill/>
+          <a:ln w="28575" algn="ctr">
+            <a:solidFill>
+              <a:srgbClr val="FFC000"/>
+            </a:solidFill>
+            <a:prstDash val="solid"/>
+            <a:round/>
+            <a:headEnd/>
+            <a:tailEnd type="diamond" w="lg" len="lg"/>
+          </a:ln>
+        </p:spPr>
+      </p:cxnSp>
+      <p:grpSp>
+        <p:nvGrpSpPr>
+          <p:cNvPr id="41" name="Group 62"/>
+          <p:cNvGrpSpPr/>
+          <p:nvPr/>
+        </p:nvGrpSpPr>
+        <p:grpSpPr>
+          <a:xfrm rot="16200000">
+            <a:off x="2555779" y="2564905"/>
+            <a:ext cx="1296144" cy="864096"/>
+            <a:chOff x="2857487" y="3286125"/>
+            <a:chExt cx="214317" cy="1347797"/>
+          </a:xfrm>
+        </p:grpSpPr>
+        <p:cxnSp>
+          <p:nvCxnSpPr>
+            <p:cNvPr id="43" name="Conector de seta reta 22"/>
+            <p:cNvCxnSpPr>
+              <a:cxnSpLocks noChangeShapeType="1"/>
+            </p:cNvCxnSpPr>
+            <p:nvPr/>
+          </p:nvCxnSpPr>
+          <p:spPr bwMode="auto">
+            <a:xfrm rot="5400000" flipH="1" flipV="1">
+              <a:off x="2505060" y="3638552"/>
+              <a:ext cx="704856" cy="1"/>
+            </a:xfrm>
+            <a:prstGeom prst="straightConnector1">
+              <a:avLst/>
+            </a:prstGeom>
+            <a:noFill/>
+            <a:ln w="28575" algn="ctr">
+              <a:solidFill>
+                <a:srgbClr val="FFC000"/>
+              </a:solidFill>
+              <a:prstDash val="solid"/>
+              <a:round/>
+              <a:headEnd/>
+              <a:tailEnd type="diamond" w="lg" len="lg"/>
+            </a:ln>
+          </p:spPr>
+        </p:cxnSp>
+        <p:cxnSp>
+          <p:nvCxnSpPr>
+            <p:cNvPr id="44" name="Conector de seta reta 22"/>
+            <p:cNvCxnSpPr>
+              <a:cxnSpLocks noChangeShapeType="1"/>
+            </p:cNvCxnSpPr>
+            <p:nvPr/>
+          </p:nvCxnSpPr>
+          <p:spPr bwMode="auto">
+            <a:xfrm rot="10800000">
+              <a:off x="2857488" y="3989413"/>
+              <a:ext cx="214314" cy="1567"/>
+            </a:xfrm>
+            <a:prstGeom prst="straightConnector1">
+              <a:avLst/>
+            </a:prstGeom>
+            <a:noFill/>
+            <a:ln w="28575" algn="ctr">
+              <a:solidFill>
+                <a:srgbClr val="FFC000"/>
+              </a:solidFill>
+              <a:prstDash val="solid"/>
+              <a:round/>
+              <a:headEnd type="none" w="med" len="med"/>
+              <a:tailEnd type="none" w="med" len="med"/>
+            </a:ln>
+          </p:spPr>
+        </p:cxnSp>
+        <p:cxnSp>
+          <p:nvCxnSpPr>
+            <p:cNvPr id="45" name="Conector de seta reta 22"/>
+            <p:cNvCxnSpPr>
+              <a:cxnSpLocks noChangeShapeType="1"/>
+            </p:cNvCxnSpPr>
+            <p:nvPr/>
+          </p:nvCxnSpPr>
+          <p:spPr bwMode="auto">
+            <a:xfrm rot="5400000" flipH="1" flipV="1">
+              <a:off x="2755094" y="4317212"/>
+              <a:ext cx="633418" cy="2"/>
+            </a:xfrm>
+            <a:prstGeom prst="straightConnector1">
+              <a:avLst/>
+            </a:prstGeom>
+            <a:noFill/>
+            <a:ln w="28575" algn="ctr">
+              <a:solidFill>
+                <a:srgbClr val="FFC000"/>
+              </a:solidFill>
+              <a:prstDash val="solid"/>
+              <a:round/>
+              <a:headEnd type="none" w="med" len="med"/>
+              <a:tailEnd type="none" w="med" len="med"/>
+            </a:ln>
+          </p:spPr>
+        </p:cxnSp>
+      </p:grpSp>
+      <p:grpSp>
+        <p:nvGrpSpPr>
+          <p:cNvPr id="47" name="Group 62"/>
+          <p:cNvGrpSpPr/>
+          <p:nvPr/>
+        </p:nvGrpSpPr>
+        <p:grpSpPr>
+          <a:xfrm rot="5400000" flipH="1" flipV="1">
+            <a:off x="5436094" y="4437111"/>
+            <a:ext cx="1296145" cy="864099"/>
+            <a:chOff x="2857487" y="3286125"/>
+            <a:chExt cx="214317" cy="1347797"/>
+          </a:xfrm>
+        </p:grpSpPr>
+        <p:cxnSp>
+          <p:nvCxnSpPr>
+            <p:cNvPr id="48" name="Conector de seta reta 22"/>
+            <p:cNvCxnSpPr>
+              <a:cxnSpLocks noChangeShapeType="1"/>
+            </p:cNvCxnSpPr>
+            <p:nvPr/>
+          </p:nvCxnSpPr>
+          <p:spPr bwMode="auto">
+            <a:xfrm rot="5400000" flipH="1" flipV="1">
+              <a:off x="2505060" y="3638552"/>
+              <a:ext cx="704856" cy="1"/>
+            </a:xfrm>
+            <a:prstGeom prst="straightConnector1">
+              <a:avLst/>
+            </a:prstGeom>
+            <a:noFill/>
+            <a:ln w="28575" algn="ctr">
+              <a:solidFill>
+                <a:srgbClr val="FFC000"/>
+              </a:solidFill>
+              <a:prstDash val="solid"/>
+              <a:round/>
+              <a:headEnd/>
+              <a:tailEnd type="diamond" w="lg" len="lg"/>
+            </a:ln>
+          </p:spPr>
+        </p:cxnSp>
+        <p:cxnSp>
+          <p:nvCxnSpPr>
+            <p:cNvPr id="49" name="Conector de seta reta 22"/>
+            <p:cNvCxnSpPr>
+              <a:cxnSpLocks noChangeShapeType="1"/>
+            </p:cNvCxnSpPr>
+            <p:nvPr/>
+          </p:nvCxnSpPr>
+          <p:spPr bwMode="auto">
+            <a:xfrm rot="10800000">
+              <a:off x="2857488" y="3989413"/>
+              <a:ext cx="214314" cy="1567"/>
+            </a:xfrm>
+            <a:prstGeom prst="straightConnector1">
+              <a:avLst/>
+            </a:prstGeom>
+            <a:noFill/>
+            <a:ln w="28575" algn="ctr">
+              <a:solidFill>
+                <a:srgbClr val="FFC000"/>
+              </a:solidFill>
+              <a:prstDash val="solid"/>
+              <a:round/>
+              <a:headEnd type="none" w="med" len="med"/>
+              <a:tailEnd type="none" w="med" len="med"/>
+            </a:ln>
+          </p:spPr>
+        </p:cxnSp>
+        <p:cxnSp>
+          <p:nvCxnSpPr>
+            <p:cNvPr id="50" name="Conector de seta reta 22"/>
+            <p:cNvCxnSpPr>
+              <a:cxnSpLocks noChangeShapeType="1"/>
+            </p:cNvCxnSpPr>
+            <p:nvPr/>
+          </p:nvCxnSpPr>
+          <p:spPr bwMode="auto">
+            <a:xfrm rot="5400000" flipH="1" flipV="1">
+              <a:off x="2755094" y="4317212"/>
+              <a:ext cx="633418" cy="2"/>
+            </a:xfrm>
+            <a:prstGeom prst="straightConnector1">
+              <a:avLst/>
+            </a:prstGeom>
+            <a:noFill/>
+            <a:ln w="28575" algn="ctr">
+              <a:solidFill>
+                <a:srgbClr val="FFC000"/>
+              </a:solidFill>
+              <a:prstDash val="solid"/>
+              <a:round/>
+              <a:headEnd type="none" w="med" len="med"/>
+              <a:tailEnd type="none" w="med" len="med"/>
+            </a:ln>
+          </p:spPr>
+        </p:cxnSp>
+      </p:grpSp>
+      <p:cxnSp>
+        <p:nvCxnSpPr>
+          <p:cNvPr id="51" name="Conector de seta reta 22"/>
+          <p:cNvCxnSpPr>
+            <a:cxnSpLocks noChangeShapeType="1"/>
+          </p:cNvCxnSpPr>
+          <p:nvPr/>
+        </p:nvCxnSpPr>
+        <p:spPr bwMode="auto">
+          <a:xfrm flipH="1">
+            <a:off x="5652120" y="3933056"/>
+            <a:ext cx="864096" cy="0"/>
+          </a:xfrm>
+          <a:prstGeom prst="straightConnector1">
+            <a:avLst/>
+          </a:prstGeom>
+          <a:noFill/>
+          <a:ln w="28575" algn="ctr">
+            <a:solidFill>
+              <a:srgbClr val="FFC000"/>
+            </a:solidFill>
+            <a:prstDash val="solid"/>
+            <a:round/>
+            <a:headEnd/>
+            <a:tailEnd type="diamond" w="lg" len="lg"/>
+          </a:ln>
+        </p:spPr>
+      </p:cxnSp>
+      <p:grpSp>
+        <p:nvGrpSpPr>
+          <p:cNvPr id="52" name="Group 62"/>
+          <p:cNvGrpSpPr/>
+          <p:nvPr/>
+        </p:nvGrpSpPr>
+        <p:grpSpPr>
+          <a:xfrm rot="16200000" flipV="1">
+            <a:off x="5436096" y="2564904"/>
+            <a:ext cx="1296144" cy="864096"/>
+            <a:chOff x="2857487" y="3286125"/>
+            <a:chExt cx="214317" cy="1347797"/>
+          </a:xfrm>
+        </p:grpSpPr>
+        <p:cxnSp>
+          <p:nvCxnSpPr>
+            <p:cNvPr id="53" name="Conector de seta reta 22"/>
+            <p:cNvCxnSpPr>
+              <a:cxnSpLocks noChangeShapeType="1"/>
+            </p:cNvCxnSpPr>
+            <p:nvPr/>
+          </p:nvCxnSpPr>
+          <p:spPr bwMode="auto">
+            <a:xfrm rot="5400000" flipH="1" flipV="1">
+              <a:off x="2505060" y="3638552"/>
+              <a:ext cx="704856" cy="1"/>
+            </a:xfrm>
+            <a:prstGeom prst="straightConnector1">
+              <a:avLst/>
+            </a:prstGeom>
+            <a:noFill/>
+            <a:ln w="28575" algn="ctr">
+              <a:solidFill>
+                <a:srgbClr val="FFC000"/>
+              </a:solidFill>
+              <a:prstDash val="solid"/>
+              <a:round/>
+              <a:headEnd/>
+              <a:tailEnd type="none" w="lg" len="lg"/>
+            </a:ln>
+          </p:spPr>
+        </p:cxnSp>
+        <p:cxnSp>
+          <p:nvCxnSpPr>
+            <p:cNvPr id="54" name="Conector de seta reta 22"/>
+            <p:cNvCxnSpPr>
+              <a:cxnSpLocks noChangeShapeType="1"/>
+            </p:cNvCxnSpPr>
+            <p:nvPr/>
+          </p:nvCxnSpPr>
+          <p:spPr bwMode="auto">
+            <a:xfrm rot="10800000">
+              <a:off x="2857488" y="3989413"/>
+              <a:ext cx="214314" cy="1567"/>
+            </a:xfrm>
+            <a:prstGeom prst="straightConnector1">
+              <a:avLst/>
+            </a:prstGeom>
+            <a:noFill/>
+            <a:ln w="28575" algn="ctr">
+              <a:solidFill>
+                <a:srgbClr val="FFC000"/>
+              </a:solidFill>
+              <a:prstDash val="solid"/>
+              <a:round/>
+              <a:headEnd type="none" w="med" len="med"/>
+              <a:tailEnd type="none" w="med" len="med"/>
+            </a:ln>
+          </p:spPr>
+        </p:cxnSp>
+        <p:cxnSp>
+          <p:nvCxnSpPr>
+            <p:cNvPr id="55" name="Conector de seta reta 22"/>
+            <p:cNvCxnSpPr>
+              <a:cxnSpLocks noChangeShapeType="1"/>
+            </p:cNvCxnSpPr>
+            <p:nvPr/>
+          </p:nvCxnSpPr>
+          <p:spPr bwMode="auto">
+            <a:xfrm rot="5400000" flipH="1" flipV="1">
+              <a:off x="2755094" y="4317212"/>
+              <a:ext cx="633418" cy="2"/>
+            </a:xfrm>
+            <a:prstGeom prst="straightConnector1">
+              <a:avLst/>
+            </a:prstGeom>
+            <a:noFill/>
+            <a:ln w="28575" algn="ctr">
+              <a:solidFill>
+                <a:srgbClr val="FFC000"/>
+              </a:solidFill>
+              <a:prstDash val="solid"/>
+              <a:round/>
+              <a:headEnd type="diamond" w="lg" len="lg"/>
+              <a:tailEnd type="none" w="med" len="med"/>
+            </a:ln>
+          </p:spPr>
+        </p:cxnSp>
+      </p:grpSp>
+      <p:sp>
+        <p:nvSpPr>
+          <p:cNvPr id="46" name="CaixaDeTexto 45"/>
+          <p:cNvSpPr txBox="1"/>
+          <p:nvPr/>
+        </p:nvSpPr>
+        <p:spPr>
+          <a:xfrm>
+            <a:off x="5652120" y="1988840"/>
+            <a:ext cx="482824" cy="307777"/>
+          </a:xfrm>
+          <a:prstGeom prst="rect">
+            <a:avLst/>
+          </a:prstGeom>
+          <a:noFill/>
+        </p:spPr>
+        <p:txBody>
+          <a:bodyPr wrap="none" rtlCol="0">
+            <a:spAutoFit/>
+          </a:bodyPr>
+          <a:lstStyle/>
+          <a:p>
+            <a:r>
+              <a:rPr lang="pt-BR" sz="1400" dirty="0" smtClean="0"/>
+              <a:t>0..1</a:t>
+            </a:r>
+            <a:endParaRPr lang="pt-BR" sz="1400" dirty="0"/>
+          </a:p>
+        </p:txBody>
+      </p:sp>
+      <p:sp>
+        <p:nvSpPr>
+          <p:cNvPr id="56" name="CaixaDeTexto 55"/>
+          <p:cNvSpPr txBox="1"/>
+          <p:nvPr/>
+        </p:nvSpPr>
+        <p:spPr>
+          <a:xfrm>
+            <a:off x="5652120" y="3625279"/>
+            <a:ext cx="482824" cy="307777"/>
+          </a:xfrm>
+          <a:prstGeom prst="rect">
+            <a:avLst/>
+          </a:prstGeom>
+          <a:noFill/>
+        </p:spPr>
+        <p:txBody>
+          <a:bodyPr wrap="none" rtlCol="0">
+            <a:spAutoFit/>
+          </a:bodyPr>
+          <a:lstStyle/>
+          <a:p>
+            <a:r>
+              <a:rPr lang="pt-BR" sz="1400" dirty="0" smtClean="0"/>
+              <a:t>0..1</a:t>
+            </a:r>
+            <a:endParaRPr lang="pt-BR" sz="1400" dirty="0"/>
+          </a:p>
+        </p:txBody>
+      </p:sp>
+      <p:sp>
+        <p:nvSpPr>
+          <p:cNvPr id="57" name="CaixaDeTexto 56"/>
+          <p:cNvSpPr txBox="1"/>
+          <p:nvPr/>
+        </p:nvSpPr>
+        <p:spPr>
+          <a:xfrm>
+            <a:off x="5652120" y="5209455"/>
+            <a:ext cx="453970" cy="307777"/>
+          </a:xfrm>
+          <a:prstGeom prst="rect">
+            <a:avLst/>
+          </a:prstGeom>
+          <a:noFill/>
+        </p:spPr>
+        <p:txBody>
+          <a:bodyPr wrap="none" rtlCol="0">
+            <a:spAutoFit/>
+          </a:bodyPr>
+          <a:lstStyle/>
+          <a:p>
+            <a:r>
+              <a:rPr lang="pt-BR" sz="1400" dirty="0" smtClean="0"/>
+              <a:t>0..*</a:t>
+            </a:r>
+            <a:endParaRPr lang="pt-BR" sz="1400" dirty="0"/>
+          </a:p>
+        </p:txBody>
+      </p:sp>
     </p:spTree>
   </p:cSld>
   <p:clrMapOvr>
@@ -8517,7 +9339,153 @@
           <a:bodyPr/>
           <a:lstStyle/>
           <a:p>
-            <a:endParaRPr lang="pt-BR"/>
+            <a:r>
+              <a:rPr lang="pt-BR" sz="2800" dirty="0" smtClean="0"/>
+              <a:t>Carregamento do </a:t>
+            </a:r>
+            <a:r>
+              <a:rPr lang="pt-BR" sz="2800" dirty="0" err="1" smtClean="0"/>
+              <a:t>driver</a:t>
+            </a:r>
+            <a:endParaRPr lang="pt-BR" sz="2800" dirty="0" smtClean="0"/>
+          </a:p>
+          <a:p>
+            <a:pPr indent="-3175">
+              <a:buNone/>
+            </a:pPr>
+            <a:endParaRPr lang="pt-BR" sz="2200" dirty="0" smtClean="0"/>
+          </a:p>
+          <a:p>
+            <a:pPr indent="-3175">
+              <a:buNone/>
+            </a:pPr>
+            <a:r>
+              <a:rPr lang="pt-BR" sz="2200" dirty="0" smtClean="0"/>
+              <a:t>Antes de solicitar uma conexão com a base de dados, devemos primeiramente realizar o carregamento do </a:t>
+            </a:r>
+            <a:r>
+              <a:rPr lang="pt-BR" sz="2200" dirty="0" err="1" smtClean="0"/>
+              <a:t>driver</a:t>
+            </a:r>
+            <a:r>
+              <a:rPr lang="pt-BR" sz="2200" dirty="0" smtClean="0"/>
+              <a:t> para a memória através do comando:</a:t>
+            </a:r>
+          </a:p>
+          <a:p>
+            <a:pPr indent="-3175">
+              <a:buNone/>
+            </a:pPr>
+            <a:endParaRPr lang="pt-BR" sz="2200" dirty="0" smtClean="0"/>
+          </a:p>
+          <a:p>
+            <a:pPr indent="-3175" algn="ctr">
+              <a:buNone/>
+            </a:pPr>
+            <a:r>
+              <a:rPr lang="pt-BR" sz="2200" dirty="0" err="1" smtClean="0">
+                <a:solidFill>
+                  <a:srgbClr val="FFC000"/>
+                </a:solidFill>
+              </a:rPr>
+              <a:t>Class</a:t>
+            </a:r>
+            <a:r>
+              <a:rPr lang="pt-BR" sz="2200" dirty="0" smtClean="0">
+                <a:solidFill>
+                  <a:srgbClr val="FFC000"/>
+                </a:solidFill>
+              </a:rPr>
+              <a:t>.</a:t>
+            </a:r>
+            <a:r>
+              <a:rPr lang="pt-BR" sz="2200" dirty="0" err="1" smtClean="0">
+                <a:solidFill>
+                  <a:srgbClr val="FFC000"/>
+                </a:solidFill>
+              </a:rPr>
+              <a:t>forName</a:t>
+            </a:r>
+            <a:r>
+              <a:rPr lang="pt-BR" sz="2200" dirty="0" smtClean="0">
+                <a:solidFill>
+                  <a:srgbClr val="FFC000"/>
+                </a:solidFill>
+              </a:rPr>
+              <a:t>(“</a:t>
+            </a:r>
+            <a:r>
+              <a:rPr lang="pt-BR" sz="2200" dirty="0" err="1" smtClean="0"/>
+              <a:t>com.mysql.jdbc.Driver</a:t>
+            </a:r>
+            <a:r>
+              <a:rPr lang="pt-BR" sz="2200" dirty="0" err="1" smtClean="0">
+                <a:solidFill>
+                  <a:srgbClr val="FFC000"/>
+                </a:solidFill>
+              </a:rPr>
+              <a:t>”</a:t>
+            </a:r>
+            <a:r>
+              <a:rPr lang="pt-BR" sz="2200" dirty="0" smtClean="0">
+                <a:solidFill>
+                  <a:srgbClr val="FFC000"/>
+                </a:solidFill>
+              </a:rPr>
+              <a:t>)</a:t>
+            </a:r>
+          </a:p>
+          <a:p>
+            <a:pPr indent="-3175">
+              <a:buNone/>
+            </a:pPr>
+            <a:endParaRPr lang="pt-BR" sz="2200" dirty="0" smtClean="0"/>
+          </a:p>
+          <a:p>
+            <a:pPr indent="-3175">
+              <a:buNone/>
+            </a:pPr>
+            <a:r>
+              <a:rPr lang="pt-BR" sz="2200" dirty="0" smtClean="0"/>
+              <a:t>O comando </a:t>
+            </a:r>
+            <a:r>
+              <a:rPr lang="pt-BR" sz="2200" dirty="0" err="1" smtClean="0">
+                <a:solidFill>
+                  <a:srgbClr val="FFC000"/>
+                </a:solidFill>
+              </a:rPr>
+              <a:t>Class</a:t>
+            </a:r>
+            <a:r>
+              <a:rPr lang="pt-BR" sz="2200" dirty="0" smtClean="0">
+                <a:solidFill>
+                  <a:srgbClr val="FFC000"/>
+                </a:solidFill>
+              </a:rPr>
+              <a:t>.</a:t>
+            </a:r>
+            <a:r>
+              <a:rPr lang="pt-BR" sz="2200" dirty="0" err="1" smtClean="0">
+                <a:solidFill>
+                  <a:srgbClr val="FFC000"/>
+                </a:solidFill>
+              </a:rPr>
+              <a:t>forName</a:t>
+            </a:r>
+            <a:r>
+              <a:rPr lang="pt-BR" sz="2200" dirty="0" smtClean="0">
+                <a:solidFill>
+                  <a:srgbClr val="FFC000"/>
+                </a:solidFill>
+              </a:rPr>
+              <a:t>(“...”)</a:t>
+            </a:r>
+            <a:r>
+              <a:rPr lang="pt-BR" sz="2200" dirty="0" smtClean="0"/>
+              <a:t> realiza o carregamento de alguma classe para a memória sem criar instâncias.</a:t>
+            </a:r>
+            <a:endParaRPr lang="pt-BR" sz="2200" dirty="0"/>
           </a:p>
         </p:txBody>
       </p:sp>
@@ -8600,7 +9568,7 @@
             <a:pPr eaLnBrk="1" hangingPunct="1"/>
             <a:r>
               <a:rPr lang="pt-BR" dirty="0" smtClean="0"/>
-              <a:t>Operações na base de dados</a:t>
+              <a:t>Abrindo e fechando conexões</a:t>
             </a:r>
             <a:endParaRPr lang="pt-BR" dirty="0"/>
           </a:p>
@@ -8616,12 +9584,268 @@
             <p:ph idx="1"/>
           </p:nvPr>
         </p:nvSpPr>
-        <p:spPr/>
+        <p:spPr>
+          <a:xfrm>
+            <a:off x="457200" y="1600200"/>
+            <a:ext cx="8075240" cy="4525963"/>
+          </a:xfrm>
+        </p:spPr>
         <p:txBody>
           <a:bodyPr/>
           <a:lstStyle/>
           <a:p>
-            <a:endParaRPr lang="pt-BR"/>
+            <a:r>
+              <a:rPr lang="pt-BR" sz="2800" dirty="0" smtClean="0"/>
+              <a:t>Carregamento do </a:t>
+            </a:r>
+            <a:r>
+              <a:rPr lang="pt-BR" sz="2800" dirty="0" err="1" smtClean="0"/>
+              <a:t>driver</a:t>
+            </a:r>
+            <a:endParaRPr lang="pt-BR" sz="2800" dirty="0" smtClean="0"/>
+          </a:p>
+          <a:p>
+            <a:pPr indent="-3175">
+              <a:buNone/>
+            </a:pPr>
+            <a:endParaRPr lang="pt-BR" sz="2200" dirty="0" smtClean="0"/>
+          </a:p>
+          <a:p>
+            <a:pPr indent="-3175">
+              <a:buNone/>
+            </a:pPr>
+            <a:r>
+              <a:rPr lang="pt-BR" sz="2200" dirty="0" smtClean="0"/>
+              <a:t>O método </a:t>
+            </a:r>
+            <a:r>
+              <a:rPr lang="pt-BR" sz="2200" dirty="0" err="1" smtClean="0"/>
+              <a:t>forName</a:t>
+            </a:r>
+            <a:r>
+              <a:rPr lang="pt-BR" sz="2200" dirty="0" smtClean="0"/>
+              <a:t>() requer o tratamento da exception </a:t>
+            </a:r>
+            <a:r>
+              <a:rPr lang="pt-BR" sz="2200" u="sng" dirty="0" err="1" smtClean="0"/>
+              <a:t>ClassNotFoundException</a:t>
+            </a:r>
+            <a:r>
+              <a:rPr lang="pt-BR" sz="2200" dirty="0" smtClean="0"/>
+              <a:t> que pode ocorrer na aplicação caso o </a:t>
+            </a:r>
+            <a:r>
+              <a:rPr lang="pt-BR" sz="2200" dirty="0" err="1" smtClean="0"/>
+              <a:t>driver</a:t>
+            </a:r>
+            <a:r>
+              <a:rPr lang="pt-BR" sz="2200" dirty="0" smtClean="0"/>
+              <a:t> não esteja no </a:t>
+            </a:r>
+            <a:r>
+              <a:rPr lang="pt-BR" sz="2200" dirty="0" err="1" smtClean="0"/>
+              <a:t>classpath</a:t>
+            </a:r>
+            <a:r>
+              <a:rPr lang="pt-BR" sz="2200" dirty="0" smtClean="0"/>
+              <a:t>:</a:t>
+            </a:r>
+          </a:p>
+          <a:p>
+            <a:pPr indent="-3175">
+              <a:buNone/>
+            </a:pPr>
+            <a:endParaRPr lang="pt-BR" sz="2200" dirty="0" smtClean="0"/>
+          </a:p>
+          <a:p>
+            <a:pPr indent="-3175">
+              <a:buNone/>
+            </a:pPr>
+            <a:r>
+              <a:rPr lang="pt-BR" sz="2200" dirty="0" err="1" smtClean="0">
+                <a:solidFill>
+                  <a:srgbClr val="FFC000"/>
+                </a:solidFill>
+              </a:rPr>
+              <a:t>try</a:t>
+            </a:r>
+            <a:r>
+              <a:rPr lang="pt-BR" sz="2200" dirty="0" smtClean="0">
+                <a:solidFill>
+                  <a:srgbClr val="FFC000"/>
+                </a:solidFill>
+              </a:rPr>
+              <a:t> {</a:t>
+            </a:r>
+          </a:p>
+          <a:p>
+            <a:pPr indent="-3175">
+              <a:buNone/>
+            </a:pPr>
+            <a:r>
+              <a:rPr lang="pt-BR" sz="2200" dirty="0" smtClean="0">
+                <a:solidFill>
+                  <a:srgbClr val="FFC000"/>
+                </a:solidFill>
+              </a:rPr>
+              <a:t>	</a:t>
+            </a:r>
+            <a:r>
+              <a:rPr lang="pt-BR" sz="2200" dirty="0" smtClean="0">
+                <a:solidFill>
+                  <a:srgbClr val="FFC000"/>
+                </a:solidFill>
+              </a:rPr>
+              <a:t>	</a:t>
+            </a:r>
+            <a:r>
+              <a:rPr lang="pt-BR" sz="2200" dirty="0" err="1" smtClean="0">
+                <a:solidFill>
+                  <a:srgbClr val="FFC000"/>
+                </a:solidFill>
+              </a:rPr>
+              <a:t>Class</a:t>
+            </a:r>
+            <a:r>
+              <a:rPr lang="pt-BR" sz="2200" dirty="0" smtClean="0">
+                <a:solidFill>
+                  <a:srgbClr val="FFC000"/>
+                </a:solidFill>
+              </a:rPr>
+              <a:t>.</a:t>
+            </a:r>
+            <a:r>
+              <a:rPr lang="pt-BR" sz="2200" dirty="0" err="1" smtClean="0">
+                <a:solidFill>
+                  <a:srgbClr val="FFC000"/>
+                </a:solidFill>
+              </a:rPr>
+              <a:t>forName</a:t>
+            </a:r>
+            <a:r>
+              <a:rPr lang="pt-BR" sz="2200" dirty="0" smtClean="0">
+                <a:solidFill>
+                  <a:srgbClr val="FFC000"/>
+                </a:solidFill>
+              </a:rPr>
+              <a:t>(“</a:t>
+            </a:r>
+            <a:r>
+              <a:rPr lang="pt-BR" sz="2200" dirty="0" err="1" smtClean="0">
+                <a:solidFill>
+                  <a:srgbClr val="FFC000"/>
+                </a:solidFill>
+              </a:rPr>
+              <a:t>com.mysql.jdbc.Driver”</a:t>
+            </a:r>
+            <a:r>
+              <a:rPr lang="pt-BR" sz="2200" dirty="0" smtClean="0">
+                <a:solidFill>
+                  <a:srgbClr val="FFC000"/>
+                </a:solidFill>
+              </a:rPr>
+              <a:t>);</a:t>
+            </a:r>
+          </a:p>
+          <a:p>
+            <a:pPr indent="-3175">
+              <a:buNone/>
+            </a:pPr>
+            <a:r>
+              <a:rPr lang="pt-BR" sz="2200" dirty="0" smtClean="0">
+                <a:solidFill>
+                  <a:srgbClr val="FFC000"/>
+                </a:solidFill>
+              </a:rPr>
+              <a:t>} catch (</a:t>
+            </a:r>
+            <a:r>
+              <a:rPr lang="pt-BR" sz="2200" u="sng" dirty="0" err="1" smtClean="0">
+                <a:solidFill>
+                  <a:srgbClr val="FFC000"/>
+                </a:solidFill>
+              </a:rPr>
+              <a:t>ClassNotFoundException</a:t>
+            </a:r>
+            <a:r>
+              <a:rPr lang="pt-BR" sz="2200" dirty="0" smtClean="0">
+                <a:solidFill>
+                  <a:srgbClr val="FFC000"/>
+                </a:solidFill>
+              </a:rPr>
+              <a:t> e) {</a:t>
+            </a:r>
+          </a:p>
+          <a:p>
+            <a:pPr indent="-3175">
+              <a:buNone/>
+            </a:pPr>
+            <a:r>
+              <a:rPr lang="pt-BR" sz="2200" dirty="0" smtClean="0">
+                <a:solidFill>
+                  <a:srgbClr val="FFC000"/>
+                </a:solidFill>
+              </a:rPr>
+              <a:t>	</a:t>
+            </a:r>
+            <a:r>
+              <a:rPr lang="pt-BR" sz="2200" dirty="0" smtClean="0">
+                <a:solidFill>
+                  <a:srgbClr val="FFC000"/>
+                </a:solidFill>
+              </a:rPr>
+              <a:t>	System.</a:t>
+            </a:r>
+            <a:r>
+              <a:rPr lang="pt-BR" sz="2200" dirty="0" err="1" smtClean="0">
+                <a:solidFill>
+                  <a:srgbClr val="FFC000"/>
+                </a:solidFill>
+              </a:rPr>
+              <a:t>out.println</a:t>
+            </a:r>
+            <a:r>
+              <a:rPr lang="pt-BR" sz="2200" dirty="0" smtClean="0">
+                <a:solidFill>
+                  <a:srgbClr val="FFC000"/>
+                </a:solidFill>
+              </a:rPr>
+              <a:t>(“Não foi possível carregar o </a:t>
+            </a:r>
+            <a:r>
+              <a:rPr lang="pt-BR" sz="2200" dirty="0" err="1" smtClean="0">
+                <a:solidFill>
+                  <a:srgbClr val="FFC000"/>
+                </a:solidFill>
+              </a:rPr>
+              <a:t>driver</a:t>
+            </a:r>
+            <a:r>
+              <a:rPr lang="pt-BR" sz="2200" dirty="0" smtClean="0">
+                <a:solidFill>
+                  <a:srgbClr val="FFC000"/>
+                </a:solidFill>
+              </a:rPr>
+              <a:t>.”);</a:t>
+            </a:r>
+          </a:p>
+          <a:p>
+            <a:pPr indent="-3175">
+              <a:buNone/>
+            </a:pPr>
+            <a:r>
+              <a:rPr lang="pt-BR" sz="2200" dirty="0" smtClean="0">
+                <a:solidFill>
+                  <a:srgbClr val="FFC000"/>
+                </a:solidFill>
+              </a:rPr>
+              <a:t>}</a:t>
+            </a:r>
+            <a:endParaRPr lang="pt-BR" sz="2200" dirty="0" smtClean="0">
+              <a:solidFill>
+                <a:srgbClr val="FFC000"/>
+              </a:solidFill>
+            </a:endParaRPr>
           </a:p>
         </p:txBody>
       </p:sp>
@@ -8659,6 +9883,13 @@
   <p:clrMapOvr>
     <a:masterClrMapping/>
   </p:clrMapOvr>
+  <p:timing>
+    <p:tnLst>
+      <p:par>
+        <p:cTn id="1" dur="indefinite" restart="never" nodeType="tmRoot"/>
+      </p:par>
+    </p:tnLst>
+  </p:timing>
 </p:sld>
 </file>
 
@@ -8697,7 +9928,7 @@
             <a:pPr eaLnBrk="1" hangingPunct="1"/>
             <a:r>
               <a:rPr lang="pt-BR" dirty="0" smtClean="0"/>
-              <a:t>Operações parametrizadas</a:t>
+              <a:t>Abrindo e fechando conexões</a:t>
             </a:r>
             <a:endParaRPr lang="pt-BR" dirty="0"/>
           </a:p>
@@ -8713,12 +9944,291 @@
             <p:ph idx="1"/>
           </p:nvPr>
         </p:nvSpPr>
-        <p:spPr/>
+        <p:spPr>
+          <a:xfrm>
+            <a:off x="457200" y="1600200"/>
+            <a:ext cx="8075240" cy="4525963"/>
+          </a:xfrm>
+        </p:spPr>
         <p:txBody>
           <a:bodyPr/>
           <a:lstStyle/>
           <a:p>
-            <a:endParaRPr lang="pt-BR"/>
+            <a:pPr>
+              <a:spcBef>
+                <a:spcPts val="1800"/>
+              </a:spcBef>
+            </a:pPr>
+            <a:r>
+              <a:rPr lang="pt-BR" sz="2800" dirty="0" smtClean="0"/>
+              <a:t>Abrindo a conexão com a base de dados.</a:t>
+            </a:r>
+          </a:p>
+          <a:p>
+            <a:pPr lvl="1">
+              <a:spcBef>
+                <a:spcPts val="1800"/>
+              </a:spcBef>
+            </a:pPr>
+            <a:r>
+              <a:rPr lang="pt-BR" sz="2400" dirty="0" smtClean="0"/>
+              <a:t>A </a:t>
+            </a:r>
+            <a:r>
+              <a:rPr lang="pt-BR" sz="2400" dirty="0" smtClean="0"/>
+              <a:t>interface </a:t>
+            </a:r>
+            <a:r>
+              <a:rPr lang="pt-BR" sz="2400" dirty="0" err="1" smtClean="0">
+                <a:solidFill>
+                  <a:srgbClr val="FFC000"/>
+                </a:solidFill>
+              </a:rPr>
+              <a:t>java</a:t>
+            </a:r>
+            <a:r>
+              <a:rPr lang="pt-BR" sz="2400" dirty="0" smtClean="0">
+                <a:solidFill>
+                  <a:srgbClr val="FFC000"/>
+                </a:solidFill>
+              </a:rPr>
+              <a:t>.</a:t>
+            </a:r>
+            <a:r>
+              <a:rPr lang="pt-BR" sz="2400" dirty="0" err="1" smtClean="0">
+                <a:solidFill>
+                  <a:srgbClr val="FFC000"/>
+                </a:solidFill>
+              </a:rPr>
+              <a:t>sql</a:t>
+            </a:r>
+            <a:r>
+              <a:rPr lang="pt-BR" sz="2400" dirty="0" smtClean="0">
+                <a:solidFill>
+                  <a:srgbClr val="FFC000"/>
+                </a:solidFill>
+              </a:rPr>
+              <a:t>.Connection</a:t>
+            </a:r>
+            <a:r>
+              <a:rPr lang="pt-BR" sz="2400" dirty="0" smtClean="0"/>
+              <a:t> representa uma conexão com a base de dados e é o ponto de partida para realizarmos qualquer tipo de operação com esta.</a:t>
+            </a:r>
+          </a:p>
+          <a:p>
+            <a:pPr lvl="1">
+              <a:spcBef>
+                <a:spcPts val="1800"/>
+              </a:spcBef>
+            </a:pPr>
+            <a:r>
+              <a:rPr lang="pt-BR" sz="2400" dirty="0" smtClean="0"/>
+              <a:t>Podemos </a:t>
+            </a:r>
+            <a:r>
+              <a:rPr lang="pt-BR" sz="2400" dirty="0" err="1" smtClean="0"/>
+              <a:t>obtem</a:t>
+            </a:r>
+            <a:r>
+              <a:rPr lang="pt-BR" sz="2400" dirty="0" smtClean="0"/>
+              <a:t> uma Connection (abrir uma conexão) utilizando a classe </a:t>
+            </a:r>
+            <a:r>
+              <a:rPr lang="pt-BR" sz="2400" dirty="0" err="1" smtClean="0">
+                <a:solidFill>
+                  <a:srgbClr val="FFC000"/>
+                </a:solidFill>
+              </a:rPr>
+              <a:t>java</a:t>
+            </a:r>
+            <a:r>
+              <a:rPr lang="pt-BR" sz="2400" dirty="0" smtClean="0">
+                <a:solidFill>
+                  <a:srgbClr val="FFC000"/>
+                </a:solidFill>
+              </a:rPr>
+              <a:t>.</a:t>
+            </a:r>
+            <a:r>
+              <a:rPr lang="pt-BR" sz="2400" dirty="0" err="1" smtClean="0">
+                <a:solidFill>
+                  <a:srgbClr val="FFC000"/>
+                </a:solidFill>
+              </a:rPr>
+              <a:t>sql</a:t>
+            </a:r>
+            <a:r>
+              <a:rPr lang="pt-BR" sz="2400" dirty="0" smtClean="0">
+                <a:solidFill>
+                  <a:srgbClr val="FFC000"/>
+                </a:solidFill>
+              </a:rPr>
+              <a:t>.</a:t>
+            </a:r>
+            <a:r>
+              <a:rPr lang="pt-BR" sz="2400" dirty="0" err="1" smtClean="0">
+                <a:solidFill>
+                  <a:srgbClr val="FFC000"/>
+                </a:solidFill>
+              </a:rPr>
+              <a:t>DriverManager</a:t>
+            </a:r>
+            <a:r>
+              <a:rPr lang="pt-BR" sz="2400" dirty="0" smtClean="0"/>
+              <a:t>:</a:t>
+            </a:r>
+            <a:endParaRPr lang="pt-BR" sz="2400" dirty="0" smtClean="0">
+              <a:solidFill>
+                <a:srgbClr val="FFC000"/>
+              </a:solidFill>
+            </a:endParaRPr>
+          </a:p>
+          <a:p>
+            <a:pPr lvl="1" indent="-1588">
+              <a:spcBef>
+                <a:spcPts val="1800"/>
+              </a:spcBef>
+              <a:buNone/>
+              <a:tabLst>
+                <a:tab pos="1344613" algn="l"/>
+              </a:tabLst>
+            </a:pPr>
+            <a:r>
+              <a:rPr lang="pt-BR" sz="2000" dirty="0" smtClean="0">
+                <a:solidFill>
+                  <a:srgbClr val="FFC000"/>
+                </a:solidFill>
+              </a:rPr>
+              <a:t>Connection </a:t>
+            </a:r>
+            <a:r>
+              <a:rPr lang="pt-BR" sz="2000" dirty="0" err="1" smtClean="0">
+                <a:solidFill>
+                  <a:srgbClr val="FFC000"/>
+                </a:solidFill>
+              </a:rPr>
+              <a:t>cn</a:t>
+            </a:r>
+            <a:r>
+              <a:rPr lang="pt-BR" sz="2000" dirty="0" smtClean="0">
+                <a:solidFill>
+                  <a:srgbClr val="FFC000"/>
+                </a:solidFill>
+              </a:rPr>
+              <a:t> = </a:t>
+            </a:r>
+            <a:r>
+              <a:rPr lang="pt-BR" sz="2000" dirty="0" err="1" smtClean="0">
+                <a:solidFill>
+                  <a:srgbClr val="FFC000"/>
+                </a:solidFill>
+              </a:rPr>
+              <a:t>DriverManager</a:t>
+            </a:r>
+            <a:r>
+              <a:rPr lang="pt-BR" sz="2000" dirty="0" smtClean="0">
+                <a:solidFill>
+                  <a:srgbClr val="FFC000"/>
+                </a:solidFill>
+              </a:rPr>
+              <a:t>.</a:t>
+            </a:r>
+            <a:r>
+              <a:rPr lang="pt-BR" sz="2000" dirty="0" err="1" smtClean="0">
+                <a:solidFill>
+                  <a:srgbClr val="FFC000"/>
+                </a:solidFill>
+              </a:rPr>
+              <a:t>getConnection</a:t>
+            </a:r>
+            <a:r>
+              <a:rPr lang="pt-BR" sz="2000" dirty="0" smtClean="0">
+                <a:solidFill>
+                  <a:srgbClr val="FFC000"/>
+                </a:solidFill>
+              </a:rPr>
+              <a:t>(</a:t>
+            </a:r>
+            <a:br>
+              <a:rPr lang="pt-BR" sz="2000" dirty="0" smtClean="0">
+                <a:solidFill>
+                  <a:srgbClr val="FFC000"/>
+                </a:solidFill>
+              </a:rPr>
+            </a:br>
+            <a:r>
+              <a:rPr lang="pt-BR" sz="2000" dirty="0" smtClean="0">
+                <a:solidFill>
+                  <a:srgbClr val="FFC000"/>
+                </a:solidFill>
+              </a:rPr>
+              <a:t>	“</a:t>
+            </a:r>
+            <a:r>
+              <a:rPr lang="pt-BR" sz="2000" dirty="0" err="1" smtClean="0"/>
+              <a:t>jdbc</a:t>
+            </a:r>
+            <a:r>
+              <a:rPr lang="pt-BR" sz="2000" dirty="0" smtClean="0"/>
+              <a:t>:</a:t>
+            </a:r>
+            <a:r>
+              <a:rPr lang="pt-BR" sz="2000" dirty="0" err="1" smtClean="0"/>
+              <a:t>mysql</a:t>
+            </a:r>
+            <a:r>
+              <a:rPr lang="pt-BR" sz="2000" dirty="0" smtClean="0"/>
+              <a:t>://sigma.server.com.</a:t>
+            </a:r>
+            <a:r>
+              <a:rPr lang="pt-BR" sz="2000" dirty="0" err="1" smtClean="0"/>
+              <a:t>br</a:t>
+            </a:r>
+            <a:r>
+              <a:rPr lang="pt-BR" sz="2000" dirty="0" smtClean="0"/>
+              <a:t>:3306/</a:t>
+            </a:r>
+            <a:r>
+              <a:rPr lang="pt-BR" sz="2000" dirty="0" err="1" smtClean="0"/>
+              <a:t>dbtest</a:t>
+            </a:r>
+            <a:r>
+              <a:rPr lang="pt-BR" sz="2000" dirty="0" smtClean="0">
+                <a:solidFill>
+                  <a:srgbClr val="FFC000"/>
+                </a:solidFill>
+              </a:rPr>
+              <a:t>”,	“</a:t>
+            </a:r>
+            <a:r>
+              <a:rPr lang="pt-BR" sz="2000" dirty="0" err="1" smtClean="0"/>
+              <a:t>usuario</a:t>
+            </a:r>
+            <a:r>
+              <a:rPr lang="pt-BR" sz="2000" dirty="0" smtClean="0">
+                <a:solidFill>
+                  <a:srgbClr val="FFC000"/>
+                </a:solidFill>
+              </a:rPr>
+              <a:t>”, “</a:t>
+            </a:r>
+            <a:r>
+              <a:rPr lang="pt-BR" sz="2000" dirty="0" smtClean="0"/>
+              <a:t>senha</a:t>
+            </a:r>
+            <a:r>
+              <a:rPr lang="pt-BR" sz="2000" dirty="0" smtClean="0">
+                <a:solidFill>
+                  <a:srgbClr val="FFC000"/>
+                </a:solidFill>
+              </a:rPr>
+              <a:t>”);</a:t>
+            </a:r>
+            <a:endParaRPr lang="pt-BR" sz="2000" dirty="0" smtClean="0">
+              <a:solidFill>
+                <a:srgbClr val="FFC000"/>
+              </a:solidFill>
+            </a:endParaRPr>
           </a:p>
         </p:txBody>
       </p:sp>
@@ -8756,6 +10266,13 @@
   <p:clrMapOvr>
     <a:masterClrMapping/>
   </p:clrMapOvr>
+  <p:timing>
+    <p:tnLst>
+      <p:par>
+        <p:cTn id="1" dur="indefinite" restart="never" nodeType="tmRoot"/>
+      </p:par>
+    </p:tnLst>
+  </p:timing>
 </p:sld>
 </file>
 
@@ -8794,7 +10311,7 @@
             <a:pPr eaLnBrk="1" hangingPunct="1"/>
             <a:r>
               <a:rPr lang="pt-BR" dirty="0" smtClean="0"/>
-              <a:t>Transações</a:t>
+              <a:t>Abrindo e fechando conexões</a:t>
             </a:r>
             <a:endParaRPr lang="pt-BR" dirty="0"/>
           </a:p>
@@ -8810,12 +10327,157 @@
             <p:ph idx="1"/>
           </p:nvPr>
         </p:nvSpPr>
-        <p:spPr/>
+        <p:spPr>
+          <a:xfrm>
+            <a:off x="457200" y="1600200"/>
+            <a:ext cx="8075240" cy="4525963"/>
+          </a:xfrm>
+        </p:spPr>
         <p:txBody>
           <a:bodyPr/>
           <a:lstStyle/>
           <a:p>
-            <a:endParaRPr lang="pt-BR"/>
+            <a:pPr>
+              <a:spcBef>
+                <a:spcPts val="1800"/>
+              </a:spcBef>
+            </a:pPr>
+            <a:r>
+              <a:rPr lang="pt-BR" sz="2800" dirty="0" smtClean="0"/>
+              <a:t>Abrindo a conexão com a base de dados.</a:t>
+            </a:r>
+          </a:p>
+          <a:p>
+            <a:pPr lvl="1">
+              <a:spcBef>
+                <a:spcPts val="1800"/>
+              </a:spcBef>
+            </a:pPr>
+            <a:endParaRPr lang="pt-BR" sz="2400" dirty="0" smtClean="0">
+              <a:solidFill>
+                <a:srgbClr val="FFC000"/>
+              </a:solidFill>
+            </a:endParaRPr>
+          </a:p>
+          <a:p>
+            <a:pPr marL="1588" lvl="1" indent="-1588">
+              <a:spcBef>
+                <a:spcPts val="1800"/>
+              </a:spcBef>
+              <a:buNone/>
+            </a:pPr>
+            <a:r>
+              <a:rPr lang="pt-BR" sz="2000" dirty="0" err="1" smtClean="0">
+                <a:solidFill>
+                  <a:srgbClr val="FFC000"/>
+                </a:solidFill>
+              </a:rPr>
+              <a:t>DriverManager</a:t>
+            </a:r>
+            <a:r>
+              <a:rPr lang="pt-BR" sz="2000" dirty="0" smtClean="0">
+                <a:solidFill>
+                  <a:srgbClr val="FFC000"/>
+                </a:solidFill>
+              </a:rPr>
+              <a:t>.</a:t>
+            </a:r>
+            <a:r>
+              <a:rPr lang="pt-BR" sz="2000" dirty="0" err="1" smtClean="0">
+                <a:solidFill>
+                  <a:srgbClr val="FFC000"/>
+                </a:solidFill>
+              </a:rPr>
+              <a:t>getConnection</a:t>
+            </a:r>
+            <a:r>
+              <a:rPr lang="pt-BR" sz="2000" dirty="0" smtClean="0">
+                <a:solidFill>
+                  <a:srgbClr val="FFC000"/>
+                </a:solidFill>
+              </a:rPr>
+              <a:t>(</a:t>
+            </a:r>
+            <a:br>
+              <a:rPr lang="pt-BR" sz="2000" dirty="0" smtClean="0">
+                <a:solidFill>
+                  <a:srgbClr val="FFC000"/>
+                </a:solidFill>
+              </a:rPr>
+            </a:br>
+            <a:r>
+              <a:rPr lang="pt-BR" sz="2000" dirty="0" smtClean="0">
+                <a:solidFill>
+                  <a:srgbClr val="FFC000"/>
+                </a:solidFill>
+              </a:rPr>
+              <a:t>“</a:t>
+            </a:r>
+            <a:r>
+              <a:rPr lang="pt-BR" sz="2000" dirty="0" err="1" smtClean="0"/>
+              <a:t>jdbc</a:t>
+            </a:r>
+            <a:r>
+              <a:rPr lang="pt-BR" sz="2000" dirty="0" smtClean="0"/>
+              <a:t>:</a:t>
+            </a:r>
+            <a:r>
+              <a:rPr lang="pt-BR" sz="2000" dirty="0" err="1" smtClean="0"/>
+              <a:t>mysql</a:t>
+            </a:r>
+            <a:r>
+              <a:rPr lang="pt-BR" sz="2000" dirty="0" smtClean="0"/>
+              <a:t>://sigma.server.com.</a:t>
+            </a:r>
+            <a:r>
+              <a:rPr lang="pt-BR" sz="2000" dirty="0" err="1" smtClean="0"/>
+              <a:t>br</a:t>
+            </a:r>
+            <a:r>
+              <a:rPr lang="pt-BR" sz="2000" dirty="0" smtClean="0"/>
+              <a:t>:3306/</a:t>
+            </a:r>
+            <a:r>
+              <a:rPr lang="pt-BR" sz="2000" dirty="0" err="1" smtClean="0"/>
+              <a:t>dbtest</a:t>
+            </a:r>
+            <a:r>
+              <a:rPr lang="pt-BR" sz="2000" dirty="0" smtClean="0">
+                <a:solidFill>
+                  <a:srgbClr val="FFC000"/>
+                </a:solidFill>
+              </a:rPr>
+              <a:t>”, “</a:t>
+            </a:r>
+            <a:r>
+              <a:rPr lang="pt-BR" sz="2000" dirty="0" err="1" smtClean="0"/>
+              <a:t>usuario</a:t>
+            </a:r>
+            <a:r>
+              <a:rPr lang="pt-BR" sz="2000" dirty="0" smtClean="0">
+                <a:solidFill>
+                  <a:srgbClr val="FFC000"/>
+                </a:solidFill>
+              </a:rPr>
+              <a:t>”, “</a:t>
+            </a:r>
+            <a:r>
+              <a:rPr lang="pt-BR" sz="2000" dirty="0" smtClean="0"/>
+              <a:t>senha</a:t>
+            </a:r>
+            <a:r>
+              <a:rPr lang="pt-BR" sz="2000" dirty="0" smtClean="0">
+                <a:solidFill>
+                  <a:srgbClr val="FFC000"/>
+                </a:solidFill>
+              </a:rPr>
+              <a:t>”);</a:t>
+            </a:r>
+            <a:endParaRPr lang="pt-BR" sz="2000" dirty="0" smtClean="0">
+              <a:solidFill>
+                <a:srgbClr val="FFC000"/>
+              </a:solidFill>
+            </a:endParaRPr>
           </a:p>
         </p:txBody>
       </p:sp>
@@ -8848,11 +10510,262 @@
           </a:p>
         </p:txBody>
       </p:sp>
+      <p:sp>
+        <p:nvSpPr>
+          <p:cNvPr id="5" name="Chave direita 4"/>
+          <p:cNvSpPr/>
+          <p:nvPr/>
+        </p:nvSpPr>
+        <p:spPr>
+          <a:xfrm rot="5400000">
+            <a:off x="2987824" y="1124744"/>
+            <a:ext cx="360040" cy="5112568"/>
+          </a:xfrm>
+          <a:prstGeom prst="rightBrace">
+            <a:avLst/>
+          </a:prstGeom>
+          <a:ln w="28575">
+            <a:solidFill>
+              <a:schemeClr val="tx1"/>
+            </a:solidFill>
+          </a:ln>
+        </p:spPr>
+        <p:style>
+          <a:lnRef idx="1">
+            <a:schemeClr val="accent1"/>
+          </a:lnRef>
+          <a:fillRef idx="0">
+            <a:schemeClr val="accent1"/>
+          </a:fillRef>
+          <a:effectRef idx="0">
+            <a:schemeClr val="accent1"/>
+          </a:effectRef>
+          <a:fontRef idx="minor">
+            <a:schemeClr val="tx1"/>
+          </a:fontRef>
+        </p:style>
+        <p:txBody>
+          <a:bodyPr rtlCol="0" anchor="ctr"/>
+          <a:lstStyle/>
+          <a:p>
+            <a:pPr algn="ctr"/>
+            <a:endParaRPr lang="pt-BR"/>
+          </a:p>
+        </p:txBody>
+      </p:sp>
+      <p:sp>
+        <p:nvSpPr>
+          <p:cNvPr id="6" name="Chave direita 5"/>
+          <p:cNvSpPr/>
+          <p:nvPr/>
+        </p:nvSpPr>
+        <p:spPr>
+          <a:xfrm rot="5400000">
+            <a:off x="6264188" y="3248980"/>
+            <a:ext cx="360040" cy="864096"/>
+          </a:xfrm>
+          <a:prstGeom prst="rightBrace">
+            <a:avLst/>
+          </a:prstGeom>
+          <a:ln w="28575">
+            <a:solidFill>
+              <a:schemeClr val="tx1"/>
+            </a:solidFill>
+          </a:ln>
+        </p:spPr>
+        <p:style>
+          <a:lnRef idx="1">
+            <a:schemeClr val="accent1"/>
+          </a:lnRef>
+          <a:fillRef idx="0">
+            <a:schemeClr val="accent1"/>
+          </a:fillRef>
+          <a:effectRef idx="0">
+            <a:schemeClr val="accent1"/>
+          </a:effectRef>
+          <a:fontRef idx="minor">
+            <a:schemeClr val="tx1"/>
+          </a:fontRef>
+        </p:style>
+        <p:txBody>
+          <a:bodyPr rtlCol="0" anchor="ctr"/>
+          <a:lstStyle/>
+          <a:p>
+            <a:pPr algn="ctr"/>
+            <a:endParaRPr lang="pt-BR"/>
+          </a:p>
+        </p:txBody>
+      </p:sp>
+      <p:sp>
+        <p:nvSpPr>
+          <p:cNvPr id="8" name="Chave direita 7"/>
+          <p:cNvSpPr/>
+          <p:nvPr/>
+        </p:nvSpPr>
+        <p:spPr>
+          <a:xfrm rot="5400000">
+            <a:off x="7344308" y="3248980"/>
+            <a:ext cx="360040" cy="864096"/>
+          </a:xfrm>
+          <a:prstGeom prst="rightBrace">
+            <a:avLst/>
+          </a:prstGeom>
+          <a:ln w="28575">
+            <a:solidFill>
+              <a:schemeClr val="tx1"/>
+            </a:solidFill>
+          </a:ln>
+        </p:spPr>
+        <p:style>
+          <a:lnRef idx="1">
+            <a:schemeClr val="accent1"/>
+          </a:lnRef>
+          <a:fillRef idx="0">
+            <a:schemeClr val="accent1"/>
+          </a:fillRef>
+          <a:effectRef idx="0">
+            <a:schemeClr val="accent1"/>
+          </a:effectRef>
+          <a:fontRef idx="minor">
+            <a:schemeClr val="tx1"/>
+          </a:fontRef>
+        </p:style>
+        <p:txBody>
+          <a:bodyPr rtlCol="0" anchor="ctr"/>
+          <a:lstStyle/>
+          <a:p>
+            <a:pPr algn="ctr"/>
+            <a:endParaRPr lang="pt-BR"/>
+          </a:p>
+        </p:txBody>
+      </p:sp>
+      <p:sp>
+        <p:nvSpPr>
+          <p:cNvPr id="9" name="CaixaDeTexto 8"/>
+          <p:cNvSpPr txBox="1"/>
+          <p:nvPr/>
+        </p:nvSpPr>
+        <p:spPr>
+          <a:xfrm>
+            <a:off x="1475656" y="4005064"/>
+            <a:ext cx="3342582" cy="584775"/>
+          </a:xfrm>
+          <a:prstGeom prst="rect">
+            <a:avLst/>
+          </a:prstGeom>
+          <a:noFill/>
+          <a:ln>
+            <a:solidFill>
+              <a:schemeClr val="tx1"/>
+            </a:solidFill>
+          </a:ln>
+        </p:spPr>
+        <p:txBody>
+          <a:bodyPr wrap="none" rtlCol="0">
+            <a:spAutoFit/>
+          </a:bodyPr>
+          <a:lstStyle/>
+          <a:p>
+            <a:pPr algn="ctr"/>
+            <a:r>
+              <a:rPr lang="pt-BR" sz="1600" b="1" dirty="0" smtClean="0"/>
+              <a:t>URL de conexão</a:t>
+            </a:r>
+          </a:p>
+          <a:p>
+            <a:pPr algn="ctr"/>
+            <a:r>
+              <a:rPr lang="pt-BR" sz="1600" b="1" dirty="0" smtClean="0"/>
+              <a:t>(Caminho/endereço do servidor)</a:t>
+            </a:r>
+            <a:endParaRPr lang="pt-BR" sz="1600" b="1" dirty="0"/>
+          </a:p>
+        </p:txBody>
+      </p:sp>
+      <p:sp>
+        <p:nvSpPr>
+          <p:cNvPr id="10" name="CaixaDeTexto 9"/>
+          <p:cNvSpPr txBox="1"/>
+          <p:nvPr/>
+        </p:nvSpPr>
+        <p:spPr>
+          <a:xfrm>
+            <a:off x="5868144" y="4077072"/>
+            <a:ext cx="1008112" cy="432048"/>
+          </a:xfrm>
+          <a:prstGeom prst="rect">
+            <a:avLst/>
+          </a:prstGeom>
+          <a:noFill/>
+          <a:ln>
+            <a:solidFill>
+              <a:schemeClr val="tx1"/>
+            </a:solidFill>
+          </a:ln>
+        </p:spPr>
+        <p:txBody>
+          <a:bodyPr wrap="square" rtlCol="0" anchor="ctr">
+            <a:noAutofit/>
+          </a:bodyPr>
+          <a:lstStyle/>
+          <a:p>
+            <a:pPr algn="ctr"/>
+            <a:r>
+              <a:rPr lang="pt-BR" sz="1600" b="1" dirty="0" smtClean="0"/>
+              <a:t>Usuário</a:t>
+            </a:r>
+            <a:endParaRPr lang="pt-BR" sz="1600" b="1" dirty="0"/>
+          </a:p>
+        </p:txBody>
+      </p:sp>
+      <p:sp>
+        <p:nvSpPr>
+          <p:cNvPr id="11" name="CaixaDeTexto 10"/>
+          <p:cNvSpPr txBox="1"/>
+          <p:nvPr/>
+        </p:nvSpPr>
+        <p:spPr>
+          <a:xfrm>
+            <a:off x="7020272" y="4077072"/>
+            <a:ext cx="1008112" cy="432048"/>
+          </a:xfrm>
+          <a:prstGeom prst="rect">
+            <a:avLst/>
+          </a:prstGeom>
+          <a:noFill/>
+          <a:ln>
+            <a:solidFill>
+              <a:schemeClr val="tx1"/>
+            </a:solidFill>
+          </a:ln>
+        </p:spPr>
+        <p:txBody>
+          <a:bodyPr wrap="square" rtlCol="0" anchor="ctr">
+            <a:noAutofit/>
+          </a:bodyPr>
+          <a:lstStyle/>
+          <a:p>
+            <a:pPr algn="ctr"/>
+            <a:r>
+              <a:rPr lang="pt-BR" sz="1600" b="1" dirty="0" smtClean="0"/>
+              <a:t>Senha</a:t>
+            </a:r>
+            <a:endParaRPr lang="pt-BR" sz="1600" b="1" dirty="0"/>
+          </a:p>
+        </p:txBody>
+      </p:sp>
     </p:spTree>
   </p:cSld>
   <p:clrMapOvr>
     <a:masterClrMapping/>
   </p:clrMapOvr>
+  <p:timing>
+    <p:tnLst>
+      <p:par>
+        <p:cTn id="1" dur="indefinite" restart="never" nodeType="tmRoot"/>
+      </p:par>
+    </p:tnLst>
+  </p:timing>
 </p:sld>
 </file>
 
@@ -8891,7 +10804,7 @@
             <a:pPr eaLnBrk="1" hangingPunct="1"/>
             <a:r>
               <a:rPr lang="pt-BR" dirty="0" smtClean="0"/>
-              <a:t>Consultas</a:t>
+              <a:t>Abrindo e fechando conexões</a:t>
             </a:r>
             <a:endParaRPr lang="pt-BR" dirty="0"/>
           </a:p>
@@ -8907,12 +10820,211 @@
             <p:ph idx="1"/>
           </p:nvPr>
         </p:nvSpPr>
-        <p:spPr/>
+        <p:spPr>
+          <a:xfrm>
+            <a:off x="457200" y="1600200"/>
+            <a:ext cx="7931224" cy="4525963"/>
+          </a:xfrm>
+        </p:spPr>
         <p:txBody>
           <a:bodyPr/>
           <a:lstStyle/>
           <a:p>
-            <a:endParaRPr lang="pt-BR"/>
+            <a:r>
+              <a:rPr lang="pt-BR" sz="2800" dirty="0" smtClean="0"/>
+              <a:t>URL de conexão</a:t>
+            </a:r>
+          </a:p>
+          <a:p>
+            <a:pPr indent="-3175">
+              <a:buNone/>
+            </a:pPr>
+            <a:endParaRPr lang="pt-BR" sz="2200" dirty="0" smtClean="0"/>
+          </a:p>
+          <a:p>
+            <a:pPr indent="-3175">
+              <a:buNone/>
+            </a:pPr>
+            <a:r>
+              <a:rPr lang="pt-BR" sz="2200" dirty="0" smtClean="0"/>
+              <a:t>A URL de conexão define o caminho do servidor de dados e é específico para cada </a:t>
+            </a:r>
+            <a:r>
+              <a:rPr lang="pt-BR" sz="2200" dirty="0" err="1" smtClean="0"/>
+              <a:t>driver</a:t>
+            </a:r>
+            <a:r>
+              <a:rPr lang="pt-BR" sz="2200" dirty="0" smtClean="0"/>
+              <a:t> utilizado:</a:t>
+            </a:r>
+          </a:p>
+          <a:p>
+            <a:pPr indent="-3175">
+              <a:buNone/>
+            </a:pPr>
+            <a:endParaRPr lang="pt-BR" sz="2200" dirty="0" smtClean="0"/>
+          </a:p>
+          <a:p>
+            <a:pPr marL="3175" indent="-3175" algn="ctr">
+              <a:buNone/>
+            </a:pPr>
+            <a:r>
+              <a:rPr lang="pt-BR" sz="2000" dirty="0" err="1" smtClean="0">
+                <a:solidFill>
+                  <a:srgbClr val="FFC000"/>
+                </a:solidFill>
+              </a:rPr>
+              <a:t>jdbc</a:t>
+            </a:r>
+            <a:r>
+              <a:rPr lang="pt-BR" sz="2000" dirty="0" smtClean="0">
+                <a:solidFill>
+                  <a:srgbClr val="FFC000"/>
+                </a:solidFill>
+              </a:rPr>
+              <a:t>:</a:t>
+            </a:r>
+            <a:r>
+              <a:rPr lang="pt-BR" sz="2000" dirty="0" err="1" smtClean="0">
+                <a:solidFill>
+                  <a:srgbClr val="FFC000"/>
+                </a:solidFill>
+              </a:rPr>
+              <a:t>mysql</a:t>
+            </a:r>
+            <a:r>
+              <a:rPr lang="pt-BR" sz="2000" dirty="0" smtClean="0">
+                <a:solidFill>
+                  <a:srgbClr val="FFC000"/>
+                </a:solidFill>
+              </a:rPr>
+              <a:t>://servidor:3306/database</a:t>
+            </a:r>
+            <a:endParaRPr lang="pt-BR" sz="2000" dirty="0" smtClean="0">
+              <a:solidFill>
+                <a:srgbClr val="FFC000"/>
+              </a:solidFill>
+            </a:endParaRPr>
+          </a:p>
+          <a:p>
+            <a:pPr marL="3175" indent="-3175" algn="ctr">
+              <a:buNone/>
+            </a:pPr>
+            <a:r>
+              <a:rPr lang="pt-BR" sz="2000" dirty="0" err="1" smtClean="0">
+                <a:solidFill>
+                  <a:srgbClr val="FFC000"/>
+                </a:solidFill>
+              </a:rPr>
+              <a:t>jdbc</a:t>
+            </a:r>
+            <a:r>
+              <a:rPr lang="pt-BR" sz="2000" dirty="0" smtClean="0">
+                <a:solidFill>
+                  <a:srgbClr val="FFC000"/>
+                </a:solidFill>
+              </a:rPr>
+              <a:t>:</a:t>
+            </a:r>
+            <a:r>
+              <a:rPr lang="pt-BR" sz="2000" dirty="0" err="1" smtClean="0">
+                <a:solidFill>
+                  <a:srgbClr val="FFC000"/>
+                </a:solidFill>
+              </a:rPr>
+              <a:t>sqlserver</a:t>
+            </a:r>
+            <a:r>
+              <a:rPr lang="pt-BR" sz="2000" dirty="0" smtClean="0">
+                <a:solidFill>
+                  <a:srgbClr val="FFC000"/>
+                </a:solidFill>
+              </a:rPr>
+              <a:t>://servidor\instancia:1433;</a:t>
+            </a:r>
+            <a:r>
+              <a:rPr lang="pt-BR" sz="2000" dirty="0" err="1" smtClean="0">
+                <a:solidFill>
+                  <a:srgbClr val="FFC000"/>
+                </a:solidFill>
+              </a:rPr>
+              <a:t>databaseName</a:t>
+            </a:r>
+            <a:r>
+              <a:rPr lang="pt-BR" sz="2000" dirty="0" smtClean="0">
+                <a:solidFill>
+                  <a:srgbClr val="FFC000"/>
+                </a:solidFill>
+              </a:rPr>
+              <a:t>=database</a:t>
+            </a:r>
+          </a:p>
+          <a:p>
+            <a:pPr marL="3175" indent="-3175" algn="ctr">
+              <a:buNone/>
+            </a:pPr>
+            <a:r>
+              <a:rPr lang="pt-BR" sz="2000" dirty="0" err="1" smtClean="0">
+                <a:solidFill>
+                  <a:srgbClr val="FFC000"/>
+                </a:solidFill>
+              </a:rPr>
+              <a:t>jdbc</a:t>
+            </a:r>
+            <a:r>
+              <a:rPr lang="pt-BR" sz="2000" dirty="0" smtClean="0">
+                <a:solidFill>
+                  <a:srgbClr val="FFC000"/>
+                </a:solidFill>
+              </a:rPr>
+              <a:t>:</a:t>
+            </a:r>
+            <a:r>
+              <a:rPr lang="pt-BR" sz="2000" dirty="0" err="1" smtClean="0">
+                <a:solidFill>
+                  <a:srgbClr val="FFC000"/>
+                </a:solidFill>
+              </a:rPr>
+              <a:t>oracle</a:t>
+            </a:r>
+            <a:r>
+              <a:rPr lang="pt-BR" sz="2000" dirty="0" smtClean="0">
+                <a:solidFill>
+                  <a:srgbClr val="FFC000"/>
+                </a:solidFill>
+              </a:rPr>
+              <a:t>:</a:t>
+            </a:r>
+            <a:r>
+              <a:rPr lang="pt-BR" sz="2000" dirty="0" err="1" smtClean="0">
+                <a:solidFill>
+                  <a:srgbClr val="FFC000"/>
+                </a:solidFill>
+              </a:rPr>
+              <a:t>thin</a:t>
+            </a:r>
+            <a:r>
+              <a:rPr lang="pt-BR" sz="2000" dirty="0" smtClean="0">
+                <a:solidFill>
+                  <a:srgbClr val="FFC000"/>
+                </a:solidFill>
+              </a:rPr>
+              <a:t>:</a:t>
+            </a:r>
+            <a:r>
+              <a:rPr lang="pt-BR" sz="2000" dirty="0" smtClean="0">
+                <a:solidFill>
+                  <a:srgbClr val="FFC000"/>
+                </a:solidFill>
+              </a:rPr>
+              <a:t>@servidor:1521:instancia</a:t>
+            </a:r>
+          </a:p>
+          <a:p>
+            <a:pPr indent="-3175">
+              <a:buNone/>
+            </a:pPr>
+            <a:endParaRPr lang="pt-BR" sz="2200" dirty="0" smtClean="0"/>
           </a:p>
         </p:txBody>
       </p:sp>
@@ -8950,6 +11062,13 @@
   <p:clrMapOvr>
     <a:masterClrMapping/>
   </p:clrMapOvr>
+  <p:timing>
+    <p:tnLst>
+      <p:par>
+        <p:cTn id="1" dur="indefinite" restart="never" nodeType="tmRoot"/>
+      </p:par>
+    </p:tnLst>
+  </p:timing>
 </p:sld>
 </file>
 
@@ -8987,16 +11106,8 @@
           <a:p>
             <a:pPr eaLnBrk="1" hangingPunct="1"/>
             <a:r>
-              <a:rPr lang="pt-BR" dirty="0" err="1" smtClean="0"/>
-              <a:t>Stored</a:t>
-            </a:r>
-            <a:r>
               <a:rPr lang="pt-BR" dirty="0" smtClean="0"/>
-              <a:t> </a:t>
-            </a:r>
-            <a:r>
-              <a:rPr lang="pt-BR" dirty="0" err="1" smtClean="0"/>
-              <a:t>procedures</a:t>
+              <a:t>Abrindo e fechando conexões</a:t>
             </a:r>
             <a:endParaRPr lang="pt-BR" dirty="0"/>
           </a:p>
@@ -9017,7 +11128,51 @@
           <a:bodyPr/>
           <a:lstStyle/>
           <a:p>
-            <a:endParaRPr lang="pt-BR"/>
+            <a:r>
+              <a:rPr lang="pt-BR" dirty="0" smtClean="0"/>
+              <a:t>Fechando a conexão</a:t>
+            </a:r>
+          </a:p>
+          <a:p>
+            <a:pPr marL="442913" lvl="1" indent="6350">
+              <a:buNone/>
+            </a:pPr>
+            <a:r>
+              <a:rPr lang="pt-BR" dirty="0" smtClean="0"/>
+              <a:t>Após encerrarmos todas as operações com a base de dados devemos fechar a conexão utilizada:</a:t>
+            </a:r>
+          </a:p>
+          <a:p>
+            <a:pPr marL="442913" lvl="1" indent="6350">
+              <a:buNone/>
+            </a:pPr>
+            <a:endParaRPr lang="pt-BR" dirty="0" smtClean="0"/>
+          </a:p>
+          <a:p>
+            <a:pPr marL="442913" lvl="1" indent="6350" algn="ctr">
+              <a:buNone/>
+            </a:pPr>
+            <a:r>
+              <a:rPr lang="pt-BR" dirty="0" err="1" smtClean="0">
+                <a:solidFill>
+                  <a:srgbClr val="FFC000"/>
+                </a:solidFill>
+              </a:rPr>
+              <a:t>cn</a:t>
+            </a:r>
+            <a:r>
+              <a:rPr lang="pt-BR" dirty="0" smtClean="0">
+                <a:solidFill>
+                  <a:srgbClr val="FFC000"/>
+                </a:solidFill>
+              </a:rPr>
+              <a:t>.close();</a:t>
+            </a:r>
+            <a:endParaRPr lang="pt-BR" dirty="0">
+              <a:solidFill>
+                <a:srgbClr val="FFC000"/>
+              </a:solidFill>
+            </a:endParaRPr>
           </a:p>
         </p:txBody>
       </p:sp>
@@ -9050,11 +11205,120 @@
           </a:p>
         </p:txBody>
       </p:sp>
+      <p:sp>
+        <p:nvSpPr>
+          <p:cNvPr id="5" name="Chave direita 4"/>
+          <p:cNvSpPr/>
+          <p:nvPr/>
+        </p:nvSpPr>
+        <p:spPr>
+          <a:xfrm rot="5400000">
+            <a:off x="3712258" y="4144725"/>
+            <a:ext cx="279323" cy="576064"/>
+          </a:xfrm>
+          <a:prstGeom prst="rightBrace">
+            <a:avLst/>
+          </a:prstGeom>
+          <a:ln w="28575">
+            <a:solidFill>
+              <a:schemeClr val="tx1"/>
+            </a:solidFill>
+          </a:ln>
+        </p:spPr>
+        <p:style>
+          <a:lnRef idx="1">
+            <a:schemeClr val="accent1"/>
+          </a:lnRef>
+          <a:fillRef idx="0">
+            <a:schemeClr val="accent1"/>
+          </a:fillRef>
+          <a:effectRef idx="0">
+            <a:schemeClr val="accent1"/>
+          </a:effectRef>
+          <a:fontRef idx="minor">
+            <a:schemeClr val="tx1"/>
+          </a:fontRef>
+        </p:style>
+        <p:txBody>
+          <a:bodyPr rtlCol="0" anchor="ctr"/>
+          <a:lstStyle/>
+          <a:p>
+            <a:pPr algn="ctr"/>
+            <a:endParaRPr lang="pt-BR"/>
+          </a:p>
+        </p:txBody>
+      </p:sp>
+      <p:sp>
+        <p:nvSpPr>
+          <p:cNvPr id="6" name="CaixaDeTexto 5"/>
+          <p:cNvSpPr txBox="1"/>
+          <p:nvPr/>
+        </p:nvSpPr>
+        <p:spPr>
+          <a:xfrm>
+            <a:off x="1985749" y="4716433"/>
+            <a:ext cx="3762569" cy="646331"/>
+          </a:xfrm>
+          <a:prstGeom prst="rect">
+            <a:avLst/>
+          </a:prstGeom>
+          <a:noFill/>
+          <a:ln>
+            <a:solidFill>
+              <a:schemeClr val="tx1"/>
+            </a:solidFill>
+          </a:ln>
+        </p:spPr>
+        <p:txBody>
+          <a:bodyPr wrap="none" rtlCol="0">
+            <a:spAutoFit/>
+          </a:bodyPr>
+          <a:lstStyle/>
+          <a:p>
+            <a:pPr algn="ctr"/>
+            <a:r>
+              <a:rPr lang="pt-BR" b="1" dirty="0" smtClean="0"/>
+              <a:t>Instância de </a:t>
+            </a:r>
+            <a:r>
+              <a:rPr lang="pt-BR" b="1" dirty="0" err="1" smtClean="0"/>
+              <a:t>java</a:t>
+            </a:r>
+            <a:r>
+              <a:rPr lang="pt-BR" b="1" dirty="0" smtClean="0"/>
+              <a:t>.</a:t>
+            </a:r>
+            <a:r>
+              <a:rPr lang="pt-BR" b="1" dirty="0" err="1" smtClean="0"/>
+              <a:t>sql</a:t>
+            </a:r>
+            <a:r>
+              <a:rPr lang="pt-BR" b="1" dirty="0" smtClean="0"/>
+              <a:t>.Connection</a:t>
+            </a:r>
+          </a:p>
+          <a:p>
+            <a:pPr algn="ctr"/>
+            <a:r>
+              <a:rPr lang="pt-BR" b="1" dirty="0" smtClean="0"/>
+              <a:t>utilizada como conexão</a:t>
+            </a:r>
+            <a:endParaRPr lang="pt-BR" b="1" dirty="0"/>
+          </a:p>
+        </p:txBody>
+      </p:sp>
     </p:spTree>
   </p:cSld>
   <p:clrMapOvr>
     <a:masterClrMapping/>
   </p:clrMapOvr>
+  <p:timing>
+    <p:tnLst>
+      <p:par>
+        <p:cTn id="1" dur="indefinite" restart="never" nodeType="tmRoot"/>
+      </p:par>
+    </p:tnLst>
+  </p:timing>
 </p:sld>
 </file>
 
@@ -9093,36 +11357,548 @@
             <a:pPr eaLnBrk="1" hangingPunct="1"/>
             <a:r>
               <a:rPr lang="pt-BR" dirty="0" smtClean="0"/>
-              <a:t>Design </a:t>
-            </a:r>
-            <a:r>
-              <a:rPr lang="pt-BR" dirty="0" err="1" smtClean="0"/>
-              <a:t>pattern</a:t>
-            </a:r>
+              <a:t>Abrindo e fechando conexões</a:t>
+            </a:r>
+            <a:endParaRPr lang="pt-BR" dirty="0"/>
+          </a:p>
+        </p:txBody>
+      </p:sp>
+      <p:sp>
+        <p:nvSpPr>
+          <p:cNvPr id="3" name="Espaço Reservado para Conteúdo 2"/>
+          <p:cNvSpPr>
+            <a:spLocks noGrp="1"/>
+          </p:cNvSpPr>
+          <p:nvPr>
+            <p:ph idx="1"/>
+          </p:nvPr>
+        </p:nvSpPr>
+        <p:spPr>
+          <a:xfrm>
+            <a:off x="457200" y="1600200"/>
+            <a:ext cx="8147248" cy="4525963"/>
+          </a:xfrm>
+        </p:spPr>
+        <p:txBody>
+          <a:bodyPr/>
+          <a:lstStyle/>
+          <a:p>
             <a:r>
               <a:rPr lang="pt-BR" dirty="0" smtClean="0"/>
-              <a:t> DAO/VO</a:t>
-            </a:r>
-            <a:endParaRPr lang="pt-BR" dirty="0"/>
-          </a:p>
-        </p:txBody>
-      </p:sp>
-      <p:sp>
-        <p:nvSpPr>
-          <p:cNvPr id="3" name="Espaço Reservado para Conteúdo 2"/>
-          <p:cNvSpPr>
-            <a:spLocks noGrp="1"/>
-          </p:cNvSpPr>
-          <p:nvPr>
-            <p:ph idx="1"/>
-          </p:nvPr>
-        </p:nvSpPr>
-        <p:spPr/>
-        <p:txBody>
-          <a:bodyPr/>
-          <a:lstStyle/>
-          <a:p>
-            <a:endParaRPr lang="pt-BR"/>
+              <a:t>Fechando a conexão</a:t>
+            </a:r>
+          </a:p>
+          <a:p>
+            <a:pPr marL="442913" lvl="1" indent="6350">
+              <a:buNone/>
+            </a:pPr>
+            <a:r>
+              <a:rPr lang="pt-BR" sz="2200" dirty="0" smtClean="0"/>
+              <a:t>Tanto a abertura quanto o fechamento da conexão requerem o tratamento da exceção </a:t>
+            </a:r>
+            <a:r>
+              <a:rPr lang="pt-BR" sz="2200" dirty="0" err="1" smtClean="0"/>
+              <a:t>SQLException</a:t>
+            </a:r>
+            <a:r>
+              <a:rPr lang="pt-BR" sz="2200" dirty="0" smtClean="0"/>
+              <a:t>:</a:t>
+            </a:r>
+          </a:p>
+          <a:p>
+            <a:pPr marL="442913" lvl="1" indent="6350">
+              <a:spcBef>
+                <a:spcPts val="0"/>
+              </a:spcBef>
+              <a:buNone/>
+            </a:pPr>
+            <a:endParaRPr lang="pt-BR" sz="2000" dirty="0" smtClean="0"/>
+          </a:p>
+          <a:p>
+            <a:pPr marL="442913" lvl="1" indent="6350">
+              <a:spcBef>
+                <a:spcPts val="0"/>
+              </a:spcBef>
+              <a:buNone/>
+            </a:pPr>
+            <a:r>
+              <a:rPr lang="pt-BR" sz="2000" dirty="0" err="1" smtClean="0">
+                <a:solidFill>
+                  <a:srgbClr val="FFC000"/>
+                </a:solidFill>
+              </a:rPr>
+              <a:t>try</a:t>
+            </a:r>
+            <a:r>
+              <a:rPr lang="pt-BR" sz="2000" dirty="0" smtClean="0">
+                <a:solidFill>
+                  <a:srgbClr val="FFC000"/>
+                </a:solidFill>
+              </a:rPr>
+              <a:t> {</a:t>
+            </a:r>
+            <a:endParaRPr lang="pt-BR" sz="2000" dirty="0" smtClean="0">
+              <a:solidFill>
+                <a:srgbClr val="FFC000"/>
+              </a:solidFill>
+            </a:endParaRPr>
+          </a:p>
+          <a:p>
+            <a:pPr marL="442913" lvl="1" indent="6350">
+              <a:spcBef>
+                <a:spcPts val="0"/>
+              </a:spcBef>
+              <a:buNone/>
+            </a:pPr>
+            <a:r>
+              <a:rPr lang="pt-BR" sz="2000" dirty="0" smtClean="0">
+                <a:solidFill>
+                  <a:srgbClr val="FFC000"/>
+                </a:solidFill>
+              </a:rPr>
+              <a:t>	</a:t>
+            </a:r>
+            <a:r>
+              <a:rPr lang="pt-BR" sz="2000" dirty="0" err="1" smtClean="0">
+                <a:solidFill>
+                  <a:srgbClr val="FFC000"/>
+                </a:solidFill>
+              </a:rPr>
+              <a:t>Class</a:t>
+            </a:r>
+            <a:r>
+              <a:rPr lang="pt-BR" sz="2000" dirty="0" smtClean="0">
+                <a:solidFill>
+                  <a:srgbClr val="FFC000"/>
+                </a:solidFill>
+              </a:rPr>
+              <a:t>.</a:t>
+            </a:r>
+            <a:r>
+              <a:rPr lang="pt-BR" sz="2000" dirty="0" err="1" smtClean="0">
+                <a:solidFill>
+                  <a:srgbClr val="FFC000"/>
+                </a:solidFill>
+              </a:rPr>
+              <a:t>forName</a:t>
+            </a:r>
+            <a:r>
+              <a:rPr lang="pt-BR" sz="2000" dirty="0" smtClean="0">
+                <a:solidFill>
+                  <a:srgbClr val="FFC000"/>
+                </a:solidFill>
+              </a:rPr>
+              <a:t>(“</a:t>
+            </a:r>
+            <a:r>
+              <a:rPr lang="pt-BR" sz="2000" dirty="0" err="1" smtClean="0">
+                <a:solidFill>
+                  <a:srgbClr val="FFC000"/>
+                </a:solidFill>
+              </a:rPr>
+              <a:t>com.mysql.jdbc.Driver”</a:t>
+            </a:r>
+            <a:r>
+              <a:rPr lang="pt-BR" sz="2000" dirty="0" smtClean="0">
+                <a:solidFill>
+                  <a:srgbClr val="FFC000"/>
+                </a:solidFill>
+              </a:rPr>
+              <a:t>);</a:t>
+            </a:r>
+          </a:p>
+          <a:p>
+            <a:pPr marL="442913" lvl="1" indent="6350">
+              <a:spcBef>
+                <a:spcPts val="0"/>
+              </a:spcBef>
+              <a:buNone/>
+            </a:pPr>
+            <a:r>
+              <a:rPr lang="pt-BR" sz="2000" dirty="0" smtClean="0">
+                <a:solidFill>
+                  <a:srgbClr val="FFC000"/>
+                </a:solidFill>
+              </a:rPr>
+              <a:t>	Connection </a:t>
+            </a:r>
+            <a:r>
+              <a:rPr lang="pt-BR" sz="2000" dirty="0" err="1" smtClean="0">
+                <a:solidFill>
+                  <a:srgbClr val="FFC000"/>
+                </a:solidFill>
+              </a:rPr>
+              <a:t>cn</a:t>
+            </a:r>
+            <a:r>
+              <a:rPr lang="pt-BR" sz="2000" dirty="0" smtClean="0">
+                <a:solidFill>
+                  <a:srgbClr val="FFC000"/>
+                </a:solidFill>
+              </a:rPr>
+              <a:t> = </a:t>
+            </a:r>
+            <a:r>
+              <a:rPr lang="pt-BR" sz="2000" dirty="0" err="1" smtClean="0">
+                <a:solidFill>
+                  <a:srgbClr val="FFC000"/>
+                </a:solidFill>
+              </a:rPr>
+              <a:t>DriverManager</a:t>
+            </a:r>
+            <a:r>
+              <a:rPr lang="pt-BR" sz="2000" dirty="0" smtClean="0">
+                <a:solidFill>
+                  <a:srgbClr val="FFC000"/>
+                </a:solidFill>
+              </a:rPr>
+              <a:t>.</a:t>
+            </a:r>
+            <a:r>
+              <a:rPr lang="pt-BR" sz="2000" dirty="0" err="1" smtClean="0">
+                <a:solidFill>
+                  <a:srgbClr val="FFC000"/>
+                </a:solidFill>
+              </a:rPr>
+              <a:t>getConnection</a:t>
+            </a:r>
+            <a:r>
+              <a:rPr lang="pt-BR" sz="2000" dirty="0" smtClean="0">
+                <a:solidFill>
+                  <a:srgbClr val="FFC000"/>
+                </a:solidFill>
+              </a:rPr>
+              <a:t>(</a:t>
+            </a:r>
+            <a:br>
+              <a:rPr lang="pt-BR" sz="2000" dirty="0" smtClean="0">
+                <a:solidFill>
+                  <a:srgbClr val="FFC000"/>
+                </a:solidFill>
+              </a:rPr>
+            </a:br>
+            <a:r>
+              <a:rPr lang="pt-BR" sz="2000" dirty="0" smtClean="0">
+                <a:solidFill>
+                  <a:srgbClr val="FFC000"/>
+                </a:solidFill>
+              </a:rPr>
+              <a:t>		“</a:t>
+            </a:r>
+            <a:r>
+              <a:rPr lang="pt-BR" sz="2000" dirty="0" err="1" smtClean="0">
+                <a:solidFill>
+                  <a:srgbClr val="FFC000"/>
+                </a:solidFill>
+              </a:rPr>
+              <a:t>jdbc</a:t>
+            </a:r>
+            <a:r>
+              <a:rPr lang="pt-BR" sz="2000" dirty="0" smtClean="0">
+                <a:solidFill>
+                  <a:srgbClr val="FFC000"/>
+                </a:solidFill>
+              </a:rPr>
+              <a:t>:</a:t>
+            </a:r>
+            <a:r>
+              <a:rPr lang="pt-BR" sz="2000" dirty="0" err="1" smtClean="0">
+                <a:solidFill>
+                  <a:srgbClr val="FFC000"/>
+                </a:solidFill>
+              </a:rPr>
+              <a:t>mysql</a:t>
+            </a:r>
+            <a:r>
+              <a:rPr lang="pt-BR" sz="2000" dirty="0" smtClean="0">
+                <a:solidFill>
+                  <a:srgbClr val="FFC000"/>
+                </a:solidFill>
+              </a:rPr>
+              <a:t>://</a:t>
+            </a:r>
+            <a:r>
+              <a:rPr lang="pt-BR" sz="2000" dirty="0" err="1" smtClean="0">
+                <a:solidFill>
+                  <a:srgbClr val="FFC000"/>
+                </a:solidFill>
+              </a:rPr>
+              <a:t>server</a:t>
+            </a:r>
+            <a:r>
+              <a:rPr lang="pt-BR" sz="2000" dirty="0" smtClean="0">
+                <a:solidFill>
+                  <a:srgbClr val="FFC000"/>
+                </a:solidFill>
+              </a:rPr>
+              <a:t>:3306/</a:t>
+            </a:r>
+            <a:r>
+              <a:rPr lang="pt-BR" sz="2000" dirty="0" err="1" smtClean="0">
+                <a:solidFill>
+                  <a:srgbClr val="FFC000"/>
+                </a:solidFill>
+              </a:rPr>
+              <a:t>db</a:t>
+            </a:r>
+            <a:r>
+              <a:rPr lang="pt-BR" sz="2000" dirty="0" smtClean="0">
+                <a:solidFill>
+                  <a:srgbClr val="FFC000"/>
+                </a:solidFill>
+              </a:rPr>
+              <a:t>”, “</a:t>
+            </a:r>
+            <a:r>
+              <a:rPr lang="pt-BR" sz="2000" dirty="0" err="1" smtClean="0">
+                <a:solidFill>
+                  <a:srgbClr val="FFC000"/>
+                </a:solidFill>
+              </a:rPr>
+              <a:t>usuario</a:t>
+            </a:r>
+            <a:r>
+              <a:rPr lang="pt-BR" sz="2000" dirty="0" smtClean="0">
+                <a:solidFill>
+                  <a:srgbClr val="FFC000"/>
+                </a:solidFill>
+              </a:rPr>
+              <a:t>”, “senha”);</a:t>
+            </a:r>
+          </a:p>
+          <a:p>
+            <a:pPr marL="442913" lvl="1" indent="6350">
+              <a:spcBef>
+                <a:spcPts val="0"/>
+              </a:spcBef>
+              <a:buNone/>
+            </a:pPr>
+            <a:r>
+              <a:rPr lang="pt-BR" sz="2000" dirty="0" smtClean="0">
+                <a:solidFill>
+                  <a:schemeClr val="accent6"/>
+                </a:solidFill>
+              </a:rPr>
+              <a:t>	/* ... operações com a base de dados ... */</a:t>
+            </a:r>
+          </a:p>
+          <a:p>
+            <a:pPr marL="442913" lvl="1" indent="6350">
+              <a:spcBef>
+                <a:spcPts val="0"/>
+              </a:spcBef>
+              <a:buNone/>
+            </a:pPr>
+            <a:r>
+              <a:rPr lang="pt-BR" sz="2000" dirty="0" smtClean="0">
+                <a:solidFill>
+                  <a:srgbClr val="FFC000"/>
+                </a:solidFill>
+              </a:rPr>
+              <a:t>	</a:t>
+            </a:r>
+            <a:r>
+              <a:rPr lang="pt-BR" sz="2000" dirty="0" err="1" smtClean="0">
+                <a:solidFill>
+                  <a:srgbClr val="FFC000"/>
+                </a:solidFill>
+              </a:rPr>
+              <a:t>cn</a:t>
+            </a:r>
+            <a:r>
+              <a:rPr lang="pt-BR" sz="2000" dirty="0" smtClean="0">
+                <a:solidFill>
+                  <a:srgbClr val="FFC000"/>
+                </a:solidFill>
+              </a:rPr>
+              <a:t>.close();</a:t>
+            </a:r>
+          </a:p>
+          <a:p>
+            <a:pPr marL="442913" lvl="1" indent="6350">
+              <a:spcBef>
+                <a:spcPts val="0"/>
+              </a:spcBef>
+              <a:buNone/>
+            </a:pPr>
+            <a:r>
+              <a:rPr lang="pt-BR" sz="2000" dirty="0" smtClean="0">
+                <a:solidFill>
+                  <a:srgbClr val="FFC000"/>
+                </a:solidFill>
+              </a:rPr>
+              <a:t>} catch (</a:t>
+            </a:r>
+            <a:r>
+              <a:rPr lang="pt-BR" sz="2000" dirty="0" err="1" smtClean="0">
+                <a:solidFill>
+                  <a:srgbClr val="FFC000"/>
+                </a:solidFill>
+              </a:rPr>
+              <a:t>ClassNotFoundException</a:t>
+            </a:r>
+            <a:r>
+              <a:rPr lang="pt-BR" sz="2000" dirty="0" smtClean="0">
+                <a:solidFill>
+                  <a:srgbClr val="FFC000"/>
+                </a:solidFill>
+              </a:rPr>
+              <a:t> e) {</a:t>
+            </a:r>
+          </a:p>
+          <a:p>
+            <a:pPr marL="442913" lvl="1" indent="6350">
+              <a:spcBef>
+                <a:spcPts val="0"/>
+              </a:spcBef>
+              <a:buNone/>
+            </a:pPr>
+            <a:r>
+              <a:rPr lang="pt-BR" sz="2000" dirty="0" smtClean="0">
+                <a:solidFill>
+                  <a:srgbClr val="FFC000"/>
+                </a:solidFill>
+              </a:rPr>
+              <a:t>	</a:t>
+            </a:r>
+            <a:r>
+              <a:rPr lang="pt-BR" sz="2000" dirty="0" smtClean="0">
+                <a:solidFill>
+                  <a:srgbClr val="FFC000"/>
+                </a:solidFill>
+              </a:rPr>
+              <a:t>System.</a:t>
+            </a:r>
+            <a:r>
+              <a:rPr lang="pt-BR" sz="2000" dirty="0" err="1" smtClean="0">
+                <a:solidFill>
+                  <a:srgbClr val="FFC000"/>
+                </a:solidFill>
+              </a:rPr>
+              <a:t>out.println</a:t>
+            </a:r>
+            <a:r>
+              <a:rPr lang="pt-BR" sz="2000" dirty="0" smtClean="0">
+                <a:solidFill>
+                  <a:srgbClr val="FFC000"/>
+                </a:solidFill>
+              </a:rPr>
+              <a:t>(“Não foi possível carregar o </a:t>
+            </a:r>
+            <a:r>
+              <a:rPr lang="pt-BR" sz="2000" dirty="0" err="1" smtClean="0">
+                <a:solidFill>
+                  <a:srgbClr val="FFC000"/>
+                </a:solidFill>
+              </a:rPr>
+              <a:t>driver</a:t>
+            </a:r>
+            <a:r>
+              <a:rPr lang="pt-BR" sz="2000" dirty="0" smtClean="0">
+                <a:solidFill>
+                  <a:srgbClr val="FFC000"/>
+                </a:solidFill>
+              </a:rPr>
+              <a:t>.”);</a:t>
+            </a:r>
+            <a:endParaRPr lang="pt-BR" sz="2000" dirty="0" smtClean="0">
+              <a:solidFill>
+                <a:srgbClr val="FFC000"/>
+              </a:solidFill>
+            </a:endParaRPr>
+          </a:p>
+          <a:p>
+            <a:pPr marL="442913" lvl="1" indent="6350">
+              <a:spcBef>
+                <a:spcPts val="0"/>
+              </a:spcBef>
+              <a:buNone/>
+            </a:pPr>
+            <a:r>
+              <a:rPr lang="pt-BR" sz="2000" dirty="0" smtClean="0">
+                <a:solidFill>
+                  <a:srgbClr val="FFC000"/>
+                </a:solidFill>
+              </a:rPr>
+              <a:t>} catch (</a:t>
+            </a:r>
+            <a:r>
+              <a:rPr lang="pt-BR" sz="2000" dirty="0" err="1" smtClean="0">
+                <a:solidFill>
+                  <a:srgbClr val="FFC000"/>
+                </a:solidFill>
+              </a:rPr>
+              <a:t>SQLException</a:t>
+            </a:r>
+            <a:r>
+              <a:rPr lang="pt-BR" sz="2000" dirty="0" smtClean="0">
+                <a:solidFill>
+                  <a:srgbClr val="FFC000"/>
+                </a:solidFill>
+              </a:rPr>
+              <a:t> e) {</a:t>
+            </a:r>
+          </a:p>
+          <a:p>
+            <a:pPr marL="442913" lvl="1" indent="6350">
+              <a:spcBef>
+                <a:spcPts val="0"/>
+              </a:spcBef>
+              <a:buNone/>
+            </a:pPr>
+            <a:r>
+              <a:rPr lang="pt-BR" sz="2000" dirty="0" smtClean="0">
+                <a:solidFill>
+                  <a:srgbClr val="FFC000"/>
+                </a:solidFill>
+              </a:rPr>
+              <a:t>	</a:t>
+            </a:r>
+            <a:r>
+              <a:rPr lang="pt-BR" sz="2000" dirty="0" smtClean="0">
+                <a:solidFill>
+                  <a:srgbClr val="FFC000"/>
+                </a:solidFill>
+              </a:rPr>
+              <a:t>System.</a:t>
+            </a:r>
+            <a:r>
+              <a:rPr lang="pt-BR" sz="2000" dirty="0" err="1" smtClean="0">
+                <a:solidFill>
+                  <a:srgbClr val="FFC000"/>
+                </a:solidFill>
+              </a:rPr>
+              <a:t>out.println</a:t>
+            </a:r>
+            <a:r>
+              <a:rPr lang="pt-BR" sz="2000" dirty="0" smtClean="0">
+                <a:solidFill>
+                  <a:srgbClr val="FFC000"/>
+                </a:solidFill>
+              </a:rPr>
+              <a:t>(“Falha ao conectar à base de dados.”);</a:t>
+            </a:r>
+          </a:p>
+          <a:p>
+            <a:pPr marL="442913" lvl="1" indent="6350">
+              <a:spcBef>
+                <a:spcPts val="0"/>
+              </a:spcBef>
+              <a:buNone/>
+            </a:pPr>
+            <a:r>
+              <a:rPr lang="pt-BR" sz="2000" dirty="0" smtClean="0">
+                <a:solidFill>
+                  <a:srgbClr val="FFC000"/>
+                </a:solidFill>
+              </a:rPr>
+              <a:t>}</a:t>
+            </a:r>
+            <a:endParaRPr lang="pt-BR" sz="2000" dirty="0">
+              <a:solidFill>
+                <a:srgbClr val="FFC000"/>
+              </a:solidFill>
+            </a:endParaRPr>
           </a:p>
         </p:txBody>
       </p:sp>
@@ -9160,6 +11936,13 @@
   <p:clrMapOvr>
     <a:masterClrMapping/>
   </p:clrMapOvr>
+  <p:timing>
+    <p:tnLst>
+      <p:par>
+        <p:cTn id="1" dur="indefinite" restart="never" nodeType="tmRoot"/>
+      </p:par>
+    </p:tnLst>
+  </p:timing>
 </p:sld>
 </file>
 
@@ -9261,13 +12044,8 @@
           <a:p>
             <a:r>
               <a:rPr lang="pt-BR" dirty="0" smtClean="0"/>
-              <a:t>Operações </a:t>
-            </a:r>
-            <a:r>
-              <a:rPr lang="pt-BR" dirty="0" smtClean="0"/>
-              <a:t>parametrizadas</a:t>
-            </a:r>
-            <a:endParaRPr lang="pt-BR" dirty="0" smtClean="0"/>
+              <a:t>Operações parametrizadas</a:t>
+            </a:r>
           </a:p>
         </p:txBody>
       </p:sp>
@@ -9325,7 +12103,6 @@
               <a:rPr lang="pt-BR" dirty="0" smtClean="0"/>
               <a:t> DAO e VO</a:t>
             </a:r>
-            <a:endParaRPr lang="pt-BR" dirty="0" smtClean="0"/>
           </a:p>
           <a:p>
             <a:r>
@@ -9412,10 +12189,9 @@
           <a:bodyPr/>
           <a:lstStyle/>
           <a:p>
-            <a:pPr eaLnBrk="1" hangingPunct="1"/>
             <a:r>
               <a:rPr lang="pt-BR" dirty="0" smtClean="0"/>
-              <a:t>Projeto Final</a:t>
+              <a:t>Operações na base de dados</a:t>
             </a:r>
             <a:endParaRPr lang="pt-BR" dirty="0"/>
           </a:p>
@@ -9436,7 +12212,7 @@
           <a:bodyPr/>
           <a:lstStyle/>
           <a:p>
-            <a:endParaRPr lang="pt-BR"/>
+            <a:endParaRPr lang="pt-BR" dirty="0"/>
           </a:p>
         </p:txBody>
       </p:sp>
@@ -9464,6 +12240,632 @@
                 <a:defRPr/>
               </a:pPr>
               <a:t>20</a:t>
+            </a:fld>
+            <a:endParaRPr lang="pt-BR"/>
+          </a:p>
+        </p:txBody>
+      </p:sp>
+    </p:spTree>
+  </p:cSld>
+  <p:clrMapOvr>
+    <a:masterClrMapping/>
+  </p:clrMapOvr>
+  <p:timing>
+    <p:tnLst>
+      <p:par>
+        <p:cTn id="1" dur="indefinite" restart="never" nodeType="tmRoot"/>
+      </p:par>
+    </p:tnLst>
+  </p:timing>
+</p:sld>
+</file>
+
+<file path=ppt/slides/slide21.xml><?xml version="1.0" encoding="utf-8"?>
+<p:sld xmlns:a="http://schemas.openxmlformats.org/drawingml/2006/main" xmlns:r="http://schemas.openxmlformats.org/officeDocument/2006/relationships" xmlns:p="http://schemas.openxmlformats.org/presentationml/2006/main">
+  <p:cSld>
+    <p:spTree>
+      <p:nvGrpSpPr>
+        <p:cNvPr id="1" name=""/>
+        <p:cNvGrpSpPr/>
+        <p:nvPr/>
+      </p:nvGrpSpPr>
+      <p:grpSpPr>
+        <a:xfrm>
+          <a:off x="0" y="0"/>
+          <a:ext cx="0" cy="0"/>
+          <a:chOff x="0" y="0"/>
+          <a:chExt cx="0" cy="0"/>
+        </a:xfrm>
+      </p:grpSpPr>
+      <p:sp>
+        <p:nvSpPr>
+          <p:cNvPr id="2" name="Título 1"/>
+          <p:cNvSpPr>
+            <a:spLocks noGrp="1"/>
+          </p:cNvSpPr>
+          <p:nvPr>
+            <p:ph type="title"/>
+          </p:nvPr>
+        </p:nvSpPr>
+        <p:spPr/>
+        <p:txBody>
+          <a:bodyPr/>
+          <a:lstStyle/>
+          <a:p>
+            <a:pPr eaLnBrk="1" hangingPunct="1"/>
+            <a:r>
+              <a:rPr lang="pt-BR" dirty="0" smtClean="0"/>
+              <a:t>Operações parametrizadas</a:t>
+            </a:r>
+            <a:endParaRPr lang="pt-BR" dirty="0"/>
+          </a:p>
+        </p:txBody>
+      </p:sp>
+      <p:sp>
+        <p:nvSpPr>
+          <p:cNvPr id="3" name="Espaço Reservado para Conteúdo 2"/>
+          <p:cNvSpPr>
+            <a:spLocks noGrp="1"/>
+          </p:cNvSpPr>
+          <p:nvPr>
+            <p:ph idx="1"/>
+          </p:nvPr>
+        </p:nvSpPr>
+        <p:spPr/>
+        <p:txBody>
+          <a:bodyPr/>
+          <a:lstStyle/>
+          <a:p>
+            <a:endParaRPr lang="pt-BR"/>
+          </a:p>
+        </p:txBody>
+      </p:sp>
+      <p:sp>
+        <p:nvSpPr>
+          <p:cNvPr id="4" name="Espaço Reservado para Número de Slide 3"/>
+          <p:cNvSpPr>
+            <a:spLocks noGrp="1"/>
+          </p:cNvSpPr>
+          <p:nvPr>
+            <p:ph type="sldNum" sz="quarter" idx="12"/>
+          </p:nvPr>
+        </p:nvSpPr>
+        <p:spPr/>
+        <p:txBody>
+          <a:bodyPr/>
+          <a:lstStyle/>
+          <a:p>
+            <a:pPr>
+              <a:defRPr/>
+            </a:pPr>
+            <a:fld id="{EF19A0F5-F849-4C78-8624-C3A50979DE44}" type="slidenum">
+              <a:rPr lang="pt-BR" smtClean="0"/>
+              <a:pPr>
+                <a:defRPr/>
+              </a:pPr>
+              <a:t>21</a:t>
+            </a:fld>
+            <a:endParaRPr lang="pt-BR"/>
+          </a:p>
+        </p:txBody>
+      </p:sp>
+    </p:spTree>
+  </p:cSld>
+  <p:clrMapOvr>
+    <a:masterClrMapping/>
+  </p:clrMapOvr>
+  <p:timing>
+    <p:tnLst>
+      <p:par>
+        <p:cTn id="1" dur="indefinite" restart="never" nodeType="tmRoot"/>
+      </p:par>
+    </p:tnLst>
+  </p:timing>
+</p:sld>
+</file>
+
+<file path=ppt/slides/slide22.xml><?xml version="1.0" encoding="utf-8"?>
+<p:sld xmlns:a="http://schemas.openxmlformats.org/drawingml/2006/main" xmlns:r="http://schemas.openxmlformats.org/officeDocument/2006/relationships" xmlns:p="http://schemas.openxmlformats.org/presentationml/2006/main">
+  <p:cSld>
+    <p:spTree>
+      <p:nvGrpSpPr>
+        <p:cNvPr id="1" name=""/>
+        <p:cNvGrpSpPr/>
+        <p:nvPr/>
+      </p:nvGrpSpPr>
+      <p:grpSpPr>
+        <a:xfrm>
+          <a:off x="0" y="0"/>
+          <a:ext cx="0" cy="0"/>
+          <a:chOff x="0" y="0"/>
+          <a:chExt cx="0" cy="0"/>
+        </a:xfrm>
+      </p:grpSpPr>
+      <p:sp>
+        <p:nvSpPr>
+          <p:cNvPr id="2" name="Título 1"/>
+          <p:cNvSpPr>
+            <a:spLocks noGrp="1"/>
+          </p:cNvSpPr>
+          <p:nvPr>
+            <p:ph type="title"/>
+          </p:nvPr>
+        </p:nvSpPr>
+        <p:spPr/>
+        <p:txBody>
+          <a:bodyPr/>
+          <a:lstStyle/>
+          <a:p>
+            <a:pPr eaLnBrk="1" hangingPunct="1"/>
+            <a:r>
+              <a:rPr lang="pt-BR" dirty="0" smtClean="0"/>
+              <a:t>Transações</a:t>
+            </a:r>
+            <a:endParaRPr lang="pt-BR" dirty="0"/>
+          </a:p>
+        </p:txBody>
+      </p:sp>
+      <p:sp>
+        <p:nvSpPr>
+          <p:cNvPr id="3" name="Espaço Reservado para Conteúdo 2"/>
+          <p:cNvSpPr>
+            <a:spLocks noGrp="1"/>
+          </p:cNvSpPr>
+          <p:nvPr>
+            <p:ph idx="1"/>
+          </p:nvPr>
+        </p:nvSpPr>
+        <p:spPr/>
+        <p:txBody>
+          <a:bodyPr/>
+          <a:lstStyle/>
+          <a:p>
+            <a:endParaRPr lang="pt-BR"/>
+          </a:p>
+        </p:txBody>
+      </p:sp>
+      <p:sp>
+        <p:nvSpPr>
+          <p:cNvPr id="4" name="Espaço Reservado para Número de Slide 3"/>
+          <p:cNvSpPr>
+            <a:spLocks noGrp="1"/>
+          </p:cNvSpPr>
+          <p:nvPr>
+            <p:ph type="sldNum" sz="quarter" idx="12"/>
+          </p:nvPr>
+        </p:nvSpPr>
+        <p:spPr/>
+        <p:txBody>
+          <a:bodyPr/>
+          <a:lstStyle/>
+          <a:p>
+            <a:pPr>
+              <a:defRPr/>
+            </a:pPr>
+            <a:fld id="{EF19A0F5-F849-4C78-8624-C3A50979DE44}" type="slidenum">
+              <a:rPr lang="pt-BR" smtClean="0"/>
+              <a:pPr>
+                <a:defRPr/>
+              </a:pPr>
+              <a:t>22</a:t>
+            </a:fld>
+            <a:endParaRPr lang="pt-BR"/>
+          </a:p>
+        </p:txBody>
+      </p:sp>
+    </p:spTree>
+  </p:cSld>
+  <p:clrMapOvr>
+    <a:masterClrMapping/>
+  </p:clrMapOvr>
+  <p:timing>
+    <p:tnLst>
+      <p:par>
+        <p:cTn id="1" dur="indefinite" restart="never" nodeType="tmRoot"/>
+      </p:par>
+    </p:tnLst>
+  </p:timing>
+</p:sld>
+</file>
+
+<file path=ppt/slides/slide23.xml><?xml version="1.0" encoding="utf-8"?>
+<p:sld xmlns:a="http://schemas.openxmlformats.org/drawingml/2006/main" xmlns:r="http://schemas.openxmlformats.org/officeDocument/2006/relationships" xmlns:p="http://schemas.openxmlformats.org/presentationml/2006/main">
+  <p:cSld>
+    <p:spTree>
+      <p:nvGrpSpPr>
+        <p:cNvPr id="1" name=""/>
+        <p:cNvGrpSpPr/>
+        <p:nvPr/>
+      </p:nvGrpSpPr>
+      <p:grpSpPr>
+        <a:xfrm>
+          <a:off x="0" y="0"/>
+          <a:ext cx="0" cy="0"/>
+          <a:chOff x="0" y="0"/>
+          <a:chExt cx="0" cy="0"/>
+        </a:xfrm>
+      </p:grpSpPr>
+      <p:sp>
+        <p:nvSpPr>
+          <p:cNvPr id="2" name="Título 1"/>
+          <p:cNvSpPr>
+            <a:spLocks noGrp="1"/>
+          </p:cNvSpPr>
+          <p:nvPr>
+            <p:ph type="title"/>
+          </p:nvPr>
+        </p:nvSpPr>
+        <p:spPr/>
+        <p:txBody>
+          <a:bodyPr/>
+          <a:lstStyle/>
+          <a:p>
+            <a:pPr eaLnBrk="1" hangingPunct="1"/>
+            <a:r>
+              <a:rPr lang="pt-BR" dirty="0" smtClean="0"/>
+              <a:t>Consultas</a:t>
+            </a:r>
+            <a:endParaRPr lang="pt-BR" dirty="0"/>
+          </a:p>
+        </p:txBody>
+      </p:sp>
+      <p:sp>
+        <p:nvSpPr>
+          <p:cNvPr id="3" name="Espaço Reservado para Conteúdo 2"/>
+          <p:cNvSpPr>
+            <a:spLocks noGrp="1"/>
+          </p:cNvSpPr>
+          <p:nvPr>
+            <p:ph idx="1"/>
+          </p:nvPr>
+        </p:nvSpPr>
+        <p:spPr/>
+        <p:txBody>
+          <a:bodyPr/>
+          <a:lstStyle/>
+          <a:p>
+            <a:endParaRPr lang="pt-BR"/>
+          </a:p>
+        </p:txBody>
+      </p:sp>
+      <p:sp>
+        <p:nvSpPr>
+          <p:cNvPr id="4" name="Espaço Reservado para Número de Slide 3"/>
+          <p:cNvSpPr>
+            <a:spLocks noGrp="1"/>
+          </p:cNvSpPr>
+          <p:nvPr>
+            <p:ph type="sldNum" sz="quarter" idx="12"/>
+          </p:nvPr>
+        </p:nvSpPr>
+        <p:spPr/>
+        <p:txBody>
+          <a:bodyPr/>
+          <a:lstStyle/>
+          <a:p>
+            <a:pPr>
+              <a:defRPr/>
+            </a:pPr>
+            <a:fld id="{EF19A0F5-F849-4C78-8624-C3A50979DE44}" type="slidenum">
+              <a:rPr lang="pt-BR" smtClean="0"/>
+              <a:pPr>
+                <a:defRPr/>
+              </a:pPr>
+              <a:t>23</a:t>
+            </a:fld>
+            <a:endParaRPr lang="pt-BR"/>
+          </a:p>
+        </p:txBody>
+      </p:sp>
+    </p:spTree>
+  </p:cSld>
+  <p:clrMapOvr>
+    <a:masterClrMapping/>
+  </p:clrMapOvr>
+  <p:timing>
+    <p:tnLst>
+      <p:par>
+        <p:cTn id="1" dur="indefinite" restart="never" nodeType="tmRoot"/>
+      </p:par>
+    </p:tnLst>
+  </p:timing>
+</p:sld>
+</file>
+
+<file path=ppt/slides/slide24.xml><?xml version="1.0" encoding="utf-8"?>
+<p:sld xmlns:a="http://schemas.openxmlformats.org/drawingml/2006/main" xmlns:r="http://schemas.openxmlformats.org/officeDocument/2006/relationships" xmlns:p="http://schemas.openxmlformats.org/presentationml/2006/main">
+  <p:cSld>
+    <p:spTree>
+      <p:nvGrpSpPr>
+        <p:cNvPr id="1" name=""/>
+        <p:cNvGrpSpPr/>
+        <p:nvPr/>
+      </p:nvGrpSpPr>
+      <p:grpSpPr>
+        <a:xfrm>
+          <a:off x="0" y="0"/>
+          <a:ext cx="0" cy="0"/>
+          <a:chOff x="0" y="0"/>
+          <a:chExt cx="0" cy="0"/>
+        </a:xfrm>
+      </p:grpSpPr>
+      <p:sp>
+        <p:nvSpPr>
+          <p:cNvPr id="2" name="Título 1"/>
+          <p:cNvSpPr>
+            <a:spLocks noGrp="1"/>
+          </p:cNvSpPr>
+          <p:nvPr>
+            <p:ph type="title"/>
+          </p:nvPr>
+        </p:nvSpPr>
+        <p:spPr/>
+        <p:txBody>
+          <a:bodyPr/>
+          <a:lstStyle/>
+          <a:p>
+            <a:pPr eaLnBrk="1" hangingPunct="1"/>
+            <a:r>
+              <a:rPr lang="pt-BR" dirty="0" err="1" smtClean="0"/>
+              <a:t>Stored</a:t>
+            </a:r>
+            <a:r>
+              <a:rPr lang="pt-BR" dirty="0" smtClean="0"/>
+              <a:t> </a:t>
+            </a:r>
+            <a:r>
+              <a:rPr lang="pt-BR" dirty="0" err="1" smtClean="0"/>
+              <a:t>procedures</a:t>
+            </a:r>
+            <a:endParaRPr lang="pt-BR" dirty="0"/>
+          </a:p>
+        </p:txBody>
+      </p:sp>
+      <p:sp>
+        <p:nvSpPr>
+          <p:cNvPr id="3" name="Espaço Reservado para Conteúdo 2"/>
+          <p:cNvSpPr>
+            <a:spLocks noGrp="1"/>
+          </p:cNvSpPr>
+          <p:nvPr>
+            <p:ph idx="1"/>
+          </p:nvPr>
+        </p:nvSpPr>
+        <p:spPr/>
+        <p:txBody>
+          <a:bodyPr/>
+          <a:lstStyle/>
+          <a:p>
+            <a:endParaRPr lang="pt-BR"/>
+          </a:p>
+        </p:txBody>
+      </p:sp>
+      <p:sp>
+        <p:nvSpPr>
+          <p:cNvPr id="4" name="Espaço Reservado para Número de Slide 3"/>
+          <p:cNvSpPr>
+            <a:spLocks noGrp="1"/>
+          </p:cNvSpPr>
+          <p:nvPr>
+            <p:ph type="sldNum" sz="quarter" idx="12"/>
+          </p:nvPr>
+        </p:nvSpPr>
+        <p:spPr/>
+        <p:txBody>
+          <a:bodyPr/>
+          <a:lstStyle/>
+          <a:p>
+            <a:pPr>
+              <a:defRPr/>
+            </a:pPr>
+            <a:fld id="{EF19A0F5-F849-4C78-8624-C3A50979DE44}" type="slidenum">
+              <a:rPr lang="pt-BR" smtClean="0"/>
+              <a:pPr>
+                <a:defRPr/>
+              </a:pPr>
+              <a:t>24</a:t>
+            </a:fld>
+            <a:endParaRPr lang="pt-BR"/>
+          </a:p>
+        </p:txBody>
+      </p:sp>
+    </p:spTree>
+  </p:cSld>
+  <p:clrMapOvr>
+    <a:masterClrMapping/>
+  </p:clrMapOvr>
+</p:sld>
+</file>
+
+<file path=ppt/slides/slide25.xml><?xml version="1.0" encoding="utf-8"?>
+<p:sld xmlns:a="http://schemas.openxmlformats.org/drawingml/2006/main" xmlns:r="http://schemas.openxmlformats.org/officeDocument/2006/relationships" xmlns:p="http://schemas.openxmlformats.org/presentationml/2006/main">
+  <p:cSld>
+    <p:spTree>
+      <p:nvGrpSpPr>
+        <p:cNvPr id="1" name=""/>
+        <p:cNvGrpSpPr/>
+        <p:nvPr/>
+      </p:nvGrpSpPr>
+      <p:grpSpPr>
+        <a:xfrm>
+          <a:off x="0" y="0"/>
+          <a:ext cx="0" cy="0"/>
+          <a:chOff x="0" y="0"/>
+          <a:chExt cx="0" cy="0"/>
+        </a:xfrm>
+      </p:grpSpPr>
+      <p:sp>
+        <p:nvSpPr>
+          <p:cNvPr id="2" name="Título 1"/>
+          <p:cNvSpPr>
+            <a:spLocks noGrp="1"/>
+          </p:cNvSpPr>
+          <p:nvPr>
+            <p:ph type="title"/>
+          </p:nvPr>
+        </p:nvSpPr>
+        <p:spPr/>
+        <p:txBody>
+          <a:bodyPr/>
+          <a:lstStyle/>
+          <a:p>
+            <a:pPr eaLnBrk="1" hangingPunct="1"/>
+            <a:r>
+              <a:rPr lang="pt-BR" dirty="0" smtClean="0"/>
+              <a:t>Design </a:t>
+            </a:r>
+            <a:r>
+              <a:rPr lang="pt-BR" dirty="0" err="1" smtClean="0"/>
+              <a:t>pattern</a:t>
+            </a:r>
+            <a:r>
+              <a:rPr lang="pt-BR" dirty="0" smtClean="0"/>
+              <a:t> DAO/VO</a:t>
+            </a:r>
+            <a:endParaRPr lang="pt-BR" dirty="0"/>
+          </a:p>
+        </p:txBody>
+      </p:sp>
+      <p:sp>
+        <p:nvSpPr>
+          <p:cNvPr id="3" name="Espaço Reservado para Conteúdo 2"/>
+          <p:cNvSpPr>
+            <a:spLocks noGrp="1"/>
+          </p:cNvSpPr>
+          <p:nvPr>
+            <p:ph idx="1"/>
+          </p:nvPr>
+        </p:nvSpPr>
+        <p:spPr/>
+        <p:txBody>
+          <a:bodyPr/>
+          <a:lstStyle/>
+          <a:p>
+            <a:endParaRPr lang="pt-BR"/>
+          </a:p>
+        </p:txBody>
+      </p:sp>
+      <p:sp>
+        <p:nvSpPr>
+          <p:cNvPr id="4" name="Espaço Reservado para Número de Slide 3"/>
+          <p:cNvSpPr>
+            <a:spLocks noGrp="1"/>
+          </p:cNvSpPr>
+          <p:nvPr>
+            <p:ph type="sldNum" sz="quarter" idx="12"/>
+          </p:nvPr>
+        </p:nvSpPr>
+        <p:spPr/>
+        <p:txBody>
+          <a:bodyPr/>
+          <a:lstStyle/>
+          <a:p>
+            <a:pPr>
+              <a:defRPr/>
+            </a:pPr>
+            <a:fld id="{EF19A0F5-F849-4C78-8624-C3A50979DE44}" type="slidenum">
+              <a:rPr lang="pt-BR" smtClean="0"/>
+              <a:pPr>
+                <a:defRPr/>
+              </a:pPr>
+              <a:t>25</a:t>
+            </a:fld>
+            <a:endParaRPr lang="pt-BR"/>
+          </a:p>
+        </p:txBody>
+      </p:sp>
+    </p:spTree>
+  </p:cSld>
+  <p:clrMapOvr>
+    <a:masterClrMapping/>
+  </p:clrMapOvr>
+</p:sld>
+</file>
+
+<file path=ppt/slides/slide26.xml><?xml version="1.0" encoding="utf-8"?>
+<p:sld xmlns:a="http://schemas.openxmlformats.org/drawingml/2006/main" xmlns:r="http://schemas.openxmlformats.org/officeDocument/2006/relationships" xmlns:p="http://schemas.openxmlformats.org/presentationml/2006/main">
+  <p:cSld>
+    <p:spTree>
+      <p:nvGrpSpPr>
+        <p:cNvPr id="1" name=""/>
+        <p:cNvGrpSpPr/>
+        <p:nvPr/>
+      </p:nvGrpSpPr>
+      <p:grpSpPr>
+        <a:xfrm>
+          <a:off x="0" y="0"/>
+          <a:ext cx="0" cy="0"/>
+          <a:chOff x="0" y="0"/>
+          <a:chExt cx="0" cy="0"/>
+        </a:xfrm>
+      </p:grpSpPr>
+      <p:sp>
+        <p:nvSpPr>
+          <p:cNvPr id="2" name="Título 1"/>
+          <p:cNvSpPr>
+            <a:spLocks noGrp="1"/>
+          </p:cNvSpPr>
+          <p:nvPr>
+            <p:ph type="title"/>
+          </p:nvPr>
+        </p:nvSpPr>
+        <p:spPr/>
+        <p:txBody>
+          <a:bodyPr/>
+          <a:lstStyle/>
+          <a:p>
+            <a:pPr eaLnBrk="1" hangingPunct="1"/>
+            <a:r>
+              <a:rPr lang="pt-BR" dirty="0" smtClean="0"/>
+              <a:t>Projeto Final</a:t>
+            </a:r>
+            <a:endParaRPr lang="pt-BR" dirty="0"/>
+          </a:p>
+        </p:txBody>
+      </p:sp>
+      <p:sp>
+        <p:nvSpPr>
+          <p:cNvPr id="3" name="Espaço Reservado para Conteúdo 2"/>
+          <p:cNvSpPr>
+            <a:spLocks noGrp="1"/>
+          </p:cNvSpPr>
+          <p:nvPr>
+            <p:ph idx="1"/>
+          </p:nvPr>
+        </p:nvSpPr>
+        <p:spPr/>
+        <p:txBody>
+          <a:bodyPr/>
+          <a:lstStyle/>
+          <a:p>
+            <a:endParaRPr lang="pt-BR"/>
+          </a:p>
+        </p:txBody>
+      </p:sp>
+      <p:sp>
+        <p:nvSpPr>
+          <p:cNvPr id="4" name="Espaço Reservado para Número de Slide 3"/>
+          <p:cNvSpPr>
+            <a:spLocks noGrp="1"/>
+          </p:cNvSpPr>
+          <p:nvPr>
+            <p:ph type="sldNum" sz="quarter" idx="12"/>
+          </p:nvPr>
+        </p:nvSpPr>
+        <p:spPr/>
+        <p:txBody>
+          <a:bodyPr/>
+          <a:lstStyle/>
+          <a:p>
+            <a:pPr>
+              <a:defRPr/>
+            </a:pPr>
+            <a:fld id="{EF19A0F5-F849-4C78-8624-C3A50979DE44}" type="slidenum">
+              <a:rPr lang="pt-BR" smtClean="0"/>
+              <a:pPr>
+                <a:defRPr/>
+              </a:pPr>
+              <a:t>26</a:t>
             </a:fld>
             <a:endParaRPr lang="pt-BR"/>
           </a:p>
@@ -10352,7 +13754,6 @@
               <a:rPr lang="pt-BR" dirty="0" smtClean="0"/>
               <a:t>Introdução</a:t>
             </a:r>
-            <a:endParaRPr lang="pt-BR" dirty="0" smtClean="0"/>
           </a:p>
         </p:txBody>
       </p:sp>
@@ -10397,27 +13798,7 @@
             </a:r>
             <a:r>
               <a:rPr lang="pt-BR" sz="2400" dirty="0" smtClean="0"/>
-              <a:t>) é uma especificação </a:t>
-            </a:r>
-            <a:r>
-              <a:rPr lang="pt-BR" sz="2400" dirty="0" smtClean="0"/>
-              <a:t>elaborada pela </a:t>
-            </a:r>
-            <a:r>
-              <a:rPr lang="pt-BR" sz="2400" dirty="0" smtClean="0"/>
-              <a:t>antiga Sun para </a:t>
-            </a:r>
-            <a:r>
-              <a:rPr lang="pt-BR" sz="2400" dirty="0" smtClean="0"/>
-              <a:t>prover </a:t>
-            </a:r>
-            <a:r>
-              <a:rPr lang="pt-BR" sz="2400" dirty="0" smtClean="0"/>
-              <a:t>a acessibilidade </a:t>
-            </a:r>
-            <a:r>
-              <a:rPr lang="pt-BR" sz="2400" dirty="0" smtClean="0"/>
-              <a:t>de aplicações Java com bancos de dados.</a:t>
+              <a:t>) é uma especificação elaborada pela antiga Sun para prover a acessibilidade de aplicações Java com bancos de dados.</a:t>
             </a:r>
           </a:p>
           <a:p>
@@ -10428,11 +13809,7 @@
             </a:pPr>
             <a:r>
               <a:rPr lang="pt-BR" sz="2400" dirty="0" smtClean="0"/>
-              <a:t>Trata-se de um padrão de </a:t>
-            </a:r>
-            <a:r>
-              <a:rPr lang="pt-BR" sz="2400" dirty="0" smtClean="0"/>
-              <a:t>acesso a dados obedecido pela indústria de bancos de dados.</a:t>
+              <a:t>Trata-se de um padrão de acesso a dados obedecido pela indústria de bancos de dados.</a:t>
             </a:r>
           </a:p>
           <a:p>
@@ -10453,7 +13830,6 @@
               <a:rPr lang="pt-BR" sz="2400" dirty="0" smtClean="0"/>
               <a:t> JDBC aos desenvolvedores Java.</a:t>
             </a:r>
-            <a:endParaRPr lang="pt-BR" sz="2400" dirty="0" smtClean="0"/>
           </a:p>
         </p:txBody>
       </p:sp>
@@ -11600,11 +14976,7 @@
             </a:pPr>
             <a:r>
               <a:rPr lang="pt-BR" sz="2400" u="sng" dirty="0" smtClean="0"/>
-              <a:t>Tipo </a:t>
-            </a:r>
-            <a:r>
-              <a:rPr lang="pt-BR" sz="2400" u="sng" dirty="0" smtClean="0"/>
-              <a:t>1</a:t>
+              <a:t>Tipo 1</a:t>
             </a:r>
           </a:p>
           <a:p>
@@ -11620,15 +14992,7 @@
             </a:r>
             <a:r>
               <a:rPr lang="pt-BR" sz="2400" dirty="0" smtClean="0"/>
-              <a:t> JDBC que usa a ponte </a:t>
-            </a:r>
-            <a:r>
-              <a:rPr lang="pt-BR" sz="2400" dirty="0" smtClean="0"/>
-              <a:t>de comunicação ODBC-JDBC para acessar a base pelo antigo padrão ODBC criado pela Microsoft</a:t>
-            </a:r>
-            <a:r>
-              <a:rPr lang="pt-BR" sz="2400" dirty="0" smtClean="0"/>
-              <a:t>.</a:t>
+              <a:t> JDBC que usa a ponte de comunicação ODBC-JDBC para acessar a base pelo antigo padrão ODBC criado pela Microsoft.</a:t>
             </a:r>
           </a:p>
           <a:p>
@@ -11650,7 +15014,6 @@
               <a:rPr lang="pt-BR" sz="2400" dirty="0" smtClean="0"/>
               <a:t>, Clipper, Access, etc.</a:t>
             </a:r>
-            <a:endParaRPr lang="pt-BR" sz="2400" dirty="0" smtClean="0"/>
           </a:p>
         </p:txBody>
       </p:sp>
@@ -11773,7 +15136,6 @@
               <a:rPr lang="pt-BR" sz="2400" u="sng" dirty="0" smtClean="0"/>
               <a:t>Tipo 2</a:t>
             </a:r>
-            <a:endParaRPr lang="pt-BR" sz="2400" u="sng" dirty="0" smtClean="0"/>
           </a:p>
           <a:p>
             <a:pPr lvl="1" indent="-1588">
@@ -11812,21 +15174,8 @@
             </a:r>
             <a:r>
               <a:rPr lang="pt-BR" sz="2400" dirty="0" smtClean="0"/>
-              <a:t> </a:t>
-            </a:r>
-            <a:r>
-              <a:rPr lang="pt-BR" sz="2400" dirty="0" smtClean="0"/>
-              <a:t>auxiliares e requerem </a:t>
-            </a:r>
-            <a:r>
-              <a:rPr lang="pt-BR" sz="2400" dirty="0" smtClean="0"/>
-              <a:t>a instalação de algum componente adicional nativo ao </a:t>
-            </a:r>
-            <a:r>
-              <a:rPr lang="pt-BR" sz="2400" dirty="0" smtClean="0"/>
-              <a:t>Sistema Operacional.</a:t>
-            </a:r>
-            <a:endParaRPr lang="pt-BR" sz="2400" dirty="0" smtClean="0"/>
+              <a:t> auxiliares e requerem a instalação de algum componente adicional nativo ao Sistema Operacional.</a:t>
+            </a:r>
           </a:p>
         </p:txBody>
       </p:sp>
@@ -11967,11 +15316,7 @@
             </a:r>
             <a:r>
               <a:rPr lang="pt-BR" sz="2400" dirty="0" smtClean="0"/>
-              <a:t> que necessita de </a:t>
-            </a:r>
-            <a:r>
-              <a:rPr lang="pt-BR" sz="2400" dirty="0" smtClean="0"/>
-              <a:t>uma API de rede via </a:t>
+              <a:t> que necessita de uma API de rede via </a:t>
             </a:r>
             <a:r>
               <a:rPr lang="pt-BR" sz="2400" dirty="0" err="1" smtClean="0"/>
@@ -11979,19 +15324,7 @@
             </a:r>
             <a:r>
               <a:rPr lang="pt-BR" sz="2400" dirty="0" smtClean="0"/>
-              <a:t> </a:t>
-            </a:r>
-            <a:r>
-              <a:rPr lang="pt-BR" sz="2400" dirty="0" smtClean="0"/>
-              <a:t>geralmente instalado no próprio servidor de dados para traduzir </a:t>
-            </a:r>
-            <a:r>
-              <a:rPr lang="pt-BR" sz="2400" dirty="0" smtClean="0"/>
-              <a:t>requisições para </a:t>
-            </a:r>
-            <a:r>
-              <a:rPr lang="pt-BR" sz="2400" dirty="0" smtClean="0"/>
-              <a:t>o </a:t>
+              <a:t> geralmente instalado no próprio servidor de dados para traduzir requisições para o </a:t>
             </a:r>
             <a:r>
               <a:rPr lang="pt-BR" sz="2400" dirty="0" err="1" smtClean="0"/>
@@ -11999,11 +15332,7 @@
             </a:r>
             <a:r>
               <a:rPr lang="pt-BR" sz="2400" dirty="0" smtClean="0"/>
-              <a:t> </a:t>
-            </a:r>
-            <a:r>
-              <a:rPr lang="pt-BR" sz="2400" dirty="0" smtClean="0"/>
-              <a:t>desejado.</a:t>
+              <a:t> desejado.</a:t>
             </a:r>
           </a:p>
           <a:p>
@@ -12015,15 +15344,7 @@
             </a:pPr>
             <a:r>
               <a:rPr lang="pt-BR" sz="2400" dirty="0" smtClean="0"/>
-              <a:t>Não </a:t>
-            </a:r>
-            <a:r>
-              <a:rPr lang="pt-BR" sz="2400" dirty="0" smtClean="0"/>
-              <a:t>requer </a:t>
-            </a:r>
-            <a:r>
-              <a:rPr lang="pt-BR" sz="2400" dirty="0" smtClean="0"/>
-              <a:t>nenhum software adicional no cliente além do </a:t>
+              <a:t>Não requer nenhum software adicional no cliente além do </a:t>
             </a:r>
             <a:r>
               <a:rPr lang="pt-BR" sz="2400" dirty="0" err="1" smtClean="0"/>
@@ -12033,7 +15354,6 @@
               <a:rPr lang="pt-BR" sz="2400" dirty="0" smtClean="0"/>
               <a:t> JDBC.</a:t>
             </a:r>
-            <a:endParaRPr lang="pt-BR" sz="2400" dirty="0" smtClean="0"/>
           </a:p>
         </p:txBody>
       </p:sp>
@@ -12175,31 +15495,7 @@
             </a:r>
             <a:r>
               <a:rPr lang="pt-BR" sz="2400" dirty="0" smtClean="0"/>
-              <a:t> </a:t>
-            </a:r>
-            <a:r>
-              <a:rPr lang="pt-BR" sz="2400" dirty="0" smtClean="0"/>
-              <a:t>que se </a:t>
-            </a:r>
-            <a:r>
-              <a:rPr lang="pt-BR" sz="2400" dirty="0" smtClean="0"/>
-              <a:t>comunica </a:t>
-            </a:r>
-            <a:r>
-              <a:rPr lang="pt-BR" sz="2400" dirty="0" smtClean="0"/>
-              <a:t>diretamente com o banco de dados usando </a:t>
-            </a:r>
-            <a:r>
-              <a:rPr lang="pt-BR" sz="2400" dirty="0" smtClean="0"/>
-              <a:t>puramente soquetes </a:t>
-            </a:r>
-            <a:r>
-              <a:rPr lang="pt-BR" sz="2400" dirty="0" smtClean="0"/>
-              <a:t>de </a:t>
-            </a:r>
-            <a:r>
-              <a:rPr lang="pt-BR" sz="2400" dirty="0" smtClean="0"/>
-              <a:t>rede.</a:t>
+              <a:t> que se comunica diretamente com o banco de dados usando puramente soquetes de rede.</a:t>
             </a:r>
           </a:p>
           <a:p>
@@ -12223,37 +15519,8 @@
             </a:pPr>
             <a:r>
               <a:rPr lang="pt-BR" sz="2400" dirty="0" smtClean="0"/>
-              <a:t>Não </a:t>
-            </a:r>
-            <a:r>
-              <a:rPr lang="pt-BR" sz="2400" dirty="0" smtClean="0"/>
-              <a:t>requer </a:t>
-            </a:r>
-            <a:r>
-              <a:rPr lang="pt-BR" sz="2400" dirty="0" smtClean="0"/>
-              <a:t>código </a:t>
-            </a:r>
-            <a:r>
-              <a:rPr lang="pt-BR" sz="2400" dirty="0" smtClean="0"/>
-              <a:t>adicional do lado do </a:t>
-            </a:r>
-            <a:r>
-              <a:rPr lang="pt-BR" sz="2400" dirty="0" smtClean="0"/>
-              <a:t>cliente nem no servidor. É simples </a:t>
-            </a:r>
-            <a:r>
-              <a:rPr lang="pt-BR" sz="2400" dirty="0" smtClean="0"/>
-              <a:t>de </a:t>
-            </a:r>
-            <a:r>
-              <a:rPr lang="pt-BR" sz="2400" dirty="0" smtClean="0"/>
-              <a:t>usar e possui </a:t>
-            </a:r>
-            <a:r>
-              <a:rPr lang="pt-BR" sz="2400" dirty="0" smtClean="0"/>
-              <a:t>melhor performance que os demais tipos.</a:t>
-            </a:r>
-            <a:endParaRPr lang="pt-BR" sz="2400" dirty="0" smtClean="0"/>
+              <a:t>Não requer código adicional do lado do cliente nem no servidor. É simples de usar e possui melhor performance que os demais tipos.</a:t>
+            </a:r>
           </a:p>
           <a:p>
             <a:pPr lvl="1" indent="-1588">

--- a/trunk/2-Java-Programmer-Modulo-II/19.Capitulo11.pptx
+++ b/trunk/2-Java-Programmer-Modulo-II/19.Capitulo11.pptx
@@ -5,7 +5,7 @@
     <p:sldMasterId id="2147483660" r:id="rId1"/>
   </p:sldMasterIdLst>
   <p:notesMasterIdLst>
-    <p:notesMasterId r:id="rId28"/>
+    <p:notesMasterId r:id="rId34"/>
   </p:notesMasterIdLst>
   <p:sldIdLst>
     <p:sldId id="256" r:id="rId2"/>
@@ -27,13 +27,19 @@
     <p:sldId id="327" r:id="rId18"/>
     <p:sldId id="308" r:id="rId19"/>
     <p:sldId id="330" r:id="rId20"/>
-    <p:sldId id="331" r:id="rId21"/>
-    <p:sldId id="309" r:id="rId22"/>
-    <p:sldId id="310" r:id="rId23"/>
-    <p:sldId id="311" r:id="rId24"/>
-    <p:sldId id="312" r:id="rId25"/>
-    <p:sldId id="313" r:id="rId26"/>
-    <p:sldId id="314" r:id="rId27"/>
+    <p:sldId id="332" r:id="rId21"/>
+    <p:sldId id="333" r:id="rId22"/>
+    <p:sldId id="331" r:id="rId23"/>
+    <p:sldId id="334" r:id="rId24"/>
+    <p:sldId id="338" r:id="rId25"/>
+    <p:sldId id="337" r:id="rId26"/>
+    <p:sldId id="336" r:id="rId27"/>
+    <p:sldId id="335" r:id="rId28"/>
+    <p:sldId id="310" r:id="rId29"/>
+    <p:sldId id="311" r:id="rId30"/>
+    <p:sldId id="312" r:id="rId31"/>
+    <p:sldId id="313" r:id="rId32"/>
+    <p:sldId id="314" r:id="rId33"/>
   </p:sldIdLst>
   <p:sldSz cx="9144000" cy="6858000" type="screen4x3"/>
   <p:notesSz cx="6858000" cy="9144000"/>
@@ -274,7 +280,7 @@
               <a:pPr>
                 <a:defRPr/>
               </a:pPr>
-              <a:t>05/06/2012</a:t>
+              <a:t>07/06/2012</a:t>
             </a:fld>
             <a:endParaRPr lang="pt-BR"/>
           </a:p>
@@ -2304,6 +2310,267 @@
 </p:notes>
 </file>
 
+<file path=ppt/notesSlides/notesSlide27.xml><?xml version="1.0" encoding="utf-8"?>
+<p:notes xmlns:a="http://schemas.openxmlformats.org/drawingml/2006/main" xmlns:r="http://schemas.openxmlformats.org/officeDocument/2006/relationships" xmlns:p="http://schemas.openxmlformats.org/presentationml/2006/main">
+  <p:cSld>
+    <p:spTree>
+      <p:nvGrpSpPr>
+        <p:cNvPr id="1" name=""/>
+        <p:cNvGrpSpPr/>
+        <p:nvPr/>
+      </p:nvGrpSpPr>
+      <p:grpSpPr>
+        <a:xfrm>
+          <a:off x="0" y="0"/>
+          <a:ext cx="0" cy="0"/>
+          <a:chOff x="0" y="0"/>
+          <a:chExt cx="0" cy="0"/>
+        </a:xfrm>
+      </p:grpSpPr>
+      <p:sp>
+        <p:nvSpPr>
+          <p:cNvPr id="2" name="Espaço Reservado para Imagem de Slide 1"/>
+          <p:cNvSpPr>
+            <a:spLocks noGrp="1" noRot="1" noChangeAspect="1"/>
+          </p:cNvSpPr>
+          <p:nvPr>
+            <p:ph type="sldImg"/>
+          </p:nvPr>
+        </p:nvSpPr>
+        <p:spPr/>
+      </p:sp>
+      <p:sp>
+        <p:nvSpPr>
+          <p:cNvPr id="3" name="Espaço Reservado para Anotações 2"/>
+          <p:cNvSpPr>
+            <a:spLocks noGrp="1"/>
+          </p:cNvSpPr>
+          <p:nvPr>
+            <p:ph type="body" idx="1"/>
+          </p:nvPr>
+        </p:nvSpPr>
+        <p:spPr/>
+        <p:txBody>
+          <a:bodyPr>
+            <a:normAutofit/>
+          </a:bodyPr>
+          <a:lstStyle/>
+          <a:p>
+            <a:endParaRPr lang="pt-BR"/>
+          </a:p>
+        </p:txBody>
+      </p:sp>
+      <p:sp>
+        <p:nvSpPr>
+          <p:cNvPr id="4" name="Espaço Reservado para Número de Slide 3"/>
+          <p:cNvSpPr>
+            <a:spLocks noGrp="1"/>
+          </p:cNvSpPr>
+          <p:nvPr>
+            <p:ph type="sldNum" sz="quarter" idx="10"/>
+          </p:nvPr>
+        </p:nvSpPr>
+        <p:spPr/>
+        <p:txBody>
+          <a:bodyPr/>
+          <a:lstStyle/>
+          <a:p>
+            <a:pPr>
+              <a:defRPr/>
+            </a:pPr>
+            <a:fld id="{8E95BD27-5466-443F-B42B-02049F05E6C9}" type="slidenum">
+              <a:rPr lang="pt-BR" smtClean="0"/>
+              <a:pPr>
+                <a:defRPr/>
+              </a:pPr>
+              <a:t>27</a:t>
+            </a:fld>
+            <a:endParaRPr lang="pt-BR"/>
+          </a:p>
+        </p:txBody>
+      </p:sp>
+    </p:spTree>
+  </p:cSld>
+  <p:clrMapOvr>
+    <a:masterClrMapping/>
+  </p:clrMapOvr>
+</p:notes>
+</file>
+
+<file path=ppt/notesSlides/notesSlide28.xml><?xml version="1.0" encoding="utf-8"?>
+<p:notes xmlns:a="http://schemas.openxmlformats.org/drawingml/2006/main" xmlns:r="http://schemas.openxmlformats.org/officeDocument/2006/relationships" xmlns:p="http://schemas.openxmlformats.org/presentationml/2006/main">
+  <p:cSld>
+    <p:spTree>
+      <p:nvGrpSpPr>
+        <p:cNvPr id="1" name=""/>
+        <p:cNvGrpSpPr/>
+        <p:nvPr/>
+      </p:nvGrpSpPr>
+      <p:grpSpPr>
+        <a:xfrm>
+          <a:off x="0" y="0"/>
+          <a:ext cx="0" cy="0"/>
+          <a:chOff x="0" y="0"/>
+          <a:chExt cx="0" cy="0"/>
+        </a:xfrm>
+      </p:grpSpPr>
+      <p:sp>
+        <p:nvSpPr>
+          <p:cNvPr id="2" name="Espaço Reservado para Imagem de Slide 1"/>
+          <p:cNvSpPr>
+            <a:spLocks noGrp="1" noRot="1" noChangeAspect="1"/>
+          </p:cNvSpPr>
+          <p:nvPr>
+            <p:ph type="sldImg"/>
+          </p:nvPr>
+        </p:nvSpPr>
+        <p:spPr/>
+      </p:sp>
+      <p:sp>
+        <p:nvSpPr>
+          <p:cNvPr id="3" name="Espaço Reservado para Anotações 2"/>
+          <p:cNvSpPr>
+            <a:spLocks noGrp="1"/>
+          </p:cNvSpPr>
+          <p:nvPr>
+            <p:ph type="body" idx="1"/>
+          </p:nvPr>
+        </p:nvSpPr>
+        <p:spPr/>
+        <p:txBody>
+          <a:bodyPr>
+            <a:normAutofit/>
+          </a:bodyPr>
+          <a:lstStyle/>
+          <a:p>
+            <a:endParaRPr lang="pt-BR"/>
+          </a:p>
+        </p:txBody>
+      </p:sp>
+      <p:sp>
+        <p:nvSpPr>
+          <p:cNvPr id="4" name="Espaço Reservado para Número de Slide 3"/>
+          <p:cNvSpPr>
+            <a:spLocks noGrp="1"/>
+          </p:cNvSpPr>
+          <p:nvPr>
+            <p:ph type="sldNum" sz="quarter" idx="10"/>
+          </p:nvPr>
+        </p:nvSpPr>
+        <p:spPr/>
+        <p:txBody>
+          <a:bodyPr/>
+          <a:lstStyle/>
+          <a:p>
+            <a:pPr>
+              <a:defRPr/>
+            </a:pPr>
+            <a:fld id="{8E95BD27-5466-443F-B42B-02049F05E6C9}" type="slidenum">
+              <a:rPr lang="pt-BR" smtClean="0"/>
+              <a:pPr>
+                <a:defRPr/>
+              </a:pPr>
+              <a:t>28</a:t>
+            </a:fld>
+            <a:endParaRPr lang="pt-BR"/>
+          </a:p>
+        </p:txBody>
+      </p:sp>
+    </p:spTree>
+  </p:cSld>
+  <p:clrMapOvr>
+    <a:masterClrMapping/>
+  </p:clrMapOvr>
+</p:notes>
+</file>
+
+<file path=ppt/notesSlides/notesSlide29.xml><?xml version="1.0" encoding="utf-8"?>
+<p:notes xmlns:a="http://schemas.openxmlformats.org/drawingml/2006/main" xmlns:r="http://schemas.openxmlformats.org/officeDocument/2006/relationships" xmlns:p="http://schemas.openxmlformats.org/presentationml/2006/main">
+  <p:cSld>
+    <p:spTree>
+      <p:nvGrpSpPr>
+        <p:cNvPr id="1" name=""/>
+        <p:cNvGrpSpPr/>
+        <p:nvPr/>
+      </p:nvGrpSpPr>
+      <p:grpSpPr>
+        <a:xfrm>
+          <a:off x="0" y="0"/>
+          <a:ext cx="0" cy="0"/>
+          <a:chOff x="0" y="0"/>
+          <a:chExt cx="0" cy="0"/>
+        </a:xfrm>
+      </p:grpSpPr>
+      <p:sp>
+        <p:nvSpPr>
+          <p:cNvPr id="2" name="Espaço Reservado para Imagem de Slide 1"/>
+          <p:cNvSpPr>
+            <a:spLocks noGrp="1" noRot="1" noChangeAspect="1"/>
+          </p:cNvSpPr>
+          <p:nvPr>
+            <p:ph type="sldImg"/>
+          </p:nvPr>
+        </p:nvSpPr>
+        <p:spPr/>
+      </p:sp>
+      <p:sp>
+        <p:nvSpPr>
+          <p:cNvPr id="3" name="Espaço Reservado para Anotações 2"/>
+          <p:cNvSpPr>
+            <a:spLocks noGrp="1"/>
+          </p:cNvSpPr>
+          <p:nvPr>
+            <p:ph type="body" idx="1"/>
+          </p:nvPr>
+        </p:nvSpPr>
+        <p:spPr/>
+        <p:txBody>
+          <a:bodyPr>
+            <a:normAutofit/>
+          </a:bodyPr>
+          <a:lstStyle/>
+          <a:p>
+            <a:endParaRPr lang="pt-BR"/>
+          </a:p>
+        </p:txBody>
+      </p:sp>
+      <p:sp>
+        <p:nvSpPr>
+          <p:cNvPr id="4" name="Espaço Reservado para Número de Slide 3"/>
+          <p:cNvSpPr>
+            <a:spLocks noGrp="1"/>
+          </p:cNvSpPr>
+          <p:nvPr>
+            <p:ph type="sldNum" sz="quarter" idx="10"/>
+          </p:nvPr>
+        </p:nvSpPr>
+        <p:spPr/>
+        <p:txBody>
+          <a:bodyPr/>
+          <a:lstStyle/>
+          <a:p>
+            <a:pPr>
+              <a:defRPr/>
+            </a:pPr>
+            <a:fld id="{8E95BD27-5466-443F-B42B-02049F05E6C9}" type="slidenum">
+              <a:rPr lang="pt-BR" smtClean="0"/>
+              <a:pPr>
+                <a:defRPr/>
+              </a:pPr>
+              <a:t>29</a:t>
+            </a:fld>
+            <a:endParaRPr lang="pt-BR"/>
+          </a:p>
+        </p:txBody>
+      </p:sp>
+    </p:spTree>
+  </p:cSld>
+  <p:clrMapOvr>
+    <a:masterClrMapping/>
+  </p:clrMapOvr>
+</p:notes>
+</file>
+
 <file path=ppt/notesSlides/notesSlide3.xml><?xml version="1.0" encoding="utf-8"?>
 <p:notes xmlns:a="http://schemas.openxmlformats.org/drawingml/2006/main" xmlns:r="http://schemas.openxmlformats.org/officeDocument/2006/relationships" xmlns:p="http://schemas.openxmlformats.org/presentationml/2006/main">
   <p:cSld>
@@ -2378,6 +2645,267 @@
                 <a:defRPr/>
               </a:pPr>
               <a:t>3</a:t>
+            </a:fld>
+            <a:endParaRPr lang="pt-BR"/>
+          </a:p>
+        </p:txBody>
+      </p:sp>
+    </p:spTree>
+  </p:cSld>
+  <p:clrMapOvr>
+    <a:masterClrMapping/>
+  </p:clrMapOvr>
+</p:notes>
+</file>
+
+<file path=ppt/notesSlides/notesSlide30.xml><?xml version="1.0" encoding="utf-8"?>
+<p:notes xmlns:a="http://schemas.openxmlformats.org/drawingml/2006/main" xmlns:r="http://schemas.openxmlformats.org/officeDocument/2006/relationships" xmlns:p="http://schemas.openxmlformats.org/presentationml/2006/main">
+  <p:cSld>
+    <p:spTree>
+      <p:nvGrpSpPr>
+        <p:cNvPr id="1" name=""/>
+        <p:cNvGrpSpPr/>
+        <p:nvPr/>
+      </p:nvGrpSpPr>
+      <p:grpSpPr>
+        <a:xfrm>
+          <a:off x="0" y="0"/>
+          <a:ext cx="0" cy="0"/>
+          <a:chOff x="0" y="0"/>
+          <a:chExt cx="0" cy="0"/>
+        </a:xfrm>
+      </p:grpSpPr>
+      <p:sp>
+        <p:nvSpPr>
+          <p:cNvPr id="2" name="Espaço Reservado para Imagem de Slide 1"/>
+          <p:cNvSpPr>
+            <a:spLocks noGrp="1" noRot="1" noChangeAspect="1"/>
+          </p:cNvSpPr>
+          <p:nvPr>
+            <p:ph type="sldImg"/>
+          </p:nvPr>
+        </p:nvSpPr>
+        <p:spPr/>
+      </p:sp>
+      <p:sp>
+        <p:nvSpPr>
+          <p:cNvPr id="3" name="Espaço Reservado para Anotações 2"/>
+          <p:cNvSpPr>
+            <a:spLocks noGrp="1"/>
+          </p:cNvSpPr>
+          <p:nvPr>
+            <p:ph type="body" idx="1"/>
+          </p:nvPr>
+        </p:nvSpPr>
+        <p:spPr/>
+        <p:txBody>
+          <a:bodyPr>
+            <a:normAutofit/>
+          </a:bodyPr>
+          <a:lstStyle/>
+          <a:p>
+            <a:endParaRPr lang="pt-BR"/>
+          </a:p>
+        </p:txBody>
+      </p:sp>
+      <p:sp>
+        <p:nvSpPr>
+          <p:cNvPr id="4" name="Espaço Reservado para Número de Slide 3"/>
+          <p:cNvSpPr>
+            <a:spLocks noGrp="1"/>
+          </p:cNvSpPr>
+          <p:nvPr>
+            <p:ph type="sldNum" sz="quarter" idx="10"/>
+          </p:nvPr>
+        </p:nvSpPr>
+        <p:spPr/>
+        <p:txBody>
+          <a:bodyPr/>
+          <a:lstStyle/>
+          <a:p>
+            <a:pPr>
+              <a:defRPr/>
+            </a:pPr>
+            <a:fld id="{8E95BD27-5466-443F-B42B-02049F05E6C9}" type="slidenum">
+              <a:rPr lang="pt-BR" smtClean="0"/>
+              <a:pPr>
+                <a:defRPr/>
+              </a:pPr>
+              <a:t>30</a:t>
+            </a:fld>
+            <a:endParaRPr lang="pt-BR"/>
+          </a:p>
+        </p:txBody>
+      </p:sp>
+    </p:spTree>
+  </p:cSld>
+  <p:clrMapOvr>
+    <a:masterClrMapping/>
+  </p:clrMapOvr>
+</p:notes>
+</file>
+
+<file path=ppt/notesSlides/notesSlide31.xml><?xml version="1.0" encoding="utf-8"?>
+<p:notes xmlns:a="http://schemas.openxmlformats.org/drawingml/2006/main" xmlns:r="http://schemas.openxmlformats.org/officeDocument/2006/relationships" xmlns:p="http://schemas.openxmlformats.org/presentationml/2006/main">
+  <p:cSld>
+    <p:spTree>
+      <p:nvGrpSpPr>
+        <p:cNvPr id="1" name=""/>
+        <p:cNvGrpSpPr/>
+        <p:nvPr/>
+      </p:nvGrpSpPr>
+      <p:grpSpPr>
+        <a:xfrm>
+          <a:off x="0" y="0"/>
+          <a:ext cx="0" cy="0"/>
+          <a:chOff x="0" y="0"/>
+          <a:chExt cx="0" cy="0"/>
+        </a:xfrm>
+      </p:grpSpPr>
+      <p:sp>
+        <p:nvSpPr>
+          <p:cNvPr id="2" name="Espaço Reservado para Imagem de Slide 1"/>
+          <p:cNvSpPr>
+            <a:spLocks noGrp="1" noRot="1" noChangeAspect="1"/>
+          </p:cNvSpPr>
+          <p:nvPr>
+            <p:ph type="sldImg"/>
+          </p:nvPr>
+        </p:nvSpPr>
+        <p:spPr/>
+      </p:sp>
+      <p:sp>
+        <p:nvSpPr>
+          <p:cNvPr id="3" name="Espaço Reservado para Anotações 2"/>
+          <p:cNvSpPr>
+            <a:spLocks noGrp="1"/>
+          </p:cNvSpPr>
+          <p:nvPr>
+            <p:ph type="body" idx="1"/>
+          </p:nvPr>
+        </p:nvSpPr>
+        <p:spPr/>
+        <p:txBody>
+          <a:bodyPr>
+            <a:normAutofit/>
+          </a:bodyPr>
+          <a:lstStyle/>
+          <a:p>
+            <a:endParaRPr lang="pt-BR"/>
+          </a:p>
+        </p:txBody>
+      </p:sp>
+      <p:sp>
+        <p:nvSpPr>
+          <p:cNvPr id="4" name="Espaço Reservado para Número de Slide 3"/>
+          <p:cNvSpPr>
+            <a:spLocks noGrp="1"/>
+          </p:cNvSpPr>
+          <p:nvPr>
+            <p:ph type="sldNum" sz="quarter" idx="10"/>
+          </p:nvPr>
+        </p:nvSpPr>
+        <p:spPr/>
+        <p:txBody>
+          <a:bodyPr/>
+          <a:lstStyle/>
+          <a:p>
+            <a:pPr>
+              <a:defRPr/>
+            </a:pPr>
+            <a:fld id="{8E95BD27-5466-443F-B42B-02049F05E6C9}" type="slidenum">
+              <a:rPr lang="pt-BR" smtClean="0"/>
+              <a:pPr>
+                <a:defRPr/>
+              </a:pPr>
+              <a:t>31</a:t>
+            </a:fld>
+            <a:endParaRPr lang="pt-BR"/>
+          </a:p>
+        </p:txBody>
+      </p:sp>
+    </p:spTree>
+  </p:cSld>
+  <p:clrMapOvr>
+    <a:masterClrMapping/>
+  </p:clrMapOvr>
+</p:notes>
+</file>
+
+<file path=ppt/notesSlides/notesSlide32.xml><?xml version="1.0" encoding="utf-8"?>
+<p:notes xmlns:a="http://schemas.openxmlformats.org/drawingml/2006/main" xmlns:r="http://schemas.openxmlformats.org/officeDocument/2006/relationships" xmlns:p="http://schemas.openxmlformats.org/presentationml/2006/main">
+  <p:cSld>
+    <p:spTree>
+      <p:nvGrpSpPr>
+        <p:cNvPr id="1" name=""/>
+        <p:cNvGrpSpPr/>
+        <p:nvPr/>
+      </p:nvGrpSpPr>
+      <p:grpSpPr>
+        <a:xfrm>
+          <a:off x="0" y="0"/>
+          <a:ext cx="0" cy="0"/>
+          <a:chOff x="0" y="0"/>
+          <a:chExt cx="0" cy="0"/>
+        </a:xfrm>
+      </p:grpSpPr>
+      <p:sp>
+        <p:nvSpPr>
+          <p:cNvPr id="2" name="Espaço Reservado para Imagem de Slide 1"/>
+          <p:cNvSpPr>
+            <a:spLocks noGrp="1" noRot="1" noChangeAspect="1"/>
+          </p:cNvSpPr>
+          <p:nvPr>
+            <p:ph type="sldImg"/>
+          </p:nvPr>
+        </p:nvSpPr>
+        <p:spPr/>
+      </p:sp>
+      <p:sp>
+        <p:nvSpPr>
+          <p:cNvPr id="3" name="Espaço Reservado para Anotações 2"/>
+          <p:cNvSpPr>
+            <a:spLocks noGrp="1"/>
+          </p:cNvSpPr>
+          <p:nvPr>
+            <p:ph type="body" idx="1"/>
+          </p:nvPr>
+        </p:nvSpPr>
+        <p:spPr/>
+        <p:txBody>
+          <a:bodyPr>
+            <a:normAutofit/>
+          </a:bodyPr>
+          <a:lstStyle/>
+          <a:p>
+            <a:endParaRPr lang="pt-BR"/>
+          </a:p>
+        </p:txBody>
+      </p:sp>
+      <p:sp>
+        <p:nvSpPr>
+          <p:cNvPr id="4" name="Espaço Reservado para Número de Slide 3"/>
+          <p:cNvSpPr>
+            <a:spLocks noGrp="1"/>
+          </p:cNvSpPr>
+          <p:nvPr>
+            <p:ph type="sldNum" sz="quarter" idx="10"/>
+          </p:nvPr>
+        </p:nvSpPr>
+        <p:spPr/>
+        <p:txBody>
+          <a:bodyPr/>
+          <a:lstStyle/>
+          <a:p>
+            <a:pPr>
+              <a:defRPr/>
+            </a:pPr>
+            <a:fld id="{8E95BD27-5466-443F-B42B-02049F05E6C9}" type="slidenum">
+              <a:rPr lang="pt-BR" smtClean="0"/>
+              <a:pPr>
+                <a:defRPr/>
+              </a:pPr>
+              <a:t>32</a:t>
             </a:fld>
             <a:endParaRPr lang="pt-BR"/>
           </a:p>
@@ -3345,7 +3873,7 @@
               <a:pPr>
                 <a:defRPr/>
               </a:pPr>
-              <a:t>05/06/2012</a:t>
+              <a:t>07/06/2012</a:t>
             </a:fld>
             <a:endParaRPr lang="pt-BR"/>
           </a:p>
@@ -3537,7 +4065,7 @@
               <a:pPr>
                 <a:defRPr/>
               </a:pPr>
-              <a:t>05/06/2012</a:t>
+              <a:t>07/06/2012</a:t>
             </a:fld>
             <a:endParaRPr lang="pt-BR"/>
           </a:p>
@@ -3739,7 +4267,7 @@
               <a:pPr>
                 <a:defRPr/>
               </a:pPr>
-              <a:t>05/06/2012</a:t>
+              <a:t>07/06/2012</a:t>
             </a:fld>
             <a:endParaRPr lang="pt-BR"/>
           </a:p>
@@ -3935,7 +4463,7 @@
               <a:pPr>
                 <a:defRPr/>
               </a:pPr>
-              <a:t>05/06/2012</a:t>
+              <a:t>07/06/2012</a:t>
             </a:fld>
             <a:endParaRPr lang="pt-BR"/>
           </a:p>
@@ -4441,7 +4969,7 @@
               <a:pPr>
                 <a:defRPr/>
               </a:pPr>
-              <a:t>05/06/2012</a:t>
+              <a:t>07/06/2012</a:t>
             </a:fld>
             <a:endParaRPr lang="pt-BR"/>
           </a:p>
@@ -4732,7 +5260,7 @@
               <a:pPr>
                 <a:defRPr/>
               </a:pPr>
-              <a:t>05/06/2012</a:t>
+              <a:t>07/06/2012</a:t>
             </a:fld>
             <a:endParaRPr lang="pt-BR"/>
           </a:p>
@@ -5133,7 +5661,7 @@
               <a:pPr>
                 <a:defRPr/>
               </a:pPr>
-              <a:t>05/06/2012</a:t>
+              <a:t>07/06/2012</a:t>
             </a:fld>
             <a:endParaRPr lang="pt-BR"/>
           </a:p>
@@ -5282,7 +5810,7 @@
               <a:pPr>
                 <a:defRPr/>
               </a:pPr>
-              <a:t>05/06/2012</a:t>
+              <a:t>07/06/2012</a:t>
             </a:fld>
             <a:endParaRPr lang="pt-BR"/>
           </a:p>
@@ -5399,7 +5927,7 @@
               <a:pPr>
                 <a:defRPr/>
               </a:pPr>
-              <a:t>05/06/2012</a:t>
+              <a:t>07/06/2012</a:t>
             </a:fld>
             <a:endParaRPr lang="pt-BR"/>
           </a:p>
@@ -5675,7 +6203,7 @@
               <a:pPr>
                 <a:defRPr/>
               </a:pPr>
-              <a:t>05/06/2012</a:t>
+              <a:t>07/06/2012</a:t>
             </a:fld>
             <a:endParaRPr lang="pt-BR"/>
           </a:p>
@@ -5959,7 +6487,7 @@
               <a:pPr>
                 <a:defRPr/>
               </a:pPr>
-              <a:t>05/06/2012</a:t>
+              <a:t>07/06/2012</a:t>
             </a:fld>
             <a:endParaRPr lang="pt-BR"/>
           </a:p>
@@ -6437,7 +6965,7 @@
               <a:pPr>
                 <a:defRPr/>
               </a:pPr>
-              <a:t>05/06/2012</a:t>
+              <a:t>07/06/2012</a:t>
             </a:fld>
             <a:endParaRPr lang="pt-BR"/>
           </a:p>
@@ -9688,15 +10216,7 @@
                   <a:srgbClr val="FFC000"/>
                 </a:solidFill>
               </a:rPr>
-              <a:t>	</a:t>
-            </a:r>
-            <a:r>
-              <a:rPr lang="pt-BR" sz="2200" dirty="0" smtClean="0">
-                <a:solidFill>
-                  <a:srgbClr val="FFC000"/>
-                </a:solidFill>
-              </a:rPr>
-              <a:t>	</a:t>
+              <a:t>		</a:t>
             </a:r>
             <a:r>
               <a:rPr lang="pt-BR" sz="2200" dirty="0" err="1" smtClean="0">
@@ -9786,15 +10306,7 @@
                   <a:srgbClr val="FFC000"/>
                 </a:solidFill>
               </a:rPr>
-              <a:t>	</a:t>
-            </a:r>
-            <a:r>
-              <a:rPr lang="pt-BR" sz="2200" dirty="0" smtClean="0">
-                <a:solidFill>
-                  <a:srgbClr val="FFC000"/>
-                </a:solidFill>
-              </a:rPr>
-              <a:t>	System.</a:t>
+              <a:t>		System.</a:t>
             </a:r>
             <a:r>
               <a:rPr lang="pt-BR" sz="2200" dirty="0" err="1" smtClean="0">
@@ -9841,11 +10353,6 @@
               </a:rPr>
               <a:t>}</a:t>
             </a:r>
-            <a:endParaRPr lang="pt-BR" sz="2200" dirty="0" smtClean="0">
-              <a:solidFill>
-                <a:srgbClr val="FFC000"/>
-              </a:solidFill>
-            </a:endParaRPr>
           </a:p>
         </p:txBody>
       </p:sp>
@@ -9972,11 +10479,7 @@
             </a:pPr>
             <a:r>
               <a:rPr lang="pt-BR" sz="2400" dirty="0" smtClean="0"/>
-              <a:t>A </a:t>
-            </a:r>
-            <a:r>
-              <a:rPr lang="pt-BR" sz="2400" dirty="0" smtClean="0"/>
-              <a:t>interface </a:t>
+              <a:t>A interface </a:t>
             </a:r>
             <a:r>
               <a:rPr lang="pt-BR" sz="2400" dirty="0" err="1" smtClean="0">
@@ -10224,11 +10727,6 @@
               </a:rPr>
               <a:t>”);</a:t>
             </a:r>
-            <a:endParaRPr lang="pt-BR" sz="2000" dirty="0" smtClean="0">
-              <a:solidFill>
-                <a:srgbClr val="FFC000"/>
-              </a:solidFill>
-            </a:endParaRPr>
           </a:p>
         </p:txBody>
       </p:sp>
@@ -10473,11 +10971,6 @@
               </a:rPr>
               <a:t>”);</a:t>
             </a:r>
-            <a:endParaRPr lang="pt-BR" sz="2000" dirty="0" smtClean="0">
-              <a:solidFill>
-                <a:srgbClr val="FFC000"/>
-              </a:solidFill>
-            </a:endParaRPr>
           </a:p>
         </p:txBody>
       </p:sp>
@@ -10900,11 +11393,6 @@
               </a:rPr>
               <a:t>://servidor:3306/database</a:t>
             </a:r>
-            <a:endParaRPr lang="pt-BR" sz="2000" dirty="0" smtClean="0">
-              <a:solidFill>
-                <a:srgbClr val="FFC000"/>
-              </a:solidFill>
-            </a:endParaRPr>
           </a:p>
           <a:p>
             <a:pPr marL="3175" indent="-3175" algn="ctr">
@@ -11009,15 +11497,7 @@
                   <a:srgbClr val="FFC000"/>
                 </a:solidFill>
               </a:rPr>
-              <a:t>:</a:t>
-            </a:r>
-            <a:r>
-              <a:rPr lang="pt-BR" sz="2000" dirty="0" smtClean="0">
-                <a:solidFill>
-                  <a:srgbClr val="FFC000"/>
-                </a:solidFill>
-              </a:rPr>
-              <a:t>@servidor:1521:instancia</a:t>
+              <a:t>:@servidor:1521:instancia</a:t>
             </a:r>
           </a:p>
           <a:p>
@@ -11205,108 +11685,169 @@
           </a:p>
         </p:txBody>
       </p:sp>
-      <p:sp>
-        <p:nvSpPr>
-          <p:cNvPr id="5" name="Chave direita 4"/>
-          <p:cNvSpPr/>
+      <p:grpSp>
+        <p:nvGrpSpPr>
+          <p:cNvPr id="7" name="Grupo 9"/>
+          <p:cNvGrpSpPr/>
           <p:nvPr/>
-        </p:nvSpPr>
-        <p:spPr>
-          <a:xfrm rot="5400000">
-            <a:off x="3712258" y="4144725"/>
-            <a:ext cx="279323" cy="576064"/>
+        </p:nvGrpSpPr>
+        <p:grpSpPr>
+          <a:xfrm>
+            <a:off x="3563888" y="3932857"/>
+            <a:ext cx="3456384" cy="1368351"/>
+            <a:chOff x="4499992" y="2348880"/>
+            <a:chExt cx="3456384" cy="1368351"/>
           </a:xfrm>
-          <a:prstGeom prst="rightBrace">
-            <a:avLst/>
-          </a:prstGeom>
-          <a:ln w="28575">
-            <a:solidFill>
-              <a:schemeClr val="tx1"/>
-            </a:solidFill>
-          </a:ln>
-        </p:spPr>
-        <p:style>
-          <a:lnRef idx="1">
-            <a:schemeClr val="accent1"/>
-          </a:lnRef>
-          <a:fillRef idx="0">
-            <a:schemeClr val="accent1"/>
-          </a:fillRef>
-          <a:effectRef idx="0">
-            <a:schemeClr val="accent1"/>
-          </a:effectRef>
-          <a:fontRef idx="minor">
-            <a:schemeClr val="tx1"/>
-          </a:fontRef>
-        </p:style>
-        <p:txBody>
-          <a:bodyPr rtlCol="0" anchor="ctr"/>
-          <a:lstStyle/>
-          <a:p>
-            <a:pPr algn="ctr"/>
-            <a:endParaRPr lang="pt-BR"/>
-          </a:p>
-        </p:txBody>
-      </p:sp>
-      <p:sp>
-        <p:nvSpPr>
-          <p:cNvPr id="6" name="CaixaDeTexto 5"/>
-          <p:cNvSpPr txBox="1"/>
-          <p:nvPr/>
-        </p:nvSpPr>
-        <p:spPr>
-          <a:xfrm>
-            <a:off x="1985749" y="4716433"/>
-            <a:ext cx="3762569" cy="646331"/>
-          </a:xfrm>
-          <a:prstGeom prst="rect">
-            <a:avLst/>
-          </a:prstGeom>
-          <a:noFill/>
-          <a:ln>
-            <a:solidFill>
-              <a:schemeClr val="tx1"/>
-            </a:solidFill>
-          </a:ln>
-        </p:spPr>
-        <p:txBody>
-          <a:bodyPr wrap="none" rtlCol="0">
-            <a:spAutoFit/>
-          </a:bodyPr>
-          <a:lstStyle/>
-          <a:p>
-            <a:pPr algn="ctr"/>
-            <a:r>
-              <a:rPr lang="pt-BR" b="1" dirty="0" smtClean="0"/>
-              <a:t>Instância de </a:t>
-            </a:r>
-            <a:r>
-              <a:rPr lang="pt-BR" b="1" dirty="0" err="1" smtClean="0"/>
-              <a:t>java</a:t>
-            </a:r>
-            <a:r>
-              <a:rPr lang="pt-BR" b="1" dirty="0" smtClean="0"/>
-              <a:t>.</a:t>
-            </a:r>
-            <a:r>
-              <a:rPr lang="pt-BR" b="1" dirty="0" err="1" smtClean="0"/>
-              <a:t>sql</a:t>
-            </a:r>
-            <a:r>
-              <a:rPr lang="pt-BR" b="1" dirty="0" smtClean="0"/>
-              <a:t>.Connection</a:t>
-            </a:r>
-          </a:p>
-          <a:p>
-            <a:pPr algn="ctr"/>
-            <a:r>
-              <a:rPr lang="pt-BR" b="1" dirty="0" smtClean="0"/>
-              <a:t>utilizada como conexão</a:t>
-            </a:r>
-            <a:endParaRPr lang="pt-BR" b="1" dirty="0"/>
-          </a:p>
-        </p:txBody>
-      </p:sp>
+        </p:grpSpPr>
+        <p:sp>
+          <p:nvSpPr>
+            <p:cNvPr id="8" name="Rectangle 7"/>
+            <p:cNvSpPr>
+              <a:spLocks noChangeArrowheads="1"/>
+            </p:cNvSpPr>
+            <p:nvPr/>
+          </p:nvSpPr>
+          <p:spPr bwMode="auto">
+            <a:xfrm>
+              <a:off x="4499992" y="2348880"/>
+              <a:ext cx="504056" cy="504255"/>
+            </a:xfrm>
+            <a:prstGeom prst="rect">
+              <a:avLst/>
+            </a:prstGeom>
+            <a:noFill/>
+            <a:ln w="38160">
+              <a:solidFill>
+                <a:srgbClr val="FFC000"/>
+              </a:solidFill>
+              <a:prstDash val="sysDot"/>
+              <a:miter lim="800000"/>
+              <a:headEnd/>
+              <a:tailEnd/>
+            </a:ln>
+          </p:spPr>
+          <p:txBody>
+            <a:bodyPr wrap="none" anchor="ctr"/>
+            <a:lstStyle/>
+            <a:p>
+              <a:endParaRPr lang="pt-BR"/>
+            </a:p>
+          </p:txBody>
+        </p:sp>
+        <p:sp>
+          <p:nvSpPr>
+            <p:cNvPr id="9" name="CaixaDeTexto 8"/>
+            <p:cNvSpPr txBox="1"/>
+            <p:nvPr/>
+          </p:nvSpPr>
+          <p:spPr bwMode="auto">
+            <a:xfrm>
+              <a:off x="5435723" y="3132456"/>
+              <a:ext cx="2520653" cy="584775"/>
+            </a:xfrm>
+            <a:prstGeom prst="rect">
+              <a:avLst/>
+            </a:prstGeom>
+            <a:noFill/>
+            <a:ln w="28575">
+              <a:solidFill>
+                <a:schemeClr val="tx1"/>
+              </a:solidFill>
+            </a:ln>
+          </p:spPr>
+          <p:txBody>
+            <a:bodyPr wrap="square">
+              <a:spAutoFit/>
+            </a:bodyPr>
+            <a:lstStyle/>
+            <a:p>
+              <a:pPr algn="ctr">
+                <a:defRPr/>
+              </a:pPr>
+              <a:r>
+                <a:rPr lang="pt-BR" sz="1600" dirty="0" smtClean="0">
+                  <a:latin typeface="+mn-lt"/>
+                </a:rPr>
+                <a:t>Conexão utilizada no acesso à base de dados</a:t>
+              </a:r>
+              <a:endParaRPr lang="pt-BR" sz="1600" dirty="0">
+                <a:latin typeface="+mn-lt"/>
+              </a:endParaRPr>
+            </a:p>
+          </p:txBody>
+        </p:sp>
+        <p:grpSp>
+          <p:nvGrpSpPr>
+            <p:cNvPr id="10" name="Grupo 19"/>
+            <p:cNvGrpSpPr>
+              <a:grpSpLocks/>
+            </p:cNvGrpSpPr>
+            <p:nvPr/>
+          </p:nvGrpSpPr>
+          <p:grpSpPr bwMode="auto">
+            <a:xfrm flipV="1">
+              <a:off x="4787651" y="2916431"/>
+              <a:ext cx="646906" cy="505638"/>
+              <a:chOff x="1185430" y="4152626"/>
+              <a:chExt cx="648072" cy="507230"/>
+            </a:xfrm>
+          </p:grpSpPr>
+          <p:cxnSp>
+            <p:nvCxnSpPr>
+              <p:cNvPr id="11" name="Conector de seta reta 10"/>
+              <p:cNvCxnSpPr>
+                <a:cxnSpLocks noChangeShapeType="1"/>
+              </p:cNvCxnSpPr>
+              <p:nvPr/>
+            </p:nvCxnSpPr>
+            <p:spPr bwMode="auto">
+              <a:xfrm>
+                <a:off x="1185430" y="4154214"/>
+                <a:ext cx="374" cy="505642"/>
+              </a:xfrm>
+              <a:prstGeom prst="straightConnector1">
+                <a:avLst/>
+              </a:prstGeom>
+              <a:noFill/>
+              <a:ln w="31750" algn="ctr">
+                <a:solidFill>
+                  <a:schemeClr val="tx1"/>
+                </a:solidFill>
+                <a:round/>
+                <a:headEnd/>
+                <a:tailEnd type="arrow" w="med" len="med"/>
+              </a:ln>
+            </p:spPr>
+          </p:cxnSp>
+          <p:cxnSp>
+            <p:nvCxnSpPr>
+              <p:cNvPr id="12" name="Conector de seta reta 15"/>
+              <p:cNvCxnSpPr>
+                <a:cxnSpLocks noChangeShapeType="1"/>
+              </p:cNvCxnSpPr>
+              <p:nvPr/>
+            </p:nvCxnSpPr>
+            <p:spPr bwMode="auto">
+              <a:xfrm rot="10800000">
+                <a:off x="1185430" y="4152626"/>
+                <a:ext cx="648072" cy="1588"/>
+              </a:xfrm>
+              <a:prstGeom prst="straightConnector1">
+                <a:avLst/>
+              </a:prstGeom>
+              <a:noFill/>
+              <a:ln w="31750" algn="ctr">
+                <a:solidFill>
+                  <a:schemeClr val="tx1"/>
+                </a:solidFill>
+                <a:round/>
+                <a:headEnd/>
+                <a:tailEnd/>
+              </a:ln>
+            </p:spPr>
+          </p:cxnSp>
+        </p:grpSp>
+      </p:grpSp>
     </p:spTree>
   </p:cSld>
   <p:clrMapOvr>
@@ -11315,7 +11856,121 @@
   <p:timing>
     <p:tnLst>
       <p:par>
-        <p:cTn id="1" dur="indefinite" restart="never" nodeType="tmRoot"/>
+        <p:cTn id="1" dur="indefinite" restart="never" nodeType="tmRoot">
+          <p:childTnLst>
+            <p:seq concurrent="1" nextAc="seek">
+              <p:cTn id="2" dur="indefinite" nodeType="mainSeq">
+                <p:childTnLst>
+                  <p:par>
+                    <p:cTn id="3" fill="hold">
+                      <p:stCondLst>
+                        <p:cond delay="indefinite"/>
+                      </p:stCondLst>
+                      <p:childTnLst>
+                        <p:par>
+                          <p:cTn id="4" fill="hold">
+                            <p:stCondLst>
+                              <p:cond delay="0"/>
+                            </p:stCondLst>
+                            <p:childTnLst>
+                              <p:par>
+                                <p:cTn id="5" presetID="2" presetClass="entr" presetSubtype="2" fill="hold" nodeType="clickEffect">
+                                  <p:stCondLst>
+                                    <p:cond delay="0"/>
+                                  </p:stCondLst>
+                                  <p:childTnLst>
+                                    <p:set>
+                                      <p:cBhvr>
+                                        <p:cTn id="6" dur="1" fill="hold">
+                                          <p:stCondLst>
+                                            <p:cond delay="0"/>
+                                          </p:stCondLst>
+                                        </p:cTn>
+                                        <p:tgtEl>
+                                          <p:spTgt spid="7"/>
+                                        </p:tgtEl>
+                                        <p:attrNameLst>
+                                          <p:attrName>style.visibility</p:attrName>
+                                        </p:attrNameLst>
+                                      </p:cBhvr>
+                                      <p:to>
+                                        <p:strVal val="visible"/>
+                                      </p:to>
+                                    </p:set>
+                                    <p:anim calcmode="lin" valueType="num">
+                                      <p:cBhvr additive="base">
+                                        <p:cTn id="7" dur="500" fill="hold"/>
+                                        <p:tgtEl>
+                                          <p:spTgt spid="7"/>
+                                        </p:tgtEl>
+                                        <p:attrNameLst>
+                                          <p:attrName>ppt_x</p:attrName>
+                                        </p:attrNameLst>
+                                      </p:cBhvr>
+                                      <p:tavLst>
+                                        <p:tav tm="0">
+                                          <p:val>
+                                            <p:strVal val="1+#ppt_w/2"/>
+                                          </p:val>
+                                        </p:tav>
+                                        <p:tav tm="100000">
+                                          <p:val>
+                                            <p:strVal val="#ppt_x"/>
+                                          </p:val>
+                                        </p:tav>
+                                      </p:tavLst>
+                                    </p:anim>
+                                    <p:anim calcmode="lin" valueType="num">
+                                      <p:cBhvr additive="base">
+                                        <p:cTn id="8" dur="500" fill="hold"/>
+                                        <p:tgtEl>
+                                          <p:spTgt spid="7"/>
+                                        </p:tgtEl>
+                                        <p:attrNameLst>
+                                          <p:attrName>ppt_y</p:attrName>
+                                        </p:attrNameLst>
+                                      </p:cBhvr>
+                                      <p:tavLst>
+                                        <p:tav tm="0">
+                                          <p:val>
+                                            <p:strVal val="#ppt_y"/>
+                                          </p:val>
+                                        </p:tav>
+                                        <p:tav tm="100000">
+                                          <p:val>
+                                            <p:strVal val="#ppt_y"/>
+                                          </p:val>
+                                        </p:tav>
+                                      </p:tavLst>
+                                    </p:anim>
+                                  </p:childTnLst>
+                                </p:cTn>
+                              </p:par>
+                            </p:childTnLst>
+                          </p:cTn>
+                        </p:par>
+                      </p:childTnLst>
+                    </p:cTn>
+                  </p:par>
+                </p:childTnLst>
+              </p:cTn>
+              <p:prevCondLst>
+                <p:cond evt="onPrev" delay="0">
+                  <p:tgtEl>
+                    <p:sldTgt/>
+                  </p:tgtEl>
+                </p:cond>
+              </p:prevCondLst>
+              <p:nextCondLst>
+                <p:cond evt="onNext" delay="0">
+                  <p:tgtEl>
+                    <p:sldTgt/>
+                  </p:tgtEl>
+                </p:cond>
+              </p:nextCondLst>
+            </p:seq>
+          </p:childTnLst>
+        </p:cTn>
       </p:par>
     </p:tnLst>
   </p:timing>
@@ -11437,11 +12092,6 @@
               </a:rPr>
               <a:t> {</a:t>
             </a:r>
-            <a:endParaRPr lang="pt-BR" sz="2000" dirty="0" smtClean="0">
-              <a:solidFill>
-                <a:srgbClr val="FFC000"/>
-              </a:solidFill>
-            </a:endParaRPr>
           </a:p>
           <a:p>
             <a:pPr marL="442913" lvl="1" indent="6350">
@@ -11759,7 +12409,15 @@
                   <a:srgbClr val="FFC000"/>
                 </a:solidFill>
               </a:rPr>
-              <a:t>	</a:t>
+              <a:t>	System.</a:t>
+            </a:r>
+            <a:r>
+              <a:rPr lang="pt-BR" sz="2000" dirty="0" err="1" smtClean="0">
+                <a:solidFill>
+                  <a:srgbClr val="FFC000"/>
+                </a:solidFill>
+              </a:rPr>
+              <a:t>out.println</a:t>
             </a:r>
             <a:r>
               <a:rPr lang="pt-BR" sz="2000" dirty="0" smtClean="0">
@@ -11767,7 +12425,7 @@
                   <a:srgbClr val="FFC000"/>
                 </a:solidFill>
               </a:rPr>
-              <a:t>System.</a:t>
+              <a:t>(“Não foi possível carregar o </a:t>
             </a:r>
             <a:r>
               <a:rPr lang="pt-BR" sz="2000" dirty="0" err="1" smtClean="0">
@@ -11775,7 +12433,7 @@
                   <a:srgbClr val="FFC000"/>
                 </a:solidFill>
               </a:rPr>
-              <a:t>out.println</a:t>
+              <a:t>driver</a:t>
             </a:r>
             <a:r>
               <a:rPr lang="pt-BR" sz="2000" dirty="0" smtClean="0">
@@ -11783,29 +12441,8 @@
                   <a:srgbClr val="FFC000"/>
                 </a:solidFill>
               </a:rPr>
-              <a:t>(“Não foi possível carregar o </a:t>
-            </a:r>
-            <a:r>
-              <a:rPr lang="pt-BR" sz="2000" dirty="0" err="1" smtClean="0">
-                <a:solidFill>
-                  <a:srgbClr val="FFC000"/>
-                </a:solidFill>
-              </a:rPr>
-              <a:t>driver</a:t>
-            </a:r>
-            <a:r>
-              <a:rPr lang="pt-BR" sz="2000" dirty="0" smtClean="0">
-                <a:solidFill>
-                  <a:srgbClr val="FFC000"/>
-                </a:solidFill>
-              </a:rPr>
               <a:t>.”);</a:t>
             </a:r>
-            <a:endParaRPr lang="pt-BR" sz="2000" dirty="0" smtClean="0">
-              <a:solidFill>
-                <a:srgbClr val="FFC000"/>
-              </a:solidFill>
-            </a:endParaRPr>
           </a:p>
           <a:p>
             <a:pPr marL="442913" lvl="1" indent="6350">
@@ -11852,15 +12489,7 @@
                   <a:srgbClr val="FFC000"/>
                 </a:solidFill>
               </a:rPr>
-              <a:t>	</a:t>
-            </a:r>
-            <a:r>
-              <a:rPr lang="pt-BR" sz="2000" dirty="0" smtClean="0">
-                <a:solidFill>
-                  <a:srgbClr val="FFC000"/>
-                </a:solidFill>
-              </a:rPr>
-              <a:t>System.</a:t>
+              <a:t>	System.</a:t>
             </a:r>
             <a:r>
               <a:rPr lang="pt-BR" sz="2000" dirty="0" err="1" smtClean="0">
@@ -12212,6 +12841,18 @@
           <a:bodyPr/>
           <a:lstStyle/>
           <a:p>
+            <a:r>
+              <a:rPr lang="pt-BR" dirty="0" smtClean="0"/>
+              <a:t>TODO: “</a:t>
+            </a:r>
+            <a:r>
+              <a:rPr lang="pt-BR" dirty="0" err="1" smtClean="0"/>
+              <a:t>statements</a:t>
+            </a:r>
+            <a:r>
+              <a:rPr lang="pt-BR" dirty="0" smtClean="0"/>
+              <a:t>” / declarações SQL</a:t>
+            </a:r>
             <a:endParaRPr lang="pt-BR" dirty="0"/>
           </a:p>
         </p:txBody>
@@ -12292,10 +12933,9 @@
           <a:bodyPr/>
           <a:lstStyle/>
           <a:p>
-            <a:pPr eaLnBrk="1" hangingPunct="1"/>
             <a:r>
               <a:rPr lang="pt-BR" dirty="0" smtClean="0"/>
-              <a:t>Operações parametrizadas</a:t>
+              <a:t>Operações na base de dados</a:t>
             </a:r>
             <a:endParaRPr lang="pt-BR" dirty="0"/>
           </a:p>
@@ -12316,7 +12956,19 @@
           <a:bodyPr/>
           <a:lstStyle/>
           <a:p>
-            <a:endParaRPr lang="pt-BR"/>
+            <a:r>
+              <a:rPr lang="pt-BR" dirty="0" smtClean="0"/>
+              <a:t>Interfaces </a:t>
+            </a:r>
+            <a:r>
+              <a:rPr lang="pt-BR" dirty="0" err="1" smtClean="0"/>
+              <a:t>statements</a:t>
+            </a:r>
+            <a:r>
+              <a:rPr lang="pt-BR" dirty="0" smtClean="0"/>
+              <a:t>:</a:t>
+            </a:r>
+            <a:endParaRPr lang="pt-BR" dirty="0"/>
           </a:p>
         </p:txBody>
       </p:sp>
@@ -12349,6 +13001,709 @@
           </a:p>
         </p:txBody>
       </p:sp>
+      <p:graphicFrame>
+        <p:nvGraphicFramePr>
+          <p:cNvPr id="5" name="Espaço Reservado para Conteúdo 4"/>
+          <p:cNvGraphicFramePr>
+            <a:graphicFrameLocks/>
+          </p:cNvGraphicFramePr>
+          <p:nvPr/>
+        </p:nvGraphicFramePr>
+        <p:xfrm>
+          <a:off x="827584" y="2564512"/>
+          <a:ext cx="2664296" cy="936496"/>
+        </p:xfrm>
+        <a:graphic>
+          <a:graphicData uri="http://schemas.openxmlformats.org/drawingml/2006/table">
+            <a:tbl>
+              <a:tblPr firstRow="1" bandRow="1">
+                <a:tableStyleId>{5C22544A-7EE6-4342-B048-85BDC9FD1C3A}</a:tableStyleId>
+              </a:tblPr>
+              <a:tblGrid>
+                <a:gridCol w="2664296"/>
+              </a:tblGrid>
+              <a:tr h="255223">
+                <a:tc>
+                  <a:txBody>
+                    <a:bodyPr/>
+                    <a:lstStyle/>
+                    <a:p>
+                      <a:pPr marL="0" algn="ctr" rtl="0" eaLnBrk="1" latinLnBrk="0" hangingPunct="1"/>
+                      <a:r>
+                        <a:rPr kumimoji="0" lang="pt-BR" sz="2000" b="1" i="1" kern="1200" dirty="0" err="1" smtClean="0">
+                          <a:solidFill>
+                            <a:srgbClr val="FFC000"/>
+                          </a:solidFill>
+                          <a:latin typeface="+mn-lt"/>
+                          <a:ea typeface="+mn-ea"/>
+                          <a:cs typeface="+mn-cs"/>
+                        </a:rPr>
+                        <a:t>Statement</a:t>
+                      </a:r>
+                      <a:endParaRPr kumimoji="0" lang="pt-BR" sz="2000" b="1" i="1" kern="1200" dirty="0">
+                        <a:solidFill>
+                          <a:srgbClr val="FFC000"/>
+                        </a:solidFill>
+                        <a:latin typeface="+mn-lt"/>
+                        <a:ea typeface="+mn-ea"/>
+                        <a:cs typeface="+mn-cs"/>
+                      </a:endParaRPr>
+                    </a:p>
+                  </a:txBody>
+                  <a:tcPr>
+                    <a:lnL w="28575" cap="flat" cmpd="sng" algn="ctr">
+                      <a:solidFill>
+                        <a:srgbClr val="FFC000"/>
+                      </a:solidFill>
+                      <a:prstDash val="solid"/>
+                      <a:round/>
+                      <a:headEnd type="none" w="med" len="med"/>
+                      <a:tailEnd type="none" w="med" len="med"/>
+                    </a:lnL>
+                    <a:lnR w="28575" cap="flat" cmpd="sng" algn="ctr">
+                      <a:solidFill>
+                        <a:srgbClr val="FFC000"/>
+                      </a:solidFill>
+                      <a:prstDash val="solid"/>
+                      <a:round/>
+                      <a:headEnd type="none" w="med" len="med"/>
+                      <a:tailEnd type="none" w="med" len="med"/>
+                    </a:lnR>
+                    <a:lnT w="28575" cap="flat" cmpd="sng" algn="ctr">
+                      <a:solidFill>
+                        <a:srgbClr val="FFC000"/>
+                      </a:solidFill>
+                      <a:prstDash val="solid"/>
+                      <a:round/>
+                      <a:headEnd type="none" w="med" len="med"/>
+                      <a:tailEnd type="none" w="med" len="med"/>
+                    </a:lnT>
+                    <a:lnB w="28575" cap="flat" cmpd="sng" algn="ctr">
+                      <a:solidFill>
+                        <a:srgbClr val="FFC000"/>
+                      </a:solidFill>
+                      <a:prstDash val="solid"/>
+                      <a:round/>
+                      <a:headEnd type="none" w="med" len="med"/>
+                      <a:tailEnd type="none" w="med" len="med"/>
+                    </a:lnB>
+                    <a:noFill/>
+                  </a:tcPr>
+                </a:tc>
+              </a:tr>
+              <a:tr h="540256">
+                <a:tc>
+                  <a:txBody>
+                    <a:bodyPr/>
+                    <a:lstStyle/>
+                    <a:p>
+                      <a:endParaRPr lang="fr-FR" sz="2000" dirty="0" smtClean="0">
+                        <a:solidFill>
+                          <a:srgbClr val="FFC000"/>
+                        </a:solidFill>
+                      </a:endParaRPr>
+                    </a:p>
+                  </a:txBody>
+                  <a:tcPr>
+                    <a:lnL w="28575" cap="flat" cmpd="sng" algn="ctr">
+                      <a:solidFill>
+                        <a:srgbClr val="FFC000"/>
+                      </a:solidFill>
+                      <a:prstDash val="solid"/>
+                      <a:round/>
+                      <a:headEnd type="none" w="med" len="med"/>
+                      <a:tailEnd type="none" w="med" len="med"/>
+                    </a:lnL>
+                    <a:lnR w="28575" cap="flat" cmpd="sng" algn="ctr">
+                      <a:solidFill>
+                        <a:srgbClr val="FFC000"/>
+                      </a:solidFill>
+                      <a:prstDash val="solid"/>
+                      <a:round/>
+                      <a:headEnd type="none" w="med" len="med"/>
+                      <a:tailEnd type="none" w="med" len="med"/>
+                    </a:lnR>
+                    <a:lnT w="28575" cap="flat" cmpd="sng" algn="ctr">
+                      <a:solidFill>
+                        <a:srgbClr val="FFC000"/>
+                      </a:solidFill>
+                      <a:prstDash val="solid"/>
+                      <a:round/>
+                      <a:headEnd type="none" w="med" len="med"/>
+                      <a:tailEnd type="none" w="med" len="med"/>
+                    </a:lnT>
+                    <a:lnB w="28575" cap="flat" cmpd="sng" algn="ctr">
+                      <a:solidFill>
+                        <a:srgbClr val="FFC000"/>
+                      </a:solidFill>
+                      <a:prstDash val="solid"/>
+                      <a:round/>
+                      <a:headEnd type="none" w="med" len="med"/>
+                      <a:tailEnd type="none" w="med" len="med"/>
+                    </a:lnB>
+                    <a:noFill/>
+                  </a:tcPr>
+                </a:tc>
+              </a:tr>
+            </a:tbl>
+          </a:graphicData>
+        </a:graphic>
+      </p:graphicFrame>
+      <p:graphicFrame>
+        <p:nvGraphicFramePr>
+          <p:cNvPr id="6" name="Espaço Reservado para Conteúdo 4"/>
+          <p:cNvGraphicFramePr>
+            <a:graphicFrameLocks/>
+          </p:cNvGraphicFramePr>
+          <p:nvPr/>
+        </p:nvGraphicFramePr>
+        <p:xfrm>
+          <a:off x="3275856" y="3717032"/>
+          <a:ext cx="2664296" cy="936104"/>
+        </p:xfrm>
+        <a:graphic>
+          <a:graphicData uri="http://schemas.openxmlformats.org/drawingml/2006/table">
+            <a:tbl>
+              <a:tblPr firstRow="1" bandRow="1">
+                <a:tableStyleId>{5C22544A-7EE6-4342-B048-85BDC9FD1C3A}</a:tableStyleId>
+              </a:tblPr>
+              <a:tblGrid>
+                <a:gridCol w="2664296"/>
+              </a:tblGrid>
+              <a:tr h="367937">
+                <a:tc>
+                  <a:txBody>
+                    <a:bodyPr/>
+                    <a:lstStyle/>
+                    <a:p>
+                      <a:pPr algn="ctr"/>
+                      <a:r>
+                        <a:rPr lang="pt-BR" sz="2000" i="1" dirty="0" err="1" smtClean="0">
+                          <a:solidFill>
+                            <a:srgbClr val="FFC000"/>
+                          </a:solidFill>
+                        </a:rPr>
+                        <a:t>PreparedStatement</a:t>
+                      </a:r>
+                      <a:endParaRPr lang="pt-BR" sz="2000" i="1" dirty="0">
+                        <a:solidFill>
+                          <a:srgbClr val="FFC000"/>
+                        </a:solidFill>
+                      </a:endParaRPr>
+                    </a:p>
+                  </a:txBody>
+                  <a:tcPr>
+                    <a:lnL w="28575" cap="flat" cmpd="sng" algn="ctr">
+                      <a:solidFill>
+                        <a:srgbClr val="FFC000"/>
+                      </a:solidFill>
+                      <a:prstDash val="solid"/>
+                      <a:round/>
+                      <a:headEnd type="none" w="med" len="med"/>
+                      <a:tailEnd type="none" w="med" len="med"/>
+                    </a:lnL>
+                    <a:lnR w="28575" cap="flat" cmpd="sng" algn="ctr">
+                      <a:solidFill>
+                        <a:srgbClr val="FFC000"/>
+                      </a:solidFill>
+                      <a:prstDash val="solid"/>
+                      <a:round/>
+                      <a:headEnd type="none" w="med" len="med"/>
+                      <a:tailEnd type="none" w="med" len="med"/>
+                    </a:lnR>
+                    <a:lnT w="28575" cap="flat" cmpd="sng" algn="ctr">
+                      <a:solidFill>
+                        <a:srgbClr val="FFC000"/>
+                      </a:solidFill>
+                      <a:prstDash val="solid"/>
+                      <a:round/>
+                      <a:headEnd type="none" w="med" len="med"/>
+                      <a:tailEnd type="none" w="med" len="med"/>
+                    </a:lnT>
+                    <a:lnB w="28575" cap="flat" cmpd="sng" algn="ctr">
+                      <a:solidFill>
+                        <a:srgbClr val="FFC000"/>
+                      </a:solidFill>
+                      <a:prstDash val="solid"/>
+                      <a:round/>
+                      <a:headEnd type="none" w="med" len="med"/>
+                      <a:tailEnd type="none" w="med" len="med"/>
+                    </a:lnB>
+                    <a:noFill/>
+                  </a:tcPr>
+                </a:tc>
+              </a:tr>
+              <a:tr h="539864">
+                <a:tc>
+                  <a:txBody>
+                    <a:bodyPr/>
+                    <a:lstStyle/>
+                    <a:p>
+                      <a:endParaRPr kumimoji="0" lang="pt-BR" sz="2000" kern="1200" dirty="0">
+                        <a:solidFill>
+                          <a:srgbClr val="FFC000"/>
+                        </a:solidFill>
+                        <a:latin typeface="+mn-lt"/>
+                        <a:ea typeface="+mn-ea"/>
+                        <a:cs typeface="+mn-cs"/>
+                      </a:endParaRPr>
+                    </a:p>
+                  </a:txBody>
+                  <a:tcPr>
+                    <a:lnL w="28575" cap="flat" cmpd="sng" algn="ctr">
+                      <a:solidFill>
+                        <a:srgbClr val="FFC000"/>
+                      </a:solidFill>
+                      <a:prstDash val="solid"/>
+                      <a:round/>
+                      <a:headEnd type="none" w="med" len="med"/>
+                      <a:tailEnd type="none" w="med" len="med"/>
+                    </a:lnL>
+                    <a:lnR w="28575" cap="flat" cmpd="sng" algn="ctr">
+                      <a:solidFill>
+                        <a:srgbClr val="FFC000"/>
+                      </a:solidFill>
+                      <a:prstDash val="solid"/>
+                      <a:round/>
+                      <a:headEnd type="none" w="med" len="med"/>
+                      <a:tailEnd type="none" w="med" len="med"/>
+                    </a:lnR>
+                    <a:lnT w="28575" cap="flat" cmpd="sng" algn="ctr">
+                      <a:solidFill>
+                        <a:srgbClr val="FFC000"/>
+                      </a:solidFill>
+                      <a:prstDash val="solid"/>
+                      <a:round/>
+                      <a:headEnd type="none" w="med" len="med"/>
+                      <a:tailEnd type="none" w="med" len="med"/>
+                    </a:lnT>
+                    <a:lnB w="28575" cap="flat" cmpd="sng" algn="ctr">
+                      <a:solidFill>
+                        <a:srgbClr val="FFC000"/>
+                      </a:solidFill>
+                      <a:prstDash val="solid"/>
+                      <a:round/>
+                      <a:headEnd type="none" w="med" len="med"/>
+                      <a:tailEnd type="none" w="med" len="med"/>
+                    </a:lnB>
+                    <a:noFill/>
+                  </a:tcPr>
+                </a:tc>
+              </a:tr>
+            </a:tbl>
+          </a:graphicData>
+        </a:graphic>
+      </p:graphicFrame>
+      <p:graphicFrame>
+        <p:nvGraphicFramePr>
+          <p:cNvPr id="7" name="Espaço Reservado para Conteúdo 4"/>
+          <p:cNvGraphicFramePr>
+            <a:graphicFrameLocks/>
+          </p:cNvGraphicFramePr>
+          <p:nvPr/>
+        </p:nvGraphicFramePr>
+        <p:xfrm>
+          <a:off x="5796136" y="4869160"/>
+          <a:ext cx="2664296" cy="936104"/>
+        </p:xfrm>
+        <a:graphic>
+          <a:graphicData uri="http://schemas.openxmlformats.org/drawingml/2006/table">
+            <a:tbl>
+              <a:tblPr firstRow="1" bandRow="1">
+                <a:tableStyleId>{5C22544A-7EE6-4342-B048-85BDC9FD1C3A}</a:tableStyleId>
+              </a:tblPr>
+              <a:tblGrid>
+                <a:gridCol w="2664296"/>
+              </a:tblGrid>
+              <a:tr h="216024">
+                <a:tc>
+                  <a:txBody>
+                    <a:bodyPr/>
+                    <a:lstStyle/>
+                    <a:p>
+                      <a:pPr marL="0" algn="ctr" rtl="0" eaLnBrk="1" latinLnBrk="0" hangingPunct="1"/>
+                      <a:r>
+                        <a:rPr kumimoji="0" lang="pt-BR" sz="2000" b="1" i="1" kern="1200" dirty="0" err="1" smtClean="0">
+                          <a:solidFill>
+                            <a:srgbClr val="FFC000"/>
+                          </a:solidFill>
+                          <a:latin typeface="+mn-lt"/>
+                          <a:ea typeface="+mn-ea"/>
+                          <a:cs typeface="+mn-cs"/>
+                        </a:rPr>
+                        <a:t>CallableStatement</a:t>
+                      </a:r>
+                      <a:endParaRPr kumimoji="0" lang="pt-BR" sz="2000" b="1" i="1" kern="1200" dirty="0">
+                        <a:solidFill>
+                          <a:srgbClr val="FFC000"/>
+                        </a:solidFill>
+                        <a:latin typeface="+mn-lt"/>
+                        <a:ea typeface="+mn-ea"/>
+                        <a:cs typeface="+mn-cs"/>
+                      </a:endParaRPr>
+                    </a:p>
+                  </a:txBody>
+                  <a:tcPr>
+                    <a:lnL w="28575" cap="flat" cmpd="sng" algn="ctr">
+                      <a:solidFill>
+                        <a:srgbClr val="FFC000"/>
+                      </a:solidFill>
+                      <a:prstDash val="solid"/>
+                      <a:round/>
+                      <a:headEnd type="none" w="med" len="med"/>
+                      <a:tailEnd type="none" w="med" len="med"/>
+                    </a:lnL>
+                    <a:lnR w="28575" cap="flat" cmpd="sng" algn="ctr">
+                      <a:solidFill>
+                        <a:srgbClr val="FFC000"/>
+                      </a:solidFill>
+                      <a:prstDash val="solid"/>
+                      <a:round/>
+                      <a:headEnd type="none" w="med" len="med"/>
+                      <a:tailEnd type="none" w="med" len="med"/>
+                    </a:lnR>
+                    <a:lnT w="28575" cap="flat" cmpd="sng" algn="ctr">
+                      <a:solidFill>
+                        <a:srgbClr val="FFC000"/>
+                      </a:solidFill>
+                      <a:prstDash val="solid"/>
+                      <a:round/>
+                      <a:headEnd type="none" w="med" len="med"/>
+                      <a:tailEnd type="none" w="med" len="med"/>
+                    </a:lnT>
+                    <a:lnB w="28575" cap="flat" cmpd="sng" algn="ctr">
+                      <a:solidFill>
+                        <a:srgbClr val="FFC000"/>
+                      </a:solidFill>
+                      <a:prstDash val="solid"/>
+                      <a:round/>
+                      <a:headEnd type="none" w="med" len="med"/>
+                      <a:tailEnd type="none" w="med" len="med"/>
+                    </a:lnB>
+                    <a:noFill/>
+                  </a:tcPr>
+                </a:tc>
+              </a:tr>
+              <a:tr h="539864">
+                <a:tc>
+                  <a:txBody>
+                    <a:bodyPr/>
+                    <a:lstStyle/>
+                    <a:p>
+                      <a:endParaRPr lang="fr-FR" sz="2000" dirty="0" smtClean="0">
+                        <a:solidFill>
+                          <a:srgbClr val="FFC000"/>
+                        </a:solidFill>
+                      </a:endParaRPr>
+                    </a:p>
+                  </a:txBody>
+                  <a:tcPr>
+                    <a:lnL w="28575" cap="flat" cmpd="sng" algn="ctr">
+                      <a:solidFill>
+                        <a:srgbClr val="FFC000"/>
+                      </a:solidFill>
+                      <a:prstDash val="solid"/>
+                      <a:round/>
+                      <a:headEnd type="none" w="med" len="med"/>
+                      <a:tailEnd type="none" w="med" len="med"/>
+                    </a:lnL>
+                    <a:lnR w="28575" cap="flat" cmpd="sng" algn="ctr">
+                      <a:solidFill>
+                        <a:srgbClr val="FFC000"/>
+                      </a:solidFill>
+                      <a:prstDash val="solid"/>
+                      <a:round/>
+                      <a:headEnd type="none" w="med" len="med"/>
+                      <a:tailEnd type="none" w="med" len="med"/>
+                    </a:lnR>
+                    <a:lnT w="28575" cap="flat" cmpd="sng" algn="ctr">
+                      <a:solidFill>
+                        <a:srgbClr val="FFC000"/>
+                      </a:solidFill>
+                      <a:prstDash val="solid"/>
+                      <a:round/>
+                      <a:headEnd type="none" w="med" len="med"/>
+                      <a:tailEnd type="none" w="med" len="med"/>
+                    </a:lnT>
+                    <a:lnB w="28575" cap="flat" cmpd="sng" algn="ctr">
+                      <a:solidFill>
+                        <a:srgbClr val="FFC000"/>
+                      </a:solidFill>
+                      <a:prstDash val="solid"/>
+                      <a:round/>
+                      <a:headEnd type="none" w="med" len="med"/>
+                      <a:tailEnd type="none" w="med" len="med"/>
+                    </a:lnB>
+                    <a:noFill/>
+                  </a:tcPr>
+                </a:tc>
+              </a:tr>
+            </a:tbl>
+          </a:graphicData>
+        </a:graphic>
+      </p:graphicFrame>
+      <p:grpSp>
+        <p:nvGrpSpPr>
+          <p:cNvPr id="8" name="Grupo 23"/>
+          <p:cNvGrpSpPr/>
+          <p:nvPr/>
+        </p:nvGrpSpPr>
+        <p:grpSpPr>
+          <a:xfrm>
+            <a:off x="2051720" y="3501008"/>
+            <a:ext cx="1224136" cy="792088"/>
+            <a:chOff x="1979712" y="3284984"/>
+            <a:chExt cx="1224136" cy="792088"/>
+          </a:xfrm>
+        </p:grpSpPr>
+        <p:sp>
+          <p:nvSpPr>
+            <p:cNvPr id="14" name="Triângulo isósceles 13"/>
+            <p:cNvSpPr/>
+            <p:nvPr/>
+          </p:nvSpPr>
+          <p:spPr>
+            <a:xfrm>
+              <a:off x="1979712" y="3284984"/>
+              <a:ext cx="288032" cy="288032"/>
+            </a:xfrm>
+            <a:prstGeom prst="triangle">
+              <a:avLst/>
+            </a:prstGeom>
+            <a:solidFill>
+              <a:srgbClr val="FFC000"/>
+            </a:solidFill>
+            <a:ln>
+              <a:noFill/>
+            </a:ln>
+          </p:spPr>
+          <p:style>
+            <a:lnRef idx="2">
+              <a:schemeClr val="accent1">
+                <a:shade val="50000"/>
+              </a:schemeClr>
+            </a:lnRef>
+            <a:fillRef idx="1">
+              <a:schemeClr val="accent1"/>
+            </a:fillRef>
+            <a:effectRef idx="0">
+              <a:schemeClr val="accent1"/>
+            </a:effectRef>
+            <a:fontRef idx="minor">
+              <a:schemeClr val="lt1"/>
+            </a:fontRef>
+          </p:style>
+          <p:txBody>
+            <a:bodyPr rtlCol="0" anchor="ctr"/>
+            <a:lstStyle/>
+            <a:p>
+              <a:pPr algn="ctr"/>
+              <a:endParaRPr lang="pt-BR"/>
+            </a:p>
+          </p:txBody>
+        </p:sp>
+        <p:cxnSp>
+          <p:nvCxnSpPr>
+            <p:cNvPr id="16" name="Conector reto 15"/>
+            <p:cNvCxnSpPr/>
+            <p:nvPr/>
+          </p:nvCxnSpPr>
+          <p:spPr>
+            <a:xfrm>
+              <a:off x="2123728" y="3573016"/>
+              <a:ext cx="0" cy="504056"/>
+            </a:xfrm>
+            <a:prstGeom prst="line">
+              <a:avLst/>
+            </a:prstGeom>
+            <a:ln w="28575">
+              <a:solidFill>
+                <a:srgbClr val="FFC000"/>
+              </a:solidFill>
+            </a:ln>
+          </p:spPr>
+          <p:style>
+            <a:lnRef idx="1">
+              <a:schemeClr val="accent1"/>
+            </a:lnRef>
+            <a:fillRef idx="0">
+              <a:schemeClr val="accent1"/>
+            </a:fillRef>
+            <a:effectRef idx="0">
+              <a:schemeClr val="accent1"/>
+            </a:effectRef>
+            <a:fontRef idx="minor">
+              <a:schemeClr val="tx1"/>
+            </a:fontRef>
+          </p:style>
+        </p:cxnSp>
+        <p:cxnSp>
+          <p:nvCxnSpPr>
+            <p:cNvPr id="20" name="Conector reto 19"/>
+            <p:cNvCxnSpPr/>
+            <p:nvPr/>
+          </p:nvCxnSpPr>
+          <p:spPr>
+            <a:xfrm flipH="1">
+              <a:off x="2123728" y="4077072"/>
+              <a:ext cx="1080120" cy="0"/>
+            </a:xfrm>
+            <a:prstGeom prst="line">
+              <a:avLst/>
+            </a:prstGeom>
+            <a:ln w="28575">
+              <a:solidFill>
+                <a:srgbClr val="FFC000"/>
+              </a:solidFill>
+            </a:ln>
+          </p:spPr>
+          <p:style>
+            <a:lnRef idx="1">
+              <a:schemeClr val="accent1"/>
+            </a:lnRef>
+            <a:fillRef idx="0">
+              <a:schemeClr val="accent1"/>
+            </a:fillRef>
+            <a:effectRef idx="0">
+              <a:schemeClr val="accent1"/>
+            </a:effectRef>
+            <a:fontRef idx="minor">
+              <a:schemeClr val="tx1"/>
+            </a:fontRef>
+          </p:style>
+        </p:cxnSp>
+      </p:grpSp>
+      <p:grpSp>
+        <p:nvGrpSpPr>
+          <p:cNvPr id="9" name="Grupo 24"/>
+          <p:cNvGrpSpPr/>
+          <p:nvPr/>
+        </p:nvGrpSpPr>
+        <p:grpSpPr>
+          <a:xfrm>
+            <a:off x="4572000" y="4653136"/>
+            <a:ext cx="1224136" cy="792088"/>
+            <a:chOff x="1979712" y="3284984"/>
+            <a:chExt cx="1224136" cy="792088"/>
+          </a:xfrm>
+        </p:grpSpPr>
+        <p:sp>
+          <p:nvSpPr>
+            <p:cNvPr id="26" name="Triângulo isósceles 25"/>
+            <p:cNvSpPr/>
+            <p:nvPr/>
+          </p:nvSpPr>
+          <p:spPr>
+            <a:xfrm>
+              <a:off x="1979712" y="3284984"/>
+              <a:ext cx="288032" cy="288032"/>
+            </a:xfrm>
+            <a:prstGeom prst="triangle">
+              <a:avLst/>
+            </a:prstGeom>
+            <a:solidFill>
+              <a:srgbClr val="FFC000"/>
+            </a:solidFill>
+            <a:ln>
+              <a:noFill/>
+            </a:ln>
+          </p:spPr>
+          <p:style>
+            <a:lnRef idx="2">
+              <a:schemeClr val="accent1">
+                <a:shade val="50000"/>
+              </a:schemeClr>
+            </a:lnRef>
+            <a:fillRef idx="1">
+              <a:schemeClr val="accent1"/>
+            </a:fillRef>
+            <a:effectRef idx="0">
+              <a:schemeClr val="accent1"/>
+            </a:effectRef>
+            <a:fontRef idx="minor">
+              <a:schemeClr val="lt1"/>
+            </a:fontRef>
+          </p:style>
+          <p:txBody>
+            <a:bodyPr rtlCol="0" anchor="ctr"/>
+            <a:lstStyle/>
+            <a:p>
+              <a:pPr algn="ctr"/>
+              <a:endParaRPr lang="pt-BR"/>
+            </a:p>
+          </p:txBody>
+        </p:sp>
+        <p:cxnSp>
+          <p:nvCxnSpPr>
+            <p:cNvPr id="27" name="Conector reto 26"/>
+            <p:cNvCxnSpPr/>
+            <p:nvPr/>
+          </p:nvCxnSpPr>
+          <p:spPr>
+            <a:xfrm>
+              <a:off x="2123728" y="3573016"/>
+              <a:ext cx="0" cy="504056"/>
+            </a:xfrm>
+            <a:prstGeom prst="line">
+              <a:avLst/>
+            </a:prstGeom>
+            <a:ln w="28575">
+              <a:solidFill>
+                <a:srgbClr val="FFC000"/>
+              </a:solidFill>
+            </a:ln>
+          </p:spPr>
+          <p:style>
+            <a:lnRef idx="1">
+              <a:schemeClr val="accent1"/>
+            </a:lnRef>
+            <a:fillRef idx="0">
+              <a:schemeClr val="accent1"/>
+            </a:fillRef>
+            <a:effectRef idx="0">
+              <a:schemeClr val="accent1"/>
+            </a:effectRef>
+            <a:fontRef idx="minor">
+              <a:schemeClr val="tx1"/>
+            </a:fontRef>
+          </p:style>
+        </p:cxnSp>
+        <p:cxnSp>
+          <p:nvCxnSpPr>
+            <p:cNvPr id="28" name="Conector reto 27"/>
+            <p:cNvCxnSpPr/>
+            <p:nvPr/>
+          </p:nvCxnSpPr>
+          <p:spPr>
+            <a:xfrm flipH="1">
+              <a:off x="2123728" y="4077072"/>
+              <a:ext cx="1080120" cy="0"/>
+            </a:xfrm>
+            <a:prstGeom prst="line">
+              <a:avLst/>
+            </a:prstGeom>
+            <a:ln w="28575">
+              <a:solidFill>
+                <a:srgbClr val="FFC000"/>
+              </a:solidFill>
+            </a:ln>
+          </p:spPr>
+          <p:style>
+            <a:lnRef idx="1">
+              <a:schemeClr val="accent1"/>
+            </a:lnRef>
+            <a:fillRef idx="0">
+              <a:schemeClr val="accent1"/>
+            </a:fillRef>
+            <a:effectRef idx="0">
+              <a:schemeClr val="accent1"/>
+            </a:effectRef>
+            <a:fontRef idx="minor">
+              <a:schemeClr val="tx1"/>
+            </a:fontRef>
+          </p:style>
+        </p:cxnSp>
+      </p:grpSp>
     </p:spTree>
   </p:cSld>
   <p:clrMapOvr>
@@ -12396,10 +13751,9 @@
           <a:bodyPr/>
           <a:lstStyle/>
           <a:p>
-            <a:pPr eaLnBrk="1" hangingPunct="1"/>
             <a:r>
               <a:rPr lang="pt-BR" dirty="0" smtClean="0"/>
-              <a:t>Transações</a:t>
+              <a:t>Operações na base de dados</a:t>
             </a:r>
             <a:endParaRPr lang="pt-BR" dirty="0"/>
           </a:p>
@@ -12420,7 +13774,103 @@
           <a:bodyPr/>
           <a:lstStyle/>
           <a:p>
-            <a:endParaRPr lang="pt-BR"/>
+            <a:r>
+              <a:rPr lang="pt-BR" dirty="0" smtClean="0"/>
+              <a:t>Interfaces </a:t>
+            </a:r>
+            <a:r>
+              <a:rPr lang="pt-BR" dirty="0" err="1" smtClean="0"/>
+              <a:t>statements</a:t>
+            </a:r>
+            <a:r>
+              <a:rPr lang="pt-BR" dirty="0" smtClean="0"/>
+              <a:t>:</a:t>
+            </a:r>
+          </a:p>
+          <a:p>
+            <a:pPr lvl="1">
+              <a:spcBef>
+                <a:spcPts val="1800"/>
+              </a:spcBef>
+            </a:pPr>
+            <a:r>
+              <a:rPr lang="pt-BR" b="1" i="1" dirty="0" err="1" smtClean="0"/>
+              <a:t>Statement</a:t>
+            </a:r>
+            <a:endParaRPr lang="pt-BR" b="1" i="1" dirty="0" smtClean="0"/>
+          </a:p>
+          <a:p>
+            <a:pPr lvl="1" indent="-1588">
+              <a:buNone/>
+            </a:pPr>
+            <a:r>
+              <a:rPr lang="pt-BR" sz="2000" dirty="0" smtClean="0"/>
+              <a:t>Utilizado para executar instruções SQL simples e pré-definidas.</a:t>
+            </a:r>
+            <a:endParaRPr lang="pt-BR" dirty="0" smtClean="0"/>
+          </a:p>
+          <a:p>
+            <a:pPr lvl="1">
+              <a:spcBef>
+                <a:spcPts val="1800"/>
+              </a:spcBef>
+            </a:pPr>
+            <a:r>
+              <a:rPr lang="pt-BR" b="1" i="1" dirty="0" err="1" smtClean="0"/>
+              <a:t>PreparedStatement</a:t>
+            </a:r>
+            <a:endParaRPr lang="pt-BR" b="1" i="1" dirty="0" smtClean="0"/>
+          </a:p>
+          <a:p>
+            <a:pPr lvl="1" indent="-1588">
+              <a:buNone/>
+            </a:pPr>
+            <a:r>
+              <a:rPr lang="pt-BR" sz="2000" dirty="0" smtClean="0"/>
+              <a:t>Utilizado para executar instruções SQL parametrizadas.</a:t>
+            </a:r>
+          </a:p>
+          <a:p>
+            <a:pPr lvl="1">
+              <a:spcBef>
+                <a:spcPts val="1800"/>
+              </a:spcBef>
+            </a:pPr>
+            <a:r>
+              <a:rPr lang="pt-BR" b="1" i="1" dirty="0" err="1" smtClean="0"/>
+              <a:t>CallableStatement</a:t>
+            </a:r>
+            <a:endParaRPr lang="pt-BR" b="1" i="1" dirty="0" smtClean="0"/>
+          </a:p>
+          <a:p>
+            <a:pPr lvl="1" indent="-1588">
+              <a:buNone/>
+            </a:pPr>
+            <a:r>
+              <a:rPr lang="pt-BR" sz="2000" dirty="0" smtClean="0"/>
+              <a:t>Utilizado para executar </a:t>
+            </a:r>
+            <a:r>
+              <a:rPr lang="pt-BR" sz="2000" dirty="0" err="1" smtClean="0"/>
+              <a:t>stored</a:t>
+            </a:r>
+            <a:r>
+              <a:rPr lang="pt-BR" sz="2000" dirty="0" smtClean="0"/>
+              <a:t> </a:t>
+            </a:r>
+            <a:r>
+              <a:rPr lang="pt-BR" sz="2000" dirty="0" err="1" smtClean="0"/>
+              <a:t>procedures</a:t>
+            </a:r>
+            <a:r>
+              <a:rPr lang="pt-BR" sz="2000" dirty="0" smtClean="0"/>
+              <a:t> e </a:t>
+            </a:r>
+            <a:r>
+              <a:rPr lang="pt-BR" sz="2000" dirty="0" err="1" smtClean="0"/>
+              <a:t>functions</a:t>
+            </a:r>
+            <a:endParaRPr lang="pt-BR" sz="2000" dirty="0"/>
           </a:p>
         </p:txBody>
       </p:sp>
@@ -12500,10 +13950,9 @@
           <a:bodyPr/>
           <a:lstStyle/>
           <a:p>
-            <a:pPr eaLnBrk="1" hangingPunct="1"/>
             <a:r>
               <a:rPr lang="pt-BR" dirty="0" smtClean="0"/>
-              <a:t>Consultas</a:t>
+              <a:t>Operações na base de dados</a:t>
             </a:r>
             <a:endParaRPr lang="pt-BR" dirty="0"/>
           </a:p>
@@ -12519,12 +13968,444 @@
             <p:ph idx="1"/>
           </p:nvPr>
         </p:nvSpPr>
-        <p:spPr/>
+        <p:spPr>
+          <a:xfrm>
+            <a:off x="457200" y="1600200"/>
+            <a:ext cx="8147248" cy="4525963"/>
+          </a:xfrm>
+        </p:spPr>
         <p:txBody>
           <a:bodyPr/>
           <a:lstStyle/>
           <a:p>
-            <a:endParaRPr lang="pt-BR"/>
+            <a:r>
+              <a:rPr lang="pt-BR" dirty="0" smtClean="0"/>
+              <a:t>A interface </a:t>
+            </a:r>
+            <a:r>
+              <a:rPr lang="pt-BR" u="sng" dirty="0" err="1" smtClean="0"/>
+              <a:t>Statement</a:t>
+            </a:r>
+            <a:endParaRPr lang="pt-BR" dirty="0" smtClean="0"/>
+          </a:p>
+          <a:p>
+            <a:pPr lvl="1"/>
+            <a:r>
+              <a:rPr lang="pt-BR" dirty="0" smtClean="0"/>
+              <a:t>Utilizado para execução de simples instruções SQL</a:t>
+            </a:r>
+          </a:p>
+          <a:p>
+            <a:pPr marL="0" lvl="1" indent="0">
+              <a:spcBef>
+                <a:spcPts val="0"/>
+              </a:spcBef>
+              <a:buNone/>
+            </a:pPr>
+            <a:endParaRPr lang="pt-BR" sz="2000" dirty="0" smtClean="0"/>
+          </a:p>
+          <a:p>
+            <a:pPr marL="0" lvl="1" indent="0">
+              <a:spcBef>
+                <a:spcPts val="0"/>
+              </a:spcBef>
+              <a:buNone/>
+            </a:pPr>
+            <a:endParaRPr lang="pt-BR" sz="2000" dirty="0" smtClean="0">
+              <a:solidFill>
+                <a:srgbClr val="FFC000"/>
+              </a:solidFill>
+            </a:endParaRPr>
+          </a:p>
+          <a:p>
+            <a:pPr marL="0" lvl="1" indent="0">
+              <a:spcBef>
+                <a:spcPts val="0"/>
+              </a:spcBef>
+              <a:buNone/>
+            </a:pPr>
+            <a:r>
+              <a:rPr lang="pt-BR" sz="2000" dirty="0" err="1" smtClean="0">
+                <a:solidFill>
+                  <a:srgbClr val="FFC000"/>
+                </a:solidFill>
+              </a:rPr>
+              <a:t>Statement</a:t>
+            </a:r>
+            <a:r>
+              <a:rPr lang="pt-BR" sz="2000" dirty="0" smtClean="0">
+                <a:solidFill>
+                  <a:srgbClr val="FFC000"/>
+                </a:solidFill>
+              </a:rPr>
+              <a:t> </a:t>
+            </a:r>
+            <a:r>
+              <a:rPr lang="pt-BR" sz="2000" dirty="0" err="1" smtClean="0">
+                <a:solidFill>
+                  <a:srgbClr val="FFC000"/>
+                </a:solidFill>
+              </a:rPr>
+              <a:t>st</a:t>
+            </a:r>
+            <a:r>
+              <a:rPr lang="pt-BR" sz="2000" dirty="0" smtClean="0">
+                <a:solidFill>
+                  <a:srgbClr val="FFC000"/>
+                </a:solidFill>
+              </a:rPr>
+              <a:t> = </a:t>
+            </a:r>
+            <a:r>
+              <a:rPr lang="pt-BR" sz="2000" dirty="0" err="1" smtClean="0">
+                <a:solidFill>
+                  <a:srgbClr val="FFC000"/>
+                </a:solidFill>
+              </a:rPr>
+              <a:t>cn</a:t>
+            </a:r>
+            <a:r>
+              <a:rPr lang="pt-BR" sz="2000" dirty="0" smtClean="0">
+                <a:solidFill>
+                  <a:srgbClr val="FFC000"/>
+                </a:solidFill>
+              </a:rPr>
+              <a:t>.</a:t>
+            </a:r>
+            <a:r>
+              <a:rPr lang="pt-BR" sz="2000" u="sng" dirty="0" err="1" smtClean="0">
+                <a:solidFill>
+                  <a:srgbClr val="FFC000"/>
+                </a:solidFill>
+              </a:rPr>
+              <a:t>createStatement</a:t>
+            </a:r>
+            <a:r>
+              <a:rPr lang="pt-BR" sz="2000" dirty="0" smtClean="0">
+                <a:solidFill>
+                  <a:srgbClr val="FFC000"/>
+                </a:solidFill>
+              </a:rPr>
+              <a:t>();</a:t>
+            </a:r>
+          </a:p>
+          <a:p>
+            <a:pPr marL="0" lvl="1" indent="0">
+              <a:spcBef>
+                <a:spcPts val="0"/>
+              </a:spcBef>
+              <a:buNone/>
+            </a:pPr>
+            <a:endParaRPr lang="pt-BR" sz="2000" dirty="0" smtClean="0">
+              <a:solidFill>
+                <a:srgbClr val="FFC000"/>
+              </a:solidFill>
+            </a:endParaRPr>
+          </a:p>
+          <a:p>
+            <a:pPr marL="0" lvl="1" indent="0">
+              <a:spcBef>
+                <a:spcPts val="0"/>
+              </a:spcBef>
+              <a:buNone/>
+            </a:pPr>
+            <a:r>
+              <a:rPr lang="pt-BR" sz="2000" dirty="0" err="1" smtClean="0">
+                <a:solidFill>
+                  <a:srgbClr val="FFC000"/>
+                </a:solidFill>
+              </a:rPr>
+              <a:t>st</a:t>
+            </a:r>
+            <a:r>
+              <a:rPr lang="pt-BR" sz="2000" dirty="0" smtClean="0">
+                <a:solidFill>
+                  <a:srgbClr val="FFC000"/>
+                </a:solidFill>
+              </a:rPr>
+              <a:t>.</a:t>
+            </a:r>
+            <a:r>
+              <a:rPr lang="pt-BR" sz="2000" u="sng" dirty="0" err="1" smtClean="0">
+                <a:solidFill>
+                  <a:srgbClr val="FFC000"/>
+                </a:solidFill>
+              </a:rPr>
+              <a:t>executeUpdate</a:t>
+            </a:r>
+            <a:r>
+              <a:rPr lang="pt-BR" sz="2000" dirty="0" smtClean="0">
+                <a:solidFill>
+                  <a:srgbClr val="FFC000"/>
+                </a:solidFill>
+              </a:rPr>
+              <a:t>(“</a:t>
+            </a:r>
+            <a:r>
+              <a:rPr lang="pt-BR" sz="2000" dirty="0" smtClean="0"/>
+              <a:t>UPDATE </a:t>
+            </a:r>
+            <a:r>
+              <a:rPr lang="pt-BR" sz="2000" dirty="0" err="1" smtClean="0"/>
+              <a:t>tab_func</a:t>
+            </a:r>
+            <a:r>
+              <a:rPr lang="pt-BR" sz="2000" dirty="0" smtClean="0"/>
+              <a:t> SET </a:t>
+            </a:r>
+            <a:r>
+              <a:rPr lang="pt-BR" sz="2000" dirty="0" err="1" smtClean="0"/>
+              <a:t>salario</a:t>
+            </a:r>
+            <a:r>
+              <a:rPr lang="pt-BR" sz="2000" dirty="0" smtClean="0"/>
+              <a:t> = </a:t>
+            </a:r>
+            <a:r>
+              <a:rPr lang="pt-BR" sz="2000" dirty="0" err="1" smtClean="0"/>
+              <a:t>salario</a:t>
+            </a:r>
+            <a:r>
+              <a:rPr lang="pt-BR" sz="2000" dirty="0" smtClean="0"/>
+              <a:t> + 200</a:t>
+            </a:r>
+            <a:r>
+              <a:rPr lang="pt-BR" sz="2000" dirty="0" smtClean="0">
+                <a:solidFill>
+                  <a:srgbClr val="FFC000"/>
+                </a:solidFill>
+              </a:rPr>
+              <a:t>”);</a:t>
+            </a:r>
+          </a:p>
+          <a:p>
+            <a:pPr marL="0" lvl="1" indent="0">
+              <a:spcBef>
+                <a:spcPts val="0"/>
+              </a:spcBef>
+              <a:buNone/>
+            </a:pPr>
+            <a:r>
+              <a:rPr lang="pt-BR" sz="2000" dirty="0" err="1" smtClean="0">
+                <a:solidFill>
+                  <a:srgbClr val="FFC000"/>
+                </a:solidFill>
+              </a:rPr>
+              <a:t>st</a:t>
+            </a:r>
+            <a:r>
+              <a:rPr lang="pt-BR" sz="2000" dirty="0" smtClean="0">
+                <a:solidFill>
+                  <a:srgbClr val="FFC000"/>
+                </a:solidFill>
+              </a:rPr>
+              <a:t>.</a:t>
+            </a:r>
+            <a:r>
+              <a:rPr lang="pt-BR" sz="2000" u="sng" dirty="0" err="1" smtClean="0">
+                <a:solidFill>
+                  <a:srgbClr val="FFC000"/>
+                </a:solidFill>
+              </a:rPr>
+              <a:t>executeUpdate</a:t>
+            </a:r>
+            <a:r>
+              <a:rPr lang="pt-BR" sz="2000" dirty="0" smtClean="0">
+                <a:solidFill>
+                  <a:srgbClr val="FFC000"/>
+                </a:solidFill>
+              </a:rPr>
+              <a:t>(“</a:t>
+            </a:r>
+            <a:r>
+              <a:rPr lang="pt-BR" sz="2000" dirty="0" smtClean="0"/>
+              <a:t>DELETE FROM </a:t>
+            </a:r>
+            <a:r>
+              <a:rPr lang="pt-BR" sz="2000" dirty="0" err="1" smtClean="0"/>
+              <a:t>tab_func</a:t>
+            </a:r>
+            <a:r>
+              <a:rPr lang="pt-BR" sz="2000" dirty="0" smtClean="0">
+                <a:solidFill>
+                  <a:srgbClr val="FFC000"/>
+                </a:solidFill>
+              </a:rPr>
+              <a:t>”);</a:t>
+            </a:r>
+          </a:p>
+          <a:p>
+            <a:pPr marL="0" lvl="1" indent="0">
+              <a:spcBef>
+                <a:spcPts val="0"/>
+              </a:spcBef>
+              <a:buNone/>
+            </a:pPr>
+            <a:r>
+              <a:rPr lang="pt-BR" sz="2000" dirty="0" err="1" smtClean="0">
+                <a:solidFill>
+                  <a:srgbClr val="FFC000"/>
+                </a:solidFill>
+              </a:rPr>
+              <a:t>st</a:t>
+            </a:r>
+            <a:r>
+              <a:rPr lang="pt-BR" sz="2000" dirty="0" smtClean="0">
+                <a:solidFill>
+                  <a:srgbClr val="FFC000"/>
+                </a:solidFill>
+              </a:rPr>
+              <a:t>.</a:t>
+            </a:r>
+            <a:r>
+              <a:rPr lang="pt-BR" sz="2000" u="sng" dirty="0" err="1" smtClean="0">
+                <a:solidFill>
+                  <a:srgbClr val="FFC000"/>
+                </a:solidFill>
+              </a:rPr>
+              <a:t>executeUpdate</a:t>
+            </a:r>
+            <a:r>
+              <a:rPr lang="pt-BR" sz="2000" dirty="0" smtClean="0">
+                <a:solidFill>
+                  <a:srgbClr val="FFC000"/>
+                </a:solidFill>
+              </a:rPr>
+              <a:t>(“</a:t>
+            </a:r>
+            <a:r>
+              <a:rPr lang="pt-BR" sz="2000" dirty="0" smtClean="0"/>
+              <a:t>INSERT INTO </a:t>
+            </a:r>
+            <a:r>
+              <a:rPr lang="pt-BR" sz="2000" dirty="0" err="1" smtClean="0"/>
+              <a:t>tab_cargo</a:t>
+            </a:r>
+            <a:r>
+              <a:rPr lang="pt-BR" sz="2000" dirty="0" smtClean="0"/>
+              <a:t> (nome) VALUES (‘RH’)</a:t>
+            </a:r>
+            <a:r>
+              <a:rPr lang="pt-BR" sz="2000" dirty="0" smtClean="0">
+                <a:solidFill>
+                  <a:srgbClr val="FFC000"/>
+                </a:solidFill>
+              </a:rPr>
+              <a:t>”);</a:t>
+            </a:r>
+          </a:p>
+          <a:p>
+            <a:pPr marL="0" lvl="1" indent="0">
+              <a:spcBef>
+                <a:spcPts val="0"/>
+              </a:spcBef>
+              <a:buNone/>
+            </a:pPr>
+            <a:r>
+              <a:rPr lang="pt-BR" sz="2000" dirty="0" err="1" smtClean="0">
+                <a:solidFill>
+                  <a:srgbClr val="FFC000"/>
+                </a:solidFill>
+              </a:rPr>
+              <a:t>st</a:t>
+            </a:r>
+            <a:r>
+              <a:rPr lang="pt-BR" sz="2000" dirty="0" smtClean="0">
+                <a:solidFill>
+                  <a:srgbClr val="FFC000"/>
+                </a:solidFill>
+              </a:rPr>
+              <a:t>.</a:t>
+            </a:r>
+            <a:r>
+              <a:rPr lang="pt-BR" sz="2000" u="sng" dirty="0" err="1" smtClean="0">
+                <a:solidFill>
+                  <a:srgbClr val="FFC000"/>
+                </a:solidFill>
+              </a:rPr>
+              <a:t>executeUpdate</a:t>
+            </a:r>
+            <a:r>
+              <a:rPr lang="pt-BR" sz="2000" dirty="0" smtClean="0">
+                <a:solidFill>
+                  <a:srgbClr val="FFC000"/>
+                </a:solidFill>
+              </a:rPr>
+              <a:t>(“</a:t>
+            </a:r>
+            <a:r>
+              <a:rPr lang="pt-BR" sz="2000" dirty="0" smtClean="0"/>
+              <a:t>CREATE TABLE </a:t>
+            </a:r>
+            <a:r>
+              <a:rPr lang="pt-BR" sz="2000" dirty="0" err="1" smtClean="0"/>
+              <a:t>teb_produto</a:t>
+            </a:r>
+            <a:r>
+              <a:rPr lang="pt-BR" sz="2000" dirty="0" smtClean="0"/>
+              <a:t> (...)</a:t>
+            </a:r>
+            <a:r>
+              <a:rPr lang="pt-BR" sz="2000" dirty="0" smtClean="0">
+                <a:solidFill>
+                  <a:srgbClr val="FFC000"/>
+                </a:solidFill>
+              </a:rPr>
+              <a:t>”);</a:t>
+            </a:r>
+          </a:p>
+          <a:p>
+            <a:pPr marL="0" lvl="1" indent="0">
+              <a:spcBef>
+                <a:spcPts val="0"/>
+              </a:spcBef>
+              <a:buNone/>
+            </a:pPr>
+            <a:endParaRPr lang="pt-BR" sz="2000" dirty="0" smtClean="0">
+              <a:solidFill>
+                <a:srgbClr val="FFC000"/>
+              </a:solidFill>
+            </a:endParaRPr>
+          </a:p>
+          <a:p>
+            <a:pPr marL="0" lvl="1" indent="0">
+              <a:spcBef>
+                <a:spcPts val="0"/>
+              </a:spcBef>
+              <a:buNone/>
+            </a:pPr>
+            <a:r>
+              <a:rPr lang="pt-BR" sz="2000" dirty="0" err="1" smtClean="0">
+                <a:solidFill>
+                  <a:srgbClr val="FFC000"/>
+                </a:solidFill>
+              </a:rPr>
+              <a:t>st</a:t>
+            </a:r>
+            <a:r>
+              <a:rPr lang="pt-BR" sz="2000" dirty="0" smtClean="0">
+                <a:solidFill>
+                  <a:srgbClr val="FFC000"/>
+                </a:solidFill>
+              </a:rPr>
+              <a:t>.</a:t>
+            </a:r>
+            <a:r>
+              <a:rPr lang="pt-BR" sz="2000" u="sng" dirty="0" smtClean="0">
+                <a:solidFill>
+                  <a:srgbClr val="FFC000"/>
+                </a:solidFill>
+              </a:rPr>
+              <a:t>close</a:t>
+            </a:r>
+            <a:r>
+              <a:rPr lang="pt-BR" sz="2000" dirty="0" smtClean="0">
+                <a:solidFill>
+                  <a:srgbClr val="FFC000"/>
+                </a:solidFill>
+              </a:rPr>
+              <a:t>();</a:t>
+            </a:r>
           </a:p>
         </p:txBody>
       </p:sp>
@@ -12557,6 +14438,169 @@
           </a:p>
         </p:txBody>
       </p:sp>
+      <p:grpSp>
+        <p:nvGrpSpPr>
+          <p:cNvPr id="5" name="Grupo 9"/>
+          <p:cNvGrpSpPr/>
+          <p:nvPr/>
+        </p:nvGrpSpPr>
+        <p:grpSpPr>
+          <a:xfrm>
+            <a:off x="2195736" y="2780928"/>
+            <a:ext cx="4104830" cy="1152129"/>
+            <a:chOff x="2267744" y="2924944"/>
+            <a:chExt cx="4104830" cy="1152129"/>
+          </a:xfrm>
+        </p:grpSpPr>
+        <p:sp>
+          <p:nvSpPr>
+            <p:cNvPr id="6" name="Rectangle 7"/>
+            <p:cNvSpPr>
+              <a:spLocks noChangeArrowheads="1"/>
+            </p:cNvSpPr>
+            <p:nvPr/>
+          </p:nvSpPr>
+          <p:spPr bwMode="auto">
+            <a:xfrm>
+              <a:off x="2267744" y="3716833"/>
+              <a:ext cx="360040" cy="360240"/>
+            </a:xfrm>
+            <a:prstGeom prst="rect">
+              <a:avLst/>
+            </a:prstGeom>
+            <a:noFill/>
+            <a:ln w="28575">
+              <a:solidFill>
+                <a:srgbClr val="FFC000"/>
+              </a:solidFill>
+              <a:prstDash val="sysDot"/>
+              <a:miter lim="800000"/>
+              <a:headEnd/>
+              <a:tailEnd/>
+            </a:ln>
+          </p:spPr>
+          <p:txBody>
+            <a:bodyPr wrap="none" anchor="ctr"/>
+            <a:lstStyle/>
+            <a:p>
+              <a:endParaRPr lang="pt-BR"/>
+            </a:p>
+          </p:txBody>
+        </p:sp>
+        <p:sp>
+          <p:nvSpPr>
+            <p:cNvPr id="7" name="CaixaDeTexto 6"/>
+            <p:cNvSpPr txBox="1"/>
+            <p:nvPr/>
+          </p:nvSpPr>
+          <p:spPr bwMode="auto">
+            <a:xfrm>
+              <a:off x="3851921" y="2924944"/>
+              <a:ext cx="2520653" cy="584775"/>
+            </a:xfrm>
+            <a:prstGeom prst="rect">
+              <a:avLst/>
+            </a:prstGeom>
+            <a:noFill/>
+            <a:ln w="28575">
+              <a:solidFill>
+                <a:schemeClr val="tx1"/>
+              </a:solidFill>
+            </a:ln>
+          </p:spPr>
+          <p:txBody>
+            <a:bodyPr wrap="square">
+              <a:spAutoFit/>
+            </a:bodyPr>
+            <a:lstStyle/>
+            <a:p>
+              <a:pPr algn="ctr">
+                <a:defRPr/>
+              </a:pPr>
+              <a:r>
+                <a:rPr lang="pt-BR" sz="1600" dirty="0" smtClean="0">
+                  <a:latin typeface="+mn-lt"/>
+                </a:rPr>
+                <a:t>Conexão utilizada no acesso à base de dados</a:t>
+              </a:r>
+              <a:endParaRPr lang="pt-BR" sz="1600" dirty="0">
+                <a:latin typeface="+mn-lt"/>
+              </a:endParaRPr>
+            </a:p>
+          </p:txBody>
+        </p:sp>
+        <p:grpSp>
+          <p:nvGrpSpPr>
+            <p:cNvPr id="8" name="Grupo 19"/>
+            <p:cNvGrpSpPr>
+              <a:grpSpLocks/>
+            </p:cNvGrpSpPr>
+            <p:nvPr/>
+          </p:nvGrpSpPr>
+          <p:grpSpPr bwMode="auto">
+            <a:xfrm flipV="1">
+              <a:off x="2411760" y="3212975"/>
+              <a:ext cx="1438996" cy="360041"/>
+              <a:chOff x="-1194748" y="4001209"/>
+              <a:chExt cx="1441590" cy="361175"/>
+            </a:xfrm>
+          </p:grpSpPr>
+          <p:cxnSp>
+            <p:nvCxnSpPr>
+              <p:cNvPr id="9" name="Conector de seta reta 8"/>
+              <p:cNvCxnSpPr>
+                <a:cxnSpLocks noChangeShapeType="1"/>
+              </p:cNvCxnSpPr>
+              <p:nvPr/>
+            </p:nvCxnSpPr>
+            <p:spPr bwMode="auto">
+              <a:xfrm flipV="1">
+                <a:off x="-1194748" y="4001209"/>
+                <a:ext cx="0" cy="361174"/>
+              </a:xfrm>
+              <a:prstGeom prst="straightConnector1">
+                <a:avLst/>
+              </a:prstGeom>
+              <a:noFill/>
+              <a:ln w="31750" algn="ctr">
+                <a:solidFill>
+                  <a:schemeClr val="tx1"/>
+                </a:solidFill>
+                <a:round/>
+                <a:headEnd/>
+                <a:tailEnd type="arrow" w="med" len="med"/>
+              </a:ln>
+            </p:spPr>
+          </p:cxnSp>
+          <p:cxnSp>
+            <p:nvCxnSpPr>
+              <p:cNvPr id="10" name="Conector de seta reta 15"/>
+              <p:cNvCxnSpPr>
+                <a:cxnSpLocks noChangeShapeType="1"/>
+              </p:cNvCxnSpPr>
+              <p:nvPr/>
+            </p:nvCxnSpPr>
+            <p:spPr bwMode="auto">
+              <a:xfrm flipH="1" flipV="1">
+                <a:off x="-1194748" y="4362383"/>
+                <a:ext cx="1441590" cy="1"/>
+              </a:xfrm>
+              <a:prstGeom prst="straightConnector1">
+                <a:avLst/>
+              </a:prstGeom>
+              <a:noFill/>
+              <a:ln w="31750" algn="ctr">
+                <a:solidFill>
+                  <a:schemeClr val="tx1"/>
+                </a:solidFill>
+                <a:round/>
+                <a:headEnd/>
+                <a:tailEnd/>
+              </a:ln>
+            </p:spPr>
+          </p:cxnSp>
+        </p:grpSp>
+      </p:grpSp>
     </p:spTree>
   </p:cSld>
   <p:clrMapOvr>
@@ -12565,7 +14609,121 @@
   <p:timing>
     <p:tnLst>
       <p:par>
-        <p:cTn id="1" dur="indefinite" restart="never" nodeType="tmRoot"/>
+        <p:cTn id="1" dur="indefinite" restart="never" nodeType="tmRoot">
+          <p:childTnLst>
+            <p:seq concurrent="1" nextAc="seek">
+              <p:cTn id="2" dur="indefinite" nodeType="mainSeq">
+                <p:childTnLst>
+                  <p:par>
+                    <p:cTn id="3" fill="hold">
+                      <p:stCondLst>
+                        <p:cond delay="indefinite"/>
+                      </p:stCondLst>
+                      <p:childTnLst>
+                        <p:par>
+                          <p:cTn id="4" fill="hold">
+                            <p:stCondLst>
+                              <p:cond delay="0"/>
+                            </p:stCondLst>
+                            <p:childTnLst>
+                              <p:par>
+                                <p:cTn id="5" presetID="2" presetClass="entr" presetSubtype="2" fill="hold" nodeType="clickEffect">
+                                  <p:stCondLst>
+                                    <p:cond delay="0"/>
+                                  </p:stCondLst>
+                                  <p:childTnLst>
+                                    <p:set>
+                                      <p:cBhvr>
+                                        <p:cTn id="6" dur="1" fill="hold">
+                                          <p:stCondLst>
+                                            <p:cond delay="0"/>
+                                          </p:stCondLst>
+                                        </p:cTn>
+                                        <p:tgtEl>
+                                          <p:spTgt spid="5"/>
+                                        </p:tgtEl>
+                                        <p:attrNameLst>
+                                          <p:attrName>style.visibility</p:attrName>
+                                        </p:attrNameLst>
+                                      </p:cBhvr>
+                                      <p:to>
+                                        <p:strVal val="visible"/>
+                                      </p:to>
+                                    </p:set>
+                                    <p:anim calcmode="lin" valueType="num">
+                                      <p:cBhvr additive="base">
+                                        <p:cTn id="7" dur="500" fill="hold"/>
+                                        <p:tgtEl>
+                                          <p:spTgt spid="5"/>
+                                        </p:tgtEl>
+                                        <p:attrNameLst>
+                                          <p:attrName>ppt_x</p:attrName>
+                                        </p:attrNameLst>
+                                      </p:cBhvr>
+                                      <p:tavLst>
+                                        <p:tav tm="0">
+                                          <p:val>
+                                            <p:strVal val="1+#ppt_w/2"/>
+                                          </p:val>
+                                        </p:tav>
+                                        <p:tav tm="100000">
+                                          <p:val>
+                                            <p:strVal val="#ppt_x"/>
+                                          </p:val>
+                                        </p:tav>
+                                      </p:tavLst>
+                                    </p:anim>
+                                    <p:anim calcmode="lin" valueType="num">
+                                      <p:cBhvr additive="base">
+                                        <p:cTn id="8" dur="500" fill="hold"/>
+                                        <p:tgtEl>
+                                          <p:spTgt spid="5"/>
+                                        </p:tgtEl>
+                                        <p:attrNameLst>
+                                          <p:attrName>ppt_y</p:attrName>
+                                        </p:attrNameLst>
+                                      </p:cBhvr>
+                                      <p:tavLst>
+                                        <p:tav tm="0">
+                                          <p:val>
+                                            <p:strVal val="#ppt_y"/>
+                                          </p:val>
+                                        </p:tav>
+                                        <p:tav tm="100000">
+                                          <p:val>
+                                            <p:strVal val="#ppt_y"/>
+                                          </p:val>
+                                        </p:tav>
+                                      </p:tavLst>
+                                    </p:anim>
+                                  </p:childTnLst>
+                                </p:cTn>
+                              </p:par>
+                            </p:childTnLst>
+                          </p:cTn>
+                        </p:par>
+                      </p:childTnLst>
+                    </p:cTn>
+                  </p:par>
+                </p:childTnLst>
+              </p:cTn>
+              <p:prevCondLst>
+                <p:cond evt="onPrev" delay="0">
+                  <p:tgtEl>
+                    <p:sldTgt/>
+                  </p:tgtEl>
+                </p:cond>
+              </p:prevCondLst>
+              <p:nextCondLst>
+                <p:cond evt="onNext" delay="0">
+                  <p:tgtEl>
+                    <p:sldTgt/>
+                  </p:tgtEl>
+                </p:cond>
+              </p:nextCondLst>
+            </p:seq>
+          </p:childTnLst>
+        </p:cTn>
       </p:par>
     </p:tnLst>
   </p:timing>
@@ -12604,18 +14762,9 @@
           <a:bodyPr/>
           <a:lstStyle/>
           <a:p>
-            <a:pPr eaLnBrk="1" hangingPunct="1"/>
-            <a:r>
-              <a:rPr lang="pt-BR" dirty="0" err="1" smtClean="0"/>
-              <a:t>Stored</a:t>
-            </a:r>
             <a:r>
               <a:rPr lang="pt-BR" dirty="0" smtClean="0"/>
-              <a:t> </a:t>
-            </a:r>
-            <a:r>
-              <a:rPr lang="pt-BR" dirty="0" err="1" smtClean="0"/>
-              <a:t>procedures</a:t>
+              <a:t>Operações parametrizadas</a:t>
             </a:r>
             <a:endParaRPr lang="pt-BR" dirty="0"/>
           </a:p>
@@ -12631,12 +14780,36 @@
             <p:ph idx="1"/>
           </p:nvPr>
         </p:nvSpPr>
-        <p:spPr/>
+        <p:spPr>
+          <a:xfrm>
+            <a:off x="457200" y="1600200"/>
+            <a:ext cx="8147248" cy="4525963"/>
+          </a:xfrm>
+        </p:spPr>
         <p:txBody>
           <a:bodyPr/>
           <a:lstStyle/>
           <a:p>
-            <a:endParaRPr lang="pt-BR"/>
+            <a:r>
+              <a:rPr lang="pt-BR" dirty="0" smtClean="0"/>
+              <a:t>A interface </a:t>
+            </a:r>
+            <a:r>
+              <a:rPr lang="pt-BR" u="sng" dirty="0" err="1" smtClean="0"/>
+              <a:t>PreparedStatement</a:t>
+            </a:r>
+            <a:endParaRPr lang="pt-BR" u="sng" dirty="0" smtClean="0"/>
+          </a:p>
+          <a:p>
+            <a:pPr lvl="1"/>
+            <a:r>
+              <a:rPr lang="pt-BR" dirty="0" smtClean="0"/>
+              <a:t>XXX</a:t>
+            </a:r>
+            <a:br>
+              <a:rPr lang="pt-BR" dirty="0" smtClean="0"/>
+            </a:br>
+            <a:endParaRPr lang="pt-BR" dirty="0" smtClean="0"/>
           </a:p>
         </p:txBody>
       </p:sp>
@@ -12674,6 +14847,13 @@
   <p:clrMapOvr>
     <a:masterClrMapping/>
   </p:clrMapOvr>
+  <p:timing>
+    <p:tnLst>
+      <p:par>
+        <p:cTn id="1" dur="indefinite" restart="never" nodeType="tmRoot"/>
+      </p:par>
+    </p:tnLst>
+  </p:timing>
 </p:sld>
 </file>
 
@@ -12709,18 +14889,9 @@
           <a:bodyPr/>
           <a:lstStyle/>
           <a:p>
-            <a:pPr eaLnBrk="1" hangingPunct="1"/>
             <a:r>
               <a:rPr lang="pt-BR" dirty="0" smtClean="0"/>
-              <a:t>Design </a:t>
-            </a:r>
-            <a:r>
-              <a:rPr lang="pt-BR" dirty="0" err="1" smtClean="0"/>
-              <a:t>pattern</a:t>
-            </a:r>
-            <a:r>
-              <a:rPr lang="pt-BR" dirty="0" smtClean="0"/>
-              <a:t> DAO/VO</a:t>
+              <a:t>Operações parametrizadas</a:t>
             </a:r>
             <a:endParaRPr lang="pt-BR" dirty="0"/>
           </a:p>
@@ -12736,12 +14907,468 @@
             <p:ph idx="1"/>
           </p:nvPr>
         </p:nvSpPr>
-        <p:spPr/>
+        <p:spPr>
+          <a:xfrm>
+            <a:off x="457200" y="1600200"/>
+            <a:ext cx="8147248" cy="4525963"/>
+          </a:xfrm>
+        </p:spPr>
         <p:txBody>
           <a:bodyPr/>
           <a:lstStyle/>
           <a:p>
-            <a:endParaRPr lang="pt-BR"/>
+            <a:r>
+              <a:rPr lang="pt-BR" dirty="0" smtClean="0"/>
+              <a:t>A interface </a:t>
+            </a:r>
+            <a:r>
+              <a:rPr lang="pt-BR" u="sng" dirty="0" err="1" smtClean="0"/>
+              <a:t>PreparedStatement</a:t>
+            </a:r>
+            <a:endParaRPr lang="pt-BR" u="sng" dirty="0" smtClean="0"/>
+          </a:p>
+          <a:p>
+            <a:pPr lvl="1"/>
+            <a:r>
+              <a:rPr lang="pt-BR" dirty="0" smtClean="0"/>
+              <a:t>Exemplo 1</a:t>
+            </a:r>
+            <a:endParaRPr lang="pt-BR" dirty="0" smtClean="0"/>
+          </a:p>
+          <a:p>
+            <a:pPr marL="0" lvl="1" indent="0">
+              <a:spcBef>
+                <a:spcPts val="0"/>
+              </a:spcBef>
+              <a:buNone/>
+            </a:pPr>
+            <a:endParaRPr lang="pt-BR" sz="2000" dirty="0" smtClean="0"/>
+          </a:p>
+          <a:p>
+            <a:pPr marL="0" lvl="1" indent="0">
+              <a:spcBef>
+                <a:spcPts val="0"/>
+              </a:spcBef>
+              <a:buNone/>
+            </a:pPr>
+            <a:endParaRPr lang="pt-BR" sz="2000" dirty="0" smtClean="0">
+              <a:solidFill>
+                <a:srgbClr val="FFC000"/>
+              </a:solidFill>
+            </a:endParaRPr>
+          </a:p>
+          <a:p>
+            <a:pPr marL="0" lvl="1" indent="0">
+              <a:spcBef>
+                <a:spcPts val="0"/>
+              </a:spcBef>
+              <a:buNone/>
+            </a:pPr>
+            <a:r>
+              <a:rPr lang="pt-BR" sz="2000" dirty="0" err="1" smtClean="0">
+                <a:solidFill>
+                  <a:srgbClr val="FFC000"/>
+                </a:solidFill>
+              </a:rPr>
+              <a:t>PreparedStatement</a:t>
+            </a:r>
+            <a:r>
+              <a:rPr lang="pt-BR" sz="2000" dirty="0" smtClean="0">
+                <a:solidFill>
+                  <a:srgbClr val="FFC000"/>
+                </a:solidFill>
+              </a:rPr>
+              <a:t> </a:t>
+            </a:r>
+            <a:r>
+              <a:rPr lang="pt-BR" sz="2000" dirty="0" err="1" smtClean="0">
+                <a:solidFill>
+                  <a:srgbClr val="FFC000"/>
+                </a:solidFill>
+              </a:rPr>
+              <a:t>ps</a:t>
+            </a:r>
+            <a:r>
+              <a:rPr lang="pt-BR" sz="2000" dirty="0" smtClean="0">
+                <a:solidFill>
+                  <a:srgbClr val="FFC000"/>
+                </a:solidFill>
+              </a:rPr>
+              <a:t> </a:t>
+            </a:r>
+            <a:r>
+              <a:rPr lang="pt-BR" sz="2000" dirty="0" smtClean="0">
+                <a:solidFill>
+                  <a:srgbClr val="FFC000"/>
+                </a:solidFill>
+              </a:rPr>
+              <a:t>= </a:t>
+            </a:r>
+            <a:r>
+              <a:rPr lang="pt-BR" sz="2000" dirty="0" err="1" smtClean="0">
+                <a:solidFill>
+                  <a:srgbClr val="FFC000"/>
+                </a:solidFill>
+              </a:rPr>
+              <a:t>cn</a:t>
+            </a:r>
+            <a:r>
+              <a:rPr lang="pt-BR" sz="2000" dirty="0" smtClean="0">
+                <a:solidFill>
+                  <a:srgbClr val="FFC000"/>
+                </a:solidFill>
+              </a:rPr>
+              <a:t>.</a:t>
+            </a:r>
+            <a:r>
+              <a:rPr lang="pt-BR" sz="2000" u="sng" dirty="0" err="1" smtClean="0">
+                <a:solidFill>
+                  <a:srgbClr val="FFC000"/>
+                </a:solidFill>
+              </a:rPr>
+              <a:t>prepareStatement</a:t>
+            </a:r>
+            <a:r>
+              <a:rPr lang="pt-BR" sz="2000" dirty="0" smtClean="0">
+                <a:solidFill>
+                  <a:srgbClr val="FFC000"/>
+                </a:solidFill>
+              </a:rPr>
+              <a:t>(</a:t>
+            </a:r>
+          </a:p>
+          <a:p>
+            <a:pPr marL="0" lvl="1" indent="0" algn="r">
+              <a:spcBef>
+                <a:spcPts val="0"/>
+              </a:spcBef>
+              <a:buNone/>
+            </a:pPr>
+            <a:r>
+              <a:rPr lang="pt-BR" sz="2000" dirty="0" smtClean="0">
+                <a:solidFill>
+                  <a:srgbClr val="FFC000"/>
+                </a:solidFill>
+              </a:rPr>
+              <a:t>“</a:t>
+            </a:r>
+            <a:r>
+              <a:rPr lang="pt-BR" sz="2000" dirty="0" smtClean="0"/>
+              <a:t>INSERT INTO </a:t>
+            </a:r>
+            <a:r>
+              <a:rPr lang="pt-BR" sz="2000" dirty="0" err="1" smtClean="0"/>
+              <a:t>tab_func</a:t>
+            </a:r>
+            <a:r>
+              <a:rPr lang="pt-BR" sz="2000" dirty="0" smtClean="0"/>
+              <a:t> (matricula, nome, </a:t>
+            </a:r>
+            <a:r>
+              <a:rPr lang="pt-BR" sz="2000" dirty="0" err="1" smtClean="0"/>
+              <a:t>salario</a:t>
+            </a:r>
+            <a:r>
+              <a:rPr lang="pt-BR" sz="2000" dirty="0" smtClean="0"/>
+              <a:t>) </a:t>
+            </a:r>
+            <a:r>
+              <a:rPr lang="pt-BR" sz="2000" dirty="0" smtClean="0"/>
+              <a:t>VALUES </a:t>
+            </a:r>
+            <a:r>
+              <a:rPr lang="pt-BR" sz="2000" dirty="0" smtClean="0"/>
+              <a:t>(?, ?, ?)</a:t>
+            </a:r>
+            <a:r>
+              <a:rPr lang="pt-BR" sz="2000" dirty="0" smtClean="0">
+                <a:solidFill>
+                  <a:srgbClr val="FFC000"/>
+                </a:solidFill>
+              </a:rPr>
+              <a:t>”);</a:t>
+            </a:r>
+            <a:endParaRPr lang="pt-BR" sz="2000" dirty="0" smtClean="0">
+              <a:solidFill>
+                <a:srgbClr val="FFC000"/>
+              </a:solidFill>
+            </a:endParaRPr>
+          </a:p>
+          <a:p>
+            <a:pPr marL="0" lvl="1" indent="0">
+              <a:spcBef>
+                <a:spcPts val="0"/>
+              </a:spcBef>
+              <a:buNone/>
+            </a:pPr>
+            <a:endParaRPr lang="pt-BR" sz="2000" dirty="0" smtClean="0">
+              <a:solidFill>
+                <a:srgbClr val="FFC000"/>
+              </a:solidFill>
+            </a:endParaRPr>
+          </a:p>
+          <a:p>
+            <a:pPr marL="0" lvl="1" indent="0">
+              <a:spcBef>
+                <a:spcPts val="0"/>
+              </a:spcBef>
+              <a:buNone/>
+            </a:pPr>
+            <a:r>
+              <a:rPr lang="pt-BR" sz="2000" dirty="0" err="1" smtClean="0">
+                <a:solidFill>
+                  <a:srgbClr val="FFC000"/>
+                </a:solidFill>
+              </a:rPr>
+              <a:t>ps.</a:t>
+            </a:r>
+            <a:r>
+              <a:rPr lang="pt-BR" sz="2000" u="sng" dirty="0" err="1" smtClean="0">
+                <a:solidFill>
+                  <a:srgbClr val="FFC000"/>
+                </a:solidFill>
+              </a:rPr>
+              <a:t>setInt</a:t>
+            </a:r>
+            <a:r>
+              <a:rPr lang="pt-BR" sz="2000" dirty="0" smtClean="0">
+                <a:solidFill>
+                  <a:srgbClr val="FFC000"/>
+                </a:solidFill>
+              </a:rPr>
+              <a:t>(</a:t>
+            </a:r>
+            <a:r>
+              <a:rPr lang="pt-BR" sz="2000" dirty="0" smtClean="0"/>
+              <a:t>1</a:t>
+            </a:r>
+            <a:r>
+              <a:rPr lang="pt-BR" sz="2000" dirty="0" smtClean="0">
+                <a:solidFill>
+                  <a:srgbClr val="FFC000"/>
+                </a:solidFill>
+              </a:rPr>
+              <a:t>,</a:t>
+            </a:r>
+            <a:r>
+              <a:rPr lang="pt-BR" sz="2000" dirty="0" smtClean="0"/>
+              <a:t> </a:t>
+            </a:r>
+            <a:r>
+              <a:rPr lang="pt-BR" sz="2000" dirty="0" smtClean="0"/>
+              <a:t>1001</a:t>
+            </a:r>
+            <a:r>
+              <a:rPr lang="pt-BR" sz="2000" dirty="0" smtClean="0">
+                <a:solidFill>
+                  <a:srgbClr val="FFC000"/>
+                </a:solidFill>
+              </a:rPr>
+              <a:t>);</a:t>
+            </a:r>
+          </a:p>
+          <a:p>
+            <a:pPr marL="0" lvl="1" indent="0">
+              <a:spcBef>
+                <a:spcPts val="0"/>
+              </a:spcBef>
+              <a:buNone/>
+            </a:pPr>
+            <a:r>
+              <a:rPr lang="pt-BR" sz="2000" dirty="0" err="1" smtClean="0">
+                <a:solidFill>
+                  <a:srgbClr val="FFC000"/>
+                </a:solidFill>
+              </a:rPr>
+              <a:t>ps.</a:t>
+            </a:r>
+            <a:r>
+              <a:rPr lang="pt-BR" sz="2000" u="sng" dirty="0" err="1" smtClean="0">
+                <a:solidFill>
+                  <a:srgbClr val="FFC000"/>
+                </a:solidFill>
+              </a:rPr>
+              <a:t>setString</a:t>
+            </a:r>
+            <a:r>
+              <a:rPr lang="pt-BR" sz="2000" dirty="0" smtClean="0">
+                <a:solidFill>
+                  <a:srgbClr val="FFC000"/>
+                </a:solidFill>
+              </a:rPr>
+              <a:t>(</a:t>
+            </a:r>
+            <a:r>
+              <a:rPr lang="pt-BR" sz="2000" dirty="0" smtClean="0"/>
+              <a:t>2</a:t>
+            </a:r>
+            <a:r>
+              <a:rPr lang="pt-BR" sz="2000" dirty="0" smtClean="0">
+                <a:solidFill>
+                  <a:srgbClr val="FFC000"/>
+                </a:solidFill>
+              </a:rPr>
+              <a:t>,</a:t>
+            </a:r>
+            <a:r>
+              <a:rPr lang="pt-BR" sz="2000" dirty="0" smtClean="0"/>
+              <a:t> “José Souza”</a:t>
+            </a:r>
+            <a:r>
+              <a:rPr lang="pt-BR" sz="2000" dirty="0" smtClean="0">
+                <a:solidFill>
+                  <a:srgbClr val="FFC000"/>
+                </a:solidFill>
+              </a:rPr>
+              <a:t>);</a:t>
+            </a:r>
+            <a:endParaRPr lang="pt-BR" sz="2000" dirty="0" smtClean="0">
+              <a:solidFill>
+                <a:srgbClr val="FFC000"/>
+              </a:solidFill>
+            </a:endParaRPr>
+          </a:p>
+          <a:p>
+            <a:pPr marL="0" lvl="1" indent="0">
+              <a:spcBef>
+                <a:spcPts val="0"/>
+              </a:spcBef>
+              <a:buNone/>
+            </a:pPr>
+            <a:r>
+              <a:rPr lang="pt-BR" sz="2000" dirty="0" err="1" smtClean="0">
+                <a:solidFill>
+                  <a:srgbClr val="FFC000"/>
+                </a:solidFill>
+              </a:rPr>
+              <a:t>ps.</a:t>
+            </a:r>
+            <a:r>
+              <a:rPr lang="pt-BR" sz="2000" u="sng" dirty="0" err="1" smtClean="0">
+                <a:solidFill>
+                  <a:srgbClr val="FFC000"/>
+                </a:solidFill>
+              </a:rPr>
+              <a:t>setDouble</a:t>
+            </a:r>
+            <a:r>
+              <a:rPr lang="pt-BR" sz="2000" dirty="0" smtClean="0">
+                <a:solidFill>
+                  <a:srgbClr val="FFC000"/>
+                </a:solidFill>
+              </a:rPr>
+              <a:t>(</a:t>
+            </a:r>
+            <a:r>
+              <a:rPr lang="pt-BR" sz="2000" dirty="0" smtClean="0"/>
+              <a:t>3</a:t>
+            </a:r>
+            <a:r>
+              <a:rPr lang="pt-BR" sz="2000" dirty="0" smtClean="0">
+                <a:solidFill>
+                  <a:srgbClr val="FFC000"/>
+                </a:solidFill>
+              </a:rPr>
+              <a:t>,</a:t>
+            </a:r>
+            <a:r>
+              <a:rPr lang="pt-BR" sz="2000" dirty="0" smtClean="0"/>
+              <a:t> </a:t>
+            </a:r>
+            <a:r>
+              <a:rPr lang="pt-BR" sz="2000" dirty="0" smtClean="0"/>
+              <a:t>3200.45</a:t>
+            </a:r>
+            <a:r>
+              <a:rPr lang="pt-BR" sz="2000" dirty="0" smtClean="0">
+                <a:solidFill>
+                  <a:srgbClr val="FFC000"/>
+                </a:solidFill>
+              </a:rPr>
+              <a:t>);</a:t>
+            </a:r>
+          </a:p>
+          <a:p>
+            <a:pPr marL="0" lvl="1" indent="0">
+              <a:spcBef>
+                <a:spcPts val="0"/>
+              </a:spcBef>
+              <a:buNone/>
+            </a:pPr>
+            <a:endParaRPr lang="pt-BR" sz="2000" dirty="0" smtClean="0">
+              <a:solidFill>
+                <a:srgbClr val="FFC000"/>
+              </a:solidFill>
+            </a:endParaRPr>
+          </a:p>
+          <a:p>
+            <a:pPr marL="0" lvl="1" indent="0">
+              <a:spcBef>
+                <a:spcPts val="0"/>
+              </a:spcBef>
+              <a:buNone/>
+            </a:pPr>
+            <a:r>
+              <a:rPr lang="pt-BR" sz="2000" dirty="0" err="1" smtClean="0">
+                <a:solidFill>
+                  <a:srgbClr val="FFC000"/>
+                </a:solidFill>
+              </a:rPr>
+              <a:t>ps.</a:t>
+            </a:r>
+            <a:r>
+              <a:rPr lang="pt-BR" sz="2000" u="sng" dirty="0" err="1" smtClean="0">
+                <a:solidFill>
+                  <a:srgbClr val="FFC000"/>
+                </a:solidFill>
+              </a:rPr>
+              <a:t>executeUpdate</a:t>
+            </a:r>
+            <a:r>
+              <a:rPr lang="pt-BR" sz="2000" dirty="0" smtClean="0">
+                <a:solidFill>
+                  <a:srgbClr val="FFC000"/>
+                </a:solidFill>
+              </a:rPr>
+              <a:t>();</a:t>
+            </a:r>
+            <a:endParaRPr lang="pt-BR" sz="2000" dirty="0" smtClean="0">
+              <a:solidFill>
+                <a:srgbClr val="FFC000"/>
+              </a:solidFill>
+            </a:endParaRPr>
+          </a:p>
+          <a:p>
+            <a:pPr marL="0" lvl="1" indent="0">
+              <a:spcBef>
+                <a:spcPts val="0"/>
+              </a:spcBef>
+              <a:buNone/>
+            </a:pPr>
+            <a:r>
+              <a:rPr lang="pt-BR" sz="2000" dirty="0" err="1" smtClean="0">
+                <a:solidFill>
+                  <a:srgbClr val="FFC000"/>
+                </a:solidFill>
+              </a:rPr>
+              <a:t>ps.</a:t>
+            </a:r>
+            <a:r>
+              <a:rPr lang="pt-BR" sz="2000" u="sng" dirty="0" err="1" smtClean="0">
+                <a:solidFill>
+                  <a:srgbClr val="FFC000"/>
+                </a:solidFill>
+              </a:rPr>
+              <a:t>close</a:t>
+            </a:r>
+            <a:r>
+              <a:rPr lang="pt-BR" sz="2000" dirty="0" smtClean="0">
+                <a:solidFill>
+                  <a:srgbClr val="FFC000"/>
+                </a:solidFill>
+              </a:rPr>
+              <a:t>();</a:t>
+            </a:r>
           </a:p>
         </p:txBody>
       </p:sp>
@@ -12774,11 +15401,1208 @@
           </a:p>
         </p:txBody>
       </p:sp>
+      <p:grpSp>
+        <p:nvGrpSpPr>
+          <p:cNvPr id="5" name="Grupo 9"/>
+          <p:cNvGrpSpPr/>
+          <p:nvPr/>
+        </p:nvGrpSpPr>
+        <p:grpSpPr>
+          <a:xfrm>
+            <a:off x="3347490" y="2348880"/>
+            <a:ext cx="4104830" cy="1152128"/>
+            <a:chOff x="2267744" y="2924944"/>
+            <a:chExt cx="4104830" cy="1152128"/>
+          </a:xfrm>
+        </p:grpSpPr>
+        <p:sp>
+          <p:nvSpPr>
+            <p:cNvPr id="6" name="Rectangle 7"/>
+            <p:cNvSpPr>
+              <a:spLocks noChangeArrowheads="1"/>
+            </p:cNvSpPr>
+            <p:nvPr/>
+          </p:nvSpPr>
+          <p:spPr bwMode="auto">
+            <a:xfrm>
+              <a:off x="2267744" y="3789039"/>
+              <a:ext cx="288406" cy="288033"/>
+            </a:xfrm>
+            <a:prstGeom prst="rect">
+              <a:avLst/>
+            </a:prstGeom>
+            <a:noFill/>
+            <a:ln w="28575">
+              <a:solidFill>
+                <a:srgbClr val="FFC000"/>
+              </a:solidFill>
+              <a:prstDash val="sysDot"/>
+              <a:miter lim="800000"/>
+              <a:headEnd/>
+              <a:tailEnd/>
+            </a:ln>
+          </p:spPr>
+          <p:txBody>
+            <a:bodyPr wrap="none" anchor="ctr"/>
+            <a:lstStyle/>
+            <a:p>
+              <a:endParaRPr lang="pt-BR"/>
+            </a:p>
+          </p:txBody>
+        </p:sp>
+        <p:sp>
+          <p:nvSpPr>
+            <p:cNvPr id="7" name="CaixaDeTexto 6"/>
+            <p:cNvSpPr txBox="1"/>
+            <p:nvPr/>
+          </p:nvSpPr>
+          <p:spPr bwMode="auto">
+            <a:xfrm>
+              <a:off x="3851921" y="2924944"/>
+              <a:ext cx="2520653" cy="584775"/>
+            </a:xfrm>
+            <a:prstGeom prst="rect">
+              <a:avLst/>
+            </a:prstGeom>
+            <a:noFill/>
+            <a:ln w="28575">
+              <a:solidFill>
+                <a:schemeClr val="tx1"/>
+              </a:solidFill>
+            </a:ln>
+          </p:spPr>
+          <p:txBody>
+            <a:bodyPr wrap="square">
+              <a:spAutoFit/>
+            </a:bodyPr>
+            <a:lstStyle/>
+            <a:p>
+              <a:pPr algn="ctr">
+                <a:defRPr/>
+              </a:pPr>
+              <a:r>
+                <a:rPr lang="pt-BR" sz="1600" dirty="0" smtClean="0">
+                  <a:latin typeface="+mn-lt"/>
+                </a:rPr>
+                <a:t>Conexão utilizada no acesso à base de dados</a:t>
+              </a:r>
+              <a:endParaRPr lang="pt-BR" sz="1600" dirty="0">
+                <a:latin typeface="+mn-lt"/>
+              </a:endParaRPr>
+            </a:p>
+          </p:txBody>
+        </p:sp>
+        <p:grpSp>
+          <p:nvGrpSpPr>
+            <p:cNvPr id="8" name="Grupo 19"/>
+            <p:cNvGrpSpPr>
+              <a:grpSpLocks/>
+            </p:cNvGrpSpPr>
+            <p:nvPr/>
+          </p:nvGrpSpPr>
+          <p:grpSpPr bwMode="auto">
+            <a:xfrm flipV="1">
+              <a:off x="2411760" y="3212978"/>
+              <a:ext cx="1438996" cy="504057"/>
+              <a:chOff x="-1194748" y="3856739"/>
+              <a:chExt cx="1441590" cy="505645"/>
+            </a:xfrm>
+          </p:grpSpPr>
+          <p:cxnSp>
+            <p:nvCxnSpPr>
+              <p:cNvPr id="9" name="Conector de seta reta 8"/>
+              <p:cNvCxnSpPr>
+                <a:cxnSpLocks noChangeShapeType="1"/>
+              </p:cNvCxnSpPr>
+              <p:nvPr/>
+            </p:nvCxnSpPr>
+            <p:spPr bwMode="auto">
+              <a:xfrm flipV="1">
+                <a:off x="-1194748" y="3856739"/>
+                <a:ext cx="375" cy="505644"/>
+              </a:xfrm>
+              <a:prstGeom prst="straightConnector1">
+                <a:avLst/>
+              </a:prstGeom>
+              <a:noFill/>
+              <a:ln w="31750" algn="ctr">
+                <a:solidFill>
+                  <a:schemeClr val="tx1"/>
+                </a:solidFill>
+                <a:round/>
+                <a:headEnd/>
+                <a:tailEnd type="arrow" w="med" len="med"/>
+              </a:ln>
+            </p:spPr>
+          </p:cxnSp>
+          <p:cxnSp>
+            <p:nvCxnSpPr>
+              <p:cNvPr id="10" name="Conector de seta reta 15"/>
+              <p:cNvCxnSpPr>
+                <a:cxnSpLocks noChangeShapeType="1"/>
+              </p:cNvCxnSpPr>
+              <p:nvPr/>
+            </p:nvCxnSpPr>
+            <p:spPr bwMode="auto">
+              <a:xfrm flipH="1" flipV="1">
+                <a:off x="-1194748" y="4362383"/>
+                <a:ext cx="1441590" cy="1"/>
+              </a:xfrm>
+              <a:prstGeom prst="straightConnector1">
+                <a:avLst/>
+              </a:prstGeom>
+              <a:noFill/>
+              <a:ln w="31750" algn="ctr">
+                <a:solidFill>
+                  <a:schemeClr val="tx1"/>
+                </a:solidFill>
+                <a:round/>
+                <a:headEnd/>
+                <a:tailEnd/>
+              </a:ln>
+            </p:spPr>
+          </p:cxnSp>
+        </p:grpSp>
+      </p:grpSp>
+      <p:sp>
+        <p:nvSpPr>
+          <p:cNvPr id="37" name="Retângulo de cantos arredondados 36"/>
+          <p:cNvSpPr/>
+          <p:nvPr/>
+        </p:nvSpPr>
+        <p:spPr>
+          <a:xfrm>
+            <a:off x="1475656" y="4115743"/>
+            <a:ext cx="360040" cy="288032"/>
+          </a:xfrm>
+          <a:prstGeom prst="roundRect">
+            <a:avLst/>
+          </a:prstGeom>
+          <a:noFill/>
+          <a:ln w="28575">
+            <a:solidFill>
+              <a:schemeClr val="tx1"/>
+            </a:solidFill>
+          </a:ln>
+        </p:spPr>
+        <p:style>
+          <a:lnRef idx="2">
+            <a:schemeClr val="accent1">
+              <a:shade val="50000"/>
+            </a:schemeClr>
+          </a:lnRef>
+          <a:fillRef idx="1">
+            <a:schemeClr val="accent1"/>
+          </a:fillRef>
+          <a:effectRef idx="0">
+            <a:schemeClr val="accent1"/>
+          </a:effectRef>
+          <a:fontRef idx="minor">
+            <a:schemeClr val="lt1"/>
+          </a:fontRef>
+        </p:style>
+        <p:txBody>
+          <a:bodyPr rtlCol="0" anchor="ctr"/>
+          <a:lstStyle/>
+          <a:p>
+            <a:pPr algn="ctr"/>
+            <a:endParaRPr lang="pt-BR"/>
+          </a:p>
+        </p:txBody>
+      </p:sp>
+      <p:sp>
+        <p:nvSpPr>
+          <p:cNvPr id="38" name="Retângulo de cantos arredondados 37"/>
+          <p:cNvSpPr/>
+          <p:nvPr/>
+        </p:nvSpPr>
+        <p:spPr>
+          <a:xfrm>
+            <a:off x="1859508" y="4437112"/>
+            <a:ext cx="360040" cy="288032"/>
+          </a:xfrm>
+          <a:prstGeom prst="roundRect">
+            <a:avLst/>
+          </a:prstGeom>
+          <a:noFill/>
+          <a:ln w="28575">
+            <a:solidFill>
+              <a:schemeClr val="tx1"/>
+            </a:solidFill>
+          </a:ln>
+        </p:spPr>
+        <p:style>
+          <a:lnRef idx="2">
+            <a:schemeClr val="accent1">
+              <a:shade val="50000"/>
+            </a:schemeClr>
+          </a:lnRef>
+          <a:fillRef idx="1">
+            <a:schemeClr val="accent1"/>
+          </a:fillRef>
+          <a:effectRef idx="0">
+            <a:schemeClr val="accent1"/>
+          </a:effectRef>
+          <a:fontRef idx="minor">
+            <a:schemeClr val="lt1"/>
+          </a:fontRef>
+        </p:style>
+        <p:txBody>
+          <a:bodyPr rtlCol="0" anchor="ctr"/>
+          <a:lstStyle/>
+          <a:p>
+            <a:pPr algn="ctr"/>
+            <a:endParaRPr lang="pt-BR"/>
+          </a:p>
+        </p:txBody>
+      </p:sp>
+      <p:sp>
+        <p:nvSpPr>
+          <p:cNvPr id="39" name="Retângulo de cantos arredondados 38"/>
+          <p:cNvSpPr/>
+          <p:nvPr/>
+        </p:nvSpPr>
+        <p:spPr>
+          <a:xfrm>
+            <a:off x="1988095" y="4725144"/>
+            <a:ext cx="360040" cy="288032"/>
+          </a:xfrm>
+          <a:prstGeom prst="roundRect">
+            <a:avLst/>
+          </a:prstGeom>
+          <a:noFill/>
+          <a:ln w="28575">
+            <a:solidFill>
+              <a:schemeClr val="tx1"/>
+            </a:solidFill>
+          </a:ln>
+        </p:spPr>
+        <p:style>
+          <a:lnRef idx="2">
+            <a:schemeClr val="accent1">
+              <a:shade val="50000"/>
+            </a:schemeClr>
+          </a:lnRef>
+          <a:fillRef idx="1">
+            <a:schemeClr val="accent1"/>
+          </a:fillRef>
+          <a:effectRef idx="0">
+            <a:schemeClr val="accent1"/>
+          </a:effectRef>
+          <a:fontRef idx="minor">
+            <a:schemeClr val="lt1"/>
+          </a:fontRef>
+        </p:style>
+        <p:txBody>
+          <a:bodyPr rtlCol="0" anchor="ctr"/>
+          <a:lstStyle/>
+          <a:p>
+            <a:pPr algn="ctr"/>
+            <a:endParaRPr lang="pt-BR"/>
+          </a:p>
+        </p:txBody>
+      </p:sp>
+      <p:grpSp>
+        <p:nvGrpSpPr>
+          <p:cNvPr id="43" name="Grupo 42"/>
+          <p:cNvGrpSpPr/>
+          <p:nvPr/>
+        </p:nvGrpSpPr>
+        <p:grpSpPr>
+          <a:xfrm>
+            <a:off x="7452320" y="3861048"/>
+            <a:ext cx="288032" cy="720080"/>
+            <a:chOff x="7380312" y="3861048"/>
+            <a:chExt cx="288032" cy="720080"/>
+          </a:xfrm>
+        </p:grpSpPr>
+        <p:cxnSp>
+          <p:nvCxnSpPr>
+            <p:cNvPr id="15" name="Conector de seta reta 14"/>
+            <p:cNvCxnSpPr>
+              <a:cxnSpLocks noChangeShapeType="1"/>
+              <a:stCxn id="41" idx="0"/>
+            </p:cNvCxnSpPr>
+            <p:nvPr/>
+          </p:nvCxnSpPr>
+          <p:spPr bwMode="auto">
+            <a:xfrm flipH="1" flipV="1">
+              <a:off x="7524327" y="3861048"/>
+              <a:ext cx="1" cy="360040"/>
+            </a:xfrm>
+            <a:prstGeom prst="straightConnector1">
+              <a:avLst/>
+            </a:prstGeom>
+            <a:noFill/>
+            <a:ln w="31750" algn="ctr">
+              <a:solidFill>
+                <a:schemeClr val="tx1"/>
+              </a:solidFill>
+              <a:round/>
+              <a:headEnd/>
+              <a:tailEnd type="arrow" w="med" len="med"/>
+            </a:ln>
+          </p:spPr>
+        </p:cxnSp>
+        <p:sp>
+          <p:nvSpPr>
+            <p:cNvPr id="41" name="Retângulo de cantos arredondados 40"/>
+            <p:cNvSpPr/>
+            <p:nvPr/>
+          </p:nvSpPr>
+          <p:spPr>
+            <a:xfrm>
+              <a:off x="7380312" y="4221088"/>
+              <a:ext cx="288032" cy="360040"/>
+            </a:xfrm>
+            <a:prstGeom prst="roundRect">
+              <a:avLst/>
+            </a:prstGeom>
+            <a:noFill/>
+            <a:ln w="28575">
+              <a:solidFill>
+                <a:schemeClr val="tx1"/>
+              </a:solidFill>
+            </a:ln>
+          </p:spPr>
+          <p:style>
+            <a:lnRef idx="2">
+              <a:schemeClr val="accent1">
+                <a:shade val="50000"/>
+              </a:schemeClr>
+            </a:lnRef>
+            <a:fillRef idx="1">
+              <a:schemeClr val="accent1"/>
+            </a:fillRef>
+            <a:effectRef idx="0">
+              <a:schemeClr val="accent1"/>
+            </a:effectRef>
+            <a:fontRef idx="minor">
+              <a:schemeClr val="lt1"/>
+            </a:fontRef>
+          </p:style>
+          <p:txBody>
+            <a:bodyPr rtlCol="0" anchor="ctr"/>
+            <a:lstStyle/>
+            <a:p>
+              <a:pPr algn="ctr"/>
+              <a:r>
+                <a:rPr lang="pt-BR" dirty="0" smtClean="0"/>
+                <a:t>1</a:t>
+              </a:r>
+              <a:endParaRPr lang="pt-BR" dirty="0"/>
+            </a:p>
+          </p:txBody>
+        </p:sp>
+      </p:grpSp>
+      <p:grpSp>
+        <p:nvGrpSpPr>
+          <p:cNvPr id="44" name="Grupo 43"/>
+          <p:cNvGrpSpPr/>
+          <p:nvPr/>
+        </p:nvGrpSpPr>
+        <p:grpSpPr>
+          <a:xfrm>
+            <a:off x="7740352" y="3861048"/>
+            <a:ext cx="288032" cy="1224136"/>
+            <a:chOff x="7380312" y="3356992"/>
+            <a:chExt cx="288032" cy="1224136"/>
+          </a:xfrm>
+        </p:grpSpPr>
+        <p:cxnSp>
+          <p:nvCxnSpPr>
+            <p:cNvPr id="45" name="Conector de seta reta 44"/>
+            <p:cNvCxnSpPr>
+              <a:cxnSpLocks noChangeShapeType="1"/>
+              <a:stCxn id="46" idx="0"/>
+            </p:cNvCxnSpPr>
+            <p:nvPr/>
+          </p:nvCxnSpPr>
+          <p:spPr bwMode="auto">
+            <a:xfrm flipV="1">
+              <a:off x="7524328" y="3356992"/>
+              <a:ext cx="0" cy="864096"/>
+            </a:xfrm>
+            <a:prstGeom prst="straightConnector1">
+              <a:avLst/>
+            </a:prstGeom>
+            <a:noFill/>
+            <a:ln w="31750" algn="ctr">
+              <a:solidFill>
+                <a:schemeClr val="tx1"/>
+              </a:solidFill>
+              <a:round/>
+              <a:headEnd/>
+              <a:tailEnd type="arrow" w="med" len="med"/>
+            </a:ln>
+          </p:spPr>
+        </p:cxnSp>
+        <p:sp>
+          <p:nvSpPr>
+            <p:cNvPr id="46" name="Retângulo de cantos arredondados 45"/>
+            <p:cNvSpPr/>
+            <p:nvPr/>
+          </p:nvSpPr>
+          <p:spPr>
+            <a:xfrm>
+              <a:off x="7380312" y="4221088"/>
+              <a:ext cx="288032" cy="360040"/>
+            </a:xfrm>
+            <a:prstGeom prst="roundRect">
+              <a:avLst/>
+            </a:prstGeom>
+            <a:noFill/>
+            <a:ln w="28575">
+              <a:solidFill>
+                <a:schemeClr val="tx1"/>
+              </a:solidFill>
+            </a:ln>
+          </p:spPr>
+          <p:style>
+            <a:lnRef idx="2">
+              <a:schemeClr val="accent1">
+                <a:shade val="50000"/>
+              </a:schemeClr>
+            </a:lnRef>
+            <a:fillRef idx="1">
+              <a:schemeClr val="accent1"/>
+            </a:fillRef>
+            <a:effectRef idx="0">
+              <a:schemeClr val="accent1"/>
+            </a:effectRef>
+            <a:fontRef idx="minor">
+              <a:schemeClr val="lt1"/>
+            </a:fontRef>
+          </p:style>
+          <p:txBody>
+            <a:bodyPr rtlCol="0" anchor="ctr"/>
+            <a:lstStyle/>
+            <a:p>
+              <a:pPr algn="ctr"/>
+              <a:r>
+                <a:rPr lang="pt-BR" dirty="0" smtClean="0"/>
+                <a:t>2</a:t>
+              </a:r>
+              <a:endParaRPr lang="pt-BR" dirty="0"/>
+            </a:p>
+          </p:txBody>
+        </p:sp>
+      </p:grpSp>
+      <p:grpSp>
+        <p:nvGrpSpPr>
+          <p:cNvPr id="47" name="Grupo 46"/>
+          <p:cNvGrpSpPr/>
+          <p:nvPr/>
+        </p:nvGrpSpPr>
+        <p:grpSpPr>
+          <a:xfrm>
+            <a:off x="8028384" y="3861048"/>
+            <a:ext cx="288032" cy="1728192"/>
+            <a:chOff x="7380312" y="2852936"/>
+            <a:chExt cx="288032" cy="1728192"/>
+          </a:xfrm>
+        </p:grpSpPr>
+        <p:cxnSp>
+          <p:nvCxnSpPr>
+            <p:cNvPr id="48" name="Conector de seta reta 47"/>
+            <p:cNvCxnSpPr>
+              <a:cxnSpLocks noChangeShapeType="1"/>
+              <a:stCxn id="49" idx="0"/>
+            </p:cNvCxnSpPr>
+            <p:nvPr/>
+          </p:nvCxnSpPr>
+          <p:spPr bwMode="auto">
+            <a:xfrm flipV="1">
+              <a:off x="7524328" y="2852936"/>
+              <a:ext cx="0" cy="1368152"/>
+            </a:xfrm>
+            <a:prstGeom prst="straightConnector1">
+              <a:avLst/>
+            </a:prstGeom>
+            <a:noFill/>
+            <a:ln w="31750" algn="ctr">
+              <a:solidFill>
+                <a:schemeClr val="tx1"/>
+              </a:solidFill>
+              <a:round/>
+              <a:headEnd/>
+              <a:tailEnd type="arrow" w="med" len="med"/>
+            </a:ln>
+          </p:spPr>
+        </p:cxnSp>
+        <p:sp>
+          <p:nvSpPr>
+            <p:cNvPr id="49" name="Retângulo de cantos arredondados 48"/>
+            <p:cNvSpPr/>
+            <p:nvPr/>
+          </p:nvSpPr>
+          <p:spPr>
+            <a:xfrm>
+              <a:off x="7380312" y="4221088"/>
+              <a:ext cx="288032" cy="360040"/>
+            </a:xfrm>
+            <a:prstGeom prst="roundRect">
+              <a:avLst/>
+            </a:prstGeom>
+            <a:noFill/>
+            <a:ln w="28575">
+              <a:solidFill>
+                <a:schemeClr val="tx1"/>
+              </a:solidFill>
+            </a:ln>
+          </p:spPr>
+          <p:style>
+            <a:lnRef idx="2">
+              <a:schemeClr val="accent1">
+                <a:shade val="50000"/>
+              </a:schemeClr>
+            </a:lnRef>
+            <a:fillRef idx="1">
+              <a:schemeClr val="accent1"/>
+            </a:fillRef>
+            <a:effectRef idx="0">
+              <a:schemeClr val="accent1"/>
+            </a:effectRef>
+            <a:fontRef idx="minor">
+              <a:schemeClr val="lt1"/>
+            </a:fontRef>
+          </p:style>
+          <p:txBody>
+            <a:bodyPr rtlCol="0" anchor="ctr"/>
+            <a:lstStyle/>
+            <a:p>
+              <a:pPr algn="ctr"/>
+              <a:r>
+                <a:rPr lang="pt-BR" dirty="0" smtClean="0"/>
+                <a:t>3</a:t>
+              </a:r>
+              <a:endParaRPr lang="pt-BR" dirty="0"/>
+            </a:p>
+          </p:txBody>
+        </p:sp>
+      </p:grpSp>
     </p:spTree>
   </p:cSld>
   <p:clrMapOvr>
     <a:masterClrMapping/>
   </p:clrMapOvr>
+  <p:timing>
+    <p:tnLst>
+      <p:par>
+        <p:cTn id="1" dur="indefinite" restart="never" nodeType="tmRoot">
+          <p:childTnLst>
+            <p:seq concurrent="1" nextAc="seek">
+              <p:cTn id="2" dur="indefinite" nodeType="mainSeq">
+                <p:childTnLst>
+                  <p:par>
+                    <p:cTn id="3" fill="hold">
+                      <p:stCondLst>
+                        <p:cond delay="indefinite"/>
+                      </p:stCondLst>
+                      <p:childTnLst>
+                        <p:par>
+                          <p:cTn id="4" fill="hold">
+                            <p:stCondLst>
+                              <p:cond delay="0"/>
+                            </p:stCondLst>
+                            <p:childTnLst>
+                              <p:par>
+                                <p:cTn id="5" presetID="2" presetClass="entr" presetSubtype="2" fill="hold" nodeType="clickEffect">
+                                  <p:stCondLst>
+                                    <p:cond delay="0"/>
+                                  </p:stCondLst>
+                                  <p:childTnLst>
+                                    <p:set>
+                                      <p:cBhvr>
+                                        <p:cTn id="6" dur="1" fill="hold">
+                                          <p:stCondLst>
+                                            <p:cond delay="0"/>
+                                          </p:stCondLst>
+                                        </p:cTn>
+                                        <p:tgtEl>
+                                          <p:spTgt spid="5"/>
+                                        </p:tgtEl>
+                                        <p:attrNameLst>
+                                          <p:attrName>style.visibility</p:attrName>
+                                        </p:attrNameLst>
+                                      </p:cBhvr>
+                                      <p:to>
+                                        <p:strVal val="visible"/>
+                                      </p:to>
+                                    </p:set>
+                                    <p:anim calcmode="lin" valueType="num">
+                                      <p:cBhvr additive="base">
+                                        <p:cTn id="7" dur="500" fill="hold"/>
+                                        <p:tgtEl>
+                                          <p:spTgt spid="5"/>
+                                        </p:tgtEl>
+                                        <p:attrNameLst>
+                                          <p:attrName>ppt_x</p:attrName>
+                                        </p:attrNameLst>
+                                      </p:cBhvr>
+                                      <p:tavLst>
+                                        <p:tav tm="0">
+                                          <p:val>
+                                            <p:strVal val="1+#ppt_w/2"/>
+                                          </p:val>
+                                        </p:tav>
+                                        <p:tav tm="100000">
+                                          <p:val>
+                                            <p:strVal val="#ppt_x"/>
+                                          </p:val>
+                                        </p:tav>
+                                      </p:tavLst>
+                                    </p:anim>
+                                    <p:anim calcmode="lin" valueType="num">
+                                      <p:cBhvr additive="base">
+                                        <p:cTn id="8" dur="500" fill="hold"/>
+                                        <p:tgtEl>
+                                          <p:spTgt spid="5"/>
+                                        </p:tgtEl>
+                                        <p:attrNameLst>
+                                          <p:attrName>ppt_y</p:attrName>
+                                        </p:attrNameLst>
+                                      </p:cBhvr>
+                                      <p:tavLst>
+                                        <p:tav tm="0">
+                                          <p:val>
+                                            <p:strVal val="#ppt_y"/>
+                                          </p:val>
+                                        </p:tav>
+                                        <p:tav tm="100000">
+                                          <p:val>
+                                            <p:strVal val="#ppt_y"/>
+                                          </p:val>
+                                        </p:tav>
+                                      </p:tavLst>
+                                    </p:anim>
+                                  </p:childTnLst>
+                                </p:cTn>
+                              </p:par>
+                            </p:childTnLst>
+                          </p:cTn>
+                        </p:par>
+                      </p:childTnLst>
+                    </p:cTn>
+                  </p:par>
+                  <p:par>
+                    <p:cTn id="9" fill="hold">
+                      <p:stCondLst>
+                        <p:cond delay="indefinite"/>
+                      </p:stCondLst>
+                      <p:childTnLst>
+                        <p:par>
+                          <p:cTn id="10" fill="hold">
+                            <p:stCondLst>
+                              <p:cond delay="0"/>
+                            </p:stCondLst>
+                            <p:childTnLst>
+                              <p:par>
+                                <p:cTn id="11" presetID="2" presetClass="entr" presetSubtype="2" fill="hold" nodeType="clickEffect">
+                                  <p:stCondLst>
+                                    <p:cond delay="0"/>
+                                  </p:stCondLst>
+                                  <p:childTnLst>
+                                    <p:set>
+                                      <p:cBhvr>
+                                        <p:cTn id="12" dur="1" fill="hold">
+                                          <p:stCondLst>
+                                            <p:cond delay="0"/>
+                                          </p:stCondLst>
+                                        </p:cTn>
+                                        <p:tgtEl>
+                                          <p:spTgt spid="43"/>
+                                        </p:tgtEl>
+                                        <p:attrNameLst>
+                                          <p:attrName>style.visibility</p:attrName>
+                                        </p:attrNameLst>
+                                      </p:cBhvr>
+                                      <p:to>
+                                        <p:strVal val="visible"/>
+                                      </p:to>
+                                    </p:set>
+                                    <p:anim calcmode="lin" valueType="num">
+                                      <p:cBhvr additive="base">
+                                        <p:cTn id="13" dur="500" fill="hold"/>
+                                        <p:tgtEl>
+                                          <p:spTgt spid="43"/>
+                                        </p:tgtEl>
+                                        <p:attrNameLst>
+                                          <p:attrName>ppt_x</p:attrName>
+                                        </p:attrNameLst>
+                                      </p:cBhvr>
+                                      <p:tavLst>
+                                        <p:tav tm="0">
+                                          <p:val>
+                                            <p:strVal val="1+#ppt_w/2"/>
+                                          </p:val>
+                                        </p:tav>
+                                        <p:tav tm="100000">
+                                          <p:val>
+                                            <p:strVal val="#ppt_x"/>
+                                          </p:val>
+                                        </p:tav>
+                                      </p:tavLst>
+                                    </p:anim>
+                                    <p:anim calcmode="lin" valueType="num">
+                                      <p:cBhvr additive="base">
+                                        <p:cTn id="14" dur="500" fill="hold"/>
+                                        <p:tgtEl>
+                                          <p:spTgt spid="43"/>
+                                        </p:tgtEl>
+                                        <p:attrNameLst>
+                                          <p:attrName>ppt_y</p:attrName>
+                                        </p:attrNameLst>
+                                      </p:cBhvr>
+                                      <p:tavLst>
+                                        <p:tav tm="0">
+                                          <p:val>
+                                            <p:strVal val="#ppt_y"/>
+                                          </p:val>
+                                        </p:tav>
+                                        <p:tav tm="100000">
+                                          <p:val>
+                                            <p:strVal val="#ppt_y"/>
+                                          </p:val>
+                                        </p:tav>
+                                      </p:tavLst>
+                                    </p:anim>
+                                  </p:childTnLst>
+                                </p:cTn>
+                              </p:par>
+                              <p:par>
+                                <p:cTn id="15" presetID="2" presetClass="entr" presetSubtype="8" fill="hold" grpId="0" nodeType="withEffect">
+                                  <p:stCondLst>
+                                    <p:cond delay="0"/>
+                                  </p:stCondLst>
+                                  <p:childTnLst>
+                                    <p:set>
+                                      <p:cBhvr>
+                                        <p:cTn id="16" dur="1" fill="hold">
+                                          <p:stCondLst>
+                                            <p:cond delay="0"/>
+                                          </p:stCondLst>
+                                        </p:cTn>
+                                        <p:tgtEl>
+                                          <p:spTgt spid="37"/>
+                                        </p:tgtEl>
+                                        <p:attrNameLst>
+                                          <p:attrName>style.visibility</p:attrName>
+                                        </p:attrNameLst>
+                                      </p:cBhvr>
+                                      <p:to>
+                                        <p:strVal val="visible"/>
+                                      </p:to>
+                                    </p:set>
+                                    <p:anim calcmode="lin" valueType="num">
+                                      <p:cBhvr additive="base">
+                                        <p:cTn id="17" dur="500" fill="hold"/>
+                                        <p:tgtEl>
+                                          <p:spTgt spid="37"/>
+                                        </p:tgtEl>
+                                        <p:attrNameLst>
+                                          <p:attrName>ppt_x</p:attrName>
+                                        </p:attrNameLst>
+                                      </p:cBhvr>
+                                      <p:tavLst>
+                                        <p:tav tm="0">
+                                          <p:val>
+                                            <p:strVal val="0-#ppt_w/2"/>
+                                          </p:val>
+                                        </p:tav>
+                                        <p:tav tm="100000">
+                                          <p:val>
+                                            <p:strVal val="#ppt_x"/>
+                                          </p:val>
+                                        </p:tav>
+                                      </p:tavLst>
+                                    </p:anim>
+                                    <p:anim calcmode="lin" valueType="num">
+                                      <p:cBhvr additive="base">
+                                        <p:cTn id="18" dur="500" fill="hold"/>
+                                        <p:tgtEl>
+                                          <p:spTgt spid="37"/>
+                                        </p:tgtEl>
+                                        <p:attrNameLst>
+                                          <p:attrName>ppt_y</p:attrName>
+                                        </p:attrNameLst>
+                                      </p:cBhvr>
+                                      <p:tavLst>
+                                        <p:tav tm="0">
+                                          <p:val>
+                                            <p:strVal val="#ppt_y"/>
+                                          </p:val>
+                                        </p:tav>
+                                        <p:tav tm="100000">
+                                          <p:val>
+                                            <p:strVal val="#ppt_y"/>
+                                          </p:val>
+                                        </p:tav>
+                                      </p:tavLst>
+                                    </p:anim>
+                                  </p:childTnLst>
+                                </p:cTn>
+                              </p:par>
+                            </p:childTnLst>
+                          </p:cTn>
+                        </p:par>
+                      </p:childTnLst>
+                    </p:cTn>
+                  </p:par>
+                  <p:par>
+                    <p:cTn id="19" fill="hold">
+                      <p:stCondLst>
+                        <p:cond delay="indefinite"/>
+                      </p:stCondLst>
+                      <p:childTnLst>
+                        <p:par>
+                          <p:cTn id="20" fill="hold">
+                            <p:stCondLst>
+                              <p:cond delay="0"/>
+                            </p:stCondLst>
+                            <p:childTnLst>
+                              <p:par>
+                                <p:cTn id="21" presetID="2" presetClass="entr" presetSubtype="2" fill="hold" nodeType="clickEffect">
+                                  <p:stCondLst>
+                                    <p:cond delay="0"/>
+                                  </p:stCondLst>
+                                  <p:childTnLst>
+                                    <p:set>
+                                      <p:cBhvr>
+                                        <p:cTn id="22" dur="1" fill="hold">
+                                          <p:stCondLst>
+                                            <p:cond delay="0"/>
+                                          </p:stCondLst>
+                                        </p:cTn>
+                                        <p:tgtEl>
+                                          <p:spTgt spid="44"/>
+                                        </p:tgtEl>
+                                        <p:attrNameLst>
+                                          <p:attrName>style.visibility</p:attrName>
+                                        </p:attrNameLst>
+                                      </p:cBhvr>
+                                      <p:to>
+                                        <p:strVal val="visible"/>
+                                      </p:to>
+                                    </p:set>
+                                    <p:anim calcmode="lin" valueType="num">
+                                      <p:cBhvr additive="base">
+                                        <p:cTn id="23" dur="500" fill="hold"/>
+                                        <p:tgtEl>
+                                          <p:spTgt spid="44"/>
+                                        </p:tgtEl>
+                                        <p:attrNameLst>
+                                          <p:attrName>ppt_x</p:attrName>
+                                        </p:attrNameLst>
+                                      </p:cBhvr>
+                                      <p:tavLst>
+                                        <p:tav tm="0">
+                                          <p:val>
+                                            <p:strVal val="1+#ppt_w/2"/>
+                                          </p:val>
+                                        </p:tav>
+                                        <p:tav tm="100000">
+                                          <p:val>
+                                            <p:strVal val="#ppt_x"/>
+                                          </p:val>
+                                        </p:tav>
+                                      </p:tavLst>
+                                    </p:anim>
+                                    <p:anim calcmode="lin" valueType="num">
+                                      <p:cBhvr additive="base">
+                                        <p:cTn id="24" dur="500" fill="hold"/>
+                                        <p:tgtEl>
+                                          <p:spTgt spid="44"/>
+                                        </p:tgtEl>
+                                        <p:attrNameLst>
+                                          <p:attrName>ppt_y</p:attrName>
+                                        </p:attrNameLst>
+                                      </p:cBhvr>
+                                      <p:tavLst>
+                                        <p:tav tm="0">
+                                          <p:val>
+                                            <p:strVal val="#ppt_y"/>
+                                          </p:val>
+                                        </p:tav>
+                                        <p:tav tm="100000">
+                                          <p:val>
+                                            <p:strVal val="#ppt_y"/>
+                                          </p:val>
+                                        </p:tav>
+                                      </p:tavLst>
+                                    </p:anim>
+                                  </p:childTnLst>
+                                </p:cTn>
+                              </p:par>
+                              <p:par>
+                                <p:cTn id="25" presetID="2" presetClass="entr" presetSubtype="8" fill="hold" grpId="0" nodeType="withEffect">
+                                  <p:stCondLst>
+                                    <p:cond delay="0"/>
+                                  </p:stCondLst>
+                                  <p:childTnLst>
+                                    <p:set>
+                                      <p:cBhvr>
+                                        <p:cTn id="26" dur="1" fill="hold">
+                                          <p:stCondLst>
+                                            <p:cond delay="0"/>
+                                          </p:stCondLst>
+                                        </p:cTn>
+                                        <p:tgtEl>
+                                          <p:spTgt spid="38"/>
+                                        </p:tgtEl>
+                                        <p:attrNameLst>
+                                          <p:attrName>style.visibility</p:attrName>
+                                        </p:attrNameLst>
+                                      </p:cBhvr>
+                                      <p:to>
+                                        <p:strVal val="visible"/>
+                                      </p:to>
+                                    </p:set>
+                                    <p:anim calcmode="lin" valueType="num">
+                                      <p:cBhvr additive="base">
+                                        <p:cTn id="27" dur="500" fill="hold"/>
+                                        <p:tgtEl>
+                                          <p:spTgt spid="38"/>
+                                        </p:tgtEl>
+                                        <p:attrNameLst>
+                                          <p:attrName>ppt_x</p:attrName>
+                                        </p:attrNameLst>
+                                      </p:cBhvr>
+                                      <p:tavLst>
+                                        <p:tav tm="0">
+                                          <p:val>
+                                            <p:strVal val="0-#ppt_w/2"/>
+                                          </p:val>
+                                        </p:tav>
+                                        <p:tav tm="100000">
+                                          <p:val>
+                                            <p:strVal val="#ppt_x"/>
+                                          </p:val>
+                                        </p:tav>
+                                      </p:tavLst>
+                                    </p:anim>
+                                    <p:anim calcmode="lin" valueType="num">
+                                      <p:cBhvr additive="base">
+                                        <p:cTn id="28" dur="500" fill="hold"/>
+                                        <p:tgtEl>
+                                          <p:spTgt spid="38"/>
+                                        </p:tgtEl>
+                                        <p:attrNameLst>
+                                          <p:attrName>ppt_y</p:attrName>
+                                        </p:attrNameLst>
+                                      </p:cBhvr>
+                                      <p:tavLst>
+                                        <p:tav tm="0">
+                                          <p:val>
+                                            <p:strVal val="#ppt_y"/>
+                                          </p:val>
+                                        </p:tav>
+                                        <p:tav tm="100000">
+                                          <p:val>
+                                            <p:strVal val="#ppt_y"/>
+                                          </p:val>
+                                        </p:tav>
+                                      </p:tavLst>
+                                    </p:anim>
+                                  </p:childTnLst>
+                                </p:cTn>
+                              </p:par>
+                            </p:childTnLst>
+                          </p:cTn>
+                        </p:par>
+                      </p:childTnLst>
+                    </p:cTn>
+                  </p:par>
+                  <p:par>
+                    <p:cTn id="29" fill="hold">
+                      <p:stCondLst>
+                        <p:cond delay="indefinite"/>
+                      </p:stCondLst>
+                      <p:childTnLst>
+                        <p:par>
+                          <p:cTn id="30" fill="hold">
+                            <p:stCondLst>
+                              <p:cond delay="0"/>
+                            </p:stCondLst>
+                            <p:childTnLst>
+                              <p:par>
+                                <p:cTn id="31" presetID="2" presetClass="entr" presetSubtype="2" fill="hold" nodeType="clickEffect">
+                                  <p:stCondLst>
+                                    <p:cond delay="0"/>
+                                  </p:stCondLst>
+                                  <p:childTnLst>
+                                    <p:set>
+                                      <p:cBhvr>
+                                        <p:cTn id="32" dur="1" fill="hold">
+                                          <p:stCondLst>
+                                            <p:cond delay="0"/>
+                                          </p:stCondLst>
+                                        </p:cTn>
+                                        <p:tgtEl>
+                                          <p:spTgt spid="47"/>
+                                        </p:tgtEl>
+                                        <p:attrNameLst>
+                                          <p:attrName>style.visibility</p:attrName>
+                                        </p:attrNameLst>
+                                      </p:cBhvr>
+                                      <p:to>
+                                        <p:strVal val="visible"/>
+                                      </p:to>
+                                    </p:set>
+                                    <p:anim calcmode="lin" valueType="num">
+                                      <p:cBhvr additive="base">
+                                        <p:cTn id="33" dur="500" fill="hold"/>
+                                        <p:tgtEl>
+                                          <p:spTgt spid="47"/>
+                                        </p:tgtEl>
+                                        <p:attrNameLst>
+                                          <p:attrName>ppt_x</p:attrName>
+                                        </p:attrNameLst>
+                                      </p:cBhvr>
+                                      <p:tavLst>
+                                        <p:tav tm="0">
+                                          <p:val>
+                                            <p:strVal val="1+#ppt_w/2"/>
+                                          </p:val>
+                                        </p:tav>
+                                        <p:tav tm="100000">
+                                          <p:val>
+                                            <p:strVal val="#ppt_x"/>
+                                          </p:val>
+                                        </p:tav>
+                                      </p:tavLst>
+                                    </p:anim>
+                                    <p:anim calcmode="lin" valueType="num">
+                                      <p:cBhvr additive="base">
+                                        <p:cTn id="34" dur="500" fill="hold"/>
+                                        <p:tgtEl>
+                                          <p:spTgt spid="47"/>
+                                        </p:tgtEl>
+                                        <p:attrNameLst>
+                                          <p:attrName>ppt_y</p:attrName>
+                                        </p:attrNameLst>
+                                      </p:cBhvr>
+                                      <p:tavLst>
+                                        <p:tav tm="0">
+                                          <p:val>
+                                            <p:strVal val="#ppt_y"/>
+                                          </p:val>
+                                        </p:tav>
+                                        <p:tav tm="100000">
+                                          <p:val>
+                                            <p:strVal val="#ppt_y"/>
+                                          </p:val>
+                                        </p:tav>
+                                      </p:tavLst>
+                                    </p:anim>
+                                  </p:childTnLst>
+                                </p:cTn>
+                              </p:par>
+                              <p:par>
+                                <p:cTn id="35" presetID="2" presetClass="entr" presetSubtype="8" fill="hold" grpId="0" nodeType="withEffect">
+                                  <p:stCondLst>
+                                    <p:cond delay="0"/>
+                                  </p:stCondLst>
+                                  <p:childTnLst>
+                                    <p:set>
+                                      <p:cBhvr>
+                                        <p:cTn id="36" dur="1" fill="hold">
+                                          <p:stCondLst>
+                                            <p:cond delay="0"/>
+                                          </p:stCondLst>
+                                        </p:cTn>
+                                        <p:tgtEl>
+                                          <p:spTgt spid="39"/>
+                                        </p:tgtEl>
+                                        <p:attrNameLst>
+                                          <p:attrName>style.visibility</p:attrName>
+                                        </p:attrNameLst>
+                                      </p:cBhvr>
+                                      <p:to>
+                                        <p:strVal val="visible"/>
+                                      </p:to>
+                                    </p:set>
+                                    <p:anim calcmode="lin" valueType="num">
+                                      <p:cBhvr additive="base">
+                                        <p:cTn id="37" dur="500" fill="hold"/>
+                                        <p:tgtEl>
+                                          <p:spTgt spid="39"/>
+                                        </p:tgtEl>
+                                        <p:attrNameLst>
+                                          <p:attrName>ppt_x</p:attrName>
+                                        </p:attrNameLst>
+                                      </p:cBhvr>
+                                      <p:tavLst>
+                                        <p:tav tm="0">
+                                          <p:val>
+                                            <p:strVal val="0-#ppt_w/2"/>
+                                          </p:val>
+                                        </p:tav>
+                                        <p:tav tm="100000">
+                                          <p:val>
+                                            <p:strVal val="#ppt_x"/>
+                                          </p:val>
+                                        </p:tav>
+                                      </p:tavLst>
+                                    </p:anim>
+                                    <p:anim calcmode="lin" valueType="num">
+                                      <p:cBhvr additive="base">
+                                        <p:cTn id="38" dur="500" fill="hold"/>
+                                        <p:tgtEl>
+                                          <p:spTgt spid="39"/>
+                                        </p:tgtEl>
+                                        <p:attrNameLst>
+                                          <p:attrName>ppt_y</p:attrName>
+                                        </p:attrNameLst>
+                                      </p:cBhvr>
+                                      <p:tavLst>
+                                        <p:tav tm="0">
+                                          <p:val>
+                                            <p:strVal val="#ppt_y"/>
+                                          </p:val>
+                                        </p:tav>
+                                        <p:tav tm="100000">
+                                          <p:val>
+                                            <p:strVal val="#ppt_y"/>
+                                          </p:val>
+                                        </p:tav>
+                                      </p:tavLst>
+                                    </p:anim>
+                                  </p:childTnLst>
+                                </p:cTn>
+                              </p:par>
+                            </p:childTnLst>
+                          </p:cTn>
+                        </p:par>
+                      </p:childTnLst>
+                    </p:cTn>
+                  </p:par>
+                </p:childTnLst>
+              </p:cTn>
+              <p:prevCondLst>
+                <p:cond evt="onPrev" delay="0">
+                  <p:tgtEl>
+                    <p:sldTgt/>
+                  </p:tgtEl>
+                </p:cond>
+              </p:prevCondLst>
+              <p:nextCondLst>
+                <p:cond evt="onNext" delay="0">
+                  <p:tgtEl>
+                    <p:sldTgt/>
+                  </p:tgtEl>
+                </p:cond>
+              </p:nextCondLst>
+            </p:seq>
+          </p:childTnLst>
+        </p:cTn>
+      </p:par>
+    </p:tnLst>
+    <p:bldLst>
+      <p:bldP spid="37" grpId="0" animBg="1"/>
+      <p:bldP spid="38" grpId="0" animBg="1"/>
+    </p:bldLst>
+  </p:timing>
 </p:sld>
 </file>
 
@@ -12814,10 +16638,9 @@
           <a:bodyPr/>
           <a:lstStyle/>
           <a:p>
-            <a:pPr eaLnBrk="1" hangingPunct="1"/>
             <a:r>
               <a:rPr lang="pt-BR" dirty="0" smtClean="0"/>
-              <a:t>Projeto Final</a:t>
+              <a:t>Operações parametrizadas</a:t>
             </a:r>
             <a:endParaRPr lang="pt-BR" dirty="0"/>
           </a:p>
@@ -12833,12 +16656,409 @@
             <p:ph idx="1"/>
           </p:nvPr>
         </p:nvSpPr>
-        <p:spPr/>
+        <p:spPr>
+          <a:xfrm>
+            <a:off x="457200" y="1600200"/>
+            <a:ext cx="8147248" cy="4525963"/>
+          </a:xfrm>
+        </p:spPr>
         <p:txBody>
           <a:bodyPr/>
           <a:lstStyle/>
           <a:p>
-            <a:endParaRPr lang="pt-BR"/>
+            <a:r>
+              <a:rPr lang="pt-BR" dirty="0" smtClean="0"/>
+              <a:t>A interface </a:t>
+            </a:r>
+            <a:r>
+              <a:rPr lang="pt-BR" u="sng" dirty="0" err="1" smtClean="0"/>
+              <a:t>PreparedStatement</a:t>
+            </a:r>
+            <a:endParaRPr lang="pt-BR" u="sng" dirty="0" smtClean="0"/>
+          </a:p>
+          <a:p>
+            <a:pPr lvl="1"/>
+            <a:r>
+              <a:rPr lang="pt-BR" dirty="0" smtClean="0"/>
+              <a:t>Exemplo 2</a:t>
+            </a:r>
+            <a:endParaRPr lang="pt-BR" dirty="0" smtClean="0"/>
+          </a:p>
+          <a:p>
+            <a:pPr marL="0" lvl="1" indent="0">
+              <a:spcBef>
+                <a:spcPts val="0"/>
+              </a:spcBef>
+              <a:buNone/>
+            </a:pPr>
+            <a:endParaRPr lang="pt-BR" sz="2000" dirty="0" smtClean="0"/>
+          </a:p>
+          <a:p>
+            <a:pPr marL="0" lvl="1" indent="0">
+              <a:spcBef>
+                <a:spcPts val="0"/>
+              </a:spcBef>
+              <a:buNone/>
+            </a:pPr>
+            <a:endParaRPr lang="pt-BR" sz="2000" dirty="0" smtClean="0">
+              <a:solidFill>
+                <a:srgbClr val="FFC000"/>
+              </a:solidFill>
+            </a:endParaRPr>
+          </a:p>
+          <a:p>
+            <a:pPr marL="0" lvl="1" indent="0">
+              <a:spcBef>
+                <a:spcPts val="0"/>
+              </a:spcBef>
+              <a:buNone/>
+            </a:pPr>
+            <a:r>
+              <a:rPr lang="pt-BR" sz="2000" dirty="0" err="1" smtClean="0">
+                <a:solidFill>
+                  <a:srgbClr val="FFC000"/>
+                </a:solidFill>
+              </a:rPr>
+              <a:t>PreparedStatement</a:t>
+            </a:r>
+            <a:r>
+              <a:rPr lang="pt-BR" sz="2000" dirty="0" smtClean="0">
+                <a:solidFill>
+                  <a:srgbClr val="FFC000"/>
+                </a:solidFill>
+              </a:rPr>
+              <a:t> </a:t>
+            </a:r>
+            <a:r>
+              <a:rPr lang="pt-BR" sz="2000" dirty="0" err="1" smtClean="0">
+                <a:solidFill>
+                  <a:srgbClr val="FFC000"/>
+                </a:solidFill>
+              </a:rPr>
+              <a:t>ps</a:t>
+            </a:r>
+            <a:r>
+              <a:rPr lang="pt-BR" sz="2000" dirty="0" smtClean="0">
+                <a:solidFill>
+                  <a:srgbClr val="FFC000"/>
+                </a:solidFill>
+              </a:rPr>
+              <a:t> </a:t>
+            </a:r>
+            <a:r>
+              <a:rPr lang="pt-BR" sz="2000" dirty="0" smtClean="0">
+                <a:solidFill>
+                  <a:srgbClr val="FFC000"/>
+                </a:solidFill>
+              </a:rPr>
+              <a:t>= </a:t>
+            </a:r>
+            <a:r>
+              <a:rPr lang="pt-BR" sz="2000" dirty="0" err="1" smtClean="0">
+                <a:solidFill>
+                  <a:srgbClr val="FFC000"/>
+                </a:solidFill>
+              </a:rPr>
+              <a:t>cn</a:t>
+            </a:r>
+            <a:r>
+              <a:rPr lang="pt-BR" sz="2000" dirty="0" smtClean="0">
+                <a:solidFill>
+                  <a:srgbClr val="FFC000"/>
+                </a:solidFill>
+              </a:rPr>
+              <a:t>.</a:t>
+            </a:r>
+            <a:r>
+              <a:rPr lang="pt-BR" sz="2000" u="sng" dirty="0" err="1" smtClean="0">
+                <a:solidFill>
+                  <a:srgbClr val="FFC000"/>
+                </a:solidFill>
+              </a:rPr>
+              <a:t>prepareStatement</a:t>
+            </a:r>
+            <a:r>
+              <a:rPr lang="pt-BR" sz="2000" dirty="0" smtClean="0">
+                <a:solidFill>
+                  <a:srgbClr val="FFC000"/>
+                </a:solidFill>
+              </a:rPr>
+              <a:t>(</a:t>
+            </a:r>
+          </a:p>
+          <a:p>
+            <a:pPr marL="0" lvl="1" indent="0" algn="r">
+              <a:spcBef>
+                <a:spcPts val="0"/>
+              </a:spcBef>
+              <a:buNone/>
+            </a:pPr>
+            <a:r>
+              <a:rPr lang="pt-BR" sz="2000" dirty="0" smtClean="0">
+                <a:solidFill>
+                  <a:srgbClr val="FFC000"/>
+                </a:solidFill>
+              </a:rPr>
+              <a:t>“</a:t>
+            </a:r>
+            <a:r>
+              <a:rPr lang="pt-BR" sz="2000" dirty="0" smtClean="0"/>
+              <a:t>UPDATE </a:t>
+            </a:r>
+            <a:r>
+              <a:rPr lang="pt-BR" sz="2000" dirty="0" err="1" smtClean="0"/>
+              <a:t>tab_func</a:t>
+            </a:r>
+            <a:r>
+              <a:rPr lang="pt-BR" sz="2000" dirty="0" smtClean="0"/>
+              <a:t> SET </a:t>
+            </a:r>
+            <a:r>
+              <a:rPr lang="pt-BR" sz="2000" dirty="0" err="1" smtClean="0"/>
+              <a:t>salario</a:t>
+            </a:r>
+            <a:r>
+              <a:rPr lang="pt-BR" sz="2000" dirty="0" smtClean="0"/>
+              <a:t> = </a:t>
+            </a:r>
+            <a:r>
+              <a:rPr lang="pt-BR" sz="2000" b="1" dirty="0" smtClean="0"/>
+              <a:t>?</a:t>
+            </a:r>
+            <a:r>
+              <a:rPr lang="pt-BR" sz="2000" dirty="0" smtClean="0"/>
+              <a:t> WHERE matricula = ?</a:t>
+            </a:r>
+            <a:r>
+              <a:rPr lang="pt-BR" sz="2000" dirty="0" smtClean="0">
+                <a:solidFill>
+                  <a:srgbClr val="FFC000"/>
+                </a:solidFill>
+              </a:rPr>
+              <a:t>”);</a:t>
+            </a:r>
+            <a:endParaRPr lang="pt-BR" sz="2000" dirty="0" smtClean="0">
+              <a:solidFill>
+                <a:srgbClr val="FFC000"/>
+              </a:solidFill>
+            </a:endParaRPr>
+          </a:p>
+          <a:p>
+            <a:pPr marL="0" lvl="1" indent="0">
+              <a:spcBef>
+                <a:spcPts val="0"/>
+              </a:spcBef>
+              <a:buNone/>
+            </a:pPr>
+            <a:endParaRPr lang="pt-BR" sz="2000" dirty="0" smtClean="0">
+              <a:solidFill>
+                <a:srgbClr val="FFC000"/>
+              </a:solidFill>
+            </a:endParaRPr>
+          </a:p>
+          <a:p>
+            <a:pPr marL="0" lvl="1" indent="0">
+              <a:spcBef>
+                <a:spcPts val="0"/>
+              </a:spcBef>
+              <a:buNone/>
+            </a:pPr>
+            <a:r>
+              <a:rPr lang="pt-BR" sz="2000" dirty="0" err="1" smtClean="0">
+                <a:solidFill>
+                  <a:srgbClr val="FFC000"/>
+                </a:solidFill>
+              </a:rPr>
+              <a:t>ps.</a:t>
+            </a:r>
+            <a:r>
+              <a:rPr lang="pt-BR" sz="2000" u="sng" dirty="0" err="1" smtClean="0">
+                <a:solidFill>
+                  <a:srgbClr val="FFC000"/>
+                </a:solidFill>
+              </a:rPr>
+              <a:t>setDouble</a:t>
+            </a:r>
+            <a:r>
+              <a:rPr lang="pt-BR" sz="2000" dirty="0" smtClean="0">
+                <a:solidFill>
+                  <a:srgbClr val="FFC000"/>
+                </a:solidFill>
+              </a:rPr>
+              <a:t>(</a:t>
+            </a:r>
+            <a:r>
+              <a:rPr lang="pt-BR" sz="2000" dirty="0" smtClean="0"/>
+              <a:t>1</a:t>
+            </a:r>
+            <a:r>
+              <a:rPr lang="pt-BR" sz="2000" dirty="0" smtClean="0">
+                <a:solidFill>
+                  <a:srgbClr val="FFC000"/>
+                </a:solidFill>
+              </a:rPr>
+              <a:t>,</a:t>
+            </a:r>
+            <a:r>
+              <a:rPr lang="pt-BR" sz="2000" dirty="0" smtClean="0"/>
+              <a:t> 3200.45</a:t>
+            </a:r>
+            <a:r>
+              <a:rPr lang="pt-BR" sz="2000" dirty="0" smtClean="0">
+                <a:solidFill>
+                  <a:srgbClr val="FFC000"/>
+                </a:solidFill>
+              </a:rPr>
+              <a:t>);</a:t>
+            </a:r>
+            <a:endParaRPr lang="pt-BR" sz="2000" dirty="0" smtClean="0">
+              <a:solidFill>
+                <a:srgbClr val="FFC000"/>
+              </a:solidFill>
+            </a:endParaRPr>
+          </a:p>
+          <a:p>
+            <a:pPr marL="0" lvl="1" indent="0">
+              <a:spcBef>
+                <a:spcPts val="0"/>
+              </a:spcBef>
+              <a:buNone/>
+            </a:pPr>
+            <a:r>
+              <a:rPr lang="pt-BR" sz="2000" dirty="0" err="1" smtClean="0">
+                <a:solidFill>
+                  <a:srgbClr val="FFC000"/>
+                </a:solidFill>
+              </a:rPr>
+              <a:t>ps.</a:t>
+            </a:r>
+            <a:r>
+              <a:rPr lang="pt-BR" sz="2000" u="sng" dirty="0" err="1" smtClean="0">
+                <a:solidFill>
+                  <a:srgbClr val="FFC000"/>
+                </a:solidFill>
+              </a:rPr>
+              <a:t>setInt</a:t>
+            </a:r>
+            <a:r>
+              <a:rPr lang="pt-BR" sz="2000" dirty="0" smtClean="0">
+                <a:solidFill>
+                  <a:srgbClr val="FFC000"/>
+                </a:solidFill>
+              </a:rPr>
+              <a:t>(</a:t>
+            </a:r>
+            <a:r>
+              <a:rPr lang="pt-BR" sz="2000" dirty="0" smtClean="0"/>
+              <a:t>2</a:t>
+            </a:r>
+            <a:r>
+              <a:rPr lang="pt-BR" sz="2000" dirty="0" smtClean="0">
+                <a:solidFill>
+                  <a:srgbClr val="FFC000"/>
+                </a:solidFill>
+              </a:rPr>
+              <a:t>,</a:t>
+            </a:r>
+            <a:r>
+              <a:rPr lang="pt-BR" sz="2000" dirty="0" smtClean="0"/>
+              <a:t> 1001</a:t>
+            </a:r>
+            <a:r>
+              <a:rPr lang="pt-BR" sz="2000" dirty="0" smtClean="0">
+                <a:solidFill>
+                  <a:srgbClr val="FFC000"/>
+                </a:solidFill>
+              </a:rPr>
+              <a:t>);</a:t>
+            </a:r>
+            <a:endParaRPr lang="pt-BR" sz="2000" dirty="0" smtClean="0">
+              <a:solidFill>
+                <a:srgbClr val="FFC000"/>
+              </a:solidFill>
+            </a:endParaRPr>
+          </a:p>
+          <a:p>
+            <a:pPr marL="0" lvl="1" indent="0">
+              <a:spcBef>
+                <a:spcPts val="0"/>
+              </a:spcBef>
+              <a:buNone/>
+            </a:pPr>
+            <a:r>
+              <a:rPr lang="pt-BR" sz="2000" dirty="0" err="1" smtClean="0">
+                <a:solidFill>
+                  <a:srgbClr val="FFC000"/>
+                </a:solidFill>
+              </a:rPr>
+              <a:t>ps.</a:t>
+            </a:r>
+            <a:r>
+              <a:rPr lang="pt-BR" sz="2000" u="sng" dirty="0" err="1" smtClean="0">
+                <a:solidFill>
+                  <a:srgbClr val="FFC000"/>
+                </a:solidFill>
+              </a:rPr>
+              <a:t>executeUpdate</a:t>
+            </a:r>
+            <a:r>
+              <a:rPr lang="pt-BR" sz="2000" dirty="0" smtClean="0">
+                <a:solidFill>
+                  <a:srgbClr val="FFC000"/>
+                </a:solidFill>
+              </a:rPr>
+              <a:t>();</a:t>
+            </a:r>
+            <a:endParaRPr lang="pt-BR" sz="2000" dirty="0" smtClean="0">
+              <a:solidFill>
+                <a:srgbClr val="FFC000"/>
+              </a:solidFill>
+            </a:endParaRPr>
+          </a:p>
+          <a:p>
+            <a:pPr marL="0" lvl="1" indent="0">
+              <a:spcBef>
+                <a:spcPts val="0"/>
+              </a:spcBef>
+              <a:buNone/>
+            </a:pPr>
+            <a:endParaRPr lang="pt-BR" sz="2000" dirty="0" smtClean="0">
+              <a:solidFill>
+                <a:srgbClr val="FFC000"/>
+              </a:solidFill>
+            </a:endParaRPr>
+          </a:p>
+          <a:p>
+            <a:pPr marL="0" lvl="1" indent="0">
+              <a:spcBef>
+                <a:spcPts val="0"/>
+              </a:spcBef>
+              <a:buNone/>
+            </a:pPr>
+            <a:r>
+              <a:rPr lang="pt-BR" sz="2000" dirty="0" err="1" smtClean="0">
+                <a:solidFill>
+                  <a:srgbClr val="FFC000"/>
+                </a:solidFill>
+              </a:rPr>
+              <a:t>ps.</a:t>
+            </a:r>
+            <a:r>
+              <a:rPr lang="pt-BR" sz="2000" u="sng" dirty="0" err="1" smtClean="0">
+                <a:solidFill>
+                  <a:srgbClr val="FFC000"/>
+                </a:solidFill>
+              </a:rPr>
+              <a:t>close</a:t>
+            </a:r>
+            <a:r>
+              <a:rPr lang="pt-BR" sz="2000" dirty="0" smtClean="0">
+                <a:solidFill>
+                  <a:srgbClr val="FFC000"/>
+                </a:solidFill>
+              </a:rPr>
+              <a:t>();</a:t>
+            </a:r>
           </a:p>
         </p:txBody>
       </p:sp>
@@ -12871,11 +17091,1217 @@
           </a:p>
         </p:txBody>
       </p:sp>
+      <p:grpSp>
+        <p:nvGrpSpPr>
+          <p:cNvPr id="11" name="Grupo 9"/>
+          <p:cNvGrpSpPr/>
+          <p:nvPr/>
+        </p:nvGrpSpPr>
+        <p:grpSpPr>
+          <a:xfrm>
+            <a:off x="3347490" y="2348880"/>
+            <a:ext cx="4104830" cy="1152128"/>
+            <a:chOff x="2267744" y="2924944"/>
+            <a:chExt cx="4104830" cy="1152128"/>
+          </a:xfrm>
+        </p:grpSpPr>
+        <p:sp>
+          <p:nvSpPr>
+            <p:cNvPr id="12" name="Rectangle 7"/>
+            <p:cNvSpPr>
+              <a:spLocks noChangeArrowheads="1"/>
+            </p:cNvSpPr>
+            <p:nvPr/>
+          </p:nvSpPr>
+          <p:spPr bwMode="auto">
+            <a:xfrm>
+              <a:off x="2267744" y="3789039"/>
+              <a:ext cx="288406" cy="288033"/>
+            </a:xfrm>
+            <a:prstGeom prst="rect">
+              <a:avLst/>
+            </a:prstGeom>
+            <a:noFill/>
+            <a:ln w="28575">
+              <a:solidFill>
+                <a:srgbClr val="FFC000"/>
+              </a:solidFill>
+              <a:prstDash val="sysDot"/>
+              <a:miter lim="800000"/>
+              <a:headEnd/>
+              <a:tailEnd/>
+            </a:ln>
+          </p:spPr>
+          <p:txBody>
+            <a:bodyPr wrap="none" anchor="ctr"/>
+            <a:lstStyle/>
+            <a:p>
+              <a:endParaRPr lang="pt-BR"/>
+            </a:p>
+          </p:txBody>
+        </p:sp>
+        <p:sp>
+          <p:nvSpPr>
+            <p:cNvPr id="13" name="CaixaDeTexto 12"/>
+            <p:cNvSpPr txBox="1"/>
+            <p:nvPr/>
+          </p:nvSpPr>
+          <p:spPr bwMode="auto">
+            <a:xfrm>
+              <a:off x="3851921" y="2924944"/>
+              <a:ext cx="2520653" cy="584775"/>
+            </a:xfrm>
+            <a:prstGeom prst="rect">
+              <a:avLst/>
+            </a:prstGeom>
+            <a:noFill/>
+            <a:ln w="28575">
+              <a:solidFill>
+                <a:schemeClr val="tx1"/>
+              </a:solidFill>
+            </a:ln>
+          </p:spPr>
+          <p:txBody>
+            <a:bodyPr wrap="square">
+              <a:spAutoFit/>
+            </a:bodyPr>
+            <a:lstStyle/>
+            <a:p>
+              <a:pPr algn="ctr">
+                <a:defRPr/>
+              </a:pPr>
+              <a:r>
+                <a:rPr lang="pt-BR" sz="1600" dirty="0" smtClean="0">
+                  <a:latin typeface="+mn-lt"/>
+                </a:rPr>
+                <a:t>Conexão utilizada no acesso à base de dados</a:t>
+              </a:r>
+              <a:endParaRPr lang="pt-BR" sz="1600" dirty="0">
+                <a:latin typeface="+mn-lt"/>
+              </a:endParaRPr>
+            </a:p>
+          </p:txBody>
+        </p:sp>
+        <p:grpSp>
+          <p:nvGrpSpPr>
+            <p:cNvPr id="14" name="Grupo 19"/>
+            <p:cNvGrpSpPr>
+              <a:grpSpLocks/>
+            </p:cNvGrpSpPr>
+            <p:nvPr/>
+          </p:nvGrpSpPr>
+          <p:grpSpPr bwMode="auto">
+            <a:xfrm flipV="1">
+              <a:off x="2411760" y="3212978"/>
+              <a:ext cx="1438996" cy="504057"/>
+              <a:chOff x="-1194748" y="3856739"/>
+              <a:chExt cx="1441590" cy="505645"/>
+            </a:xfrm>
+          </p:grpSpPr>
+          <p:cxnSp>
+            <p:nvCxnSpPr>
+              <p:cNvPr id="15" name="Conector de seta reta 14"/>
+              <p:cNvCxnSpPr>
+                <a:cxnSpLocks noChangeShapeType="1"/>
+              </p:cNvCxnSpPr>
+              <p:nvPr/>
+            </p:nvCxnSpPr>
+            <p:spPr bwMode="auto">
+              <a:xfrm flipV="1">
+                <a:off x="-1194748" y="3856739"/>
+                <a:ext cx="375" cy="505644"/>
+              </a:xfrm>
+              <a:prstGeom prst="straightConnector1">
+                <a:avLst/>
+              </a:prstGeom>
+              <a:noFill/>
+              <a:ln w="31750" algn="ctr">
+                <a:solidFill>
+                  <a:schemeClr val="tx1"/>
+                </a:solidFill>
+                <a:round/>
+                <a:headEnd/>
+                <a:tailEnd type="arrow" w="med" len="med"/>
+              </a:ln>
+            </p:spPr>
+          </p:cxnSp>
+          <p:cxnSp>
+            <p:nvCxnSpPr>
+              <p:cNvPr id="16" name="Conector de seta reta 15"/>
+              <p:cNvCxnSpPr>
+                <a:cxnSpLocks noChangeShapeType="1"/>
+              </p:cNvCxnSpPr>
+              <p:nvPr/>
+            </p:nvCxnSpPr>
+            <p:spPr bwMode="auto">
+              <a:xfrm flipH="1" flipV="1">
+                <a:off x="-1194748" y="4362383"/>
+                <a:ext cx="1441590" cy="1"/>
+              </a:xfrm>
+              <a:prstGeom prst="straightConnector1">
+                <a:avLst/>
+              </a:prstGeom>
+              <a:noFill/>
+              <a:ln w="31750" algn="ctr">
+                <a:solidFill>
+                  <a:schemeClr val="tx1"/>
+                </a:solidFill>
+                <a:round/>
+                <a:headEnd/>
+                <a:tailEnd/>
+              </a:ln>
+            </p:spPr>
+          </p:cxnSp>
+        </p:grpSp>
+      </p:grpSp>
+      <p:sp>
+        <p:nvSpPr>
+          <p:cNvPr id="17" name="Retângulo de cantos arredondados 16"/>
+          <p:cNvSpPr/>
+          <p:nvPr/>
+        </p:nvSpPr>
+        <p:spPr>
+          <a:xfrm>
+            <a:off x="1979712" y="4115743"/>
+            <a:ext cx="360040" cy="288032"/>
+          </a:xfrm>
+          <a:prstGeom prst="roundRect">
+            <a:avLst/>
+          </a:prstGeom>
+          <a:noFill/>
+          <a:ln w="28575">
+            <a:solidFill>
+              <a:schemeClr val="tx1"/>
+            </a:solidFill>
+          </a:ln>
+        </p:spPr>
+        <p:style>
+          <a:lnRef idx="2">
+            <a:schemeClr val="accent1">
+              <a:shade val="50000"/>
+            </a:schemeClr>
+          </a:lnRef>
+          <a:fillRef idx="1">
+            <a:schemeClr val="accent1"/>
+          </a:fillRef>
+          <a:effectRef idx="0">
+            <a:schemeClr val="accent1"/>
+          </a:effectRef>
+          <a:fontRef idx="minor">
+            <a:schemeClr val="lt1"/>
+          </a:fontRef>
+        </p:style>
+        <p:txBody>
+          <a:bodyPr rtlCol="0" anchor="ctr"/>
+          <a:lstStyle/>
+          <a:p>
+            <a:pPr algn="ctr"/>
+            <a:endParaRPr lang="pt-BR"/>
+          </a:p>
+        </p:txBody>
+      </p:sp>
+      <p:sp>
+        <p:nvSpPr>
+          <p:cNvPr id="18" name="Retângulo de cantos arredondados 17"/>
+          <p:cNvSpPr/>
+          <p:nvPr/>
+        </p:nvSpPr>
+        <p:spPr>
+          <a:xfrm>
+            <a:off x="1475656" y="4437112"/>
+            <a:ext cx="360040" cy="288032"/>
+          </a:xfrm>
+          <a:prstGeom prst="roundRect">
+            <a:avLst/>
+          </a:prstGeom>
+          <a:noFill/>
+          <a:ln w="28575">
+            <a:solidFill>
+              <a:schemeClr val="tx1"/>
+            </a:solidFill>
+          </a:ln>
+        </p:spPr>
+        <p:style>
+          <a:lnRef idx="2">
+            <a:schemeClr val="accent1">
+              <a:shade val="50000"/>
+            </a:schemeClr>
+          </a:lnRef>
+          <a:fillRef idx="1">
+            <a:schemeClr val="accent1"/>
+          </a:fillRef>
+          <a:effectRef idx="0">
+            <a:schemeClr val="accent1"/>
+          </a:effectRef>
+          <a:fontRef idx="minor">
+            <a:schemeClr val="lt1"/>
+          </a:fontRef>
+        </p:style>
+        <p:txBody>
+          <a:bodyPr rtlCol="0" anchor="ctr"/>
+          <a:lstStyle/>
+          <a:p>
+            <a:pPr algn="ctr"/>
+            <a:endParaRPr lang="pt-BR"/>
+          </a:p>
+        </p:txBody>
+      </p:sp>
+      <p:grpSp>
+        <p:nvGrpSpPr>
+          <p:cNvPr id="19" name="Grupo 18"/>
+          <p:cNvGrpSpPr/>
+          <p:nvPr/>
+        </p:nvGrpSpPr>
+        <p:grpSpPr>
+          <a:xfrm>
+            <a:off x="5508104" y="3861048"/>
+            <a:ext cx="288032" cy="720080"/>
+            <a:chOff x="7380312" y="3861048"/>
+            <a:chExt cx="288032" cy="720080"/>
+          </a:xfrm>
+        </p:grpSpPr>
+        <p:cxnSp>
+          <p:nvCxnSpPr>
+            <p:cNvPr id="20" name="Conector de seta reta 19"/>
+            <p:cNvCxnSpPr>
+              <a:cxnSpLocks noChangeShapeType="1"/>
+              <a:stCxn id="21" idx="0"/>
+            </p:cNvCxnSpPr>
+            <p:nvPr/>
+          </p:nvCxnSpPr>
+          <p:spPr bwMode="auto">
+            <a:xfrm flipH="1" flipV="1">
+              <a:off x="7524327" y="3861048"/>
+              <a:ext cx="1" cy="360040"/>
+            </a:xfrm>
+            <a:prstGeom prst="straightConnector1">
+              <a:avLst/>
+            </a:prstGeom>
+            <a:noFill/>
+            <a:ln w="31750" algn="ctr">
+              <a:solidFill>
+                <a:schemeClr val="tx1"/>
+              </a:solidFill>
+              <a:round/>
+              <a:headEnd/>
+              <a:tailEnd type="arrow" w="med" len="med"/>
+            </a:ln>
+          </p:spPr>
+        </p:cxnSp>
+        <p:sp>
+          <p:nvSpPr>
+            <p:cNvPr id="21" name="Retângulo de cantos arredondados 20"/>
+            <p:cNvSpPr/>
+            <p:nvPr/>
+          </p:nvSpPr>
+          <p:spPr>
+            <a:xfrm>
+              <a:off x="7380312" y="4221088"/>
+              <a:ext cx="288032" cy="360040"/>
+            </a:xfrm>
+            <a:prstGeom prst="roundRect">
+              <a:avLst/>
+            </a:prstGeom>
+            <a:noFill/>
+            <a:ln w="28575">
+              <a:solidFill>
+                <a:schemeClr val="tx1"/>
+              </a:solidFill>
+            </a:ln>
+          </p:spPr>
+          <p:style>
+            <a:lnRef idx="2">
+              <a:schemeClr val="accent1">
+                <a:shade val="50000"/>
+              </a:schemeClr>
+            </a:lnRef>
+            <a:fillRef idx="1">
+              <a:schemeClr val="accent1"/>
+            </a:fillRef>
+            <a:effectRef idx="0">
+              <a:schemeClr val="accent1"/>
+            </a:effectRef>
+            <a:fontRef idx="minor">
+              <a:schemeClr val="lt1"/>
+            </a:fontRef>
+          </p:style>
+          <p:txBody>
+            <a:bodyPr rtlCol="0" anchor="ctr"/>
+            <a:lstStyle/>
+            <a:p>
+              <a:pPr algn="ctr"/>
+              <a:r>
+                <a:rPr lang="pt-BR" dirty="0" smtClean="0"/>
+                <a:t>1</a:t>
+              </a:r>
+              <a:endParaRPr lang="pt-BR" dirty="0"/>
+            </a:p>
+          </p:txBody>
+        </p:sp>
+      </p:grpSp>
+      <p:grpSp>
+        <p:nvGrpSpPr>
+          <p:cNvPr id="22" name="Grupo 21"/>
+          <p:cNvGrpSpPr/>
+          <p:nvPr/>
+        </p:nvGrpSpPr>
+        <p:grpSpPr>
+          <a:xfrm>
+            <a:off x="8028384" y="3861048"/>
+            <a:ext cx="288032" cy="1224136"/>
+            <a:chOff x="7380312" y="3356992"/>
+            <a:chExt cx="288032" cy="1224136"/>
+          </a:xfrm>
+        </p:grpSpPr>
+        <p:cxnSp>
+          <p:nvCxnSpPr>
+            <p:cNvPr id="23" name="Conector de seta reta 22"/>
+            <p:cNvCxnSpPr>
+              <a:cxnSpLocks noChangeShapeType="1"/>
+              <a:stCxn id="24" idx="0"/>
+            </p:cNvCxnSpPr>
+            <p:nvPr/>
+          </p:nvCxnSpPr>
+          <p:spPr bwMode="auto">
+            <a:xfrm flipV="1">
+              <a:off x="7524328" y="3356992"/>
+              <a:ext cx="0" cy="864096"/>
+            </a:xfrm>
+            <a:prstGeom prst="straightConnector1">
+              <a:avLst/>
+            </a:prstGeom>
+            <a:noFill/>
+            <a:ln w="31750" algn="ctr">
+              <a:solidFill>
+                <a:schemeClr val="tx1"/>
+              </a:solidFill>
+              <a:round/>
+              <a:headEnd/>
+              <a:tailEnd type="arrow" w="med" len="med"/>
+            </a:ln>
+          </p:spPr>
+        </p:cxnSp>
+        <p:sp>
+          <p:nvSpPr>
+            <p:cNvPr id="24" name="Retângulo de cantos arredondados 23"/>
+            <p:cNvSpPr/>
+            <p:nvPr/>
+          </p:nvSpPr>
+          <p:spPr>
+            <a:xfrm>
+              <a:off x="7380312" y="4221088"/>
+              <a:ext cx="288032" cy="360040"/>
+            </a:xfrm>
+            <a:prstGeom prst="roundRect">
+              <a:avLst/>
+            </a:prstGeom>
+            <a:noFill/>
+            <a:ln w="28575">
+              <a:solidFill>
+                <a:schemeClr val="tx1"/>
+              </a:solidFill>
+            </a:ln>
+          </p:spPr>
+          <p:style>
+            <a:lnRef idx="2">
+              <a:schemeClr val="accent1">
+                <a:shade val="50000"/>
+              </a:schemeClr>
+            </a:lnRef>
+            <a:fillRef idx="1">
+              <a:schemeClr val="accent1"/>
+            </a:fillRef>
+            <a:effectRef idx="0">
+              <a:schemeClr val="accent1"/>
+            </a:effectRef>
+            <a:fontRef idx="minor">
+              <a:schemeClr val="lt1"/>
+            </a:fontRef>
+          </p:style>
+          <p:txBody>
+            <a:bodyPr rtlCol="0" anchor="ctr"/>
+            <a:lstStyle/>
+            <a:p>
+              <a:pPr algn="ctr"/>
+              <a:r>
+                <a:rPr lang="pt-BR" dirty="0" smtClean="0"/>
+                <a:t>2</a:t>
+              </a:r>
+              <a:endParaRPr lang="pt-BR" dirty="0"/>
+            </a:p>
+          </p:txBody>
+        </p:sp>
+      </p:grpSp>
     </p:spTree>
   </p:cSld>
   <p:clrMapOvr>
     <a:masterClrMapping/>
   </p:clrMapOvr>
+  <p:timing>
+    <p:tnLst>
+      <p:par>
+        <p:cTn id="1" dur="indefinite" restart="never" nodeType="tmRoot">
+          <p:childTnLst>
+            <p:seq concurrent="1" nextAc="seek">
+              <p:cTn id="2" dur="indefinite" nodeType="mainSeq">
+                <p:childTnLst>
+                  <p:par>
+                    <p:cTn id="3" fill="hold">
+                      <p:stCondLst>
+                        <p:cond delay="indefinite"/>
+                      </p:stCondLst>
+                      <p:childTnLst>
+                        <p:par>
+                          <p:cTn id="4" fill="hold">
+                            <p:stCondLst>
+                              <p:cond delay="0"/>
+                            </p:stCondLst>
+                            <p:childTnLst>
+                              <p:par>
+                                <p:cTn id="5" presetID="2" presetClass="entr" presetSubtype="2" fill="hold" nodeType="clickEffect">
+                                  <p:stCondLst>
+                                    <p:cond delay="0"/>
+                                  </p:stCondLst>
+                                  <p:childTnLst>
+                                    <p:set>
+                                      <p:cBhvr>
+                                        <p:cTn id="6" dur="1" fill="hold">
+                                          <p:stCondLst>
+                                            <p:cond delay="0"/>
+                                          </p:stCondLst>
+                                        </p:cTn>
+                                        <p:tgtEl>
+                                          <p:spTgt spid="11"/>
+                                        </p:tgtEl>
+                                        <p:attrNameLst>
+                                          <p:attrName>style.visibility</p:attrName>
+                                        </p:attrNameLst>
+                                      </p:cBhvr>
+                                      <p:to>
+                                        <p:strVal val="visible"/>
+                                      </p:to>
+                                    </p:set>
+                                    <p:anim calcmode="lin" valueType="num">
+                                      <p:cBhvr additive="base">
+                                        <p:cTn id="7" dur="500" fill="hold"/>
+                                        <p:tgtEl>
+                                          <p:spTgt spid="11"/>
+                                        </p:tgtEl>
+                                        <p:attrNameLst>
+                                          <p:attrName>ppt_x</p:attrName>
+                                        </p:attrNameLst>
+                                      </p:cBhvr>
+                                      <p:tavLst>
+                                        <p:tav tm="0">
+                                          <p:val>
+                                            <p:strVal val="1+#ppt_w/2"/>
+                                          </p:val>
+                                        </p:tav>
+                                        <p:tav tm="100000">
+                                          <p:val>
+                                            <p:strVal val="#ppt_x"/>
+                                          </p:val>
+                                        </p:tav>
+                                      </p:tavLst>
+                                    </p:anim>
+                                    <p:anim calcmode="lin" valueType="num">
+                                      <p:cBhvr additive="base">
+                                        <p:cTn id="8" dur="500" fill="hold"/>
+                                        <p:tgtEl>
+                                          <p:spTgt spid="11"/>
+                                        </p:tgtEl>
+                                        <p:attrNameLst>
+                                          <p:attrName>ppt_y</p:attrName>
+                                        </p:attrNameLst>
+                                      </p:cBhvr>
+                                      <p:tavLst>
+                                        <p:tav tm="0">
+                                          <p:val>
+                                            <p:strVal val="#ppt_y"/>
+                                          </p:val>
+                                        </p:tav>
+                                        <p:tav tm="100000">
+                                          <p:val>
+                                            <p:strVal val="#ppt_y"/>
+                                          </p:val>
+                                        </p:tav>
+                                      </p:tavLst>
+                                    </p:anim>
+                                  </p:childTnLst>
+                                </p:cTn>
+                              </p:par>
+                            </p:childTnLst>
+                          </p:cTn>
+                        </p:par>
+                      </p:childTnLst>
+                    </p:cTn>
+                  </p:par>
+                  <p:par>
+                    <p:cTn id="9" fill="hold">
+                      <p:stCondLst>
+                        <p:cond delay="indefinite"/>
+                      </p:stCondLst>
+                      <p:childTnLst>
+                        <p:par>
+                          <p:cTn id="10" fill="hold">
+                            <p:stCondLst>
+                              <p:cond delay="0"/>
+                            </p:stCondLst>
+                            <p:childTnLst>
+                              <p:par>
+                                <p:cTn id="11" presetID="2" presetClass="entr" presetSubtype="2" fill="hold" nodeType="clickEffect">
+                                  <p:stCondLst>
+                                    <p:cond delay="0"/>
+                                  </p:stCondLst>
+                                  <p:childTnLst>
+                                    <p:set>
+                                      <p:cBhvr>
+                                        <p:cTn id="12" dur="1" fill="hold">
+                                          <p:stCondLst>
+                                            <p:cond delay="0"/>
+                                          </p:stCondLst>
+                                        </p:cTn>
+                                        <p:tgtEl>
+                                          <p:spTgt spid="19"/>
+                                        </p:tgtEl>
+                                        <p:attrNameLst>
+                                          <p:attrName>style.visibility</p:attrName>
+                                        </p:attrNameLst>
+                                      </p:cBhvr>
+                                      <p:to>
+                                        <p:strVal val="visible"/>
+                                      </p:to>
+                                    </p:set>
+                                    <p:anim calcmode="lin" valueType="num">
+                                      <p:cBhvr additive="base">
+                                        <p:cTn id="13" dur="500" fill="hold"/>
+                                        <p:tgtEl>
+                                          <p:spTgt spid="19"/>
+                                        </p:tgtEl>
+                                        <p:attrNameLst>
+                                          <p:attrName>ppt_x</p:attrName>
+                                        </p:attrNameLst>
+                                      </p:cBhvr>
+                                      <p:tavLst>
+                                        <p:tav tm="0">
+                                          <p:val>
+                                            <p:strVal val="1+#ppt_w/2"/>
+                                          </p:val>
+                                        </p:tav>
+                                        <p:tav tm="100000">
+                                          <p:val>
+                                            <p:strVal val="#ppt_x"/>
+                                          </p:val>
+                                        </p:tav>
+                                      </p:tavLst>
+                                    </p:anim>
+                                    <p:anim calcmode="lin" valueType="num">
+                                      <p:cBhvr additive="base">
+                                        <p:cTn id="14" dur="500" fill="hold"/>
+                                        <p:tgtEl>
+                                          <p:spTgt spid="19"/>
+                                        </p:tgtEl>
+                                        <p:attrNameLst>
+                                          <p:attrName>ppt_y</p:attrName>
+                                        </p:attrNameLst>
+                                      </p:cBhvr>
+                                      <p:tavLst>
+                                        <p:tav tm="0">
+                                          <p:val>
+                                            <p:strVal val="#ppt_y"/>
+                                          </p:val>
+                                        </p:tav>
+                                        <p:tav tm="100000">
+                                          <p:val>
+                                            <p:strVal val="#ppt_y"/>
+                                          </p:val>
+                                        </p:tav>
+                                      </p:tavLst>
+                                    </p:anim>
+                                  </p:childTnLst>
+                                </p:cTn>
+                              </p:par>
+                              <p:par>
+                                <p:cTn id="15" presetID="2" presetClass="entr" presetSubtype="8" fill="hold" grpId="0" nodeType="withEffect">
+                                  <p:stCondLst>
+                                    <p:cond delay="0"/>
+                                  </p:stCondLst>
+                                  <p:childTnLst>
+                                    <p:set>
+                                      <p:cBhvr>
+                                        <p:cTn id="16" dur="1" fill="hold">
+                                          <p:stCondLst>
+                                            <p:cond delay="0"/>
+                                          </p:stCondLst>
+                                        </p:cTn>
+                                        <p:tgtEl>
+                                          <p:spTgt spid="17"/>
+                                        </p:tgtEl>
+                                        <p:attrNameLst>
+                                          <p:attrName>style.visibility</p:attrName>
+                                        </p:attrNameLst>
+                                      </p:cBhvr>
+                                      <p:to>
+                                        <p:strVal val="visible"/>
+                                      </p:to>
+                                    </p:set>
+                                    <p:anim calcmode="lin" valueType="num">
+                                      <p:cBhvr additive="base">
+                                        <p:cTn id="17" dur="500" fill="hold"/>
+                                        <p:tgtEl>
+                                          <p:spTgt spid="17"/>
+                                        </p:tgtEl>
+                                        <p:attrNameLst>
+                                          <p:attrName>ppt_x</p:attrName>
+                                        </p:attrNameLst>
+                                      </p:cBhvr>
+                                      <p:tavLst>
+                                        <p:tav tm="0">
+                                          <p:val>
+                                            <p:strVal val="0-#ppt_w/2"/>
+                                          </p:val>
+                                        </p:tav>
+                                        <p:tav tm="100000">
+                                          <p:val>
+                                            <p:strVal val="#ppt_x"/>
+                                          </p:val>
+                                        </p:tav>
+                                      </p:tavLst>
+                                    </p:anim>
+                                    <p:anim calcmode="lin" valueType="num">
+                                      <p:cBhvr additive="base">
+                                        <p:cTn id="18" dur="500" fill="hold"/>
+                                        <p:tgtEl>
+                                          <p:spTgt spid="17"/>
+                                        </p:tgtEl>
+                                        <p:attrNameLst>
+                                          <p:attrName>ppt_y</p:attrName>
+                                        </p:attrNameLst>
+                                      </p:cBhvr>
+                                      <p:tavLst>
+                                        <p:tav tm="0">
+                                          <p:val>
+                                            <p:strVal val="#ppt_y"/>
+                                          </p:val>
+                                        </p:tav>
+                                        <p:tav tm="100000">
+                                          <p:val>
+                                            <p:strVal val="#ppt_y"/>
+                                          </p:val>
+                                        </p:tav>
+                                      </p:tavLst>
+                                    </p:anim>
+                                  </p:childTnLst>
+                                </p:cTn>
+                              </p:par>
+                            </p:childTnLst>
+                          </p:cTn>
+                        </p:par>
+                      </p:childTnLst>
+                    </p:cTn>
+                  </p:par>
+                  <p:par>
+                    <p:cTn id="19" fill="hold">
+                      <p:stCondLst>
+                        <p:cond delay="indefinite"/>
+                      </p:stCondLst>
+                      <p:childTnLst>
+                        <p:par>
+                          <p:cTn id="20" fill="hold">
+                            <p:stCondLst>
+                              <p:cond delay="0"/>
+                            </p:stCondLst>
+                            <p:childTnLst>
+                              <p:par>
+                                <p:cTn id="21" presetID="2" presetClass="entr" presetSubtype="2" fill="hold" nodeType="clickEffect">
+                                  <p:stCondLst>
+                                    <p:cond delay="0"/>
+                                  </p:stCondLst>
+                                  <p:childTnLst>
+                                    <p:set>
+                                      <p:cBhvr>
+                                        <p:cTn id="22" dur="1" fill="hold">
+                                          <p:stCondLst>
+                                            <p:cond delay="0"/>
+                                          </p:stCondLst>
+                                        </p:cTn>
+                                        <p:tgtEl>
+                                          <p:spTgt spid="22"/>
+                                        </p:tgtEl>
+                                        <p:attrNameLst>
+                                          <p:attrName>style.visibility</p:attrName>
+                                        </p:attrNameLst>
+                                      </p:cBhvr>
+                                      <p:to>
+                                        <p:strVal val="visible"/>
+                                      </p:to>
+                                    </p:set>
+                                    <p:anim calcmode="lin" valueType="num">
+                                      <p:cBhvr additive="base">
+                                        <p:cTn id="23" dur="500" fill="hold"/>
+                                        <p:tgtEl>
+                                          <p:spTgt spid="22"/>
+                                        </p:tgtEl>
+                                        <p:attrNameLst>
+                                          <p:attrName>ppt_x</p:attrName>
+                                        </p:attrNameLst>
+                                      </p:cBhvr>
+                                      <p:tavLst>
+                                        <p:tav tm="0">
+                                          <p:val>
+                                            <p:strVal val="1+#ppt_w/2"/>
+                                          </p:val>
+                                        </p:tav>
+                                        <p:tav tm="100000">
+                                          <p:val>
+                                            <p:strVal val="#ppt_x"/>
+                                          </p:val>
+                                        </p:tav>
+                                      </p:tavLst>
+                                    </p:anim>
+                                    <p:anim calcmode="lin" valueType="num">
+                                      <p:cBhvr additive="base">
+                                        <p:cTn id="24" dur="500" fill="hold"/>
+                                        <p:tgtEl>
+                                          <p:spTgt spid="22"/>
+                                        </p:tgtEl>
+                                        <p:attrNameLst>
+                                          <p:attrName>ppt_y</p:attrName>
+                                        </p:attrNameLst>
+                                      </p:cBhvr>
+                                      <p:tavLst>
+                                        <p:tav tm="0">
+                                          <p:val>
+                                            <p:strVal val="#ppt_y"/>
+                                          </p:val>
+                                        </p:tav>
+                                        <p:tav tm="100000">
+                                          <p:val>
+                                            <p:strVal val="#ppt_y"/>
+                                          </p:val>
+                                        </p:tav>
+                                      </p:tavLst>
+                                    </p:anim>
+                                  </p:childTnLst>
+                                </p:cTn>
+                              </p:par>
+                              <p:par>
+                                <p:cTn id="25" presetID="2" presetClass="entr" presetSubtype="8" fill="hold" grpId="0" nodeType="withEffect">
+                                  <p:stCondLst>
+                                    <p:cond delay="0"/>
+                                  </p:stCondLst>
+                                  <p:childTnLst>
+                                    <p:set>
+                                      <p:cBhvr>
+                                        <p:cTn id="26" dur="1" fill="hold">
+                                          <p:stCondLst>
+                                            <p:cond delay="0"/>
+                                          </p:stCondLst>
+                                        </p:cTn>
+                                        <p:tgtEl>
+                                          <p:spTgt spid="18"/>
+                                        </p:tgtEl>
+                                        <p:attrNameLst>
+                                          <p:attrName>style.visibility</p:attrName>
+                                        </p:attrNameLst>
+                                      </p:cBhvr>
+                                      <p:to>
+                                        <p:strVal val="visible"/>
+                                      </p:to>
+                                    </p:set>
+                                    <p:anim calcmode="lin" valueType="num">
+                                      <p:cBhvr additive="base">
+                                        <p:cTn id="27" dur="500" fill="hold"/>
+                                        <p:tgtEl>
+                                          <p:spTgt spid="18"/>
+                                        </p:tgtEl>
+                                        <p:attrNameLst>
+                                          <p:attrName>ppt_x</p:attrName>
+                                        </p:attrNameLst>
+                                      </p:cBhvr>
+                                      <p:tavLst>
+                                        <p:tav tm="0">
+                                          <p:val>
+                                            <p:strVal val="0-#ppt_w/2"/>
+                                          </p:val>
+                                        </p:tav>
+                                        <p:tav tm="100000">
+                                          <p:val>
+                                            <p:strVal val="#ppt_x"/>
+                                          </p:val>
+                                        </p:tav>
+                                      </p:tavLst>
+                                    </p:anim>
+                                    <p:anim calcmode="lin" valueType="num">
+                                      <p:cBhvr additive="base">
+                                        <p:cTn id="28" dur="500" fill="hold"/>
+                                        <p:tgtEl>
+                                          <p:spTgt spid="18"/>
+                                        </p:tgtEl>
+                                        <p:attrNameLst>
+                                          <p:attrName>ppt_y</p:attrName>
+                                        </p:attrNameLst>
+                                      </p:cBhvr>
+                                      <p:tavLst>
+                                        <p:tav tm="0">
+                                          <p:val>
+                                            <p:strVal val="#ppt_y"/>
+                                          </p:val>
+                                        </p:tav>
+                                        <p:tav tm="100000">
+                                          <p:val>
+                                            <p:strVal val="#ppt_y"/>
+                                          </p:val>
+                                        </p:tav>
+                                      </p:tavLst>
+                                    </p:anim>
+                                  </p:childTnLst>
+                                </p:cTn>
+                              </p:par>
+                            </p:childTnLst>
+                          </p:cTn>
+                        </p:par>
+                      </p:childTnLst>
+                    </p:cTn>
+                  </p:par>
+                </p:childTnLst>
+              </p:cTn>
+              <p:prevCondLst>
+                <p:cond evt="onPrev" delay="0">
+                  <p:tgtEl>
+                    <p:sldTgt/>
+                  </p:tgtEl>
+                </p:cond>
+              </p:prevCondLst>
+              <p:nextCondLst>
+                <p:cond evt="onNext" delay="0">
+                  <p:tgtEl>
+                    <p:sldTgt/>
+                  </p:tgtEl>
+                </p:cond>
+              </p:nextCondLst>
+            </p:seq>
+          </p:childTnLst>
+        </p:cTn>
+      </p:par>
+    </p:tnLst>
+    <p:bldLst>
+      <p:bldP spid="17" grpId="0" animBg="1"/>
+      <p:bldP spid="18" grpId="0" animBg="1"/>
+    </p:bldLst>
+  </p:timing>
+</p:sld>
+</file>
+
+<file path=ppt/slides/slide27.xml><?xml version="1.0" encoding="utf-8"?>
+<p:sld xmlns:a="http://schemas.openxmlformats.org/drawingml/2006/main" xmlns:r="http://schemas.openxmlformats.org/officeDocument/2006/relationships" xmlns:p="http://schemas.openxmlformats.org/presentationml/2006/main">
+  <p:cSld>
+    <p:spTree>
+      <p:nvGrpSpPr>
+        <p:cNvPr id="1" name=""/>
+        <p:cNvGrpSpPr/>
+        <p:nvPr/>
+      </p:nvGrpSpPr>
+      <p:grpSpPr>
+        <a:xfrm>
+          <a:off x="0" y="0"/>
+          <a:ext cx="0" cy="0"/>
+          <a:chOff x="0" y="0"/>
+          <a:chExt cx="0" cy="0"/>
+        </a:xfrm>
+      </p:grpSpPr>
+      <p:sp>
+        <p:nvSpPr>
+          <p:cNvPr id="2" name="Título 1"/>
+          <p:cNvSpPr>
+            <a:spLocks noGrp="1"/>
+          </p:cNvSpPr>
+          <p:nvPr>
+            <p:ph type="title"/>
+          </p:nvPr>
+        </p:nvSpPr>
+        <p:spPr/>
+        <p:txBody>
+          <a:bodyPr/>
+          <a:lstStyle/>
+          <a:p>
+            <a:pPr eaLnBrk="1" hangingPunct="1"/>
+            <a:r>
+              <a:rPr lang="pt-BR" dirty="0" smtClean="0"/>
+              <a:t>Operações parametrizadas</a:t>
+            </a:r>
+            <a:endParaRPr lang="pt-BR" dirty="0"/>
+          </a:p>
+        </p:txBody>
+      </p:sp>
+      <p:sp>
+        <p:nvSpPr>
+          <p:cNvPr id="3" name="Espaço Reservado para Conteúdo 2"/>
+          <p:cNvSpPr>
+            <a:spLocks noGrp="1"/>
+          </p:cNvSpPr>
+          <p:nvPr>
+            <p:ph idx="1"/>
+          </p:nvPr>
+        </p:nvSpPr>
+        <p:spPr/>
+        <p:txBody>
+          <a:bodyPr/>
+          <a:lstStyle/>
+          <a:p>
+            <a:endParaRPr lang="pt-BR"/>
+          </a:p>
+        </p:txBody>
+      </p:sp>
+      <p:sp>
+        <p:nvSpPr>
+          <p:cNvPr id="4" name="Espaço Reservado para Número de Slide 3"/>
+          <p:cNvSpPr>
+            <a:spLocks noGrp="1"/>
+          </p:cNvSpPr>
+          <p:nvPr>
+            <p:ph type="sldNum" sz="quarter" idx="12"/>
+          </p:nvPr>
+        </p:nvSpPr>
+        <p:spPr/>
+        <p:txBody>
+          <a:bodyPr/>
+          <a:lstStyle/>
+          <a:p>
+            <a:pPr>
+              <a:defRPr/>
+            </a:pPr>
+            <a:fld id="{EF19A0F5-F849-4C78-8624-C3A50979DE44}" type="slidenum">
+              <a:rPr lang="pt-BR" smtClean="0"/>
+              <a:pPr>
+                <a:defRPr/>
+              </a:pPr>
+              <a:t>27</a:t>
+            </a:fld>
+            <a:endParaRPr lang="pt-BR"/>
+          </a:p>
+        </p:txBody>
+      </p:sp>
+    </p:spTree>
+  </p:cSld>
+  <p:clrMapOvr>
+    <a:masterClrMapping/>
+  </p:clrMapOvr>
+  <p:timing>
+    <p:tnLst>
+      <p:par>
+        <p:cTn id="1" dur="indefinite" restart="never" nodeType="tmRoot"/>
+      </p:par>
+    </p:tnLst>
+  </p:timing>
+</p:sld>
+</file>
+
+<file path=ppt/slides/slide28.xml><?xml version="1.0" encoding="utf-8"?>
+<p:sld xmlns:a="http://schemas.openxmlformats.org/drawingml/2006/main" xmlns:r="http://schemas.openxmlformats.org/officeDocument/2006/relationships" xmlns:p="http://schemas.openxmlformats.org/presentationml/2006/main">
+  <p:cSld>
+    <p:spTree>
+      <p:nvGrpSpPr>
+        <p:cNvPr id="1" name=""/>
+        <p:cNvGrpSpPr/>
+        <p:nvPr/>
+      </p:nvGrpSpPr>
+      <p:grpSpPr>
+        <a:xfrm>
+          <a:off x="0" y="0"/>
+          <a:ext cx="0" cy="0"/>
+          <a:chOff x="0" y="0"/>
+          <a:chExt cx="0" cy="0"/>
+        </a:xfrm>
+      </p:grpSpPr>
+      <p:sp>
+        <p:nvSpPr>
+          <p:cNvPr id="2" name="Título 1"/>
+          <p:cNvSpPr>
+            <a:spLocks noGrp="1"/>
+          </p:cNvSpPr>
+          <p:nvPr>
+            <p:ph type="title"/>
+          </p:nvPr>
+        </p:nvSpPr>
+        <p:spPr/>
+        <p:txBody>
+          <a:bodyPr/>
+          <a:lstStyle/>
+          <a:p>
+            <a:pPr eaLnBrk="1" hangingPunct="1"/>
+            <a:r>
+              <a:rPr lang="pt-BR" dirty="0" smtClean="0"/>
+              <a:t>Transações</a:t>
+            </a:r>
+            <a:endParaRPr lang="pt-BR" dirty="0"/>
+          </a:p>
+        </p:txBody>
+      </p:sp>
+      <p:sp>
+        <p:nvSpPr>
+          <p:cNvPr id="3" name="Espaço Reservado para Conteúdo 2"/>
+          <p:cNvSpPr>
+            <a:spLocks noGrp="1"/>
+          </p:cNvSpPr>
+          <p:nvPr>
+            <p:ph idx="1"/>
+          </p:nvPr>
+        </p:nvSpPr>
+        <p:spPr/>
+        <p:txBody>
+          <a:bodyPr/>
+          <a:lstStyle/>
+          <a:p>
+            <a:endParaRPr lang="pt-BR"/>
+          </a:p>
+        </p:txBody>
+      </p:sp>
+      <p:sp>
+        <p:nvSpPr>
+          <p:cNvPr id="4" name="Espaço Reservado para Número de Slide 3"/>
+          <p:cNvSpPr>
+            <a:spLocks noGrp="1"/>
+          </p:cNvSpPr>
+          <p:nvPr>
+            <p:ph type="sldNum" sz="quarter" idx="12"/>
+          </p:nvPr>
+        </p:nvSpPr>
+        <p:spPr/>
+        <p:txBody>
+          <a:bodyPr/>
+          <a:lstStyle/>
+          <a:p>
+            <a:pPr>
+              <a:defRPr/>
+            </a:pPr>
+            <a:fld id="{EF19A0F5-F849-4C78-8624-C3A50979DE44}" type="slidenum">
+              <a:rPr lang="pt-BR" smtClean="0"/>
+              <a:pPr>
+                <a:defRPr/>
+              </a:pPr>
+              <a:t>28</a:t>
+            </a:fld>
+            <a:endParaRPr lang="pt-BR"/>
+          </a:p>
+        </p:txBody>
+      </p:sp>
+    </p:spTree>
+  </p:cSld>
+  <p:clrMapOvr>
+    <a:masterClrMapping/>
+  </p:clrMapOvr>
+  <p:timing>
+    <p:tnLst>
+      <p:par>
+        <p:cTn id="1" dur="indefinite" restart="never" nodeType="tmRoot"/>
+      </p:par>
+    </p:tnLst>
+  </p:timing>
+</p:sld>
+</file>
+
+<file path=ppt/slides/slide29.xml><?xml version="1.0" encoding="utf-8"?>
+<p:sld xmlns:a="http://schemas.openxmlformats.org/drawingml/2006/main" xmlns:r="http://schemas.openxmlformats.org/officeDocument/2006/relationships" xmlns:p="http://schemas.openxmlformats.org/presentationml/2006/main">
+  <p:cSld>
+    <p:spTree>
+      <p:nvGrpSpPr>
+        <p:cNvPr id="1" name=""/>
+        <p:cNvGrpSpPr/>
+        <p:nvPr/>
+      </p:nvGrpSpPr>
+      <p:grpSpPr>
+        <a:xfrm>
+          <a:off x="0" y="0"/>
+          <a:ext cx="0" cy="0"/>
+          <a:chOff x="0" y="0"/>
+          <a:chExt cx="0" cy="0"/>
+        </a:xfrm>
+      </p:grpSpPr>
+      <p:sp>
+        <p:nvSpPr>
+          <p:cNvPr id="2" name="Título 1"/>
+          <p:cNvSpPr>
+            <a:spLocks noGrp="1"/>
+          </p:cNvSpPr>
+          <p:nvPr>
+            <p:ph type="title"/>
+          </p:nvPr>
+        </p:nvSpPr>
+        <p:spPr/>
+        <p:txBody>
+          <a:bodyPr/>
+          <a:lstStyle/>
+          <a:p>
+            <a:pPr eaLnBrk="1" hangingPunct="1"/>
+            <a:r>
+              <a:rPr lang="pt-BR" dirty="0" smtClean="0"/>
+              <a:t>Consultas</a:t>
+            </a:r>
+            <a:endParaRPr lang="pt-BR" dirty="0"/>
+          </a:p>
+        </p:txBody>
+      </p:sp>
+      <p:sp>
+        <p:nvSpPr>
+          <p:cNvPr id="3" name="Espaço Reservado para Conteúdo 2"/>
+          <p:cNvSpPr>
+            <a:spLocks noGrp="1"/>
+          </p:cNvSpPr>
+          <p:nvPr>
+            <p:ph idx="1"/>
+          </p:nvPr>
+        </p:nvSpPr>
+        <p:spPr/>
+        <p:txBody>
+          <a:bodyPr/>
+          <a:lstStyle/>
+          <a:p>
+            <a:endParaRPr lang="pt-BR"/>
+          </a:p>
+        </p:txBody>
+      </p:sp>
+      <p:sp>
+        <p:nvSpPr>
+          <p:cNvPr id="4" name="Espaço Reservado para Número de Slide 3"/>
+          <p:cNvSpPr>
+            <a:spLocks noGrp="1"/>
+          </p:cNvSpPr>
+          <p:nvPr>
+            <p:ph type="sldNum" sz="quarter" idx="12"/>
+          </p:nvPr>
+        </p:nvSpPr>
+        <p:spPr/>
+        <p:txBody>
+          <a:bodyPr/>
+          <a:lstStyle/>
+          <a:p>
+            <a:pPr>
+              <a:defRPr/>
+            </a:pPr>
+            <a:fld id="{EF19A0F5-F849-4C78-8624-C3A50979DE44}" type="slidenum">
+              <a:rPr lang="pt-BR" smtClean="0"/>
+              <a:pPr>
+                <a:defRPr/>
+              </a:pPr>
+              <a:t>29</a:t>
+            </a:fld>
+            <a:endParaRPr lang="pt-BR"/>
+          </a:p>
+        </p:txBody>
+      </p:sp>
+    </p:spTree>
+  </p:cSld>
+  <p:clrMapOvr>
+    <a:masterClrMapping/>
+  </p:clrMapOvr>
+  <p:timing>
+    <p:tnLst>
+      <p:par>
+        <p:cTn id="1" dur="indefinite" restart="never" nodeType="tmRoot"/>
+      </p:par>
+    </p:tnLst>
+  </p:timing>
 </p:sld>
 </file>
 
@@ -13697,6 +19123,334 @@
                 <a:defRPr/>
               </a:pPr>
               <a:t>3</a:t>
+            </a:fld>
+            <a:endParaRPr lang="pt-BR"/>
+          </a:p>
+        </p:txBody>
+      </p:sp>
+    </p:spTree>
+  </p:cSld>
+  <p:clrMapOvr>
+    <a:masterClrMapping/>
+  </p:clrMapOvr>
+  <p:timing>
+    <p:tnLst>
+      <p:par>
+        <p:cTn id="1" dur="indefinite" restart="never" nodeType="tmRoot"/>
+      </p:par>
+    </p:tnLst>
+  </p:timing>
+</p:sld>
+</file>
+
+<file path=ppt/slides/slide30.xml><?xml version="1.0" encoding="utf-8"?>
+<p:sld xmlns:a="http://schemas.openxmlformats.org/drawingml/2006/main" xmlns:r="http://schemas.openxmlformats.org/officeDocument/2006/relationships" xmlns:p="http://schemas.openxmlformats.org/presentationml/2006/main">
+  <p:cSld>
+    <p:spTree>
+      <p:nvGrpSpPr>
+        <p:cNvPr id="1" name=""/>
+        <p:cNvGrpSpPr/>
+        <p:nvPr/>
+      </p:nvGrpSpPr>
+      <p:grpSpPr>
+        <a:xfrm>
+          <a:off x="0" y="0"/>
+          <a:ext cx="0" cy="0"/>
+          <a:chOff x="0" y="0"/>
+          <a:chExt cx="0" cy="0"/>
+        </a:xfrm>
+      </p:grpSpPr>
+      <p:sp>
+        <p:nvSpPr>
+          <p:cNvPr id="2" name="Título 1"/>
+          <p:cNvSpPr>
+            <a:spLocks noGrp="1"/>
+          </p:cNvSpPr>
+          <p:nvPr>
+            <p:ph type="title"/>
+          </p:nvPr>
+        </p:nvSpPr>
+        <p:spPr/>
+        <p:txBody>
+          <a:bodyPr/>
+          <a:lstStyle/>
+          <a:p>
+            <a:pPr eaLnBrk="1" hangingPunct="1"/>
+            <a:r>
+              <a:rPr lang="pt-BR" dirty="0" err="1" smtClean="0"/>
+              <a:t>Stored</a:t>
+            </a:r>
+            <a:r>
+              <a:rPr lang="pt-BR" dirty="0" smtClean="0"/>
+              <a:t> </a:t>
+            </a:r>
+            <a:r>
+              <a:rPr lang="pt-BR" dirty="0" err="1" smtClean="0"/>
+              <a:t>procedures</a:t>
+            </a:r>
+            <a:endParaRPr lang="pt-BR" dirty="0"/>
+          </a:p>
+        </p:txBody>
+      </p:sp>
+      <p:sp>
+        <p:nvSpPr>
+          <p:cNvPr id="3" name="Espaço Reservado para Conteúdo 2"/>
+          <p:cNvSpPr>
+            <a:spLocks noGrp="1"/>
+          </p:cNvSpPr>
+          <p:nvPr>
+            <p:ph idx="1"/>
+          </p:nvPr>
+        </p:nvSpPr>
+        <p:spPr/>
+        <p:txBody>
+          <a:bodyPr/>
+          <a:lstStyle/>
+          <a:p>
+            <a:endParaRPr lang="pt-BR"/>
+          </a:p>
+        </p:txBody>
+      </p:sp>
+      <p:sp>
+        <p:nvSpPr>
+          <p:cNvPr id="4" name="Espaço Reservado para Número de Slide 3"/>
+          <p:cNvSpPr>
+            <a:spLocks noGrp="1"/>
+          </p:cNvSpPr>
+          <p:nvPr>
+            <p:ph type="sldNum" sz="quarter" idx="12"/>
+          </p:nvPr>
+        </p:nvSpPr>
+        <p:spPr/>
+        <p:txBody>
+          <a:bodyPr/>
+          <a:lstStyle/>
+          <a:p>
+            <a:pPr>
+              <a:defRPr/>
+            </a:pPr>
+            <a:fld id="{EF19A0F5-F849-4C78-8624-C3A50979DE44}" type="slidenum">
+              <a:rPr lang="pt-BR" smtClean="0"/>
+              <a:pPr>
+                <a:defRPr/>
+              </a:pPr>
+              <a:t>30</a:t>
+            </a:fld>
+            <a:endParaRPr lang="pt-BR"/>
+          </a:p>
+        </p:txBody>
+      </p:sp>
+    </p:spTree>
+  </p:cSld>
+  <p:clrMapOvr>
+    <a:masterClrMapping/>
+  </p:clrMapOvr>
+  <p:timing>
+    <p:tnLst>
+      <p:par>
+        <p:cTn id="1" dur="indefinite" restart="never" nodeType="tmRoot"/>
+      </p:par>
+    </p:tnLst>
+  </p:timing>
+</p:sld>
+</file>
+
+<file path=ppt/slides/slide31.xml><?xml version="1.0" encoding="utf-8"?>
+<p:sld xmlns:a="http://schemas.openxmlformats.org/drawingml/2006/main" xmlns:r="http://schemas.openxmlformats.org/officeDocument/2006/relationships" xmlns:p="http://schemas.openxmlformats.org/presentationml/2006/main">
+  <p:cSld>
+    <p:spTree>
+      <p:nvGrpSpPr>
+        <p:cNvPr id="1" name=""/>
+        <p:cNvGrpSpPr/>
+        <p:nvPr/>
+      </p:nvGrpSpPr>
+      <p:grpSpPr>
+        <a:xfrm>
+          <a:off x="0" y="0"/>
+          <a:ext cx="0" cy="0"/>
+          <a:chOff x="0" y="0"/>
+          <a:chExt cx="0" cy="0"/>
+        </a:xfrm>
+      </p:grpSpPr>
+      <p:sp>
+        <p:nvSpPr>
+          <p:cNvPr id="2" name="Título 1"/>
+          <p:cNvSpPr>
+            <a:spLocks noGrp="1"/>
+          </p:cNvSpPr>
+          <p:nvPr>
+            <p:ph type="title"/>
+          </p:nvPr>
+        </p:nvSpPr>
+        <p:spPr/>
+        <p:txBody>
+          <a:bodyPr/>
+          <a:lstStyle/>
+          <a:p>
+            <a:pPr eaLnBrk="1" hangingPunct="1"/>
+            <a:r>
+              <a:rPr lang="pt-BR" dirty="0" smtClean="0"/>
+              <a:t>Design </a:t>
+            </a:r>
+            <a:r>
+              <a:rPr lang="pt-BR" dirty="0" err="1" smtClean="0"/>
+              <a:t>pattern</a:t>
+            </a:r>
+            <a:r>
+              <a:rPr lang="pt-BR" dirty="0" smtClean="0"/>
+              <a:t> DAO/VO</a:t>
+            </a:r>
+            <a:endParaRPr lang="pt-BR" dirty="0"/>
+          </a:p>
+        </p:txBody>
+      </p:sp>
+      <p:sp>
+        <p:nvSpPr>
+          <p:cNvPr id="3" name="Espaço Reservado para Conteúdo 2"/>
+          <p:cNvSpPr>
+            <a:spLocks noGrp="1"/>
+          </p:cNvSpPr>
+          <p:nvPr>
+            <p:ph idx="1"/>
+          </p:nvPr>
+        </p:nvSpPr>
+        <p:spPr/>
+        <p:txBody>
+          <a:bodyPr/>
+          <a:lstStyle/>
+          <a:p>
+            <a:endParaRPr lang="pt-BR"/>
+          </a:p>
+        </p:txBody>
+      </p:sp>
+      <p:sp>
+        <p:nvSpPr>
+          <p:cNvPr id="4" name="Espaço Reservado para Número de Slide 3"/>
+          <p:cNvSpPr>
+            <a:spLocks noGrp="1"/>
+          </p:cNvSpPr>
+          <p:nvPr>
+            <p:ph type="sldNum" sz="quarter" idx="12"/>
+          </p:nvPr>
+        </p:nvSpPr>
+        <p:spPr/>
+        <p:txBody>
+          <a:bodyPr/>
+          <a:lstStyle/>
+          <a:p>
+            <a:pPr>
+              <a:defRPr/>
+            </a:pPr>
+            <a:fld id="{EF19A0F5-F849-4C78-8624-C3A50979DE44}" type="slidenum">
+              <a:rPr lang="pt-BR" smtClean="0"/>
+              <a:pPr>
+                <a:defRPr/>
+              </a:pPr>
+              <a:t>31</a:t>
+            </a:fld>
+            <a:endParaRPr lang="pt-BR"/>
+          </a:p>
+        </p:txBody>
+      </p:sp>
+    </p:spTree>
+  </p:cSld>
+  <p:clrMapOvr>
+    <a:masterClrMapping/>
+  </p:clrMapOvr>
+  <p:timing>
+    <p:tnLst>
+      <p:par>
+        <p:cTn id="1" dur="indefinite" restart="never" nodeType="tmRoot"/>
+      </p:par>
+    </p:tnLst>
+  </p:timing>
+</p:sld>
+</file>
+
+<file path=ppt/slides/slide32.xml><?xml version="1.0" encoding="utf-8"?>
+<p:sld xmlns:a="http://schemas.openxmlformats.org/drawingml/2006/main" xmlns:r="http://schemas.openxmlformats.org/officeDocument/2006/relationships" xmlns:p="http://schemas.openxmlformats.org/presentationml/2006/main">
+  <p:cSld>
+    <p:spTree>
+      <p:nvGrpSpPr>
+        <p:cNvPr id="1" name=""/>
+        <p:cNvGrpSpPr/>
+        <p:nvPr/>
+      </p:nvGrpSpPr>
+      <p:grpSpPr>
+        <a:xfrm>
+          <a:off x="0" y="0"/>
+          <a:ext cx="0" cy="0"/>
+          <a:chOff x="0" y="0"/>
+          <a:chExt cx="0" cy="0"/>
+        </a:xfrm>
+      </p:grpSpPr>
+      <p:sp>
+        <p:nvSpPr>
+          <p:cNvPr id="2" name="Título 1"/>
+          <p:cNvSpPr>
+            <a:spLocks noGrp="1"/>
+          </p:cNvSpPr>
+          <p:nvPr>
+            <p:ph type="title"/>
+          </p:nvPr>
+        </p:nvSpPr>
+        <p:spPr/>
+        <p:txBody>
+          <a:bodyPr/>
+          <a:lstStyle/>
+          <a:p>
+            <a:pPr eaLnBrk="1" hangingPunct="1"/>
+            <a:r>
+              <a:rPr lang="pt-BR" dirty="0" smtClean="0"/>
+              <a:t>Projeto Final</a:t>
+            </a:r>
+            <a:endParaRPr lang="pt-BR" dirty="0"/>
+          </a:p>
+        </p:txBody>
+      </p:sp>
+      <p:sp>
+        <p:nvSpPr>
+          <p:cNvPr id="3" name="Espaço Reservado para Conteúdo 2"/>
+          <p:cNvSpPr>
+            <a:spLocks noGrp="1"/>
+          </p:cNvSpPr>
+          <p:nvPr>
+            <p:ph idx="1"/>
+          </p:nvPr>
+        </p:nvSpPr>
+        <p:spPr/>
+        <p:txBody>
+          <a:bodyPr/>
+          <a:lstStyle/>
+          <a:p>
+            <a:endParaRPr lang="pt-BR"/>
+          </a:p>
+        </p:txBody>
+      </p:sp>
+      <p:sp>
+        <p:nvSpPr>
+          <p:cNvPr id="4" name="Espaço Reservado para Número de Slide 3"/>
+          <p:cNvSpPr>
+            <a:spLocks noGrp="1"/>
+          </p:cNvSpPr>
+          <p:nvPr>
+            <p:ph type="sldNum" sz="quarter" idx="12"/>
+          </p:nvPr>
+        </p:nvSpPr>
+        <p:spPr/>
+        <p:txBody>
+          <a:bodyPr/>
+          <a:lstStyle/>
+          <a:p>
+            <a:pPr>
+              <a:defRPr/>
+            </a:pPr>
+            <a:fld id="{EF19A0F5-F849-4C78-8624-C3A50979DE44}" type="slidenum">
+              <a:rPr lang="pt-BR" smtClean="0"/>
+              <a:pPr>
+                <a:defRPr/>
+              </a:pPr>
+              <a:t>32</a:t>
             </a:fld>
             <a:endParaRPr lang="pt-BR"/>
           </a:p>

--- a/trunk/2-Java-Programmer-Modulo-II/19.Capitulo11.pptx
+++ b/trunk/2-Java-Programmer-Modulo-II/19.Capitulo11.pptx
@@ -12,14 +12,14 @@
     <p:sldId id="315" r:id="rId3"/>
     <p:sldId id="316" r:id="rId4"/>
     <p:sldId id="305" r:id="rId5"/>
-    <p:sldId id="317" r:id="rId6"/>
+    <p:sldId id="339" r:id="rId6"/>
     <p:sldId id="318" r:id="rId7"/>
     <p:sldId id="320" r:id="rId8"/>
     <p:sldId id="321" r:id="rId9"/>
     <p:sldId id="319" r:id="rId10"/>
     <p:sldId id="322" r:id="rId11"/>
     <p:sldId id="306" r:id="rId12"/>
-    <p:sldId id="324" r:id="rId13"/>
+    <p:sldId id="340" r:id="rId13"/>
     <p:sldId id="307" r:id="rId14"/>
     <p:sldId id="326" r:id="rId15"/>
     <p:sldId id="328" r:id="rId16"/>
@@ -27,7 +27,7 @@
     <p:sldId id="327" r:id="rId18"/>
     <p:sldId id="308" r:id="rId19"/>
     <p:sldId id="330" r:id="rId20"/>
-    <p:sldId id="332" r:id="rId21"/>
+    <p:sldId id="341" r:id="rId21"/>
     <p:sldId id="333" r:id="rId22"/>
     <p:sldId id="331" r:id="rId23"/>
     <p:sldId id="334" r:id="rId24"/>
@@ -280,7 +280,7 @@
               <a:pPr>
                 <a:defRPr/>
               </a:pPr>
-              <a:t>07/06/2012</a:t>
+              <a:t>08/06/2012</a:t>
             </a:fld>
             <a:endParaRPr lang="pt-BR"/>
           </a:p>
@@ -468,7 +468,7 @@
               <a:pPr>
                 <a:defRPr/>
               </a:pPr>
-              <a:t>‹nº›</a:t>
+              <a:t>‹#›</a:t>
             </a:fld>
             <a:endParaRPr lang="pt-BR"/>
           </a:p>
@@ -3873,7 +3873,7 @@
               <a:pPr>
                 <a:defRPr/>
               </a:pPr>
-              <a:t>07/06/2012</a:t>
+              <a:t>08/06/2012</a:t>
             </a:fld>
             <a:endParaRPr lang="pt-BR"/>
           </a:p>
@@ -3932,7 +3932,7 @@
               <a:pPr>
                 <a:defRPr/>
               </a:pPr>
-              <a:t>‹nº›</a:t>
+              <a:t>‹#›</a:t>
             </a:fld>
             <a:endParaRPr lang="pt-BR"/>
           </a:p>
@@ -4065,7 +4065,7 @@
               <a:pPr>
                 <a:defRPr/>
               </a:pPr>
-              <a:t>07/06/2012</a:t>
+              <a:t>08/06/2012</a:t>
             </a:fld>
             <a:endParaRPr lang="pt-BR"/>
           </a:p>
@@ -4124,7 +4124,7 @@
               <a:pPr>
                 <a:defRPr/>
               </a:pPr>
-              <a:t>‹nº›</a:t>
+              <a:t>‹#›</a:t>
             </a:fld>
             <a:endParaRPr lang="pt-BR"/>
           </a:p>
@@ -4267,7 +4267,7 @@
               <a:pPr>
                 <a:defRPr/>
               </a:pPr>
-              <a:t>07/06/2012</a:t>
+              <a:t>08/06/2012</a:t>
             </a:fld>
             <a:endParaRPr lang="pt-BR"/>
           </a:p>
@@ -4326,7 +4326,7 @@
               <a:pPr>
                 <a:defRPr/>
               </a:pPr>
-              <a:t>‹nº›</a:t>
+              <a:t>‹#›</a:t>
             </a:fld>
             <a:endParaRPr lang="pt-BR"/>
           </a:p>
@@ -4463,7 +4463,7 @@
               <a:pPr>
                 <a:defRPr/>
               </a:pPr>
-              <a:t>07/06/2012</a:t>
+              <a:t>08/06/2012</a:t>
             </a:fld>
             <a:endParaRPr lang="pt-BR"/>
           </a:p>
@@ -4522,7 +4522,7 @@
               <a:pPr>
                 <a:defRPr/>
               </a:pPr>
-              <a:t>‹nº›</a:t>
+              <a:t>‹#›</a:t>
             </a:fld>
             <a:endParaRPr lang="pt-BR"/>
           </a:p>
@@ -4969,7 +4969,7 @@
               <a:pPr>
                 <a:defRPr/>
               </a:pPr>
-              <a:t>07/06/2012</a:t>
+              <a:t>08/06/2012</a:t>
             </a:fld>
             <a:endParaRPr lang="pt-BR"/>
           </a:p>
@@ -5028,7 +5028,7 @@
               <a:pPr>
                 <a:defRPr/>
               </a:pPr>
-              <a:t>‹nº›</a:t>
+              <a:t>‹#›</a:t>
             </a:fld>
             <a:endParaRPr lang="pt-BR"/>
           </a:p>
@@ -5260,7 +5260,7 @@
               <a:pPr>
                 <a:defRPr/>
               </a:pPr>
-              <a:t>07/06/2012</a:t>
+              <a:t>08/06/2012</a:t>
             </a:fld>
             <a:endParaRPr lang="pt-BR"/>
           </a:p>
@@ -5319,7 +5319,7 @@
               <a:pPr>
                 <a:defRPr/>
               </a:pPr>
-              <a:t>‹nº›</a:t>
+              <a:t>‹#›</a:t>
             </a:fld>
             <a:endParaRPr lang="pt-BR"/>
           </a:p>
@@ -5661,7 +5661,7 @@
               <a:pPr>
                 <a:defRPr/>
               </a:pPr>
-              <a:t>07/06/2012</a:t>
+              <a:t>08/06/2012</a:t>
             </a:fld>
             <a:endParaRPr lang="pt-BR"/>
           </a:p>
@@ -5720,7 +5720,7 @@
               <a:pPr>
                 <a:defRPr/>
               </a:pPr>
-              <a:t>‹nº›</a:t>
+              <a:t>‹#›</a:t>
             </a:fld>
             <a:endParaRPr lang="pt-BR"/>
           </a:p>
@@ -5810,7 +5810,7 @@
               <a:pPr>
                 <a:defRPr/>
               </a:pPr>
-              <a:t>07/06/2012</a:t>
+              <a:t>08/06/2012</a:t>
             </a:fld>
             <a:endParaRPr lang="pt-BR"/>
           </a:p>
@@ -5869,7 +5869,7 @@
               <a:pPr>
                 <a:defRPr/>
               </a:pPr>
-              <a:t>‹nº›</a:t>
+              <a:t>‹#›</a:t>
             </a:fld>
             <a:endParaRPr lang="pt-BR"/>
           </a:p>
@@ -5927,7 +5927,7 @@
               <a:pPr>
                 <a:defRPr/>
               </a:pPr>
-              <a:t>07/06/2012</a:t>
+              <a:t>08/06/2012</a:t>
             </a:fld>
             <a:endParaRPr lang="pt-BR"/>
           </a:p>
@@ -5986,7 +5986,7 @@
               <a:pPr>
                 <a:defRPr/>
               </a:pPr>
-              <a:t>‹nº›</a:t>
+              <a:t>‹#›</a:t>
             </a:fld>
             <a:endParaRPr lang="pt-BR"/>
           </a:p>
@@ -6203,7 +6203,7 @@
               <a:pPr>
                 <a:defRPr/>
               </a:pPr>
-              <a:t>07/06/2012</a:t>
+              <a:t>08/06/2012</a:t>
             </a:fld>
             <a:endParaRPr lang="pt-BR"/>
           </a:p>
@@ -6267,7 +6267,7 @@
               <a:pPr>
                 <a:defRPr/>
               </a:pPr>
-              <a:t>‹nº›</a:t>
+              <a:t>‹#›</a:t>
             </a:fld>
             <a:endParaRPr lang="pt-BR"/>
           </a:p>
@@ -6487,7 +6487,7 @@
               <a:pPr>
                 <a:defRPr/>
               </a:pPr>
-              <a:t>07/06/2012</a:t>
+              <a:t>08/06/2012</a:t>
             </a:fld>
             <a:endParaRPr lang="pt-BR"/>
           </a:p>
@@ -6546,7 +6546,7 @@
               <a:pPr>
                 <a:defRPr/>
               </a:pPr>
-              <a:t>‹nº›</a:t>
+              <a:t>‹#›</a:t>
             </a:fld>
             <a:endParaRPr lang="pt-BR"/>
           </a:p>
@@ -6965,7 +6965,7 @@
               <a:pPr>
                 <a:defRPr/>
               </a:pPr>
-              <a:t>07/06/2012</a:t>
+              <a:t>08/06/2012</a:t>
             </a:fld>
             <a:endParaRPr lang="pt-BR"/>
           </a:p>
@@ -7068,7 +7068,7 @@
               <a:pPr>
                 <a:defRPr/>
               </a:pPr>
-              <a:t>‹nº›</a:t>
+              <a:t>‹#›</a:t>
             </a:fld>
             <a:endParaRPr lang="pt-BR"/>
           </a:p>
@@ -7766,11 +7766,15 @@
             </a:pPr>
             <a:r>
               <a:rPr lang="pt-BR" sz="2200" dirty="0" smtClean="0"/>
-              <a:t>ojdbc6.</a:t>
-            </a:r>
-            <a:r>
-              <a:rPr lang="pt-BR" sz="2200" dirty="0" err="1" smtClean="0"/>
-              <a:t>jar</a:t>
+              <a:t>ojdbc6.jar (antigo </a:t>
+            </a:r>
+            <a:r>
+              <a:rPr lang="pt-BR" sz="2200" i="1" dirty="0" smtClean="0"/>
+              <a:t>classes12.jar</a:t>
+            </a:r>
+            <a:r>
+              <a:rPr lang="pt-BR" sz="2200" dirty="0" smtClean="0"/>
+              <a:t>)</a:t>
             </a:r>
             <a:endParaRPr lang="pt-BR" sz="2200" dirty="0" smtClean="0"/>
           </a:p>
@@ -8032,8 +8036,8 @@
           </p:nvPr>
         </p:nvGraphicFramePr>
         <p:xfrm>
-          <a:off x="755576" y="3429000"/>
-          <a:ext cx="1944216" cy="936104"/>
+          <a:off x="755576" y="3571876"/>
+          <a:ext cx="1944216" cy="642942"/>
         </p:xfrm>
         <a:graphic>
           <a:graphicData uri="http://schemas.openxmlformats.org/drawingml/2006/table">
@@ -8113,7 +8117,7 @@
                   </a:tcPr>
                 </a:tc>
               </a:tr>
-              <a:tr h="661784">
+              <a:tr h="368622">
                 <a:tc>
                   <a:txBody>
                     <a:bodyPr/>
@@ -8183,7 +8187,7 @@
         </p:nvGraphicFramePr>
         <p:xfrm>
           <a:off x="3635896" y="1844824"/>
-          <a:ext cx="1944216" cy="936104"/>
+          <a:ext cx="1944216" cy="726920"/>
         </p:xfrm>
         <a:graphic>
           <a:graphicData uri="http://schemas.openxmlformats.org/drawingml/2006/table">
@@ -8263,7 +8267,7 @@
                   </a:tcPr>
                 </a:tc>
               </a:tr>
-              <a:tr h="661784">
+              <a:tr h="452600">
                 <a:tc>
                   <a:txBody>
                     <a:bodyPr/>
@@ -8333,7 +8337,7 @@
         </p:nvGraphicFramePr>
         <p:xfrm>
           <a:off x="6516216" y="5013176"/>
-          <a:ext cx="1944216" cy="956005"/>
+          <a:ext cx="1944216" cy="701840"/>
         </p:xfrm>
         <a:graphic>
           <a:graphicData uri="http://schemas.openxmlformats.org/drawingml/2006/table">
@@ -8467,7 +8471,7 @@
                   </a:tcPr>
                 </a:tc>
               </a:tr>
-              <a:tr h="564845">
+              <a:tr h="310680">
                 <a:tc>
                   <a:txBody>
                     <a:bodyPr/>
@@ -8537,7 +8541,7 @@
         </p:nvGraphicFramePr>
         <p:xfrm>
           <a:off x="755576" y="1844825"/>
-          <a:ext cx="1944216" cy="954334"/>
+          <a:ext cx="1944216" cy="726919"/>
         </p:xfrm>
         <a:graphic>
           <a:graphicData uri="http://schemas.openxmlformats.org/drawingml/2006/table">
@@ -8671,7 +8675,7 @@
                   </a:tcPr>
                 </a:tc>
               </a:tr>
-              <a:tr h="563174">
+              <a:tr h="335759">
                 <a:tc>
                   <a:txBody>
                     <a:bodyPr/>
@@ -8738,8 +8742,8 @@
           <p:nvPr/>
         </p:nvGraphicFramePr>
         <p:xfrm>
-          <a:off x="3635896" y="3429000"/>
-          <a:ext cx="1944216" cy="936104"/>
+          <a:off x="3643306" y="3571876"/>
+          <a:ext cx="1944216" cy="739318"/>
         </p:xfrm>
         <a:graphic>
           <a:graphicData uri="http://schemas.openxmlformats.org/drawingml/2006/table">
@@ -8750,7 +8754,7 @@
               <a:tblGrid>
                 <a:gridCol w="1944216"/>
               </a:tblGrid>
-              <a:tr h="144016">
+              <a:tr h="249382">
                 <a:tc>
                   <a:txBody>
                     <a:bodyPr/>
@@ -8813,7 +8817,7 @@
                   </a:tcPr>
                 </a:tc>
               </a:tr>
-              <a:tr h="661784">
+              <a:tr h="464998">
                 <a:tc>
                   <a:txBody>
                     <a:bodyPr/>
@@ -8883,8 +8887,8 @@
           <p:nvPr/>
         </p:nvGraphicFramePr>
         <p:xfrm>
-          <a:off x="3635896" y="5013176"/>
-          <a:ext cx="1944216" cy="936104"/>
+          <a:off x="3643306" y="5118574"/>
+          <a:ext cx="1944216" cy="739318"/>
         </p:xfrm>
         <a:graphic>
           <a:graphicData uri="http://schemas.openxmlformats.org/drawingml/2006/table">
@@ -8895,7 +8899,7 @@
               <a:tblGrid>
                 <a:gridCol w="1944216"/>
               </a:tblGrid>
-              <a:tr h="216024">
+              <a:tr h="249382">
                 <a:tc>
                   <a:txBody>
                     <a:bodyPr/>
@@ -8964,7 +8968,7 @@
                   </a:tcPr>
                 </a:tc>
               </a:tr>
-              <a:tr h="661784">
+              <a:tr h="464998">
                 <a:tc>
                   <a:txBody>
                     <a:bodyPr/>
@@ -9024,14 +9028,14 @@
       </p:graphicFrame>
       <p:grpSp>
         <p:nvGrpSpPr>
-          <p:cNvPr id="11" name="Group 62"/>
+          <p:cNvPr id="2" name="Group 62"/>
           <p:cNvGrpSpPr/>
           <p:nvPr/>
         </p:nvGrpSpPr>
         <p:grpSpPr>
           <a:xfrm rot="16200000" flipH="1">
-            <a:off x="2555777" y="4437111"/>
-            <a:ext cx="1296145" cy="864099"/>
+            <a:off x="2516923" y="4398257"/>
+            <a:ext cx="1373853" cy="864099"/>
             <a:chOff x="2857487" y="3286125"/>
             <a:chExt cx="214317" cy="1347797"/>
           </a:xfrm>
@@ -9130,9 +9134,9 @@
           <p:nvPr/>
         </p:nvCxnSpPr>
         <p:spPr bwMode="auto">
-          <a:xfrm flipV="1">
-            <a:off x="1763688" y="2852936"/>
-            <a:ext cx="0" cy="576064"/>
+          <a:xfrm rot="5400000" flipH="1" flipV="1">
+            <a:off x="1321968" y="3107926"/>
+            <a:ext cx="927900" cy="1588"/>
           </a:xfrm>
           <a:prstGeom prst="straightConnector1">
             <a:avLst/>
@@ -9158,8 +9162,8 @@
           <p:nvPr/>
         </p:nvGraphicFramePr>
         <p:xfrm>
-          <a:off x="6516216" y="3429000"/>
-          <a:ext cx="1944216" cy="936104"/>
+          <a:off x="6516216" y="3557405"/>
+          <a:ext cx="1944216" cy="728851"/>
         </p:xfrm>
         <a:graphic>
           <a:graphicData uri="http://schemas.openxmlformats.org/drawingml/2006/table">
@@ -9170,7 +9174,7 @@
               <a:tblGrid>
                 <a:gridCol w="1944216"/>
               </a:tblGrid>
-              <a:tr h="200238">
+              <a:tr h="188411">
                 <a:tc>
                   <a:txBody>
                     <a:bodyPr/>
@@ -9239,7 +9243,7 @@
                   </a:tcPr>
                 </a:tc>
               </a:tr>
-              <a:tr h="661784">
+              <a:tr h="454531">
                 <a:tc>
                   <a:txBody>
                     <a:bodyPr/>
@@ -9306,9 +9310,9 @@
           <p:nvPr/>
         </p:nvCxnSpPr>
         <p:spPr bwMode="auto">
-          <a:xfrm flipV="1">
-            <a:off x="4644008" y="2780928"/>
-            <a:ext cx="0" cy="648072"/>
+          <a:xfrm rot="5400000" flipH="1" flipV="1">
+            <a:off x="4143372" y="3071810"/>
+            <a:ext cx="1000132" cy="1588"/>
           </a:xfrm>
           <a:prstGeom prst="straightConnector1">
             <a:avLst/>
@@ -9334,9 +9338,9 @@
           <p:nvPr/>
         </p:nvCxnSpPr>
         <p:spPr bwMode="auto">
-          <a:xfrm flipV="1">
-            <a:off x="4644008" y="4365104"/>
-            <a:ext cx="0" cy="648072"/>
+          <a:xfrm rot="5400000" flipH="1" flipV="1">
+            <a:off x="4215604" y="4714884"/>
+            <a:ext cx="856462" cy="794"/>
           </a:xfrm>
           <a:prstGeom prst="straightConnector1">
             <a:avLst/>
@@ -9383,14 +9387,14 @@
       </p:cxnSp>
       <p:grpSp>
         <p:nvGrpSpPr>
-          <p:cNvPr id="41" name="Group 62"/>
+          <p:cNvPr id="3" name="Group 62"/>
           <p:cNvGrpSpPr/>
           <p:nvPr/>
         </p:nvGrpSpPr>
         <p:grpSpPr>
           <a:xfrm rot="16200000">
-            <a:off x="2555779" y="2564905"/>
-            <a:ext cx="1296144" cy="864096"/>
+            <a:off x="2520915" y="2599768"/>
+            <a:ext cx="1365871" cy="864096"/>
             <a:chOff x="2857487" y="3286125"/>
             <a:chExt cx="214317" cy="1347797"/>
           </a:xfrm>
@@ -9482,7 +9486,7 @@
       </p:grpSp>
       <p:grpSp>
         <p:nvGrpSpPr>
-          <p:cNvPr id="47" name="Group 62"/>
+          <p:cNvPr id="4" name="Group 62"/>
           <p:cNvGrpSpPr/>
           <p:nvPr/>
         </p:nvGrpSpPr>
@@ -9609,14 +9613,14 @@
       </p:cxnSp>
       <p:grpSp>
         <p:nvGrpSpPr>
-          <p:cNvPr id="52" name="Group 62"/>
+          <p:cNvPr id="9" name="Group 62"/>
           <p:cNvGrpSpPr/>
           <p:nvPr/>
         </p:nvGrpSpPr>
         <p:grpSpPr>
           <a:xfrm rot="16200000" flipV="1">
-            <a:off x="5436096" y="2564904"/>
-            <a:ext cx="1296144" cy="864096"/>
+            <a:off x="5368933" y="2497741"/>
+            <a:ext cx="1430470" cy="864096"/>
             <a:chOff x="2857487" y="3286125"/>
             <a:chExt cx="214317" cy="1347797"/>
           </a:xfrm>
@@ -9714,7 +9718,7 @@
         </p:nvSpPr>
         <p:spPr>
           <a:xfrm>
-            <a:off x="5652120" y="1988840"/>
+            <a:off x="5652120" y="1928802"/>
             <a:ext cx="482824" cy="307777"/>
           </a:xfrm>
           <a:prstGeom prst="rect">
@@ -12836,24 +12840,145 @@
             <p:ph idx="1"/>
           </p:nvPr>
         </p:nvSpPr>
-        <p:spPr/>
+        <p:spPr>
+          <a:xfrm>
+            <a:off x="457200" y="1600200"/>
+            <a:ext cx="8115328" cy="4525963"/>
+          </a:xfrm>
+        </p:spPr>
         <p:txBody>
           <a:bodyPr/>
           <a:lstStyle/>
           <a:p>
-            <a:r>
-              <a:rPr lang="pt-BR" dirty="0" smtClean="0"/>
-              <a:t>TODO: “</a:t>
-            </a:r>
-            <a:r>
-              <a:rPr lang="pt-BR" dirty="0" err="1" smtClean="0"/>
-              <a:t>statements</a:t>
-            </a:r>
-            <a:r>
-              <a:rPr lang="pt-BR" dirty="0" smtClean="0"/>
-              <a:t>” / declarações SQL</a:t>
-            </a:r>
-            <a:endParaRPr lang="pt-BR" dirty="0"/>
+            <a:pPr>
+              <a:spcBef>
+                <a:spcPts val="1800"/>
+              </a:spcBef>
+            </a:pPr>
+            <a:r>
+              <a:rPr lang="pt-BR" sz="2400" dirty="0" smtClean="0"/>
+              <a:t>Com a conexão aberta podemos realizar operações na base de dados, como inclusão, exclusão, alteração e outros.</a:t>
+            </a:r>
+          </a:p>
+          <a:p>
+            <a:pPr>
+              <a:spcBef>
+                <a:spcPts val="1800"/>
+              </a:spcBef>
+            </a:pPr>
+            <a:r>
+              <a:rPr lang="pt-BR" sz="2400" dirty="0" smtClean="0"/>
+              <a:t>Cada operação na base de dados é definida por uma instrução na linguagem SQL, chamada de “</a:t>
+            </a:r>
+            <a:r>
+              <a:rPr lang="pt-BR" sz="2400" i="1" dirty="0" smtClean="0"/>
+              <a:t>statement</a:t>
+            </a:r>
+            <a:r>
+              <a:rPr lang="pt-BR" sz="2400" dirty="0" smtClean="0"/>
+              <a:t>”:</a:t>
+            </a:r>
+          </a:p>
+          <a:p>
+            <a:pPr marL="0" indent="0">
+              <a:spcBef>
+                <a:spcPts val="0"/>
+              </a:spcBef>
+              <a:buNone/>
+            </a:pPr>
+            <a:endParaRPr lang="pt-BR" sz="2000" dirty="0" smtClean="0"/>
+          </a:p>
+          <a:p>
+            <a:pPr marL="446088" indent="0">
+              <a:spcBef>
+                <a:spcPts val="0"/>
+              </a:spcBef>
+              <a:buNone/>
+            </a:pPr>
+            <a:endParaRPr lang="pt-BR" sz="2000" dirty="0" smtClean="0">
+              <a:solidFill>
+                <a:srgbClr val="FFC000"/>
+              </a:solidFill>
+            </a:endParaRPr>
+          </a:p>
+          <a:p>
+            <a:pPr marL="446088" indent="0">
+              <a:spcBef>
+                <a:spcPts val="0"/>
+              </a:spcBef>
+              <a:buNone/>
+            </a:pPr>
+            <a:r>
+              <a:rPr lang="pt-BR" sz="2000" dirty="0" smtClean="0">
+                <a:solidFill>
+                  <a:srgbClr val="FFC000"/>
+                </a:solidFill>
+              </a:rPr>
+              <a:t>UPDATE tab_funcionario SET salario = 5000 WHERE matr = 34</a:t>
+            </a:r>
+          </a:p>
+          <a:p>
+            <a:pPr marL="446088" indent="0">
+              <a:spcBef>
+                <a:spcPts val="0"/>
+              </a:spcBef>
+              <a:buNone/>
+            </a:pPr>
+            <a:endParaRPr lang="pt-BR" sz="2000" dirty="0" smtClean="0">
+              <a:solidFill>
+                <a:srgbClr val="FFC000"/>
+              </a:solidFill>
+            </a:endParaRPr>
+          </a:p>
+          <a:p>
+            <a:pPr marL="446088" indent="0">
+              <a:spcBef>
+                <a:spcPts val="0"/>
+              </a:spcBef>
+              <a:buNone/>
+            </a:pPr>
+            <a:r>
+              <a:rPr lang="pt-BR" sz="2000" dirty="0" smtClean="0">
+                <a:solidFill>
+                  <a:srgbClr val="FFC000"/>
+                </a:solidFill>
+              </a:rPr>
+              <a:t>INSERT INTO tab_setor (codigo, nome) VALUES (34, ‘RH’)</a:t>
+            </a:r>
+          </a:p>
+          <a:p>
+            <a:pPr marL="446088" indent="0">
+              <a:spcBef>
+                <a:spcPts val="0"/>
+              </a:spcBef>
+              <a:buNone/>
+            </a:pPr>
+            <a:endParaRPr lang="pt-BR" sz="2000" dirty="0" smtClean="0">
+              <a:solidFill>
+                <a:srgbClr val="FFC000"/>
+              </a:solidFill>
+            </a:endParaRPr>
+          </a:p>
+          <a:p>
+            <a:pPr marL="446088" indent="0">
+              <a:spcBef>
+                <a:spcPts val="0"/>
+              </a:spcBef>
+              <a:buNone/>
+            </a:pPr>
+            <a:r>
+              <a:rPr lang="pt-BR" sz="2000" dirty="0" smtClean="0">
+                <a:solidFill>
+                  <a:srgbClr val="FFC000"/>
+                </a:solidFill>
+              </a:rPr>
+              <a:t>DELETE FROM tab_produto WHERE codigo = 4983</a:t>
+            </a:r>
+            <a:endParaRPr lang="pt-BR" sz="2000" dirty="0">
+              <a:solidFill>
+                <a:srgbClr val="FFC000"/>
+              </a:solidFill>
+            </a:endParaRPr>
           </a:p>
         </p:txBody>
       </p:sp>
@@ -14933,7 +15058,6 @@
               <a:rPr lang="pt-BR" dirty="0" smtClean="0"/>
               <a:t>Exemplo 1</a:t>
             </a:r>
-            <a:endParaRPr lang="pt-BR" dirty="0" smtClean="0"/>
           </a:p>
           <a:p>
             <a:pPr marL="0" lvl="1" indent="0">
@@ -14994,15 +15118,7 @@
                   <a:srgbClr val="FFC000"/>
                 </a:solidFill>
               </a:rPr>
-              <a:t> </a:t>
-            </a:r>
-            <a:r>
-              <a:rPr lang="pt-BR" sz="2000" dirty="0" smtClean="0">
-                <a:solidFill>
-                  <a:srgbClr val="FFC000"/>
-                </a:solidFill>
-              </a:rPr>
-              <a:t>= </a:t>
+              <a:t> = </a:t>
             </a:r>
             <a:r>
               <a:rPr lang="pt-BR" sz="2000" dirty="0" err="1" smtClean="0">
@@ -15070,15 +15186,7 @@
             </a:r>
             <a:r>
               <a:rPr lang="pt-BR" sz="2000" dirty="0" smtClean="0"/>
-              <a:t>) </a:t>
-            </a:r>
-            <a:r>
-              <a:rPr lang="pt-BR" sz="2000" dirty="0" smtClean="0"/>
-              <a:t>VALUES </a:t>
-            </a:r>
-            <a:r>
-              <a:rPr lang="pt-BR" sz="2000" dirty="0" smtClean="0"/>
-              <a:t>(?, ?, ?)</a:t>
+              <a:t>) VALUES (?, ?, ?)</a:t>
             </a:r>
             <a:r>
               <a:rPr lang="pt-BR" sz="2000" dirty="0" smtClean="0">
@@ -15088,6 +15196,14 @@
               </a:rPr>
               <a:t>”);</a:t>
             </a:r>
+          </a:p>
+          <a:p>
+            <a:pPr marL="0" lvl="1" indent="0">
+              <a:spcBef>
+                <a:spcPts val="0"/>
+              </a:spcBef>
+              <a:buNone/>
+            </a:pPr>
             <a:endParaRPr lang="pt-BR" sz="2000" dirty="0" smtClean="0">
               <a:solidFill>
                 <a:srgbClr val="FFC000"/>
@@ -15101,6 +15217,174 @@
               </a:spcBef>
               <a:buNone/>
             </a:pPr>
+            <a:r>
+              <a:rPr lang="pt-BR" sz="2000" dirty="0" err="1" smtClean="0">
+                <a:solidFill>
+                  <a:srgbClr val="FFC000"/>
+                </a:solidFill>
+              </a:rPr>
+              <a:t>ps.</a:t>
+            </a:r>
+            <a:r>
+              <a:rPr lang="pt-BR" sz="2000" u="sng" dirty="0" err="1" smtClean="0">
+                <a:solidFill>
+                  <a:srgbClr val="FFC000"/>
+                </a:solidFill>
+              </a:rPr>
+              <a:t>setInt</a:t>
+            </a:r>
+            <a:r>
+              <a:rPr lang="pt-BR" sz="2000" dirty="0" smtClean="0">
+                <a:solidFill>
+                  <a:srgbClr val="FFC000"/>
+                </a:solidFill>
+              </a:rPr>
+              <a:t>(</a:t>
+            </a:r>
+            <a:r>
+              <a:rPr lang="pt-BR" sz="2000" dirty="0" smtClean="0"/>
+              <a:t>1</a:t>
+            </a:r>
+            <a:r>
+              <a:rPr lang="pt-BR" sz="2000" dirty="0" smtClean="0">
+                <a:solidFill>
+                  <a:srgbClr val="FFC000"/>
+                </a:solidFill>
+              </a:rPr>
+              <a:t>,</a:t>
+            </a:r>
+            <a:r>
+              <a:rPr lang="pt-BR" sz="2000" dirty="0" smtClean="0"/>
+              <a:t> 1001</a:t>
+            </a:r>
+            <a:r>
+              <a:rPr lang="pt-BR" sz="2000" dirty="0" smtClean="0">
+                <a:solidFill>
+                  <a:srgbClr val="FFC000"/>
+                </a:solidFill>
+              </a:rPr>
+              <a:t>);</a:t>
+            </a:r>
+          </a:p>
+          <a:p>
+            <a:pPr marL="0" lvl="1" indent="0">
+              <a:spcBef>
+                <a:spcPts val="0"/>
+              </a:spcBef>
+              <a:buNone/>
+            </a:pPr>
+            <a:r>
+              <a:rPr lang="pt-BR" sz="2000" dirty="0" err="1" smtClean="0">
+                <a:solidFill>
+                  <a:srgbClr val="FFC000"/>
+                </a:solidFill>
+              </a:rPr>
+              <a:t>ps.</a:t>
+            </a:r>
+            <a:r>
+              <a:rPr lang="pt-BR" sz="2000" u="sng" dirty="0" err="1" smtClean="0">
+                <a:solidFill>
+                  <a:srgbClr val="FFC000"/>
+                </a:solidFill>
+              </a:rPr>
+              <a:t>setString</a:t>
+            </a:r>
+            <a:r>
+              <a:rPr lang="pt-BR" sz="2000" dirty="0" smtClean="0">
+                <a:solidFill>
+                  <a:srgbClr val="FFC000"/>
+                </a:solidFill>
+              </a:rPr>
+              <a:t>(</a:t>
+            </a:r>
+            <a:r>
+              <a:rPr lang="pt-BR" sz="2000" dirty="0" smtClean="0"/>
+              <a:t>2</a:t>
+            </a:r>
+            <a:r>
+              <a:rPr lang="pt-BR" sz="2000" dirty="0" smtClean="0">
+                <a:solidFill>
+                  <a:srgbClr val="FFC000"/>
+                </a:solidFill>
+              </a:rPr>
+              <a:t>,</a:t>
+            </a:r>
+            <a:r>
+              <a:rPr lang="pt-BR" sz="2000" dirty="0" smtClean="0"/>
+              <a:t> “José Souza”</a:t>
+            </a:r>
+            <a:r>
+              <a:rPr lang="pt-BR" sz="2000" dirty="0" smtClean="0">
+                <a:solidFill>
+                  <a:srgbClr val="FFC000"/>
+                </a:solidFill>
+              </a:rPr>
+              <a:t>);</a:t>
+            </a:r>
+          </a:p>
+          <a:p>
+            <a:pPr marL="0" lvl="1" indent="0">
+              <a:spcBef>
+                <a:spcPts val="0"/>
+              </a:spcBef>
+              <a:buNone/>
+            </a:pPr>
+            <a:r>
+              <a:rPr lang="pt-BR" sz="2000" dirty="0" err="1" smtClean="0">
+                <a:solidFill>
+                  <a:srgbClr val="FFC000"/>
+                </a:solidFill>
+              </a:rPr>
+              <a:t>ps.</a:t>
+            </a:r>
+            <a:r>
+              <a:rPr lang="pt-BR" sz="2000" u="sng" dirty="0" err="1" smtClean="0">
+                <a:solidFill>
+                  <a:srgbClr val="FFC000"/>
+                </a:solidFill>
+              </a:rPr>
+              <a:t>setDouble</a:t>
+            </a:r>
+            <a:r>
+              <a:rPr lang="pt-BR" sz="2000" dirty="0" smtClean="0">
+                <a:solidFill>
+                  <a:srgbClr val="FFC000"/>
+                </a:solidFill>
+              </a:rPr>
+              <a:t>(</a:t>
+            </a:r>
+            <a:r>
+              <a:rPr lang="pt-BR" sz="2000" dirty="0" smtClean="0"/>
+              <a:t>3</a:t>
+            </a:r>
+            <a:r>
+              <a:rPr lang="pt-BR" sz="2000" dirty="0" smtClean="0">
+                <a:solidFill>
+                  <a:srgbClr val="FFC000"/>
+                </a:solidFill>
+              </a:rPr>
+              <a:t>,</a:t>
+            </a:r>
+            <a:r>
+              <a:rPr lang="pt-BR" sz="2000" dirty="0" smtClean="0"/>
+              <a:t> 3200.45</a:t>
+            </a:r>
+            <a:r>
+              <a:rPr lang="pt-BR" sz="2000" dirty="0" smtClean="0">
+                <a:solidFill>
+                  <a:srgbClr val="FFC000"/>
+                </a:solidFill>
+              </a:rPr>
+              <a:t>);</a:t>
+            </a:r>
+          </a:p>
+          <a:p>
+            <a:pPr marL="0" lvl="1" indent="0">
+              <a:spcBef>
+                <a:spcPts val="0"/>
+              </a:spcBef>
+              <a:buNone/>
+            </a:pPr>
             <a:endParaRPr lang="pt-BR" sz="2000" dirty="0" smtClean="0">
               <a:solidFill>
                 <a:srgbClr val="FFC000"/>
@@ -15128,7 +15412,7 @@
                   <a:srgbClr val="FFC000"/>
                 </a:solidFill>
               </a:rPr>
-              <a:t>setInt</a:t>
+              <a:t>executeUpdate</a:t>
             </a:r>
             <a:r>
               <a:rPr lang="pt-BR" sz="2000" dirty="0" smtClean="0">
@@ -15136,207 +15420,8 @@
                   <a:srgbClr val="FFC000"/>
                 </a:solidFill>
               </a:rPr>
-              <a:t>(</a:t>
-            </a:r>
-            <a:r>
-              <a:rPr lang="pt-BR" sz="2000" dirty="0" smtClean="0"/>
-              <a:t>1</a:t>
-            </a:r>
-            <a:r>
-              <a:rPr lang="pt-BR" sz="2000" dirty="0" smtClean="0">
-                <a:solidFill>
-                  <a:srgbClr val="FFC000"/>
-                </a:solidFill>
-              </a:rPr>
-              <a:t>,</a:t>
-            </a:r>
-            <a:r>
-              <a:rPr lang="pt-BR" sz="2000" dirty="0" smtClean="0"/>
-              <a:t> </a:t>
-            </a:r>
-            <a:r>
-              <a:rPr lang="pt-BR" sz="2000" dirty="0" smtClean="0"/>
-              <a:t>1001</a:t>
-            </a:r>
-            <a:r>
-              <a:rPr lang="pt-BR" sz="2000" dirty="0" smtClean="0">
-                <a:solidFill>
-                  <a:srgbClr val="FFC000"/>
-                </a:solidFill>
-              </a:rPr>
-              <a:t>);</a:t>
-            </a:r>
-          </a:p>
-          <a:p>
-            <a:pPr marL="0" lvl="1" indent="0">
-              <a:spcBef>
-                <a:spcPts val="0"/>
-              </a:spcBef>
-              <a:buNone/>
-            </a:pPr>
-            <a:r>
-              <a:rPr lang="pt-BR" sz="2000" dirty="0" err="1" smtClean="0">
-                <a:solidFill>
-                  <a:srgbClr val="FFC000"/>
-                </a:solidFill>
-              </a:rPr>
-              <a:t>ps.</a:t>
-            </a:r>
-            <a:r>
-              <a:rPr lang="pt-BR" sz="2000" u="sng" dirty="0" err="1" smtClean="0">
-                <a:solidFill>
-                  <a:srgbClr val="FFC000"/>
-                </a:solidFill>
-              </a:rPr>
-              <a:t>setString</a:t>
-            </a:r>
-            <a:r>
-              <a:rPr lang="pt-BR" sz="2000" dirty="0" smtClean="0">
-                <a:solidFill>
-                  <a:srgbClr val="FFC000"/>
-                </a:solidFill>
-              </a:rPr>
-              <a:t>(</a:t>
-            </a:r>
-            <a:r>
-              <a:rPr lang="pt-BR" sz="2000" dirty="0" smtClean="0"/>
-              <a:t>2</a:t>
-            </a:r>
-            <a:r>
-              <a:rPr lang="pt-BR" sz="2000" dirty="0" smtClean="0">
-                <a:solidFill>
-                  <a:srgbClr val="FFC000"/>
-                </a:solidFill>
-              </a:rPr>
-              <a:t>,</a:t>
-            </a:r>
-            <a:r>
-              <a:rPr lang="pt-BR" sz="2000" dirty="0" smtClean="0"/>
-              <a:t> “José Souza”</a:t>
-            </a:r>
-            <a:r>
-              <a:rPr lang="pt-BR" sz="2000" dirty="0" smtClean="0">
-                <a:solidFill>
-                  <a:srgbClr val="FFC000"/>
-                </a:solidFill>
-              </a:rPr>
-              <a:t>);</a:t>
-            </a:r>
-            <a:endParaRPr lang="pt-BR" sz="2000" dirty="0" smtClean="0">
-              <a:solidFill>
-                <a:srgbClr val="FFC000"/>
-              </a:solidFill>
-            </a:endParaRPr>
-          </a:p>
-          <a:p>
-            <a:pPr marL="0" lvl="1" indent="0">
-              <a:spcBef>
-                <a:spcPts val="0"/>
-              </a:spcBef>
-              <a:buNone/>
-            </a:pPr>
-            <a:r>
-              <a:rPr lang="pt-BR" sz="2000" dirty="0" err="1" smtClean="0">
-                <a:solidFill>
-                  <a:srgbClr val="FFC000"/>
-                </a:solidFill>
-              </a:rPr>
-              <a:t>ps.</a:t>
-            </a:r>
-            <a:r>
-              <a:rPr lang="pt-BR" sz="2000" u="sng" dirty="0" err="1" smtClean="0">
-                <a:solidFill>
-                  <a:srgbClr val="FFC000"/>
-                </a:solidFill>
-              </a:rPr>
-              <a:t>setDouble</a:t>
-            </a:r>
-            <a:r>
-              <a:rPr lang="pt-BR" sz="2000" dirty="0" smtClean="0">
-                <a:solidFill>
-                  <a:srgbClr val="FFC000"/>
-                </a:solidFill>
-              </a:rPr>
-              <a:t>(</a:t>
-            </a:r>
-            <a:r>
-              <a:rPr lang="pt-BR" sz="2000" dirty="0" smtClean="0"/>
-              <a:t>3</a:t>
-            </a:r>
-            <a:r>
-              <a:rPr lang="pt-BR" sz="2000" dirty="0" smtClean="0">
-                <a:solidFill>
-                  <a:srgbClr val="FFC000"/>
-                </a:solidFill>
-              </a:rPr>
-              <a:t>,</a:t>
-            </a:r>
-            <a:r>
-              <a:rPr lang="pt-BR" sz="2000" dirty="0" smtClean="0"/>
-              <a:t> </a:t>
-            </a:r>
-            <a:r>
-              <a:rPr lang="pt-BR" sz="2000" dirty="0" smtClean="0"/>
-              <a:t>3200.45</a:t>
-            </a:r>
-            <a:r>
-              <a:rPr lang="pt-BR" sz="2000" dirty="0" smtClean="0">
-                <a:solidFill>
-                  <a:srgbClr val="FFC000"/>
-                </a:solidFill>
-              </a:rPr>
-              <a:t>);</a:t>
-            </a:r>
-          </a:p>
-          <a:p>
-            <a:pPr marL="0" lvl="1" indent="0">
-              <a:spcBef>
-                <a:spcPts val="0"/>
-              </a:spcBef>
-              <a:buNone/>
-            </a:pPr>
-            <a:endParaRPr lang="pt-BR" sz="2000" dirty="0" smtClean="0">
-              <a:solidFill>
-                <a:srgbClr val="FFC000"/>
-              </a:solidFill>
-            </a:endParaRPr>
-          </a:p>
-          <a:p>
-            <a:pPr marL="0" lvl="1" indent="0">
-              <a:spcBef>
-                <a:spcPts val="0"/>
-              </a:spcBef>
-              <a:buNone/>
-            </a:pPr>
-            <a:r>
-              <a:rPr lang="pt-BR" sz="2000" dirty="0" err="1" smtClean="0">
-                <a:solidFill>
-                  <a:srgbClr val="FFC000"/>
-                </a:solidFill>
-              </a:rPr>
-              <a:t>ps.</a:t>
-            </a:r>
-            <a:r>
-              <a:rPr lang="pt-BR" sz="2000" u="sng" dirty="0" err="1" smtClean="0">
-                <a:solidFill>
-                  <a:srgbClr val="FFC000"/>
-                </a:solidFill>
-              </a:rPr>
-              <a:t>executeUpdate</a:t>
-            </a:r>
-            <a:r>
-              <a:rPr lang="pt-BR" sz="2000" dirty="0" smtClean="0">
-                <a:solidFill>
-                  <a:srgbClr val="FFC000"/>
-                </a:solidFill>
-              </a:rPr>
               <a:t>();</a:t>
             </a:r>
-            <a:endParaRPr lang="pt-BR" sz="2000" dirty="0" smtClean="0">
-              <a:solidFill>
-                <a:srgbClr val="FFC000"/>
-              </a:solidFill>
-            </a:endParaRPr>
           </a:p>
           <a:p>
             <a:pPr marL="0" lvl="1" indent="0">
@@ -16499,7 +16584,7 @@
                                 </p:cTn>
                               </p:par>
                               <p:par>
-                                <p:cTn id="35" presetID="2" presetClass="entr" presetSubtype="8" fill="hold" grpId="0" nodeType="withEffect">
+                                <p:cTn id="35" presetID="2" presetClass="entr" presetSubtype="8" fill="hold" nodeType="withEffect">
                                   <p:stCondLst>
                                     <p:cond delay="0"/>
                                   </p:stCondLst>
@@ -16682,7 +16767,6 @@
               <a:rPr lang="pt-BR" dirty="0" smtClean="0"/>
               <a:t>Exemplo 2</a:t>
             </a:r>
-            <a:endParaRPr lang="pt-BR" dirty="0" smtClean="0"/>
           </a:p>
           <a:p>
             <a:pPr marL="0" lvl="1" indent="0">
@@ -16743,15 +16827,7 @@
                   <a:srgbClr val="FFC000"/>
                 </a:solidFill>
               </a:rPr>
-              <a:t> </a:t>
-            </a:r>
-            <a:r>
-              <a:rPr lang="pt-BR" sz="2000" dirty="0" smtClean="0">
-                <a:solidFill>
-                  <a:srgbClr val="FFC000"/>
-                </a:solidFill>
-              </a:rPr>
-              <a:t>= </a:t>
+              <a:t> = </a:t>
             </a:r>
             <a:r>
               <a:rPr lang="pt-BR" sz="2000" dirty="0" err="1" smtClean="0">
@@ -16837,6 +16913,14 @@
               </a:rPr>
               <a:t>”);</a:t>
             </a:r>
+          </a:p>
+          <a:p>
+            <a:pPr marL="0" lvl="1" indent="0">
+              <a:spcBef>
+                <a:spcPts val="0"/>
+              </a:spcBef>
+              <a:buNone/>
+            </a:pPr>
             <a:endParaRPr lang="pt-BR" sz="2000" dirty="0" smtClean="0">
               <a:solidFill>
                 <a:srgbClr val="FFC000"/>
@@ -16850,11 +16934,54 @@
               </a:spcBef>
               <a:buNone/>
             </a:pPr>
-            <a:endParaRPr lang="pt-BR" sz="2000" dirty="0" smtClean="0">
-              <a:solidFill>
-                <a:srgbClr val="FFC000"/>
-              </a:solidFill>
-            </a:endParaRPr>
+            <a:r>
+              <a:rPr lang="pt-BR" sz="2000" dirty="0" err="1" smtClean="0">
+                <a:solidFill>
+                  <a:srgbClr val="FFC000"/>
+                </a:solidFill>
+              </a:rPr>
+              <a:t>ps.</a:t>
+            </a:r>
+            <a:r>
+              <a:rPr lang="pt-BR" sz="2000" u="sng" dirty="0" err="1" smtClean="0">
+                <a:solidFill>
+                  <a:srgbClr val="FFC000"/>
+                </a:solidFill>
+              </a:rPr>
+              <a:t>setDouble</a:t>
+            </a:r>
+            <a:r>
+              <a:rPr lang="pt-BR" sz="2000" dirty="0" smtClean="0">
+                <a:solidFill>
+                  <a:srgbClr val="FFC000"/>
+                </a:solidFill>
+              </a:rPr>
+              <a:t>(</a:t>
+            </a:r>
+            <a:r>
+              <a:rPr lang="pt-BR" sz="2000" dirty="0" smtClean="0"/>
+              <a:t>1</a:t>
+            </a:r>
+            <a:r>
+              <a:rPr lang="pt-BR" sz="2000" dirty="0" smtClean="0">
+                <a:solidFill>
+                  <a:srgbClr val="FFC000"/>
+                </a:solidFill>
+              </a:rPr>
+              <a:t>,</a:t>
+            </a:r>
+            <a:r>
+              <a:rPr lang="pt-BR" sz="2000" dirty="0" smtClean="0"/>
+              <a:t> 3200.45</a:t>
+            </a:r>
+            <a:r>
+              <a:rPr lang="pt-BR" sz="2000" dirty="0" smtClean="0">
+                <a:solidFill>
+                  <a:srgbClr val="FFC000"/>
+                </a:solidFill>
+              </a:rPr>
+              <a:t>);</a:t>
+            </a:r>
           </a:p>
           <a:p>
             <a:pPr marL="0" lvl="1" indent="0">
@@ -16877,7 +17004,7 @@
                   <a:srgbClr val="FFC000"/>
                 </a:solidFill>
               </a:rPr>
-              <a:t>setDouble</a:t>
+              <a:t>setInt</a:t>
             </a:r>
             <a:r>
               <a:rPr lang="pt-BR" sz="2000" dirty="0" smtClean="0">
@@ -16889,7 +17016,7 @@
             </a:r>
             <a:r>
               <a:rPr lang="pt-BR" sz="2000" dirty="0" smtClean="0"/>
-              <a:t>1</a:t>
+              <a:t>2</a:t>
             </a:r>
             <a:r>
               <a:rPr lang="pt-BR" sz="2000" dirty="0" smtClean="0">
@@ -16901,7 +17028,7 @@
             </a:r>
             <a:r>
               <a:rPr lang="pt-BR" sz="2000" dirty="0" smtClean="0"/>
-              <a:t> 3200.45</a:t>
+              <a:t> 1001</a:t>
             </a:r>
             <a:r>
               <a:rPr lang="pt-BR" sz="2000" dirty="0" smtClean="0">
@@ -16911,11 +17038,6 @@
               </a:rPr>
               <a:t>);</a:t>
             </a:r>
-            <a:endParaRPr lang="pt-BR" sz="2000" dirty="0" smtClean="0">
-              <a:solidFill>
-                <a:srgbClr val="FFC000"/>
-              </a:solidFill>
-            </a:endParaRPr>
           </a:p>
           <a:p>
             <a:pPr marL="0" lvl="1" indent="0">
@@ -16938,7 +17060,7 @@
                   <a:srgbClr val="FFC000"/>
                 </a:solidFill>
               </a:rPr>
-              <a:t>setInt</a:t>
+              <a:t>executeUpdate</a:t>
             </a:r>
             <a:r>
               <a:rPr lang="pt-BR" sz="2000" dirty="0" smtClean="0">
@@ -16946,74 +17068,8 @@
                   <a:srgbClr val="FFC000"/>
                 </a:solidFill>
               </a:rPr>
-              <a:t>(</a:t>
-            </a:r>
-            <a:r>
-              <a:rPr lang="pt-BR" sz="2000" dirty="0" smtClean="0"/>
-              <a:t>2</a:t>
-            </a:r>
-            <a:r>
-              <a:rPr lang="pt-BR" sz="2000" dirty="0" smtClean="0">
-                <a:solidFill>
-                  <a:srgbClr val="FFC000"/>
-                </a:solidFill>
-              </a:rPr>
-              <a:t>,</a:t>
-            </a:r>
-            <a:r>
-              <a:rPr lang="pt-BR" sz="2000" dirty="0" smtClean="0"/>
-              <a:t> 1001</a:t>
-            </a:r>
-            <a:r>
-              <a:rPr lang="pt-BR" sz="2000" dirty="0" smtClean="0">
-                <a:solidFill>
-                  <a:srgbClr val="FFC000"/>
-                </a:solidFill>
-              </a:rPr>
-              <a:t>);</a:t>
-            </a:r>
-            <a:endParaRPr lang="pt-BR" sz="2000" dirty="0" smtClean="0">
-              <a:solidFill>
-                <a:srgbClr val="FFC000"/>
-              </a:solidFill>
-            </a:endParaRPr>
-          </a:p>
-          <a:p>
-            <a:pPr marL="0" lvl="1" indent="0">
-              <a:spcBef>
-                <a:spcPts val="0"/>
-              </a:spcBef>
-              <a:buNone/>
-            </a:pPr>
-            <a:r>
-              <a:rPr lang="pt-BR" sz="2000" dirty="0" err="1" smtClean="0">
-                <a:solidFill>
-                  <a:srgbClr val="FFC000"/>
-                </a:solidFill>
-              </a:rPr>
-              <a:t>ps.</a:t>
-            </a:r>
-            <a:r>
-              <a:rPr lang="pt-BR" sz="2000" u="sng" dirty="0" err="1" smtClean="0">
-                <a:solidFill>
-                  <a:srgbClr val="FFC000"/>
-                </a:solidFill>
-              </a:rPr>
-              <a:t>executeUpdate</a:t>
-            </a:r>
-            <a:r>
-              <a:rPr lang="pt-BR" sz="2000" dirty="0" smtClean="0">
-                <a:solidFill>
-                  <a:srgbClr val="FFC000"/>
-                </a:solidFill>
-              </a:rPr>
               <a:t>();</a:t>
             </a:r>
-            <a:endParaRPr lang="pt-BR" sz="2000" dirty="0" smtClean="0">
-              <a:solidFill>
-                <a:srgbClr val="FFC000"/>
-              </a:solidFill>
-            </a:endParaRPr>
           </a:p>
           <a:p>
             <a:pPr marL="0" lvl="1" indent="0">
@@ -19665,7 +19721,7 @@
             <a:avLst/>
           </a:prstGeom>
           <a:noFill/>
-          <a:ln w="9525">
+          <a:ln w="28575">
             <a:solidFill>
               <a:schemeClr val="tx1"/>
             </a:solidFill>
@@ -19776,7 +19832,7 @@
             <a:avLst/>
           </a:prstGeom>
           <a:noFill/>
-          <a:ln w="9525">
+          <a:ln w="28575">
             <a:solidFill>
               <a:schemeClr val="tx1"/>
             </a:solidFill>
@@ -19834,7 +19890,7 @@
             <a:avLst/>
           </a:prstGeom>
           <a:noFill/>
-          <a:ln w="9525">
+          <a:ln w="28575">
             <a:solidFill>
               <a:schemeClr val="tx1"/>
             </a:solidFill>
@@ -19892,7 +19948,7 @@
             <a:avLst/>
           </a:prstGeom>
           <a:noFill/>
-          <a:ln w="9525">
+          <a:ln w="28575">
             <a:solidFill>
               <a:schemeClr val="tx1"/>
             </a:solidFill>
@@ -19950,7 +20006,7 @@
             <a:avLst/>
           </a:prstGeom>
           <a:noFill/>
-          <a:ln w="9525">
+          <a:ln w="28575">
             <a:solidFill>
               <a:schemeClr val="tx1"/>
             </a:solidFill>
@@ -20010,7 +20066,7 @@
             </a:avLst>
           </a:prstGeom>
           <a:noFill/>
-          <a:ln w="9525">
+          <a:ln w="28575">
             <a:solidFill>
               <a:schemeClr val="tx1"/>
             </a:solidFill>
@@ -20064,7 +20120,7 @@
             </a:avLst>
           </a:prstGeom>
           <a:noFill/>
-          <a:ln w="9525">
+          <a:ln w="28575">
             <a:solidFill>
               <a:schemeClr val="tx1"/>
             </a:solidFill>
@@ -20118,7 +20174,7 @@
             </a:avLst>
           </a:prstGeom>
           <a:noFill/>
-          <a:ln w="9525">
+          <a:ln w="28575">
             <a:solidFill>
               <a:schemeClr val="tx1"/>
             </a:solidFill>
@@ -20172,7 +20228,7 @@
             </a:avLst>
           </a:prstGeom>
           <a:noFill/>
-          <a:ln w="9525">
+          <a:ln w="28575">
             <a:solidFill>
               <a:srgbClr val="FFC000"/>
             </a:solidFill>
@@ -20224,7 +20280,7 @@
             <a:avLst/>
           </a:prstGeom>
           <a:noFill/>
-          <a:ln w="38100">
+          <a:ln w="28575">
             <a:solidFill>
               <a:schemeClr val="tx1"/>
             </a:solidFill>
@@ -20259,7 +20315,7 @@
             <a:avLst/>
           </a:prstGeom>
           <a:noFill/>
-          <a:ln w="38100">
+          <a:ln w="28575">
             <a:solidFill>
               <a:schemeClr val="tx1"/>
             </a:solidFill>
@@ -20294,7 +20350,7 @@
             <a:avLst/>
           </a:prstGeom>
           <a:noFill/>
-          <a:ln w="38100">
+          <a:ln w="28575">
             <a:solidFill>
               <a:schemeClr val="tx1"/>
             </a:solidFill>
@@ -20329,7 +20385,7 @@
             <a:avLst/>
           </a:prstGeom>
           <a:noFill/>
-          <a:ln w="38100">
+          <a:ln w="28575">
             <a:solidFill>
               <a:schemeClr val="tx1"/>
             </a:solidFill>
@@ -20364,7 +20420,7 @@
             <a:avLst/>
           </a:prstGeom>
           <a:noFill/>
-          <a:ln w="38100">
+          <a:ln w="28575">
             <a:solidFill>
               <a:schemeClr val="tx1"/>
             </a:solidFill>
@@ -20399,7 +20455,7 @@
             <a:avLst/>
           </a:prstGeom>
           <a:noFill/>
-          <a:ln w="38100">
+          <a:ln w="28575">
             <a:solidFill>
               <a:schemeClr val="tx1"/>
             </a:solidFill>
@@ -20434,7 +20490,7 @@
             <a:avLst/>
           </a:prstGeom>
           <a:noFill/>
-          <a:ln w="38100">
+          <a:ln w="28575">
             <a:solidFill>
               <a:schemeClr val="tx1"/>
             </a:solidFill>
@@ -20469,7 +20525,7 @@
             <a:avLst/>
           </a:prstGeom>
           <a:noFill/>
-          <a:ln w="38100">
+          <a:ln w="28575">
             <a:solidFill>
               <a:schemeClr val="tx1"/>
             </a:solidFill>
@@ -20504,7 +20560,7 @@
             <a:avLst/>
           </a:prstGeom>
           <a:noFill/>
-          <a:ln w="9525">
+          <a:ln w="28575">
             <a:solidFill>
               <a:srgbClr val="FFC000"/>
             </a:solidFill>
@@ -20553,7 +20609,7 @@
             <a:avLst/>
           </a:prstGeom>
           <a:noFill/>
-          <a:ln w="9525">
+          <a:ln w="28575">
             <a:solidFill>
               <a:srgbClr val="FFC000"/>
             </a:solidFill>

--- a/trunk/2-Java-Programmer-Modulo-II/19.Capitulo11.pptx
+++ b/trunk/2-Java-Programmer-Modulo-II/19.Capitulo11.pptx
@@ -5,7 +5,7 @@
     <p:sldMasterId id="2147483660" r:id="rId1"/>
   </p:sldMasterIdLst>
   <p:notesMasterIdLst>
-    <p:notesMasterId r:id="rId52"/>
+    <p:notesMasterId r:id="rId60"/>
   </p:notesMasterIdLst>
   <p:sldIdLst>
     <p:sldId id="256" r:id="rId2"/>
@@ -56,8 +56,16 @@
     <p:sldId id="358" r:id="rId47"/>
     <p:sldId id="359" r:id="rId48"/>
     <p:sldId id="312" r:id="rId49"/>
-    <p:sldId id="313" r:id="rId50"/>
-    <p:sldId id="314" r:id="rId51"/>
+    <p:sldId id="361" r:id="rId50"/>
+    <p:sldId id="360" r:id="rId51"/>
+    <p:sldId id="362" r:id="rId52"/>
+    <p:sldId id="363" r:id="rId53"/>
+    <p:sldId id="364" r:id="rId54"/>
+    <p:sldId id="365" r:id="rId55"/>
+    <p:sldId id="366" r:id="rId56"/>
+    <p:sldId id="367" r:id="rId57"/>
+    <p:sldId id="313" r:id="rId58"/>
+    <p:sldId id="314" r:id="rId59"/>
   </p:sldIdLst>
   <p:sldSz cx="9144000" cy="6858000" type="screen4x3"/>
   <p:notesSz cx="6858000" cy="9144000"/>
@@ -4678,6 +4686,702 @@
                 <a:defRPr/>
               </a:pPr>
               <a:t>50</a:t>
+            </a:fld>
+            <a:endParaRPr lang="pt-BR"/>
+          </a:p>
+        </p:txBody>
+      </p:sp>
+    </p:spTree>
+  </p:cSld>
+  <p:clrMapOvr>
+    <a:masterClrMapping/>
+  </p:clrMapOvr>
+</p:notes>
+</file>
+
+<file path=ppt/notesSlides/notesSlide51.xml><?xml version="1.0" encoding="utf-8"?>
+<p:notes xmlns:a="http://schemas.openxmlformats.org/drawingml/2006/main" xmlns:r="http://schemas.openxmlformats.org/officeDocument/2006/relationships" xmlns:p="http://schemas.openxmlformats.org/presentationml/2006/main">
+  <p:cSld>
+    <p:spTree>
+      <p:nvGrpSpPr>
+        <p:cNvPr id="1" name=""/>
+        <p:cNvGrpSpPr/>
+        <p:nvPr/>
+      </p:nvGrpSpPr>
+      <p:grpSpPr>
+        <a:xfrm>
+          <a:off x="0" y="0"/>
+          <a:ext cx="0" cy="0"/>
+          <a:chOff x="0" y="0"/>
+          <a:chExt cx="0" cy="0"/>
+        </a:xfrm>
+      </p:grpSpPr>
+      <p:sp>
+        <p:nvSpPr>
+          <p:cNvPr id="2" name="Espaço Reservado para Imagem de Slide 1"/>
+          <p:cNvSpPr>
+            <a:spLocks noGrp="1" noRot="1" noChangeAspect="1"/>
+          </p:cNvSpPr>
+          <p:nvPr>
+            <p:ph type="sldImg"/>
+          </p:nvPr>
+        </p:nvSpPr>
+        <p:spPr/>
+      </p:sp>
+      <p:sp>
+        <p:nvSpPr>
+          <p:cNvPr id="3" name="Espaço Reservado para Anotações 2"/>
+          <p:cNvSpPr>
+            <a:spLocks noGrp="1"/>
+          </p:cNvSpPr>
+          <p:nvPr>
+            <p:ph type="body" idx="1"/>
+          </p:nvPr>
+        </p:nvSpPr>
+        <p:spPr/>
+        <p:txBody>
+          <a:bodyPr>
+            <a:normAutofit/>
+          </a:bodyPr>
+          <a:lstStyle/>
+          <a:p>
+            <a:endParaRPr lang="pt-BR"/>
+          </a:p>
+        </p:txBody>
+      </p:sp>
+      <p:sp>
+        <p:nvSpPr>
+          <p:cNvPr id="4" name="Espaço Reservado para Número de Slide 3"/>
+          <p:cNvSpPr>
+            <a:spLocks noGrp="1"/>
+          </p:cNvSpPr>
+          <p:nvPr>
+            <p:ph type="sldNum" sz="quarter" idx="10"/>
+          </p:nvPr>
+        </p:nvSpPr>
+        <p:spPr/>
+        <p:txBody>
+          <a:bodyPr/>
+          <a:lstStyle/>
+          <a:p>
+            <a:pPr>
+              <a:defRPr/>
+            </a:pPr>
+            <a:fld id="{8E95BD27-5466-443F-B42B-02049F05E6C9}" type="slidenum">
+              <a:rPr lang="pt-BR" smtClean="0"/>
+              <a:pPr>
+                <a:defRPr/>
+              </a:pPr>
+              <a:t>51</a:t>
+            </a:fld>
+            <a:endParaRPr lang="pt-BR"/>
+          </a:p>
+        </p:txBody>
+      </p:sp>
+    </p:spTree>
+  </p:cSld>
+  <p:clrMapOvr>
+    <a:masterClrMapping/>
+  </p:clrMapOvr>
+</p:notes>
+</file>
+
+<file path=ppt/notesSlides/notesSlide52.xml><?xml version="1.0" encoding="utf-8"?>
+<p:notes xmlns:a="http://schemas.openxmlformats.org/drawingml/2006/main" xmlns:r="http://schemas.openxmlformats.org/officeDocument/2006/relationships" xmlns:p="http://schemas.openxmlformats.org/presentationml/2006/main">
+  <p:cSld>
+    <p:spTree>
+      <p:nvGrpSpPr>
+        <p:cNvPr id="1" name=""/>
+        <p:cNvGrpSpPr/>
+        <p:nvPr/>
+      </p:nvGrpSpPr>
+      <p:grpSpPr>
+        <a:xfrm>
+          <a:off x="0" y="0"/>
+          <a:ext cx="0" cy="0"/>
+          <a:chOff x="0" y="0"/>
+          <a:chExt cx="0" cy="0"/>
+        </a:xfrm>
+      </p:grpSpPr>
+      <p:sp>
+        <p:nvSpPr>
+          <p:cNvPr id="2" name="Espaço Reservado para Imagem de Slide 1"/>
+          <p:cNvSpPr>
+            <a:spLocks noGrp="1" noRot="1" noChangeAspect="1"/>
+          </p:cNvSpPr>
+          <p:nvPr>
+            <p:ph type="sldImg"/>
+          </p:nvPr>
+        </p:nvSpPr>
+        <p:spPr/>
+      </p:sp>
+      <p:sp>
+        <p:nvSpPr>
+          <p:cNvPr id="3" name="Espaço Reservado para Anotações 2"/>
+          <p:cNvSpPr>
+            <a:spLocks noGrp="1"/>
+          </p:cNvSpPr>
+          <p:nvPr>
+            <p:ph type="body" idx="1"/>
+          </p:nvPr>
+        </p:nvSpPr>
+        <p:spPr/>
+        <p:txBody>
+          <a:bodyPr>
+            <a:normAutofit/>
+          </a:bodyPr>
+          <a:lstStyle/>
+          <a:p>
+            <a:endParaRPr lang="pt-BR"/>
+          </a:p>
+        </p:txBody>
+      </p:sp>
+      <p:sp>
+        <p:nvSpPr>
+          <p:cNvPr id="4" name="Espaço Reservado para Número de Slide 3"/>
+          <p:cNvSpPr>
+            <a:spLocks noGrp="1"/>
+          </p:cNvSpPr>
+          <p:nvPr>
+            <p:ph type="sldNum" sz="quarter" idx="10"/>
+          </p:nvPr>
+        </p:nvSpPr>
+        <p:spPr/>
+        <p:txBody>
+          <a:bodyPr/>
+          <a:lstStyle/>
+          <a:p>
+            <a:pPr>
+              <a:defRPr/>
+            </a:pPr>
+            <a:fld id="{8E95BD27-5466-443F-B42B-02049F05E6C9}" type="slidenum">
+              <a:rPr lang="pt-BR" smtClean="0"/>
+              <a:pPr>
+                <a:defRPr/>
+              </a:pPr>
+              <a:t>52</a:t>
+            </a:fld>
+            <a:endParaRPr lang="pt-BR"/>
+          </a:p>
+        </p:txBody>
+      </p:sp>
+    </p:spTree>
+  </p:cSld>
+  <p:clrMapOvr>
+    <a:masterClrMapping/>
+  </p:clrMapOvr>
+</p:notes>
+</file>
+
+<file path=ppt/notesSlides/notesSlide53.xml><?xml version="1.0" encoding="utf-8"?>
+<p:notes xmlns:a="http://schemas.openxmlformats.org/drawingml/2006/main" xmlns:r="http://schemas.openxmlformats.org/officeDocument/2006/relationships" xmlns:p="http://schemas.openxmlformats.org/presentationml/2006/main">
+  <p:cSld>
+    <p:spTree>
+      <p:nvGrpSpPr>
+        <p:cNvPr id="1" name=""/>
+        <p:cNvGrpSpPr/>
+        <p:nvPr/>
+      </p:nvGrpSpPr>
+      <p:grpSpPr>
+        <a:xfrm>
+          <a:off x="0" y="0"/>
+          <a:ext cx="0" cy="0"/>
+          <a:chOff x="0" y="0"/>
+          <a:chExt cx="0" cy="0"/>
+        </a:xfrm>
+      </p:grpSpPr>
+      <p:sp>
+        <p:nvSpPr>
+          <p:cNvPr id="2" name="Espaço Reservado para Imagem de Slide 1"/>
+          <p:cNvSpPr>
+            <a:spLocks noGrp="1" noRot="1" noChangeAspect="1"/>
+          </p:cNvSpPr>
+          <p:nvPr>
+            <p:ph type="sldImg"/>
+          </p:nvPr>
+        </p:nvSpPr>
+        <p:spPr/>
+      </p:sp>
+      <p:sp>
+        <p:nvSpPr>
+          <p:cNvPr id="3" name="Espaço Reservado para Anotações 2"/>
+          <p:cNvSpPr>
+            <a:spLocks noGrp="1"/>
+          </p:cNvSpPr>
+          <p:nvPr>
+            <p:ph type="body" idx="1"/>
+          </p:nvPr>
+        </p:nvSpPr>
+        <p:spPr/>
+        <p:txBody>
+          <a:bodyPr>
+            <a:normAutofit/>
+          </a:bodyPr>
+          <a:lstStyle/>
+          <a:p>
+            <a:endParaRPr lang="pt-BR"/>
+          </a:p>
+        </p:txBody>
+      </p:sp>
+      <p:sp>
+        <p:nvSpPr>
+          <p:cNvPr id="4" name="Espaço Reservado para Número de Slide 3"/>
+          <p:cNvSpPr>
+            <a:spLocks noGrp="1"/>
+          </p:cNvSpPr>
+          <p:nvPr>
+            <p:ph type="sldNum" sz="quarter" idx="10"/>
+          </p:nvPr>
+        </p:nvSpPr>
+        <p:spPr/>
+        <p:txBody>
+          <a:bodyPr/>
+          <a:lstStyle/>
+          <a:p>
+            <a:pPr>
+              <a:defRPr/>
+            </a:pPr>
+            <a:fld id="{8E95BD27-5466-443F-B42B-02049F05E6C9}" type="slidenum">
+              <a:rPr lang="pt-BR" smtClean="0"/>
+              <a:pPr>
+                <a:defRPr/>
+              </a:pPr>
+              <a:t>53</a:t>
+            </a:fld>
+            <a:endParaRPr lang="pt-BR"/>
+          </a:p>
+        </p:txBody>
+      </p:sp>
+    </p:spTree>
+  </p:cSld>
+  <p:clrMapOvr>
+    <a:masterClrMapping/>
+  </p:clrMapOvr>
+</p:notes>
+</file>
+
+<file path=ppt/notesSlides/notesSlide54.xml><?xml version="1.0" encoding="utf-8"?>
+<p:notes xmlns:a="http://schemas.openxmlformats.org/drawingml/2006/main" xmlns:r="http://schemas.openxmlformats.org/officeDocument/2006/relationships" xmlns:p="http://schemas.openxmlformats.org/presentationml/2006/main">
+  <p:cSld>
+    <p:spTree>
+      <p:nvGrpSpPr>
+        <p:cNvPr id="1" name=""/>
+        <p:cNvGrpSpPr/>
+        <p:nvPr/>
+      </p:nvGrpSpPr>
+      <p:grpSpPr>
+        <a:xfrm>
+          <a:off x="0" y="0"/>
+          <a:ext cx="0" cy="0"/>
+          <a:chOff x="0" y="0"/>
+          <a:chExt cx="0" cy="0"/>
+        </a:xfrm>
+      </p:grpSpPr>
+      <p:sp>
+        <p:nvSpPr>
+          <p:cNvPr id="2" name="Espaço Reservado para Imagem de Slide 1"/>
+          <p:cNvSpPr>
+            <a:spLocks noGrp="1" noRot="1" noChangeAspect="1"/>
+          </p:cNvSpPr>
+          <p:nvPr>
+            <p:ph type="sldImg"/>
+          </p:nvPr>
+        </p:nvSpPr>
+        <p:spPr/>
+      </p:sp>
+      <p:sp>
+        <p:nvSpPr>
+          <p:cNvPr id="3" name="Espaço Reservado para Anotações 2"/>
+          <p:cNvSpPr>
+            <a:spLocks noGrp="1"/>
+          </p:cNvSpPr>
+          <p:nvPr>
+            <p:ph type="body" idx="1"/>
+          </p:nvPr>
+        </p:nvSpPr>
+        <p:spPr/>
+        <p:txBody>
+          <a:bodyPr>
+            <a:normAutofit/>
+          </a:bodyPr>
+          <a:lstStyle/>
+          <a:p>
+            <a:endParaRPr lang="pt-BR"/>
+          </a:p>
+        </p:txBody>
+      </p:sp>
+      <p:sp>
+        <p:nvSpPr>
+          <p:cNvPr id="4" name="Espaço Reservado para Número de Slide 3"/>
+          <p:cNvSpPr>
+            <a:spLocks noGrp="1"/>
+          </p:cNvSpPr>
+          <p:nvPr>
+            <p:ph type="sldNum" sz="quarter" idx="10"/>
+          </p:nvPr>
+        </p:nvSpPr>
+        <p:spPr/>
+        <p:txBody>
+          <a:bodyPr/>
+          <a:lstStyle/>
+          <a:p>
+            <a:pPr>
+              <a:defRPr/>
+            </a:pPr>
+            <a:fld id="{8E95BD27-5466-443F-B42B-02049F05E6C9}" type="slidenum">
+              <a:rPr lang="pt-BR" smtClean="0"/>
+              <a:pPr>
+                <a:defRPr/>
+              </a:pPr>
+              <a:t>54</a:t>
+            </a:fld>
+            <a:endParaRPr lang="pt-BR"/>
+          </a:p>
+        </p:txBody>
+      </p:sp>
+    </p:spTree>
+  </p:cSld>
+  <p:clrMapOvr>
+    <a:masterClrMapping/>
+  </p:clrMapOvr>
+</p:notes>
+</file>
+
+<file path=ppt/notesSlides/notesSlide55.xml><?xml version="1.0" encoding="utf-8"?>
+<p:notes xmlns:a="http://schemas.openxmlformats.org/drawingml/2006/main" xmlns:r="http://schemas.openxmlformats.org/officeDocument/2006/relationships" xmlns:p="http://schemas.openxmlformats.org/presentationml/2006/main">
+  <p:cSld>
+    <p:spTree>
+      <p:nvGrpSpPr>
+        <p:cNvPr id="1" name=""/>
+        <p:cNvGrpSpPr/>
+        <p:nvPr/>
+      </p:nvGrpSpPr>
+      <p:grpSpPr>
+        <a:xfrm>
+          <a:off x="0" y="0"/>
+          <a:ext cx="0" cy="0"/>
+          <a:chOff x="0" y="0"/>
+          <a:chExt cx="0" cy="0"/>
+        </a:xfrm>
+      </p:grpSpPr>
+      <p:sp>
+        <p:nvSpPr>
+          <p:cNvPr id="2" name="Espaço Reservado para Imagem de Slide 1"/>
+          <p:cNvSpPr>
+            <a:spLocks noGrp="1" noRot="1" noChangeAspect="1"/>
+          </p:cNvSpPr>
+          <p:nvPr>
+            <p:ph type="sldImg"/>
+          </p:nvPr>
+        </p:nvSpPr>
+        <p:spPr/>
+      </p:sp>
+      <p:sp>
+        <p:nvSpPr>
+          <p:cNvPr id="3" name="Espaço Reservado para Anotações 2"/>
+          <p:cNvSpPr>
+            <a:spLocks noGrp="1"/>
+          </p:cNvSpPr>
+          <p:nvPr>
+            <p:ph type="body" idx="1"/>
+          </p:nvPr>
+        </p:nvSpPr>
+        <p:spPr/>
+        <p:txBody>
+          <a:bodyPr>
+            <a:normAutofit/>
+          </a:bodyPr>
+          <a:lstStyle/>
+          <a:p>
+            <a:endParaRPr lang="pt-BR"/>
+          </a:p>
+        </p:txBody>
+      </p:sp>
+      <p:sp>
+        <p:nvSpPr>
+          <p:cNvPr id="4" name="Espaço Reservado para Número de Slide 3"/>
+          <p:cNvSpPr>
+            <a:spLocks noGrp="1"/>
+          </p:cNvSpPr>
+          <p:nvPr>
+            <p:ph type="sldNum" sz="quarter" idx="10"/>
+          </p:nvPr>
+        </p:nvSpPr>
+        <p:spPr/>
+        <p:txBody>
+          <a:bodyPr/>
+          <a:lstStyle/>
+          <a:p>
+            <a:pPr>
+              <a:defRPr/>
+            </a:pPr>
+            <a:fld id="{8E95BD27-5466-443F-B42B-02049F05E6C9}" type="slidenum">
+              <a:rPr lang="pt-BR" smtClean="0"/>
+              <a:pPr>
+                <a:defRPr/>
+              </a:pPr>
+              <a:t>55</a:t>
+            </a:fld>
+            <a:endParaRPr lang="pt-BR"/>
+          </a:p>
+        </p:txBody>
+      </p:sp>
+    </p:spTree>
+  </p:cSld>
+  <p:clrMapOvr>
+    <a:masterClrMapping/>
+  </p:clrMapOvr>
+</p:notes>
+</file>
+
+<file path=ppt/notesSlides/notesSlide56.xml><?xml version="1.0" encoding="utf-8"?>
+<p:notes xmlns:a="http://schemas.openxmlformats.org/drawingml/2006/main" xmlns:r="http://schemas.openxmlformats.org/officeDocument/2006/relationships" xmlns:p="http://schemas.openxmlformats.org/presentationml/2006/main">
+  <p:cSld>
+    <p:spTree>
+      <p:nvGrpSpPr>
+        <p:cNvPr id="1" name=""/>
+        <p:cNvGrpSpPr/>
+        <p:nvPr/>
+      </p:nvGrpSpPr>
+      <p:grpSpPr>
+        <a:xfrm>
+          <a:off x="0" y="0"/>
+          <a:ext cx="0" cy="0"/>
+          <a:chOff x="0" y="0"/>
+          <a:chExt cx="0" cy="0"/>
+        </a:xfrm>
+      </p:grpSpPr>
+      <p:sp>
+        <p:nvSpPr>
+          <p:cNvPr id="2" name="Espaço Reservado para Imagem de Slide 1"/>
+          <p:cNvSpPr>
+            <a:spLocks noGrp="1" noRot="1" noChangeAspect="1"/>
+          </p:cNvSpPr>
+          <p:nvPr>
+            <p:ph type="sldImg"/>
+          </p:nvPr>
+        </p:nvSpPr>
+        <p:spPr/>
+      </p:sp>
+      <p:sp>
+        <p:nvSpPr>
+          <p:cNvPr id="3" name="Espaço Reservado para Anotações 2"/>
+          <p:cNvSpPr>
+            <a:spLocks noGrp="1"/>
+          </p:cNvSpPr>
+          <p:nvPr>
+            <p:ph type="body" idx="1"/>
+          </p:nvPr>
+        </p:nvSpPr>
+        <p:spPr/>
+        <p:txBody>
+          <a:bodyPr>
+            <a:normAutofit/>
+          </a:bodyPr>
+          <a:lstStyle/>
+          <a:p>
+            <a:endParaRPr lang="pt-BR"/>
+          </a:p>
+        </p:txBody>
+      </p:sp>
+      <p:sp>
+        <p:nvSpPr>
+          <p:cNvPr id="4" name="Espaço Reservado para Número de Slide 3"/>
+          <p:cNvSpPr>
+            <a:spLocks noGrp="1"/>
+          </p:cNvSpPr>
+          <p:nvPr>
+            <p:ph type="sldNum" sz="quarter" idx="10"/>
+          </p:nvPr>
+        </p:nvSpPr>
+        <p:spPr/>
+        <p:txBody>
+          <a:bodyPr/>
+          <a:lstStyle/>
+          <a:p>
+            <a:pPr>
+              <a:defRPr/>
+            </a:pPr>
+            <a:fld id="{8E95BD27-5466-443F-B42B-02049F05E6C9}" type="slidenum">
+              <a:rPr lang="pt-BR" smtClean="0"/>
+              <a:pPr>
+                <a:defRPr/>
+              </a:pPr>
+              <a:t>56</a:t>
+            </a:fld>
+            <a:endParaRPr lang="pt-BR"/>
+          </a:p>
+        </p:txBody>
+      </p:sp>
+    </p:spTree>
+  </p:cSld>
+  <p:clrMapOvr>
+    <a:masterClrMapping/>
+  </p:clrMapOvr>
+</p:notes>
+</file>
+
+<file path=ppt/notesSlides/notesSlide57.xml><?xml version="1.0" encoding="utf-8"?>
+<p:notes xmlns:a="http://schemas.openxmlformats.org/drawingml/2006/main" xmlns:r="http://schemas.openxmlformats.org/officeDocument/2006/relationships" xmlns:p="http://schemas.openxmlformats.org/presentationml/2006/main">
+  <p:cSld>
+    <p:spTree>
+      <p:nvGrpSpPr>
+        <p:cNvPr id="1" name=""/>
+        <p:cNvGrpSpPr/>
+        <p:nvPr/>
+      </p:nvGrpSpPr>
+      <p:grpSpPr>
+        <a:xfrm>
+          <a:off x="0" y="0"/>
+          <a:ext cx="0" cy="0"/>
+          <a:chOff x="0" y="0"/>
+          <a:chExt cx="0" cy="0"/>
+        </a:xfrm>
+      </p:grpSpPr>
+      <p:sp>
+        <p:nvSpPr>
+          <p:cNvPr id="2" name="Espaço Reservado para Imagem de Slide 1"/>
+          <p:cNvSpPr>
+            <a:spLocks noGrp="1" noRot="1" noChangeAspect="1"/>
+          </p:cNvSpPr>
+          <p:nvPr>
+            <p:ph type="sldImg"/>
+          </p:nvPr>
+        </p:nvSpPr>
+        <p:spPr/>
+      </p:sp>
+      <p:sp>
+        <p:nvSpPr>
+          <p:cNvPr id="3" name="Espaço Reservado para Anotações 2"/>
+          <p:cNvSpPr>
+            <a:spLocks noGrp="1"/>
+          </p:cNvSpPr>
+          <p:nvPr>
+            <p:ph type="body" idx="1"/>
+          </p:nvPr>
+        </p:nvSpPr>
+        <p:spPr/>
+        <p:txBody>
+          <a:bodyPr>
+            <a:normAutofit/>
+          </a:bodyPr>
+          <a:lstStyle/>
+          <a:p>
+            <a:endParaRPr lang="pt-BR"/>
+          </a:p>
+        </p:txBody>
+      </p:sp>
+      <p:sp>
+        <p:nvSpPr>
+          <p:cNvPr id="4" name="Espaço Reservado para Número de Slide 3"/>
+          <p:cNvSpPr>
+            <a:spLocks noGrp="1"/>
+          </p:cNvSpPr>
+          <p:nvPr>
+            <p:ph type="sldNum" sz="quarter" idx="10"/>
+          </p:nvPr>
+        </p:nvSpPr>
+        <p:spPr/>
+        <p:txBody>
+          <a:bodyPr/>
+          <a:lstStyle/>
+          <a:p>
+            <a:pPr>
+              <a:defRPr/>
+            </a:pPr>
+            <a:fld id="{8E95BD27-5466-443F-B42B-02049F05E6C9}" type="slidenum">
+              <a:rPr lang="pt-BR" smtClean="0"/>
+              <a:pPr>
+                <a:defRPr/>
+              </a:pPr>
+              <a:t>57</a:t>
+            </a:fld>
+            <a:endParaRPr lang="pt-BR"/>
+          </a:p>
+        </p:txBody>
+      </p:sp>
+    </p:spTree>
+  </p:cSld>
+  <p:clrMapOvr>
+    <a:masterClrMapping/>
+  </p:clrMapOvr>
+</p:notes>
+</file>
+
+<file path=ppt/notesSlides/notesSlide58.xml><?xml version="1.0" encoding="utf-8"?>
+<p:notes xmlns:a="http://schemas.openxmlformats.org/drawingml/2006/main" xmlns:r="http://schemas.openxmlformats.org/officeDocument/2006/relationships" xmlns:p="http://schemas.openxmlformats.org/presentationml/2006/main">
+  <p:cSld>
+    <p:spTree>
+      <p:nvGrpSpPr>
+        <p:cNvPr id="1" name=""/>
+        <p:cNvGrpSpPr/>
+        <p:nvPr/>
+      </p:nvGrpSpPr>
+      <p:grpSpPr>
+        <a:xfrm>
+          <a:off x="0" y="0"/>
+          <a:ext cx="0" cy="0"/>
+          <a:chOff x="0" y="0"/>
+          <a:chExt cx="0" cy="0"/>
+        </a:xfrm>
+      </p:grpSpPr>
+      <p:sp>
+        <p:nvSpPr>
+          <p:cNvPr id="2" name="Espaço Reservado para Imagem de Slide 1"/>
+          <p:cNvSpPr>
+            <a:spLocks noGrp="1" noRot="1" noChangeAspect="1"/>
+          </p:cNvSpPr>
+          <p:nvPr>
+            <p:ph type="sldImg"/>
+          </p:nvPr>
+        </p:nvSpPr>
+        <p:spPr/>
+      </p:sp>
+      <p:sp>
+        <p:nvSpPr>
+          <p:cNvPr id="3" name="Espaço Reservado para Anotações 2"/>
+          <p:cNvSpPr>
+            <a:spLocks noGrp="1"/>
+          </p:cNvSpPr>
+          <p:nvPr>
+            <p:ph type="body" idx="1"/>
+          </p:nvPr>
+        </p:nvSpPr>
+        <p:spPr/>
+        <p:txBody>
+          <a:bodyPr>
+            <a:normAutofit/>
+          </a:bodyPr>
+          <a:lstStyle/>
+          <a:p>
+            <a:endParaRPr lang="pt-BR"/>
+          </a:p>
+        </p:txBody>
+      </p:sp>
+      <p:sp>
+        <p:nvSpPr>
+          <p:cNvPr id="4" name="Espaço Reservado para Número de Slide 3"/>
+          <p:cNvSpPr>
+            <a:spLocks noGrp="1"/>
+          </p:cNvSpPr>
+          <p:nvPr>
+            <p:ph type="sldNum" sz="quarter" idx="10"/>
+          </p:nvPr>
+        </p:nvSpPr>
+        <p:spPr/>
+        <p:txBody>
+          <a:bodyPr/>
+          <a:lstStyle/>
+          <a:p>
+            <a:pPr>
+              <a:defRPr/>
+            </a:pPr>
+            <a:fld id="{8E95BD27-5466-443F-B42B-02049F05E6C9}" type="slidenum">
+              <a:rPr lang="pt-BR" smtClean="0"/>
+              <a:pPr>
+                <a:defRPr/>
+              </a:pPr>
+              <a:t>58</a:t>
             </a:fld>
             <a:endParaRPr lang="pt-BR"/>
           </a:p>
@@ -33653,7 +34357,6 @@
               <a:rPr lang="pt-BR" sz="2000" dirty="0" smtClean="0"/>
               <a:t>) {</a:t>
             </a:r>
-            <a:endParaRPr lang="pt-BR" sz="2000" dirty="0" smtClean="0"/>
           </a:p>
           <a:p>
             <a:pPr marL="0" indent="0">
@@ -33675,11 +34378,7 @@
             </a:r>
             <a:r>
               <a:rPr lang="pt-BR" sz="2000" dirty="0" smtClean="0"/>
-              <a:t> </a:t>
-            </a:r>
-            <a:r>
-              <a:rPr lang="pt-BR" sz="2000" dirty="0" smtClean="0"/>
-              <a:t>= </a:t>
+              <a:t> = </a:t>
             </a:r>
             <a:r>
               <a:rPr lang="pt-BR" sz="2000" dirty="0" err="1" smtClean="0"/>
@@ -33738,11 +34437,7 @@
             </a:pPr>
             <a:r>
               <a:rPr lang="pt-BR" sz="2000" dirty="0" smtClean="0"/>
-              <a:t>	nome </a:t>
-            </a:r>
-            <a:r>
-              <a:rPr lang="pt-BR" sz="2000" dirty="0" smtClean="0"/>
-              <a:t>= </a:t>
+              <a:t>	nome = </a:t>
             </a:r>
             <a:r>
               <a:rPr lang="pt-BR" sz="2000" dirty="0" err="1" smtClean="0"/>
@@ -33809,11 +34504,7 @@
             </a:r>
             <a:r>
               <a:rPr lang="pt-BR" sz="2000" dirty="0" smtClean="0"/>
-              <a:t> </a:t>
-            </a:r>
-            <a:r>
-              <a:rPr lang="pt-BR" sz="2000" dirty="0" smtClean="0"/>
-              <a:t>= </a:t>
+              <a:t> = </a:t>
             </a:r>
             <a:r>
               <a:rPr lang="pt-BR" sz="2000" dirty="0" err="1" smtClean="0"/>
@@ -33874,7 +34565,6 @@
               <a:rPr lang="pt-BR" sz="2000" dirty="0" smtClean="0"/>
               <a:t>	...</a:t>
             </a:r>
-            <a:endParaRPr lang="pt-BR" sz="2000" dirty="0" smtClean="0"/>
           </a:p>
           <a:p>
             <a:pPr marL="0" indent="0">
@@ -33937,7 +34627,6 @@
               <a:rPr lang="pt-BR" sz="2000" dirty="0" smtClean="0"/>
               <a:t>;</a:t>
             </a:r>
-            <a:endParaRPr lang="pt-BR" sz="2000" dirty="0" smtClean="0"/>
           </a:p>
         </p:txBody>
       </p:sp>
@@ -35883,7 +36572,6 @@
               <a:rPr lang="pt-BR" dirty="0" smtClean="0"/>
               <a:t>Outro exemplo</a:t>
             </a:r>
-            <a:endParaRPr lang="pt-BR" dirty="0" smtClean="0"/>
           </a:p>
           <a:p>
             <a:pPr marL="0" indent="0">
@@ -36060,7 +36748,6 @@
               <a:rPr lang="pt-BR" sz="2000" dirty="0" smtClean="0"/>
               <a:t>();</a:t>
             </a:r>
-            <a:endParaRPr lang="pt-BR" sz="2000" dirty="0" smtClean="0"/>
           </a:p>
           <a:p>
             <a:pPr marL="0" indent="0">
@@ -36116,7 +36803,6 @@
               <a:rPr lang="pt-BR" sz="2000" dirty="0" smtClean="0"/>
               <a:t>) {</a:t>
             </a:r>
-            <a:endParaRPr lang="pt-BR" sz="2000" dirty="0" smtClean="0"/>
           </a:p>
           <a:p>
             <a:pPr marL="0" indent="0">
@@ -36130,11 +36816,7 @@
             </a:pPr>
             <a:r>
               <a:rPr lang="pt-BR" sz="2000" dirty="0" smtClean="0"/>
-              <a:t>	nome </a:t>
-            </a:r>
-            <a:r>
-              <a:rPr lang="pt-BR" sz="2000" dirty="0" smtClean="0"/>
-              <a:t>= </a:t>
+              <a:t>	nome = </a:t>
             </a:r>
             <a:r>
               <a:rPr lang="pt-BR" sz="2000" dirty="0" err="1" smtClean="0"/>
@@ -36180,7 +36862,6 @@
               <a:rPr lang="pt-BR" sz="2000" dirty="0" smtClean="0"/>
               <a:t>;</a:t>
             </a:r>
-            <a:endParaRPr lang="pt-BR" sz="2000" dirty="0" smtClean="0"/>
           </a:p>
           <a:p>
             <a:pPr marL="0" indent="0">
@@ -36202,11 +36883,7 @@
             </a:r>
             <a:r>
               <a:rPr lang="pt-BR" sz="2000" dirty="0" smtClean="0"/>
-              <a:t> </a:t>
-            </a:r>
-            <a:r>
-              <a:rPr lang="pt-BR" sz="2000" dirty="0" smtClean="0"/>
-              <a:t>= </a:t>
+              <a:t> = </a:t>
             </a:r>
             <a:r>
               <a:rPr lang="pt-BR" sz="2000" dirty="0" err="1" smtClean="0"/>
@@ -36252,7 +36929,6 @@
               <a:rPr lang="pt-BR" sz="2000" dirty="0" smtClean="0"/>
               <a:t>;</a:t>
             </a:r>
-            <a:endParaRPr lang="pt-BR" sz="2000" dirty="0" smtClean="0"/>
           </a:p>
           <a:p>
             <a:pPr marL="0" indent="0">
@@ -36268,7 +36944,6 @@
               <a:rPr lang="pt-BR" sz="2000" dirty="0" smtClean="0"/>
               <a:t>	...</a:t>
             </a:r>
-            <a:endParaRPr lang="pt-BR" sz="2000" dirty="0" smtClean="0"/>
           </a:p>
           <a:p>
             <a:pPr marL="0" indent="0">
@@ -36676,7 +37351,106 @@
           <a:bodyPr/>
           <a:lstStyle/>
           <a:p>
-            <a:endParaRPr lang="pt-BR"/>
+            <a:pPr>
+              <a:spcBef>
+                <a:spcPts val="3000"/>
+              </a:spcBef>
+            </a:pPr>
+            <a:r>
+              <a:rPr lang="pt-BR" sz="2400" dirty="0" smtClean="0"/>
+              <a:t>Chamamos de </a:t>
+            </a:r>
+            <a:r>
+              <a:rPr lang="pt-BR" sz="2400" dirty="0" err="1" smtClean="0"/>
+              <a:t>Stored</a:t>
+            </a:r>
+            <a:r>
+              <a:rPr lang="pt-BR" sz="2400" dirty="0" smtClean="0"/>
+              <a:t> </a:t>
+            </a:r>
+            <a:r>
+              <a:rPr lang="pt-BR" sz="2400" dirty="0" err="1" smtClean="0"/>
+              <a:t>Procedure</a:t>
+            </a:r>
+            <a:r>
+              <a:rPr lang="pt-BR" sz="2400" dirty="0" smtClean="0"/>
+              <a:t> a um conjunto de instruções SQL que juntas formam um pequeno programa armazenado e executado no banco de dados.</a:t>
+            </a:r>
+          </a:p>
+          <a:p>
+            <a:pPr>
+              <a:spcBef>
+                <a:spcPts val="3000"/>
+              </a:spcBef>
+            </a:pPr>
+            <a:r>
+              <a:rPr lang="pt-BR" sz="2400" dirty="0" smtClean="0"/>
+              <a:t>Alguns bancos de dados como MS SQL, Oracle,  </a:t>
+            </a:r>
+            <a:r>
+              <a:rPr lang="pt-BR" sz="2400" dirty="0" err="1" smtClean="0"/>
+              <a:t>MySQL</a:t>
+            </a:r>
+            <a:r>
+              <a:rPr lang="pt-BR" sz="2400" dirty="0" smtClean="0"/>
+              <a:t>, </a:t>
+            </a:r>
+            <a:r>
+              <a:rPr lang="pt-BR" sz="2400" dirty="0" err="1" smtClean="0"/>
+              <a:t>Postgree</a:t>
+            </a:r>
+            <a:r>
+              <a:rPr lang="pt-BR" sz="2400" dirty="0" smtClean="0"/>
+              <a:t> e </a:t>
+            </a:r>
+            <a:r>
+              <a:rPr lang="pt-BR" sz="2400" dirty="0" smtClean="0"/>
+              <a:t>outros permitem este tipo de recurso.</a:t>
+            </a:r>
+            <a:endParaRPr lang="pt-BR" sz="2400" dirty="0" smtClean="0"/>
+          </a:p>
+          <a:p>
+            <a:pPr>
+              <a:spcBef>
+                <a:spcPts val="3000"/>
+              </a:spcBef>
+            </a:pPr>
+            <a:r>
+              <a:rPr lang="pt-BR" sz="2400" dirty="0" smtClean="0"/>
+              <a:t>O uso de </a:t>
+            </a:r>
+            <a:r>
+              <a:rPr lang="pt-BR" sz="2400" dirty="0" err="1" smtClean="0"/>
+              <a:t>Stored</a:t>
+            </a:r>
+            <a:r>
+              <a:rPr lang="pt-BR" sz="2400" dirty="0" smtClean="0"/>
+              <a:t> </a:t>
+            </a:r>
+            <a:r>
+              <a:rPr lang="pt-BR" sz="2400" dirty="0" err="1" smtClean="0"/>
+              <a:t>Procedures</a:t>
+            </a:r>
+            <a:r>
+              <a:rPr lang="pt-BR" sz="2400" dirty="0" smtClean="0"/>
+              <a:t> pode </a:t>
+            </a:r>
+            <a:r>
+              <a:rPr lang="pt-BR" sz="2400" dirty="0" smtClean="0"/>
+              <a:t>reduzir o tráfego na rede, melhorar a </a:t>
+            </a:r>
+            <a:r>
+              <a:rPr lang="pt-BR" sz="2400" dirty="0" smtClean="0"/>
+              <a:t>performance ou </a:t>
+            </a:r>
+            <a:r>
+              <a:rPr lang="pt-BR" sz="2400" dirty="0" smtClean="0"/>
+              <a:t>criar mecanismos de </a:t>
+            </a:r>
+            <a:r>
+              <a:rPr lang="pt-BR" sz="2400" dirty="0" smtClean="0"/>
+              <a:t>segurança ao realizar alguma operação na base de dados.</a:t>
+            </a:r>
           </a:p>
         </p:txBody>
       </p:sp>
@@ -36758,16 +37532,16 @@
           <a:p>
             <a:pPr eaLnBrk="1" hangingPunct="1"/>
             <a:r>
+              <a:rPr lang="pt-BR" dirty="0" err="1" smtClean="0"/>
+              <a:t>Stored</a:t>
+            </a:r>
+            <a:r>
               <a:rPr lang="pt-BR" dirty="0" smtClean="0"/>
-              <a:t>Design </a:t>
+              <a:t> </a:t>
             </a:r>
             <a:r>
               <a:rPr lang="pt-BR" dirty="0" err="1" smtClean="0"/>
-              <a:t>pattern</a:t>
-            </a:r>
-            <a:r>
-              <a:rPr lang="pt-BR" dirty="0" smtClean="0"/>
-              <a:t> DAO/VO</a:t>
+              <a:t>procedures</a:t>
             </a:r>
             <a:endParaRPr lang="pt-BR" dirty="0"/>
           </a:p>
@@ -36788,7 +37562,432 @@
           <a:bodyPr/>
           <a:lstStyle/>
           <a:p>
-            <a:endParaRPr lang="pt-BR"/>
+            <a:pPr>
+              <a:spcBef>
+                <a:spcPts val="3000"/>
+              </a:spcBef>
+            </a:pPr>
+            <a:r>
+              <a:rPr lang="pt-BR" sz="2400" dirty="0" smtClean="0"/>
+              <a:t>As </a:t>
+            </a:r>
+            <a:r>
+              <a:rPr lang="pt-BR" sz="2400" dirty="0" err="1" smtClean="0"/>
+              <a:t>Stored</a:t>
+            </a:r>
+            <a:r>
+              <a:rPr lang="pt-BR" sz="2400" dirty="0" smtClean="0"/>
+              <a:t> </a:t>
+            </a:r>
+            <a:r>
+              <a:rPr lang="pt-BR" sz="2400" dirty="0" err="1" smtClean="0"/>
+              <a:t>Procedures</a:t>
+            </a:r>
+            <a:r>
+              <a:rPr lang="pt-BR" sz="2400" dirty="0" smtClean="0"/>
+              <a:t> são semelhantes a métodos Java. Podem possuir parâmetros e valores de retorno.</a:t>
+            </a:r>
+          </a:p>
+          <a:p>
+            <a:pPr marL="1524000" indent="0">
+              <a:spcBef>
+                <a:spcPts val="0"/>
+              </a:spcBef>
+              <a:buNone/>
+              <a:tabLst>
+                <a:tab pos="1966913" algn="l"/>
+                <a:tab pos="2605088" algn="l"/>
+                <a:tab pos="4129088" algn="l"/>
+              </a:tabLst>
+            </a:pPr>
+            <a:endParaRPr lang="pt-BR" sz="1800" dirty="0" smtClean="0">
+              <a:solidFill>
+                <a:srgbClr val="FFC000"/>
+              </a:solidFill>
+            </a:endParaRPr>
+          </a:p>
+          <a:p>
+            <a:pPr marL="1524000" indent="0">
+              <a:spcBef>
+                <a:spcPts val="0"/>
+              </a:spcBef>
+              <a:buNone/>
+              <a:tabLst>
+                <a:tab pos="1966913" algn="l"/>
+                <a:tab pos="2605088" algn="l"/>
+                <a:tab pos="4129088" algn="l"/>
+              </a:tabLst>
+            </a:pPr>
+            <a:r>
+              <a:rPr lang="pt-BR" sz="1800" dirty="0" smtClean="0">
+                <a:solidFill>
+                  <a:srgbClr val="FFC000"/>
+                </a:solidFill>
+              </a:rPr>
+              <a:t>CREATE </a:t>
+            </a:r>
+            <a:r>
+              <a:rPr lang="pt-BR" sz="1800" dirty="0" smtClean="0">
+                <a:solidFill>
+                  <a:srgbClr val="FFC000"/>
+                </a:solidFill>
+              </a:rPr>
+              <a:t>PROCEDURE </a:t>
+            </a:r>
+            <a:r>
+              <a:rPr lang="pt-BR" sz="1800" dirty="0" err="1" smtClean="0">
+                <a:solidFill>
+                  <a:srgbClr val="FFC000"/>
+                </a:solidFill>
+              </a:rPr>
+              <a:t>prc_calcula_juros</a:t>
+            </a:r>
+            <a:r>
+              <a:rPr lang="pt-BR" sz="1800" dirty="0" smtClean="0">
+                <a:solidFill>
+                  <a:srgbClr val="FFC000"/>
+                </a:solidFill>
+              </a:rPr>
+              <a:t>(</a:t>
+            </a:r>
+          </a:p>
+          <a:p>
+            <a:pPr marL="1524000" indent="0">
+              <a:spcBef>
+                <a:spcPts val="0"/>
+              </a:spcBef>
+              <a:buNone/>
+              <a:tabLst>
+                <a:tab pos="1966913" algn="l"/>
+                <a:tab pos="2605088" algn="l"/>
+                <a:tab pos="4129088" algn="l"/>
+              </a:tabLst>
+            </a:pPr>
+            <a:r>
+              <a:rPr lang="pt-BR" sz="1800" dirty="0" smtClean="0">
+                <a:solidFill>
+                  <a:srgbClr val="FFC000"/>
+                </a:solidFill>
+              </a:rPr>
+              <a:t>	IN	</a:t>
+            </a:r>
+            <a:r>
+              <a:rPr lang="pt-BR" sz="1800" dirty="0" err="1" smtClean="0">
+                <a:solidFill>
+                  <a:srgbClr val="FFC000"/>
+                </a:solidFill>
+              </a:rPr>
+              <a:t>p_valor_inicial</a:t>
+            </a:r>
+            <a:r>
+              <a:rPr lang="pt-BR" sz="1800" dirty="0" smtClean="0">
+                <a:solidFill>
+                  <a:srgbClr val="FFC000"/>
+                </a:solidFill>
+              </a:rPr>
+              <a:t>	</a:t>
+            </a:r>
+            <a:r>
+              <a:rPr lang="pt-BR" sz="1800" dirty="0" smtClean="0">
+                <a:solidFill>
+                  <a:srgbClr val="FFC000"/>
+                </a:solidFill>
+              </a:rPr>
+              <a:t>DECIMAL(10,2</a:t>
+            </a:r>
+            <a:r>
+              <a:rPr lang="pt-BR" sz="1800" dirty="0" smtClean="0">
+                <a:solidFill>
+                  <a:srgbClr val="FFC000"/>
+                </a:solidFill>
+              </a:rPr>
+              <a:t>),</a:t>
+            </a:r>
+          </a:p>
+          <a:p>
+            <a:pPr marL="1524000" indent="0">
+              <a:spcBef>
+                <a:spcPts val="0"/>
+              </a:spcBef>
+              <a:buNone/>
+              <a:tabLst>
+                <a:tab pos="1966913" algn="l"/>
+                <a:tab pos="2605088" algn="l"/>
+                <a:tab pos="4129088" algn="l"/>
+              </a:tabLst>
+            </a:pPr>
+            <a:r>
+              <a:rPr lang="pt-BR" sz="1800" dirty="0" smtClean="0">
+                <a:solidFill>
+                  <a:srgbClr val="FFC000"/>
+                </a:solidFill>
+              </a:rPr>
+              <a:t>	IN	</a:t>
+            </a:r>
+            <a:r>
+              <a:rPr lang="pt-BR" sz="1800" dirty="0" err="1" smtClean="0">
+                <a:solidFill>
+                  <a:srgbClr val="FFC000"/>
+                </a:solidFill>
+              </a:rPr>
+              <a:t>p_taxa</a:t>
+            </a:r>
+            <a:r>
+              <a:rPr lang="pt-BR" sz="1800" dirty="0" smtClean="0">
+                <a:solidFill>
+                  <a:srgbClr val="FFC000"/>
+                </a:solidFill>
+              </a:rPr>
+              <a:t>	</a:t>
+            </a:r>
+            <a:r>
+              <a:rPr lang="pt-BR" sz="1800" dirty="0" smtClean="0">
+                <a:solidFill>
+                  <a:srgbClr val="FFC000"/>
+                </a:solidFill>
+              </a:rPr>
+              <a:t>DOUBLE</a:t>
+            </a:r>
+            <a:r>
+              <a:rPr lang="pt-BR" sz="1800" dirty="0" smtClean="0">
+                <a:solidFill>
+                  <a:srgbClr val="FFC000"/>
+                </a:solidFill>
+              </a:rPr>
+              <a:t>,</a:t>
+            </a:r>
+          </a:p>
+          <a:p>
+            <a:pPr marL="1524000" indent="0">
+              <a:spcBef>
+                <a:spcPts val="0"/>
+              </a:spcBef>
+              <a:buNone/>
+              <a:tabLst>
+                <a:tab pos="1966913" algn="l"/>
+                <a:tab pos="2605088" algn="l"/>
+                <a:tab pos="4129088" algn="l"/>
+              </a:tabLst>
+            </a:pPr>
+            <a:r>
+              <a:rPr lang="pt-BR" sz="1800" dirty="0" smtClean="0">
+                <a:solidFill>
+                  <a:srgbClr val="FFC000"/>
+                </a:solidFill>
+              </a:rPr>
+              <a:t>	IN	</a:t>
+            </a:r>
+            <a:r>
+              <a:rPr lang="pt-BR" sz="1800" dirty="0" err="1" smtClean="0">
+                <a:solidFill>
+                  <a:srgbClr val="FFC000"/>
+                </a:solidFill>
+              </a:rPr>
+              <a:t>p_prazo</a:t>
+            </a:r>
+            <a:r>
+              <a:rPr lang="pt-BR" sz="1800" dirty="0" smtClean="0">
+                <a:solidFill>
+                  <a:srgbClr val="FFC000"/>
+                </a:solidFill>
+              </a:rPr>
+              <a:t>	</a:t>
+            </a:r>
+            <a:r>
+              <a:rPr lang="pt-BR" sz="1800" dirty="0" smtClean="0">
+                <a:solidFill>
+                  <a:srgbClr val="FFC000"/>
+                </a:solidFill>
+              </a:rPr>
+              <a:t>INTEGER</a:t>
+            </a:r>
+            <a:r>
+              <a:rPr lang="pt-BR" sz="1800" dirty="0" smtClean="0">
+                <a:solidFill>
+                  <a:srgbClr val="FFC000"/>
+                </a:solidFill>
+              </a:rPr>
+              <a:t>,</a:t>
+            </a:r>
+          </a:p>
+          <a:p>
+            <a:pPr marL="1524000" indent="0">
+              <a:spcBef>
+                <a:spcPts val="0"/>
+              </a:spcBef>
+              <a:buNone/>
+              <a:tabLst>
+                <a:tab pos="1966913" algn="l"/>
+                <a:tab pos="2605088" algn="l"/>
+                <a:tab pos="4129088" algn="l"/>
+              </a:tabLst>
+            </a:pPr>
+            <a:r>
+              <a:rPr lang="pt-BR" sz="1800" dirty="0" smtClean="0">
+                <a:solidFill>
+                  <a:srgbClr val="FFC000"/>
+                </a:solidFill>
+              </a:rPr>
+              <a:t>	OUT	</a:t>
+            </a:r>
+            <a:r>
+              <a:rPr lang="pt-BR" sz="1800" dirty="0" err="1" smtClean="0">
+                <a:solidFill>
+                  <a:srgbClr val="FFC000"/>
+                </a:solidFill>
+              </a:rPr>
+              <a:t>p_valor_final</a:t>
+            </a:r>
+            <a:r>
+              <a:rPr lang="pt-BR" sz="1800" dirty="0" smtClean="0">
+                <a:solidFill>
+                  <a:srgbClr val="FFC000"/>
+                </a:solidFill>
+              </a:rPr>
+              <a:t>	</a:t>
+            </a:r>
+            <a:r>
+              <a:rPr lang="pt-BR" sz="1800" dirty="0" smtClean="0">
+                <a:solidFill>
+                  <a:srgbClr val="FFC000"/>
+                </a:solidFill>
+              </a:rPr>
+              <a:t>DECIMAL(10,2</a:t>
+            </a:r>
+            <a:r>
+              <a:rPr lang="pt-BR" sz="1800" dirty="0" smtClean="0">
+                <a:solidFill>
+                  <a:srgbClr val="FFC000"/>
+                </a:solidFill>
+              </a:rPr>
+              <a:t>))</a:t>
+            </a:r>
+          </a:p>
+          <a:p>
+            <a:pPr marL="1524000" indent="0">
+              <a:spcBef>
+                <a:spcPts val="0"/>
+              </a:spcBef>
+              <a:buNone/>
+              <a:tabLst>
+                <a:tab pos="1966913" algn="l"/>
+                <a:tab pos="2605088" algn="l"/>
+                <a:tab pos="4129088" algn="l"/>
+              </a:tabLst>
+            </a:pPr>
+            <a:r>
+              <a:rPr lang="pt-BR" sz="1800" dirty="0" smtClean="0">
+                <a:solidFill>
+                  <a:srgbClr val="FFC000"/>
+                </a:solidFill>
+              </a:rPr>
+              <a:t>BEGIN</a:t>
+            </a:r>
+          </a:p>
+          <a:p>
+            <a:pPr marL="1524000" indent="0">
+              <a:spcBef>
+                <a:spcPts val="0"/>
+              </a:spcBef>
+              <a:buNone/>
+              <a:tabLst>
+                <a:tab pos="1966913" algn="l"/>
+                <a:tab pos="2605088" algn="l"/>
+                <a:tab pos="4129088" algn="l"/>
+              </a:tabLst>
+            </a:pPr>
+            <a:r>
+              <a:rPr lang="pt-BR" sz="1800" dirty="0" smtClean="0">
+                <a:solidFill>
+                  <a:srgbClr val="FFC000"/>
+                </a:solidFill>
+              </a:rPr>
+              <a:t>	... </a:t>
+            </a:r>
+            <a:r>
+              <a:rPr lang="pt-BR" sz="1800" dirty="0" smtClean="0">
+                <a:solidFill>
+                  <a:srgbClr val="FFC000"/>
+                </a:solidFill>
+              </a:rPr>
+              <a:t>...</a:t>
+            </a:r>
+          </a:p>
+          <a:p>
+            <a:pPr marL="1524000" indent="0">
+              <a:spcBef>
+                <a:spcPts val="0"/>
+              </a:spcBef>
+              <a:buNone/>
+              <a:tabLst>
+                <a:tab pos="1966913" algn="l"/>
+                <a:tab pos="2605088" algn="l"/>
+                <a:tab pos="4129088" algn="l"/>
+              </a:tabLst>
+            </a:pPr>
+            <a:r>
+              <a:rPr lang="pt-BR" sz="1800" dirty="0" smtClean="0">
+                <a:solidFill>
+                  <a:srgbClr val="FFC000"/>
+                </a:solidFill>
+              </a:rPr>
+              <a:t>	... ...</a:t>
+            </a:r>
+          </a:p>
+          <a:p>
+            <a:pPr marL="1524000" indent="0">
+              <a:spcBef>
+                <a:spcPts val="0"/>
+              </a:spcBef>
+              <a:buNone/>
+              <a:tabLst>
+                <a:tab pos="1966913" algn="l"/>
+                <a:tab pos="2605088" algn="l"/>
+                <a:tab pos="4129088" algn="l"/>
+              </a:tabLst>
+            </a:pPr>
+            <a:r>
+              <a:rPr lang="pt-BR" sz="1800" dirty="0" smtClean="0">
+                <a:solidFill>
+                  <a:srgbClr val="FFC000"/>
+                </a:solidFill>
+              </a:rPr>
+              <a:t>	...</a:t>
+            </a:r>
+            <a:r>
+              <a:rPr lang="pt-BR" sz="1800" dirty="0" smtClean="0">
+                <a:solidFill>
+                  <a:srgbClr val="FFC000"/>
+                </a:solidFill>
+              </a:rPr>
+              <a:t> ...</a:t>
+            </a:r>
+          </a:p>
+          <a:p>
+            <a:pPr marL="1524000" indent="0">
+              <a:spcBef>
+                <a:spcPts val="0"/>
+              </a:spcBef>
+              <a:buNone/>
+              <a:tabLst>
+                <a:tab pos="1966913" algn="l"/>
+                <a:tab pos="2605088" algn="l"/>
+                <a:tab pos="4129088" algn="l"/>
+              </a:tabLst>
+            </a:pPr>
+            <a:r>
+              <a:rPr lang="pt-BR" sz="1800" dirty="0" smtClean="0">
+                <a:solidFill>
+                  <a:srgbClr val="FFC000"/>
+                </a:solidFill>
+              </a:rPr>
+              <a:t>END;</a:t>
+            </a:r>
+            <a:endParaRPr lang="pt-BR" sz="1800" dirty="0" smtClean="0">
+              <a:solidFill>
+                <a:srgbClr val="FFC000"/>
+              </a:solidFill>
+            </a:endParaRPr>
           </a:p>
         </p:txBody>
       </p:sp>
@@ -37891,8 +39090,16 @@
           <a:p>
             <a:pPr eaLnBrk="1" hangingPunct="1"/>
             <a:r>
+              <a:rPr lang="pt-BR" dirty="0" err="1" smtClean="0"/>
+              <a:t>Stored</a:t>
+            </a:r>
+            <a:r>
               <a:rPr lang="pt-BR" dirty="0" smtClean="0"/>
-              <a:t>Projeto Final</a:t>
+              <a:t> </a:t>
+            </a:r>
+            <a:r>
+              <a:rPr lang="pt-BR" dirty="0" err="1" smtClean="0"/>
+              <a:t>procedures</a:t>
             </a:r>
             <a:endParaRPr lang="pt-BR" dirty="0"/>
           </a:p>
@@ -37908,12 +39115,476 @@
             <p:ph idx="1"/>
           </p:nvPr>
         </p:nvSpPr>
-        <p:spPr/>
+        <p:spPr>
+          <a:xfrm>
+            <a:off x="457200" y="1600200"/>
+            <a:ext cx="8219256" cy="4525963"/>
+          </a:xfrm>
+        </p:spPr>
         <p:txBody>
           <a:bodyPr/>
           <a:lstStyle/>
           <a:p>
-            <a:endParaRPr lang="pt-BR"/>
+            <a:pPr>
+              <a:spcBef>
+                <a:spcPts val="3000"/>
+              </a:spcBef>
+            </a:pPr>
+            <a:r>
+              <a:rPr lang="pt-BR" dirty="0" smtClean="0"/>
+              <a:t>A interface </a:t>
+            </a:r>
+            <a:r>
+              <a:rPr lang="pt-BR" u="sng" dirty="0" err="1" smtClean="0"/>
+              <a:t>CallableStatement</a:t>
+            </a:r>
+            <a:endParaRPr lang="pt-BR" dirty="0" smtClean="0"/>
+          </a:p>
+          <a:p>
+            <a:pPr lvl="1">
+              <a:spcBef>
+                <a:spcPts val="1200"/>
+              </a:spcBef>
+            </a:pPr>
+            <a:r>
+              <a:rPr lang="pt-BR" sz="2200" dirty="0" smtClean="0"/>
+              <a:t>No JDBC podemos solicitar a execução de uma </a:t>
+            </a:r>
+            <a:r>
+              <a:rPr lang="pt-BR" sz="2200" dirty="0" err="1" smtClean="0"/>
+              <a:t>Stored</a:t>
+            </a:r>
+            <a:r>
+              <a:rPr lang="pt-BR" sz="2200" dirty="0" smtClean="0"/>
+              <a:t> </a:t>
+            </a:r>
+            <a:r>
+              <a:rPr lang="pt-BR" sz="2200" dirty="0" err="1" smtClean="0"/>
+              <a:t>Procedure</a:t>
+            </a:r>
+            <a:r>
+              <a:rPr lang="pt-BR" sz="2200" dirty="0" smtClean="0"/>
+              <a:t> através da interface </a:t>
+            </a:r>
+            <a:r>
+              <a:rPr lang="pt-BR" sz="2200" dirty="0" err="1" smtClean="0"/>
+              <a:t>java</a:t>
+            </a:r>
+            <a:r>
+              <a:rPr lang="pt-BR" sz="2200" dirty="0" smtClean="0"/>
+              <a:t>.</a:t>
+            </a:r>
+            <a:r>
+              <a:rPr lang="pt-BR" sz="2200" dirty="0" err="1" smtClean="0"/>
+              <a:t>sql</a:t>
+            </a:r>
+            <a:r>
+              <a:rPr lang="pt-BR" sz="2200" dirty="0" smtClean="0"/>
+              <a:t>.</a:t>
+            </a:r>
+            <a:r>
+              <a:rPr lang="pt-BR" sz="2200" dirty="0" err="1" smtClean="0"/>
+              <a:t>CallableStatement</a:t>
+            </a:r>
+            <a:endParaRPr lang="pt-BR" sz="2200" dirty="0" smtClean="0"/>
+          </a:p>
+          <a:p>
+            <a:pPr marL="442913" indent="0">
+              <a:spcBef>
+                <a:spcPts val="0"/>
+              </a:spcBef>
+              <a:buNone/>
+            </a:pPr>
+            <a:endParaRPr lang="pt-BR" sz="2200" dirty="0" smtClean="0"/>
+          </a:p>
+          <a:p>
+            <a:pPr marL="442913" indent="0">
+              <a:spcBef>
+                <a:spcPts val="0"/>
+              </a:spcBef>
+              <a:buNone/>
+            </a:pPr>
+            <a:r>
+              <a:rPr lang="pt-BR" sz="2200" dirty="0" err="1" smtClean="0"/>
+              <a:t>CallableStatement</a:t>
+            </a:r>
+            <a:r>
+              <a:rPr lang="pt-BR" sz="2200" dirty="0" smtClean="0"/>
+              <a:t> </a:t>
+            </a:r>
+            <a:r>
+              <a:rPr lang="pt-BR" sz="2200" dirty="0" err="1" smtClean="0"/>
+              <a:t>cs</a:t>
+            </a:r>
+            <a:r>
+              <a:rPr lang="pt-BR" sz="2200" dirty="0" smtClean="0"/>
+              <a:t> =</a:t>
+            </a:r>
+          </a:p>
+          <a:p>
+            <a:pPr marL="442913" indent="0" algn="r">
+              <a:spcBef>
+                <a:spcPts val="0"/>
+              </a:spcBef>
+              <a:buNone/>
+            </a:pPr>
+            <a:r>
+              <a:rPr lang="pt-BR" sz="2200" dirty="0" err="1" smtClean="0"/>
+              <a:t>cn</a:t>
+            </a:r>
+            <a:r>
+              <a:rPr lang="pt-BR" sz="2200" dirty="0" smtClean="0"/>
+              <a:t>.</a:t>
+            </a:r>
+            <a:r>
+              <a:rPr lang="pt-BR" sz="2200" dirty="0" err="1" smtClean="0"/>
+              <a:t>prepareCall</a:t>
+            </a:r>
+            <a:r>
+              <a:rPr lang="pt-BR" sz="2200" dirty="0" smtClean="0"/>
+              <a:t>(“</a:t>
+            </a:r>
+            <a:r>
+              <a:rPr lang="pt-BR" sz="2200" dirty="0" smtClean="0">
+                <a:solidFill>
+                  <a:srgbClr val="FFC000"/>
+                </a:solidFill>
+              </a:rPr>
+              <a:t>{ </a:t>
+            </a:r>
+            <a:r>
+              <a:rPr lang="pt-BR" sz="2200" dirty="0" err="1" smtClean="0">
+                <a:solidFill>
+                  <a:srgbClr val="FFC000"/>
+                </a:solidFill>
+              </a:rPr>
+              <a:t>call</a:t>
+            </a:r>
+            <a:r>
+              <a:rPr lang="pt-BR" sz="2200" dirty="0" smtClean="0">
+                <a:solidFill>
+                  <a:srgbClr val="FFC000"/>
+                </a:solidFill>
+              </a:rPr>
+              <a:t> </a:t>
+            </a:r>
+            <a:r>
+              <a:rPr lang="pt-BR" sz="2200" dirty="0" err="1" smtClean="0">
+                <a:solidFill>
+                  <a:srgbClr val="FFC000"/>
+                </a:solidFill>
+              </a:rPr>
+              <a:t>prc_calcula_juros</a:t>
+            </a:r>
+            <a:r>
+              <a:rPr lang="pt-BR" sz="2200" dirty="0" smtClean="0">
+                <a:solidFill>
+                  <a:srgbClr val="FFC000"/>
+                </a:solidFill>
+              </a:rPr>
+              <a:t>(?, ?, ?, ?) }</a:t>
+            </a:r>
+            <a:r>
+              <a:rPr lang="pt-BR" sz="2200" dirty="0" smtClean="0"/>
+              <a:t>”);</a:t>
+            </a:r>
+          </a:p>
+          <a:p>
+            <a:pPr marL="442913" indent="0">
+              <a:spcBef>
+                <a:spcPts val="0"/>
+              </a:spcBef>
+              <a:buNone/>
+            </a:pPr>
+            <a:r>
+              <a:rPr lang="pt-BR" sz="2200" dirty="0" err="1" smtClean="0"/>
+              <a:t>cs</a:t>
+            </a:r>
+            <a:r>
+              <a:rPr lang="pt-BR" sz="2200" dirty="0" smtClean="0"/>
+              <a:t>.</a:t>
+            </a:r>
+            <a:r>
+              <a:rPr lang="pt-BR" sz="2200" dirty="0" err="1" smtClean="0">
+                <a:solidFill>
+                  <a:srgbClr val="FFC000"/>
+                </a:solidFill>
+              </a:rPr>
+              <a:t>setDouble</a:t>
+            </a:r>
+            <a:r>
+              <a:rPr lang="pt-BR" sz="2200" dirty="0" smtClean="0">
+                <a:solidFill>
+                  <a:srgbClr val="FFC000"/>
+                </a:solidFill>
+              </a:rPr>
+              <a:t>(</a:t>
+            </a:r>
+            <a:r>
+              <a:rPr lang="pt-BR" sz="2200" dirty="0" smtClean="0"/>
+              <a:t>1, 100.0</a:t>
+            </a:r>
+            <a:r>
+              <a:rPr lang="pt-BR" sz="2200" dirty="0" smtClean="0">
+                <a:solidFill>
+                  <a:srgbClr val="FFC000"/>
+                </a:solidFill>
+              </a:rPr>
+              <a:t>)</a:t>
+            </a:r>
+            <a:r>
+              <a:rPr lang="pt-BR" sz="2200" dirty="0" smtClean="0"/>
+              <a:t>;</a:t>
+            </a:r>
+          </a:p>
+          <a:p>
+            <a:pPr marL="442913" indent="0">
+              <a:spcBef>
+                <a:spcPts val="0"/>
+              </a:spcBef>
+              <a:buNone/>
+            </a:pPr>
+            <a:r>
+              <a:rPr lang="pt-BR" sz="2200" dirty="0" err="1" smtClean="0"/>
+              <a:t>cs</a:t>
+            </a:r>
+            <a:r>
+              <a:rPr lang="pt-BR" sz="2200" dirty="0" smtClean="0"/>
+              <a:t>.</a:t>
+            </a:r>
+            <a:r>
+              <a:rPr lang="pt-BR" sz="2200" dirty="0" err="1" smtClean="0">
+                <a:solidFill>
+                  <a:srgbClr val="FFC000"/>
+                </a:solidFill>
+              </a:rPr>
+              <a:t>setDouble</a:t>
+            </a:r>
+            <a:r>
+              <a:rPr lang="pt-BR" sz="2200" dirty="0" smtClean="0">
+                <a:solidFill>
+                  <a:srgbClr val="FFC000"/>
+                </a:solidFill>
+              </a:rPr>
+              <a:t>(</a:t>
+            </a:r>
+            <a:r>
+              <a:rPr lang="pt-BR" sz="2200" dirty="0" smtClean="0"/>
+              <a:t>2, 0.1</a:t>
+            </a:r>
+            <a:r>
+              <a:rPr lang="pt-BR" sz="2200" dirty="0" smtClean="0">
+                <a:solidFill>
+                  <a:srgbClr val="FFC000"/>
+                </a:solidFill>
+              </a:rPr>
+              <a:t>)</a:t>
+            </a:r>
+            <a:r>
+              <a:rPr lang="pt-BR" sz="2200" dirty="0" smtClean="0"/>
+              <a:t>;</a:t>
+            </a:r>
+          </a:p>
+          <a:p>
+            <a:pPr marL="442913" indent="0">
+              <a:spcBef>
+                <a:spcPts val="0"/>
+              </a:spcBef>
+              <a:buNone/>
+            </a:pPr>
+            <a:r>
+              <a:rPr lang="pt-BR" sz="2200" dirty="0" err="1" smtClean="0"/>
+              <a:t>cs</a:t>
+            </a:r>
+            <a:r>
+              <a:rPr lang="pt-BR" sz="2200" dirty="0" smtClean="0"/>
+              <a:t>.</a:t>
+            </a:r>
+            <a:r>
+              <a:rPr lang="pt-BR" sz="2200" dirty="0" err="1" smtClean="0">
+                <a:solidFill>
+                  <a:srgbClr val="FFC000"/>
+                </a:solidFill>
+              </a:rPr>
+              <a:t>setInt</a:t>
+            </a:r>
+            <a:r>
+              <a:rPr lang="pt-BR" sz="2200" dirty="0" smtClean="0">
+                <a:solidFill>
+                  <a:srgbClr val="FFC000"/>
+                </a:solidFill>
+              </a:rPr>
+              <a:t>(</a:t>
+            </a:r>
+            <a:r>
+              <a:rPr lang="pt-BR" sz="2200" dirty="0" smtClean="0"/>
+              <a:t>3, 2);</a:t>
+            </a:r>
+          </a:p>
+          <a:p>
+            <a:pPr marL="442913" indent="0">
+              <a:spcBef>
+                <a:spcPts val="0"/>
+              </a:spcBef>
+              <a:buNone/>
+            </a:pPr>
+            <a:r>
+              <a:rPr lang="pt-BR" sz="2200" dirty="0" err="1" smtClean="0"/>
+              <a:t>cs</a:t>
+            </a:r>
+            <a:r>
+              <a:rPr lang="pt-BR" sz="2200" dirty="0" smtClean="0"/>
+              <a:t>.</a:t>
+            </a:r>
+            <a:r>
+              <a:rPr lang="pt-BR" sz="2200" dirty="0" err="1" smtClean="0">
+                <a:solidFill>
+                  <a:srgbClr val="FFC000"/>
+                </a:solidFill>
+              </a:rPr>
+              <a:t>registerOutParameter</a:t>
+            </a:r>
+            <a:r>
+              <a:rPr lang="pt-BR" sz="2200" dirty="0" smtClean="0">
+                <a:solidFill>
+                  <a:srgbClr val="FFC000"/>
+                </a:solidFill>
+              </a:rPr>
+              <a:t>(</a:t>
+            </a:r>
+            <a:r>
+              <a:rPr lang="pt-BR" sz="2200" dirty="0" smtClean="0"/>
+              <a:t>4, </a:t>
+            </a:r>
+            <a:r>
+              <a:rPr lang="pt-BR" sz="2200" dirty="0" err="1" smtClean="0"/>
+              <a:t>Types</a:t>
+            </a:r>
+            <a:r>
+              <a:rPr lang="pt-BR" sz="2200" dirty="0" smtClean="0"/>
+              <a:t>.DOUBLE</a:t>
+            </a:r>
+            <a:r>
+              <a:rPr lang="pt-BR" sz="2200" dirty="0" smtClean="0">
+                <a:solidFill>
+                  <a:srgbClr val="FFC000"/>
+                </a:solidFill>
+              </a:rPr>
+              <a:t>)</a:t>
+            </a:r>
+            <a:r>
+              <a:rPr lang="pt-BR" sz="2200" dirty="0" smtClean="0"/>
+              <a:t>;</a:t>
+            </a:r>
+          </a:p>
+          <a:p>
+            <a:pPr marL="442913" indent="0">
+              <a:spcBef>
+                <a:spcPts val="0"/>
+              </a:spcBef>
+              <a:buNone/>
+            </a:pPr>
+            <a:endParaRPr lang="pt-BR" sz="2200" dirty="0" smtClean="0"/>
+          </a:p>
+          <a:p>
+            <a:pPr marL="442913" indent="0">
+              <a:spcBef>
+                <a:spcPts val="0"/>
+              </a:spcBef>
+              <a:buNone/>
+            </a:pPr>
+            <a:r>
+              <a:rPr lang="pt-BR" sz="2200" dirty="0" err="1" smtClean="0"/>
+              <a:t>cs</a:t>
+            </a:r>
+            <a:r>
+              <a:rPr lang="pt-BR" sz="2200" dirty="0" smtClean="0"/>
+              <a:t>.</a:t>
+            </a:r>
+            <a:r>
+              <a:rPr lang="pt-BR" sz="2200" dirty="0" err="1" smtClean="0">
+                <a:solidFill>
+                  <a:srgbClr val="FFC000"/>
+                </a:solidFill>
+              </a:rPr>
+              <a:t>executeUpdate</a:t>
+            </a:r>
+            <a:r>
+              <a:rPr lang="pt-BR" sz="2200" dirty="0" smtClean="0">
+                <a:solidFill>
+                  <a:srgbClr val="FFC000"/>
+                </a:solidFill>
+              </a:rPr>
+              <a:t>()</a:t>
+            </a:r>
+            <a:r>
+              <a:rPr lang="pt-BR" sz="2200" dirty="0" smtClean="0"/>
+              <a:t>;</a:t>
+            </a:r>
+          </a:p>
+          <a:p>
+            <a:pPr marL="442913" indent="0">
+              <a:spcBef>
+                <a:spcPts val="0"/>
+              </a:spcBef>
+              <a:buNone/>
+            </a:pPr>
+            <a:r>
+              <a:rPr lang="pt-BR" sz="2200" dirty="0" err="1" smtClean="0"/>
+              <a:t>double</a:t>
+            </a:r>
+            <a:r>
+              <a:rPr lang="pt-BR" sz="2200" dirty="0" smtClean="0"/>
+              <a:t> </a:t>
+            </a:r>
+            <a:r>
+              <a:rPr lang="pt-BR" sz="2200" dirty="0" err="1" smtClean="0"/>
+              <a:t>result</a:t>
+            </a:r>
+            <a:r>
+              <a:rPr lang="pt-BR" sz="2200" dirty="0" smtClean="0"/>
+              <a:t> = </a:t>
+            </a:r>
+            <a:r>
+              <a:rPr lang="pt-BR" sz="2200" dirty="0" err="1" smtClean="0"/>
+              <a:t>cs</a:t>
+            </a:r>
+            <a:r>
+              <a:rPr lang="pt-BR" sz="2200" dirty="0" smtClean="0"/>
+              <a:t>.</a:t>
+            </a:r>
+            <a:r>
+              <a:rPr lang="pt-BR" sz="2200" dirty="0" err="1" smtClean="0">
+                <a:solidFill>
+                  <a:srgbClr val="FFC000"/>
+                </a:solidFill>
+              </a:rPr>
+              <a:t>getDouble</a:t>
+            </a:r>
+            <a:r>
+              <a:rPr lang="pt-BR" sz="2200" dirty="0" smtClean="0">
+                <a:solidFill>
+                  <a:srgbClr val="FFC000"/>
+                </a:solidFill>
+              </a:rPr>
+              <a:t>(</a:t>
+            </a:r>
+            <a:r>
+              <a:rPr lang="pt-BR" sz="2200" dirty="0" smtClean="0"/>
+              <a:t>4</a:t>
+            </a:r>
+            <a:r>
+              <a:rPr lang="pt-BR" sz="2200" dirty="0" smtClean="0">
+                <a:solidFill>
+                  <a:srgbClr val="FFC000"/>
+                </a:solidFill>
+              </a:rPr>
+              <a:t>)</a:t>
+            </a:r>
+            <a:r>
+              <a:rPr lang="pt-BR" sz="2200" dirty="0" smtClean="0"/>
+              <a:t>;</a:t>
+            </a:r>
           </a:p>
         </p:txBody>
       </p:sp>
@@ -37941,6 +39612,2329 @@
                 <a:defRPr/>
               </a:pPr>
               <a:t>50</a:t>
+            </a:fld>
+            <a:endParaRPr lang="pt-BR"/>
+          </a:p>
+        </p:txBody>
+      </p:sp>
+    </p:spTree>
+  </p:cSld>
+  <p:clrMapOvr>
+    <a:masterClrMapping/>
+  </p:clrMapOvr>
+  <p:timing>
+    <p:tnLst>
+      <p:par>
+        <p:cTn id="1" dur="indefinite" restart="never" nodeType="tmRoot"/>
+      </p:par>
+    </p:tnLst>
+  </p:timing>
+</p:sld>
+</file>
+
+<file path=ppt/slides/slide51.xml><?xml version="1.0" encoding="utf-8"?>
+<p:sld xmlns:a="http://schemas.openxmlformats.org/drawingml/2006/main" xmlns:r="http://schemas.openxmlformats.org/officeDocument/2006/relationships" xmlns:p="http://schemas.openxmlformats.org/presentationml/2006/main">
+  <p:cSld>
+    <p:spTree>
+      <p:nvGrpSpPr>
+        <p:cNvPr id="1" name=""/>
+        <p:cNvGrpSpPr/>
+        <p:nvPr/>
+      </p:nvGrpSpPr>
+      <p:grpSpPr>
+        <a:xfrm>
+          <a:off x="0" y="0"/>
+          <a:ext cx="0" cy="0"/>
+          <a:chOff x="0" y="0"/>
+          <a:chExt cx="0" cy="0"/>
+        </a:xfrm>
+      </p:grpSpPr>
+      <p:sp>
+        <p:nvSpPr>
+          <p:cNvPr id="2" name="Título 1"/>
+          <p:cNvSpPr>
+            <a:spLocks noGrp="1"/>
+          </p:cNvSpPr>
+          <p:nvPr>
+            <p:ph type="title"/>
+          </p:nvPr>
+        </p:nvSpPr>
+        <p:spPr/>
+        <p:txBody>
+          <a:bodyPr/>
+          <a:lstStyle/>
+          <a:p>
+            <a:pPr eaLnBrk="1" hangingPunct="1"/>
+            <a:r>
+              <a:rPr lang="pt-BR" dirty="0" err="1" smtClean="0"/>
+              <a:t>Stored</a:t>
+            </a:r>
+            <a:r>
+              <a:rPr lang="pt-BR" dirty="0" smtClean="0"/>
+              <a:t> </a:t>
+            </a:r>
+            <a:r>
+              <a:rPr lang="pt-BR" dirty="0" err="1" smtClean="0"/>
+              <a:t>procedures</a:t>
+            </a:r>
+            <a:endParaRPr lang="pt-BR" dirty="0"/>
+          </a:p>
+        </p:txBody>
+      </p:sp>
+      <p:sp>
+        <p:nvSpPr>
+          <p:cNvPr id="3" name="Espaço Reservado para Conteúdo 2"/>
+          <p:cNvSpPr>
+            <a:spLocks noGrp="1"/>
+          </p:cNvSpPr>
+          <p:nvPr>
+            <p:ph idx="1"/>
+          </p:nvPr>
+        </p:nvSpPr>
+        <p:spPr>
+          <a:xfrm>
+            <a:off x="457200" y="1600200"/>
+            <a:ext cx="8219256" cy="4525963"/>
+          </a:xfrm>
+        </p:spPr>
+        <p:txBody>
+          <a:bodyPr/>
+          <a:lstStyle/>
+          <a:p>
+            <a:pPr>
+              <a:spcBef>
+                <a:spcPts val="3000"/>
+              </a:spcBef>
+            </a:pPr>
+            <a:r>
+              <a:rPr lang="pt-BR" dirty="0" smtClean="0"/>
+              <a:t>A interface </a:t>
+            </a:r>
+            <a:r>
+              <a:rPr lang="pt-BR" u="sng" dirty="0" err="1" smtClean="0"/>
+              <a:t>CallableStatement</a:t>
+            </a:r>
+            <a:endParaRPr lang="pt-BR" dirty="0" smtClean="0"/>
+          </a:p>
+          <a:p>
+            <a:pPr lvl="1">
+              <a:spcBef>
+                <a:spcPts val="1200"/>
+              </a:spcBef>
+            </a:pPr>
+            <a:r>
+              <a:rPr lang="pt-BR" sz="2200" dirty="0" smtClean="0"/>
+              <a:t>Para obter uma instância de </a:t>
+            </a:r>
+            <a:r>
+              <a:rPr lang="pt-BR" sz="2200" dirty="0" err="1" smtClean="0"/>
+              <a:t>CallableStatement</a:t>
+            </a:r>
+            <a:r>
+              <a:rPr lang="pt-BR" sz="2200" dirty="0" smtClean="0"/>
+              <a:t> </a:t>
+            </a:r>
+            <a:r>
+              <a:rPr lang="pt-BR" sz="2200" dirty="0" smtClean="0"/>
+              <a:t>utilizamos o método </a:t>
+            </a:r>
+            <a:r>
+              <a:rPr lang="pt-BR" sz="2200" i="1" u="sng" dirty="0" err="1" smtClean="0"/>
+              <a:t>prepareCall</a:t>
+            </a:r>
+            <a:r>
+              <a:rPr lang="pt-BR" sz="2200" i="1" u="sng" dirty="0" smtClean="0"/>
+              <a:t>()</a:t>
+            </a:r>
+            <a:r>
+              <a:rPr lang="pt-BR" sz="2200" dirty="0" smtClean="0"/>
+              <a:t> sobre a conexão com a base.</a:t>
+            </a:r>
+          </a:p>
+          <a:p>
+            <a:pPr lvl="1">
+              <a:spcBef>
+                <a:spcPts val="1200"/>
+              </a:spcBef>
+            </a:pPr>
+            <a:r>
+              <a:rPr lang="pt-BR" sz="2200" dirty="0" smtClean="0"/>
+              <a:t>Devemos neste momento informar o String de execução da </a:t>
+            </a:r>
+            <a:r>
+              <a:rPr lang="pt-BR" sz="2200" dirty="0" err="1" smtClean="0"/>
+              <a:t>Stored</a:t>
+            </a:r>
+            <a:r>
+              <a:rPr lang="pt-BR" sz="2200" dirty="0" smtClean="0"/>
+              <a:t> </a:t>
+            </a:r>
+            <a:r>
+              <a:rPr lang="pt-BR" sz="2200" dirty="0" err="1" smtClean="0"/>
+              <a:t>Procedure</a:t>
+            </a:r>
+            <a:r>
+              <a:rPr lang="pt-BR" sz="2200" dirty="0" smtClean="0"/>
+              <a:t> desejada:</a:t>
+            </a:r>
+            <a:endParaRPr lang="pt-BR" sz="2200" dirty="0" smtClean="0"/>
+          </a:p>
+          <a:p>
+            <a:pPr marL="442913" indent="0">
+              <a:spcBef>
+                <a:spcPts val="0"/>
+              </a:spcBef>
+              <a:buNone/>
+            </a:pPr>
+            <a:endParaRPr lang="pt-BR" sz="2200" dirty="0" smtClean="0"/>
+          </a:p>
+          <a:p>
+            <a:pPr marL="442913" indent="0">
+              <a:spcBef>
+                <a:spcPts val="0"/>
+              </a:spcBef>
+              <a:buNone/>
+            </a:pPr>
+            <a:r>
+              <a:rPr lang="pt-BR" sz="2200" dirty="0" err="1" smtClean="0"/>
+              <a:t>CallableStatement</a:t>
+            </a:r>
+            <a:r>
+              <a:rPr lang="pt-BR" sz="2200" dirty="0" smtClean="0"/>
+              <a:t> </a:t>
+            </a:r>
+            <a:r>
+              <a:rPr lang="pt-BR" sz="2200" dirty="0" err="1" smtClean="0"/>
+              <a:t>cs</a:t>
+            </a:r>
+            <a:r>
+              <a:rPr lang="pt-BR" sz="2200" dirty="0" smtClean="0"/>
+              <a:t> =</a:t>
+            </a:r>
+          </a:p>
+          <a:p>
+            <a:pPr marL="442913" indent="0" algn="r">
+              <a:spcBef>
+                <a:spcPts val="0"/>
+              </a:spcBef>
+              <a:buNone/>
+            </a:pPr>
+            <a:r>
+              <a:rPr lang="pt-BR" sz="2200" dirty="0" err="1" smtClean="0"/>
+              <a:t>cn</a:t>
+            </a:r>
+            <a:r>
+              <a:rPr lang="pt-BR" sz="2200" dirty="0" smtClean="0"/>
+              <a:t>.</a:t>
+            </a:r>
+            <a:r>
+              <a:rPr lang="pt-BR" sz="2200" u="sng" dirty="0" err="1" smtClean="0"/>
+              <a:t>prepareCall</a:t>
+            </a:r>
+            <a:r>
+              <a:rPr lang="pt-BR" sz="2200" dirty="0" smtClean="0"/>
+              <a:t>(“</a:t>
+            </a:r>
+            <a:r>
+              <a:rPr lang="pt-BR" sz="2200" dirty="0" smtClean="0">
+                <a:solidFill>
+                  <a:srgbClr val="FFC000"/>
+                </a:solidFill>
+              </a:rPr>
+              <a:t>{ </a:t>
+            </a:r>
+            <a:r>
+              <a:rPr lang="pt-BR" sz="2200" dirty="0" err="1" smtClean="0">
+                <a:solidFill>
+                  <a:srgbClr val="FFC000"/>
+                </a:solidFill>
+              </a:rPr>
+              <a:t>call</a:t>
+            </a:r>
+            <a:r>
+              <a:rPr lang="pt-BR" sz="2200" dirty="0" smtClean="0">
+                <a:solidFill>
+                  <a:srgbClr val="FFC000"/>
+                </a:solidFill>
+              </a:rPr>
+              <a:t> </a:t>
+            </a:r>
+            <a:r>
+              <a:rPr lang="pt-BR" sz="2200" dirty="0" err="1" smtClean="0">
+                <a:solidFill>
+                  <a:srgbClr val="FFC000"/>
+                </a:solidFill>
+              </a:rPr>
+              <a:t>prc_calcula_juros</a:t>
+            </a:r>
+            <a:r>
+              <a:rPr lang="pt-BR" sz="2200" dirty="0" smtClean="0">
+                <a:solidFill>
+                  <a:srgbClr val="FFC000"/>
+                </a:solidFill>
+              </a:rPr>
+              <a:t>(?, ?, ?, ?) }</a:t>
+            </a:r>
+            <a:r>
+              <a:rPr lang="pt-BR" sz="2200" dirty="0" smtClean="0"/>
+              <a:t>”);</a:t>
+            </a:r>
+          </a:p>
+        </p:txBody>
+      </p:sp>
+      <p:sp>
+        <p:nvSpPr>
+          <p:cNvPr id="4" name="Espaço Reservado para Número de Slide 3"/>
+          <p:cNvSpPr>
+            <a:spLocks noGrp="1"/>
+          </p:cNvSpPr>
+          <p:nvPr>
+            <p:ph type="sldNum" sz="quarter" idx="12"/>
+          </p:nvPr>
+        </p:nvSpPr>
+        <p:spPr/>
+        <p:txBody>
+          <a:bodyPr/>
+          <a:lstStyle/>
+          <a:p>
+            <a:pPr>
+              <a:defRPr/>
+            </a:pPr>
+            <a:fld id="{EF19A0F5-F849-4C78-8624-C3A50979DE44}" type="slidenum">
+              <a:rPr lang="pt-BR" smtClean="0"/>
+              <a:pPr>
+                <a:defRPr/>
+              </a:pPr>
+              <a:t>51</a:t>
+            </a:fld>
+            <a:endParaRPr lang="pt-BR"/>
+          </a:p>
+        </p:txBody>
+      </p:sp>
+      <p:sp>
+        <p:nvSpPr>
+          <p:cNvPr id="6" name="Chave direita 5"/>
+          <p:cNvSpPr/>
+          <p:nvPr/>
+        </p:nvSpPr>
+        <p:spPr>
+          <a:xfrm rot="5400000">
+            <a:off x="5616116" y="3825044"/>
+            <a:ext cx="360040" cy="2160240"/>
+          </a:xfrm>
+          <a:prstGeom prst="rightBrace">
+            <a:avLst/>
+          </a:prstGeom>
+          <a:ln w="28575">
+            <a:solidFill>
+              <a:schemeClr val="tx1"/>
+            </a:solidFill>
+          </a:ln>
+        </p:spPr>
+        <p:style>
+          <a:lnRef idx="1">
+            <a:schemeClr val="accent1"/>
+          </a:lnRef>
+          <a:fillRef idx="0">
+            <a:schemeClr val="accent1"/>
+          </a:fillRef>
+          <a:effectRef idx="0">
+            <a:schemeClr val="accent1"/>
+          </a:effectRef>
+          <a:fontRef idx="minor">
+            <a:schemeClr val="tx1"/>
+          </a:fontRef>
+        </p:style>
+        <p:txBody>
+          <a:bodyPr rtlCol="0" anchor="ctr"/>
+          <a:lstStyle/>
+          <a:p>
+            <a:pPr algn="ctr"/>
+            <a:endParaRPr lang="pt-BR"/>
+          </a:p>
+        </p:txBody>
+      </p:sp>
+      <p:sp>
+        <p:nvSpPr>
+          <p:cNvPr id="7" name="Chave direita 6"/>
+          <p:cNvSpPr/>
+          <p:nvPr/>
+        </p:nvSpPr>
+        <p:spPr>
+          <a:xfrm rot="5400000">
+            <a:off x="7344308" y="4329100"/>
+            <a:ext cx="360040" cy="1152128"/>
+          </a:xfrm>
+          <a:prstGeom prst="rightBrace">
+            <a:avLst/>
+          </a:prstGeom>
+          <a:ln w="28575">
+            <a:solidFill>
+              <a:schemeClr val="tx1"/>
+            </a:solidFill>
+          </a:ln>
+        </p:spPr>
+        <p:style>
+          <a:lnRef idx="1">
+            <a:schemeClr val="accent1"/>
+          </a:lnRef>
+          <a:fillRef idx="0">
+            <a:schemeClr val="accent1"/>
+          </a:fillRef>
+          <a:effectRef idx="0">
+            <a:schemeClr val="accent1"/>
+          </a:effectRef>
+          <a:fontRef idx="minor">
+            <a:schemeClr val="tx1"/>
+          </a:fontRef>
+        </p:style>
+        <p:txBody>
+          <a:bodyPr rtlCol="0" anchor="ctr"/>
+          <a:lstStyle/>
+          <a:p>
+            <a:pPr algn="ctr"/>
+            <a:endParaRPr lang="pt-BR"/>
+          </a:p>
+        </p:txBody>
+      </p:sp>
+      <p:sp>
+        <p:nvSpPr>
+          <p:cNvPr id="9" name="CaixaDeTexto 8"/>
+          <p:cNvSpPr txBox="1"/>
+          <p:nvPr/>
+        </p:nvSpPr>
+        <p:spPr>
+          <a:xfrm>
+            <a:off x="5148064" y="5301208"/>
+            <a:ext cx="1296144" cy="648072"/>
+          </a:xfrm>
+          <a:prstGeom prst="rect">
+            <a:avLst/>
+          </a:prstGeom>
+          <a:noFill/>
+          <a:ln>
+            <a:solidFill>
+              <a:schemeClr val="tx1"/>
+            </a:solidFill>
+          </a:ln>
+        </p:spPr>
+        <p:txBody>
+          <a:bodyPr wrap="square" rtlCol="0" anchor="ctr">
+            <a:noAutofit/>
+          </a:bodyPr>
+          <a:lstStyle/>
+          <a:p>
+            <a:pPr algn="ctr"/>
+            <a:r>
+              <a:rPr lang="pt-BR" sz="1600" b="1" dirty="0" smtClean="0"/>
+              <a:t>Nome da </a:t>
+            </a:r>
+            <a:r>
+              <a:rPr lang="pt-BR" sz="1600" b="1" dirty="0" err="1" smtClean="0"/>
+              <a:t>procedure</a:t>
+            </a:r>
+            <a:endParaRPr lang="pt-BR" sz="1600" b="1" dirty="0"/>
+          </a:p>
+        </p:txBody>
+      </p:sp>
+      <p:sp>
+        <p:nvSpPr>
+          <p:cNvPr id="10" name="CaixaDeTexto 9"/>
+          <p:cNvSpPr txBox="1"/>
+          <p:nvPr/>
+        </p:nvSpPr>
+        <p:spPr>
+          <a:xfrm>
+            <a:off x="6804248" y="5301208"/>
+            <a:ext cx="1440160" cy="432048"/>
+          </a:xfrm>
+          <a:prstGeom prst="rect">
+            <a:avLst/>
+          </a:prstGeom>
+          <a:noFill/>
+          <a:ln>
+            <a:solidFill>
+              <a:schemeClr val="tx1"/>
+            </a:solidFill>
+          </a:ln>
+        </p:spPr>
+        <p:txBody>
+          <a:bodyPr wrap="square" rtlCol="0" anchor="ctr">
+            <a:noAutofit/>
+          </a:bodyPr>
+          <a:lstStyle/>
+          <a:p>
+            <a:pPr algn="ctr"/>
+            <a:r>
+              <a:rPr lang="pt-BR" sz="1600" b="1" dirty="0" smtClean="0"/>
+              <a:t>Par</a:t>
+            </a:r>
+            <a:r>
+              <a:rPr lang="pt-BR" sz="1600" b="1" dirty="0" smtClean="0"/>
+              <a:t>âmetros</a:t>
+            </a:r>
+            <a:endParaRPr lang="pt-BR" sz="1600" b="1" dirty="0"/>
+          </a:p>
+        </p:txBody>
+      </p:sp>
+      <p:sp>
+        <p:nvSpPr>
+          <p:cNvPr id="17" name="Chave direita 16"/>
+          <p:cNvSpPr/>
+          <p:nvPr/>
+        </p:nvSpPr>
+        <p:spPr>
+          <a:xfrm rot="5400000">
+            <a:off x="2015716" y="4689140"/>
+            <a:ext cx="360040" cy="432048"/>
+          </a:xfrm>
+          <a:prstGeom prst="rightBrace">
+            <a:avLst/>
+          </a:prstGeom>
+          <a:ln w="28575">
+            <a:solidFill>
+              <a:schemeClr val="tx1"/>
+            </a:solidFill>
+          </a:ln>
+        </p:spPr>
+        <p:style>
+          <a:lnRef idx="1">
+            <a:schemeClr val="accent1"/>
+          </a:lnRef>
+          <a:fillRef idx="0">
+            <a:schemeClr val="accent1"/>
+          </a:fillRef>
+          <a:effectRef idx="0">
+            <a:schemeClr val="accent1"/>
+          </a:effectRef>
+          <a:fontRef idx="minor">
+            <a:schemeClr val="tx1"/>
+          </a:fontRef>
+        </p:style>
+        <p:txBody>
+          <a:bodyPr rtlCol="0" anchor="ctr"/>
+          <a:lstStyle/>
+          <a:p>
+            <a:pPr algn="ctr"/>
+            <a:endParaRPr lang="pt-BR"/>
+          </a:p>
+        </p:txBody>
+      </p:sp>
+      <p:sp>
+        <p:nvSpPr>
+          <p:cNvPr id="18" name="CaixaDeTexto 17"/>
+          <p:cNvSpPr txBox="1"/>
+          <p:nvPr/>
+        </p:nvSpPr>
+        <p:spPr>
+          <a:xfrm>
+            <a:off x="899592" y="5301208"/>
+            <a:ext cx="2592288" cy="648072"/>
+          </a:xfrm>
+          <a:prstGeom prst="rect">
+            <a:avLst/>
+          </a:prstGeom>
+          <a:noFill/>
+          <a:ln>
+            <a:solidFill>
+              <a:schemeClr val="tx1"/>
+            </a:solidFill>
+          </a:ln>
+        </p:spPr>
+        <p:txBody>
+          <a:bodyPr wrap="square" rtlCol="0" anchor="ctr">
+            <a:noAutofit/>
+          </a:bodyPr>
+          <a:lstStyle/>
+          <a:p>
+            <a:pPr algn="ctr"/>
+            <a:r>
+              <a:rPr lang="pt-BR" sz="1600" b="1" dirty="0" smtClean="0"/>
+              <a:t>Conexão utilizada no acesso à base de dados</a:t>
+            </a:r>
+            <a:endParaRPr lang="pt-BR" sz="1600" b="1" dirty="0"/>
+          </a:p>
+        </p:txBody>
+      </p:sp>
+    </p:spTree>
+  </p:cSld>
+  <p:clrMapOvr>
+    <a:masterClrMapping/>
+  </p:clrMapOvr>
+  <p:timing>
+    <p:tnLst>
+      <p:par>
+        <p:cTn id="1" dur="indefinite" restart="never" nodeType="tmRoot"/>
+      </p:par>
+    </p:tnLst>
+  </p:timing>
+</p:sld>
+</file>
+
+<file path=ppt/slides/slide52.xml><?xml version="1.0" encoding="utf-8"?>
+<p:sld xmlns:a="http://schemas.openxmlformats.org/drawingml/2006/main" xmlns:r="http://schemas.openxmlformats.org/officeDocument/2006/relationships" xmlns:p="http://schemas.openxmlformats.org/presentationml/2006/main">
+  <p:cSld>
+    <p:spTree>
+      <p:nvGrpSpPr>
+        <p:cNvPr id="1" name=""/>
+        <p:cNvGrpSpPr/>
+        <p:nvPr/>
+      </p:nvGrpSpPr>
+      <p:grpSpPr>
+        <a:xfrm>
+          <a:off x="0" y="0"/>
+          <a:ext cx="0" cy="0"/>
+          <a:chOff x="0" y="0"/>
+          <a:chExt cx="0" cy="0"/>
+        </a:xfrm>
+      </p:grpSpPr>
+      <p:sp>
+        <p:nvSpPr>
+          <p:cNvPr id="2" name="Título 1"/>
+          <p:cNvSpPr>
+            <a:spLocks noGrp="1"/>
+          </p:cNvSpPr>
+          <p:nvPr>
+            <p:ph type="title"/>
+          </p:nvPr>
+        </p:nvSpPr>
+        <p:spPr/>
+        <p:txBody>
+          <a:bodyPr/>
+          <a:lstStyle/>
+          <a:p>
+            <a:pPr eaLnBrk="1" hangingPunct="1"/>
+            <a:r>
+              <a:rPr lang="pt-BR" dirty="0" err="1" smtClean="0"/>
+              <a:t>Stored</a:t>
+            </a:r>
+            <a:r>
+              <a:rPr lang="pt-BR" dirty="0" smtClean="0"/>
+              <a:t> </a:t>
+            </a:r>
+            <a:r>
+              <a:rPr lang="pt-BR" dirty="0" err="1" smtClean="0"/>
+              <a:t>procedures</a:t>
+            </a:r>
+            <a:endParaRPr lang="pt-BR" dirty="0"/>
+          </a:p>
+        </p:txBody>
+      </p:sp>
+      <p:sp>
+        <p:nvSpPr>
+          <p:cNvPr id="3" name="Espaço Reservado para Conteúdo 2"/>
+          <p:cNvSpPr>
+            <a:spLocks noGrp="1"/>
+          </p:cNvSpPr>
+          <p:nvPr>
+            <p:ph idx="1"/>
+          </p:nvPr>
+        </p:nvSpPr>
+        <p:spPr>
+          <a:xfrm>
+            <a:off x="457200" y="1600200"/>
+            <a:ext cx="8219256" cy="4525963"/>
+          </a:xfrm>
+        </p:spPr>
+        <p:txBody>
+          <a:bodyPr/>
+          <a:lstStyle/>
+          <a:p>
+            <a:pPr>
+              <a:spcBef>
+                <a:spcPts val="3000"/>
+              </a:spcBef>
+            </a:pPr>
+            <a:r>
+              <a:rPr lang="pt-BR" dirty="0" smtClean="0"/>
+              <a:t>A interface </a:t>
+            </a:r>
+            <a:r>
+              <a:rPr lang="pt-BR" u="sng" dirty="0" err="1" smtClean="0"/>
+              <a:t>CallableStatement</a:t>
+            </a:r>
+            <a:endParaRPr lang="pt-BR" dirty="0" smtClean="0"/>
+          </a:p>
+          <a:p>
+            <a:pPr lvl="1">
+              <a:spcBef>
+                <a:spcPts val="1200"/>
+              </a:spcBef>
+            </a:pPr>
+            <a:r>
+              <a:rPr lang="pt-BR" sz="2200" dirty="0" smtClean="0"/>
+              <a:t>Os parâmetros de entrada (IN) devem ser </a:t>
+            </a:r>
+            <a:r>
+              <a:rPr lang="pt-BR" sz="2200" u="sng" dirty="0" smtClean="0"/>
+              <a:t>todos preenchidos</a:t>
+            </a:r>
+            <a:r>
+              <a:rPr lang="pt-BR" sz="2200" dirty="0" smtClean="0"/>
+              <a:t> conforme seu tipo, inserindo os valores desejados:</a:t>
+            </a:r>
+            <a:endParaRPr lang="pt-BR" sz="2200" dirty="0" smtClean="0"/>
+          </a:p>
+          <a:p>
+            <a:pPr marL="442913" indent="0">
+              <a:spcBef>
+                <a:spcPts val="0"/>
+              </a:spcBef>
+              <a:buNone/>
+            </a:pPr>
+            <a:endParaRPr lang="pt-BR" sz="2200" dirty="0" smtClean="0"/>
+          </a:p>
+          <a:p>
+            <a:pPr marL="1620838" indent="0">
+              <a:spcBef>
+                <a:spcPts val="0"/>
+              </a:spcBef>
+              <a:buNone/>
+              <a:tabLst>
+                <a:tab pos="4668838" algn="l"/>
+              </a:tabLst>
+            </a:pPr>
+            <a:r>
+              <a:rPr lang="pt-BR" sz="2200" dirty="0" err="1" smtClean="0"/>
+              <a:t>cs</a:t>
+            </a:r>
+            <a:r>
+              <a:rPr lang="pt-BR" sz="2200" dirty="0" smtClean="0"/>
+              <a:t>.</a:t>
+            </a:r>
+            <a:r>
+              <a:rPr lang="pt-BR" sz="2200" dirty="0" err="1" smtClean="0">
+                <a:solidFill>
+                  <a:srgbClr val="FFC000"/>
+                </a:solidFill>
+              </a:rPr>
+              <a:t>setDouble</a:t>
+            </a:r>
+            <a:r>
+              <a:rPr lang="pt-BR" sz="2200" dirty="0" smtClean="0">
+                <a:solidFill>
+                  <a:srgbClr val="FFC000"/>
+                </a:solidFill>
+              </a:rPr>
+              <a:t>(</a:t>
+            </a:r>
+            <a:r>
+              <a:rPr lang="pt-BR" sz="2200" dirty="0" smtClean="0"/>
+              <a:t>1, 100.0</a:t>
+            </a:r>
+            <a:r>
+              <a:rPr lang="pt-BR" sz="2200" dirty="0" smtClean="0">
+                <a:solidFill>
+                  <a:srgbClr val="FFC000"/>
+                </a:solidFill>
+              </a:rPr>
+              <a:t>)</a:t>
+            </a:r>
+            <a:r>
+              <a:rPr lang="pt-BR" sz="2200" dirty="0" smtClean="0"/>
+              <a:t>;	</a:t>
+            </a:r>
+            <a:r>
+              <a:rPr lang="pt-BR" sz="2200" dirty="0" smtClean="0">
+                <a:solidFill>
+                  <a:schemeClr val="accent6"/>
+                </a:solidFill>
+              </a:rPr>
+              <a:t>/* Parâmetro 1 */</a:t>
+            </a:r>
+            <a:endParaRPr lang="pt-BR" sz="2200" dirty="0" smtClean="0">
+              <a:solidFill>
+                <a:schemeClr val="accent6"/>
+              </a:solidFill>
+            </a:endParaRPr>
+          </a:p>
+          <a:p>
+            <a:pPr marL="1620838" indent="0">
+              <a:spcBef>
+                <a:spcPts val="0"/>
+              </a:spcBef>
+              <a:buNone/>
+              <a:tabLst>
+                <a:tab pos="4668838" algn="l"/>
+              </a:tabLst>
+            </a:pPr>
+            <a:r>
+              <a:rPr lang="pt-BR" sz="2200" dirty="0" err="1" smtClean="0"/>
+              <a:t>cs</a:t>
+            </a:r>
+            <a:r>
+              <a:rPr lang="pt-BR" sz="2200" dirty="0" smtClean="0"/>
+              <a:t>.</a:t>
+            </a:r>
+            <a:r>
+              <a:rPr lang="pt-BR" sz="2200" dirty="0" err="1" smtClean="0">
+                <a:solidFill>
+                  <a:srgbClr val="FFC000"/>
+                </a:solidFill>
+              </a:rPr>
+              <a:t>setDouble</a:t>
+            </a:r>
+            <a:r>
+              <a:rPr lang="pt-BR" sz="2200" dirty="0" smtClean="0">
+                <a:solidFill>
+                  <a:srgbClr val="FFC000"/>
+                </a:solidFill>
+              </a:rPr>
+              <a:t>(</a:t>
+            </a:r>
+            <a:r>
+              <a:rPr lang="pt-BR" sz="2200" dirty="0" smtClean="0"/>
+              <a:t>2, 0.1</a:t>
+            </a:r>
+            <a:r>
+              <a:rPr lang="pt-BR" sz="2200" dirty="0" smtClean="0">
+                <a:solidFill>
+                  <a:srgbClr val="FFC000"/>
+                </a:solidFill>
+              </a:rPr>
+              <a:t>)</a:t>
+            </a:r>
+            <a:r>
+              <a:rPr lang="pt-BR" sz="2200" dirty="0" smtClean="0"/>
+              <a:t>;	</a:t>
+            </a:r>
+            <a:r>
+              <a:rPr lang="pt-BR" sz="2200" dirty="0" smtClean="0">
+                <a:solidFill>
+                  <a:schemeClr val="accent6"/>
+                </a:solidFill>
+              </a:rPr>
+              <a:t>/* Parâmetro 2 */</a:t>
+            </a:r>
+            <a:endParaRPr lang="pt-BR" sz="2200" dirty="0" smtClean="0">
+              <a:solidFill>
+                <a:schemeClr val="accent6"/>
+              </a:solidFill>
+            </a:endParaRPr>
+          </a:p>
+          <a:p>
+            <a:pPr marL="1620838" indent="0">
+              <a:spcBef>
+                <a:spcPts val="0"/>
+              </a:spcBef>
+              <a:buNone/>
+              <a:tabLst>
+                <a:tab pos="4668838" algn="l"/>
+              </a:tabLst>
+            </a:pPr>
+            <a:r>
+              <a:rPr lang="pt-BR" sz="2200" dirty="0" err="1" smtClean="0"/>
+              <a:t>cs</a:t>
+            </a:r>
+            <a:r>
+              <a:rPr lang="pt-BR" sz="2200" dirty="0" smtClean="0"/>
+              <a:t>.</a:t>
+            </a:r>
+            <a:r>
+              <a:rPr lang="pt-BR" sz="2200" dirty="0" err="1" smtClean="0">
+                <a:solidFill>
+                  <a:srgbClr val="FFC000"/>
+                </a:solidFill>
+              </a:rPr>
+              <a:t>setInt</a:t>
+            </a:r>
+            <a:r>
+              <a:rPr lang="pt-BR" sz="2200" dirty="0" smtClean="0">
+                <a:solidFill>
+                  <a:srgbClr val="FFC000"/>
+                </a:solidFill>
+              </a:rPr>
+              <a:t>(</a:t>
+            </a:r>
+            <a:r>
+              <a:rPr lang="pt-BR" sz="2200" dirty="0" smtClean="0"/>
+              <a:t>3, 2</a:t>
+            </a:r>
+            <a:r>
+              <a:rPr lang="pt-BR" sz="2200" dirty="0" smtClean="0"/>
+              <a:t>);	</a:t>
+            </a:r>
+            <a:r>
+              <a:rPr lang="pt-BR" sz="2200" dirty="0" smtClean="0">
+                <a:solidFill>
+                  <a:schemeClr val="accent6"/>
+                </a:solidFill>
+              </a:rPr>
+              <a:t>/* Parâmetro 3 */</a:t>
+            </a:r>
+            <a:endParaRPr lang="pt-BR" sz="2200" dirty="0" smtClean="0">
+              <a:solidFill>
+                <a:schemeClr val="accent6"/>
+              </a:solidFill>
+            </a:endParaRPr>
+          </a:p>
+        </p:txBody>
+      </p:sp>
+      <p:sp>
+        <p:nvSpPr>
+          <p:cNvPr id="4" name="Espaço Reservado para Número de Slide 3"/>
+          <p:cNvSpPr>
+            <a:spLocks noGrp="1"/>
+          </p:cNvSpPr>
+          <p:nvPr>
+            <p:ph type="sldNum" sz="quarter" idx="12"/>
+          </p:nvPr>
+        </p:nvSpPr>
+        <p:spPr/>
+        <p:txBody>
+          <a:bodyPr/>
+          <a:lstStyle/>
+          <a:p>
+            <a:pPr>
+              <a:defRPr/>
+            </a:pPr>
+            <a:fld id="{EF19A0F5-F849-4C78-8624-C3A50979DE44}" type="slidenum">
+              <a:rPr lang="pt-BR" smtClean="0"/>
+              <a:pPr>
+                <a:defRPr/>
+              </a:pPr>
+              <a:t>52</a:t>
+            </a:fld>
+            <a:endParaRPr lang="pt-BR"/>
+          </a:p>
+        </p:txBody>
+      </p:sp>
+    </p:spTree>
+  </p:cSld>
+  <p:clrMapOvr>
+    <a:masterClrMapping/>
+  </p:clrMapOvr>
+  <p:timing>
+    <p:tnLst>
+      <p:par>
+        <p:cTn id="1" dur="indefinite" restart="never" nodeType="tmRoot"/>
+      </p:par>
+    </p:tnLst>
+  </p:timing>
+</p:sld>
+</file>
+
+<file path=ppt/slides/slide53.xml><?xml version="1.0" encoding="utf-8"?>
+<p:sld xmlns:a="http://schemas.openxmlformats.org/drawingml/2006/main" xmlns:r="http://schemas.openxmlformats.org/officeDocument/2006/relationships" xmlns:p="http://schemas.openxmlformats.org/presentationml/2006/main">
+  <p:cSld>
+    <p:spTree>
+      <p:nvGrpSpPr>
+        <p:cNvPr id="1" name=""/>
+        <p:cNvGrpSpPr/>
+        <p:nvPr/>
+      </p:nvGrpSpPr>
+      <p:grpSpPr>
+        <a:xfrm>
+          <a:off x="0" y="0"/>
+          <a:ext cx="0" cy="0"/>
+          <a:chOff x="0" y="0"/>
+          <a:chExt cx="0" cy="0"/>
+        </a:xfrm>
+      </p:grpSpPr>
+      <p:sp>
+        <p:nvSpPr>
+          <p:cNvPr id="2" name="Título 1"/>
+          <p:cNvSpPr>
+            <a:spLocks noGrp="1"/>
+          </p:cNvSpPr>
+          <p:nvPr>
+            <p:ph type="title"/>
+          </p:nvPr>
+        </p:nvSpPr>
+        <p:spPr/>
+        <p:txBody>
+          <a:bodyPr/>
+          <a:lstStyle/>
+          <a:p>
+            <a:pPr eaLnBrk="1" hangingPunct="1"/>
+            <a:r>
+              <a:rPr lang="pt-BR" dirty="0" err="1" smtClean="0"/>
+              <a:t>Stored</a:t>
+            </a:r>
+            <a:r>
+              <a:rPr lang="pt-BR" dirty="0" smtClean="0"/>
+              <a:t> </a:t>
+            </a:r>
+            <a:r>
+              <a:rPr lang="pt-BR" dirty="0" err="1" smtClean="0"/>
+              <a:t>procedures</a:t>
+            </a:r>
+            <a:endParaRPr lang="pt-BR" dirty="0"/>
+          </a:p>
+        </p:txBody>
+      </p:sp>
+      <p:sp>
+        <p:nvSpPr>
+          <p:cNvPr id="3" name="Espaço Reservado para Conteúdo 2"/>
+          <p:cNvSpPr>
+            <a:spLocks noGrp="1"/>
+          </p:cNvSpPr>
+          <p:nvPr>
+            <p:ph idx="1"/>
+          </p:nvPr>
+        </p:nvSpPr>
+        <p:spPr>
+          <a:xfrm>
+            <a:off x="457200" y="1600200"/>
+            <a:ext cx="8219256" cy="4525963"/>
+          </a:xfrm>
+        </p:spPr>
+        <p:txBody>
+          <a:bodyPr/>
+          <a:lstStyle/>
+          <a:p>
+            <a:pPr>
+              <a:spcBef>
+                <a:spcPts val="3000"/>
+              </a:spcBef>
+            </a:pPr>
+            <a:r>
+              <a:rPr lang="pt-BR" dirty="0" smtClean="0"/>
+              <a:t>A interface </a:t>
+            </a:r>
+            <a:r>
+              <a:rPr lang="pt-BR" u="sng" dirty="0" err="1" smtClean="0"/>
+              <a:t>CallableStatement</a:t>
+            </a:r>
+            <a:endParaRPr lang="pt-BR" dirty="0" smtClean="0"/>
+          </a:p>
+          <a:p>
+            <a:pPr lvl="1">
+              <a:spcBef>
+                <a:spcPts val="1200"/>
+              </a:spcBef>
+            </a:pPr>
+            <a:r>
+              <a:rPr lang="pt-BR" sz="2200" dirty="0" smtClean="0"/>
+              <a:t>Os parâmetros de saída (OUT) devem ser </a:t>
+            </a:r>
+            <a:r>
+              <a:rPr lang="pt-BR" sz="2200" u="sng" dirty="0" smtClean="0"/>
+              <a:t>todos registrados</a:t>
+            </a:r>
+            <a:r>
+              <a:rPr lang="pt-BR" sz="2200" dirty="0" smtClean="0"/>
+              <a:t> conforme seu tipo, informando ao JDBC que estes são valores que serão retornados pela </a:t>
+            </a:r>
+            <a:r>
+              <a:rPr lang="pt-BR" sz="2200" dirty="0" err="1" smtClean="0"/>
+              <a:t>procedure</a:t>
+            </a:r>
+            <a:r>
+              <a:rPr lang="pt-BR" sz="2200" dirty="0" smtClean="0"/>
+              <a:t>.</a:t>
+            </a:r>
+          </a:p>
+          <a:p>
+            <a:pPr lvl="1">
+              <a:spcBef>
+                <a:spcPts val="1200"/>
+              </a:spcBef>
+            </a:pPr>
+            <a:r>
+              <a:rPr lang="pt-BR" sz="2200" dirty="0" smtClean="0"/>
+              <a:t>Para informar o tipo de retorno, utilize uma das constantes da classe </a:t>
+            </a:r>
+            <a:r>
+              <a:rPr lang="pt-BR" sz="2200" dirty="0" err="1" smtClean="0"/>
+              <a:t>java</a:t>
+            </a:r>
+            <a:r>
+              <a:rPr lang="pt-BR" sz="2200" dirty="0" smtClean="0"/>
+              <a:t>.</a:t>
+            </a:r>
+            <a:r>
+              <a:rPr lang="pt-BR" sz="2200" dirty="0" err="1" smtClean="0"/>
+              <a:t>sql</a:t>
+            </a:r>
+            <a:r>
+              <a:rPr lang="pt-BR" sz="2200" dirty="0" smtClean="0"/>
+              <a:t>.</a:t>
+            </a:r>
+            <a:r>
+              <a:rPr lang="pt-BR" sz="2200" dirty="0" err="1" smtClean="0"/>
+              <a:t>Types</a:t>
+            </a:r>
+            <a:r>
+              <a:rPr lang="pt-BR" sz="2200" dirty="0" smtClean="0"/>
+              <a:t>:</a:t>
+            </a:r>
+            <a:endParaRPr lang="pt-BR" sz="2200" dirty="0" smtClean="0"/>
+          </a:p>
+          <a:p>
+            <a:pPr marL="442913" indent="0">
+              <a:spcBef>
+                <a:spcPts val="0"/>
+              </a:spcBef>
+              <a:buNone/>
+            </a:pPr>
+            <a:endParaRPr lang="pt-BR" sz="2200" dirty="0" smtClean="0"/>
+          </a:p>
+          <a:p>
+            <a:pPr marL="0" indent="0" algn="ctr">
+              <a:spcBef>
+                <a:spcPts val="0"/>
+              </a:spcBef>
+              <a:buNone/>
+            </a:pPr>
+            <a:endParaRPr lang="pt-BR" sz="2200" dirty="0" smtClean="0"/>
+          </a:p>
+          <a:p>
+            <a:pPr marL="0" indent="0" algn="ctr">
+              <a:spcBef>
+                <a:spcPts val="0"/>
+              </a:spcBef>
+              <a:buNone/>
+            </a:pPr>
+            <a:r>
+              <a:rPr lang="pt-BR" sz="2200" dirty="0" err="1" smtClean="0"/>
+              <a:t>cs</a:t>
+            </a:r>
+            <a:r>
+              <a:rPr lang="pt-BR" sz="2200" dirty="0" smtClean="0"/>
+              <a:t>.</a:t>
+            </a:r>
+            <a:r>
+              <a:rPr lang="pt-BR" sz="2200" dirty="0" err="1" smtClean="0">
+                <a:solidFill>
+                  <a:srgbClr val="FFC000"/>
+                </a:solidFill>
+              </a:rPr>
+              <a:t>registerOutParameter</a:t>
+            </a:r>
+            <a:r>
+              <a:rPr lang="pt-BR" sz="2200" dirty="0" smtClean="0">
+                <a:solidFill>
+                  <a:srgbClr val="FFC000"/>
+                </a:solidFill>
+              </a:rPr>
+              <a:t>(</a:t>
+            </a:r>
+            <a:r>
+              <a:rPr lang="pt-BR" sz="2200" dirty="0" smtClean="0"/>
+              <a:t>4, </a:t>
+            </a:r>
+            <a:r>
+              <a:rPr lang="pt-BR" sz="2200" dirty="0" err="1" smtClean="0"/>
+              <a:t>Types</a:t>
+            </a:r>
+            <a:r>
+              <a:rPr lang="pt-BR" sz="2200" dirty="0" smtClean="0"/>
+              <a:t>.DOUBLE</a:t>
+            </a:r>
+            <a:r>
+              <a:rPr lang="pt-BR" sz="2200" dirty="0" smtClean="0">
+                <a:solidFill>
+                  <a:srgbClr val="FFC000"/>
+                </a:solidFill>
+              </a:rPr>
+              <a:t>)</a:t>
+            </a:r>
+            <a:r>
+              <a:rPr lang="pt-BR" sz="2200" dirty="0" smtClean="0"/>
+              <a:t>;  </a:t>
+            </a:r>
+            <a:r>
+              <a:rPr lang="pt-BR" sz="2200" dirty="0" smtClean="0">
+                <a:solidFill>
+                  <a:schemeClr val="accent6"/>
+                </a:solidFill>
+              </a:rPr>
+              <a:t>/* Parâmetro </a:t>
+            </a:r>
+            <a:r>
+              <a:rPr lang="pt-BR" sz="2200" dirty="0" smtClean="0">
+                <a:solidFill>
+                  <a:schemeClr val="accent6"/>
+                </a:solidFill>
+              </a:rPr>
+              <a:t>4</a:t>
+            </a:r>
+            <a:r>
+              <a:rPr lang="pt-BR" sz="2200" dirty="0" smtClean="0">
+                <a:solidFill>
+                  <a:schemeClr val="accent6"/>
+                </a:solidFill>
+              </a:rPr>
+              <a:t> */</a:t>
+            </a:r>
+            <a:endParaRPr lang="pt-BR" sz="2200" dirty="0" smtClean="0">
+              <a:solidFill>
+                <a:schemeClr val="accent6"/>
+              </a:solidFill>
+            </a:endParaRPr>
+          </a:p>
+        </p:txBody>
+      </p:sp>
+      <p:sp>
+        <p:nvSpPr>
+          <p:cNvPr id="4" name="Espaço Reservado para Número de Slide 3"/>
+          <p:cNvSpPr>
+            <a:spLocks noGrp="1"/>
+          </p:cNvSpPr>
+          <p:nvPr>
+            <p:ph type="sldNum" sz="quarter" idx="12"/>
+          </p:nvPr>
+        </p:nvSpPr>
+        <p:spPr/>
+        <p:txBody>
+          <a:bodyPr/>
+          <a:lstStyle/>
+          <a:p>
+            <a:pPr>
+              <a:defRPr/>
+            </a:pPr>
+            <a:fld id="{EF19A0F5-F849-4C78-8624-C3A50979DE44}" type="slidenum">
+              <a:rPr lang="pt-BR" smtClean="0"/>
+              <a:pPr>
+                <a:defRPr/>
+              </a:pPr>
+              <a:t>53</a:t>
+            </a:fld>
+            <a:endParaRPr lang="pt-BR"/>
+          </a:p>
+        </p:txBody>
+      </p:sp>
+    </p:spTree>
+  </p:cSld>
+  <p:clrMapOvr>
+    <a:masterClrMapping/>
+  </p:clrMapOvr>
+  <p:timing>
+    <p:tnLst>
+      <p:par>
+        <p:cTn id="1" dur="indefinite" restart="never" nodeType="tmRoot"/>
+      </p:par>
+    </p:tnLst>
+  </p:timing>
+</p:sld>
+</file>
+
+<file path=ppt/slides/slide54.xml><?xml version="1.0" encoding="utf-8"?>
+<p:sld xmlns:a="http://schemas.openxmlformats.org/drawingml/2006/main" xmlns:r="http://schemas.openxmlformats.org/officeDocument/2006/relationships" xmlns:p="http://schemas.openxmlformats.org/presentationml/2006/main">
+  <p:cSld>
+    <p:spTree>
+      <p:nvGrpSpPr>
+        <p:cNvPr id="1" name=""/>
+        <p:cNvGrpSpPr/>
+        <p:nvPr/>
+      </p:nvGrpSpPr>
+      <p:grpSpPr>
+        <a:xfrm>
+          <a:off x="0" y="0"/>
+          <a:ext cx="0" cy="0"/>
+          <a:chOff x="0" y="0"/>
+          <a:chExt cx="0" cy="0"/>
+        </a:xfrm>
+      </p:grpSpPr>
+      <p:sp>
+        <p:nvSpPr>
+          <p:cNvPr id="2" name="Título 1"/>
+          <p:cNvSpPr>
+            <a:spLocks noGrp="1"/>
+          </p:cNvSpPr>
+          <p:nvPr>
+            <p:ph type="title"/>
+          </p:nvPr>
+        </p:nvSpPr>
+        <p:spPr/>
+        <p:txBody>
+          <a:bodyPr/>
+          <a:lstStyle/>
+          <a:p>
+            <a:pPr eaLnBrk="1" hangingPunct="1"/>
+            <a:r>
+              <a:rPr lang="pt-BR" dirty="0" err="1" smtClean="0"/>
+              <a:t>Stored</a:t>
+            </a:r>
+            <a:r>
+              <a:rPr lang="pt-BR" dirty="0" smtClean="0"/>
+              <a:t> </a:t>
+            </a:r>
+            <a:r>
+              <a:rPr lang="pt-BR" dirty="0" err="1" smtClean="0"/>
+              <a:t>procedures</a:t>
+            </a:r>
+            <a:endParaRPr lang="pt-BR" dirty="0"/>
+          </a:p>
+        </p:txBody>
+      </p:sp>
+      <p:sp>
+        <p:nvSpPr>
+          <p:cNvPr id="3" name="Espaço Reservado para Conteúdo 2"/>
+          <p:cNvSpPr>
+            <a:spLocks noGrp="1"/>
+          </p:cNvSpPr>
+          <p:nvPr>
+            <p:ph idx="1"/>
+          </p:nvPr>
+        </p:nvSpPr>
+        <p:spPr>
+          <a:xfrm>
+            <a:off x="457200" y="1600200"/>
+            <a:ext cx="8219256" cy="4525963"/>
+          </a:xfrm>
+        </p:spPr>
+        <p:txBody>
+          <a:bodyPr/>
+          <a:lstStyle/>
+          <a:p>
+            <a:pPr>
+              <a:spcBef>
+                <a:spcPts val="3000"/>
+              </a:spcBef>
+            </a:pPr>
+            <a:r>
+              <a:rPr lang="pt-BR" dirty="0" smtClean="0"/>
+              <a:t>A interface </a:t>
+            </a:r>
+            <a:r>
+              <a:rPr lang="pt-BR" u="sng" dirty="0" err="1" smtClean="0"/>
+              <a:t>CallableStatement</a:t>
+            </a:r>
+            <a:endParaRPr lang="pt-BR" dirty="0" smtClean="0"/>
+          </a:p>
+          <a:p>
+            <a:pPr lvl="1">
+              <a:spcBef>
+                <a:spcPts val="1200"/>
+              </a:spcBef>
+            </a:pPr>
+            <a:r>
+              <a:rPr lang="pt-BR" sz="2200" dirty="0" smtClean="0"/>
+              <a:t>Após preenchidos e/ou registrados todos os parâmetros, podemos executar a </a:t>
+            </a:r>
+            <a:r>
+              <a:rPr lang="pt-BR" sz="2200" dirty="0" err="1" smtClean="0"/>
+              <a:t>procedure</a:t>
+            </a:r>
+            <a:r>
+              <a:rPr lang="pt-BR" sz="2200" dirty="0" smtClean="0"/>
+              <a:t> com o método </a:t>
+            </a:r>
+            <a:r>
+              <a:rPr lang="pt-BR" sz="2200" i="1" u="sng" dirty="0" err="1" smtClean="0"/>
+              <a:t>executeUpdate</a:t>
+            </a:r>
+            <a:r>
+              <a:rPr lang="pt-BR" sz="2200" i="1" u="sng" dirty="0" smtClean="0"/>
+              <a:t>()</a:t>
+            </a:r>
+          </a:p>
+          <a:p>
+            <a:pPr lvl="1">
+              <a:spcBef>
+                <a:spcPts val="1200"/>
+              </a:spcBef>
+            </a:pPr>
+            <a:r>
+              <a:rPr lang="pt-BR" sz="2200" dirty="0" smtClean="0"/>
+              <a:t>Após executada a </a:t>
+            </a:r>
+            <a:r>
+              <a:rPr lang="pt-BR" sz="2200" dirty="0" err="1" smtClean="0"/>
+              <a:t>procedure</a:t>
+            </a:r>
+            <a:r>
+              <a:rPr lang="pt-BR" sz="2200" dirty="0" smtClean="0"/>
+              <a:t>, podemos recolher os valores de retorno provenientes dos parâmetros de saída</a:t>
+            </a:r>
+            <a:endParaRPr lang="pt-BR" sz="2200" dirty="0" smtClean="0"/>
+          </a:p>
+          <a:p>
+            <a:pPr marL="442913" indent="0">
+              <a:spcBef>
+                <a:spcPts val="0"/>
+              </a:spcBef>
+              <a:buNone/>
+            </a:pPr>
+            <a:endParaRPr lang="pt-BR" sz="2200" dirty="0" smtClean="0"/>
+          </a:p>
+          <a:p>
+            <a:pPr marL="1620838" indent="0">
+              <a:spcBef>
+                <a:spcPts val="0"/>
+              </a:spcBef>
+              <a:buNone/>
+            </a:pPr>
+            <a:r>
+              <a:rPr lang="pt-BR" sz="2200" dirty="0" err="1" smtClean="0"/>
+              <a:t>cs</a:t>
+            </a:r>
+            <a:r>
+              <a:rPr lang="pt-BR" sz="2200" dirty="0" smtClean="0"/>
+              <a:t>.</a:t>
+            </a:r>
+            <a:r>
+              <a:rPr lang="pt-BR" sz="2200" dirty="0" err="1" smtClean="0">
+                <a:solidFill>
+                  <a:srgbClr val="FFC000"/>
+                </a:solidFill>
+              </a:rPr>
+              <a:t>executeUpdate</a:t>
+            </a:r>
+            <a:r>
+              <a:rPr lang="pt-BR" sz="2200" dirty="0" smtClean="0">
+                <a:solidFill>
+                  <a:srgbClr val="FFC000"/>
+                </a:solidFill>
+              </a:rPr>
+              <a:t>()</a:t>
+            </a:r>
+            <a:r>
+              <a:rPr lang="pt-BR" sz="2200" dirty="0" smtClean="0"/>
+              <a:t>;</a:t>
+            </a:r>
+          </a:p>
+          <a:p>
+            <a:pPr marL="1620838" indent="0">
+              <a:spcBef>
+                <a:spcPts val="0"/>
+              </a:spcBef>
+              <a:buNone/>
+            </a:pPr>
+            <a:r>
+              <a:rPr lang="pt-BR" sz="2200" dirty="0" err="1" smtClean="0"/>
+              <a:t>double</a:t>
+            </a:r>
+            <a:r>
+              <a:rPr lang="pt-BR" sz="2200" dirty="0" smtClean="0"/>
+              <a:t> </a:t>
+            </a:r>
+            <a:r>
+              <a:rPr lang="pt-BR" sz="2200" dirty="0" err="1" smtClean="0"/>
+              <a:t>result</a:t>
+            </a:r>
+            <a:r>
+              <a:rPr lang="pt-BR" sz="2200" dirty="0" smtClean="0"/>
+              <a:t> = </a:t>
+            </a:r>
+            <a:r>
+              <a:rPr lang="pt-BR" sz="2200" dirty="0" err="1" smtClean="0"/>
+              <a:t>cs</a:t>
+            </a:r>
+            <a:r>
+              <a:rPr lang="pt-BR" sz="2200" dirty="0" smtClean="0"/>
+              <a:t>.</a:t>
+            </a:r>
+            <a:r>
+              <a:rPr lang="pt-BR" sz="2200" dirty="0" err="1" smtClean="0">
+                <a:solidFill>
+                  <a:srgbClr val="FFC000"/>
+                </a:solidFill>
+              </a:rPr>
+              <a:t>getDouble</a:t>
+            </a:r>
+            <a:r>
+              <a:rPr lang="pt-BR" sz="2200" dirty="0" smtClean="0">
+                <a:solidFill>
+                  <a:srgbClr val="FFC000"/>
+                </a:solidFill>
+              </a:rPr>
+              <a:t>(</a:t>
+            </a:r>
+            <a:r>
+              <a:rPr lang="pt-BR" sz="2200" dirty="0" smtClean="0"/>
+              <a:t>4</a:t>
+            </a:r>
+            <a:r>
+              <a:rPr lang="pt-BR" sz="2200" dirty="0" smtClean="0">
+                <a:solidFill>
+                  <a:srgbClr val="FFC000"/>
+                </a:solidFill>
+              </a:rPr>
+              <a:t>)</a:t>
+            </a:r>
+            <a:r>
+              <a:rPr lang="pt-BR" sz="2200" dirty="0" smtClean="0"/>
+              <a:t>;</a:t>
+            </a:r>
+          </a:p>
+        </p:txBody>
+      </p:sp>
+      <p:sp>
+        <p:nvSpPr>
+          <p:cNvPr id="4" name="Espaço Reservado para Número de Slide 3"/>
+          <p:cNvSpPr>
+            <a:spLocks noGrp="1"/>
+          </p:cNvSpPr>
+          <p:nvPr>
+            <p:ph type="sldNum" sz="quarter" idx="12"/>
+          </p:nvPr>
+        </p:nvSpPr>
+        <p:spPr/>
+        <p:txBody>
+          <a:bodyPr/>
+          <a:lstStyle/>
+          <a:p>
+            <a:pPr>
+              <a:defRPr/>
+            </a:pPr>
+            <a:fld id="{EF19A0F5-F849-4C78-8624-C3A50979DE44}" type="slidenum">
+              <a:rPr lang="pt-BR" smtClean="0"/>
+              <a:pPr>
+                <a:defRPr/>
+              </a:pPr>
+              <a:t>54</a:t>
+            </a:fld>
+            <a:endParaRPr lang="pt-BR"/>
+          </a:p>
+        </p:txBody>
+      </p:sp>
+      <p:grpSp>
+        <p:nvGrpSpPr>
+          <p:cNvPr id="5" name="Grupo 4"/>
+          <p:cNvGrpSpPr/>
+          <p:nvPr/>
+        </p:nvGrpSpPr>
+        <p:grpSpPr>
+          <a:xfrm>
+            <a:off x="4067944" y="5157192"/>
+            <a:ext cx="3600400" cy="720080"/>
+            <a:chOff x="5724128" y="3861048"/>
+            <a:chExt cx="3600400" cy="720080"/>
+          </a:xfrm>
+        </p:grpSpPr>
+        <p:cxnSp>
+          <p:nvCxnSpPr>
+            <p:cNvPr id="6" name="Conector de seta reta 5"/>
+            <p:cNvCxnSpPr>
+              <a:cxnSpLocks noChangeShapeType="1"/>
+              <a:stCxn id="7" idx="0"/>
+            </p:cNvCxnSpPr>
+            <p:nvPr/>
+          </p:nvCxnSpPr>
+          <p:spPr bwMode="auto">
+            <a:xfrm flipV="1">
+              <a:off x="7524328" y="3861048"/>
+              <a:ext cx="0" cy="360040"/>
+            </a:xfrm>
+            <a:prstGeom prst="straightConnector1">
+              <a:avLst/>
+            </a:prstGeom>
+            <a:noFill/>
+            <a:ln w="31750" algn="ctr">
+              <a:solidFill>
+                <a:schemeClr val="tx1"/>
+              </a:solidFill>
+              <a:round/>
+              <a:headEnd/>
+              <a:tailEnd type="arrow" w="med" len="med"/>
+            </a:ln>
+          </p:spPr>
+        </p:cxnSp>
+        <p:sp>
+          <p:nvSpPr>
+            <p:cNvPr id="7" name="Retângulo de cantos arredondados 6"/>
+            <p:cNvSpPr/>
+            <p:nvPr/>
+          </p:nvSpPr>
+          <p:spPr>
+            <a:xfrm>
+              <a:off x="5724128" y="4221088"/>
+              <a:ext cx="3600400" cy="360040"/>
+            </a:xfrm>
+            <a:prstGeom prst="roundRect">
+              <a:avLst/>
+            </a:prstGeom>
+            <a:noFill/>
+            <a:ln w="28575">
+              <a:solidFill>
+                <a:schemeClr val="tx1"/>
+              </a:solidFill>
+            </a:ln>
+          </p:spPr>
+          <p:style>
+            <a:lnRef idx="2">
+              <a:schemeClr val="accent1">
+                <a:shade val="50000"/>
+              </a:schemeClr>
+            </a:lnRef>
+            <a:fillRef idx="1">
+              <a:schemeClr val="accent1"/>
+            </a:fillRef>
+            <a:effectRef idx="0">
+              <a:schemeClr val="accent1"/>
+            </a:effectRef>
+            <a:fontRef idx="minor">
+              <a:schemeClr val="lt1"/>
+            </a:fontRef>
+          </p:style>
+          <p:txBody>
+            <a:bodyPr rtlCol="0" anchor="ctr"/>
+            <a:lstStyle/>
+            <a:p>
+              <a:pPr algn="ctr"/>
+              <a:r>
+                <a:rPr lang="pt-BR" dirty="0" smtClean="0"/>
+                <a:t>Número do parâmetro de saída</a:t>
+              </a:r>
+              <a:endParaRPr lang="pt-BR" dirty="0"/>
+            </a:p>
+          </p:txBody>
+        </p:sp>
+      </p:grpSp>
+    </p:spTree>
+  </p:cSld>
+  <p:clrMapOvr>
+    <a:masterClrMapping/>
+  </p:clrMapOvr>
+  <p:timing>
+    <p:tnLst>
+      <p:par>
+        <p:cTn id="1" dur="indefinite" restart="never" nodeType="tmRoot"/>
+      </p:par>
+    </p:tnLst>
+  </p:timing>
+</p:sld>
+</file>
+
+<file path=ppt/slides/slide55.xml><?xml version="1.0" encoding="utf-8"?>
+<p:sld xmlns:a="http://schemas.openxmlformats.org/drawingml/2006/main" xmlns:r="http://schemas.openxmlformats.org/officeDocument/2006/relationships" xmlns:p="http://schemas.openxmlformats.org/presentationml/2006/main">
+  <p:cSld>
+    <p:spTree>
+      <p:nvGrpSpPr>
+        <p:cNvPr id="1" name=""/>
+        <p:cNvGrpSpPr/>
+        <p:nvPr/>
+      </p:nvGrpSpPr>
+      <p:grpSpPr>
+        <a:xfrm>
+          <a:off x="0" y="0"/>
+          <a:ext cx="0" cy="0"/>
+          <a:chOff x="0" y="0"/>
+          <a:chExt cx="0" cy="0"/>
+        </a:xfrm>
+      </p:grpSpPr>
+      <p:sp>
+        <p:nvSpPr>
+          <p:cNvPr id="2" name="Título 1"/>
+          <p:cNvSpPr>
+            <a:spLocks noGrp="1"/>
+          </p:cNvSpPr>
+          <p:nvPr>
+            <p:ph type="title"/>
+          </p:nvPr>
+        </p:nvSpPr>
+        <p:spPr/>
+        <p:txBody>
+          <a:bodyPr/>
+          <a:lstStyle/>
+          <a:p>
+            <a:r>
+              <a:rPr lang="pt-BR" dirty="0" smtClean="0"/>
+              <a:t>Exercício (parte 1)</a:t>
+            </a:r>
+            <a:endParaRPr lang="pt-BR" dirty="0"/>
+          </a:p>
+        </p:txBody>
+      </p:sp>
+      <p:sp>
+        <p:nvSpPr>
+          <p:cNvPr id="3" name="Espaço Reservado para Conteúdo 2"/>
+          <p:cNvSpPr>
+            <a:spLocks noGrp="1"/>
+          </p:cNvSpPr>
+          <p:nvPr>
+            <p:ph sz="half" idx="1"/>
+          </p:nvPr>
+        </p:nvSpPr>
+        <p:spPr>
+          <a:xfrm>
+            <a:off x="457200" y="1600200"/>
+            <a:ext cx="7499176" cy="4349079"/>
+          </a:xfrm>
+        </p:spPr>
+        <p:txBody>
+          <a:bodyPr/>
+          <a:lstStyle/>
+          <a:p>
+            <a:r>
+              <a:rPr lang="pt-BR" sz="2400" dirty="0" smtClean="0"/>
+              <a:t>A </a:t>
+            </a:r>
+            <a:r>
+              <a:rPr lang="pt-BR" sz="2400" dirty="0" err="1" smtClean="0"/>
+              <a:t>procedure</a:t>
+            </a:r>
+            <a:r>
+              <a:rPr lang="pt-BR" sz="2400" dirty="0" smtClean="0"/>
+              <a:t> </a:t>
+            </a:r>
+            <a:r>
+              <a:rPr lang="pt-BR" sz="2400" dirty="0" err="1" smtClean="0">
+                <a:solidFill>
+                  <a:srgbClr val="FFC000"/>
+                </a:solidFill>
+              </a:rPr>
+              <a:t>prc_numero_descricao</a:t>
+            </a:r>
+            <a:r>
+              <a:rPr lang="pt-BR" sz="2400" dirty="0" smtClean="0"/>
+              <a:t> foi criada em </a:t>
+            </a:r>
+            <a:r>
+              <a:rPr lang="pt-BR" sz="2400" dirty="0" err="1" smtClean="0"/>
+              <a:t>MySql</a:t>
+            </a:r>
+            <a:r>
+              <a:rPr lang="pt-BR" sz="2400" dirty="0" smtClean="0"/>
+              <a:t> para fornecer a descrição por extenso de um número inteiro especificado.</a:t>
+            </a:r>
+          </a:p>
+          <a:p>
+            <a:r>
+              <a:rPr lang="pt-BR" sz="2400" dirty="0" smtClean="0"/>
+              <a:t>Para tal, esta </a:t>
+            </a:r>
+            <a:r>
+              <a:rPr lang="pt-BR" sz="2400" dirty="0" err="1" smtClean="0"/>
+              <a:t>procedure</a:t>
+            </a:r>
+            <a:r>
+              <a:rPr lang="pt-BR" sz="2400" dirty="0" smtClean="0"/>
+              <a:t> possui dois parâmetros:</a:t>
+            </a:r>
+          </a:p>
+          <a:p>
+            <a:pPr lvl="1">
+              <a:spcBef>
+                <a:spcPts val="0"/>
+              </a:spcBef>
+            </a:pPr>
+            <a:endParaRPr lang="pt-BR" sz="2000" dirty="0" smtClean="0"/>
+          </a:p>
+          <a:p>
+            <a:pPr lvl="1">
+              <a:spcBef>
+                <a:spcPts val="0"/>
+              </a:spcBef>
+            </a:pPr>
+            <a:r>
+              <a:rPr lang="pt-BR" sz="2000" dirty="0" smtClean="0"/>
+              <a:t>Parâmetro 1:</a:t>
+            </a:r>
+          </a:p>
+          <a:p>
+            <a:pPr lvl="2"/>
+            <a:r>
+              <a:rPr lang="pt-BR" sz="1800" dirty="0" smtClean="0"/>
+              <a:t>Nome: </a:t>
+            </a:r>
+            <a:r>
+              <a:rPr lang="pt-BR" sz="1800" dirty="0" err="1" smtClean="0"/>
+              <a:t>p_numero</a:t>
+            </a:r>
+            <a:endParaRPr lang="pt-BR" sz="1800" dirty="0" smtClean="0"/>
+          </a:p>
+          <a:p>
+            <a:pPr lvl="2"/>
+            <a:r>
+              <a:rPr lang="pt-BR" sz="1800" dirty="0" smtClean="0"/>
+              <a:t>Tipo: INTEGER</a:t>
+            </a:r>
+          </a:p>
+          <a:p>
+            <a:pPr lvl="2"/>
+            <a:r>
+              <a:rPr lang="pt-BR" sz="1800" dirty="0" smtClean="0"/>
+              <a:t>I/O: IN (entrada)</a:t>
+            </a:r>
+          </a:p>
+          <a:p>
+            <a:pPr marL="0" indent="0">
+              <a:spcBef>
+                <a:spcPts val="0"/>
+              </a:spcBef>
+              <a:buNone/>
+            </a:pPr>
+            <a:endParaRPr lang="it-IT" sz="2000" dirty="0" smtClean="0"/>
+          </a:p>
+          <a:p>
+            <a:pPr marL="0" indent="0">
+              <a:spcBef>
+                <a:spcPts val="0"/>
+              </a:spcBef>
+              <a:buNone/>
+            </a:pPr>
+            <a:endParaRPr lang="it-IT" sz="2000" dirty="0" smtClean="0"/>
+          </a:p>
+          <a:p>
+            <a:pPr marL="1081088" indent="0">
+              <a:spcBef>
+                <a:spcPts val="0"/>
+              </a:spcBef>
+              <a:buNone/>
+              <a:tabLst>
+                <a:tab pos="1441450" algn="l"/>
+                <a:tab pos="2147888" algn="l"/>
+                <a:tab pos="3768725" algn="l"/>
+              </a:tabLst>
+            </a:pPr>
+            <a:r>
+              <a:rPr lang="it-IT" sz="2000" dirty="0" smtClean="0"/>
+              <a:t>CREATE </a:t>
+            </a:r>
+            <a:r>
+              <a:rPr lang="it-IT" sz="2000" dirty="0" smtClean="0"/>
+              <a:t>PROCEDURE </a:t>
+            </a:r>
+            <a:r>
+              <a:rPr lang="it-IT" sz="2000" dirty="0" smtClean="0">
+                <a:solidFill>
+                  <a:srgbClr val="FFC000"/>
+                </a:solidFill>
+              </a:rPr>
+              <a:t>prc_numero_descricao</a:t>
+            </a:r>
+            <a:r>
+              <a:rPr lang="it-IT" sz="2000" dirty="0" smtClean="0"/>
+              <a:t>(</a:t>
+            </a:r>
+          </a:p>
+          <a:p>
+            <a:pPr marL="1081088" indent="0">
+              <a:spcBef>
+                <a:spcPts val="0"/>
+              </a:spcBef>
+              <a:buNone/>
+              <a:tabLst>
+                <a:tab pos="1441450" algn="l"/>
+                <a:tab pos="2147888" algn="l"/>
+                <a:tab pos="3768725" algn="l"/>
+              </a:tabLst>
+            </a:pPr>
+            <a:r>
+              <a:rPr lang="it-IT" sz="2000" dirty="0" smtClean="0"/>
+              <a:t>	</a:t>
+            </a:r>
+            <a:r>
+              <a:rPr lang="it-IT" sz="2000" dirty="0" smtClean="0"/>
+              <a:t>IN	</a:t>
+            </a:r>
+            <a:r>
+              <a:rPr lang="it-IT" sz="2000" dirty="0" smtClean="0">
+                <a:solidFill>
+                  <a:srgbClr val="FFC000"/>
+                </a:solidFill>
+              </a:rPr>
+              <a:t>p_numero</a:t>
+            </a:r>
+            <a:r>
+              <a:rPr lang="it-IT" sz="2000" dirty="0" smtClean="0"/>
+              <a:t>	INTEGER,</a:t>
+            </a:r>
+          </a:p>
+          <a:p>
+            <a:pPr marL="1081088" indent="0">
+              <a:spcBef>
+                <a:spcPts val="0"/>
+              </a:spcBef>
+              <a:buNone/>
+              <a:tabLst>
+                <a:tab pos="1441450" algn="l"/>
+                <a:tab pos="2147888" algn="l"/>
+                <a:tab pos="3768725" algn="l"/>
+              </a:tabLst>
+            </a:pPr>
+            <a:r>
+              <a:rPr lang="it-IT" sz="2000" dirty="0" smtClean="0"/>
+              <a:t>	</a:t>
+            </a:r>
+            <a:r>
+              <a:rPr lang="it-IT" sz="2000" dirty="0" smtClean="0"/>
+              <a:t>OUT	</a:t>
+            </a:r>
+            <a:r>
+              <a:rPr lang="it-IT" sz="2000" dirty="0" smtClean="0">
+                <a:solidFill>
+                  <a:srgbClr val="FFC000"/>
+                </a:solidFill>
+              </a:rPr>
+              <a:t>p_descricao</a:t>
+            </a:r>
+            <a:r>
+              <a:rPr lang="it-IT" sz="2000" dirty="0" smtClean="0"/>
+              <a:t>	VARCHAR(100</a:t>
+            </a:r>
+            <a:r>
+              <a:rPr lang="it-IT" sz="2000" dirty="0" smtClean="0"/>
+              <a:t>))</a:t>
+            </a:r>
+            <a:endParaRPr lang="pt-BR" sz="2000" dirty="0" smtClean="0"/>
+          </a:p>
+        </p:txBody>
+      </p:sp>
+      <p:sp>
+        <p:nvSpPr>
+          <p:cNvPr id="8" name="Espaço Reservado para Conteúdo 7"/>
+          <p:cNvSpPr>
+            <a:spLocks noGrp="1"/>
+          </p:cNvSpPr>
+          <p:nvPr>
+            <p:ph sz="half" idx="2"/>
+          </p:nvPr>
+        </p:nvSpPr>
+        <p:spPr>
+          <a:xfrm>
+            <a:off x="3923928" y="3429000"/>
+            <a:ext cx="3657600" cy="2553147"/>
+          </a:xfrm>
+        </p:spPr>
+        <p:txBody>
+          <a:bodyPr/>
+          <a:lstStyle/>
+          <a:p>
+            <a:pPr lvl="1"/>
+            <a:r>
+              <a:rPr lang="pt-BR" sz="2000" dirty="0" smtClean="0"/>
+              <a:t>Parâmetro 2:</a:t>
+            </a:r>
+          </a:p>
+          <a:p>
+            <a:pPr lvl="2"/>
+            <a:r>
+              <a:rPr lang="pt-BR" sz="1800" dirty="0" smtClean="0"/>
+              <a:t>Nome: </a:t>
+            </a:r>
+            <a:r>
+              <a:rPr lang="pt-BR" sz="1800" dirty="0" err="1" smtClean="0"/>
+              <a:t>p_descricao</a:t>
+            </a:r>
+            <a:endParaRPr lang="pt-BR" sz="1800" dirty="0" smtClean="0"/>
+          </a:p>
+          <a:p>
+            <a:pPr lvl="2"/>
+            <a:r>
+              <a:rPr lang="pt-BR" sz="1800" dirty="0" smtClean="0"/>
+              <a:t>Tipo: VARCHAR(100)</a:t>
+            </a:r>
+          </a:p>
+          <a:p>
+            <a:pPr lvl="2"/>
+            <a:r>
+              <a:rPr lang="pt-BR" sz="1800" dirty="0" smtClean="0"/>
+              <a:t>I/O: OUT (saída)</a:t>
+            </a:r>
+            <a:endParaRPr lang="pt-BR" sz="1800" dirty="0"/>
+          </a:p>
+        </p:txBody>
+      </p:sp>
+      <p:sp>
+        <p:nvSpPr>
+          <p:cNvPr id="4" name="Espaço Reservado para Número de Slide 3"/>
+          <p:cNvSpPr>
+            <a:spLocks noGrp="1"/>
+          </p:cNvSpPr>
+          <p:nvPr>
+            <p:ph type="sldNum" sz="quarter" idx="12"/>
+          </p:nvPr>
+        </p:nvSpPr>
+        <p:spPr/>
+        <p:txBody>
+          <a:bodyPr/>
+          <a:lstStyle/>
+          <a:p>
+            <a:pPr>
+              <a:defRPr/>
+            </a:pPr>
+            <a:fld id="{EF19A0F5-F849-4C78-8624-C3A50979DE44}" type="slidenum">
+              <a:rPr lang="pt-BR" smtClean="0"/>
+              <a:pPr>
+                <a:defRPr/>
+              </a:pPr>
+              <a:t>55</a:t>
+            </a:fld>
+            <a:endParaRPr lang="pt-BR"/>
+          </a:p>
+        </p:txBody>
+      </p:sp>
+    </p:spTree>
+  </p:cSld>
+  <p:clrMapOvr>
+    <a:masterClrMapping/>
+  </p:clrMapOvr>
+  <p:timing>
+    <p:tnLst>
+      <p:par>
+        <p:cTn id="1" dur="indefinite" restart="never" nodeType="tmRoot"/>
+      </p:par>
+    </p:tnLst>
+  </p:timing>
+</p:sld>
+</file>
+
+<file path=ppt/slides/slide56.xml><?xml version="1.0" encoding="utf-8"?>
+<p:sld xmlns:a="http://schemas.openxmlformats.org/drawingml/2006/main" xmlns:r="http://schemas.openxmlformats.org/officeDocument/2006/relationships" xmlns:p="http://schemas.openxmlformats.org/presentationml/2006/main">
+  <p:cSld>
+    <p:spTree>
+      <p:nvGrpSpPr>
+        <p:cNvPr id="1" name=""/>
+        <p:cNvGrpSpPr/>
+        <p:nvPr/>
+      </p:nvGrpSpPr>
+      <p:grpSpPr>
+        <a:xfrm>
+          <a:off x="0" y="0"/>
+          <a:ext cx="0" cy="0"/>
+          <a:chOff x="0" y="0"/>
+          <a:chExt cx="0" cy="0"/>
+        </a:xfrm>
+      </p:grpSpPr>
+      <p:sp>
+        <p:nvSpPr>
+          <p:cNvPr id="2" name="Título 1"/>
+          <p:cNvSpPr>
+            <a:spLocks noGrp="1"/>
+          </p:cNvSpPr>
+          <p:nvPr>
+            <p:ph type="title"/>
+          </p:nvPr>
+        </p:nvSpPr>
+        <p:spPr/>
+        <p:txBody>
+          <a:bodyPr/>
+          <a:lstStyle/>
+          <a:p>
+            <a:r>
+              <a:rPr lang="pt-BR" dirty="0" smtClean="0"/>
+              <a:t>Exercício (fim)</a:t>
+            </a:r>
+            <a:endParaRPr lang="pt-BR" dirty="0"/>
+          </a:p>
+        </p:txBody>
+      </p:sp>
+      <p:sp>
+        <p:nvSpPr>
+          <p:cNvPr id="7" name="Espaço Reservado para Conteúdo 6"/>
+          <p:cNvSpPr>
+            <a:spLocks noGrp="1"/>
+          </p:cNvSpPr>
+          <p:nvPr>
+            <p:ph idx="1"/>
+          </p:nvPr>
+        </p:nvSpPr>
+        <p:spPr>
+          <a:xfrm>
+            <a:off x="457200" y="1600200"/>
+            <a:ext cx="8003232" cy="4525963"/>
+          </a:xfrm>
+        </p:spPr>
+        <p:txBody>
+          <a:bodyPr/>
+          <a:lstStyle/>
+          <a:p>
+            <a:pPr>
+              <a:spcBef>
+                <a:spcPts val="3000"/>
+              </a:spcBef>
+            </a:pPr>
+            <a:r>
+              <a:rPr lang="pt-BR" sz="2800" dirty="0" smtClean="0"/>
+              <a:t>Crie uma aplicação Java que solicite que o usuário digite um número inteiro.</a:t>
+            </a:r>
+          </a:p>
+          <a:p>
+            <a:pPr>
+              <a:spcBef>
+                <a:spcPts val="3000"/>
+              </a:spcBef>
+            </a:pPr>
+            <a:r>
+              <a:rPr lang="pt-BR" sz="2800" dirty="0" smtClean="0"/>
+              <a:t>Execute a </a:t>
+            </a:r>
+            <a:r>
+              <a:rPr lang="pt-BR" sz="2800" dirty="0" err="1" smtClean="0"/>
+              <a:t>procedure</a:t>
+            </a:r>
+            <a:r>
+              <a:rPr lang="pt-BR" sz="2800" dirty="0" smtClean="0"/>
+              <a:t> </a:t>
+            </a:r>
+            <a:r>
+              <a:rPr lang="pt-BR" sz="2800" dirty="0" err="1" smtClean="0">
+                <a:solidFill>
+                  <a:srgbClr val="FFC000"/>
+                </a:solidFill>
+              </a:rPr>
+              <a:t>prc_numero_descricao</a:t>
+            </a:r>
+            <a:r>
+              <a:rPr lang="pt-BR" sz="2800" dirty="0" smtClean="0"/>
+              <a:t> passando o número inteiro digitado pelo usuário.</a:t>
+            </a:r>
+          </a:p>
+          <a:p>
+            <a:pPr>
+              <a:spcBef>
+                <a:spcPts val="3000"/>
+              </a:spcBef>
+            </a:pPr>
+            <a:r>
+              <a:rPr lang="pt-BR" sz="2800" dirty="0" smtClean="0"/>
+              <a:t>Resgate o valor de retorno (parâmetro 2) da </a:t>
+            </a:r>
+            <a:r>
+              <a:rPr lang="pt-BR" sz="2800" dirty="0" err="1" smtClean="0"/>
+              <a:t>procedure</a:t>
+            </a:r>
+            <a:r>
+              <a:rPr lang="pt-BR" sz="2800" dirty="0" smtClean="0"/>
+              <a:t> </a:t>
+            </a:r>
+            <a:r>
+              <a:rPr lang="pt-BR" sz="2800" smtClean="0"/>
+              <a:t>e exiba-o </a:t>
+            </a:r>
+            <a:r>
+              <a:rPr lang="pt-BR" sz="2800" dirty="0" smtClean="0"/>
+              <a:t>na tela.</a:t>
+            </a:r>
+            <a:endParaRPr lang="pt-BR" sz="2800" dirty="0"/>
+          </a:p>
+        </p:txBody>
+      </p:sp>
+      <p:sp>
+        <p:nvSpPr>
+          <p:cNvPr id="4" name="Espaço Reservado para Número de Slide 3"/>
+          <p:cNvSpPr>
+            <a:spLocks noGrp="1"/>
+          </p:cNvSpPr>
+          <p:nvPr>
+            <p:ph type="sldNum" sz="quarter" idx="12"/>
+          </p:nvPr>
+        </p:nvSpPr>
+        <p:spPr/>
+        <p:txBody>
+          <a:bodyPr/>
+          <a:lstStyle/>
+          <a:p>
+            <a:pPr>
+              <a:defRPr/>
+            </a:pPr>
+            <a:fld id="{EF19A0F5-F849-4C78-8624-C3A50979DE44}" type="slidenum">
+              <a:rPr lang="pt-BR" smtClean="0"/>
+              <a:pPr>
+                <a:defRPr/>
+              </a:pPr>
+              <a:t>56</a:t>
+            </a:fld>
+            <a:endParaRPr lang="pt-BR"/>
+          </a:p>
+        </p:txBody>
+      </p:sp>
+    </p:spTree>
+  </p:cSld>
+  <p:clrMapOvr>
+    <a:masterClrMapping/>
+  </p:clrMapOvr>
+  <p:timing>
+    <p:tnLst>
+      <p:par>
+        <p:cTn id="1" dur="indefinite" restart="never" nodeType="tmRoot"/>
+      </p:par>
+    </p:tnLst>
+  </p:timing>
+</p:sld>
+</file>
+
+<file path=ppt/slides/slide57.xml><?xml version="1.0" encoding="utf-8"?>
+<p:sld xmlns:a="http://schemas.openxmlformats.org/drawingml/2006/main" xmlns:r="http://schemas.openxmlformats.org/officeDocument/2006/relationships" xmlns:p="http://schemas.openxmlformats.org/presentationml/2006/main">
+  <p:cSld>
+    <p:spTree>
+      <p:nvGrpSpPr>
+        <p:cNvPr id="1" name=""/>
+        <p:cNvGrpSpPr/>
+        <p:nvPr/>
+      </p:nvGrpSpPr>
+      <p:grpSpPr>
+        <a:xfrm>
+          <a:off x="0" y="0"/>
+          <a:ext cx="0" cy="0"/>
+          <a:chOff x="0" y="0"/>
+          <a:chExt cx="0" cy="0"/>
+        </a:xfrm>
+      </p:grpSpPr>
+      <p:sp>
+        <p:nvSpPr>
+          <p:cNvPr id="2" name="Título 1"/>
+          <p:cNvSpPr>
+            <a:spLocks noGrp="1"/>
+          </p:cNvSpPr>
+          <p:nvPr>
+            <p:ph type="title"/>
+          </p:nvPr>
+        </p:nvSpPr>
+        <p:spPr/>
+        <p:txBody>
+          <a:bodyPr/>
+          <a:lstStyle/>
+          <a:p>
+            <a:pPr eaLnBrk="1" hangingPunct="1"/>
+            <a:r>
+              <a:rPr lang="pt-BR" dirty="0" smtClean="0"/>
+              <a:t>Design </a:t>
+            </a:r>
+            <a:r>
+              <a:rPr lang="pt-BR" dirty="0" err="1" smtClean="0"/>
+              <a:t>pattern</a:t>
+            </a:r>
+            <a:r>
+              <a:rPr lang="pt-BR" dirty="0" smtClean="0"/>
+              <a:t> DAO/VO</a:t>
+            </a:r>
+            <a:endParaRPr lang="pt-BR" dirty="0"/>
+          </a:p>
+        </p:txBody>
+      </p:sp>
+      <p:sp>
+        <p:nvSpPr>
+          <p:cNvPr id="3" name="Espaço Reservado para Conteúdo 2"/>
+          <p:cNvSpPr>
+            <a:spLocks noGrp="1"/>
+          </p:cNvSpPr>
+          <p:nvPr>
+            <p:ph idx="1"/>
+          </p:nvPr>
+        </p:nvSpPr>
+        <p:spPr/>
+        <p:txBody>
+          <a:bodyPr/>
+          <a:lstStyle/>
+          <a:p>
+            <a:endParaRPr lang="pt-BR"/>
+          </a:p>
+        </p:txBody>
+      </p:sp>
+      <p:sp>
+        <p:nvSpPr>
+          <p:cNvPr id="4" name="Espaço Reservado para Número de Slide 3"/>
+          <p:cNvSpPr>
+            <a:spLocks noGrp="1"/>
+          </p:cNvSpPr>
+          <p:nvPr>
+            <p:ph type="sldNum" sz="quarter" idx="12"/>
+          </p:nvPr>
+        </p:nvSpPr>
+        <p:spPr/>
+        <p:txBody>
+          <a:bodyPr/>
+          <a:lstStyle/>
+          <a:p>
+            <a:pPr>
+              <a:defRPr/>
+            </a:pPr>
+            <a:fld id="{EF19A0F5-F849-4C78-8624-C3A50979DE44}" type="slidenum">
+              <a:rPr lang="pt-BR" smtClean="0"/>
+              <a:pPr>
+                <a:defRPr/>
+              </a:pPr>
+              <a:t>57</a:t>
+            </a:fld>
+            <a:endParaRPr lang="pt-BR"/>
+          </a:p>
+        </p:txBody>
+      </p:sp>
+    </p:spTree>
+  </p:cSld>
+  <p:clrMapOvr>
+    <a:masterClrMapping/>
+  </p:clrMapOvr>
+  <p:timing>
+    <p:tnLst>
+      <p:par>
+        <p:cTn id="1" dur="indefinite" restart="never" nodeType="tmRoot"/>
+      </p:par>
+    </p:tnLst>
+  </p:timing>
+</p:sld>
+</file>
+
+<file path=ppt/slides/slide58.xml><?xml version="1.0" encoding="utf-8"?>
+<p:sld xmlns:a="http://schemas.openxmlformats.org/drawingml/2006/main" xmlns:r="http://schemas.openxmlformats.org/officeDocument/2006/relationships" xmlns:p="http://schemas.openxmlformats.org/presentationml/2006/main">
+  <p:cSld>
+    <p:spTree>
+      <p:nvGrpSpPr>
+        <p:cNvPr id="1" name=""/>
+        <p:cNvGrpSpPr/>
+        <p:nvPr/>
+      </p:nvGrpSpPr>
+      <p:grpSpPr>
+        <a:xfrm>
+          <a:off x="0" y="0"/>
+          <a:ext cx="0" cy="0"/>
+          <a:chOff x="0" y="0"/>
+          <a:chExt cx="0" cy="0"/>
+        </a:xfrm>
+      </p:grpSpPr>
+      <p:sp>
+        <p:nvSpPr>
+          <p:cNvPr id="2" name="Título 1"/>
+          <p:cNvSpPr>
+            <a:spLocks noGrp="1"/>
+          </p:cNvSpPr>
+          <p:nvPr>
+            <p:ph type="title"/>
+          </p:nvPr>
+        </p:nvSpPr>
+        <p:spPr/>
+        <p:txBody>
+          <a:bodyPr/>
+          <a:lstStyle/>
+          <a:p>
+            <a:pPr eaLnBrk="1" hangingPunct="1"/>
+            <a:r>
+              <a:rPr lang="pt-BR" dirty="0" smtClean="0"/>
+              <a:t>Projeto Final</a:t>
+            </a:r>
+            <a:endParaRPr lang="pt-BR" dirty="0"/>
+          </a:p>
+        </p:txBody>
+      </p:sp>
+      <p:sp>
+        <p:nvSpPr>
+          <p:cNvPr id="3" name="Espaço Reservado para Conteúdo 2"/>
+          <p:cNvSpPr>
+            <a:spLocks noGrp="1"/>
+          </p:cNvSpPr>
+          <p:nvPr>
+            <p:ph idx="1"/>
+          </p:nvPr>
+        </p:nvSpPr>
+        <p:spPr/>
+        <p:txBody>
+          <a:bodyPr/>
+          <a:lstStyle/>
+          <a:p>
+            <a:endParaRPr lang="pt-BR"/>
+          </a:p>
+        </p:txBody>
+      </p:sp>
+      <p:sp>
+        <p:nvSpPr>
+          <p:cNvPr id="4" name="Espaço Reservado para Número de Slide 3"/>
+          <p:cNvSpPr>
+            <a:spLocks noGrp="1"/>
+          </p:cNvSpPr>
+          <p:nvPr>
+            <p:ph type="sldNum" sz="quarter" idx="12"/>
+          </p:nvPr>
+        </p:nvSpPr>
+        <p:spPr/>
+        <p:txBody>
+          <a:bodyPr/>
+          <a:lstStyle/>
+          <a:p>
+            <a:pPr>
+              <a:defRPr/>
+            </a:pPr>
+            <a:fld id="{EF19A0F5-F849-4C78-8624-C3A50979DE44}" type="slidenum">
+              <a:rPr lang="pt-BR" smtClean="0"/>
+              <a:pPr>
+                <a:defRPr/>
+              </a:pPr>
+              <a:t>58</a:t>
             </a:fld>
             <a:endParaRPr lang="pt-BR"/>
           </a:p>

--- a/trunk/2-Java-Programmer-Modulo-II/19.Capitulo11.pptx
+++ b/trunk/2-Java-Programmer-Modulo-II/19.Capitulo11.pptx
@@ -5,7 +5,7 @@
     <p:sldMasterId id="2147483660" r:id="rId1"/>
   </p:sldMasterIdLst>
   <p:notesMasterIdLst>
-    <p:notesMasterId r:id="rId60"/>
+    <p:notesMasterId r:id="rId58"/>
   </p:notesMasterIdLst>
   <p:sldIdLst>
     <p:sldId id="256" r:id="rId2"/>
@@ -64,8 +64,6 @@
     <p:sldId id="365" r:id="rId55"/>
     <p:sldId id="366" r:id="rId56"/>
     <p:sldId id="367" r:id="rId57"/>
-    <p:sldId id="313" r:id="rId58"/>
-    <p:sldId id="314" r:id="rId59"/>
   </p:sldIdLst>
   <p:sldSz cx="9144000" cy="6858000" type="screen4x3"/>
   <p:notesSz cx="6858000" cy="9144000"/>
@@ -306,7 +304,7 @@
               <a:pPr>
                 <a:defRPr/>
               </a:pPr>
-              <a:t>11/06/2012</a:t>
+              <a:t>14/06/2012</a:t>
             </a:fld>
             <a:endParaRPr lang="pt-BR"/>
           </a:p>
@@ -5221,180 +5219,6 @@
 </p:notes>
 </file>
 
-<file path=ppt/notesSlides/notesSlide57.xml><?xml version="1.0" encoding="utf-8"?>
-<p:notes xmlns:a="http://schemas.openxmlformats.org/drawingml/2006/main" xmlns:r="http://schemas.openxmlformats.org/officeDocument/2006/relationships" xmlns:p="http://schemas.openxmlformats.org/presentationml/2006/main">
-  <p:cSld>
-    <p:spTree>
-      <p:nvGrpSpPr>
-        <p:cNvPr id="1" name=""/>
-        <p:cNvGrpSpPr/>
-        <p:nvPr/>
-      </p:nvGrpSpPr>
-      <p:grpSpPr>
-        <a:xfrm>
-          <a:off x="0" y="0"/>
-          <a:ext cx="0" cy="0"/>
-          <a:chOff x="0" y="0"/>
-          <a:chExt cx="0" cy="0"/>
-        </a:xfrm>
-      </p:grpSpPr>
-      <p:sp>
-        <p:nvSpPr>
-          <p:cNvPr id="2" name="Espaço Reservado para Imagem de Slide 1"/>
-          <p:cNvSpPr>
-            <a:spLocks noGrp="1" noRot="1" noChangeAspect="1"/>
-          </p:cNvSpPr>
-          <p:nvPr>
-            <p:ph type="sldImg"/>
-          </p:nvPr>
-        </p:nvSpPr>
-        <p:spPr/>
-      </p:sp>
-      <p:sp>
-        <p:nvSpPr>
-          <p:cNvPr id="3" name="Espaço Reservado para Anotações 2"/>
-          <p:cNvSpPr>
-            <a:spLocks noGrp="1"/>
-          </p:cNvSpPr>
-          <p:nvPr>
-            <p:ph type="body" idx="1"/>
-          </p:nvPr>
-        </p:nvSpPr>
-        <p:spPr/>
-        <p:txBody>
-          <a:bodyPr>
-            <a:normAutofit/>
-          </a:bodyPr>
-          <a:lstStyle/>
-          <a:p>
-            <a:endParaRPr lang="pt-BR"/>
-          </a:p>
-        </p:txBody>
-      </p:sp>
-      <p:sp>
-        <p:nvSpPr>
-          <p:cNvPr id="4" name="Espaço Reservado para Número de Slide 3"/>
-          <p:cNvSpPr>
-            <a:spLocks noGrp="1"/>
-          </p:cNvSpPr>
-          <p:nvPr>
-            <p:ph type="sldNum" sz="quarter" idx="10"/>
-          </p:nvPr>
-        </p:nvSpPr>
-        <p:spPr/>
-        <p:txBody>
-          <a:bodyPr/>
-          <a:lstStyle/>
-          <a:p>
-            <a:pPr>
-              <a:defRPr/>
-            </a:pPr>
-            <a:fld id="{8E95BD27-5466-443F-B42B-02049F05E6C9}" type="slidenum">
-              <a:rPr lang="pt-BR" smtClean="0"/>
-              <a:pPr>
-                <a:defRPr/>
-              </a:pPr>
-              <a:t>57</a:t>
-            </a:fld>
-            <a:endParaRPr lang="pt-BR"/>
-          </a:p>
-        </p:txBody>
-      </p:sp>
-    </p:spTree>
-  </p:cSld>
-  <p:clrMapOvr>
-    <a:masterClrMapping/>
-  </p:clrMapOvr>
-</p:notes>
-</file>
-
-<file path=ppt/notesSlides/notesSlide58.xml><?xml version="1.0" encoding="utf-8"?>
-<p:notes xmlns:a="http://schemas.openxmlformats.org/drawingml/2006/main" xmlns:r="http://schemas.openxmlformats.org/officeDocument/2006/relationships" xmlns:p="http://schemas.openxmlformats.org/presentationml/2006/main">
-  <p:cSld>
-    <p:spTree>
-      <p:nvGrpSpPr>
-        <p:cNvPr id="1" name=""/>
-        <p:cNvGrpSpPr/>
-        <p:nvPr/>
-      </p:nvGrpSpPr>
-      <p:grpSpPr>
-        <a:xfrm>
-          <a:off x="0" y="0"/>
-          <a:ext cx="0" cy="0"/>
-          <a:chOff x="0" y="0"/>
-          <a:chExt cx="0" cy="0"/>
-        </a:xfrm>
-      </p:grpSpPr>
-      <p:sp>
-        <p:nvSpPr>
-          <p:cNvPr id="2" name="Espaço Reservado para Imagem de Slide 1"/>
-          <p:cNvSpPr>
-            <a:spLocks noGrp="1" noRot="1" noChangeAspect="1"/>
-          </p:cNvSpPr>
-          <p:nvPr>
-            <p:ph type="sldImg"/>
-          </p:nvPr>
-        </p:nvSpPr>
-        <p:spPr/>
-      </p:sp>
-      <p:sp>
-        <p:nvSpPr>
-          <p:cNvPr id="3" name="Espaço Reservado para Anotações 2"/>
-          <p:cNvSpPr>
-            <a:spLocks noGrp="1"/>
-          </p:cNvSpPr>
-          <p:nvPr>
-            <p:ph type="body" idx="1"/>
-          </p:nvPr>
-        </p:nvSpPr>
-        <p:spPr/>
-        <p:txBody>
-          <a:bodyPr>
-            <a:normAutofit/>
-          </a:bodyPr>
-          <a:lstStyle/>
-          <a:p>
-            <a:endParaRPr lang="pt-BR"/>
-          </a:p>
-        </p:txBody>
-      </p:sp>
-      <p:sp>
-        <p:nvSpPr>
-          <p:cNvPr id="4" name="Espaço Reservado para Número de Slide 3"/>
-          <p:cNvSpPr>
-            <a:spLocks noGrp="1"/>
-          </p:cNvSpPr>
-          <p:nvPr>
-            <p:ph type="sldNum" sz="quarter" idx="10"/>
-          </p:nvPr>
-        </p:nvSpPr>
-        <p:spPr/>
-        <p:txBody>
-          <a:bodyPr/>
-          <a:lstStyle/>
-          <a:p>
-            <a:pPr>
-              <a:defRPr/>
-            </a:pPr>
-            <a:fld id="{8E95BD27-5466-443F-B42B-02049F05E6C9}" type="slidenum">
-              <a:rPr lang="pt-BR" smtClean="0"/>
-              <a:pPr>
-                <a:defRPr/>
-              </a:pPr>
-              <a:t>58</a:t>
-            </a:fld>
-            <a:endParaRPr lang="pt-BR"/>
-          </a:p>
-        </p:txBody>
-      </p:sp>
-    </p:spTree>
-  </p:cSld>
-  <p:clrMapOvr>
-    <a:masterClrMapping/>
-  </p:clrMapOvr>
-</p:notes>
-</file>
-
 <file path=ppt/notesSlides/notesSlide6.xml><?xml version="1.0" encoding="utf-8"?>
 <p:notes xmlns:a="http://schemas.openxmlformats.org/drawingml/2006/main" xmlns:r="http://schemas.openxmlformats.org/officeDocument/2006/relationships" xmlns:p="http://schemas.openxmlformats.org/presentationml/2006/main">
   <p:cSld>
@@ -6161,7 +5985,7 @@
               <a:pPr>
                 <a:defRPr/>
               </a:pPr>
-              <a:t>11/06/2012</a:t>
+              <a:t>14/06/2012</a:t>
             </a:fld>
             <a:endParaRPr lang="pt-BR"/>
           </a:p>
@@ -6353,7 +6177,7 @@
               <a:pPr>
                 <a:defRPr/>
               </a:pPr>
-              <a:t>11/06/2012</a:t>
+              <a:t>14/06/2012</a:t>
             </a:fld>
             <a:endParaRPr lang="pt-BR"/>
           </a:p>
@@ -6555,7 +6379,7 @@
               <a:pPr>
                 <a:defRPr/>
               </a:pPr>
-              <a:t>11/06/2012</a:t>
+              <a:t>14/06/2012</a:t>
             </a:fld>
             <a:endParaRPr lang="pt-BR"/>
           </a:p>
@@ -6751,7 +6575,7 @@
               <a:pPr>
                 <a:defRPr/>
               </a:pPr>
-              <a:t>11/06/2012</a:t>
+              <a:t>14/06/2012</a:t>
             </a:fld>
             <a:endParaRPr lang="pt-BR"/>
           </a:p>
@@ -7257,7 +7081,7 @@
               <a:pPr>
                 <a:defRPr/>
               </a:pPr>
-              <a:t>11/06/2012</a:t>
+              <a:t>14/06/2012</a:t>
             </a:fld>
             <a:endParaRPr lang="pt-BR"/>
           </a:p>
@@ -7548,7 +7372,7 @@
               <a:pPr>
                 <a:defRPr/>
               </a:pPr>
-              <a:t>11/06/2012</a:t>
+              <a:t>14/06/2012</a:t>
             </a:fld>
             <a:endParaRPr lang="pt-BR"/>
           </a:p>
@@ -7949,7 +7773,7 @@
               <a:pPr>
                 <a:defRPr/>
               </a:pPr>
-              <a:t>11/06/2012</a:t>
+              <a:t>14/06/2012</a:t>
             </a:fld>
             <a:endParaRPr lang="pt-BR"/>
           </a:p>
@@ -8098,7 +7922,7 @@
               <a:pPr>
                 <a:defRPr/>
               </a:pPr>
-              <a:t>11/06/2012</a:t>
+              <a:t>14/06/2012</a:t>
             </a:fld>
             <a:endParaRPr lang="pt-BR"/>
           </a:p>
@@ -8215,7 +8039,7 @@
               <a:pPr>
                 <a:defRPr/>
               </a:pPr>
-              <a:t>11/06/2012</a:t>
+              <a:t>14/06/2012</a:t>
             </a:fld>
             <a:endParaRPr lang="pt-BR"/>
           </a:p>
@@ -8491,7 +8315,7 @@
               <a:pPr>
                 <a:defRPr/>
               </a:pPr>
-              <a:t>11/06/2012</a:t>
+              <a:t>14/06/2012</a:t>
             </a:fld>
             <a:endParaRPr lang="pt-BR"/>
           </a:p>
@@ -8775,7 +8599,7 @@
               <a:pPr>
                 <a:defRPr/>
               </a:pPr>
-              <a:t>11/06/2012</a:t>
+              <a:t>14/06/2012</a:t>
             </a:fld>
             <a:endParaRPr lang="pt-BR"/>
           </a:p>
@@ -9253,7 +9077,7 @@
               <a:pPr>
                 <a:defRPr/>
               </a:pPr>
-              <a:t>11/06/2012</a:t>
+              <a:t>14/06/2012</a:t>
             </a:fld>
             <a:endParaRPr lang="pt-BR"/>
           </a:p>
@@ -14941,7 +14765,7 @@
             <a:spLocks noGrp="1"/>
           </p:cNvSpPr>
           <p:nvPr>
-            <p:ph sz="half" idx="1"/>
+            <p:ph idx="1"/>
           </p:nvPr>
         </p:nvSpPr>
         <p:spPr/>
@@ -14982,7 +14806,11 @@
           <a:p>
             <a:r>
               <a:rPr lang="pt-BR" dirty="0" smtClean="0"/>
-              <a:t>Operações na base de dados</a:t>
+              <a:t>Operações na base de </a:t>
+            </a:r>
+            <a:r>
+              <a:rPr lang="pt-BR" dirty="0" smtClean="0"/>
+              <a:t>dados</a:t>
             </a:r>
           </a:p>
           <a:p>
@@ -14991,22 +14819,6 @@
               <a:t>Operações parametrizadas</a:t>
             </a:r>
           </a:p>
-        </p:txBody>
-      </p:sp>
-      <p:sp>
-        <p:nvSpPr>
-          <p:cNvPr id="4" name="Espaço Reservado para Conteúdo 3"/>
-          <p:cNvSpPr>
-            <a:spLocks noGrp="1"/>
-          </p:cNvSpPr>
-          <p:nvPr>
-            <p:ph sz="half" idx="2"/>
-          </p:nvPr>
-        </p:nvSpPr>
-        <p:spPr/>
-        <p:txBody>
-          <a:bodyPr/>
-          <a:lstStyle/>
           <a:p>
             <a:r>
               <a:rPr lang="pt-BR" dirty="0" smtClean="0"/>
@@ -15035,25 +14847,7 @@
             <a:endParaRPr lang="pt-BR" dirty="0" smtClean="0"/>
           </a:p>
           <a:p>
-            <a:r>
-              <a:rPr lang="pt-BR" dirty="0" smtClean="0"/>
-              <a:t>Design </a:t>
-            </a:r>
-            <a:r>
-              <a:rPr lang="pt-BR" dirty="0" err="1" smtClean="0"/>
-              <a:t>patterns</a:t>
-            </a:r>
-            <a:r>
-              <a:rPr lang="pt-BR" dirty="0" smtClean="0"/>
-              <a:t> DAO e VO</a:t>
-            </a:r>
-          </a:p>
-          <a:p>
-            <a:r>
-              <a:rPr lang="pt-BR" dirty="0" smtClean="0"/>
-              <a:t>Projeto Final</a:t>
-            </a:r>
-            <a:endParaRPr lang="pt-BR" dirty="0"/>
+            <a:endParaRPr lang="pt-BR" dirty="0" smtClean="0"/>
           </a:p>
         </p:txBody>
       </p:sp>
@@ -37401,13 +37195,8 @@
             </a:r>
             <a:r>
               <a:rPr lang="pt-BR" sz="2400" dirty="0" smtClean="0"/>
-              <a:t> e </a:t>
-            </a:r>
-            <a:r>
-              <a:rPr lang="pt-BR" sz="2400" dirty="0" smtClean="0"/>
-              <a:t>outros permitem este tipo de recurso.</a:t>
-            </a:r>
-            <a:endParaRPr lang="pt-BR" sz="2400" dirty="0" smtClean="0"/>
+              <a:t> e outros permitem este tipo de recurso.</a:t>
+            </a:r>
           </a:p>
           <a:p>
             <a:pPr>
@@ -37433,23 +37222,7 @@
             </a:r>
             <a:r>
               <a:rPr lang="pt-BR" sz="2400" dirty="0" smtClean="0"/>
-              <a:t> pode </a:t>
-            </a:r>
-            <a:r>
-              <a:rPr lang="pt-BR" sz="2400" dirty="0" smtClean="0"/>
-              <a:t>reduzir o tráfego na rede, melhorar a </a:t>
-            </a:r>
-            <a:r>
-              <a:rPr lang="pt-BR" sz="2400" dirty="0" smtClean="0"/>
-              <a:t>performance ou </a:t>
-            </a:r>
-            <a:r>
-              <a:rPr lang="pt-BR" sz="2400" dirty="0" smtClean="0"/>
-              <a:t>criar mecanismos de </a:t>
-            </a:r>
-            <a:r>
-              <a:rPr lang="pt-BR" sz="2400" dirty="0" smtClean="0"/>
-              <a:t>segurança ao realizar alguma operação na base de dados.</a:t>
+              <a:t> pode reduzir o tráfego na rede, melhorar a performance ou criar mecanismos de segurança ao realizar alguma operação na base de dados.</a:t>
             </a:r>
           </a:p>
         </p:txBody>
@@ -37624,15 +37397,7 @@
                   <a:srgbClr val="FFC000"/>
                 </a:solidFill>
               </a:rPr>
-              <a:t>CREATE </a:t>
-            </a:r>
-            <a:r>
-              <a:rPr lang="pt-BR" sz="1800" dirty="0" smtClean="0">
-                <a:solidFill>
-                  <a:srgbClr val="FFC000"/>
-                </a:solidFill>
-              </a:rPr>
-              <a:t>PROCEDURE </a:t>
+              <a:t>CREATE PROCEDURE </a:t>
             </a:r>
             <a:r>
               <a:rPr lang="pt-BR" sz="1800" dirty="0" err="1" smtClean="0">
@@ -37685,23 +37450,7 @@
                   <a:srgbClr val="FFC000"/>
                 </a:solidFill>
               </a:rPr>
-              <a:t>	</a:t>
-            </a:r>
-            <a:r>
-              <a:rPr lang="pt-BR" sz="1800" dirty="0" smtClean="0">
-                <a:solidFill>
-                  <a:srgbClr val="FFC000"/>
-                </a:solidFill>
-              </a:rPr>
-              <a:t>DECIMAL(10,2</a:t>
-            </a:r>
-            <a:r>
-              <a:rPr lang="pt-BR" sz="1800" dirty="0" smtClean="0">
-                <a:solidFill>
-                  <a:srgbClr val="FFC000"/>
-                </a:solidFill>
-              </a:rPr>
-              <a:t>),</a:t>
+              <a:t>	DECIMAL(10,2),</a:t>
             </a:r>
           </a:p>
           <a:p>
@@ -37738,23 +37487,7 @@
                   <a:srgbClr val="FFC000"/>
                 </a:solidFill>
               </a:rPr>
-              <a:t>	</a:t>
-            </a:r>
-            <a:r>
-              <a:rPr lang="pt-BR" sz="1800" dirty="0" smtClean="0">
-                <a:solidFill>
-                  <a:srgbClr val="FFC000"/>
-                </a:solidFill>
-              </a:rPr>
-              <a:t>DOUBLE</a:t>
-            </a:r>
-            <a:r>
-              <a:rPr lang="pt-BR" sz="1800" dirty="0" smtClean="0">
-                <a:solidFill>
-                  <a:srgbClr val="FFC000"/>
-                </a:solidFill>
-              </a:rPr>
-              <a:t>,</a:t>
+              <a:t>	DOUBLE,</a:t>
             </a:r>
           </a:p>
           <a:p>
@@ -37791,23 +37524,7 @@
                   <a:srgbClr val="FFC000"/>
                 </a:solidFill>
               </a:rPr>
-              <a:t>	</a:t>
-            </a:r>
-            <a:r>
-              <a:rPr lang="pt-BR" sz="1800" dirty="0" smtClean="0">
-                <a:solidFill>
-                  <a:srgbClr val="FFC000"/>
-                </a:solidFill>
-              </a:rPr>
-              <a:t>INTEGER</a:t>
-            </a:r>
-            <a:r>
-              <a:rPr lang="pt-BR" sz="1800" dirty="0" smtClean="0">
-                <a:solidFill>
-                  <a:srgbClr val="FFC000"/>
-                </a:solidFill>
-              </a:rPr>
-              <a:t>,</a:t>
+              <a:t>	INTEGER,</a:t>
             </a:r>
           </a:p>
           <a:p>
@@ -37844,23 +37561,7 @@
                   <a:srgbClr val="FFC000"/>
                 </a:solidFill>
               </a:rPr>
-              <a:t>	</a:t>
-            </a:r>
-            <a:r>
-              <a:rPr lang="pt-BR" sz="1800" dirty="0" smtClean="0">
-                <a:solidFill>
-                  <a:srgbClr val="FFC000"/>
-                </a:solidFill>
-              </a:rPr>
-              <a:t>DECIMAL(10,2</a:t>
-            </a:r>
-            <a:r>
-              <a:rPr lang="pt-BR" sz="1800" dirty="0" smtClean="0">
-                <a:solidFill>
-                  <a:srgbClr val="FFC000"/>
-                </a:solidFill>
-              </a:rPr>
-              <a:t>))</a:t>
+              <a:t>	DECIMAL(10,2))</a:t>
             </a:r>
           </a:p>
           <a:p>
@@ -37902,15 +37603,7 @@
                   <a:srgbClr val="FFC000"/>
                 </a:solidFill>
               </a:rPr>
-              <a:t>	... </a:t>
-            </a:r>
-            <a:r>
-              <a:rPr lang="pt-BR" sz="1800" dirty="0" smtClean="0">
-                <a:solidFill>
-                  <a:srgbClr val="FFC000"/>
-                </a:solidFill>
-              </a:rPr>
-              <a:t>...</a:t>
+              <a:t>	... ...</a:t>
             </a:r>
           </a:p>
           <a:p>
@@ -37952,15 +37645,7 @@
                   <a:srgbClr val="FFC000"/>
                 </a:solidFill>
               </a:rPr>
-              <a:t>	...</a:t>
-            </a:r>
-            <a:r>
-              <a:rPr lang="pt-BR" sz="1800" dirty="0" smtClean="0">
-                <a:solidFill>
-                  <a:srgbClr val="FFC000"/>
-                </a:solidFill>
-              </a:rPr>
-              <a:t> ...</a:t>
+              <a:t>	... ...</a:t>
             </a:r>
           </a:p>
           <a:p>
@@ -37983,11 +37668,6 @@
               </a:rPr>
               <a:t>END;</a:t>
             </a:r>
-            <a:endParaRPr lang="pt-BR" sz="1800" dirty="0" smtClean="0">
-              <a:solidFill>
-                <a:srgbClr val="FFC000"/>
-              </a:solidFill>
-            </a:endParaRPr>
           </a:p>
         </p:txBody>
       </p:sp>
@@ -39732,11 +39412,7 @@
             </a:r>
             <a:r>
               <a:rPr lang="pt-BR" sz="2200" dirty="0" smtClean="0"/>
-              <a:t> </a:t>
-            </a:r>
-            <a:r>
-              <a:rPr lang="pt-BR" sz="2200" dirty="0" smtClean="0"/>
-              <a:t>utilizamos o método </a:t>
+              <a:t> utilizamos o método </a:t>
             </a:r>
             <a:r>
               <a:rPr lang="pt-BR" sz="2200" i="1" u="sng" dirty="0" err="1" smtClean="0"/>
@@ -39777,7 +39453,6 @@
               <a:rPr lang="pt-BR" sz="2200" dirty="0" smtClean="0"/>
               <a:t> desejada:</a:t>
             </a:r>
-            <a:endParaRPr lang="pt-BR" sz="2200" dirty="0" smtClean="0"/>
           </a:p>
           <a:p>
             <a:pPr marL="442913" indent="0">
@@ -40067,11 +39742,7 @@
             <a:pPr algn="ctr"/>
             <a:r>
               <a:rPr lang="pt-BR" sz="1600" b="1" dirty="0" smtClean="0"/>
-              <a:t>Par</a:t>
-            </a:r>
-            <a:r>
-              <a:rPr lang="pt-BR" sz="1600" b="1" dirty="0" smtClean="0"/>
-              <a:t>âmetros</a:t>
+              <a:t>Parâmetros</a:t>
             </a:r>
             <a:endParaRPr lang="pt-BR" sz="1600" b="1" dirty="0"/>
           </a:p>
@@ -40273,7 +39944,6 @@
               <a:rPr lang="pt-BR" sz="2200" dirty="0" smtClean="0"/>
               <a:t> conforme seu tipo, inserindo os valores desejados:</a:t>
             </a:r>
-            <a:endParaRPr lang="pt-BR" sz="2200" dirty="0" smtClean="0"/>
           </a:p>
           <a:p>
             <a:pPr marL="442913" indent="0">
@@ -40342,11 +40012,6 @@
               </a:rPr>
               <a:t>/* Parâmetro 1 */</a:t>
             </a:r>
-            <a:endParaRPr lang="pt-BR" sz="2200" dirty="0" smtClean="0">
-              <a:solidFill>
-                <a:schemeClr val="accent6"/>
-              </a:solidFill>
-            </a:endParaRPr>
           </a:p>
           <a:p>
             <a:pPr marL="1620838" indent="0">
@@ -40406,11 +40071,6 @@
               </a:rPr>
               <a:t>/* Parâmetro 2 */</a:t>
             </a:r>
-            <a:endParaRPr lang="pt-BR" sz="2200" dirty="0" smtClean="0">
-              <a:solidFill>
-                <a:schemeClr val="accent6"/>
-              </a:solidFill>
-            </a:endParaRPr>
           </a:p>
           <a:p>
             <a:pPr marL="1620838" indent="0">
@@ -40448,11 +40108,7 @@
             </a:r>
             <a:r>
               <a:rPr lang="pt-BR" sz="2200" dirty="0" smtClean="0"/>
-              <a:t>3, 2</a:t>
-            </a:r>
-            <a:r>
-              <a:rPr lang="pt-BR" sz="2200" dirty="0" smtClean="0"/>
-              <a:t>);	</a:t>
+              <a:t>3, 2);	</a:t>
             </a:r>
             <a:r>
               <a:rPr lang="pt-BR" sz="2200" dirty="0" smtClean="0">
@@ -40462,11 +40118,6 @@
               </a:rPr>
               <a:t>/* Parâmetro 3 */</a:t>
             </a:r>
-            <a:endParaRPr lang="pt-BR" sz="2200" dirty="0" smtClean="0">
-              <a:solidFill>
-                <a:schemeClr val="accent6"/>
-              </a:solidFill>
-            </a:endParaRPr>
           </a:p>
         </p:txBody>
       </p:sp>
@@ -40659,7 +40310,6 @@
               <a:rPr lang="pt-BR" sz="2200" dirty="0" smtClean="0"/>
               <a:t>:</a:t>
             </a:r>
-            <a:endParaRPr lang="pt-BR" sz="2200" dirty="0" smtClean="0"/>
           </a:p>
           <a:p>
             <a:pPr marL="442913" indent="0">
@@ -40740,29 +40390,8 @@
                   <a:schemeClr val="accent6"/>
                 </a:solidFill>
               </a:rPr>
-              <a:t>/* Parâmetro </a:t>
-            </a:r>
-            <a:r>
-              <a:rPr lang="pt-BR" sz="2200" dirty="0" smtClean="0">
-                <a:solidFill>
-                  <a:schemeClr val="accent6"/>
-                </a:solidFill>
-              </a:rPr>
-              <a:t>4</a:t>
-            </a:r>
-            <a:r>
-              <a:rPr lang="pt-BR" sz="2200" dirty="0" smtClean="0">
-                <a:solidFill>
-                  <a:schemeClr val="accent6"/>
-                </a:solidFill>
-              </a:rPr>
-              <a:t> */</a:t>
-            </a:r>
-            <a:endParaRPr lang="pt-BR" sz="2200" dirty="0" smtClean="0">
-              <a:solidFill>
-                <a:schemeClr val="accent6"/>
-              </a:solidFill>
-            </a:endParaRPr>
+              <a:t>/* Parâmetro 4 */</a:t>
+            </a:r>
           </a:p>
         </p:txBody>
       </p:sp>
@@ -40939,7 +40568,6 @@
               <a:rPr lang="pt-BR" sz="2200" dirty="0" smtClean="0"/>
               <a:t>, podemos recolher os valores de retorno provenientes dos parâmetros de saída</a:t>
             </a:r>
-            <a:endParaRPr lang="pt-BR" sz="2200" dirty="0" smtClean="0"/>
           </a:p>
           <a:p>
             <a:pPr marL="442913" indent="0">
@@ -41373,11 +41001,7 @@
             </a:pPr>
             <a:r>
               <a:rPr lang="it-IT" sz="2000" dirty="0" smtClean="0"/>
-              <a:t>CREATE </a:t>
-            </a:r>
-            <a:r>
-              <a:rPr lang="it-IT" sz="2000" dirty="0" smtClean="0"/>
-              <a:t>PROCEDURE </a:t>
+              <a:t>CREATE PROCEDURE </a:t>
             </a:r>
             <a:r>
               <a:rPr lang="it-IT" sz="2000" dirty="0" smtClean="0">
@@ -41406,11 +41030,7 @@
             </a:pPr>
             <a:r>
               <a:rPr lang="it-IT" sz="2000" dirty="0" smtClean="0"/>
-              <a:t>	</a:t>
-            </a:r>
-            <a:r>
-              <a:rPr lang="it-IT" sz="2000" dirty="0" smtClean="0"/>
-              <a:t>IN	</a:t>
+              <a:t>	IN	</a:t>
             </a:r>
             <a:r>
               <a:rPr lang="it-IT" sz="2000" dirty="0" smtClean="0">
@@ -41439,27 +41059,19 @@
             </a:pPr>
             <a:r>
               <a:rPr lang="it-IT" sz="2000" dirty="0" smtClean="0"/>
-              <a:t>	</a:t>
+              <a:t>	OUT	</a:t>
+            </a:r>
+            <a:r>
+              <a:rPr lang="it-IT" sz="2000" dirty="0" smtClean="0">
+                <a:solidFill>
+                  <a:srgbClr val="FFC000"/>
+                </a:solidFill>
+              </a:rPr>
+              <a:t>p_descricao</a:t>
             </a:r>
             <a:r>
               <a:rPr lang="it-IT" sz="2000" dirty="0" smtClean="0"/>
-              <a:t>OUT	</a:t>
-            </a:r>
-            <a:r>
-              <a:rPr lang="it-IT" sz="2000" dirty="0" smtClean="0">
-                <a:solidFill>
-                  <a:srgbClr val="FFC000"/>
-                </a:solidFill>
-              </a:rPr>
-              <a:t>p_descricao</a:t>
-            </a:r>
-            <a:r>
-              <a:rPr lang="it-IT" sz="2000" dirty="0" smtClean="0"/>
-              <a:t>	VARCHAR(100</a:t>
-            </a:r>
-            <a:r>
-              <a:rPr lang="it-IT" sz="2000" dirty="0" smtClean="0"/>
-              <a:t>))</a:t>
+              <a:t>	VARCHAR(100))</a:t>
             </a:r>
             <a:endParaRPr lang="pt-BR" sz="2000" dirty="0" smtClean="0"/>
           </a:p>
@@ -41719,222 +41331,6 @@
                 <a:defRPr/>
               </a:pPr>
               <a:t>56</a:t>
-            </a:fld>
-            <a:endParaRPr lang="pt-BR"/>
-          </a:p>
-        </p:txBody>
-      </p:sp>
-    </p:spTree>
-  </p:cSld>
-  <p:clrMapOvr>
-    <a:masterClrMapping/>
-  </p:clrMapOvr>
-  <p:timing>
-    <p:tnLst>
-      <p:par>
-        <p:cTn id="1" dur="indefinite" restart="never" nodeType="tmRoot"/>
-      </p:par>
-    </p:tnLst>
-  </p:timing>
-</p:sld>
-</file>
-
-<file path=ppt/slides/slide57.xml><?xml version="1.0" encoding="utf-8"?>
-<p:sld xmlns:a="http://schemas.openxmlformats.org/drawingml/2006/main" xmlns:r="http://schemas.openxmlformats.org/officeDocument/2006/relationships" xmlns:p="http://schemas.openxmlformats.org/presentationml/2006/main">
-  <p:cSld>
-    <p:spTree>
-      <p:nvGrpSpPr>
-        <p:cNvPr id="1" name=""/>
-        <p:cNvGrpSpPr/>
-        <p:nvPr/>
-      </p:nvGrpSpPr>
-      <p:grpSpPr>
-        <a:xfrm>
-          <a:off x="0" y="0"/>
-          <a:ext cx="0" cy="0"/>
-          <a:chOff x="0" y="0"/>
-          <a:chExt cx="0" cy="0"/>
-        </a:xfrm>
-      </p:grpSpPr>
-      <p:sp>
-        <p:nvSpPr>
-          <p:cNvPr id="2" name="Título 1"/>
-          <p:cNvSpPr>
-            <a:spLocks noGrp="1"/>
-          </p:cNvSpPr>
-          <p:nvPr>
-            <p:ph type="title"/>
-          </p:nvPr>
-        </p:nvSpPr>
-        <p:spPr/>
-        <p:txBody>
-          <a:bodyPr/>
-          <a:lstStyle/>
-          <a:p>
-            <a:pPr eaLnBrk="1" hangingPunct="1"/>
-            <a:r>
-              <a:rPr lang="pt-BR" dirty="0" smtClean="0"/>
-              <a:t>Design </a:t>
-            </a:r>
-            <a:r>
-              <a:rPr lang="pt-BR" dirty="0" err="1" smtClean="0"/>
-              <a:t>pattern</a:t>
-            </a:r>
-            <a:r>
-              <a:rPr lang="pt-BR" dirty="0" smtClean="0"/>
-              <a:t> DAO/VO</a:t>
-            </a:r>
-            <a:endParaRPr lang="pt-BR" dirty="0"/>
-          </a:p>
-        </p:txBody>
-      </p:sp>
-      <p:sp>
-        <p:nvSpPr>
-          <p:cNvPr id="3" name="Espaço Reservado para Conteúdo 2"/>
-          <p:cNvSpPr>
-            <a:spLocks noGrp="1"/>
-          </p:cNvSpPr>
-          <p:nvPr>
-            <p:ph idx="1"/>
-          </p:nvPr>
-        </p:nvSpPr>
-        <p:spPr/>
-        <p:txBody>
-          <a:bodyPr/>
-          <a:lstStyle/>
-          <a:p>
-            <a:endParaRPr lang="pt-BR"/>
-          </a:p>
-        </p:txBody>
-      </p:sp>
-      <p:sp>
-        <p:nvSpPr>
-          <p:cNvPr id="4" name="Espaço Reservado para Número de Slide 3"/>
-          <p:cNvSpPr>
-            <a:spLocks noGrp="1"/>
-          </p:cNvSpPr>
-          <p:nvPr>
-            <p:ph type="sldNum" sz="quarter" idx="12"/>
-          </p:nvPr>
-        </p:nvSpPr>
-        <p:spPr/>
-        <p:txBody>
-          <a:bodyPr/>
-          <a:lstStyle/>
-          <a:p>
-            <a:pPr>
-              <a:defRPr/>
-            </a:pPr>
-            <a:fld id="{EF19A0F5-F849-4C78-8624-C3A50979DE44}" type="slidenum">
-              <a:rPr lang="pt-BR" smtClean="0"/>
-              <a:pPr>
-                <a:defRPr/>
-              </a:pPr>
-              <a:t>57</a:t>
-            </a:fld>
-            <a:endParaRPr lang="pt-BR"/>
-          </a:p>
-        </p:txBody>
-      </p:sp>
-    </p:spTree>
-  </p:cSld>
-  <p:clrMapOvr>
-    <a:masterClrMapping/>
-  </p:clrMapOvr>
-  <p:timing>
-    <p:tnLst>
-      <p:par>
-        <p:cTn id="1" dur="indefinite" restart="never" nodeType="tmRoot"/>
-      </p:par>
-    </p:tnLst>
-  </p:timing>
-</p:sld>
-</file>
-
-<file path=ppt/slides/slide58.xml><?xml version="1.0" encoding="utf-8"?>
-<p:sld xmlns:a="http://schemas.openxmlformats.org/drawingml/2006/main" xmlns:r="http://schemas.openxmlformats.org/officeDocument/2006/relationships" xmlns:p="http://schemas.openxmlformats.org/presentationml/2006/main">
-  <p:cSld>
-    <p:spTree>
-      <p:nvGrpSpPr>
-        <p:cNvPr id="1" name=""/>
-        <p:cNvGrpSpPr/>
-        <p:nvPr/>
-      </p:nvGrpSpPr>
-      <p:grpSpPr>
-        <a:xfrm>
-          <a:off x="0" y="0"/>
-          <a:ext cx="0" cy="0"/>
-          <a:chOff x="0" y="0"/>
-          <a:chExt cx="0" cy="0"/>
-        </a:xfrm>
-      </p:grpSpPr>
-      <p:sp>
-        <p:nvSpPr>
-          <p:cNvPr id="2" name="Título 1"/>
-          <p:cNvSpPr>
-            <a:spLocks noGrp="1"/>
-          </p:cNvSpPr>
-          <p:nvPr>
-            <p:ph type="title"/>
-          </p:nvPr>
-        </p:nvSpPr>
-        <p:spPr/>
-        <p:txBody>
-          <a:bodyPr/>
-          <a:lstStyle/>
-          <a:p>
-            <a:pPr eaLnBrk="1" hangingPunct="1"/>
-            <a:r>
-              <a:rPr lang="pt-BR" dirty="0" smtClean="0"/>
-              <a:t>Projeto Final</a:t>
-            </a:r>
-            <a:endParaRPr lang="pt-BR" dirty="0"/>
-          </a:p>
-        </p:txBody>
-      </p:sp>
-      <p:sp>
-        <p:nvSpPr>
-          <p:cNvPr id="3" name="Espaço Reservado para Conteúdo 2"/>
-          <p:cNvSpPr>
-            <a:spLocks noGrp="1"/>
-          </p:cNvSpPr>
-          <p:nvPr>
-            <p:ph idx="1"/>
-          </p:nvPr>
-        </p:nvSpPr>
-        <p:spPr/>
-        <p:txBody>
-          <a:bodyPr/>
-          <a:lstStyle/>
-          <a:p>
-            <a:endParaRPr lang="pt-BR"/>
-          </a:p>
-        </p:txBody>
-      </p:sp>
-      <p:sp>
-        <p:nvSpPr>
-          <p:cNvPr id="4" name="Espaço Reservado para Número de Slide 3"/>
-          <p:cNvSpPr>
-            <a:spLocks noGrp="1"/>
-          </p:cNvSpPr>
-          <p:nvPr>
-            <p:ph type="sldNum" sz="quarter" idx="12"/>
-          </p:nvPr>
-        </p:nvSpPr>
-        <p:spPr/>
-        <p:txBody>
-          <a:bodyPr/>
-          <a:lstStyle/>
-          <a:p>
-            <a:pPr>
-              <a:defRPr/>
-            </a:pPr>
-            <a:fld id="{EF19A0F5-F849-4C78-8624-C3A50979DE44}" type="slidenum">
-              <a:rPr lang="pt-BR" smtClean="0"/>
-              <a:pPr>
-                <a:defRPr/>
-              </a:pPr>
-              <a:t>58</a:t>
             </a:fld>
             <a:endParaRPr lang="pt-BR"/>
           </a:p>

--- a/trunk/2-Java-Programmer-Modulo-II/19.Capitulo11.pptx
+++ b/trunk/2-Java-Programmer-Modulo-II/19.Capitulo11.pptx
@@ -305,7 +305,7 @@
               <a:pPr>
                 <a:defRPr/>
               </a:pPr>
-              <a:t>16/06/2012</a:t>
+              <a:t>22/07/2012</a:t>
             </a:fld>
             <a:endParaRPr lang="pt-BR"/>
           </a:p>
@@ -6073,7 +6073,7 @@
               <a:pPr>
                 <a:defRPr/>
               </a:pPr>
-              <a:t>16/06/2012</a:t>
+              <a:t>22/07/2012</a:t>
             </a:fld>
             <a:endParaRPr lang="pt-BR"/>
           </a:p>
@@ -6265,7 +6265,7 @@
               <a:pPr>
                 <a:defRPr/>
               </a:pPr>
-              <a:t>16/06/2012</a:t>
+              <a:t>22/07/2012</a:t>
             </a:fld>
             <a:endParaRPr lang="pt-BR"/>
           </a:p>
@@ -6467,7 +6467,7 @@
               <a:pPr>
                 <a:defRPr/>
               </a:pPr>
-              <a:t>16/06/2012</a:t>
+              <a:t>22/07/2012</a:t>
             </a:fld>
             <a:endParaRPr lang="pt-BR"/>
           </a:p>
@@ -6663,7 +6663,7 @@
               <a:pPr>
                 <a:defRPr/>
               </a:pPr>
-              <a:t>16/06/2012</a:t>
+              <a:t>22/07/2012</a:t>
             </a:fld>
             <a:endParaRPr lang="pt-BR"/>
           </a:p>
@@ -7169,7 +7169,7 @@
               <a:pPr>
                 <a:defRPr/>
               </a:pPr>
-              <a:t>16/06/2012</a:t>
+              <a:t>22/07/2012</a:t>
             </a:fld>
             <a:endParaRPr lang="pt-BR"/>
           </a:p>
@@ -7460,7 +7460,7 @@
               <a:pPr>
                 <a:defRPr/>
               </a:pPr>
-              <a:t>16/06/2012</a:t>
+              <a:t>22/07/2012</a:t>
             </a:fld>
             <a:endParaRPr lang="pt-BR"/>
           </a:p>
@@ -7861,7 +7861,7 @@
               <a:pPr>
                 <a:defRPr/>
               </a:pPr>
-              <a:t>16/06/2012</a:t>
+              <a:t>22/07/2012</a:t>
             </a:fld>
             <a:endParaRPr lang="pt-BR"/>
           </a:p>
@@ -8010,7 +8010,7 @@
               <a:pPr>
                 <a:defRPr/>
               </a:pPr>
-              <a:t>16/06/2012</a:t>
+              <a:t>22/07/2012</a:t>
             </a:fld>
             <a:endParaRPr lang="pt-BR"/>
           </a:p>
@@ -8127,7 +8127,7 @@
               <a:pPr>
                 <a:defRPr/>
               </a:pPr>
-              <a:t>16/06/2012</a:t>
+              <a:t>22/07/2012</a:t>
             </a:fld>
             <a:endParaRPr lang="pt-BR"/>
           </a:p>
@@ -8403,7 +8403,7 @@
               <a:pPr>
                 <a:defRPr/>
               </a:pPr>
-              <a:t>16/06/2012</a:t>
+              <a:t>22/07/2012</a:t>
             </a:fld>
             <a:endParaRPr lang="pt-BR"/>
           </a:p>
@@ -8687,7 +8687,7 @@
               <a:pPr>
                 <a:defRPr/>
               </a:pPr>
-              <a:t>16/06/2012</a:t>
+              <a:t>22/07/2012</a:t>
             </a:fld>
             <a:endParaRPr lang="pt-BR"/>
           </a:p>
@@ -9165,7 +9165,7 @@
               <a:pPr>
                 <a:defRPr/>
               </a:pPr>
-              <a:t>16/06/2012</a:t>
+              <a:t>22/07/2012</a:t>
             </a:fld>
             <a:endParaRPr lang="pt-BR"/>
           </a:p>
@@ -12041,35 +12041,40 @@
             <p:ph type="title"/>
           </p:nvPr>
         </p:nvSpPr>
+        <p:spPr>
+          <a:xfrm>
+            <a:off x="457200" y="274638"/>
+            <a:ext cx="8258204" cy="1143000"/>
+          </a:xfrm>
+        </p:spPr>
+        <p:txBody>
+          <a:bodyPr/>
+          <a:lstStyle/>
+          <a:p>
+            <a:pPr eaLnBrk="1" hangingPunct="1"/>
+            <a:r>
+              <a:rPr lang="pt-BR" dirty="0" smtClean="0"/>
+              <a:t>Abrindo e fechando conexões</a:t>
+            </a:r>
+            <a:endParaRPr lang="pt-BR" dirty="0"/>
+          </a:p>
+        </p:txBody>
+      </p:sp>
+      <p:sp>
+        <p:nvSpPr>
+          <p:cNvPr id="3" name="Espaço Reservado para Conteúdo 2"/>
+          <p:cNvSpPr>
+            <a:spLocks noGrp="1"/>
+          </p:cNvSpPr>
+          <p:nvPr>
+            <p:ph idx="1"/>
+          </p:nvPr>
+        </p:nvSpPr>
         <p:spPr/>
         <p:txBody>
           <a:bodyPr/>
           <a:lstStyle/>
           <a:p>
-            <a:pPr eaLnBrk="1" hangingPunct="1"/>
-            <a:r>
-              <a:rPr lang="pt-BR" dirty="0" smtClean="0"/>
-              <a:t>Abrindo e fechando conexões</a:t>
-            </a:r>
-            <a:endParaRPr lang="pt-BR" dirty="0"/>
-          </a:p>
-        </p:txBody>
-      </p:sp>
-      <p:sp>
-        <p:nvSpPr>
-          <p:cNvPr id="3" name="Espaço Reservado para Conteúdo 2"/>
-          <p:cNvSpPr>
-            <a:spLocks noGrp="1"/>
-          </p:cNvSpPr>
-          <p:nvPr>
-            <p:ph idx="1"/>
-          </p:nvPr>
-        </p:nvSpPr>
-        <p:spPr/>
-        <p:txBody>
-          <a:bodyPr/>
-          <a:lstStyle/>
-          <a:p>
             <a:r>
               <a:rPr lang="pt-BR" sz="2800" dirty="0" smtClean="0"/>
               <a:t>Carregamento do </a:t>
@@ -12163,13 +12168,8 @@
                   <a:srgbClr val="FFC000"/>
                 </a:solidFill>
               </a:rPr>
-              <a:t>);</a:t>
-            </a:r>
-            <a:endParaRPr lang="pt-BR" sz="2200" dirty="0" smtClean="0">
-              <a:solidFill>
-                <a:srgbClr val="FFC000"/>
-              </a:solidFill>
-            </a:endParaRPr>
+              <a:t>)</a:t>
+            </a:r>
           </a:p>
           <a:p>
             <a:pPr indent="-3175">
@@ -12296,40 +12296,40 @@
             <p:ph type="title"/>
           </p:nvPr>
         </p:nvSpPr>
-        <p:spPr/>
-        <p:txBody>
-          <a:bodyPr/>
-          <a:lstStyle/>
-          <a:p>
-            <a:pPr eaLnBrk="1" hangingPunct="1"/>
-            <a:r>
-              <a:rPr lang="pt-BR" dirty="0" smtClean="0"/>
-              <a:t>Abrindo e fechando conexões</a:t>
-            </a:r>
-            <a:endParaRPr lang="pt-BR" dirty="0"/>
-          </a:p>
-        </p:txBody>
-      </p:sp>
-      <p:sp>
-        <p:nvSpPr>
-          <p:cNvPr id="3" name="Espaço Reservado para Conteúdo 2"/>
-          <p:cNvSpPr>
-            <a:spLocks noGrp="1"/>
-          </p:cNvSpPr>
-          <p:nvPr>
-            <p:ph idx="1"/>
-          </p:nvPr>
-        </p:nvSpPr>
         <p:spPr>
           <a:xfrm>
-            <a:off x="457200" y="1600200"/>
-            <a:ext cx="8291264" cy="4525963"/>
+            <a:off x="457200" y="274638"/>
+            <a:ext cx="8258204" cy="1143000"/>
           </a:xfrm>
         </p:spPr>
         <p:txBody>
           <a:bodyPr/>
           <a:lstStyle/>
           <a:p>
+            <a:pPr eaLnBrk="1" hangingPunct="1"/>
+            <a:r>
+              <a:rPr lang="pt-BR" dirty="0" smtClean="0"/>
+              <a:t>Abrindo e fechando conexões</a:t>
+            </a:r>
+            <a:endParaRPr lang="pt-BR" dirty="0"/>
+          </a:p>
+        </p:txBody>
+      </p:sp>
+      <p:sp>
+        <p:nvSpPr>
+          <p:cNvPr id="3" name="Espaço Reservado para Conteúdo 2"/>
+          <p:cNvSpPr>
+            <a:spLocks noGrp="1"/>
+          </p:cNvSpPr>
+          <p:nvPr>
+            <p:ph idx="1"/>
+          </p:nvPr>
+        </p:nvSpPr>
+        <p:spPr/>
+        <p:txBody>
+          <a:bodyPr/>
+          <a:lstStyle/>
+          <a:p>
             <a:r>
               <a:rPr lang="pt-BR" sz="2800" dirty="0" smtClean="0"/>
               <a:t>Carregamento do </a:t>
@@ -12341,78 +12341,47 @@
             <a:endParaRPr lang="pt-BR" sz="2800" dirty="0" smtClean="0"/>
           </a:p>
           <a:p>
-            <a:pPr marL="3175" indent="-3175">
+            <a:pPr indent="-3175">
               <a:buNone/>
             </a:pPr>
             <a:endParaRPr lang="pt-BR" sz="2200" dirty="0" smtClean="0"/>
           </a:p>
           <a:p>
-            <a:pPr marL="3175" indent="-3175">
+            <a:pPr indent="-3175">
               <a:buNone/>
             </a:pPr>
+            <a:r>
+              <a:rPr lang="pt-BR" sz="2200" dirty="0" smtClean="0"/>
+              <a:t>O nome da classe a ser carregada depende do </a:t>
+            </a:r>
+            <a:r>
+              <a:rPr lang="pt-BR" sz="2200" dirty="0" err="1" smtClean="0"/>
+              <a:t>driver</a:t>
+            </a:r>
+            <a:r>
+              <a:rPr lang="pt-BR" sz="2200" dirty="0" smtClean="0"/>
+              <a:t> utilizado.</a:t>
+            </a:r>
             <a:endParaRPr lang="pt-BR" sz="2200" dirty="0" smtClean="0"/>
           </a:p>
           <a:p>
-            <a:pPr marL="3175" indent="-3175" algn="ctr">
+            <a:pPr indent="-3175">
               <a:buNone/>
             </a:pPr>
+            <a:endParaRPr lang="pt-BR" sz="2200" dirty="0" smtClean="0"/>
+          </a:p>
+          <a:p>
+            <a:pPr indent="-3175" algn="ctr">
+              <a:buNone/>
+            </a:pPr>
             <a:r>
               <a:rPr lang="pt-BR" sz="2200" dirty="0" err="1" smtClean="0">
                 <a:solidFill>
                   <a:srgbClr val="FFC000"/>
                 </a:solidFill>
               </a:rPr>
-              <a:t>Class</a:t>
-            </a:r>
-            <a:r>
-              <a:rPr lang="pt-BR" sz="2200" dirty="0" smtClean="0">
-                <a:solidFill>
-                  <a:srgbClr val="FFC000"/>
-                </a:solidFill>
-              </a:rPr>
-              <a:t>.</a:t>
-            </a:r>
-            <a:r>
-              <a:rPr lang="pt-BR" sz="2200" i="1" dirty="0" err="1" smtClean="0">
-                <a:solidFill>
-                  <a:srgbClr val="FFC000"/>
-                </a:solidFill>
-              </a:rPr>
-              <a:t>forName</a:t>
-            </a:r>
-            <a:r>
-              <a:rPr lang="pt-BR" sz="2200" dirty="0" smtClean="0">
-                <a:solidFill>
-                  <a:srgbClr val="FFC000"/>
-                </a:solidFill>
-              </a:rPr>
-              <a:t>(“</a:t>
-            </a:r>
-            <a:r>
-              <a:rPr lang="pt-BR" sz="2200" dirty="0" err="1" smtClean="0"/>
               <a:t>com.mysql.jdbc.Driver</a:t>
             </a:r>
-            <a:r>
-              <a:rPr lang="pt-BR" sz="2200" dirty="0" err="1" smtClean="0">
-                <a:solidFill>
-                  <a:srgbClr val="FFC000"/>
-                </a:solidFill>
-              </a:rPr>
-              <a:t>”</a:t>
-            </a:r>
-            <a:r>
-              <a:rPr lang="pt-BR" sz="2200" dirty="0" smtClean="0">
-                <a:solidFill>
-                  <a:srgbClr val="FFC000"/>
-                </a:solidFill>
-              </a:rPr>
-              <a:t>);</a:t>
-            </a:r>
-          </a:p>
-          <a:p>
-            <a:pPr marL="3175" indent="-3175" algn="ctr">
-              <a:buNone/>
-            </a:pPr>
             <a:endParaRPr lang="pt-BR" sz="2200" dirty="0" smtClean="0">
               <a:solidFill>
                 <a:srgbClr val="FFC000"/>
@@ -12420,7 +12389,7 @@
             </a:endParaRPr>
           </a:p>
           <a:p>
-            <a:pPr marL="3175" indent="-3175" algn="ctr">
+            <a:pPr indent="-3175" algn="ctr">
               <a:buNone/>
             </a:pPr>
             <a:r>
@@ -12429,51 +12398,7 @@
                   <a:srgbClr val="FFC000"/>
                 </a:solidFill>
               </a:rPr>
-              <a:t>Class</a:t>
-            </a:r>
-            <a:r>
-              <a:rPr lang="pt-BR" sz="2200" dirty="0" smtClean="0">
-                <a:solidFill>
-                  <a:srgbClr val="FFC000"/>
-                </a:solidFill>
-              </a:rPr>
-              <a:t>.</a:t>
-            </a:r>
-            <a:r>
-              <a:rPr lang="pt-BR" sz="2200" i="1" dirty="0" err="1" smtClean="0">
-                <a:solidFill>
-                  <a:srgbClr val="FFC000"/>
-                </a:solidFill>
-              </a:rPr>
-              <a:t>forName</a:t>
-            </a:r>
-            <a:r>
-              <a:rPr lang="pt-BR" sz="2200" dirty="0" smtClean="0">
-                <a:solidFill>
-                  <a:srgbClr val="FFC000"/>
-                </a:solidFill>
-              </a:rPr>
-              <a:t>(“</a:t>
-            </a:r>
-            <a:r>
-              <a:rPr lang="pt-BR" sz="2200" dirty="0" err="1" smtClean="0"/>
               <a:t>com.microsoft.sqlserver.jdbc.SQLServerDriver</a:t>
-            </a:r>
-            <a:r>
-              <a:rPr lang="pt-BR" sz="2200" dirty="0" err="1" smtClean="0">
-                <a:solidFill>
-                  <a:srgbClr val="FFC000"/>
-                </a:solidFill>
-              </a:rPr>
-              <a:t>”</a:t>
-            </a:r>
-            <a:r>
-              <a:rPr lang="pt-BR" sz="2200" dirty="0" smtClean="0">
-                <a:solidFill>
-                  <a:srgbClr val="FFC000"/>
-                </a:solidFill>
-              </a:rPr>
-              <a:t>);</a:t>
             </a:r>
             <a:endParaRPr lang="pt-BR" sz="2200" dirty="0" smtClean="0">
               <a:solidFill>
@@ -12482,26 +12407,16 @@
             </a:endParaRPr>
           </a:p>
           <a:p>
-            <a:pPr marL="3175" indent="-3175" algn="ctr">
+            <a:pPr indent="-3175" algn="ctr">
               <a:buNone/>
             </a:pPr>
-            <a:endParaRPr lang="pt-BR" sz="2200" dirty="0" smtClean="0">
-              <a:solidFill>
-                <a:srgbClr val="FFC000"/>
-              </a:solidFill>
-            </a:endParaRPr>
-          </a:p>
-          <a:p>
-            <a:pPr marL="3175" indent="-3175" algn="ctr">
-              <a:buNone/>
-            </a:pPr>
             <a:r>
               <a:rPr lang="pt-BR" sz="2200" dirty="0" err="1" smtClean="0">
                 <a:solidFill>
                   <a:srgbClr val="FFC000"/>
                 </a:solidFill>
               </a:rPr>
-              <a:t>Class</a:t>
+              <a:t>oracle</a:t>
             </a:r>
             <a:r>
               <a:rPr lang="pt-BR" sz="2200" dirty="0" smtClean="0">
@@ -12512,12 +12427,12 @@
               <a:t>.</a:t>
             </a:r>
             <a:r>
-              <a:rPr lang="pt-BR" sz="2200" i="1" dirty="0" err="1" smtClean="0">
-                <a:solidFill>
-                  <a:srgbClr val="FFC000"/>
-                </a:solidFill>
-              </a:rPr>
-              <a:t>forName</a:t>
+              <a:rPr lang="pt-BR" sz="2200" dirty="0" err="1" smtClean="0">
+                <a:solidFill>
+                  <a:srgbClr val="FFC000"/>
+                </a:solidFill>
+              </a:rPr>
+              <a:t>jdbc</a:t>
             </a:r>
             <a:r>
               <a:rPr lang="pt-BR" sz="2200" dirty="0" smtClean="0">
@@ -12525,43 +12440,31 @@
                   <a:srgbClr val="FFC000"/>
                 </a:solidFill>
               </a:rPr>
-              <a:t>(“</a:t>
-            </a:r>
-            <a:r>
-              <a:rPr lang="pt-BR" sz="2200" dirty="0" err="1" smtClean="0"/>
-              <a:t>oracle</a:t>
-            </a:r>
-            <a:r>
-              <a:rPr lang="pt-BR" sz="2200" dirty="0" smtClean="0"/>
               <a:t>.</a:t>
             </a:r>
             <a:r>
-              <a:rPr lang="pt-BR" sz="2200" dirty="0" err="1" smtClean="0"/>
-              <a:t>jdbc</a:t>
-            </a:r>
-            <a:r>
-              <a:rPr lang="pt-BR" sz="2200" dirty="0" smtClean="0"/>
+              <a:rPr lang="pt-BR" sz="2200" dirty="0" err="1" smtClean="0">
+                <a:solidFill>
+                  <a:srgbClr val="FFC000"/>
+                </a:solidFill>
+              </a:rPr>
+              <a:t>driver</a:t>
+            </a:r>
+            <a:r>
+              <a:rPr lang="pt-BR" sz="2200" dirty="0" smtClean="0">
+                <a:solidFill>
+                  <a:srgbClr val="FFC000"/>
+                </a:solidFill>
+              </a:rPr>
               <a:t>.</a:t>
             </a:r>
             <a:r>
-              <a:rPr lang="pt-BR" sz="2200" dirty="0" err="1" smtClean="0"/>
-              <a:t>driver</a:t>
-            </a:r>
-            <a:r>
-              <a:rPr lang="pt-BR" sz="2200" dirty="0" smtClean="0"/>
-              <a:t>.</a:t>
-            </a:r>
-            <a:r>
-              <a:rPr lang="pt-BR" sz="2200" dirty="0" err="1" smtClean="0"/>
+              <a:rPr lang="pt-BR" sz="2200" dirty="0" err="1" smtClean="0">
+                <a:solidFill>
+                  <a:srgbClr val="FFC000"/>
+                </a:solidFill>
+              </a:rPr>
               <a:t>OracleDriver</a:t>
-            </a:r>
-            <a:r>
-              <a:rPr lang="pt-BR" sz="2200" dirty="0" smtClean="0">
-                <a:solidFill>
-                  <a:srgbClr val="FFC000"/>
-                </a:solidFill>
-              </a:rPr>
-              <a:t>”);</a:t>
             </a:r>
             <a:endParaRPr lang="pt-BR" sz="2200" dirty="0" smtClean="0">
               <a:solidFill>
@@ -12642,7 +12545,12 @@
             <p:ph type="title"/>
           </p:nvPr>
         </p:nvSpPr>
-        <p:spPr/>
+        <p:spPr>
+          <a:xfrm>
+            <a:off x="457200" y="274638"/>
+            <a:ext cx="8329642" cy="1143000"/>
+          </a:xfrm>
+        </p:spPr>
         <p:txBody>
           <a:bodyPr/>
           <a:lstStyle/>
@@ -12989,7 +12897,12 @@
             <p:ph type="title"/>
           </p:nvPr>
         </p:nvSpPr>
-        <p:spPr/>
+        <p:spPr>
+          <a:xfrm>
+            <a:off x="457200" y="274638"/>
+            <a:ext cx="8329642" cy="1143000"/>
+          </a:xfrm>
+        </p:spPr>
         <p:txBody>
           <a:bodyPr/>
           <a:lstStyle/>
@@ -13363,7 +13276,12 @@
             <p:ph type="title"/>
           </p:nvPr>
         </p:nvSpPr>
-        <p:spPr/>
+        <p:spPr>
+          <a:xfrm>
+            <a:off x="457200" y="274638"/>
+            <a:ext cx="8329642" cy="1143000"/>
+          </a:xfrm>
+        </p:spPr>
         <p:txBody>
           <a:bodyPr/>
           <a:lstStyle/>
@@ -13851,7 +13769,12 @@
             <p:ph type="title"/>
           </p:nvPr>
         </p:nvSpPr>
-        <p:spPr/>
+        <p:spPr>
+          <a:xfrm>
+            <a:off x="457200" y="274638"/>
+            <a:ext cx="8329642" cy="1143000"/>
+          </a:xfrm>
+        </p:spPr>
         <p:txBody>
           <a:bodyPr/>
           <a:lstStyle/>
@@ -14157,7 +14080,12 @@
             <p:ph type="title"/>
           </p:nvPr>
         </p:nvSpPr>
-        <p:spPr/>
+        <p:spPr>
+          <a:xfrm>
+            <a:off x="457200" y="274638"/>
+            <a:ext cx="8329642" cy="1143000"/>
+          </a:xfrm>
+        </p:spPr>
         <p:txBody>
           <a:bodyPr/>
           <a:lstStyle/>
@@ -14759,7 +14687,12 @@
             <p:ph type="title"/>
           </p:nvPr>
         </p:nvSpPr>
-        <p:spPr/>
+        <p:spPr>
+          <a:xfrm>
+            <a:off x="457200" y="274638"/>
+            <a:ext cx="8329642" cy="1143000"/>
+          </a:xfrm>
+        </p:spPr>
         <p:txBody>
           <a:bodyPr/>
           <a:lstStyle/>
@@ -15357,7 +15290,12 @@
             <p:ph type="title"/>
           </p:nvPr>
         </p:nvSpPr>
-        <p:spPr/>
+        <p:spPr>
+          <a:xfrm>
+            <a:off x="457200" y="274638"/>
+            <a:ext cx="8329642" cy="1143000"/>
+          </a:xfrm>
+        </p:spPr>
         <p:txBody>
           <a:bodyPr/>
           <a:lstStyle/>
@@ -15593,7 +15531,12 @@
             <p:ph type="title"/>
           </p:nvPr>
         </p:nvSpPr>
-        <p:spPr/>
+        <p:spPr>
+          <a:xfrm>
+            <a:off x="457200" y="274638"/>
+            <a:ext cx="8329642" cy="1143000"/>
+          </a:xfrm>
+        </p:spPr>
         <p:txBody>
           <a:bodyPr/>
           <a:lstStyle/>
@@ -16411,7 +16354,12 @@
             <p:ph type="title"/>
           </p:nvPr>
         </p:nvSpPr>
-        <p:spPr/>
+        <p:spPr>
+          <a:xfrm>
+            <a:off x="457200" y="274638"/>
+            <a:ext cx="8329642" cy="1143000"/>
+          </a:xfrm>
+        </p:spPr>
         <p:txBody>
           <a:bodyPr/>
           <a:lstStyle/>
@@ -16610,7 +16558,12 @@
             <p:ph type="title"/>
           </p:nvPr>
         </p:nvSpPr>
-        <p:spPr/>
+        <p:spPr>
+          <a:xfrm>
+            <a:off x="457200" y="274638"/>
+            <a:ext cx="8329642" cy="1143000"/>
+          </a:xfrm>
+        </p:spPr>
         <p:txBody>
           <a:bodyPr/>
           <a:lstStyle/>
@@ -24206,21 +24159,12 @@
                   <a:srgbClr val="FFC000"/>
                 </a:solidFill>
               </a:rPr>
-              <a:t>“</a:t>
-            </a:r>
-            <a:r>
-              <a:rPr lang="pt-BR" sz="2000" dirty="0" smtClean="0">
-                <a:solidFill>
-                  <a:srgbClr val="FFC000"/>
-                </a:solidFill>
-              </a:rPr>
-              <a:t>Manuel%”</a:t>
+              <a:t>“Manuel”</a:t>
             </a:r>
             <a:r>
               <a:rPr lang="pt-BR" sz="2000" dirty="0" smtClean="0"/>
               <a:t>);</a:t>
             </a:r>
-            <a:endParaRPr lang="pt-BR" sz="2000" dirty="0" smtClean="0"/>
           </a:p>
           <a:p>
             <a:pPr lvl="1" indent="-6350">
@@ -24290,13 +24234,6 @@
   <p:clrMapOvr>
     <a:masterClrMapping/>
   </p:clrMapOvr>
-  <p:timing>
-    <p:tnLst>
-      <p:par>
-        <p:cTn id="1" dur="indefinite" restart="never" nodeType="tmRoot"/>
-      </p:par>
-    </p:tnLst>
-  </p:timing>
 </p:sld>
 </file>
 
@@ -24567,13 +24504,6 @@
   <p:clrMapOvr>
     <a:masterClrMapping/>
   </p:clrMapOvr>
-  <p:timing>
-    <p:tnLst>
-      <p:par>
-        <p:cTn id="1" dur="indefinite" restart="never" nodeType="tmRoot"/>
-      </p:par>
-    </p:tnLst>
-  </p:timing>
 </p:sld>
 </file>
 
@@ -24856,13 +24786,6 @@
   <p:clrMapOvr>
     <a:masterClrMapping/>
   </p:clrMapOvr>
-  <p:timing>
-    <p:tnLst>
-      <p:par>
-        <p:cTn id="1" dur="indefinite" restart="never" nodeType="tmRoot"/>
-      </p:par>
-    </p:tnLst>
-  </p:timing>
 </p:sld>
 </file>
 
@@ -25142,13 +25065,6 @@
   <p:clrMapOvr>
     <a:masterClrMapping/>
   </p:clrMapOvr>
-  <p:timing>
-    <p:tnLst>
-      <p:par>
-        <p:cTn id="1" dur="indefinite" restart="never" nodeType="tmRoot"/>
-      </p:par>
-    </p:tnLst>
-  </p:timing>
 </p:sld>
 </file>
 
@@ -36913,20 +36829,20 @@
               <a:t>“SELECT </a:t>
             </a:r>
             <a:r>
+              <a:rPr lang="pt-BR" sz="2000" dirty="0" smtClean="0"/>
+              <a:t>nome, </a:t>
+            </a:r>
+            <a:r>
               <a:rPr lang="pt-BR" sz="2000" dirty="0" err="1" smtClean="0"/>
-              <a:t>f_name</a:t>
+              <a:t>salario</a:t>
             </a:r>
             <a:r>
               <a:rPr lang="pt-BR" sz="2000" dirty="0" smtClean="0"/>
-              <a:t>, </a:t>
-            </a:r>
-            <a:r>
-              <a:rPr lang="pt-BR" sz="2000" dirty="0" err="1" smtClean="0"/>
-              <a:t>f_rmnt</a:t>
+              <a:t> </a:t>
             </a:r>
             <a:r>
               <a:rPr lang="pt-BR" sz="2000" dirty="0" smtClean="0"/>
-              <a:t> FROM </a:t>
+              <a:t>FROM </a:t>
             </a:r>
             <a:r>
               <a:rPr lang="pt-BR" sz="2000" dirty="0" err="1" smtClean="0"/>
@@ -37110,15 +37026,7 @@
             </a:r>
             <a:r>
               <a:rPr lang="pt-BR" sz="2000" dirty="0" smtClean="0"/>
-              <a:t>“</a:t>
-            </a:r>
-            <a:r>
-              <a:rPr lang="pt-BR" sz="2000" dirty="0" err="1" smtClean="0"/>
-              <a:t>f_name</a:t>
-            </a:r>
-            <a:r>
-              <a:rPr lang="pt-BR" sz="2000" dirty="0" smtClean="0"/>
-              <a:t>”</a:t>
+              <a:t>“nome”</a:t>
             </a:r>
             <a:r>
               <a:rPr lang="pt-BR" sz="2000" dirty="0" smtClean="0">
@@ -37132,6 +37040,7 @@
               <a:rPr lang="pt-BR" sz="2000" dirty="0" smtClean="0"/>
               <a:t>;</a:t>
             </a:r>
+            <a:endParaRPr lang="pt-BR" sz="2000" dirty="0" smtClean="0"/>
           </a:p>
           <a:p>
             <a:pPr marL="0" indent="0">
@@ -37181,7 +37090,7 @@
             </a:r>
             <a:r>
               <a:rPr lang="pt-BR" sz="2000" dirty="0" err="1" smtClean="0"/>
-              <a:t>f_rmnt</a:t>
+              <a:t>salario</a:t>
             </a:r>
             <a:r>
               <a:rPr lang="pt-BR" sz="2000" dirty="0" smtClean="0"/>
@@ -37199,6 +37108,7 @@
               <a:rPr lang="pt-BR" sz="2000" dirty="0" smtClean="0"/>
               <a:t>;</a:t>
             </a:r>
+            <a:endParaRPr lang="pt-BR" sz="2000" dirty="0" smtClean="0"/>
           </a:p>
           <a:p>
             <a:pPr marL="0" indent="0">
@@ -37440,7 +37350,7 @@
                   <a:srgbClr val="FFC000"/>
                 </a:solidFill>
               </a:rPr>
-              <a:t>func_rmnt</a:t>
+              <a:t>func_rmnt_val</a:t>
             </a:r>
             <a:r>
               <a:rPr lang="pt-BR" sz="2000" dirty="0" smtClean="0">
